--- a/Skizzen/UI_Upgrade.pptx
+++ b/Skizzen/UI_Upgrade.pptx
@@ -238,7 +238,7 @@
             <a:spLocks noGrp="1" noChangeArrowheads="1"/>
             <a:extLst>
               <a:ext uri="smNativeData">
-                <pr:smNativeData xmlns:pr="smNativeData" xmlns="smNativeData" val="SMDATA_15_u1g6ZxMAAAAlAAAAZAAAAA0AAAAAkAAAAEgAAACQAAAASAAAAAAAAAACAAAAAAAAAAEAAABQAAAAAAAAAAAA4D8AAAAAAADgPwAAAAAAAOA/AAAAAAAA4D8AAAAAAADgPwAAAAAAAOA/AAAAAAAA4D8AAAAAAADgPwAAAAAAAOA/AAAAAAAA4D8CAAAAjAAAAAAAAAAAAAAARHLEDP///wgAAAAAAAAAAAAAAAAAAAAAAAAAAAAAAAAAAAAAZAAAAAEAAABAAAAAAAAAAAAAAAAAAAAAAAAAAAAAAAAAAAAAAAAAAAAAAAAAAAAAAAAAAAAAAAAAAAAAAAAAAAAAAAAAAAAAAAAAAAAAAAAAAAAAAAAAAAAAAAAAAAAAFAAAADwAAAAAAAAAAAAAAAAAAAkUAAAAAQAAABQAAAAUAAAAFAAAAAEAAAAAAAAAZAAAAGQAAAAAAAAAZAAAAGQAAAAVAAAAYAAAAAAAAAAAAAAADwAAACADAAAAAAAAAAAAAAEAAACgMgAAVgcAAKr4//8BAAAAf39/AAEAAABkAAAAAAAAABQAAABAHwAAAAAAACYAAAAAAAAAwOD//wAAAAAmAAAAZAAAABYAAABMAAAAAAAAAAAAAAAEAAAAAAAAAAEAAADn5uYKAAAAACgAAAAoAAAAZAAAAGQAAAAAAAAAzMzMAAAAAABQAAAAUAAAAGQAAABkAAAAAAAAABcAAAAUAAAAAAAAAAAAAAD/fwAA/38AAAAAAAAJAAAABAAAAAAAAAAeAAAAaAAAAAAAAAAAAAAAAAAAAAAAAAAAAAAAECcAABAnAAAAAAAAAAAAAAAAAAAAAAAAAAAAAAAAAAAAAAAAAAAAABQAAAAAAAAAwMD/AAAAAABkAAAAMgAAAAAAAABkAAAAAAAAAH9/fwAKAAAAIgAAABgAAAAAAAAAAAAAAAAAAAAAAAAAAAAAAAAAAAAkAAAAJAAAAAAAAAAHAAAAAAAAAAAAAAAAAAAAAAAAAAAAAAAAAAAAf39/ACUAAABYAAAAAAAAAAAAAAAAAAAAAAAAAAAAAAAAAAAAAAAAAAAAAAAAAAAAAAAAAAAAAAA/AAAAAAAAAKCGAQAAAAAAAAAAAAAAAAAMAAAAAQAAAAAAAAAAAAAAAAAAAB8AAABUAAAAAAAABQAAAAEAAAAAAAAAAAAAAAAAAAAAAAAAAAAAAAAAAAAAAAAAAAAAAAJ/f38AAAAAA8zMzADAwP8Af39/AAAAAAAAAAAAAAAAAAAAAAAAAAAAIQAAABgAAAAUAAAAYAkAAOgGAACgQQAAmBUAABAAAAAmAAAACAAAAIGAAAAAAAAA"/>
+                <pr:smNativeData xmlns:pr="smNativeData" xmlns="smNativeData" val="SMDATA_15_/1o6ZxMAAAAlAAAAZAAAAA0AAAAAkAAAAEgAAACQAAAASAAAAAAAAAACAAAAAAAAAAEAAABQAAAAAAAAAAAA4D8AAAAAAADgPwAAAAAAAOA/AAAAAAAA4D8AAAAAAADgPwAAAAAAAOA/AAAAAAAA4D8AAAAAAADgPwAAAAAAAOA/AAAAAAAA4D8CAAAAjAAAAAAAAAAAAAAARHLEDP///wgAAAAAAAAAAAAAAAAAAAAAAAAAAAAAAAAAAAAAZAAAAAEAAABAAAAAAAAAAAAAAAAAAAAAAAAAAAAAAAAAAAAAAAAAAAAAAAAAAAAAAAAAAAAAAAAAAAAAAAAAAAAAAAAAAAAAAAAAAAAAAAAAAAAAAAAAAAAAAAAAAAAAFAAAADwAAAAAAAAAAAAAAAAAAAkUAAAAAQAAABQAAAAUAAAAFAAAAAEAAAAAAAAAZAAAAGQAAAAAAAAAZAAAAGQAAAAVAAAAYAAAAAAAAAAAAAAADwAAACADAAAAAAAAAAAAAAEAAACgMgAAVgcAAKr4//8BAAAAf39/AAEAAABkAAAAAAAAABQAAABAHwAAAAAAACYAAAAAAAAAwOD//wAAAAAmAAAAZAAAABYAAABMAAAAAAAAAAAAAAAEAAAAAAAAAAEAAADn5uYKAAAAACgAAAAoAAAAZAAAAGQAAAAAAAAAzMzMAAAAAABQAAAAUAAAAGQAAABkAAAAAAAAABcAAAAUAAAAAAAAAAAAAAD/fwAA/38AAAAAAAAJAAAABAAAAAAAAAAeAAAAaAAAAAAAAAAAAAAAAAAAAAAAAAAAAAAAECcAABAnAAAAAAAAAAAAAAAAAAAAAAAAAAAAAAAAAAAAAAAAAAAAABQAAAAAAAAAwMD/AAAAAABkAAAAMgAAAAAAAABkAAAAAAAAAH9/fwAKAAAAIgAAABgAAAAAAAAAAAAAAAAAAAAAAAAAAAAAAAAAAAAkAAAAJAAAAAAAAAAHAAAAAAAAAAAAAAAAAAAAAAAAAAAAAAAAAAAAf39/ACUAAABYAAAAAAAAAAAAAAAAAAAAAAAAAAAAAAAAAAAAAAAAAAAAAAAAAAAAAAAAAAAAAAA/AAAAAAAAAKCGAQAAAAAAAAAAAAAAAAAMAAAAAQAAAAAAAAAAAAAAAAAAAB8AAABUAAAAAAAABQAAAAEAAAAAAAAAAAAAAAAAAAAAAAAAAAAAAAAAAAAAAAAAAAAAAAJ/f38AAAAAA8zMzADAwP8Af39/AAAAAAAAAAAAAAAAAAAAAAAAAAAAIQAAABgAAAAUAAAAYAkAAOgGAACgQQAAmBUAABAAAAAmAAAACAAAAIGAAAAAAAAA"/>
               </a:ext>
             </a:extLst>
           </p:cNvSpPr>
@@ -304,7 +304,7 @@
             <a:spLocks noGrp="1" noChangeArrowheads="1"/>
             <a:extLst>
               <a:ext uri="smNativeData">
-                <pr:smNativeData xmlns:pr="smNativeData" xmlns="smNativeData" val="SMDATA_15_u1g6ZxMAAAAlAAAAZAAAAA0AAAAAkAAAAEgAAACQAAAASAAAAAAAAAAAAAAAAAAAAAEAAABQAAAAAAAAAAAA4D8AAAAAAADgPwAAAAAAAOA/AAAAAAAA4D8AAAAAAADgPwAAAAAAAOA/AAAAAAAA4D8AAAAAAADgPwAAAAAAAOA/AAAAAAAA4D8CAAAAjAAAAAAAAAAAAAAARHLEDP///wgAAAAAAAAAAAAAAAAAAAAAAAAAAAAAAAAAAAAAZAAAAAEAAABAAAAAAAAAAAAAAAAAAAAAAAAAAAAAAAAAAAAAAAAAAAAAAAAAAAAAAAAAAAAAAAAAAAAAAAAAAAAAAAAAAAAAAAAAAAAAAAAAAAAAAAAAAAAAAAAAAAAAFAAAADwAAAAAAAAAAAAAAAAAAAkUAAAAAQAAABQAAAAUAAAAFAAAAAEAAAAAAAAAZAAAAGQAAAAAAAAAZAAAAGQAAAAVAAAAYAAAAAAAAAAAAAAADwAAACADAAAAAAAAAAAAAAEAAACgMgAAVgcAAKr4//8BAAAAf39/AAEAAABkAAAAAAAAABQAAABAHwAAAAAAACYAAAAAAAAAwOD//wAAAAAmAAAAZAAAABYAAABMAAAAAAAAAAAAAAAEAAAAAAAAAAEAAADn5uYKAAAAACgAAAAoAAAAZAAAAGQAAAAAAAAAzMzMAAAAAABQAAAAUAAAAGQAAABkAAAAAAAAABcAAAAUAAAAAAAAAAAAAAD/fwAA/38AAAAAAAAJAAAABAAAADUANgAeAAAAaAAAAAAAAAAAAAAAAAAAAAAAAAAAAAAAECcAABAnAAAAAAAAAAAAAAAAAAAAAAAAAAAAAAAAAAAAAAAAAAAAABQAAAAAAAAAwMD/AAAAAABkAAAAMgAAAAAAAABkAAAAAAAAAH9/fwAKAAAAIgAAABgAAAAAAAAAAAAAAAAAAAAAAAAAAAAAAAAAAAAkAAAAJAAAAAAAAAAHAAAAAAAAAAAAAAAAAAAAAAAAAAAAAAAAAAAAf39/ACUAAABYAAAAAAAAAAAAAAAAAAAAAAAAAAAAAAAAAAAAAAAAAAAAAAAAAAAAAAAAAAAAAAA/AAAAAAAAAKCGAQAAAAAAAAAAAAAAAAAMAAAAAQAAAAAAAAAAAAAAAAAAAB8AAABUAAAAAAAABQAAAAEAAAAAAAAAAAAAAAAAAAAAAAAAAAAAAAAAAAAAAAAAAAAAAAJ/f38AAAAAA8zMzADAwP8Af39/AAAAAAAAAAAAAAAAAAAAAAAAAAAAIQAAABgAAAAUAAAAYAkAACkWAACgQQAAWCAAABAAAAAmAAAACAAAAAGAAAAAAAAA"/>
+                <pr:smNativeData xmlns:pr="smNativeData" xmlns="smNativeData" val="SMDATA_15_/1o6ZxMAAAAlAAAAZAAAAA0AAAAAkAAAAEgAAACQAAAASAAAAAAAAAAAAAAAAAAAAAEAAABQAAAAAAAAAAAA4D8AAAAAAADgPwAAAAAAAOA/AAAAAAAA4D8AAAAAAADgPwAAAAAAAOA/AAAAAAAA4D8AAAAAAADgPwAAAAAAAOA/AAAAAAAA4D8CAAAAjAAAAAAAAAAAAAAARHLEDP///wgAAAAAAAAAAAAAAAAAAAAAAAAAAAAAAAAAAAAAZAAAAAEAAABAAAAAAAAAAAAAAAAAAAAAAAAAAAAAAAAAAAAAAAAAAAAAAAAAAAAAAAAAAAAAAAAAAAAAAAAAAAAAAAAAAAAAAAAAAAAAAAAAAAAAAAAAAAAAAAAAAAAAFAAAADwAAAAAAAAAAAAAAAAAAAkUAAAAAQAAABQAAAAUAAAAFAAAAAEAAAAAAAAAZAAAAGQAAAAAAAAAZAAAAGQAAAAVAAAAYAAAAAAAAAAAAAAADwAAACADAAAAAAAAAAAAAAEAAACgMgAAVgcAAKr4//8BAAAAf39/AAEAAABkAAAAAAAAABQAAABAHwAAAAAAACYAAAAAAAAAwOD//wAAAAAmAAAAZAAAABYAAABMAAAAAAAAAAAAAAAEAAAAAAAAAAEAAADn5uYKAAAAACgAAAAoAAAAZAAAAGQAAAAAAAAAzMzMAAAAAABQAAAAUAAAAGQAAABkAAAAAAAAABcAAAAUAAAAAAAAAAAAAAD/fwAA/38AAAAAAAAJAAAABAAAADUANgAeAAAAaAAAAAAAAAAAAAAAAAAAAAAAAAAAAAAAECcAABAnAAAAAAAAAAAAAAAAAAAAAAAAAAAAAAAAAAAAAAAAAAAAABQAAAAAAAAAwMD/AAAAAABkAAAAMgAAAAAAAABkAAAAAAAAAH9/fwAKAAAAIgAAABgAAAAAAAAAAAAAAAAAAAAAAAAAAAAAAAAAAAAkAAAAJAAAAAAAAAAHAAAAAAAAAAAAAAAAAAAAAAAAAAAAAAAAAAAAf39/ACUAAABYAAAAAAAAAAAAAAAAAAAAAAAAAAAAAAAAAAAAAAAAAAAAAAAAAAAAAAAAAAAAAAA/AAAAAAAAAKCGAQAAAAAAAAAAAAAAAAAMAAAAAQAAAAAAAAAAAAAAAAAAAB8AAABUAAAAAAAABQAAAAEAAAAAAAAAAAAAAAAAAAAAAAAAAAAAAAAAAAAAAAAAAAAAAAJ/f38AAAAAA8zMzADAwP8Af39/AAAAAAAAAAAAAAAAAAAAAAAAAAAAIQAAABgAAAAUAAAAYAkAACkWAACgQQAAWCAAABAAAAAmAAAACAAAAAGAAAAAAAAA"/>
               </a:ext>
             </a:extLst>
           </p:cNvSpPr>
@@ -375,7 +375,7 @@
             <a:spLocks noGrp="1" noChangeArrowheads="1"/>
             <a:extLst>
               <a:ext uri="smNativeData">
-                <pr:smNativeData xmlns:pr="smNativeData" xmlns="smNativeData" val="SMDATA_15_u1g6ZxMAAAAlAAAAZAAAAA0AAAAAkAAAAEgAAACQAAAASAAAAAAAAAABAAAAAAAAAAEAAABQAAAAAAAAAAAA4D8AAAAAAADgPwAAAAAAAOA/AAAAAAAA4D8AAAAAAADgPwAAAAAAAOA/AAAAAAAA4D8AAAAAAADgPwAAAAAAAOA/AAAAAAAA4D8CAAAAjAAAAAAAAAAAAAAARHLEDP///wgAAAAAAAAAAAAAAAAAAAAAAAAAAAAAAAAAAAAAZAAAAAEAAABAAAAAAAAAAAAAAAAAAAAAAAAAAAAAAAAAAAAAAAAAAAAAAAAAAAAAAAAAAAAAAAAAAAAAAAAAAAAAAAAAAAAAAAAAAAAAAAAAAAAAAAAAAAAAAAAAAAAAFAAAADwAAAAAAAAAAAAAAAAAAAkUAAAAAQAAABQAAAAUAAAAFAAAAAEAAAAAAAAAZAAAAGQAAAAAAAAAZAAAAGQAAAAVAAAAYAAAAAAAAAAAAAAADwAAACADAAAAAAAAAAAAAAEAAACgMgAAVgcAAKr4//8BAAAAf39/AAEAAABkAAAAAAAAABQAAABAHwAAAAAAACYAAAAAAAAAwOD//wAAAAAmAAAAZAAAABYAAABMAAAAAAAAAAAAAAAEAAAAAAAAAAEAAADn5uYKAAAAACgAAAAoAAAAZAAAAGQAAAAAAAAAzMzMAAAAAABQAAAAUAAAAGQAAABkAAAAAAAAABcAAAAUAAAAAAAAAAAAAAD/fwAA/38AAAAAAAAJAAAABAAAAPG8AAAeAAAAaAAAAAAAAAAAAAAAAAAAAAAAAAAAAAAAECcAABAnAAAAAAAAAAAAAAAAAAAAAAAAAAAAAAAAAAAAAAAAAAAAABQAAAAAAAAAwMD/AAAAAABkAAAAMgAAAAAAAABkAAAAAAAAAH9/fwAKAAAAIgAAABgAAAAAAAAAAAAAAAAAAAAAAAAAAAAAAAAAAAAkAAAAJAAAAAAAAAAHAAAAAAAAAAAAAAAAAAAAAAAAAAAAAAAAAAAAf39/ACUAAABYAAAAAAAAAAAAAAAAAAAAAAAAAAAAAAAAAAAAAAAAAAAAAAAAAAAAAAAAAAAAAAA/AAAAAAAAAKCGAQAAAAAAAAAAAAAAAAAMAAAAAQAAAAAAAAAAAAAAAAAAAB8AAABUAAAAAAAABQAAAAEAAAAAAAAAAAAAAAAAAAAAAAAAAAAAAAAAAAAAAAAAAAAAAAJ/f38AAAAAA8zMzADAwP8Af39/AAAAAAAAAAAAAAAAAAAAAAAAAAAAIQAAABgAAAAUAAAAKAUAABonAAAIFgAAWSkAABAAAAAmAAAACAAAAAAAAAAAAAAA"/>
+                <pr:smNativeData xmlns:pr="smNativeData" xmlns="smNativeData" val="SMDATA_15_/1o6ZxMAAAAlAAAAZAAAAA0AAAAAkAAAAEgAAACQAAAASAAAAAAAAAABAAAAAAAAAAEAAABQAAAAAAAAAAAA4D8AAAAAAADgPwAAAAAAAOA/AAAAAAAA4D8AAAAAAADgPwAAAAAAAOA/AAAAAAAA4D8AAAAAAADgPwAAAAAAAOA/AAAAAAAA4D8CAAAAjAAAAAAAAAAAAAAARHLEDP///wgAAAAAAAAAAAAAAAAAAAAAAAAAAAAAAAAAAAAAZAAAAAEAAABAAAAAAAAAAAAAAAAAAAAAAAAAAAAAAAAAAAAAAAAAAAAAAAAAAAAAAAAAAAAAAAAAAAAAAAAAAAAAAAAAAAAAAAAAAAAAAAAAAAAAAAAAAAAAAAAAAAAAFAAAADwAAAAAAAAAAAAAAAAAAAkUAAAAAQAAABQAAAAUAAAAFAAAAAEAAAAAAAAAZAAAAGQAAAAAAAAAZAAAAGQAAAAVAAAAYAAAAAAAAAAAAAAADwAAACADAAAAAAAAAAAAAAEAAACgMgAAVgcAAKr4//8BAAAAf39/AAEAAABkAAAAAAAAABQAAABAHwAAAAAAACYAAAAAAAAAwOD//wAAAAAmAAAAZAAAABYAAABMAAAAAAAAAAAAAAAEAAAAAAAAAAEAAADn5uYKAAAAACgAAAAoAAAAZAAAAGQAAAAAAAAAzMzMAAAAAABQAAAAUAAAAGQAAABkAAAAAAAAABcAAAAUAAAAAAAAAAAAAAD/fwAA/38AAAAAAAAJAAAABAAAAPG8AAAeAAAAaAAAAAAAAAAAAAAAAAAAAAAAAAAAAAAAECcAABAnAAAAAAAAAAAAAAAAAAAAAAAAAAAAAAAAAAAAAAAAAAAAABQAAAAAAAAAwMD/AAAAAABkAAAAMgAAAAAAAABkAAAAAAAAAH9/fwAKAAAAIgAAABgAAAAAAAAAAAAAAAAAAAAAAAAAAAAAAAAAAAAkAAAAJAAAAAAAAAAHAAAAAAAAAAAAAAAAAAAAAAAAAAAAAAAAAAAAf39/ACUAAABYAAAAAAAAAAAAAAAAAAAAAAAAAAAAAAAAAAAAAAAAAAAAAAAAAAAAAAAAAAAAAAA/AAAAAAAAAKCGAQAAAAAAAAAAAAAAAAAMAAAAAQAAAAAAAAAAAAAAAAAAAB8AAABUAAAAAAAABQAAAAEAAAAAAAAAAAAAAAAAAAAAAAAAAAAAAAAAAAAAAAAAAAAAAAJ/f38AAAAAA8zMzADAwP8Af39/AAAAAAAAAAAAAAAAAAAAAAAAAAAAIQAAABgAAAAUAAAAKAUAABonAAAIFgAAWSkAABAAAAAmAAAACAAAAAAAAAAAAAAA"/>
               </a:ext>
             </a:extLst>
           </p:cNvSpPr>
@@ -391,7 +391,7 @@
             <a:pPr>
               <a:defRPr lang="de-de"/>
             </a:pPr>
-            <a:fld id="{2EDAA7D3-9DC3-8F51-8D62-6B04E92C7B3E}" type="datetime1">
+            <a:fld id="{1CCFDC5A-14F1-9A2A-BF77-E27F923949B7}" type="datetime1">
               <a:t/>
             </a:fld>
           </a:p>
@@ -404,7 +404,7 @@
             <a:spLocks noGrp="1" noChangeArrowheads="1"/>
             <a:extLst>
               <a:ext uri="smNativeData">
-                <pr:smNativeData xmlns:pr="smNativeData" xmlns="smNativeData" val="SMDATA_15_u1g6ZxMAAAAlAAAAZAAAAA0AAAAAkAAAAEgAAACQAAAASAAAAAAAAAABAAAAAAAAAAEAAABQAAAAAAAAAAAA4D8AAAAAAADgPwAAAAAAAOA/AAAAAAAA4D8AAAAAAADgPwAAAAAAAOA/AAAAAAAA4D8AAAAAAADgPwAAAAAAAOA/AAAAAAAA4D8CAAAAjAAAAAAAAAAAAAAARHLEDP///wgAAAAAAAAAAAAAAAAAAAAAAAAAAAAAAAAAAAAAZAAAAAEAAABAAAAAAAAAAAAAAAAAAAAAAAAAAAAAAAAAAAAAAAAAAAAAAAAAAAAAAAAAAAAAAAAAAAAAAAAAAAAAAAAAAAAAAAAAAAAAAAAAAAAAAAAAAAAAAAAAAAAAFAAAADwAAAAAAAAAAAAAAAAAAAkUAAAAAQAAABQAAAAUAAAAFAAAAAEAAAAAAAAAZAAAAGQAAAAAAAAAZAAAAGQAAAAVAAAAYAAAAAAAAAAAAAAADwAAACADAAAAAAAAAAAAAAEAAACgMgAAVgcAAKr4//8BAAAAf39/AAEAAABkAAAAAAAAABQAAABAHwAAAAAAACYAAAAAAAAAwOD//wAAAAAmAAAAZAAAABYAAABMAAAAAAAAAAAAAAAEAAAAAAAAAAEAAADn5uYKAAAAACgAAAAoAAAAZAAAAGQAAAAAAAAAzMzMAAAAAABQAAAAUAAAAGQAAABkAAAAAAAAABcAAAAUAAAAAAAAAAAAAAD/fwAA/38AAAAAAAAJAAAABAAAAAAxAAAeAAAAaAAAAAAAAAAAAAAAAAAAAAAAAAAAAAAAECcAABAnAAAAAAAAAAAAAAAAAAAAAAAAAAAAAAAAAAAAAAAAAAAAABQAAAAAAAAAwMD/AAAAAABkAAAAMgAAAAAAAABkAAAAAAAAAH9/fwAKAAAAIgAAABgAAAAAAAAAAAAAAAAAAAAAAAAAAAAAAAAAAAAkAAAAJAAAAAAAAAAHAAAAAAAAAAAAAAAAAAAAAAAAAAAAAAAAAAAAf39/ACUAAABYAAAAAAAAAAAAAAAAAAAAAAAAAAAAAAAAAAAAAAAAAAAAAAAAAAAAAAAAAAAAAAA/AAAAAAAAAKCGAQAAAAAAAAAAAAAAAAAMAAAAAQAAAAAAAAAAAAAAAAAAAB8AAABUAAAAAAAABQAAAAEAAAAAAAAAAAAAAAAAAAAAAAAAAAAAAAAAAAAAAAAAAAAAAAJ/f38AAAAAA8zMzADAwP8Af39/AAAAAAAAAAAAAAAAAAAAAAAAAAAAIQAAABgAAAAUAAAA2BgAABonAAAoMgAAWSkAABAAAAAmAAAACAAAAAAAAAAAAAAA"/>
+                <pr:smNativeData xmlns:pr="smNativeData" xmlns="smNativeData" val="SMDATA_15_/1o6ZxMAAAAlAAAAZAAAAA0AAAAAkAAAAEgAAACQAAAASAAAAAAAAAABAAAAAAAAAAEAAABQAAAAAAAAAAAA4D8AAAAAAADgPwAAAAAAAOA/AAAAAAAA4D8AAAAAAADgPwAAAAAAAOA/AAAAAAAA4D8AAAAAAADgPwAAAAAAAOA/AAAAAAAA4D8CAAAAjAAAAAAAAAAAAAAARHLEDP///wgAAAAAAAAAAAAAAAAAAAAAAAAAAAAAAAAAAAAAZAAAAAEAAABAAAAAAAAAAAAAAAAAAAAAAAAAAAAAAAAAAAAAAAAAAAAAAAAAAAAAAAAAAAAAAAAAAAAAAAAAAAAAAAAAAAAAAAAAAAAAAAAAAAAAAAAAAAAAAAAAAAAAFAAAADwAAAAAAAAAAAAAAAAAAAkUAAAAAQAAABQAAAAUAAAAFAAAAAEAAAAAAAAAZAAAAGQAAAAAAAAAZAAAAGQAAAAVAAAAYAAAAAAAAAAAAAAADwAAACADAAAAAAAAAAAAAAEAAACgMgAAVgcAAKr4//8BAAAAf39/AAEAAABkAAAAAAAAABQAAABAHwAAAAAAACYAAAAAAAAAwOD//wAAAAAmAAAAZAAAABYAAABMAAAAAAAAAAAAAAAEAAAAAAAAAAEAAADn5uYKAAAAACgAAAAoAAAAZAAAAGQAAAAAAAAAzMzMAAAAAABQAAAAUAAAAGQAAABkAAAAAAAAABcAAAAUAAAAAAAAAAAAAAD/fwAA/38AAAAAAAAJAAAABAAAAAAxAAAeAAAAaAAAAAAAAAAAAAAAAAAAAAAAAAAAAAAAECcAABAnAAAAAAAAAAAAAAAAAAAAAAAAAAAAAAAAAAAAAAAAAAAAABQAAAAAAAAAwMD/AAAAAABkAAAAMgAAAAAAAABkAAAAAAAAAH9/fwAKAAAAIgAAABgAAAAAAAAAAAAAAAAAAAAAAAAAAAAAAAAAAAAkAAAAJAAAAAAAAAAHAAAAAAAAAAAAAAAAAAAAAAAAAAAAAAAAAAAAf39/ACUAAABYAAAAAAAAAAAAAAAAAAAAAAAAAAAAAAAAAAAAAAAAAAAAAAAAAAAAAAAAAAAAAAA/AAAAAAAAAKCGAQAAAAAAAAAAAAAAAAAMAAAAAQAAAAAAAAAAAAAAAAAAAB8AAABUAAAAAAAABQAAAAEAAAAAAAAAAAAAAAAAAAAAAAAAAAAAAAAAAAAAAAAAAAAAAAJ/f38AAAAAA8zMzADAwP8Af39/AAAAAAAAAAAAAAAAAAAAAAAAAAAAIQAAABgAAAAUAAAA2BgAABonAAAoMgAAWSkAABAAAAAmAAAACAAAAAAAAAAAAAAA"/>
               </a:ext>
             </a:extLst>
           </p:cNvSpPr>
@@ -430,7 +430,7 @@
             <a:spLocks noGrp="1" noChangeArrowheads="1"/>
             <a:extLst>
               <a:ext uri="smNativeData">
-                <pr:smNativeData xmlns:pr="smNativeData" xmlns="smNativeData" val="SMDATA_15_u1g6ZxMAAAAlAAAAZAAAAA0AAAAAkAAAAEgAAACQAAAASAAAAAAAAAABAAAAAAAAAAEAAABQAAAAAAAAAAAA4D8AAAAAAADgPwAAAAAAAOA/AAAAAAAA4D8AAAAAAADgPwAAAAAAAOA/AAAAAAAA4D8AAAAAAADgPwAAAAAAAOA/AAAAAAAA4D8CAAAAjAAAAAAAAAAAAAAARHLEDP///wgAAAAAAAAAAAAAAAAAAAAAAAAAAAAAAAAAAAAAZAAAAAEAAABAAAAAAAAAAAAAAAAAAAAAAAAAAAAAAAAAAAAAAAAAAAAAAAAAAAAAAAAAAAAAAAAAAAAAAAAAAAAAAAAAAAAAAAAAAAAAAAAAAAAAAAAAAAAAAAAAAAAAFAAAADwAAAAAAAAAAAAAAAAAAAkUAAAAAQAAABQAAAAUAAAAFAAAAAEAAAAAAAAAZAAAAGQAAAAAAAAAZAAAAGQAAAAVAAAAYAAAAAAAAAAAAAAADwAAACADAAAAAAAAAAAAAAEAAACgMgAAVgcAAKr4//8BAAAAf39/AAEAAABkAAAAAAAAABQAAABAHwAAAAAAACYAAAAAAAAAwOD//wAAAAAmAAAAZAAAABYAAABMAAAAAAAAAAAAAAAEAAAAAAAAAAEAAADn5uYKAAAAACgAAAAoAAAAZAAAAGQAAAAAAAAAzMzMAAAAAABQAAAAUAAAAGQAAABkAAAAAAAAABcAAAAUAAAAAAAAAAAAAAD/fwAA/38AAAAAAAAJAAAABAAAAK68010eAAAAaAAAAAAAAAAAAAAAAAAAAAAAAAAAAAAAECcAABAnAAAAAAAAAAAAAAAAAAAAAAAAAAAAAAAAAAAAAAAAAAAAABQAAAAAAAAAwMD/AAAAAABkAAAAMgAAAAAAAABkAAAAAAAAAH9/fwAKAAAAIgAAABgAAAAAAAAAAAAAAAAAAAAAAAAAAAAAAAAAAAAkAAAAJAAAAAAAAAAHAAAAAAAAAAAAAAAAAAAAAAAAAAAAAAAAAAAAf39/ACUAAABYAAAAAAAAAAAAAAAAAAAAAAAAAAAAAAAAAAAAAAAAAAAAAAAAAAAAAAAAAAAAAAA/AAAAAAAAAKCGAQAAAAAAAAAAAAAAAAAMAAAAAQAAAAAAAAAAAAAAAAAAAB8AAABUAAAAAAAABQAAAAEAAAAAAAAAAAAAAAAAAAAAAAAAAAAAAAAAAAAAAAAAAAAAAAJ/f38AAAAAA8zMzADAwP8Af39/AAAAAAAAAAAAAAAAAAAAAAAAAAAAIQAAABgAAAAUAAAA+DQAABonAADYRQAAWSkAABAAAAAmAAAACAAAAAAAAAAAAAAA"/>
+                <pr:smNativeData xmlns:pr="smNativeData" xmlns="smNativeData" val="SMDATA_15_/1o6ZxMAAAAlAAAAZAAAAA0AAAAAkAAAAEgAAACQAAAASAAAAAAAAAABAAAAAAAAAAEAAABQAAAAAAAAAAAA4D8AAAAAAADgPwAAAAAAAOA/AAAAAAAA4D8AAAAAAADgPwAAAAAAAOA/AAAAAAAA4D8AAAAAAADgPwAAAAAAAOA/AAAAAAAA4D8CAAAAjAAAAAAAAAAAAAAARHLEDP///wgAAAAAAAAAAAAAAAAAAAAAAAAAAAAAAAAAAAAAZAAAAAEAAABAAAAAAAAAAAAAAAAAAAAAAAAAAAAAAAAAAAAAAAAAAAAAAAAAAAAAAAAAAAAAAAAAAAAAAAAAAAAAAAAAAAAAAAAAAAAAAAAAAAAAAAAAAAAAAAAAAAAAFAAAADwAAAAAAAAAAAAAAAAAAAkUAAAAAQAAABQAAAAUAAAAFAAAAAEAAAAAAAAAZAAAAGQAAAAAAAAAZAAAAGQAAAAVAAAAYAAAAAAAAAAAAAAADwAAACADAAAAAAAAAAAAAAEAAACgMgAAVgcAAKr4//8BAAAAf39/AAEAAABkAAAAAAAAABQAAABAHwAAAAAAACYAAAAAAAAAwOD//wAAAAAmAAAAZAAAABYAAABMAAAAAAAAAAAAAAAEAAAAAAAAAAEAAADn5uYKAAAAACgAAAAoAAAAZAAAAGQAAAAAAAAAzMzMAAAAAABQAAAAUAAAAGQAAABkAAAAAAAAABcAAAAUAAAAAAAAAAAAAAD/fwAA/38AAAAAAAAJAAAABAAAAK68010eAAAAaAAAAAAAAAAAAAAAAAAAAAAAAAAAAAAAECcAABAnAAAAAAAAAAAAAAAAAAAAAAAAAAAAAAAAAAAAAAAAAAAAABQAAAAAAAAAwMD/AAAAAABkAAAAMgAAAAAAAABkAAAAAAAAAH9/fwAKAAAAIgAAABgAAAAAAAAAAAAAAAAAAAAAAAAAAAAAAAAAAAAkAAAAJAAAAAAAAAAHAAAAAAAAAAAAAAAAAAAAAAAAAAAAAAAAAAAAf39/ACUAAABYAAAAAAAAAAAAAAAAAAAAAAAAAAAAAAAAAAAAAAAAAAAAAAAAAAAAAAAAAAAAAAA/AAAAAAAAAKCGAQAAAAAAAAAAAAAAAAAMAAAAAQAAAAAAAAAAAAAAAAAAAB8AAABUAAAAAAAABQAAAAEAAAAAAAAAAAAAAAAAAAAAAAAAAAAAAAAAAAAAAAAAAAAAAAJ/f38AAAAAA8zMzADAwP8Af39/AAAAAAAAAAAAAAAAAAAAAAAAAAAAIQAAABgAAAAUAAAA+DQAABonAADYRQAAWSkAABAAAAAmAAAACAAAAAAAAAAAAAAA"/>
               </a:ext>
             </a:extLst>
           </p:cNvSpPr>
@@ -446,7 +446,7 @@
             <a:pPr>
               <a:defRPr lang="de-de"/>
             </a:pPr>
-            <a:fld id="{2EDADDF3-BDC3-8F2B-8D62-4B7E932C7B1E}" type="slidenum">
+            <a:fld id="{1CCFCB19-57F1-9A3D-BF77-A168853949F4}" type="slidenum">
               <a:t/>
             </a:fld>
           </a:p>
@@ -485,7 +485,7 @@
             <a:spLocks noGrp="1" noChangeArrowheads="1"/>
             <a:extLst>
               <a:ext uri="smNativeData">
-                <pr:smNativeData xmlns:pr="smNativeData" xmlns="smNativeData" val="SMDATA_15_u1g6ZxMAAAAlAAAAZAAAAA0AAAAAkAAAAEgAAACQAAAASAAAAAAAAAABAAAAAAAAAAEAAABQAAAAAAAAAAAA4D8AAAAAAADgPwAAAAAAAOA/AAAAAAAA4D8AAAAAAADgPwAAAAAAAOA/AAAAAAAA4D8AAAAAAADgPwAAAAAAAOA/AAAAAAAA4D8CAAAAjAAAAAAAAAAAAAAARHLEDP///wgAAAAAAAAAAAAAAAAAAAAAAAAAAAAAAAAAAAAAZAAAAAEAAABAAAAAAAAAAAAAAAAAAAAAAAAAAAAAAAAAAAAAAAAAAAAAAAAAAAAAAAAAAAAAAAAAAAAAAAAAAAAAAAAAAAAAAAAAAAAAAAAAAAAAAAAAAAAAAAAAAAAAFAAAADwAAAAAAAAAAAAAAAAAAAkUAAAAAQAAABQAAAAUAAAAFAAAAAEAAAAAAAAAZAAAAGQAAAAAAAAAZAAAAGQAAAAVAAAAYAAAAAAAAAAAAAAADwAAACADAAAAAAAAAAAAAAEAAACgMgAAVgcAAKr4//8BAAAAf39/AAEAAABkAAAAAAAAABQAAABAHwAAAAAAACYAAAAAAAAAwOD//wAAAAAmAAAAZAAAABYAAABMAAAAAAAAAAAAAAAEAAAAAAAAAAEAAADn5uYKAAAAACgAAAAoAAAAZAAAAGQAAAAAAAAAzMzMAAAAAABQAAAAUAAAAGQAAABkAAAAAAAAABcAAAAUAAAAAAAAAAAAAAD/fwAA/38AAAAAAAAJAAAABAAAAAAAAAAeAAAAaAAAAAAAAAAAAAAAAAAAAAAAAAAAAAAAECcAABAnAAAAAAAAAAAAAAAAAAAAAAAAAAAAAAAAAAAAAAAAAAAAABQAAAAAAAAAwMD/AAAAAABkAAAAMgAAAAAAAABkAAAAAAAAAH9/fwAKAAAAIgAAABgAAAAAAAAAAAAAAAAAAAAAAAAAAAAAAAAAAAAkAAAAJAAAAAAAAAAHAAAAAAAAAAAAAAAAAAAAAAAAAAAAAAAAAAAAf39/ACUAAABYAAAAAAAAAAAAAAAAAAAAAAAAAAAAAAAAAAAAAAAAAAAAAAAAAAAAAAAAAAAAAAA/AAAAAAAAAKCGAQAAAAAAAAAAAAAAAAAMAAAAAQAAAAAAAAAAAAAAAAAAAB8AAABUAAAAAAAABQAAAAEAAAAAAAAAAAAAAAAAAAAAAAAAAAAAAAAAAAAAAAAAAAAAAAJ/f38AAAAAA8zMzADAwP8Af39/AAAAAAAAAAAAAAAAAAAAAAAAAAAAIQAAABgAAAAUAAAAKAUAAD8CAADYRQAAZwoAABAAAAAmAAAACAAAAAAAAAAAAAAA"/>
+                <pr:smNativeData xmlns:pr="smNativeData" xmlns="smNativeData" val="SMDATA_15_/1o6ZxMAAAAlAAAAZAAAAA0AAAAAkAAAAEgAAACQAAAASAAAAAAAAAABAAAAAAAAAAEAAABQAAAAAAAAAAAA4D8AAAAAAADgPwAAAAAAAOA/AAAAAAAA4D8AAAAAAADgPwAAAAAAAOA/AAAAAAAA4D8AAAAAAADgPwAAAAAAAOA/AAAAAAAA4D8CAAAAjAAAAAAAAAAAAAAARHLEDP///wgAAAAAAAAAAAAAAAAAAAAAAAAAAAAAAAAAAAAAZAAAAAEAAABAAAAAAAAAAAAAAAAAAAAAAAAAAAAAAAAAAAAAAAAAAAAAAAAAAAAAAAAAAAAAAAAAAAAAAAAAAAAAAAAAAAAAAAAAAAAAAAAAAAAAAAAAAAAAAAAAAAAAFAAAADwAAAAAAAAAAAAAAAAAAAkUAAAAAQAAABQAAAAUAAAAFAAAAAEAAAAAAAAAZAAAAGQAAAAAAAAAZAAAAGQAAAAVAAAAYAAAAAAAAAAAAAAADwAAACADAAAAAAAAAAAAAAEAAACgMgAAVgcAAKr4//8BAAAAf39/AAEAAABkAAAAAAAAABQAAABAHwAAAAAAACYAAAAAAAAAwOD//wAAAAAmAAAAZAAAABYAAABMAAAAAAAAAAAAAAAEAAAAAAAAAAEAAADn5uYKAAAAACgAAAAoAAAAZAAAAGQAAAAAAAAAzMzMAAAAAABQAAAAUAAAAGQAAABkAAAAAAAAABcAAAAUAAAAAAAAAAAAAAD/fwAA/38AAAAAAAAJAAAABAAAAAAAAAAeAAAAaAAAAAAAAAAAAAAAAAAAAAAAAAAAAAAAECcAABAnAAAAAAAAAAAAAAAAAAAAAAAAAAAAAAAAAAAAAAAAAAAAABQAAAAAAAAAwMD/AAAAAABkAAAAMgAAAAAAAABkAAAAAAAAAH9/fwAKAAAAIgAAABgAAAAAAAAAAAAAAAAAAAAAAAAAAAAAAAAAAAAkAAAAJAAAAAAAAAAHAAAAAAAAAAAAAAAAAAAAAAAAAAAAAAAAAAAAf39/ACUAAABYAAAAAAAAAAAAAAAAAAAAAAAAAAAAAAAAAAAAAAAAAAAAAAAAAAAAAAAAAAAAAAA/AAAAAAAAAKCGAQAAAAAAAAAAAAAAAAAMAAAAAQAAAAAAAAAAAAAAAAAAAB8AAABUAAAAAAAABQAAAAEAAAAAAAAAAAAAAAAAAAAAAAAAAAAAAAAAAAAAAAAAAAAAAAJ/f38AAAAAA8zMzADAwP8Af39/AAAAAAAAAAAAAAAAAAAAAAAAAAAAIQAAABgAAAAUAAAAKAUAAD8CAADYRQAAZwoAABAAAAAmAAAACAAAAAAAAAAAAAAA"/>
               </a:ext>
             </a:extLst>
           </p:cNvSpPr>
@@ -514,7 +514,7 @@
             <a:spLocks noGrp="1" noChangeArrowheads="1"/>
             <a:extLst>
               <a:ext uri="smNativeData">
-                <pr:smNativeData xmlns:pr="smNativeData" xmlns="smNativeData" val="SMDATA_15_u1g6ZxMAAAAlAAAAZAAAAA0AAAAAkAAAAEgAAACQAAAASAAAAAAAAAAAAAAAAQAAAAEAAABQAAAAAAAAAAAA4D8AAAAAAADgPwAAAAAAAOA/AAAAAAAA4D8AAAAAAADgPwAAAAAAAOA/AAAAAAAA4D8AAAAAAADgPwAAAAAAAOA/AAAAAAAA4D8CAAAAjAAAAAAAAAAAAAAARHLEDP///wgAAAAAAAAAAAAAAAAAAAAAAAAAAAAAAAAAAAAAZAAAAAEAAABAAAAAAAAAAAAAAAAAAAAAAAAAAAAAAAAAAAAAAAAAAAAAAAAAAAAAAAAAAAAAAAAAAAAAAAAAAAAAAAAAAAAAAAAAAAAAAAAAAAAAAAAAAAAAAAAAAAAAFAAAADwAAAAAAAAAAAAAAAAAAAkUAAAAAQAAABQAAAAUAAAAFAAAAAEAAAAAAAAAZAAAAGQAAAAAAAAAZAAAAGQAAAAVAAAAYAAAAAAAAAAAAAAADwAAACADAAAAAAAAAAAAAAEAAACgMgAAVgcAAKr4//8BAAAAf39/AAEAAABkAAAAAAAAABQAAABAHwAAAAAAACYAAAAAAAAAwOD//wAAAAAmAAAAZAAAABYAAABMAAAAAAAAAAAAAAAEAAAAAAAAAAEAAADn5uYKAAAAACgAAAAoAAAAZAAAAGQAAAAAAAAAzMzMAAAAAABQAAAAUAAAAGQAAABkAAAAAAAAABcAAAAUAAAAAAAAAAAAAAD/fwAA/38AAAAAAAAJAAAABAAAAAAAAAAeAAAAaAAAAAAAAAAAAAAAAAAAAAAAAAAAAAAAECcAABAnAAAAAAAAAAAAAAAAAAAAAAAAAAAAAAAAAAAAAAAAAAAAABQAAAAAAAAAwMD/AAAAAABkAAAAMgAAAAAAAABkAAAAAAAAAH9/fwAKAAAAIgAAABgAAAAAAAAAAAAAAAAAAAAAAAAAAAAAAAAAAAAkAAAAJAAAAAAAAAAHAAAAAAAAAAAAAAAAAAAAAAAAAAAAAAAAAAAAf39/ACUAAABYAAAAAAAAAAAAAAAAAAAAAAAAAAAAAAAAAAAAAAAAAAAAAAAAAAAAAAAAAAAAAAA/AAAAAAAAAKCGAQAAAAAAAAAAAAAAAAAMAAAAAQAAAAAAAAAAAAAAAAAAAB8AAABUAAAAAAAABQAAAAEAAAAAAAAAAAAAAAAAAAAAAAAAAAAAAAAAAAAAAAAAAAAAAAJ/f38AAAAAA8zMzADAwP8Af39/AAAAAAAAAAAAAAAAAAAAAAAAAAAAIQAAABgAAAAUAAAAKAUAADsLAADYRQAAACYAABAAAAAmAAAACAAAAAIAAAAAAAAA"/>
+                <pr:smNativeData xmlns:pr="smNativeData" xmlns="smNativeData" val="SMDATA_15_/1o6ZxMAAAAlAAAAZAAAAA0AAAAAkAAAAEgAAACQAAAASAAAAAAAAAAAAAAAAQAAAAEAAABQAAAAAAAAAAAA4D8AAAAAAADgPwAAAAAAAOA/AAAAAAAA4D8AAAAAAADgPwAAAAAAAOA/AAAAAAAA4D8AAAAAAADgPwAAAAAAAOA/AAAAAAAA4D8CAAAAjAAAAAAAAAAAAAAARHLEDP///wgAAAAAAAAAAAAAAAAAAAAAAAAAAAAAAAAAAAAAZAAAAAEAAABAAAAAAAAAAAAAAAAAAAAAAAAAAAAAAAAAAAAAAAAAAAAAAAAAAAAAAAAAAAAAAAAAAAAAAAAAAAAAAAAAAAAAAAAAAAAAAAAAAAAAAAAAAAAAAAAAAAAAFAAAADwAAAAAAAAAAAAAAAAAAAkUAAAAAQAAABQAAAAUAAAAFAAAAAEAAAAAAAAAZAAAAGQAAAAAAAAAZAAAAGQAAAAVAAAAYAAAAAAAAAAAAAAADwAAACADAAAAAAAAAAAAAAEAAACgMgAAVgcAAKr4//8BAAAAf39/AAEAAABkAAAAAAAAABQAAABAHwAAAAAAACYAAAAAAAAAwOD//wAAAAAmAAAAZAAAABYAAABMAAAAAAAAAAAAAAAEAAAAAAAAAAEAAADn5uYKAAAAACgAAAAoAAAAZAAAAGQAAAAAAAAAzMzMAAAAAABQAAAAUAAAAGQAAABkAAAAAAAAABcAAAAUAAAAAAAAAAAAAAD/fwAA/38AAAAAAAAJAAAABAAAAAAAAAAeAAAAaAAAAAAAAAAAAAAAAAAAAAAAAAAAAAAAECcAABAnAAAAAAAAAAAAAAAAAAAAAAAAAAAAAAAAAAAAAAAAAAAAABQAAAAAAAAAwMD/AAAAAABkAAAAMgAAAAAAAABkAAAAAAAAAH9/fwAKAAAAIgAAABgAAAAAAAAAAAAAAAAAAAAAAAAAAAAAAAAAAAAkAAAAJAAAAAAAAAAHAAAAAAAAAAAAAAAAAAAAAAAAAAAAAAAAAAAAf39/ACUAAABYAAAAAAAAAAAAAAAAAAAAAAAAAAAAAAAAAAAAAAAAAAAAAAAAAAAAAAAAAAAAAAA/AAAAAAAAAKCGAQAAAAAAAAAAAAAAAAAMAAAAAQAAAAAAAAAAAAAAAAAAAB8AAABUAAAAAAAABQAAAAEAAAAAAAAAAAAAAAAAAAAAAAAAAAAAAAAAAAAAAAAAAAAAAAJ/f38AAAAAA8zMzADAwP8Af39/AAAAAAAAAAAAAAAAAAAAAAAAAAAAIQAAABgAAAAUAAAAKAUAADsLAADYRQAAACYAABAAAAAmAAAACAAAAAIAAAAAAAAA"/>
               </a:ext>
             </a:extLst>
           </p:cNvSpPr>
@@ -579,7 +579,7 @@
             <a:spLocks noGrp="1" noChangeArrowheads="1"/>
             <a:extLst>
               <a:ext uri="smNativeData">
-                <pr:smNativeData xmlns:pr="smNativeData" xmlns="smNativeData" val="SMDATA_15_u1g6ZxMAAAAlAAAAZAAAAA0AAAAAkAAAAEgAAACQAAAASAAAAAAAAAABAAAAAAAAAAEAAABQAAAAAAAAAAAA4D8AAAAAAADgPwAAAAAAAOA/AAAAAAAA4D8AAAAAAADgPwAAAAAAAOA/AAAAAAAA4D8AAAAAAADgPwAAAAAAAOA/AAAAAAAA4D8CAAAAjAAAAAAAAAAAAAAARHLEDP///wgAAAAAAAAAAAAAAAAAAAAAAAAAAAAAAAAAAAAAZAAAAAEAAABAAAAAAAAAAAAAAAAAAAAAAAAAAAAAAAAAAAAAAAAAAAAAAAAAAAAAAAAAAAAAAAAAAAAAAAAAAAAAAAAAAAAAAAAAAAAAAAAAAAAAAAAAAAAAAAAAAAAAFAAAADwAAAAAAAAAAAAAAAAAAAkUAAAAAQAAABQAAAAUAAAAFAAAAAEAAAAAAAAAZAAAAGQAAAAAAAAAZAAAAGQAAAAVAAAAYAAAAAAAAAAAAAAADwAAACADAAAAAAAAAAAAAAEAAACgMgAAVgcAAKr4//8BAAAAf39/AAEAAABkAAAAAAAAABQAAABAHwAAAAAAACYAAAAAAAAAwOD//wAAAAAmAAAAZAAAABYAAABMAAAAAAAAAAAAAAAEAAAAAAAAAAEAAADn5uYKAAAAACgAAAAoAAAAZAAAAGQAAAAAAAAAzMzMAAAAAABQAAAAUAAAAGQAAABkAAAAAAAAABcAAAAUAAAAAAAAAAAAAAD/fwAA/38AAAAAAAAJAAAABAAAAAAAAAAeAAAAaAAAAAAAAAAAAAAAAAAAAAAAAAAAAAAAECcAABAnAAAAAAAAAAAAAAAAAAAAAAAAAAAAAAAAAAAAAAAAAAAAABQAAAAAAAAAwMD/AAAAAABkAAAAMgAAAAAAAABkAAAAAAAAAH9/fwAKAAAAIgAAABgAAAAAAAAAAAAAAAAAAAAAAAAAAAAAAAAAAAAkAAAAJAAAAAAAAAAHAAAAAAAAAAAAAAAAAAAAAAAAAAAAAAAAAAAAf39/ACUAAABYAAAAAAAAAAAAAAAAAAAAAAAAAAAAAAAAAAAAAAAAAAAAAAAAAAAAAAAAAAAAAAA/AAAAAAAAAKCGAQAAAAAAAAAAAAAAAAAMAAAAAQAAAAAAAAAAAAAAAAAAAB8AAABUAAAAAAAABQAAAAEAAAAAAAAAAAAAAAAAAAAAAAAAAAAAAAAAAAAAAAAAAAAAAAJ/f38AAAAAA8zMzADAwP8Af39/AAAAAAAAAAAAAAAAAAAAAAAAAAAAIQAAABgAAAAUAAAAKAUAABonAAAIFgAAWSkAABAAAAAmAAAACAAAAAAAAAAAAAAA"/>
+                <pr:smNativeData xmlns:pr="smNativeData" xmlns="smNativeData" val="SMDATA_15_/1o6ZxMAAAAlAAAAZAAAAA0AAAAAkAAAAEgAAACQAAAASAAAAAAAAAABAAAAAAAAAAEAAABQAAAAAAAAAAAA4D8AAAAAAADgPwAAAAAAAOA/AAAAAAAA4D8AAAAAAADgPwAAAAAAAOA/AAAAAAAA4D8AAAAAAADgPwAAAAAAAOA/AAAAAAAA4D8CAAAAjAAAAAAAAAAAAAAARHLEDP///wgAAAAAAAAAAAAAAAAAAAAAAAAAAAAAAAAAAAAAZAAAAAEAAABAAAAAAAAAAAAAAAAAAAAAAAAAAAAAAAAAAAAAAAAAAAAAAAAAAAAAAAAAAAAAAAAAAAAAAAAAAAAAAAAAAAAAAAAAAAAAAAAAAAAAAAAAAAAAAAAAAAAAFAAAADwAAAAAAAAAAAAAAAAAAAkUAAAAAQAAABQAAAAUAAAAFAAAAAEAAAAAAAAAZAAAAGQAAAAAAAAAZAAAAGQAAAAVAAAAYAAAAAAAAAAAAAAADwAAACADAAAAAAAAAAAAAAEAAACgMgAAVgcAAKr4//8BAAAAf39/AAEAAABkAAAAAAAAABQAAABAHwAAAAAAACYAAAAAAAAAwOD//wAAAAAmAAAAZAAAABYAAABMAAAAAAAAAAAAAAAEAAAAAAAAAAEAAADn5uYKAAAAACgAAAAoAAAAZAAAAGQAAAAAAAAAzMzMAAAAAABQAAAAUAAAAGQAAABkAAAAAAAAABcAAAAUAAAAAAAAAAAAAAD/fwAA/38AAAAAAAAJAAAABAAAAAAAAAAeAAAAaAAAAAAAAAAAAAAAAAAAAAAAAAAAAAAAECcAABAnAAAAAAAAAAAAAAAAAAAAAAAAAAAAAAAAAAAAAAAAAAAAABQAAAAAAAAAwMD/AAAAAABkAAAAMgAAAAAAAABkAAAAAAAAAH9/fwAKAAAAIgAAABgAAAAAAAAAAAAAAAAAAAAAAAAAAAAAAAAAAAAkAAAAJAAAAAAAAAAHAAAAAAAAAAAAAAAAAAAAAAAAAAAAAAAAAAAAf39/ACUAAABYAAAAAAAAAAAAAAAAAAAAAAAAAAAAAAAAAAAAAAAAAAAAAAAAAAAAAAAAAAAAAAA/AAAAAAAAAKCGAQAAAAAAAAAAAAAAAAAMAAAAAQAAAAAAAAAAAAAAAAAAAB8AAABUAAAAAAAABQAAAAEAAAAAAAAAAAAAAAAAAAAAAAAAAAAAAAAAAAAAAAAAAAAAAAJ/f38AAAAAA8zMzADAwP8Af39/AAAAAAAAAAAAAAAAAAAAAAAAAAAAIQAAABgAAAAUAAAAKAUAABonAAAIFgAAWSkAABAAAAAmAAAACAAAAAAAAAAAAAAA"/>
               </a:ext>
             </a:extLst>
           </p:cNvSpPr>
@@ -595,7 +595,7 @@
             <a:pPr>
               <a:defRPr lang="de-de"/>
             </a:pPr>
-            <a:fld id="{2EDAD74C-02C3-8F21-8D62-F474992C7BA1}" type="datetime1">
+            <a:fld id="{1CCF9D99-D7F1-9A6B-BF77-213ED3394974}" type="datetime1">
               <a:t>07.07.2023</a:t>
             </a:fld>
           </a:p>
@@ -608,7 +608,7 @@
             <a:spLocks noGrp="1" noChangeArrowheads="1"/>
             <a:extLst>
               <a:ext uri="smNativeData">
-                <pr:smNativeData xmlns:pr="smNativeData" xmlns="smNativeData" val="SMDATA_15_u1g6ZxMAAAAlAAAAZAAAAA0AAAAAkAAAAEgAAACQAAAASAAAAAAAAAABAAAAAAAAAAEAAABQAAAAAAAAAAAA4D8AAAAAAADgPwAAAAAAAOA/AAAAAAAA4D8AAAAAAADgPwAAAAAAAOA/AAAAAAAA4D8AAAAAAADgPwAAAAAAAOA/AAAAAAAA4D8CAAAAjAAAAAAAAAAAAAAARHLEDP///wgAAAAAAAAAAAAAAAAAAAAAAAAAAAAAAAAAAAAAZAAAAAEAAABAAAAAAAAAAAAAAAAAAAAAAAAAAAAAAAAAAAAAAAAAAAAAAAAAAAAAAAAAAAAAAAAAAAAAAAAAAAAAAAAAAAAAAAAAAAAAAAAAAAAAAAAAAAAAAAAAAAAAFAAAADwAAAAAAAAAAAAAAAAAAAkUAAAAAQAAABQAAAAUAAAAFAAAAAEAAAAAAAAAZAAAAGQAAAAAAAAAZAAAAGQAAAAVAAAAYAAAAAAAAAAAAAAADwAAACADAAAAAAAAAAAAAAEAAACgMgAAVgcAAKr4//8BAAAAf39/AAEAAABkAAAAAAAAABQAAABAHwAAAAAAACYAAAAAAAAAwOD//wAAAAAmAAAAZAAAABYAAABMAAAAAAAAAAAAAAAEAAAAAAAAAAEAAADn5uYKAAAAACgAAAAoAAAAZAAAAGQAAAAAAAAAzMzMAAAAAABQAAAAUAAAAGQAAABkAAAAAAAAABcAAAAUAAAAAAAAAAAAAAD/fwAA/38AAAAAAAAJAAAABAAAAAAAAAAeAAAAaAAAAAAAAAAAAAAAAAAAAAAAAAAAAAAAECcAABAnAAAAAAAAAAAAAAAAAAAAAAAAAAAAAAAAAAAAAAAAAAAAABQAAAAAAAAAwMD/AAAAAABkAAAAMgAAAAAAAABkAAAAAAAAAH9/fwAKAAAAIgAAABgAAAAAAAAAAAAAAAAAAAAAAAAAAAAAAAAAAAAkAAAAJAAAAAAAAAAHAAAAAAAAAAAAAAAAAAAAAAAAAAAAAAAAAAAAf39/ACUAAABYAAAAAAAAAAAAAAAAAAAAAAAAAAAAAAAAAAAAAAAAAAAAAAAAAAAAAAAAAAAAAAA/AAAAAAAAAKCGAQAAAAAAAAAAAAAAAAAMAAAAAQAAAAAAAAAAAAAAAAAAAB8AAABUAAAAAAAABQAAAAEAAAAAAAAAAAAAAAAAAAAAAAAAAAAAAAAAAAAAAAAAAAAAAAJ/f38AAAAAA8zMzADAwP8Af39/AAAAAAAAAAAAAAAAAAAAAAAAAAAAIQAAABgAAAAUAAAA2BgAABonAAAoMgAAWSkAABAAAAAmAAAACAAAAAAAAAAAAAAA"/>
+                <pr:smNativeData xmlns:pr="smNativeData" xmlns="smNativeData" val="SMDATA_15_/1o6ZxMAAAAlAAAAZAAAAA0AAAAAkAAAAEgAAACQAAAASAAAAAAAAAABAAAAAAAAAAEAAABQAAAAAAAAAAAA4D8AAAAAAADgPwAAAAAAAOA/AAAAAAAA4D8AAAAAAADgPwAAAAAAAOA/AAAAAAAA4D8AAAAAAADgPwAAAAAAAOA/AAAAAAAA4D8CAAAAjAAAAAAAAAAAAAAARHLEDP///wgAAAAAAAAAAAAAAAAAAAAAAAAAAAAAAAAAAAAAZAAAAAEAAABAAAAAAAAAAAAAAAAAAAAAAAAAAAAAAAAAAAAAAAAAAAAAAAAAAAAAAAAAAAAAAAAAAAAAAAAAAAAAAAAAAAAAAAAAAAAAAAAAAAAAAAAAAAAAAAAAAAAAFAAAADwAAAAAAAAAAAAAAAAAAAkUAAAAAQAAABQAAAAUAAAAFAAAAAEAAAAAAAAAZAAAAGQAAAAAAAAAZAAAAGQAAAAVAAAAYAAAAAAAAAAAAAAADwAAACADAAAAAAAAAAAAAAEAAACgMgAAVgcAAKr4//8BAAAAf39/AAEAAABkAAAAAAAAABQAAABAHwAAAAAAACYAAAAAAAAAwOD//wAAAAAmAAAAZAAAABYAAABMAAAAAAAAAAAAAAAEAAAAAAAAAAEAAADn5uYKAAAAACgAAAAoAAAAZAAAAGQAAAAAAAAAzMzMAAAAAABQAAAAUAAAAGQAAABkAAAAAAAAABcAAAAUAAAAAAAAAAAAAAD/fwAA/38AAAAAAAAJAAAABAAAAAAAAAAeAAAAaAAAAAAAAAAAAAAAAAAAAAAAAAAAAAAAECcAABAnAAAAAAAAAAAAAAAAAAAAAAAAAAAAAAAAAAAAAAAAAAAAABQAAAAAAAAAwMD/AAAAAABkAAAAMgAAAAAAAABkAAAAAAAAAH9/fwAKAAAAIgAAABgAAAAAAAAAAAAAAAAAAAAAAAAAAAAAAAAAAAAkAAAAJAAAAAAAAAAHAAAAAAAAAAAAAAAAAAAAAAAAAAAAAAAAAAAAf39/ACUAAABYAAAAAAAAAAAAAAAAAAAAAAAAAAAAAAAAAAAAAAAAAAAAAAAAAAAAAAAAAAAAAAA/AAAAAAAAAKCGAQAAAAAAAAAAAAAAAAAMAAAAAQAAAAAAAAAAAAAAAAAAAB8AAABUAAAAAAAABQAAAAEAAAAAAAAAAAAAAAAAAAAAAAAAAAAAAAAAAAAAAAAAAAAAAAJ/f38AAAAAA8zMzADAwP8Af39/AAAAAAAAAAAAAAAAAAAAAAAAAAAAIQAAABgAAAAUAAAA2BgAABonAAAoMgAAWSkAABAAAAAmAAAACAAAAAAAAAAAAAAA"/>
               </a:ext>
             </a:extLst>
           </p:cNvSpPr>
@@ -634,7 +634,7 @@
             <a:spLocks noGrp="1" noChangeArrowheads="1"/>
             <a:extLst>
               <a:ext uri="smNativeData">
-                <pr:smNativeData xmlns:pr="smNativeData" xmlns="smNativeData" val="SMDATA_15_u1g6ZxMAAAAlAAAAZAAAAA0AAAAAkAAAAEgAAACQAAAASAAAAAAAAAABAAAAAAAAAAEAAABQAAAAAAAAAAAA4D8AAAAAAADgPwAAAAAAAOA/AAAAAAAA4D8AAAAAAADgPwAAAAAAAOA/AAAAAAAA4D8AAAAAAADgPwAAAAAAAOA/AAAAAAAA4D8CAAAAjAAAAAAAAAAAAAAARHLEDP///wgAAAAAAAAAAAAAAAAAAAAAAAAAAAAAAAAAAAAAZAAAAAEAAABAAAAAAAAAAAAAAAAAAAAAAAAAAAAAAAAAAAAAAAAAAAAAAAAAAAAAAAAAAAAAAAAAAAAAAAAAAAAAAAAAAAAAAAAAAAAAAAAAAAAAAAAAAAAAAAAAAAAAFAAAADwAAAAAAAAAAAAAAAAAAAkUAAAAAQAAABQAAAAUAAAAFAAAAAEAAAAAAAAAZAAAAGQAAAAAAAAAZAAAAGQAAAAVAAAAYAAAAAAAAAAAAAAADwAAACADAAAAAAAAAAAAAAEAAACgMgAAVgcAAKr4//8BAAAAf39/AAEAAABkAAAAAAAAABQAAABAHwAAAAAAACYAAAAAAAAAwOD//wAAAAAmAAAAZAAAABYAAABMAAAAAAAAAAAAAAAEAAAAAAAAAAEAAADn5uYKAAAAACgAAAAoAAAAZAAAAGQAAAAAAAAAzMzMAAAAAABQAAAAUAAAAGQAAABkAAAAAAAAABcAAAAUAAAAAAAAAAAAAAD/fwAA/38AAAAAAAAJAAAABAAAAAAAAAAeAAAAaAAAAAAAAAAAAAAAAAAAAAAAAAAAAAAAECcAABAnAAAAAAAAAAAAAAAAAAAAAAAAAAAAAAAAAAAAAAAAAAAAABQAAAAAAAAAwMD/AAAAAABkAAAAMgAAAAAAAABkAAAAAAAAAH9/fwAKAAAAIgAAABgAAAAAAAAAAAAAAAAAAAAAAAAAAAAAAAAAAAAkAAAAJAAAAAAAAAAHAAAAAAAAAAAAAAAAAAAAAAAAAAAAAAAAAAAAf39/ACUAAABYAAAAAAAAAAAAAAAAAAAAAAAAAAAAAAAAAAAAAAAAAAAAAAAAAAAAAAAAAAAAAAA/AAAAAAAAAKCGAQAAAAAAAAAAAAAAAAAMAAAAAQAAAAAAAAAAAAAAAAAAAB8AAABUAAAAAAAABQAAAAEAAAAAAAAAAAAAAAAAAAAAAAAAAAAAAAAAAAAAAAAAAAAAAAJ/f38AAAAAA8zMzADAwP8Af39/AAAAAAAAAAAAAAAAAAAAAAAAAAAAIQAAABgAAAAUAAAA+DQAABonAADYRQAAWSkAABAAAAAmAAAACAAAAAAAAAAAAAAA"/>
+                <pr:smNativeData xmlns:pr="smNativeData" xmlns="smNativeData" val="SMDATA_15_/1o6ZxMAAAAlAAAAZAAAAA0AAAAAkAAAAEgAAACQAAAASAAAAAAAAAABAAAAAAAAAAEAAABQAAAAAAAAAAAA4D8AAAAAAADgPwAAAAAAAOA/AAAAAAAA4D8AAAAAAADgPwAAAAAAAOA/AAAAAAAA4D8AAAAAAADgPwAAAAAAAOA/AAAAAAAA4D8CAAAAjAAAAAAAAAAAAAAARHLEDP///wgAAAAAAAAAAAAAAAAAAAAAAAAAAAAAAAAAAAAAZAAAAAEAAABAAAAAAAAAAAAAAAAAAAAAAAAAAAAAAAAAAAAAAAAAAAAAAAAAAAAAAAAAAAAAAAAAAAAAAAAAAAAAAAAAAAAAAAAAAAAAAAAAAAAAAAAAAAAAAAAAAAAAFAAAADwAAAAAAAAAAAAAAAAAAAkUAAAAAQAAABQAAAAUAAAAFAAAAAEAAAAAAAAAZAAAAGQAAAAAAAAAZAAAAGQAAAAVAAAAYAAAAAAAAAAAAAAADwAAACADAAAAAAAAAAAAAAEAAACgMgAAVgcAAKr4//8BAAAAf39/AAEAAABkAAAAAAAAABQAAABAHwAAAAAAACYAAAAAAAAAwOD//wAAAAAmAAAAZAAAABYAAABMAAAAAAAAAAAAAAAEAAAAAAAAAAEAAADn5uYKAAAAACgAAAAoAAAAZAAAAGQAAAAAAAAAzMzMAAAAAABQAAAAUAAAAGQAAABkAAAAAAAAABcAAAAUAAAAAAAAAAAAAAD/fwAA/38AAAAAAAAJAAAABAAAAAAAAAAeAAAAaAAAAAAAAAAAAAAAAAAAAAAAAAAAAAAAECcAABAnAAAAAAAAAAAAAAAAAAAAAAAAAAAAAAAAAAAAAAAAAAAAABQAAAAAAAAAwMD/AAAAAABkAAAAMgAAAAAAAABkAAAAAAAAAH9/fwAKAAAAIgAAABgAAAAAAAAAAAAAAAAAAAAAAAAAAAAAAAAAAAAkAAAAJAAAAAAAAAAHAAAAAAAAAAAAAAAAAAAAAAAAAAAAAAAAAAAAf39/ACUAAABYAAAAAAAAAAAAAAAAAAAAAAAAAAAAAAAAAAAAAAAAAAAAAAAAAAAAAAAAAAAAAAA/AAAAAAAAAKCGAQAAAAAAAAAAAAAAAAAMAAAAAQAAAAAAAAAAAAAAAAAAAB8AAABUAAAAAAAABQAAAAEAAAAAAAAAAAAAAAAAAAAAAAAAAAAAAAAAAAAAAAAAAAAAAAJ/f38AAAAAA8zMzADAwP8Af39/AAAAAAAAAAAAAAAAAAAAAAAAAAAAIQAAABgAAAAUAAAA+DQAABonAADYRQAAWSkAABAAAAAmAAAACAAAAAAAAAAAAAAA"/>
               </a:ext>
             </a:extLst>
           </p:cNvSpPr>
@@ -650,7 +650,7 @@
             <a:pPr>
               <a:defRPr lang="de-de"/>
             </a:pPr>
-            <a:fld id="{2EDAB239-77C3-8F44-8D62-8111FC2C7BD4}" type="slidenum">
+            <a:fld id="{1CCFEAA4-EAF1-9A1C-BF77-1C49A4394949}" type="slidenum">
               <a:t>‹Nr.›</a:t>
             </a:fld>
           </a:p>
@@ -689,7 +689,7 @@
             <a:spLocks noGrp="1" noChangeArrowheads="1"/>
             <a:extLst>
               <a:ext uri="smNativeData">
-                <pr:smNativeData xmlns:pr="smNativeData" xmlns="smNativeData" val="SMDATA_15_u1g6ZxMAAAAlAAAAZAAAAA0AAAAAkAAAAEgAAACQAAAASAAAAAAAAAABAAAAAQAAAAEAAABQAAAAAAAAAAAA4D8AAAAAAADgPwAAAAAAAOA/AAAAAAAA4D8AAAAAAADgPwAAAAAAAOA/AAAAAAAA4D8AAAAAAADgPwAAAAAAAOA/AAAAAAAA4D8CAAAAjAAAAAAAAAAAAAAARHLEDP///wgAAAAAAAAAAAAAAAAAAAAAAAAAAAAAAAAAAAAAZAAAAAEAAABAAAAAAAAAAAAAAAAAAAAAAAAAAAAAAAAAAAAAAAAAAAAAAAAAAAAAAAAAAAAAAAAAAAAAAAAAAAAAAAAAAAAAAAAAAAAAAAAAAAAAAAAAAAAAAAAAAAAAFAAAADwAAAAAAAAAAAAAAAAAAAkUAAAAAQAAABQAAAAUAAAAFAAAAAEAAAAAAAAAZAAAAGQAAAAAAAAAZAAAAGQAAAAVAAAAYAAAAAAAAAAAAAAADwAAACADAAAAAAAAAAAAAAEAAACgMgAAVgcAAKr4//8BAAAAf39/AAEAAABkAAAAAAAAABQAAABAHwAAAAAAACYAAAAAAAAAwOD//wAAAAAmAAAAZAAAABYAAABMAAAAAAAAAAAAAAAEAAAAAAAAAAEAAADn5uYKAAAAACgAAAAoAAAAZAAAAGQAAAAAAAAAzMzMAAAAAABQAAAAUAAAAGQAAABkAAAAAAAAABcAAAAUAAAAAAAAAAAAAAD/fwAA/38AAAAAAAAJAAAABAAAAAAAAAAeAAAAaAAAAAAAAAAAAAAAAAAAAAAAAAAAAAAAECcAABAnAAAAAAAAAAAAAAAAAAAAAAAAAAAAAAAAAAAAAAAAAAAAABQAAAAAAAAAwMD/AAAAAABkAAAAMgAAAAAAAABkAAAAAAAAAH9/fwAKAAAAIgAAABgAAAAAAAAAAAAAAAAAAAAAAAAAAAAAAAAAAAAkAAAAJAAAAAAAAAAHAAAAAAAAAAAAAAAAAAAAAAAAAAAAAAAAAAAAf39/ACUAAABYAAAAAAAAAAAAAAAAAAAAAAAAAAAAAAAAAAAAAAAAAAAAAAAAAAAAAAAAAAAAAAA/AAAAAAAAAKCGAQAAAAAAAAAAAAAAAAAMAAAAAQAAAAAAAAAAAAAAAAAAAB8AAABUAAAAAAAABQAAAAEAAAAAAAAAAAAAAAAAAAAAAAAAAAAAAAAAAAAAAAAAAAAAAAJ/f38AAAAAA8zMzADAwP8Af39/AAAAAAAAAAAAAAAAAAAAAAAAAAAAIQAAABgAAAAUAAAArDUAAD8CAADYRQAAACYAABAAAAAmAAAACAAAAAMAAAAAAAAA"/>
+                <pr:smNativeData xmlns:pr="smNativeData" xmlns="smNativeData" val="SMDATA_15_/1o6ZxMAAAAlAAAAZAAAAA0AAAAAkAAAAEgAAACQAAAASAAAAAAAAAABAAAAAQAAAAEAAABQAAAAAAAAAAAA4D8AAAAAAADgPwAAAAAAAOA/AAAAAAAA4D8AAAAAAADgPwAAAAAAAOA/AAAAAAAA4D8AAAAAAADgPwAAAAAAAOA/AAAAAAAA4D8CAAAAjAAAAAAAAAAAAAAARHLEDP///wgAAAAAAAAAAAAAAAAAAAAAAAAAAAAAAAAAAAAAZAAAAAEAAABAAAAAAAAAAAAAAAAAAAAAAAAAAAAAAAAAAAAAAAAAAAAAAAAAAAAAAAAAAAAAAAAAAAAAAAAAAAAAAAAAAAAAAAAAAAAAAAAAAAAAAAAAAAAAAAAAAAAAFAAAADwAAAAAAAAAAAAAAAAAAAkUAAAAAQAAABQAAAAUAAAAFAAAAAEAAAAAAAAAZAAAAGQAAAAAAAAAZAAAAGQAAAAVAAAAYAAAAAAAAAAAAAAADwAAACADAAAAAAAAAAAAAAEAAACgMgAAVgcAAKr4//8BAAAAf39/AAEAAABkAAAAAAAAABQAAABAHwAAAAAAACYAAAAAAAAAwOD//wAAAAAmAAAAZAAAABYAAABMAAAAAAAAAAAAAAAEAAAAAAAAAAEAAADn5uYKAAAAACgAAAAoAAAAZAAAAGQAAAAAAAAAzMzMAAAAAABQAAAAUAAAAGQAAABkAAAAAAAAABcAAAAUAAAAAAAAAAAAAAD/fwAA/38AAAAAAAAJAAAABAAAAAAAAAAeAAAAaAAAAAAAAAAAAAAAAAAAAAAAAAAAAAAAECcAABAnAAAAAAAAAAAAAAAAAAAAAAAAAAAAAAAAAAAAAAAAAAAAABQAAAAAAAAAwMD/AAAAAABkAAAAMgAAAAAAAABkAAAAAAAAAH9/fwAKAAAAIgAAABgAAAAAAAAAAAAAAAAAAAAAAAAAAAAAAAAAAAAkAAAAJAAAAAAAAAAHAAAAAAAAAAAAAAAAAAAAAAAAAAAAAAAAAAAAf39/ACUAAABYAAAAAAAAAAAAAAAAAAAAAAAAAAAAAAAAAAAAAAAAAAAAAAAAAAAAAAAAAAAAAAA/AAAAAAAAAKCGAQAAAAAAAAAAAAAAAAAMAAAAAQAAAAAAAAAAAAAAAAAAAB8AAABUAAAAAAAABQAAAAEAAAAAAAAAAAAAAAAAAAAAAAAAAAAAAAAAAAAAAAAAAAAAAAJ/f38AAAAAA8zMzADAwP8Af39/AAAAAAAAAAAAAAAAAAAAAAAAAAAAIQAAABgAAAAUAAAArDUAAD8CAADYRQAAACYAABAAAAAmAAAACAAAAAMAAAAAAAAA"/>
               </a:ext>
             </a:extLst>
           </p:cNvSpPr>
@@ -727,7 +727,7 @@
             <a:spLocks noGrp="1" noChangeArrowheads="1"/>
             <a:extLst>
               <a:ext uri="smNativeData">
-                <pr:smNativeData xmlns:pr="smNativeData" xmlns="smNativeData" val="SMDATA_15_u1g6ZxMAAAAlAAAAZAAAAA0AAAAAkAAAAEgAAACQAAAASAAAAAAAAAAAAAAAAQAAAAEAAABQAAAAAAAAAAAA4D8AAAAAAADgPwAAAAAAAOA/AAAAAAAA4D8AAAAAAADgPwAAAAAAAOA/AAAAAAAA4D8AAAAAAADgPwAAAAAAAOA/AAAAAAAA4D8CAAAAjAAAAAAAAAAAAAAARHLEDP///wgAAAAAAAAAAAAAAAAAAAAAAAAAAAAAAAAAAAAAZAAAAAEAAABAAAAAAAAAAAAAAAAAAAAAAAAAAAAAAAAAAAAAAAAAAAAAAAAAAAAAAAAAAAAAAAAAAAAAAAAAAAAAAAAAAAAAAAAAAAAAAAAAAAAAAAAAAAAAAAAAAAAAFAAAADwAAAAAAAAAAAAAAAAAAAkUAAAAAQAAABQAAAAUAAAAFAAAAAEAAAAAAAAAZAAAAGQAAAAAAAAAZAAAAGQAAAAVAAAAYAAAAAAAAAAAAAAADwAAACADAAAAAAAAAAAAAAEAAACgMgAAVgcAAKr4//8BAAAAf39/AAEAAABkAAAAAAAAABQAAABAHwAAAAAAACYAAAAAAAAAwOD//wAAAAAmAAAAZAAAABYAAABMAAAAAAAAAAAAAAAEAAAAAAAAAAEAAADn5uYKAAAAACgAAAAoAAAAZAAAAGQAAAAAAAAAzMzMAAAAAABQAAAAUAAAAGQAAABkAAAAAAAAABcAAAAUAAAAAAAAAAAAAAD/fwAA/38AAAAAAAAJAAAABAAAAAAAAAAeAAAAaAAAAAAAAAAAAAAAAAAAAAAAAAAAAAAAECcAABAnAAAAAAAAAAAAAAAAAAAAAAAAAAAAAAAAAAAAAAAAAAAAABQAAAAAAAAAwMD/AAAAAABkAAAAMgAAAAAAAABkAAAAAAAAAH9/fwAKAAAAIgAAABgAAAAAAAAAAAAAAAAAAAAAAAAAAAAAAAAAAAAkAAAAJAAAAAAAAAAHAAAAAAAAAAAAAAAAAAAAAAAAAAAAAAAAAAAAf39/ACUAAABYAAAAAAAAAAAAAAAAAAAAAAAAAAAAAAAAAAAAAAAAAAAAAAAAAAAAAAAAAAAAAAA/AAAAAAAAAKCGAQAAAAAAAAAAAAAAAAAMAAAAAQAAAAAAAAAAAAAAAAAAAB8AAABUAAAAAAAABQAAAAEAAAAAAAAAAAAAAAAAAAAAAAAAAAAAAAAAAAAAAAAAAAAAAAJ/f38AAAAAA8zMzADAwP8Af39/AAAAAAAAAAAAAAAAAAAAAAAAAAAAIQAAABgAAAAUAAAAKAUAAD8CAAC8NAAAACYAABAAAAAmAAAACAAAAAMAAAAAAAAA"/>
+                <pr:smNativeData xmlns:pr="smNativeData" xmlns="smNativeData" val="SMDATA_15_/1o6ZxMAAAAlAAAAZAAAAA0AAAAAkAAAAEgAAACQAAAASAAAAAAAAAAAAAAAAQAAAAEAAABQAAAAAAAAAAAA4D8AAAAAAADgPwAAAAAAAOA/AAAAAAAA4D8AAAAAAADgPwAAAAAAAOA/AAAAAAAA4D8AAAAAAADgPwAAAAAAAOA/AAAAAAAA4D8CAAAAjAAAAAAAAAAAAAAARHLEDP///wgAAAAAAAAAAAAAAAAAAAAAAAAAAAAAAAAAAAAAZAAAAAEAAABAAAAAAAAAAAAAAAAAAAAAAAAAAAAAAAAAAAAAAAAAAAAAAAAAAAAAAAAAAAAAAAAAAAAAAAAAAAAAAAAAAAAAAAAAAAAAAAAAAAAAAAAAAAAAAAAAAAAAFAAAADwAAAAAAAAAAAAAAAAAAAkUAAAAAQAAABQAAAAUAAAAFAAAAAEAAAAAAAAAZAAAAGQAAAAAAAAAZAAAAGQAAAAVAAAAYAAAAAAAAAAAAAAADwAAACADAAAAAAAAAAAAAAEAAACgMgAAVgcAAKr4//8BAAAAf39/AAEAAABkAAAAAAAAABQAAABAHwAAAAAAACYAAAAAAAAAwOD//wAAAAAmAAAAZAAAABYAAABMAAAAAAAAAAAAAAAEAAAAAAAAAAEAAADn5uYKAAAAACgAAAAoAAAAZAAAAGQAAAAAAAAAzMzMAAAAAABQAAAAUAAAAGQAAABkAAAAAAAAABcAAAAUAAAAAAAAAAAAAAD/fwAA/38AAAAAAAAJAAAABAAAAAAAAAAeAAAAaAAAAAAAAAAAAAAAAAAAAAAAAAAAAAAAECcAABAnAAAAAAAAAAAAAAAAAAAAAAAAAAAAAAAAAAAAAAAAAAAAABQAAAAAAAAAwMD/AAAAAABkAAAAMgAAAAAAAABkAAAAAAAAAH9/fwAKAAAAIgAAABgAAAAAAAAAAAAAAAAAAAAAAAAAAAAAAAAAAAAkAAAAJAAAAAAAAAAHAAAAAAAAAAAAAAAAAAAAAAAAAAAAAAAAAAAAf39/ACUAAABYAAAAAAAAAAAAAAAAAAAAAAAAAAAAAAAAAAAAAAAAAAAAAAAAAAAAAAAAAAAAAAA/AAAAAAAAAKCGAQAAAAAAAAAAAAAAAAAMAAAAAQAAAAAAAAAAAAAAAAAAAB8AAABUAAAAAAAABQAAAAEAAAAAAAAAAAAAAAAAAAAAAAAAAAAAAAAAAAAAAAAAAAAAAAJ/f38AAAAAA8zMzADAwP8Af39/AAAAAAAAAAAAAAAAAAAAAAAAAAAAIQAAABgAAAAUAAAAKAUAAD8CAAC8NAAAACYAABAAAAAmAAAACAAAAAMAAAAAAAAA"/>
               </a:ext>
             </a:extLst>
           </p:cNvSpPr>
@@ -797,7 +797,7 @@
             <a:spLocks noGrp="1" noChangeArrowheads="1"/>
             <a:extLst>
               <a:ext uri="smNativeData">
-                <pr:smNativeData xmlns:pr="smNativeData" xmlns="smNativeData" val="SMDATA_15_u1g6ZxMAAAAlAAAAZAAAAA0AAAAAkAAAAEgAAACQAAAASAAAAAAAAAABAAAAAAAAAAEAAABQAAAAAAAAAAAA4D8AAAAAAADgPwAAAAAAAOA/AAAAAAAA4D8AAAAAAADgPwAAAAAAAOA/AAAAAAAA4D8AAAAAAADgPwAAAAAAAOA/AAAAAAAA4D8CAAAAjAAAAAAAAAAAAAAARHLEDP///wgAAAAAAAAAAAAAAAAAAAAAAAAAAAAAAAAAAAAAZAAAAAEAAABAAAAAAAAAAAAAAAAAAAAAAAAAAAAAAAAAAAAAAAAAAAAAAAAAAAAAAAAAAAAAAAAAAAAAAAAAAAAAAAAAAAAAAAAAAAAAAAAAAAAAAAAAAAAAAAAAAAAAFAAAADwAAAAAAAAAAAAAAAAAAAkUAAAAAQAAABQAAAAUAAAAFAAAAAEAAAAAAAAAZAAAAGQAAAAAAAAAZAAAAGQAAAAVAAAAYAAAAAAAAAAAAAAADwAAACADAAAAAAAAAAAAAAEAAACgMgAAVgcAAKr4//8BAAAAf39/AAEAAABkAAAAAAAAABQAAABAHwAAAAAAACYAAAAAAAAAwOD//wAAAAAmAAAAZAAAABYAAABMAAAAAAAAAAAAAAAEAAAAAAAAAAEAAADn5uYKAAAAACgAAAAoAAAAZAAAAGQAAAAAAAAAzMzMAAAAAABQAAAAUAAAAGQAAABkAAAAAAAAABcAAAAUAAAAAAAAAAAAAAD/fwAA/38AAAAAAAAJAAAABAAAAAAAAAAeAAAAaAAAAAAAAAAAAAAAAAAAAAAAAAAAAAAAECcAABAnAAAAAAAAAAAAAAAAAAAAAAAAAAAAAAAAAAAAAAAAAAAAABQAAAAAAAAAwMD/AAAAAABkAAAAMgAAAAAAAABkAAAAAAAAAH9/fwAKAAAAIgAAABgAAAAAAAAAAAAAAAAAAAAAAAAAAAAAAAAAAAAkAAAAJAAAAAAAAAAHAAAAAAAAAAAAAAAAAAAAAAAAAAAAAAAAAAAAf39/ACUAAABYAAAAAAAAAAAAAAAAAAAAAAAAAAAAAAAAAAAAAAAAAAAAAAAAAAAAAAAAAAAAAAA/AAAAAAAAAKCGAQAAAAAAAAAAAAAAAAAMAAAAAQAAAAAAAAAAAAAAAAAAAB8AAABUAAAAAAAABQAAAAEAAAAAAAAAAAAAAAAAAAAAAAAAAAAAAAAAAAAAAAAAAAAAAAJ/f38AAAAAA8zMzADAwP8Af39/AAAAAAAAAAAAAAAAAAAAAAAAAAAAIQAAABgAAAAUAAAAKAUAABonAAAIFgAAWSkAABAAAAAmAAAACAAAAAAAAAAAAAAA"/>
+                <pr:smNativeData xmlns:pr="smNativeData" xmlns="smNativeData" val="SMDATA_15_/1o6ZxMAAAAlAAAAZAAAAA0AAAAAkAAAAEgAAACQAAAASAAAAAAAAAABAAAAAAAAAAEAAABQAAAAAAAAAAAA4D8AAAAAAADgPwAAAAAAAOA/AAAAAAAA4D8AAAAAAADgPwAAAAAAAOA/AAAAAAAA4D8AAAAAAADgPwAAAAAAAOA/AAAAAAAA4D8CAAAAjAAAAAAAAAAAAAAARHLEDP///wgAAAAAAAAAAAAAAAAAAAAAAAAAAAAAAAAAAAAAZAAAAAEAAABAAAAAAAAAAAAAAAAAAAAAAAAAAAAAAAAAAAAAAAAAAAAAAAAAAAAAAAAAAAAAAAAAAAAAAAAAAAAAAAAAAAAAAAAAAAAAAAAAAAAAAAAAAAAAAAAAAAAAFAAAADwAAAAAAAAAAAAAAAAAAAkUAAAAAQAAABQAAAAUAAAAFAAAAAEAAAAAAAAAZAAAAGQAAAAAAAAAZAAAAGQAAAAVAAAAYAAAAAAAAAAAAAAADwAAACADAAAAAAAAAAAAAAEAAACgMgAAVgcAAKr4//8BAAAAf39/AAEAAABkAAAAAAAAABQAAABAHwAAAAAAACYAAAAAAAAAwOD//wAAAAAmAAAAZAAAABYAAABMAAAAAAAAAAAAAAAEAAAAAAAAAAEAAADn5uYKAAAAACgAAAAoAAAAZAAAAGQAAAAAAAAAzMzMAAAAAABQAAAAUAAAAGQAAABkAAAAAAAAABcAAAAUAAAAAAAAAAAAAAD/fwAA/38AAAAAAAAJAAAABAAAAAAAAAAeAAAAaAAAAAAAAAAAAAAAAAAAAAAAAAAAAAAAECcAABAnAAAAAAAAAAAAAAAAAAAAAAAAAAAAAAAAAAAAAAAAAAAAABQAAAAAAAAAwMD/AAAAAABkAAAAMgAAAAAAAABkAAAAAAAAAH9/fwAKAAAAIgAAABgAAAAAAAAAAAAAAAAAAAAAAAAAAAAAAAAAAAAkAAAAJAAAAAAAAAAHAAAAAAAAAAAAAAAAAAAAAAAAAAAAAAAAAAAAf39/ACUAAABYAAAAAAAAAAAAAAAAAAAAAAAAAAAAAAAAAAAAAAAAAAAAAAAAAAAAAAAAAAAAAAA/AAAAAAAAAKCGAQAAAAAAAAAAAAAAAAAMAAAAAQAAAAAAAAAAAAAAAAAAAB8AAABUAAAAAAAABQAAAAEAAAAAAAAAAAAAAAAAAAAAAAAAAAAAAAAAAAAAAAAAAAAAAAJ/f38AAAAAA8zMzADAwP8Af39/AAAAAAAAAAAAAAAAAAAAAAAAAAAAIQAAABgAAAAUAAAAKAUAABonAAAIFgAAWSkAABAAAAAmAAAACAAAAAAAAAAAAAAA"/>
               </a:ext>
             </a:extLst>
           </p:cNvSpPr>
@@ -813,7 +813,7 @@
             <a:pPr>
               <a:defRPr lang="de-de"/>
             </a:pPr>
-            <a:fld id="{2EDAC8C8-86C3-8F3E-8D62-706B862C7B25}" type="datetime1">
+            <a:fld id="{1CCFE064-2AF1-9A16-BF77-DC43AE394989}" type="datetime1">
               <a:t>07.07.2023</a:t>
             </a:fld>
           </a:p>
@@ -826,7 +826,7 @@
             <a:spLocks noGrp="1" noChangeArrowheads="1"/>
             <a:extLst>
               <a:ext uri="smNativeData">
-                <pr:smNativeData xmlns:pr="smNativeData" xmlns="smNativeData" val="SMDATA_15_u1g6ZxMAAAAlAAAAZAAAAA0AAAAAkAAAAEgAAACQAAAASAAAAAAAAAABAAAAAAAAAAEAAABQAAAAAAAAAAAA4D8AAAAAAADgPwAAAAAAAOA/AAAAAAAA4D8AAAAAAADgPwAAAAAAAOA/AAAAAAAA4D8AAAAAAADgPwAAAAAAAOA/AAAAAAAA4D8CAAAAjAAAAAAAAAAAAAAARHLEDP///wgAAAAAAAAAAAAAAAAAAAAAAAAAAAAAAAAAAAAAZAAAAAEAAABAAAAAAAAAAAAAAAAAAAAAAAAAAAAAAAAAAAAAAAAAAAAAAAAAAAAAAAAAAAAAAAAAAAAAAAAAAAAAAAAAAAAAAAAAAAAAAAAAAAAAAAAAAAAAAAAAAAAAFAAAADwAAAAAAAAAAAAAAAAAAAkUAAAAAQAAABQAAAAUAAAAFAAAAAEAAAAAAAAAZAAAAGQAAAAAAAAAZAAAAGQAAAAVAAAAYAAAAAAAAAAAAAAADwAAACADAAAAAAAAAAAAAAEAAACgMgAAVgcAAKr4//8BAAAAf39/AAEAAABkAAAAAAAAABQAAABAHwAAAAAAACYAAAAAAAAAwOD//wAAAAAmAAAAZAAAABYAAABMAAAAAAAAAAAAAAAEAAAAAAAAAAEAAADn5uYKAAAAACgAAAAoAAAAZAAAAGQAAAAAAAAAzMzMAAAAAABQAAAAUAAAAGQAAABkAAAAAAAAABcAAAAUAAAAAAAAAAAAAAD/fwAA/38AAAAAAAAJAAAABAAAAAAAAAAeAAAAaAAAAAAAAAAAAAAAAAAAAAAAAAAAAAAAECcAABAnAAAAAAAAAAAAAAAAAAAAAAAAAAAAAAAAAAAAAAAAAAAAABQAAAAAAAAAwMD/AAAAAABkAAAAMgAAAAAAAABkAAAAAAAAAH9/fwAKAAAAIgAAABgAAAAAAAAAAAAAAAAAAAAAAAAAAAAAAAAAAAAkAAAAJAAAAAAAAAAHAAAAAAAAAAAAAAAAAAAAAAAAAAAAAAAAAAAAf39/ACUAAABYAAAAAAAAAAAAAAAAAAAAAAAAAAAAAAAAAAAAAAAAAAAAAAAAAAAAAAAAAAAAAAA/AAAAAAAAAKCGAQAAAAAAAAAAAAAAAAAMAAAAAQAAAAAAAAAAAAAAAAAAAB8AAABUAAAAAAAABQAAAAEAAAAAAAAAAAAAAAAAAAAAAAAAAAAAAAAAAAAAAAAAAAAAAAJ/f38AAAAAA8zMzADAwP8Af39/AAAAAAAAAAAAAAAAAAAAAAAAAAAAIQAAABgAAAAUAAAA2BgAABonAAAoMgAAWSkAABAAAAAmAAAACAAAAAAAAAAAAAAA"/>
+                <pr:smNativeData xmlns:pr="smNativeData" xmlns="smNativeData" val="SMDATA_15_/1o6ZxMAAAAlAAAAZAAAAA0AAAAAkAAAAEgAAACQAAAASAAAAAAAAAABAAAAAAAAAAEAAABQAAAAAAAAAAAA4D8AAAAAAADgPwAAAAAAAOA/AAAAAAAA4D8AAAAAAADgPwAAAAAAAOA/AAAAAAAA4D8AAAAAAADgPwAAAAAAAOA/AAAAAAAA4D8CAAAAjAAAAAAAAAAAAAAARHLEDP///wgAAAAAAAAAAAAAAAAAAAAAAAAAAAAAAAAAAAAAZAAAAAEAAABAAAAAAAAAAAAAAAAAAAAAAAAAAAAAAAAAAAAAAAAAAAAAAAAAAAAAAAAAAAAAAAAAAAAAAAAAAAAAAAAAAAAAAAAAAAAAAAAAAAAAAAAAAAAAAAAAAAAAFAAAADwAAAAAAAAAAAAAAAAAAAkUAAAAAQAAABQAAAAUAAAAFAAAAAEAAAAAAAAAZAAAAGQAAAAAAAAAZAAAAGQAAAAVAAAAYAAAAAAAAAAAAAAADwAAACADAAAAAAAAAAAAAAEAAACgMgAAVgcAAKr4//8BAAAAf39/AAEAAABkAAAAAAAAABQAAABAHwAAAAAAACYAAAAAAAAAwOD//wAAAAAmAAAAZAAAABYAAABMAAAAAAAAAAAAAAAEAAAAAAAAAAEAAADn5uYKAAAAACgAAAAoAAAAZAAAAGQAAAAAAAAAzMzMAAAAAABQAAAAUAAAAGQAAABkAAAAAAAAABcAAAAUAAAAAAAAAAAAAAD/fwAA/38AAAAAAAAJAAAABAAAAAAAAAAeAAAAaAAAAAAAAAAAAAAAAAAAAAAAAAAAAAAAECcAABAnAAAAAAAAAAAAAAAAAAAAAAAAAAAAAAAAAAAAAAAAAAAAABQAAAAAAAAAwMD/AAAAAABkAAAAMgAAAAAAAABkAAAAAAAAAH9/fwAKAAAAIgAAABgAAAAAAAAAAAAAAAAAAAAAAAAAAAAAAAAAAAAkAAAAJAAAAAAAAAAHAAAAAAAAAAAAAAAAAAAAAAAAAAAAAAAAAAAAf39/ACUAAABYAAAAAAAAAAAAAAAAAAAAAAAAAAAAAAAAAAAAAAAAAAAAAAAAAAAAAAAAAAAAAAA/AAAAAAAAAKCGAQAAAAAAAAAAAAAAAAAMAAAAAQAAAAAAAAAAAAAAAAAAAB8AAABUAAAAAAAABQAAAAEAAAAAAAAAAAAAAAAAAAAAAAAAAAAAAAAAAAAAAAAAAAAAAAJ/f38AAAAAA8zMzADAwP8Af39/AAAAAAAAAAAAAAAAAAAAAAAAAAAAIQAAABgAAAAUAAAA2BgAABonAAAoMgAAWSkAABAAAAAmAAAACAAAAAAAAAAAAAAA"/>
               </a:ext>
             </a:extLst>
           </p:cNvSpPr>
@@ -852,7 +852,7 @@
             <a:spLocks noGrp="1" noChangeArrowheads="1"/>
             <a:extLst>
               <a:ext uri="smNativeData">
-                <pr:smNativeData xmlns:pr="smNativeData" xmlns="smNativeData" val="SMDATA_15_u1g6ZxMAAAAlAAAAZAAAAA0AAAAAkAAAAEgAAACQAAAASAAAAAAAAAABAAAAAAAAAAEAAABQAAAAAAAAAAAA4D8AAAAAAADgPwAAAAAAAOA/AAAAAAAA4D8AAAAAAADgPwAAAAAAAOA/AAAAAAAA4D8AAAAAAADgPwAAAAAAAOA/AAAAAAAA4D8CAAAAjAAAAAAAAAAAAAAARHLEDP///wgAAAAAAAAAAAAAAAAAAAAAAAAAAAAAAAAAAAAAZAAAAAEAAABAAAAAAAAAAAAAAAAAAAAAAAAAAAAAAAAAAAAAAAAAAAAAAAAAAAAAAAAAAAAAAAAAAAAAAAAAAAAAAAAAAAAAAAAAAAAAAAAAAAAAAAAAAAAAAAAAAAAAFAAAADwAAAAAAAAAAAAAAAAAAAkUAAAAAQAAABQAAAAUAAAAFAAAAAEAAAAAAAAAZAAAAGQAAAAAAAAAZAAAAGQAAAAVAAAAYAAAAAAAAAAAAAAADwAAACADAAAAAAAAAAAAAAEAAACgMgAAVgcAAKr4//8BAAAAf39/AAEAAABkAAAAAAAAABQAAABAHwAAAAAAACYAAAAAAAAAwOD//wAAAAAmAAAAZAAAABYAAABMAAAAAAAAAAAAAAAEAAAAAAAAAAEAAADn5uYKAAAAACgAAAAoAAAAZAAAAGQAAAAAAAAAzMzMAAAAAABQAAAAUAAAAGQAAABkAAAAAAAAABcAAAAUAAAAAAAAAAAAAAD/fwAA/38AAAAAAAAJAAAABAAAAAAAAAAeAAAAaAAAAAAAAAAAAAAAAAAAAAAAAAAAAAAAECcAABAnAAAAAAAAAAAAAAAAAAAAAAAAAAAAAAAAAAAAAAAAAAAAABQAAAAAAAAAwMD/AAAAAABkAAAAMgAAAAAAAABkAAAAAAAAAH9/fwAKAAAAIgAAABgAAAAAAAAAAAAAAAAAAAAAAAAAAAAAAAAAAAAkAAAAJAAAAAAAAAAHAAAAAAAAAAAAAAAAAAAAAAAAAAAAAAAAAAAAf39/ACUAAABYAAAAAAAAAAAAAAAAAAAAAAAAAAAAAAAAAAAAAAAAAAAAAAAAAAAAAAAAAAAAAAA/AAAAAAAAAKCGAQAAAAAAAAAAAAAAAAAMAAAAAQAAAAAAAAAAAAAAAAAAAB8AAABUAAAAAAAABQAAAAEAAAAAAAAAAAAAAAAAAAAAAAAAAAAAAAAAAAAAAAAAAAAAAAJ/f38AAAAAA8zMzADAwP8Af39/AAAAAAAAAAAAAAAAAAAAAAAAAAAAIQAAABgAAAAUAAAA+DQAABonAADYRQAAWSkAABAAAAAmAAAACAAAAAAAAAAAAAAA"/>
+                <pr:smNativeData xmlns:pr="smNativeData" xmlns="smNativeData" val="SMDATA_15_/1o6ZxMAAAAlAAAAZAAAAA0AAAAAkAAAAEgAAACQAAAASAAAAAAAAAABAAAAAAAAAAEAAABQAAAAAAAAAAAA4D8AAAAAAADgPwAAAAAAAOA/AAAAAAAA4D8AAAAAAADgPwAAAAAAAOA/AAAAAAAA4D8AAAAAAADgPwAAAAAAAOA/AAAAAAAA4D8CAAAAjAAAAAAAAAAAAAAARHLEDP///wgAAAAAAAAAAAAAAAAAAAAAAAAAAAAAAAAAAAAAZAAAAAEAAABAAAAAAAAAAAAAAAAAAAAAAAAAAAAAAAAAAAAAAAAAAAAAAAAAAAAAAAAAAAAAAAAAAAAAAAAAAAAAAAAAAAAAAAAAAAAAAAAAAAAAAAAAAAAAAAAAAAAAFAAAADwAAAAAAAAAAAAAAAAAAAkUAAAAAQAAABQAAAAUAAAAFAAAAAEAAAAAAAAAZAAAAGQAAAAAAAAAZAAAAGQAAAAVAAAAYAAAAAAAAAAAAAAADwAAACADAAAAAAAAAAAAAAEAAACgMgAAVgcAAKr4//8BAAAAf39/AAEAAABkAAAAAAAAABQAAABAHwAAAAAAACYAAAAAAAAAwOD//wAAAAAmAAAAZAAAABYAAABMAAAAAAAAAAAAAAAEAAAAAAAAAAEAAADn5uYKAAAAACgAAAAoAAAAZAAAAGQAAAAAAAAAzMzMAAAAAABQAAAAUAAAAGQAAABkAAAAAAAAABcAAAAUAAAAAAAAAAAAAAD/fwAA/38AAAAAAAAJAAAABAAAAAAAAAAeAAAAaAAAAAAAAAAAAAAAAAAAAAAAAAAAAAAAECcAABAnAAAAAAAAAAAAAAAAAAAAAAAAAAAAAAAAAAAAAAAAAAAAABQAAAAAAAAAwMD/AAAAAABkAAAAMgAAAAAAAABkAAAAAAAAAH9/fwAKAAAAIgAAABgAAAAAAAAAAAAAAAAAAAAAAAAAAAAAAAAAAAAkAAAAJAAAAAAAAAAHAAAAAAAAAAAAAAAAAAAAAAAAAAAAAAAAAAAAf39/ACUAAABYAAAAAAAAAAAAAAAAAAAAAAAAAAAAAAAAAAAAAAAAAAAAAAAAAAAAAAAAAAAAAAA/AAAAAAAAAKCGAQAAAAAAAAAAAAAAAAAMAAAAAQAAAAAAAAAAAAAAAAAAAB8AAABUAAAAAAAABQAAAAEAAAAAAAAAAAAAAAAAAAAAAAAAAAAAAAAAAAAAAAAAAAAAAAJ/f38AAAAAA8zMzADAwP8Af39/AAAAAAAAAAAAAAAAAAAAAAAAAAAAIQAAABgAAAAUAAAA+DQAABonAADYRQAAWSkAABAAAAAmAAAACAAAAAAAAAAAAAAA"/>
               </a:ext>
             </a:extLst>
           </p:cNvSpPr>
@@ -868,7 +868,7 @@
             <a:pPr>
               <a:defRPr lang="de-de"/>
             </a:pPr>
-            <a:fld id="{2EDAE029-67C3-8F16-8D62-9143AE2C7BC4}" type="slidenum">
+            <a:fld id="{1CCF90BA-F4F1-9A66-BF77-0233DE394957}" type="slidenum">
               <a:t>‹Nr.›</a:t>
             </a:fld>
           </a:p>
@@ -907,7 +907,7 @@
             <a:spLocks noGrp="1" noChangeArrowheads="1"/>
             <a:extLst>
               <a:ext uri="smNativeData">
-                <pr:smNativeData xmlns:pr="smNativeData" xmlns="smNativeData" val="SMDATA_15_u1g6ZxMAAAAlAAAAZAAAAA0AAAAAkAAAAEgAAACQAAAASAAAAAAAAAABAAAAAAAAAAEAAABQAAAAAAAAAAAA4D8AAAAAAADgPwAAAAAAAOA/AAAAAAAA4D8AAAAAAADgPwAAAAAAAOA/AAAAAAAA4D8AAAAAAADgPwAAAAAAAOA/AAAAAAAA4D8CAAAAjAAAAAAAAAAAAAAARHLEDP///wgAAAAAAAAAAAAAAAAAAAAAAAAAAAAAAAAAAAAAZAAAAAEAAABAAAAAAAAAAAAAAAAAAAAAAAAAAAAAAAAAAAAAAAAAAAAAAAAAAAAAAAAAAAAAAAAAAAAAAAAAAAAAAAAAAAAAAAAAAAAAAAAAAAAAAAAAAAAAAAAAAAAAFAAAADwAAAAAAAAAAAAAAAAAAAkUAAAAAQAAABQAAAAUAAAAFAAAAAEAAAAAAAAAZAAAAGQAAAAAAAAAZAAAAGQAAAAVAAAAYAAAAAAAAAAAAAAADwAAACADAAAAAAAAAAAAAAEAAACgMgAAVgcAAKr4//8BAAAAf39/AAEAAABkAAAAAAAAABQAAABAHwAAAAAAACYAAAAAAAAAwOD//wAAAAAmAAAAZAAAABYAAABMAAAAAAAAAAAAAAAEAAAAAAAAAAEAAADn5uYKAAAAACgAAAAoAAAAZAAAAGQAAAAAAAAAzMzMAAAAAABQAAAAUAAAAGQAAABkAAAAAAAAABcAAAAUAAAAAAAAAAAAAAD/fwAA/38AAAAAAAAJAAAABAAAAEkATgAeAAAAaAAAAAAAAAAAAAAAAAAAAAAAAAAAAAAAECcAABAnAAAAAAAAAAAAAAAAAAAAAAAAAAAAAAAAAAAAAAAAAAAAABQAAAAAAAAAwMD/AAAAAABkAAAAMgAAAAAAAABkAAAAAAAAAH9/fwAKAAAAIgAAABgAAAAAAAAAAAAAAAAAAAAAAAAAAAAAAAAAAAAkAAAAJAAAAAAAAAAHAAAAAAAAAAAAAAAAAAAAAAAAAAAAAAAAAAAAf39/ACUAAABYAAAAAAAAAAAAAAAAAAAAAAAAAAAAAAAAAAAAAAAAAAAAAAAAAAAAAAAAAAAAAAA/AAAAAAAAAKCGAQAAAAAAAAAAAAAAAAAMAAAAAQAAAAAAAAAAAAAAAAAAAB8AAABUAAAAAAAABQAAAAEAAAAAAAAAAAAAAAAAAAAAAAAAAAAAAAAAAAAAAAAAAAAAAAJ/f38AAAAAA8zMzADAwP8Af39/AAAAAAAAAAAAAAAAAAAAAAAAAAAAIQAAABgAAAAUAAAAKAUAAD8CAADYRQAAZwoAABAAAAAmAAAACAAAAAAAAAAAAAAA"/>
+                <pr:smNativeData xmlns:pr="smNativeData" xmlns="smNativeData" val="SMDATA_15_/1o6ZxMAAAAlAAAAZAAAAA0AAAAAkAAAAEgAAACQAAAASAAAAAAAAAABAAAAAAAAAAEAAABQAAAAAAAAAAAA4D8AAAAAAADgPwAAAAAAAOA/AAAAAAAA4D8AAAAAAADgPwAAAAAAAOA/AAAAAAAA4D8AAAAAAADgPwAAAAAAAOA/AAAAAAAA4D8CAAAAjAAAAAAAAAAAAAAARHLEDP///wgAAAAAAAAAAAAAAAAAAAAAAAAAAAAAAAAAAAAAZAAAAAEAAABAAAAAAAAAAAAAAAAAAAAAAAAAAAAAAAAAAAAAAAAAAAAAAAAAAAAAAAAAAAAAAAAAAAAAAAAAAAAAAAAAAAAAAAAAAAAAAAAAAAAAAAAAAAAAAAAAAAAAFAAAADwAAAAAAAAAAAAAAAAAAAkUAAAAAQAAABQAAAAUAAAAFAAAAAEAAAAAAAAAZAAAAGQAAAAAAAAAZAAAAGQAAAAVAAAAYAAAAAAAAAAAAAAADwAAACADAAAAAAAAAAAAAAEAAACgMgAAVgcAAKr4//8BAAAAf39/AAEAAABkAAAAAAAAABQAAABAHwAAAAAAACYAAAAAAAAAwOD//wAAAAAmAAAAZAAAABYAAABMAAAAAAAAAAAAAAAEAAAAAAAAAAEAAADn5uYKAAAAACgAAAAoAAAAZAAAAGQAAAAAAAAAzMzMAAAAAABQAAAAUAAAAGQAAABkAAAAAAAAABcAAAAUAAAAAAAAAAAAAAD/fwAA/38AAAAAAAAJAAAABAAAAEkATgAeAAAAaAAAAAAAAAAAAAAAAAAAAAAAAAAAAAAAECcAABAnAAAAAAAAAAAAAAAAAAAAAAAAAAAAAAAAAAAAAAAAAAAAABQAAAAAAAAAwMD/AAAAAABkAAAAMgAAAAAAAABkAAAAAAAAAH9/fwAKAAAAIgAAABgAAAAAAAAAAAAAAAAAAAAAAAAAAAAAAAAAAAAkAAAAJAAAAAAAAAAHAAAAAAAAAAAAAAAAAAAAAAAAAAAAAAAAAAAAf39/ACUAAABYAAAAAAAAAAAAAAAAAAAAAAAAAAAAAAAAAAAAAAAAAAAAAAAAAAAAAAAAAAAAAAA/AAAAAAAAAKCGAQAAAAAAAAAAAAAAAAAMAAAAAQAAAAAAAAAAAAAAAAAAAB8AAABUAAAAAAAABQAAAAEAAAAAAAAAAAAAAAAAAAAAAAAAAAAAAAAAAAAAAAAAAAAAAAJ/f38AAAAAA8zMzADAwP8Af39/AAAAAAAAAAAAAAAAAAAAAAAAAAAAIQAAABgAAAAUAAAAKAUAAD8CAADYRQAAZwoAABAAAAAmAAAACAAAAAAAAAAAAAAA"/>
               </a:ext>
             </a:extLst>
           </p:cNvSpPr>
@@ -936,7 +936,7 @@
             <a:spLocks noGrp="1" noChangeArrowheads="1"/>
             <a:extLst>
               <a:ext uri="smNativeData">
-                <pr:smNativeData xmlns:pr="smNativeData" xmlns="smNativeData" val="SMDATA_15_u1g6ZxMAAAAlAAAAZAAAAA0AAAAAkAAAAEgAAACQAAAASAAAAAAAAAAAAAAAAAAAAAEAAABQAAAAAAAAAAAA4D8AAAAAAADgPwAAAAAAAOA/AAAAAAAA4D8AAAAAAADgPwAAAAAAAOA/AAAAAAAA4D8AAAAAAADgPwAAAAAAAOA/AAAAAAAA4D8CAAAAjAAAAAAAAAAAAAAARHLEDP///wgAAAAAAAAAAAAAAAAAAAAAAAAAAAAAAAAAAAAAZAAAAAEAAABAAAAAAAAAAAAAAAAAAAAAAAAAAAAAAAAAAAAAAAAAAAAAAAAAAAAAAAAAAAAAAAAAAAAAAAAAAAAAAAAAAAAAAAAAAAAAAAAAAAAAAAAAAAAAAAAAAAAAFAAAADwAAAAAAAAAAAAAAAAAAAkUAAAAAQAAABQAAAAUAAAAFAAAAAEAAAAAAAAAZAAAAGQAAAAAAAAAZAAAAGQAAAAVAAAAYAAAAAAAAAAAAAAADwAAACADAAAAAAAAAAAAAAEAAACgMgAAVgcAAKr4//8BAAAAf39/AAEAAABkAAAAAAAAABQAAABAHwAAAAAAACYAAAAAAAAAwOD//wAAAAAmAAAAZAAAABYAAABMAAAAAAAAAAAAAAAEAAAAAAAAAAEAAADn5uYKAAAAACgAAAAoAAAAZAAAAGQAAAAAAAAAzMzMAAAAAABQAAAAUAAAAGQAAABkAAAAAAAAABcAAAAUAAAAAAAAAAAAAAD/fwAA/38AAAAAAAAJAAAABAAAAPbGAhEeAAAAaAAAAAAAAAAAAAAAAAAAAAAAAAAAAAAAECcAABAnAAAAAAAAAAAAAAAAAAAAAAAAAAAAAAAAAAAAAAAAAAAAABQAAAAAAAAAwMD/AAAAAABkAAAAMgAAAAAAAABkAAAAAAAAAH9/fwAKAAAAIgAAABgAAAAAAAAAAAAAAAAAAAAAAAAAAAAAAAAAAAAkAAAAJAAAAAAAAAAHAAAAAAAAAAAAAAAAAAAAAAAAAAAAAAAAAAAAf39/ACUAAABYAAAAAAAAAAAAAAAAAAAAAAAAAAAAAAAAAAAAAAAAAAAAAAAAAAAAAAAAAAAAAAA/AAAAAAAAAKCGAQAAAAAAAAAAAAAAAAAMAAAAAQAAAAAAAAAAAAAAAAAAAB8AAABUAAAAAAAABQAAAAEAAAAAAAAAAAAAAAAAAAAAAAAAAAAAAAAAAAAAAAAAAAAAAAJ/f38AAAAAA8zMzADAwP8Af39/AAAAAAAAAAAAAAAAAAAAAAAAAAAAIQAAABgAAAAUAAAAKAUAADsLAADYRQAAACYAABAAAAAmAAAACAAAAAAAAAAAAAAA"/>
+                <pr:smNativeData xmlns:pr="smNativeData" xmlns="smNativeData" val="SMDATA_15_/1o6ZxMAAAAlAAAAZAAAAA0AAAAAkAAAAEgAAACQAAAASAAAAAAAAAAAAAAAAAAAAAEAAABQAAAAAAAAAAAA4D8AAAAAAADgPwAAAAAAAOA/AAAAAAAA4D8AAAAAAADgPwAAAAAAAOA/AAAAAAAA4D8AAAAAAADgPwAAAAAAAOA/AAAAAAAA4D8CAAAAjAAAAAAAAAAAAAAARHLEDP///wgAAAAAAAAAAAAAAAAAAAAAAAAAAAAAAAAAAAAAZAAAAAEAAABAAAAAAAAAAAAAAAAAAAAAAAAAAAAAAAAAAAAAAAAAAAAAAAAAAAAAAAAAAAAAAAAAAAAAAAAAAAAAAAAAAAAAAAAAAAAAAAAAAAAAAAAAAAAAAAAAAAAAFAAAADwAAAAAAAAAAAAAAAAAAAkUAAAAAQAAABQAAAAUAAAAFAAAAAEAAAAAAAAAZAAAAGQAAAAAAAAAZAAAAGQAAAAVAAAAYAAAAAAAAAAAAAAADwAAACADAAAAAAAAAAAAAAEAAACgMgAAVgcAAKr4//8BAAAAf39/AAEAAABkAAAAAAAAABQAAABAHwAAAAAAACYAAAAAAAAAwOD//wAAAAAmAAAAZAAAABYAAABMAAAAAAAAAAAAAAAEAAAAAAAAAAEAAADn5uYKAAAAACgAAAAoAAAAZAAAAGQAAAAAAAAAzMzMAAAAAABQAAAAUAAAAGQAAABkAAAAAAAAABcAAAAUAAAAAAAAAAAAAAD/fwAA/38AAAAAAAAJAAAABAAAAPbGAhEeAAAAaAAAAAAAAAAAAAAAAAAAAAAAAAAAAAAAECcAABAnAAAAAAAAAAAAAAAAAAAAAAAAAAAAAAAAAAAAAAAAAAAAABQAAAAAAAAAwMD/AAAAAABkAAAAMgAAAAAAAABkAAAAAAAAAH9/fwAKAAAAIgAAABgAAAAAAAAAAAAAAAAAAAAAAAAAAAAAAAAAAAAkAAAAJAAAAAAAAAAHAAAAAAAAAAAAAAAAAAAAAAAAAAAAAAAAAAAAf39/ACUAAABYAAAAAAAAAAAAAAAAAAAAAAAAAAAAAAAAAAAAAAAAAAAAAAAAAAAAAAAAAAAAAAA/AAAAAAAAAKCGAQAAAAAAAAAAAAAAAAAMAAAAAQAAAAAAAAAAAAAAAAAAAB8AAABUAAAAAAAABQAAAAEAAAAAAAAAAAAAAAAAAAAAAAAAAAAAAAAAAAAAAAAAAAAAAAJ/f38AAAAAA8zMzADAwP8Af39/AAAAAAAAAAAAAAAAAAAAAAAAAAAAIQAAABgAAAAUAAAAKAUAADsLAADYRQAAACYAABAAAAAmAAAACAAAAAAAAAAAAAAA"/>
               </a:ext>
             </a:extLst>
           </p:cNvSpPr>
@@ -997,7 +997,7 @@
             <a:spLocks noGrp="1" noChangeArrowheads="1"/>
             <a:extLst>
               <a:ext uri="smNativeData">
-                <pr:smNativeData xmlns:pr="smNativeData" xmlns="smNativeData" val="SMDATA_15_u1g6ZxMAAAAlAAAAZAAAAA0AAAAAkAAAAEgAAACQAAAASAAAAAAAAAABAAAAAAAAAAEAAABQAAAAAAAAAAAA4D8AAAAAAADgPwAAAAAAAOA/AAAAAAAA4D8AAAAAAADgPwAAAAAAAOA/AAAAAAAA4D8AAAAAAADgPwAAAAAAAOA/AAAAAAAA4D8CAAAAjAAAAAAAAAAAAAAARHLEDP///wgAAAAAAAAAAAAAAAAAAAAAAAAAAAAAAAAAAAAAZAAAAAEAAABAAAAAAAAAAAAAAAAAAAAAAAAAAAAAAAAAAAAAAAAAAAAAAAAAAAAAAAAAAAAAAAAAAAAAAAAAAAAAAAAAAAAAAAAAAAAAAAAAAAAAAAAAAAAAAAAAAAAAFAAAADwAAAAAAAAAAAAAAAAAAAkUAAAAAQAAABQAAAAUAAAAFAAAAAEAAAAAAAAAZAAAAGQAAAAAAAAAZAAAAGQAAAAVAAAAYAAAAAAAAAAAAAAADwAAACADAAAAAAAAAAAAAAEAAACgMgAAVgcAAKr4//8BAAAAf39/AAEAAABkAAAAAAAAABQAAABAHwAAAAAAACYAAAAAAAAAwOD//wAAAAAmAAAAZAAAABYAAABMAAAAAAAAAAAAAAAEAAAAAAAAAAEAAADn5uYKAAAAACgAAAAoAAAAZAAAAGQAAAAAAAAAzMzMAAAAAABQAAAAUAAAAGQAAABkAAAAAAAAABcAAAAUAAAAAAAAAAAAAAD/fwAA/38AAAAAAAAJAAAABAAAAAAAAAAeAAAAaAAAAAAAAAAAAAAAAAAAAAAAAAAAAAAAECcAABAnAAAAAAAAAAAAAAAAAAAAAAAAAAAAAAAAAAAAAAAAAAAAABQAAAAAAAAAwMD/AAAAAABkAAAAMgAAAAAAAABkAAAAAAAAAH9/fwAKAAAAIgAAABgAAAAAAAAAAAAAAAAAAAAAAAAAAAAAAAAAAAAkAAAAJAAAAAAAAAAHAAAAAAAAAAAAAAAAAAAAAAAAAAAAAAAAAAAAf39/ACUAAABYAAAAAAAAAAAAAAAAAAAAAAAAAAAAAAAAAAAAAAAAAAAAAAAAAAAAAAAAAAAAAAA/AAAAAAAAAKCGAQAAAAAAAAAAAAAAAAAMAAAAAQAAAAAAAAAAAAAAAAAAAB8AAABUAAAAAAAABQAAAAEAAAAAAAAAAAAAAAAAAAAAAAAAAAAAAAAAAAAAAAAAAAAAAAJ/f38AAAAAA8zMzADAwP8Af39/AAAAAAAAAAAAAAAAAAAAAAAAAAAAIQAAABgAAAAUAAAAKAUAABonAAAIFgAAWSkAABAAAAAmAAAACAAAAAAAAAAAAAAA"/>
+                <pr:smNativeData xmlns:pr="smNativeData" xmlns="smNativeData" val="SMDATA_15_/1o6ZxMAAAAlAAAAZAAAAA0AAAAAkAAAAEgAAACQAAAASAAAAAAAAAABAAAAAAAAAAEAAABQAAAAAAAAAAAA4D8AAAAAAADgPwAAAAAAAOA/AAAAAAAA4D8AAAAAAADgPwAAAAAAAOA/AAAAAAAA4D8AAAAAAADgPwAAAAAAAOA/AAAAAAAA4D8CAAAAjAAAAAAAAAAAAAAARHLEDP///wgAAAAAAAAAAAAAAAAAAAAAAAAAAAAAAAAAAAAAZAAAAAEAAABAAAAAAAAAAAAAAAAAAAAAAAAAAAAAAAAAAAAAAAAAAAAAAAAAAAAAAAAAAAAAAAAAAAAAAAAAAAAAAAAAAAAAAAAAAAAAAAAAAAAAAAAAAAAAAAAAAAAAFAAAADwAAAAAAAAAAAAAAAAAAAkUAAAAAQAAABQAAAAUAAAAFAAAAAEAAAAAAAAAZAAAAGQAAAAAAAAAZAAAAGQAAAAVAAAAYAAAAAAAAAAAAAAADwAAACADAAAAAAAAAAAAAAEAAACgMgAAVgcAAKr4//8BAAAAf39/AAEAAABkAAAAAAAAABQAAABAHwAAAAAAACYAAAAAAAAAwOD//wAAAAAmAAAAZAAAABYAAABMAAAAAAAAAAAAAAAEAAAAAAAAAAEAAADn5uYKAAAAACgAAAAoAAAAZAAAAGQAAAAAAAAAzMzMAAAAAABQAAAAUAAAAGQAAABkAAAAAAAAABcAAAAUAAAAAAAAAAAAAAD/fwAA/38AAAAAAAAJAAAABAAAAAAAAAAeAAAAaAAAAAAAAAAAAAAAAAAAAAAAAAAAAAAAECcAABAnAAAAAAAAAAAAAAAAAAAAAAAAAAAAAAAAAAAAAAAAAAAAABQAAAAAAAAAwMD/AAAAAABkAAAAMgAAAAAAAABkAAAAAAAAAH9/fwAKAAAAIgAAABgAAAAAAAAAAAAAAAAAAAAAAAAAAAAAAAAAAAAkAAAAJAAAAAAAAAAHAAAAAAAAAAAAAAAAAAAAAAAAAAAAAAAAAAAAf39/ACUAAABYAAAAAAAAAAAAAAAAAAAAAAAAAAAAAAAAAAAAAAAAAAAAAAAAAAAAAAAAAAAAAAA/AAAAAAAAAKCGAQAAAAAAAAAAAAAAAAAMAAAAAQAAAAAAAAAAAAAAAAAAAB8AAABUAAAAAAAABQAAAAEAAAAAAAAAAAAAAAAAAAAAAAAAAAAAAAAAAAAAAAAAAAAAAAJ/f38AAAAAA8zMzADAwP8Af39/AAAAAAAAAAAAAAAAAAAAAAAAAAAAIQAAABgAAAAUAAAAKAUAABonAAAIFgAAWSkAABAAAAAmAAAACAAAAAAAAAAAAAAA"/>
               </a:ext>
             </a:extLst>
           </p:cNvSpPr>
@@ -1013,7 +1013,7 @@
             <a:pPr>
               <a:defRPr lang="de-de"/>
             </a:pPr>
-            <a:fld id="{2EDADC01-4FC3-8F2A-8D62-B97F922C7BEC}" type="datetime1">
+            <a:fld id="{1CCF9654-1AF1-9A60-BF77-EC35D83949B9}" type="datetime1">
               <a:t/>
             </a:fld>
           </a:p>
@@ -1026,7 +1026,7 @@
             <a:spLocks noGrp="1" noChangeArrowheads="1"/>
             <a:extLst>
               <a:ext uri="smNativeData">
-                <pr:smNativeData xmlns:pr="smNativeData" xmlns="smNativeData" val="SMDATA_15_u1g6ZxMAAAAlAAAAZAAAAA0AAAAAkAAAAEgAAACQAAAASAAAAAAAAAABAAAAAAAAAAEAAABQAAAAAAAAAAAA4D8AAAAAAADgPwAAAAAAAOA/AAAAAAAA4D8AAAAAAADgPwAAAAAAAOA/AAAAAAAA4D8AAAAAAADgPwAAAAAAAOA/AAAAAAAA4D8CAAAAjAAAAAAAAAAAAAAARHLEDP///wgAAAAAAAAAAAAAAAAAAAAAAAAAAAAAAAAAAAAAZAAAAAEAAABAAAAAAAAAAAAAAAAAAAAAAAAAAAAAAAAAAAAAAAAAAAAAAAAAAAAAAAAAAAAAAAAAAAAAAAAAAAAAAAAAAAAAAAAAAAAAAAAAAAAAAAAAAAAAAAAAAAAAFAAAADwAAAAAAAAAAAAAAAAAAAkUAAAAAQAAABQAAAAUAAAAFAAAAAEAAAAAAAAAZAAAAGQAAAAAAAAAZAAAAGQAAAAVAAAAYAAAAAAAAAAAAAAADwAAACADAAAAAAAAAAAAAAEAAACgMgAAVgcAAKr4//8BAAAAf39/AAEAAABkAAAAAAAAABQAAABAHwAAAAAAACYAAAAAAAAAwOD//wAAAAAmAAAAZAAAABYAAABMAAAAAAAAAAAAAAAEAAAAAAAAAAEAAADn5uYKAAAAACgAAAAoAAAAZAAAAGQAAAAAAAAAzMzMAAAAAABQAAAAUAAAAGQAAABkAAAAAAAAABcAAAAUAAAAAAAAAAAAAAD/fwAA/38AAAAAAAAJAAAABAAAADiWChEeAAAAaAAAAAAAAAAAAAAAAAAAAAAAAAAAAAAAECcAABAnAAAAAAAAAAAAAAAAAAAAAAAAAAAAAAAAAAAAAAAAAAAAABQAAAAAAAAAwMD/AAAAAABkAAAAMgAAAAAAAABkAAAAAAAAAH9/fwAKAAAAIgAAABgAAAAAAAAAAAAAAAAAAAAAAAAAAAAAAAAAAAAkAAAAJAAAAAAAAAAHAAAAAAAAAAAAAAAAAAAAAAAAAAAAAAAAAAAAf39/ACUAAABYAAAAAAAAAAAAAAAAAAAAAAAAAAAAAAAAAAAAAAAAAAAAAAAAAAAAAAAAAAAAAAA/AAAAAAAAAKCGAQAAAAAAAAAAAAAAAAAMAAAAAQAAAAAAAAAAAAAAAAAAAB8AAABUAAAAAAAABQAAAAEAAAAAAAAAAAAAAAAAAAAAAAAAAAAAAAAAAAAAAAAAAAAAAAJ/f38AAAAAA8zMzADAwP8Af39/AAAAAAAAAAAAAAAAAAAAAAAAAAAAIQAAABgAAAAUAAAA2BgAABonAAAoMgAAWSkAABAAAAAmAAAACAAAAAAAAAAAAAAA"/>
+                <pr:smNativeData xmlns:pr="smNativeData" xmlns="smNativeData" val="SMDATA_15_/1o6ZxMAAAAlAAAAZAAAAA0AAAAAkAAAAEgAAACQAAAASAAAAAAAAAABAAAAAAAAAAEAAABQAAAAAAAAAAAA4D8AAAAAAADgPwAAAAAAAOA/AAAAAAAA4D8AAAAAAADgPwAAAAAAAOA/AAAAAAAA4D8AAAAAAADgPwAAAAAAAOA/AAAAAAAA4D8CAAAAjAAAAAAAAAAAAAAARHLEDP///wgAAAAAAAAAAAAAAAAAAAAAAAAAAAAAAAAAAAAAZAAAAAEAAABAAAAAAAAAAAAAAAAAAAAAAAAAAAAAAAAAAAAAAAAAAAAAAAAAAAAAAAAAAAAAAAAAAAAAAAAAAAAAAAAAAAAAAAAAAAAAAAAAAAAAAAAAAAAAAAAAAAAAFAAAADwAAAAAAAAAAAAAAAAAAAkUAAAAAQAAABQAAAAUAAAAFAAAAAEAAAAAAAAAZAAAAGQAAAAAAAAAZAAAAGQAAAAVAAAAYAAAAAAAAAAAAAAADwAAACADAAAAAAAAAAAAAAEAAACgMgAAVgcAAKr4//8BAAAAf39/AAEAAABkAAAAAAAAABQAAABAHwAAAAAAACYAAAAAAAAAwOD//wAAAAAmAAAAZAAAABYAAABMAAAAAAAAAAAAAAAEAAAAAAAAAAEAAADn5uYKAAAAACgAAAAoAAAAZAAAAGQAAAAAAAAAzMzMAAAAAABQAAAAUAAAAGQAAABkAAAAAAAAABcAAAAUAAAAAAAAAAAAAAD/fwAA/38AAAAAAAAJAAAABAAAADiWChEeAAAAaAAAAAAAAAAAAAAAAAAAAAAAAAAAAAAAECcAABAnAAAAAAAAAAAAAAAAAAAAAAAAAAAAAAAAAAAAAAAAAAAAABQAAAAAAAAAwMD/AAAAAABkAAAAMgAAAAAAAABkAAAAAAAAAH9/fwAKAAAAIgAAABgAAAAAAAAAAAAAAAAAAAAAAAAAAAAAAAAAAAAkAAAAJAAAAAAAAAAHAAAAAAAAAAAAAAAAAAAAAAAAAAAAAAAAAAAAf39/ACUAAABYAAAAAAAAAAAAAAAAAAAAAAAAAAAAAAAAAAAAAAAAAAAAAAAAAAAAAAAAAAAAAAA/AAAAAAAAAKCGAQAAAAAAAAAAAAAAAAAMAAAAAQAAAAAAAAAAAAAAAAAAAB8AAABUAAAAAAAABQAAAAEAAAAAAAAAAAAAAAAAAAAAAAAAAAAAAAAAAAAAAAAAAAAAAAJ/f38AAAAAA8zMzADAwP8Af39/AAAAAAAAAAAAAAAAAAAAAAAAAAAAIQAAABgAAAAUAAAA2BgAABonAAAoMgAAWSkAABAAAAAmAAAACAAAAAAAAAAAAAAA"/>
               </a:ext>
             </a:extLst>
           </p:cNvSpPr>
@@ -1052,7 +1052,7 @@
             <a:spLocks noGrp="1" noChangeArrowheads="1"/>
             <a:extLst>
               <a:ext uri="smNativeData">
-                <pr:smNativeData xmlns:pr="smNativeData" xmlns="smNativeData" val="SMDATA_15_u1g6ZxMAAAAlAAAAZAAAAA0AAAAAkAAAAEgAAACQAAAASAAAAAAAAAABAAAAAAAAAAEAAABQAAAAAAAAAAAA4D8AAAAAAADgPwAAAAAAAOA/AAAAAAAA4D8AAAAAAADgPwAAAAAAAOA/AAAAAAAA4D8AAAAAAADgPwAAAAAAAOA/AAAAAAAA4D8CAAAAjAAAAAAAAAAAAAAARHLEDP///wgAAAAAAAAAAAAAAAAAAAAAAAAAAAAAAAAAAAAAZAAAAAEAAABAAAAAAAAAAAAAAAAAAAAAAAAAAAAAAAAAAAAAAAAAAAAAAAAAAAAAAAAAAAAAAAAAAAAAAAAAAAAAAAAAAAAAAAAAAAAAAAAAAAAAAAAAAAAAAAAAAAAAFAAAADwAAAAAAAAAAAAAAAAAAAkUAAAAAQAAABQAAAAUAAAAFAAAAAEAAAAAAAAAZAAAAGQAAAAAAAAAZAAAAGQAAAAVAAAAYAAAAAAAAAAAAAAADwAAACADAAAAAAAAAAAAAAEAAACgMgAAVgcAAKr4//8BAAAAf39/AAEAAABkAAAAAAAAABQAAABAHwAAAAAAACYAAAAAAAAAwOD//wAAAAAmAAAAZAAAABYAAABMAAAAAAAAAAAAAAAEAAAAAAAAAAEAAADn5uYKAAAAACgAAAAoAAAAZAAAAGQAAAAAAAAAzMzMAAAAAABQAAAAUAAAAGQAAABkAAAAAAAAABcAAAAUAAAAAAAAAAAAAAD/fwAA/38AAAAAAAAJAAAABAAAAAAAAAAeAAAAaAAAAAAAAAAAAAAAAAAAAAAAAAAAAAAAECcAABAnAAAAAAAAAAAAAAAAAAAAAAAAAAAAAAAAAAAAAAAAAAAAABQAAAAAAAAAwMD/AAAAAABkAAAAMgAAAAAAAABkAAAAAAAAAH9/fwAKAAAAIgAAABgAAAAAAAAAAAAAAAAAAAAAAAAAAAAAAAAAAAAkAAAAJAAAAAAAAAAHAAAAAAAAAAAAAAAAAAAAAAAAAAAAAAAAAAAAf39/ACUAAABYAAAAAAAAAAAAAAAAAAAAAAAAAAAAAAAAAAAAAAAAAAAAAAAAAAAAAAAAAAAAAAA/AAAAAAAAAKCGAQAAAAAAAAAAAAAAAAAMAAAAAQAAAAAAAAAAAAAAAAAAAB8AAABUAAAAAAAABQAAAAEAAAAAAAAAAAAAAAAAAAAAAAAAAAAAAAAAAAAAAAAAAAAAAAJ/f38AAAAAA8zMzADAwP8Af39/AAAAAAAAAAAAAAAAAAAAAAAAAAAAIQAAABgAAAAUAAAA+DQAABonAADYRQAAWSkAABAAAAAmAAAACAAAAAAAAAAAAAAA"/>
+                <pr:smNativeData xmlns:pr="smNativeData" xmlns="smNativeData" val="SMDATA_15_/1o6ZxMAAAAlAAAAZAAAAA0AAAAAkAAAAEgAAACQAAAASAAAAAAAAAABAAAAAAAAAAEAAABQAAAAAAAAAAAA4D8AAAAAAADgPwAAAAAAAOA/AAAAAAAA4D8AAAAAAADgPwAAAAAAAOA/AAAAAAAA4D8AAAAAAADgPwAAAAAAAOA/AAAAAAAA4D8CAAAAjAAAAAAAAAAAAAAARHLEDP///wgAAAAAAAAAAAAAAAAAAAAAAAAAAAAAAAAAAAAAZAAAAAEAAABAAAAAAAAAAAAAAAAAAAAAAAAAAAAAAAAAAAAAAAAAAAAAAAAAAAAAAAAAAAAAAAAAAAAAAAAAAAAAAAAAAAAAAAAAAAAAAAAAAAAAAAAAAAAAAAAAAAAAFAAAADwAAAAAAAAAAAAAAAAAAAkUAAAAAQAAABQAAAAUAAAAFAAAAAEAAAAAAAAAZAAAAGQAAAAAAAAAZAAAAGQAAAAVAAAAYAAAAAAAAAAAAAAADwAAACADAAAAAAAAAAAAAAEAAACgMgAAVgcAAKr4//8BAAAAf39/AAEAAABkAAAAAAAAABQAAABAHwAAAAAAACYAAAAAAAAAwOD//wAAAAAmAAAAZAAAABYAAABMAAAAAAAAAAAAAAAEAAAAAAAAAAEAAADn5uYKAAAAACgAAAAoAAAAZAAAAGQAAAAAAAAAzMzMAAAAAABQAAAAUAAAAGQAAABkAAAAAAAAABcAAAAUAAAAAAAAAAAAAAD/fwAA/38AAAAAAAAJAAAABAAAAAAAAAAeAAAAaAAAAAAAAAAAAAAAAAAAAAAAAAAAAAAAECcAABAnAAAAAAAAAAAAAAAAAAAAAAAAAAAAAAAAAAAAAAAAAAAAABQAAAAAAAAAwMD/AAAAAABkAAAAMgAAAAAAAABkAAAAAAAAAH9/fwAKAAAAIgAAABgAAAAAAAAAAAAAAAAAAAAAAAAAAAAAAAAAAAAkAAAAJAAAAAAAAAAHAAAAAAAAAAAAAAAAAAAAAAAAAAAAAAAAAAAAf39/ACUAAABYAAAAAAAAAAAAAAAAAAAAAAAAAAAAAAAAAAAAAAAAAAAAAAAAAAAAAAAAAAAAAAA/AAAAAAAAAKCGAQAAAAAAAAAAAAAAAAAMAAAAAQAAAAAAAAAAAAAAAAAAAB8AAABUAAAAAAAABQAAAAEAAAAAAAAAAAAAAAAAAAAAAAAAAAAAAAAAAAAAAAAAAAAAAAJ/f38AAAAAA8zMzADAwP8Af39/AAAAAAAAAAAAAAAAAAAAAAAAAAAAIQAAABgAAAAUAAAA+DQAABonAADYRQAAWSkAABAAAAAmAAAACAAAAAAAAAAAAAAA"/>
               </a:ext>
             </a:extLst>
           </p:cNvSpPr>
@@ -1068,7 +1068,7 @@
             <a:pPr>
               <a:defRPr lang="de-de"/>
             </a:pPr>
-            <a:fld id="{2EDA8BBE-F0C3-8F7D-8D62-0628C52C7B53}" type="slidenum">
+            <a:fld id="{1CCF8773-3DF1-9A71-BF77-CB24C939499E}" type="slidenum">
               <a:t/>
             </a:fld>
           </a:p>
@@ -1107,7 +1107,7 @@
             <a:spLocks noGrp="1" noChangeArrowheads="1"/>
             <a:extLst>
               <a:ext uri="smNativeData">
-                <pr:smNativeData xmlns:pr="smNativeData" xmlns="smNativeData" val="SMDATA_15_u1g6ZxMAAAAlAAAAZAAAAA0AAAAAkAAAAEgAAACQAAAASAAAAAAAAAACAAAAAAAAAAEAAABQAAAAAAAAAAAA4D8AAAAAAADgPwAAAAAAAOA/AAAAAAAA4D8AAAAAAADgPwAAAAAAAOA/AAAAAAAA4D8AAAAAAADgPwAAAAAAAOA/AAAAAAAA4D8CAAAAjAAAAAAAAAAAAAAARHLEDP///wgAAAAAAAAAAAAAAAAAAAAAAAAAAAAAAAAAAAAAZAAAAAEAAABAAAAAAAAAAAAAAAAAAAAAAAAAAAAAAAAAAAAAAAAAAAAAAAAAAAAAAAAAAAAAAAAAAAAAAAAAAAAAAAAAAAAAAAAAAAAAAAAAAAAAAAAAAAAAAAAAAAAAFAAAADwAAAAAAAAAAAAAAAAAAAkUAAAAAQAAABQAAAAUAAAAFAAAAAEAAAAAAAAAZAAAAGQAAAAAAAAAZAAAAGQAAAAVAAAAYAAAAAAAAAAAAAAADwAAACADAAAAAAAAAAAAAAEAAACgMgAAVgcAAKr4//8BAAAAf39/AAEAAABkAAAAAAAAABQAAABAHwAAAAAAACYAAAAAAAAAwOD//wAAAAAmAAAAZAAAABYAAABMAAAAAAAAAAAAAAAEAAAAAAAAAAEAAADn5uYKAAAAACgAAAAoAAAAZAAAAGQAAAAAAAAAzMzMAAAAAABQAAAAUAAAAGQAAABkAAAAAAAAABcAAAAUAAAAAAAAAAAAAAD/fwAA/38AAAAAAAAJAAAABAAAAIDYVQAeAAAAaAAAAAAAAAAAAAAAAAAAAAAAAAAAAAAAECcAABAnAAAAAAAAAAAAAAAAAAAAAAAAAAAAAAAAAAAAAAAAAAAAABQAAAAAAAAAwMD/AAAAAABkAAAAMgAAAAAAAABkAAAAAAAAAH9/fwAKAAAAIgAAABgAAAAAAAAAAAAAAAAAAAAAAAAAAAAAAAAAAAAkAAAAJAAAAAAAAAAHAAAAAAAAAAAAAAAAAAAAAAAAAAAAAAAAAAAAf39/ACUAAABYAAAAAAAAAAAAAAAAAAAAAAAAAAAAAAAAAAAAAAAAAAAAAAAAAAAAAAAAAAAAAAA/AAAAAAAAAKCGAQAAAAAAAAAAAAAAAAAMAAAAAQAAAAAAAAAAAAAAAAAAAB8AAABUAAAAAAAABQAAAAEAAAAAAAAAAAAAAAAAAAAAAAAAAAAAAAAAAAAAAAAAAAAAAAJ/f38AAAAAA8zMzADAwP8Af39/AAAAAAAAAAAAAAAAAAAAAAAAAAAAIQAAABgAAAAUAAAAHgUAAIUKAADORQAAERwAABAAAAAmAAAACAAAAIGAAAAAAAAA"/>
+                <pr:smNativeData xmlns:pr="smNativeData" xmlns="smNativeData" val="SMDATA_15_/1o6ZxMAAAAlAAAAZAAAAA0AAAAAkAAAAEgAAACQAAAASAAAAAAAAAACAAAAAAAAAAEAAABQAAAAAAAAAAAA4D8AAAAAAADgPwAAAAAAAOA/AAAAAAAA4D8AAAAAAADgPwAAAAAAAOA/AAAAAAAA4D8AAAAAAADgPwAAAAAAAOA/AAAAAAAA4D8CAAAAjAAAAAAAAAAAAAAARHLEDP///wgAAAAAAAAAAAAAAAAAAAAAAAAAAAAAAAAAAAAAZAAAAAEAAABAAAAAAAAAAAAAAAAAAAAAAAAAAAAAAAAAAAAAAAAAAAAAAAAAAAAAAAAAAAAAAAAAAAAAAAAAAAAAAAAAAAAAAAAAAAAAAAAAAAAAAAAAAAAAAAAAAAAAFAAAADwAAAAAAAAAAAAAAAAAAAkUAAAAAQAAABQAAAAUAAAAFAAAAAEAAAAAAAAAZAAAAGQAAAAAAAAAZAAAAGQAAAAVAAAAYAAAAAAAAAAAAAAADwAAACADAAAAAAAAAAAAAAEAAACgMgAAVgcAAKr4//8BAAAAf39/AAEAAABkAAAAAAAAABQAAABAHwAAAAAAACYAAAAAAAAAwOD//wAAAAAmAAAAZAAAABYAAABMAAAAAAAAAAAAAAAEAAAAAAAAAAEAAADn5uYKAAAAACgAAAAoAAAAZAAAAGQAAAAAAAAAzMzMAAAAAABQAAAAUAAAAGQAAABkAAAAAAAAABcAAAAUAAAAAAAAAAAAAAD/fwAA/38AAAAAAAAJAAAABAAAAIDYVQAeAAAAaAAAAAAAAAAAAAAAAAAAAAAAAAAAAAAAECcAABAnAAAAAAAAAAAAAAAAAAAAAAAAAAAAAAAAAAAAAAAAAAAAABQAAAAAAAAAwMD/AAAAAABkAAAAMgAAAAAAAABkAAAAAAAAAH9/fwAKAAAAIgAAABgAAAAAAAAAAAAAAAAAAAAAAAAAAAAAAAAAAAAkAAAAJAAAAAAAAAAHAAAAAAAAAAAAAAAAAAAAAAAAAAAAAAAAAAAAf39/ACUAAABYAAAAAAAAAAAAAAAAAAAAAAAAAAAAAAAAAAAAAAAAAAAAAAAAAAAAAAAAAAAAAAA/AAAAAAAAAKCGAQAAAAAAAAAAAAAAAAAMAAAAAQAAAAAAAAAAAAAAAAAAAB8AAABUAAAAAAAABQAAAAEAAAAAAAAAAAAAAAAAAAAAAAAAAAAAAAAAAAAAAAAAAAAAAAJ/f38AAAAAA8zMzADAwP8Af39/AAAAAAAAAAAAAAAAAAAAAAAAAAAAIQAAABgAAAAUAAAAHgUAAIUKAADORQAAERwAABAAAAAmAAAACAAAAIGAAAAAAAAA"/>
               </a:ext>
             </a:extLst>
           </p:cNvSpPr>
@@ -1173,7 +1173,7 @@
             <a:spLocks noGrp="1" noChangeArrowheads="1"/>
             <a:extLst>
               <a:ext uri="smNativeData">
-                <pr:smNativeData xmlns:pr="smNativeData" xmlns="smNativeData" val="SMDATA_15_u1g6ZxMAAAAlAAAAZAAAAA0AAAAAkAAAAEgAAACQAAAASAAAAAAAAAAAAAAAAAAAAAEAAABQAAAAAAAAAAAA4D8AAAAAAADgPwAAAAAAAOA/AAAAAAAA4D8AAAAAAADgPwAAAAAAAOA/AAAAAAAA4D8AAAAAAADgPwAAAAAAAOA/AAAAAAAA4D8CAAAAjAAAAAAAAAAAAAAARHLEDP///wgAAAAAAAAAAAAAAAAAAAAAAAAAAAAAAAAAAAAAZAAAAAEAAABAAAAAAAAAAAAAAAAAAAAAAAAAAAAAAAAAAAAAAAAAAAAAAAAAAAAAAAAAAAAAAAAAAAAAAAAAAAAAAAAAAAAAAAAAAAAAAAAAAAAAAAAAAAAAAAAAAAAAFAAAADwAAAAAAAAAAAAAAAAAAAkUAAAAAQAAABQAAAAUAAAAFAAAAAEAAAAAAAAAZAAAAGQAAAAAAAAAZAAAAGQAAAAVAAAAYAAAAAAAAAAAAAAADwAAACADAAAAAAAAAAAAAAEAAACgMgAAVgcAAKr4//8BAAAAf39/AAEAAABkAAAAAAAAABQAAABAHwAAAAAAACYAAAAAAAAAwOD//wAAAAAmAAAAZAAAABYAAABMAAAAAAAAAAAAAAAEAAAAAAAAAAEAAADn5uYKAAAAACgAAAAoAAAAZAAAAGQAAAAAAAAAzMzMAAAAAABQAAAAUAAAAGQAAABkAAAAAAAAABcAAAAUAAAAAAAAAAAAAAD/fwAA/38AAAAAAAAJAAAABAAAAAAAAAAeAAAAaAAAAAAAAAAAAAAAAAAAAAAAAAAAAAAAECcAABAnAAAAAAAAAAAAAAAAAAAAAAAAAAAAAAAAAAAAAAAAAAAAABQAAAAAAAAAwMD/AAAAAABkAAAAMgAAAAAAAABkAAAAAAAAAH9/fwAKAAAAIgAAABgAAAAAAAAAAAAAAAAAAAAAAAAAAAAAAAAAAAAkAAAAJAAAAAAAAAAHAAAAAAAAAAAAAAAAAAAAAAAAAAAAAAAAAAAAf39/ACUAAABYAAAAAAAAAAAAAAAAAAAAAAAAAAAAAAAAAAAAAAAAAAAAAAAAAAAAAAAAAAAAAAA/AAAAAAAAAKCGAQAAAAAAAAAAAAAAAAAMAAAAAQAAAAAAAAAAAAAAAAAAAB8AAABUAAAAAAAABQAAAAEAAAAAAAAAAAAAAAAAAAAAAAAAAAAAAAAAAAAAAAAAAAAAAAJ/f38AAAAAA8zMzADAwP8Af39/AAAAAAAAAAAAAAAAAAAAAAAAAAAAIQAAABgAAAAUAAAAHgUAADwcAADORQAAdiUAABAAAAAmAAAACAAAAAGAAAAAAAAA"/>
+                <pr:smNativeData xmlns:pr="smNativeData" xmlns="smNativeData" val="SMDATA_15_/1o6ZxMAAAAlAAAAZAAAAA0AAAAAkAAAAEgAAACQAAAASAAAAAAAAAAAAAAAAAAAAAEAAABQAAAAAAAAAAAA4D8AAAAAAADgPwAAAAAAAOA/AAAAAAAA4D8AAAAAAADgPwAAAAAAAOA/AAAAAAAA4D8AAAAAAADgPwAAAAAAAOA/AAAAAAAA4D8CAAAAjAAAAAAAAAAAAAAARHLEDP///wgAAAAAAAAAAAAAAAAAAAAAAAAAAAAAAAAAAAAAZAAAAAEAAABAAAAAAAAAAAAAAAAAAAAAAAAAAAAAAAAAAAAAAAAAAAAAAAAAAAAAAAAAAAAAAAAAAAAAAAAAAAAAAAAAAAAAAAAAAAAAAAAAAAAAAAAAAAAAAAAAAAAAFAAAADwAAAAAAAAAAAAAAAAAAAkUAAAAAQAAABQAAAAUAAAAFAAAAAEAAAAAAAAAZAAAAGQAAAAAAAAAZAAAAGQAAAAVAAAAYAAAAAAAAAAAAAAADwAAACADAAAAAAAAAAAAAAEAAACgMgAAVgcAAKr4//8BAAAAf39/AAEAAABkAAAAAAAAABQAAABAHwAAAAAAACYAAAAAAAAAwOD//wAAAAAmAAAAZAAAABYAAABMAAAAAAAAAAAAAAAEAAAAAAAAAAEAAADn5uYKAAAAACgAAAAoAAAAZAAAAGQAAAAAAAAAzMzMAAAAAABQAAAAUAAAAGQAAABkAAAAAAAAABcAAAAUAAAAAAAAAAAAAAD/fwAA/38AAAAAAAAJAAAABAAAAAAAAAAeAAAAaAAAAAAAAAAAAAAAAAAAAAAAAAAAAAAAECcAABAnAAAAAAAAAAAAAAAAAAAAAAAAAAAAAAAAAAAAAAAAAAAAABQAAAAAAAAAwMD/AAAAAABkAAAAMgAAAAAAAABkAAAAAAAAAH9/fwAKAAAAIgAAABgAAAAAAAAAAAAAAAAAAAAAAAAAAAAAAAAAAAAkAAAAJAAAAAAAAAAHAAAAAAAAAAAAAAAAAAAAAAAAAAAAAAAAAAAAf39/ACUAAABYAAAAAAAAAAAAAAAAAAAAAAAAAAAAAAAAAAAAAAAAAAAAAAAAAAAAAAAAAAAAAAA/AAAAAAAAAKCGAQAAAAAAAAAAAAAAAAAMAAAAAQAAAAAAAAAAAAAAAAAAAB8AAABUAAAAAAAABQAAAAEAAAAAAAAAAAAAAAAAAAAAAAAAAAAAAAAAAAAAAAAAAAAAAAJ/f38AAAAAA8zMzADAwP8Af39/AAAAAAAAAAAAAAAAAAAAAAAAAAAAIQAAABgAAAAUAAAAHgUAADwcAADORQAAdiUAABAAAAAmAAAACAAAAAGAAAAAAAAA"/>
               </a:ext>
             </a:extLst>
           </p:cNvSpPr>
@@ -1280,7 +1280,7 @@
             <a:spLocks noGrp="1" noChangeArrowheads="1"/>
             <a:extLst>
               <a:ext uri="smNativeData">
-                <pr:smNativeData xmlns:pr="smNativeData" xmlns="smNativeData" val="SMDATA_15_u1g6ZxMAAAAlAAAAZAAAAA0AAAAAkAAAAEgAAACQAAAASAAAAAAAAAABAAAAAAAAAAEAAABQAAAAAAAAAAAA4D8AAAAAAADgPwAAAAAAAOA/AAAAAAAA4D8AAAAAAADgPwAAAAAAAOA/AAAAAAAA4D8AAAAAAADgPwAAAAAAAOA/AAAAAAAA4D8CAAAAjAAAAAAAAAAAAAAARHLEDP///wgAAAAAAAAAAAAAAAAAAAAAAAAAAAAAAAAAAAAAZAAAAAEAAABAAAAAAAAAAAAAAAAAAAAAAAAAAAAAAAAAAAAAAAAAAAAAAAAAAAAAAAAAAAAAAAAAAAAAAAAAAAAAAAAAAAAAAAAAAAAAAAAAAAAAAAAAAAAAAAAAAAAAFAAAADwAAAAAAAAAAAAAAAAAAAkUAAAAAQAAABQAAAAUAAAAFAAAAAEAAAAAAAAAZAAAAGQAAAAAAAAAZAAAAGQAAAAVAAAAYAAAAAAAAAAAAAAADwAAACADAAAAAAAAAAAAAAEAAACgMgAAVgcAAKr4//8BAAAAf39/AAEAAABkAAAAAAAAABQAAABAHwAAAAAAACYAAAAAAAAAwOD//wAAAAAmAAAAZAAAABYAAABMAAAAAAAAAAAAAAAEAAAAAAAAAAEAAADn5uYKAAAAACgAAAAoAAAAZAAAAGQAAAAAAAAAzMzMAAAAAABQAAAAUAAAAGQAAABkAAAAAAAAABcAAAAUAAAAAAAAAAAAAAD/fwAA/38AAAAAAAAJAAAABAAAAAAAAAAeAAAAaAAAAAAAAAAAAAAAAAAAAAAAAAAAAAAAECcAABAnAAAAAAAAAAAAAAAAAAAAAAAAAAAAAAAAAAAAAAAAAAAAABQAAAAAAAAAwMD/AAAAAABkAAAAMgAAAAAAAABkAAAAAAAAAH9/fwAKAAAAIgAAABgAAAAAAAAAAAAAAAAAAAAAAAAAAAAAAAAAAAAkAAAAJAAAAAAAAAAHAAAAAAAAAAAAAAAAAAAAAAAAAAAAAAAAAAAAf39/ACUAAABYAAAAAAAAAAAAAAAAAAAAAAAAAAAAAAAAAAAAAAAAAAAAAAAAAAAAAAAAAAAAAAA/AAAAAAAAAKCGAQAAAAAAAAAAAAAAAAAMAAAAAQAAAAAAAAAAAAAAAAAAAB8AAABUAAAAAAAABQAAAAEAAAAAAAAAAAAAAAAAAAAAAAAAAAAAAAAAAAAAAAAAAAAAAAJ/f38AAAAAA8zMzADAwP8Af39/AAAAAAAAAAAAAAAAAAAAAAAAAAAAIQAAABgAAAAUAAAAKAUAABonAAAIFgAAWSkAABAAAAAmAAAACAAAAAAAAAAAAAAA"/>
+                <pr:smNativeData xmlns:pr="smNativeData" xmlns="smNativeData" val="SMDATA_15_/1o6ZxMAAAAlAAAAZAAAAA0AAAAAkAAAAEgAAACQAAAASAAAAAAAAAABAAAAAAAAAAEAAABQAAAAAAAAAAAA4D8AAAAAAADgPwAAAAAAAOA/AAAAAAAA4D8AAAAAAADgPwAAAAAAAOA/AAAAAAAA4D8AAAAAAADgPwAAAAAAAOA/AAAAAAAA4D8CAAAAjAAAAAAAAAAAAAAARHLEDP///wgAAAAAAAAAAAAAAAAAAAAAAAAAAAAAAAAAAAAAZAAAAAEAAABAAAAAAAAAAAAAAAAAAAAAAAAAAAAAAAAAAAAAAAAAAAAAAAAAAAAAAAAAAAAAAAAAAAAAAAAAAAAAAAAAAAAAAAAAAAAAAAAAAAAAAAAAAAAAAAAAAAAAFAAAADwAAAAAAAAAAAAAAAAAAAkUAAAAAQAAABQAAAAUAAAAFAAAAAEAAAAAAAAAZAAAAGQAAAAAAAAAZAAAAGQAAAAVAAAAYAAAAAAAAAAAAAAADwAAACADAAAAAAAAAAAAAAEAAACgMgAAVgcAAKr4//8BAAAAf39/AAEAAABkAAAAAAAAABQAAABAHwAAAAAAACYAAAAAAAAAwOD//wAAAAAmAAAAZAAAABYAAABMAAAAAAAAAAAAAAAEAAAAAAAAAAEAAADn5uYKAAAAACgAAAAoAAAAZAAAAGQAAAAAAAAAzMzMAAAAAABQAAAAUAAAAGQAAABkAAAAAAAAABcAAAAUAAAAAAAAAAAAAAD/fwAA/38AAAAAAAAJAAAABAAAAAAAAAAeAAAAaAAAAAAAAAAAAAAAAAAAAAAAAAAAAAAAECcAABAnAAAAAAAAAAAAAAAAAAAAAAAAAAAAAAAAAAAAAAAAAAAAABQAAAAAAAAAwMD/AAAAAABkAAAAMgAAAAAAAABkAAAAAAAAAH9/fwAKAAAAIgAAABgAAAAAAAAAAAAAAAAAAAAAAAAAAAAAAAAAAAAkAAAAJAAAAAAAAAAHAAAAAAAAAAAAAAAAAAAAAAAAAAAAAAAAAAAAf39/ACUAAABYAAAAAAAAAAAAAAAAAAAAAAAAAAAAAAAAAAAAAAAAAAAAAAAAAAAAAAAAAAAAAAA/AAAAAAAAAKCGAQAAAAAAAAAAAAAAAAAMAAAAAQAAAAAAAAAAAAAAAAAAAB8AAABUAAAAAAAABQAAAAEAAAAAAAAAAAAAAAAAAAAAAAAAAAAAAAAAAAAAAAAAAAAAAAJ/f38AAAAAA8zMzADAwP8Af39/AAAAAAAAAAAAAAAAAAAAAAAAAAAAIQAAABgAAAAUAAAAKAUAABonAAAIFgAAWSkAABAAAAAmAAAACAAAAAAAAAAAAAAA"/>
               </a:ext>
             </a:extLst>
           </p:cNvSpPr>
@@ -1296,7 +1296,7 @@
             <a:pPr>
               <a:defRPr lang="de-de"/>
             </a:pPr>
-            <a:fld id="{2EDA9785-CBC3-8F61-8D62-3D34D92C7B68}" type="datetime1">
+            <a:fld id="{1CCF9842-0CF1-9A6E-BF77-FA3BD63949AF}" type="datetime1">
               <a:t>07.07.2023</a:t>
             </a:fld>
           </a:p>
@@ -1309,7 +1309,7 @@
             <a:spLocks noGrp="1" noChangeArrowheads="1"/>
             <a:extLst>
               <a:ext uri="smNativeData">
-                <pr:smNativeData xmlns:pr="smNativeData" xmlns="smNativeData" val="SMDATA_15_u1g6ZxMAAAAlAAAAZAAAAA0AAAAAkAAAAEgAAACQAAAASAAAAAAAAAABAAAAAAAAAAEAAABQAAAAAAAAAAAA4D8AAAAAAADgPwAAAAAAAOA/AAAAAAAA4D8AAAAAAADgPwAAAAAAAOA/AAAAAAAA4D8AAAAAAADgPwAAAAAAAOA/AAAAAAAA4D8CAAAAjAAAAAAAAAAAAAAARHLEDP///wgAAAAAAAAAAAAAAAAAAAAAAAAAAAAAAAAAAAAAZAAAAAEAAABAAAAAAAAAAAAAAAAAAAAAAAAAAAAAAAAAAAAAAAAAAAAAAAAAAAAAAAAAAAAAAAAAAAAAAAAAAAAAAAAAAAAAAAAAAAAAAAAAAAAAAAAAAAAAAAAAAAAAFAAAADwAAAAAAAAAAAAAAAAAAAkUAAAAAQAAABQAAAAUAAAAFAAAAAEAAAAAAAAAZAAAAGQAAAAAAAAAZAAAAGQAAAAVAAAAYAAAAAAAAAAAAAAADwAAACADAAAAAAAAAAAAAAEAAACgMgAAVgcAAKr4//8BAAAAf39/AAEAAABkAAAAAAAAABQAAABAHwAAAAAAACYAAAAAAAAAwOD//wAAAAAmAAAAZAAAABYAAABMAAAAAAAAAAAAAAAEAAAAAAAAAAEAAADn5uYKAAAAACgAAAAoAAAAZAAAAGQAAAAAAAAAzMzMAAAAAABQAAAAUAAAAGQAAABkAAAAAAAAABcAAAAUAAAAAAAAAAAAAAD/fwAA/38AAAAAAAAJAAAABAAAAAAAAAAeAAAAaAAAAAAAAAAAAAAAAAAAAAAAAAAAAAAAECcAABAnAAAAAAAAAAAAAAAAAAAAAAAAAAAAAAAAAAAAAAAAAAAAABQAAAAAAAAAwMD/AAAAAABkAAAAMgAAAAAAAABkAAAAAAAAAH9/fwAKAAAAIgAAABgAAAAAAAAAAAAAAAAAAAAAAAAAAAAAAAAAAAAkAAAAJAAAAAAAAAAHAAAAAAAAAAAAAAAAAAAAAAAAAAAAAAAAAAAAf39/ACUAAABYAAAAAAAAAAAAAAAAAAAAAAAAAAAAAAAAAAAAAAAAAAAAAAAAAAAAAAAAAAAAAAA/AAAAAAAAAKCGAQAAAAAAAAAAAAAAAAAMAAAAAQAAAAAAAAAAAAAAAAAAAB8AAABUAAAAAAAABQAAAAEAAAAAAAAAAAAAAAAAAAAAAAAAAAAAAAAAAAAAAAAAAAAAAAJ/f38AAAAAA8zMzADAwP8Af39/AAAAAAAAAAAAAAAAAAAAAAAAAAAAIQAAABgAAAAUAAAA2BgAABonAAAoMgAAWSkAABAAAAAmAAAACAAAAAAAAAAAAAAA"/>
+                <pr:smNativeData xmlns:pr="smNativeData" xmlns="smNativeData" val="SMDATA_15_/1o6ZxMAAAAlAAAAZAAAAA0AAAAAkAAAAEgAAACQAAAASAAAAAAAAAABAAAAAAAAAAEAAABQAAAAAAAAAAAA4D8AAAAAAADgPwAAAAAAAOA/AAAAAAAA4D8AAAAAAADgPwAAAAAAAOA/AAAAAAAA4D8AAAAAAADgPwAAAAAAAOA/AAAAAAAA4D8CAAAAjAAAAAAAAAAAAAAARHLEDP///wgAAAAAAAAAAAAAAAAAAAAAAAAAAAAAAAAAAAAAZAAAAAEAAABAAAAAAAAAAAAAAAAAAAAAAAAAAAAAAAAAAAAAAAAAAAAAAAAAAAAAAAAAAAAAAAAAAAAAAAAAAAAAAAAAAAAAAAAAAAAAAAAAAAAAAAAAAAAAAAAAAAAAFAAAADwAAAAAAAAAAAAAAAAAAAkUAAAAAQAAABQAAAAUAAAAFAAAAAEAAAAAAAAAZAAAAGQAAAAAAAAAZAAAAGQAAAAVAAAAYAAAAAAAAAAAAAAADwAAACADAAAAAAAAAAAAAAEAAACgMgAAVgcAAKr4//8BAAAAf39/AAEAAABkAAAAAAAAABQAAABAHwAAAAAAACYAAAAAAAAAwOD//wAAAAAmAAAAZAAAABYAAABMAAAAAAAAAAAAAAAEAAAAAAAAAAEAAADn5uYKAAAAACgAAAAoAAAAZAAAAGQAAAAAAAAAzMzMAAAAAABQAAAAUAAAAGQAAABkAAAAAAAAABcAAAAUAAAAAAAAAAAAAAD/fwAA/38AAAAAAAAJAAAABAAAAAAAAAAeAAAAaAAAAAAAAAAAAAAAAAAAAAAAAAAAAAAAECcAABAnAAAAAAAAAAAAAAAAAAAAAAAAAAAAAAAAAAAAAAAAAAAAABQAAAAAAAAAwMD/AAAAAABkAAAAMgAAAAAAAABkAAAAAAAAAH9/fwAKAAAAIgAAABgAAAAAAAAAAAAAAAAAAAAAAAAAAAAAAAAAAAAkAAAAJAAAAAAAAAAHAAAAAAAAAAAAAAAAAAAAAAAAAAAAAAAAAAAAf39/ACUAAABYAAAAAAAAAAAAAAAAAAAAAAAAAAAAAAAAAAAAAAAAAAAAAAAAAAAAAAAAAAAAAAA/AAAAAAAAAKCGAQAAAAAAAAAAAAAAAAAMAAAAAQAAAAAAAAAAAAAAAAAAAB8AAABUAAAAAAAABQAAAAEAAAAAAAAAAAAAAAAAAAAAAAAAAAAAAAAAAAAAAAAAAAAAAAJ/f38AAAAAA8zMzADAwP8Af39/AAAAAAAAAAAAAAAAAAAAAAAAAAAAIQAAABgAAAAUAAAA2BgAABonAAAoMgAAWSkAABAAAAAmAAAACAAAAAAAAAAAAAAA"/>
               </a:ext>
             </a:extLst>
           </p:cNvSpPr>
@@ -1335,7 +1335,7 @@
             <a:spLocks noGrp="1" noChangeArrowheads="1"/>
             <a:extLst>
               <a:ext uri="smNativeData">
-                <pr:smNativeData xmlns:pr="smNativeData" xmlns="smNativeData" val="SMDATA_15_u1g6ZxMAAAAlAAAAZAAAAA0AAAAAkAAAAEgAAACQAAAASAAAAAAAAAABAAAAAAAAAAEAAABQAAAAAAAAAAAA4D8AAAAAAADgPwAAAAAAAOA/AAAAAAAA4D8AAAAAAADgPwAAAAAAAOA/AAAAAAAA4D8AAAAAAADgPwAAAAAAAOA/AAAAAAAA4D8CAAAAjAAAAAAAAAAAAAAARHLEDP///wgAAAAAAAAAAAAAAAAAAAAAAAAAAAAAAAAAAAAAZAAAAAEAAABAAAAAAAAAAAAAAAAAAAAAAAAAAAAAAAAAAAAAAAAAAAAAAAAAAAAAAAAAAAAAAAAAAAAAAAAAAAAAAAAAAAAAAAAAAAAAAAAAAAAAAAAAAAAAAAAAAAAAFAAAADwAAAAAAAAAAAAAAAAAAAkUAAAAAQAAABQAAAAUAAAAFAAAAAEAAAAAAAAAZAAAAGQAAAAAAAAAZAAAAGQAAAAVAAAAYAAAAAAAAAAAAAAADwAAACADAAAAAAAAAAAAAAEAAACgMgAAVgcAAKr4//8BAAAAf39/AAEAAABkAAAAAAAAABQAAABAHwAAAAAAACYAAAAAAAAAwOD//wAAAAAmAAAAZAAAABYAAABMAAAAAAAAAAAAAAAEAAAAAAAAAAEAAADn5uYKAAAAACgAAAAoAAAAZAAAAGQAAAAAAAAAzMzMAAAAAABQAAAAUAAAAGQAAABkAAAAAAAAABcAAAAUAAAAAAAAAAAAAAD/fwAA/38AAAAAAAAJAAAABAAAAGhs+xAeAAAAaAAAAAAAAAAAAAAAAAAAAAAAAAAAAAAAECcAABAnAAAAAAAAAAAAAAAAAAAAAAAAAAAAAAAAAAAAAAAAAAAAABQAAAAAAAAAwMD/AAAAAABkAAAAMgAAAAAAAABkAAAAAAAAAH9/fwAKAAAAIgAAABgAAAAAAAAAAAAAAAAAAAAAAAAAAAAAAAAAAAAkAAAAJAAAAAAAAAAHAAAAAAAAAAAAAAAAAAAAAAAAAAAAAAAAAAAAf39/ACUAAABYAAAAAAAAAAAAAAAAAAAAAAAAAAAAAAAAAAAAAAAAAAAAAAAAAAAAAAAAAAAAAAA/AAAAAAAAAKCGAQAAAAAAAAAAAAAAAAAMAAAAAQAAAAAAAAAAAAAAAAAAAB8AAABUAAAAAAAABQAAAAEAAAAAAAAAAAAAAAAAAAAAAAAAAAAAAAAAAAAAAAAAAAAAAAJ/f38AAAAAA8zMzADAwP8Af39/AAAAAAAAAAAAAAAAAAAAAAAAAAAAIQAAABgAAAAUAAAA+DQAABonAADYRQAAWSkAABAAAAAmAAAACAAAAAAAAAAAAAAA"/>
+                <pr:smNativeData xmlns:pr="smNativeData" xmlns="smNativeData" val="SMDATA_15_/1o6ZxMAAAAlAAAAZAAAAA0AAAAAkAAAAEgAAACQAAAASAAAAAAAAAABAAAAAAAAAAEAAABQAAAAAAAAAAAA4D8AAAAAAADgPwAAAAAAAOA/AAAAAAAA4D8AAAAAAADgPwAAAAAAAOA/AAAAAAAA4D8AAAAAAADgPwAAAAAAAOA/AAAAAAAA4D8CAAAAjAAAAAAAAAAAAAAARHLEDP///wgAAAAAAAAAAAAAAAAAAAAAAAAAAAAAAAAAAAAAZAAAAAEAAABAAAAAAAAAAAAAAAAAAAAAAAAAAAAAAAAAAAAAAAAAAAAAAAAAAAAAAAAAAAAAAAAAAAAAAAAAAAAAAAAAAAAAAAAAAAAAAAAAAAAAAAAAAAAAAAAAAAAAFAAAADwAAAAAAAAAAAAAAAAAAAkUAAAAAQAAABQAAAAUAAAAFAAAAAEAAAAAAAAAZAAAAGQAAAAAAAAAZAAAAGQAAAAVAAAAYAAAAAAAAAAAAAAADwAAACADAAAAAAAAAAAAAAEAAACgMgAAVgcAAKr4//8BAAAAf39/AAEAAABkAAAAAAAAABQAAABAHwAAAAAAACYAAAAAAAAAwOD//wAAAAAmAAAAZAAAABYAAABMAAAAAAAAAAAAAAAEAAAAAAAAAAEAAADn5uYKAAAAACgAAAAoAAAAZAAAAGQAAAAAAAAAzMzMAAAAAABQAAAAUAAAAGQAAABkAAAAAAAAABcAAAAUAAAAAAAAAAAAAAD/fwAA/38AAAAAAAAJAAAABAAAAGhs+xAeAAAAaAAAAAAAAAAAAAAAAAAAAAAAAAAAAAAAECcAABAnAAAAAAAAAAAAAAAAAAAAAAAAAAAAAAAAAAAAAAAAAAAAABQAAAAAAAAAwMD/AAAAAABkAAAAMgAAAAAAAABkAAAAAAAAAH9/fwAKAAAAIgAAABgAAAAAAAAAAAAAAAAAAAAAAAAAAAAAAAAAAAAkAAAAJAAAAAAAAAAHAAAAAAAAAAAAAAAAAAAAAAAAAAAAAAAAAAAAf39/ACUAAABYAAAAAAAAAAAAAAAAAAAAAAAAAAAAAAAAAAAAAAAAAAAAAAAAAAAAAAAAAAAAAAA/AAAAAAAAAKCGAQAAAAAAAAAAAAAAAAAMAAAAAQAAAAAAAAAAAAAAAAAAAB8AAABUAAAAAAAABQAAAAEAAAAAAAAAAAAAAAAAAAAAAAAAAAAAAAAAAAAAAAAAAAAAAAJ/f38AAAAAA8zMzADAwP8Af39/AAAAAAAAAAAAAAAAAAAAAAAAAAAAIQAAABgAAAAUAAAA+DQAABonAADYRQAAWSkAABAAAAAmAAAACAAAAAAAAAAAAAAA"/>
               </a:ext>
             </a:extLst>
           </p:cNvSpPr>
@@ -1351,7 +1351,7 @@
             <a:pPr>
               <a:defRPr lang="de-de"/>
             </a:pPr>
-            <a:fld id="{2EDAF023-6DC3-8F06-8D62-9B53BE2C7BCE}" type="slidenum">
+            <a:fld id="{1CCFC3D9-97F1-9A35-BF77-61608D394934}" type="slidenum">
               <a:t>‹Nr.›</a:t>
             </a:fld>
           </a:p>
@@ -1390,7 +1390,7 @@
             <a:spLocks noGrp="1" noChangeArrowheads="1"/>
             <a:extLst>
               <a:ext uri="smNativeData">
-                <pr:smNativeData xmlns:pr="smNativeData" xmlns="smNativeData" val="SMDATA_15_u1g6ZxMAAAAlAAAAZAAAAA0AAAAAkAAAAEgAAACQAAAASAAAAAAAAAABAAAAAAAAAAEAAABQAAAAAAAAAAAA4D8AAAAAAADgPwAAAAAAAOA/AAAAAAAA4D8AAAAAAADgPwAAAAAAAOA/AAAAAAAA4D8AAAAAAADgPwAAAAAAAOA/AAAAAAAA4D8CAAAAjAAAAAAAAAAAAAAARHLEDP///wgAAAAAAAAAAAAAAAAAAAAAAAAAAAAAAAAAAAAAZAAAAAEAAABAAAAAAAAAAAAAAAAAAAAAAAAAAAAAAAAAAAAAAAAAAAAAAAAAAAAAAAAAAAAAAAAAAAAAAAAAAAAAAAAAAAAAAAAAAAAAAAAAAAAAAAAAAAAAAAAAAAAAFAAAADwAAAAAAAAAAAAAAAAAAAkUAAAAAQAAABQAAAAUAAAAFAAAAAEAAAAAAAAAZAAAAGQAAAAAAAAAZAAAAGQAAAAVAAAAYAAAAAAAAAAAAAAADwAAACADAAAAAAAAAAAAAAEAAACgMgAAVgcAAKr4//8BAAAAf39/AAEAAABkAAAAAAAAABQAAABAHwAAAAAAACYAAAAAAAAAwOD//wAAAAAmAAAAZAAAABYAAABMAAAAAAAAAAAAAAAEAAAAAAAAAAEAAADn5uYKAAAAACgAAAAoAAAAZAAAAGQAAAAAAAAAzMzMAAAAAABQAAAAUAAAAGQAAABkAAAAAAAAABcAAAAUAAAAAAAAAAAAAAD/fwAA/38AAAAAAAAJAAAABAAAAJgGAAAeAAAAaAAAAAAAAAAAAAAAAAAAAAAAAAAAAAAAECcAABAnAAAAAAAAAAAAAAAAAAAAAAAAAAAAAAAAAAAAAAAAAAAAABQAAAAAAAAAwMD/AAAAAABkAAAAMgAAAAAAAABkAAAAAAAAAH9/fwAKAAAAIgAAABgAAAAAAAAAAAAAAAAAAAAAAAAAAAAAAAAAAAAkAAAAJAAAAAAAAAAHAAAAAAAAAAAAAAAAAAAAAAAAAAAAAAAAAAAAf39/ACUAAABYAAAAAAAAAAAAAAAAAAAAAAAAAAAAAAAAAAAAAAAAAAAAAAAAAAAAAAAAAAAAAAA/AAAAAAAAAKCGAQAAAAAAAAAAAAAAAAAMAAAAAQAAAAAAAAAAAAAAAAAAAB8AAABUAAAAAAAABQAAAAEAAAAAAAAAAAAAAAAAAAAAAAAAAAAAAAAAAAAAAAAAAAAAAAJ/f38AAAAAA8zMzADAwP8Af39/AAAAAAAAAAAAAAAAAAAAAAAAAAAAIQAAABgAAAAUAAAAKAUAAD8CAADYRQAAZwoAABAAAAAmAAAACAAAAAAAAAAAAAAA"/>
+                <pr:smNativeData xmlns:pr="smNativeData" xmlns="smNativeData" val="SMDATA_15_/1o6ZxMAAAAlAAAAZAAAAA0AAAAAkAAAAEgAAACQAAAASAAAAAAAAAABAAAAAAAAAAEAAABQAAAAAAAAAAAA4D8AAAAAAADgPwAAAAAAAOA/AAAAAAAA4D8AAAAAAADgPwAAAAAAAOA/AAAAAAAA4D8AAAAAAADgPwAAAAAAAOA/AAAAAAAA4D8CAAAAjAAAAAAAAAAAAAAARHLEDP///wgAAAAAAAAAAAAAAAAAAAAAAAAAAAAAAAAAAAAAZAAAAAEAAABAAAAAAAAAAAAAAAAAAAAAAAAAAAAAAAAAAAAAAAAAAAAAAAAAAAAAAAAAAAAAAAAAAAAAAAAAAAAAAAAAAAAAAAAAAAAAAAAAAAAAAAAAAAAAAAAAAAAAFAAAADwAAAAAAAAAAAAAAAAAAAkUAAAAAQAAABQAAAAUAAAAFAAAAAEAAAAAAAAAZAAAAGQAAAAAAAAAZAAAAGQAAAAVAAAAYAAAAAAAAAAAAAAADwAAACADAAAAAAAAAAAAAAEAAACgMgAAVgcAAKr4//8BAAAAf39/AAEAAABkAAAAAAAAABQAAABAHwAAAAAAACYAAAAAAAAAwOD//wAAAAAmAAAAZAAAABYAAABMAAAAAAAAAAAAAAAEAAAAAAAAAAEAAADn5uYKAAAAACgAAAAoAAAAZAAAAGQAAAAAAAAAzMzMAAAAAABQAAAAUAAAAGQAAABkAAAAAAAAABcAAAAUAAAAAAAAAAAAAAD/fwAA/38AAAAAAAAJAAAABAAAAJgGAAAeAAAAaAAAAAAAAAAAAAAAAAAAAAAAAAAAAAAAECcAABAnAAAAAAAAAAAAAAAAAAAAAAAAAAAAAAAAAAAAAAAAAAAAABQAAAAAAAAAwMD/AAAAAABkAAAAMgAAAAAAAABkAAAAAAAAAH9/fwAKAAAAIgAAABgAAAAAAAAAAAAAAAAAAAAAAAAAAAAAAAAAAAAkAAAAJAAAAAAAAAAHAAAAAAAAAAAAAAAAAAAAAAAAAAAAAAAAAAAAf39/ACUAAABYAAAAAAAAAAAAAAAAAAAAAAAAAAAAAAAAAAAAAAAAAAAAAAAAAAAAAAAAAAAAAAA/AAAAAAAAAKCGAQAAAAAAAAAAAAAAAAAMAAAAAQAAAAAAAAAAAAAAAAAAAB8AAABUAAAAAAAABQAAAAEAAAAAAAAAAAAAAAAAAAAAAAAAAAAAAAAAAAAAAAAAAAAAAAJ/f38AAAAAA8zMzADAwP8Af39/AAAAAAAAAAAAAAAAAAAAAAAAAAAAIQAAABgAAAAUAAAAKAUAAD8CAADYRQAAZwoAABAAAAAmAAAACAAAAAAAAAAAAAAA"/>
               </a:ext>
             </a:extLst>
           </p:cNvSpPr>
@@ -1419,7 +1419,7 @@
             <a:spLocks noGrp="1" noChangeArrowheads="1"/>
             <a:extLst>
               <a:ext uri="smNativeData">
-                <pr:smNativeData xmlns:pr="smNativeData" xmlns="smNativeData" val="SMDATA_15_u1g6ZxMAAAAlAAAAZAAAAA0AAAAAkAAAAEgAAACQAAAASAAAAAAAAAAAAAAAAAAAAAEAAABQAAAAAAAAAAAA4D8AAAAAAADgPwAAAAAAAOA/AAAAAAAA4D8AAAAAAADgPwAAAAAAAOA/AAAAAAAA4D8AAAAAAADgPwAAAAAAAOA/AAAAAAAA4D8CAAAAjAAAAAAAAAAAAAAARHLEDP///wgAAAAAAAAAAAAAAAAAAAAAAAAAAAAAAAAAAAAAZAAAAAEAAABAAAAAAAAAAAAAAAAAAAAAAAAAAAAAAAAAAAAAAAAAAAAAAAAAAAAAAAAAAAAAAAAAAAAAAAAAAAAAAAAAAAAAAAAAAAAAAAAAAAAAAAAAAAAAAAAAAAAAFAAAADwAAAAAAAAAAAAAAAAAAAkUAAAAAQAAABQAAAAUAAAAFAAAAAEAAAAAAAAAZAAAAGQAAAAAAAAAZAAAAGQAAAAVAAAAYAAAAAAAAAAAAAAADwAAACADAAAAAAAAAAAAAAEAAACgMgAAVgcAAKr4//8BAAAAf39/AAEAAABkAAAAAAAAABQAAABAHwAAAAAAACYAAAAAAAAAwOD//wAAAAAmAAAAZAAAABYAAABMAAAAAAAAAAAAAAAEAAAAAAAAAAEAAADn5uYKAAAAACgAAAAoAAAAZAAAAGQAAAAAAAAAzMzMAAAAAABQAAAAUAAAAGQAAABkAAAAAAAAABcAAAAUAAAAAAAAAAAAAAD/fwAA/38AAAAAAAAJAAAABAAAAAAAAAAeAAAAaAAAAAAAAAAAAAAAAAAAAAAAAAAAAAAAECcAABAnAAAAAAAAAAAAAAAAAAAAAAAAAAAAAAAAAAAAAAAAAAAAABQAAAAAAAAAwMD/AAAAAABkAAAAMgAAAAAAAABkAAAAAAAAAH9/fwAKAAAAIgAAABgAAAAAAAAAAAAAAAAAAAAAAAAAAAAAAAAAAAAkAAAAJAAAAAAAAAAHAAAAAAAAAAAAAAAAAAAAAAAAAAAAAAAAAAAAf39/ACUAAABYAAAAAAAAAAAAAAAAAAAAAAAAAAAAAAAAAAAAAAAAAAAAAAAAAAAAAAAAAAAAAAA/AAAAAAAAAKCGAQAAAAAAAAAAAAAAAAAMAAAAAQAAAAAAAAAAAAAAAAAAAB8AAABUAAAAAAAABQAAAAEAAAAAAAAAAAAAAAAAAAAAAAAAAAAAAAAAAAAAAAAAAAAAAAJ/f38AAAAAA8zMzADAwP8Af39/AAAAAAAAAAAAAAAAAAAAAAAAAAAAIQAAABgAAAAUAAAAKAUAADsLAAAIJQAAACYAABAAAAAmAAAACAAAAAEAAAAAAAAA"/>
+                <pr:smNativeData xmlns:pr="smNativeData" xmlns="smNativeData" val="SMDATA_15_/1o6ZxMAAAAlAAAAZAAAAA0AAAAAkAAAAEgAAACQAAAASAAAAAAAAAAAAAAAAAAAAAEAAABQAAAAAAAAAAAA4D8AAAAAAADgPwAAAAAAAOA/AAAAAAAA4D8AAAAAAADgPwAAAAAAAOA/AAAAAAAA4D8AAAAAAADgPwAAAAAAAOA/AAAAAAAA4D8CAAAAjAAAAAAAAAAAAAAARHLEDP///wgAAAAAAAAAAAAAAAAAAAAAAAAAAAAAAAAAAAAAZAAAAAEAAABAAAAAAAAAAAAAAAAAAAAAAAAAAAAAAAAAAAAAAAAAAAAAAAAAAAAAAAAAAAAAAAAAAAAAAAAAAAAAAAAAAAAAAAAAAAAAAAAAAAAAAAAAAAAAAAAAAAAAFAAAADwAAAAAAAAAAAAAAAAAAAkUAAAAAQAAABQAAAAUAAAAFAAAAAEAAAAAAAAAZAAAAGQAAAAAAAAAZAAAAGQAAAAVAAAAYAAAAAAAAAAAAAAADwAAACADAAAAAAAAAAAAAAEAAACgMgAAVgcAAKr4//8BAAAAf39/AAEAAABkAAAAAAAAABQAAABAHwAAAAAAACYAAAAAAAAAwOD//wAAAAAmAAAAZAAAABYAAABMAAAAAAAAAAAAAAAEAAAAAAAAAAEAAADn5uYKAAAAACgAAAAoAAAAZAAAAGQAAAAAAAAAzMzMAAAAAABQAAAAUAAAAGQAAABkAAAAAAAAABcAAAAUAAAAAAAAAAAAAAD/fwAA/38AAAAAAAAJAAAABAAAAAAAAAAeAAAAaAAAAAAAAAAAAAAAAAAAAAAAAAAAAAAAECcAABAnAAAAAAAAAAAAAAAAAAAAAAAAAAAAAAAAAAAAAAAAAAAAABQAAAAAAAAAwMD/AAAAAABkAAAAMgAAAAAAAABkAAAAAAAAAH9/fwAKAAAAIgAAABgAAAAAAAAAAAAAAAAAAAAAAAAAAAAAAAAAAAAkAAAAJAAAAAAAAAAHAAAAAAAAAAAAAAAAAAAAAAAAAAAAAAAAAAAAf39/ACUAAABYAAAAAAAAAAAAAAAAAAAAAAAAAAAAAAAAAAAAAAAAAAAAAAAAAAAAAAAAAAAAAAA/AAAAAAAAAKCGAQAAAAAAAAAAAAAAAAAMAAAAAQAAAAAAAAAAAAAAAAAAAB8AAABUAAAAAAAABQAAAAEAAAAAAAAAAAAAAAAAAAAAAAAAAAAAAAAAAAAAAAAAAAAAAAJ/f38AAAAAA8zMzADAwP8Af39/AAAAAAAAAAAAAAAAAAAAAAAAAAAAIQAAABgAAAAUAAAAKAUAADsLAAAIJQAAACYAABAAAAAmAAAACAAAAAEAAAAAAAAA"/>
               </a:ext>
             </a:extLst>
           </p:cNvSpPr>
@@ -1485,7 +1485,7 @@
             <a:spLocks noGrp="1" noChangeArrowheads="1"/>
             <a:extLst>
               <a:ext uri="smNativeData">
-                <pr:smNativeData xmlns:pr="smNativeData" xmlns="smNativeData" val="SMDATA_15_u1g6ZxMAAAAlAAAAZAAAAA0AAAAAkAAAAEgAAACQAAAASAAAAAAAAAAAAAAAAAAAAAEAAABQAAAAAAAAAAAA4D8AAAAAAADgPwAAAAAAAOA/AAAAAAAA4D8AAAAAAADgPwAAAAAAAOA/AAAAAAAA4D8AAAAAAADgPwAAAAAAAOA/AAAAAAAA4D8CAAAAjAAAAAAAAAAAAAAARHLEDP///wgAAAAAAAAAAAAAAAAAAAAAAAAAAAAAAAAAAAAAZAAAAAEAAABAAAAAAAAAAAAAAAAAAAAAAAAAAAAAAAAAAAAAAAAAAAAAAAAAAAAAAAAAAAAAAAAAAAAAAAAAAAAAAAAAAAAAAAAAAAAAAAAAAAAAAAAAAAAAAAAAAAAAFAAAADwAAAAAAAAAAAAAAAAAAAkUAAAAAQAAABQAAAAUAAAAFAAAAAEAAAAAAAAAZAAAAGQAAAAAAAAAZAAAAGQAAAAVAAAAYAAAAAAAAAAAAAAADwAAACADAAAAAAAAAAAAAAEAAACgMgAAVgcAAKr4//8BAAAAf39/AAEAAABkAAAAAAAAABQAAABAHwAAAAAAACYAAAAAAAAAwOD//wAAAAAmAAAAZAAAABYAAABMAAAAAAAAAAAAAAAEAAAAAAAAAAEAAADn5uYKAAAAACgAAAAoAAAAZAAAAGQAAAAAAAAAzMzMAAAAAABQAAAAUAAAAGQAAABkAAAAAAAAABcAAAAUAAAAAAAAAAAAAAD/fwAA/38AAAAAAAAJAAAABAAAAAAAAAAeAAAAaAAAAAAAAAAAAAAAAAAAAAAAAAAAAAAAECcAABAnAAAAAAAAAAAAAAAAAAAAAAAAAAAAAAAAAAAAAAAAAAAAABQAAAAAAAAAwMD/AAAAAABkAAAAMgAAAAAAAABkAAAAAAAAAH9/fwAKAAAAIgAAABgAAAAAAAAAAAAAAAAAAAAAAAAAAAAAAAAAAAAkAAAAJAAAAAAAAAAHAAAAAAAAAAAAAAAAAAAAAAAAAAAAAAAAAAAAf39/ACUAAABYAAAAAAAAAAAAAAAAAAAAAAAAAAAAAAAAAAAAAAAAAAAAAAAAAAAAAAAAAAAAAAA/AAAAAAAAAKCGAQAAAAAAAAAAAAAAAAAMAAAAAQAAAAAAAAAAAAAAAAAAAB8AAABUAAAAAAAABQAAAAEAAAAAAAAAAAAAAAAAAAAAAAAAAAAAAAAAAAAAAAAAAAAAAAJ/f38AAAAAA8zMzADAwP8Af39/AAAAAAAAAAAAAAAAAAAAAAAAAAAAIQAAABgAAAAUAAAA+CUAADsLAADYRQAAACYAABAAAAAmAAAACAAAAAEAAAAAAAAA"/>
+                <pr:smNativeData xmlns:pr="smNativeData" xmlns="smNativeData" val="SMDATA_15_/1o6ZxMAAAAlAAAAZAAAAA0AAAAAkAAAAEgAAACQAAAASAAAAAAAAAAAAAAAAAAAAAEAAABQAAAAAAAAAAAA4D8AAAAAAADgPwAAAAAAAOA/AAAAAAAA4D8AAAAAAADgPwAAAAAAAOA/AAAAAAAA4D8AAAAAAADgPwAAAAAAAOA/AAAAAAAA4D8CAAAAjAAAAAAAAAAAAAAARHLEDP///wgAAAAAAAAAAAAAAAAAAAAAAAAAAAAAAAAAAAAAZAAAAAEAAABAAAAAAAAAAAAAAAAAAAAAAAAAAAAAAAAAAAAAAAAAAAAAAAAAAAAAAAAAAAAAAAAAAAAAAAAAAAAAAAAAAAAAAAAAAAAAAAAAAAAAAAAAAAAAAAAAAAAAFAAAADwAAAAAAAAAAAAAAAAAAAkUAAAAAQAAABQAAAAUAAAAFAAAAAEAAAAAAAAAZAAAAGQAAAAAAAAAZAAAAGQAAAAVAAAAYAAAAAAAAAAAAAAADwAAACADAAAAAAAAAAAAAAEAAACgMgAAVgcAAKr4//8BAAAAf39/AAEAAABkAAAAAAAAABQAAABAHwAAAAAAACYAAAAAAAAAwOD//wAAAAAmAAAAZAAAABYAAABMAAAAAAAAAAAAAAAEAAAAAAAAAAEAAADn5uYKAAAAACgAAAAoAAAAZAAAAGQAAAAAAAAAzMzMAAAAAABQAAAAUAAAAGQAAABkAAAAAAAAABcAAAAUAAAAAAAAAAAAAAD/fwAA/38AAAAAAAAJAAAABAAAAAAAAAAeAAAAaAAAAAAAAAAAAAAAAAAAAAAAAAAAAAAAECcAABAnAAAAAAAAAAAAAAAAAAAAAAAAAAAAAAAAAAAAAAAAAAAAABQAAAAAAAAAwMD/AAAAAABkAAAAMgAAAAAAAABkAAAAAAAAAH9/fwAKAAAAIgAAABgAAAAAAAAAAAAAAAAAAAAAAAAAAAAAAAAAAAAkAAAAJAAAAAAAAAAHAAAAAAAAAAAAAAAAAAAAAAAAAAAAAAAAAAAAf39/ACUAAABYAAAAAAAAAAAAAAAAAAAAAAAAAAAAAAAAAAAAAAAAAAAAAAAAAAAAAAAAAAAAAAA/AAAAAAAAAKCGAQAAAAAAAAAAAAAAAAAMAAAAAQAAAAAAAAAAAAAAAAAAAB8AAABUAAAAAAAABQAAAAEAAAAAAAAAAAAAAAAAAAAAAAAAAAAAAAAAAAAAAAAAAAAAAAJ/f38AAAAAA8zMzADAwP8Af39/AAAAAAAAAAAAAAAAAAAAAAAAAAAAIQAAABgAAAAUAAAA+CUAADsLAADYRQAAACYAABAAAAAmAAAACAAAAAEAAAAAAAAA"/>
               </a:ext>
             </a:extLst>
           </p:cNvSpPr>
@@ -1551,7 +1551,7 @@
             <a:spLocks noGrp="1" noChangeArrowheads="1"/>
             <a:extLst>
               <a:ext uri="smNativeData">
-                <pr:smNativeData xmlns:pr="smNativeData" xmlns="smNativeData" val="SMDATA_15_u1g6ZxMAAAAlAAAAZAAAAA0AAAAAkAAAAEgAAACQAAAASAAAAAAAAAABAAAAAAAAAAEAAABQAAAAAAAAAAAA4D8AAAAAAADgPwAAAAAAAOA/AAAAAAAA4D8AAAAAAADgPwAAAAAAAOA/AAAAAAAA4D8AAAAAAADgPwAAAAAAAOA/AAAAAAAA4D8CAAAAjAAAAAAAAAAAAAAARHLEDP///wgAAAAAAAAAAAAAAAAAAAAAAAAAAAAAAAAAAAAAZAAAAAEAAABAAAAAAAAAAAAAAAAAAAAAAAAAAAAAAAAAAAAAAAAAAAAAAAAAAAAAAAAAAAAAAAAAAAAAAAAAAAAAAAAAAAAAAAAAAAAAAAAAAAAAAAAAAAAAAAAAAAAAFAAAADwAAAAAAAAAAAAAAAAAAAkUAAAAAQAAABQAAAAUAAAAFAAAAAEAAAAAAAAAZAAAAGQAAAAAAAAAZAAAAGQAAAAVAAAAYAAAAAAAAAAAAAAADwAAACADAAAAAAAAAAAAAAEAAACgMgAAVgcAAKr4//8BAAAAf39/AAEAAABkAAAAAAAAABQAAABAHwAAAAAAACYAAAAAAAAAwOD//wAAAAAmAAAAZAAAABYAAABMAAAAAAAAAAAAAAAEAAAAAAAAAAEAAADn5uYKAAAAACgAAAAoAAAAZAAAAGQAAAAAAAAAzMzMAAAAAABQAAAAUAAAAGQAAABkAAAAAAAAABcAAAAUAAAAAAAAAAAAAAD/fwAA/38AAAAAAAAJAAAABAAAAPbGAhEeAAAAaAAAAAAAAAAAAAAAAAAAAAAAAAAAAAAAECcAABAnAAAAAAAAAAAAAAAAAAAAAAAAAAAAAAAAAAAAAAAAAAAAABQAAAAAAAAAwMD/AAAAAABkAAAAMgAAAAAAAABkAAAAAAAAAH9/fwAKAAAAIgAAABgAAAAAAAAAAAAAAAAAAAAAAAAAAAAAAAAAAAAkAAAAJAAAAAAAAAAHAAAAAAAAAAAAAAAAAAAAAAAAAAAAAAAAAAAAf39/ACUAAABYAAAAAAAAAAAAAAAAAAAAAAAAAAAAAAAAAAAAAAAAAAAAAAAAAAAAAAAAAAAAAAA/AAAAAAAAAKCGAQAAAAAAAAAAAAAAAAAMAAAAAQAAAAAAAAAAAAAAAAAAAB8AAABUAAAAAAAABQAAAAEAAAAAAAAAAAAAAAAAAAAAAAAAAAAAAAAAAAAAAAAAAAAAAAJ/f38AAAAAA8zMzADAwP8Af39/AAAAAAAAAAAAAAAAAAAAAAAAAAAAIQAAABgAAAAUAAAAKAUAABonAAAIFgAAWSkAABAAAAAmAAAACAAAAAAAAAAAAAAA"/>
+                <pr:smNativeData xmlns:pr="smNativeData" xmlns="smNativeData" val="SMDATA_15_/1o6ZxMAAAAlAAAAZAAAAA0AAAAAkAAAAEgAAACQAAAASAAAAAAAAAABAAAAAAAAAAEAAABQAAAAAAAAAAAA4D8AAAAAAADgPwAAAAAAAOA/AAAAAAAA4D8AAAAAAADgPwAAAAAAAOA/AAAAAAAA4D8AAAAAAADgPwAAAAAAAOA/AAAAAAAA4D8CAAAAjAAAAAAAAAAAAAAARHLEDP///wgAAAAAAAAAAAAAAAAAAAAAAAAAAAAAAAAAAAAAZAAAAAEAAABAAAAAAAAAAAAAAAAAAAAAAAAAAAAAAAAAAAAAAAAAAAAAAAAAAAAAAAAAAAAAAAAAAAAAAAAAAAAAAAAAAAAAAAAAAAAAAAAAAAAAAAAAAAAAAAAAAAAAFAAAADwAAAAAAAAAAAAAAAAAAAkUAAAAAQAAABQAAAAUAAAAFAAAAAEAAAAAAAAAZAAAAGQAAAAAAAAAZAAAAGQAAAAVAAAAYAAAAAAAAAAAAAAADwAAACADAAAAAAAAAAAAAAEAAACgMgAAVgcAAKr4//8BAAAAf39/AAEAAABkAAAAAAAAABQAAABAHwAAAAAAACYAAAAAAAAAwOD//wAAAAAmAAAAZAAAABYAAABMAAAAAAAAAAAAAAAEAAAAAAAAAAEAAADn5uYKAAAAACgAAAAoAAAAZAAAAGQAAAAAAAAAzMzMAAAAAABQAAAAUAAAAGQAAABkAAAAAAAAABcAAAAUAAAAAAAAAAAAAAD/fwAA/38AAAAAAAAJAAAABAAAAPbGAhEeAAAAaAAAAAAAAAAAAAAAAAAAAAAAAAAAAAAAECcAABAnAAAAAAAAAAAAAAAAAAAAAAAAAAAAAAAAAAAAAAAAAAAAABQAAAAAAAAAwMD/AAAAAABkAAAAMgAAAAAAAABkAAAAAAAAAH9/fwAKAAAAIgAAABgAAAAAAAAAAAAAAAAAAAAAAAAAAAAAAAAAAAAkAAAAJAAAAAAAAAAHAAAAAAAAAAAAAAAAAAAAAAAAAAAAAAAAAAAAf39/ACUAAABYAAAAAAAAAAAAAAAAAAAAAAAAAAAAAAAAAAAAAAAAAAAAAAAAAAAAAAAAAAAAAAA/AAAAAAAAAKCGAQAAAAAAAAAAAAAAAAAMAAAAAQAAAAAAAAAAAAAAAAAAAB8AAABUAAAAAAAABQAAAAEAAAAAAAAAAAAAAAAAAAAAAAAAAAAAAAAAAAAAAAAAAAAAAAJ/f38AAAAAA8zMzADAwP8Af39/AAAAAAAAAAAAAAAAAAAAAAAAAAAAIQAAABgAAAAUAAAAKAUAABonAAAIFgAAWSkAABAAAAAmAAAACAAAAAAAAAAAAAAA"/>
               </a:ext>
             </a:extLst>
           </p:cNvSpPr>
@@ -1567,7 +1567,7 @@
             <a:pPr>
               <a:defRPr lang="de-de"/>
             </a:pPr>
-            <a:fld id="{2EDAC5C1-8FC3-8F33-8D62-79668B2C7B2C}" type="datetime1">
+            <a:fld id="{1CCFFEE3-ADF1-9A08-BF77-5B5DB039490E}" type="datetime1">
               <a:t>07.07.2023</a:t>
             </a:fld>
           </a:p>
@@ -1580,7 +1580,7 @@
             <a:spLocks noGrp="1" noChangeArrowheads="1"/>
             <a:extLst>
               <a:ext uri="smNativeData">
-                <pr:smNativeData xmlns:pr="smNativeData" xmlns="smNativeData" val="SMDATA_15_u1g6ZxMAAAAlAAAAZAAAAA0AAAAAkAAAAEgAAACQAAAASAAAAAAAAAABAAAAAAAAAAEAAABQAAAAAAAAAAAA4D8AAAAAAADgPwAAAAAAAOA/AAAAAAAA4D8AAAAAAADgPwAAAAAAAOA/AAAAAAAA4D8AAAAAAADgPwAAAAAAAOA/AAAAAAAA4D8CAAAAjAAAAAAAAAAAAAAARHLEDP///wgAAAAAAAAAAAAAAAAAAAAAAAAAAAAAAAAAAAAAZAAAAAEAAABAAAAAAAAAAAAAAAAAAAAAAAAAAAAAAAAAAAAAAAAAAAAAAAAAAAAAAAAAAAAAAAAAAAAAAAAAAAAAAAAAAAAAAAAAAAAAAAAAAAAAAAAAAAAAAAAAAAAAFAAAADwAAAAAAAAAAAAAAAAAAAkUAAAAAQAAABQAAAAUAAAAFAAAAAEAAAAAAAAAZAAAAGQAAAAAAAAAZAAAAGQAAAAVAAAAYAAAAAAAAAAAAAAADwAAACADAAAAAAAAAAAAAAEAAACgMgAAVgcAAKr4//8BAAAAf39/AAEAAABkAAAAAAAAABQAAABAHwAAAAAAACYAAAAAAAAAwOD//wAAAAAmAAAAZAAAABYAAABMAAAAAAAAAAAAAAAEAAAAAAAAAAEAAADn5uYKAAAAACgAAAAoAAAAZAAAAGQAAAAAAAAAzMzMAAAAAABQAAAAUAAAAGQAAABkAAAAAAAAABcAAAAUAAAAAAAAAAAAAAD/fwAA/38AAAAAAAAJAAAABAAAAAAAAAAeAAAAaAAAAAAAAAAAAAAAAAAAAAAAAAAAAAAAECcAABAnAAAAAAAAAAAAAAAAAAAAAAAAAAAAAAAAAAAAAAAAAAAAABQAAAAAAAAAwMD/AAAAAABkAAAAMgAAAAAAAABkAAAAAAAAAH9/fwAKAAAAIgAAABgAAAAAAAAAAAAAAAAAAAAAAAAAAAAAAAAAAAAkAAAAJAAAAAAAAAAHAAAAAAAAAAAAAAAAAAAAAAAAAAAAAAAAAAAAf39/ACUAAABYAAAAAAAAAAAAAAAAAAAAAAAAAAAAAAAAAAAAAAAAAAAAAAAAAAAAAAAAAAAAAAA/AAAAAAAAAKCGAQAAAAAAAAAAAAAAAAAMAAAAAQAAAAAAAAAAAAAAAAAAAB8AAABUAAAAAAAABQAAAAEAAAAAAAAAAAAAAAAAAAAAAAAAAAAAAAAAAAAAAAAAAAAAAAJ/f38AAAAAA8zMzADAwP8Af39/AAAAAAAAAAAAAAAAAAAAAAAAAAAAIQAAABgAAAAUAAAA2BgAABonAAAoMgAAWSkAABAAAAAmAAAACAAAAAAAAAAAAAAA"/>
+                <pr:smNativeData xmlns:pr="smNativeData" xmlns="smNativeData" val="SMDATA_15_/1o6ZxMAAAAlAAAAZAAAAA0AAAAAkAAAAEgAAACQAAAASAAAAAAAAAABAAAAAAAAAAEAAABQAAAAAAAAAAAA4D8AAAAAAADgPwAAAAAAAOA/AAAAAAAA4D8AAAAAAADgPwAAAAAAAOA/AAAAAAAA4D8AAAAAAADgPwAAAAAAAOA/AAAAAAAA4D8CAAAAjAAAAAAAAAAAAAAARHLEDP///wgAAAAAAAAAAAAAAAAAAAAAAAAAAAAAAAAAAAAAZAAAAAEAAABAAAAAAAAAAAAAAAAAAAAAAAAAAAAAAAAAAAAAAAAAAAAAAAAAAAAAAAAAAAAAAAAAAAAAAAAAAAAAAAAAAAAAAAAAAAAAAAAAAAAAAAAAAAAAAAAAAAAAFAAAADwAAAAAAAAAAAAAAAAAAAkUAAAAAQAAABQAAAAUAAAAFAAAAAEAAAAAAAAAZAAAAGQAAAAAAAAAZAAAAGQAAAAVAAAAYAAAAAAAAAAAAAAADwAAACADAAAAAAAAAAAAAAEAAACgMgAAVgcAAKr4//8BAAAAf39/AAEAAABkAAAAAAAAABQAAABAHwAAAAAAACYAAAAAAAAAwOD//wAAAAAmAAAAZAAAABYAAABMAAAAAAAAAAAAAAAEAAAAAAAAAAEAAADn5uYKAAAAACgAAAAoAAAAZAAAAGQAAAAAAAAAzMzMAAAAAABQAAAAUAAAAGQAAABkAAAAAAAAABcAAAAUAAAAAAAAAAAAAAD/fwAA/38AAAAAAAAJAAAABAAAAAAAAAAeAAAAaAAAAAAAAAAAAAAAAAAAAAAAAAAAAAAAECcAABAnAAAAAAAAAAAAAAAAAAAAAAAAAAAAAAAAAAAAAAAAAAAAABQAAAAAAAAAwMD/AAAAAABkAAAAMgAAAAAAAABkAAAAAAAAAH9/fwAKAAAAIgAAABgAAAAAAAAAAAAAAAAAAAAAAAAAAAAAAAAAAAAkAAAAJAAAAAAAAAAHAAAAAAAAAAAAAAAAAAAAAAAAAAAAAAAAAAAAf39/ACUAAABYAAAAAAAAAAAAAAAAAAAAAAAAAAAAAAAAAAAAAAAAAAAAAAAAAAAAAAAAAAAAAAA/AAAAAAAAAKCGAQAAAAAAAAAAAAAAAAAMAAAAAQAAAAAAAAAAAAAAAAAAAB8AAABUAAAAAAAABQAAAAEAAAAAAAAAAAAAAAAAAAAAAAAAAAAAAAAAAAAAAAAAAAAAAAJ/f38AAAAAA8zMzADAwP8Af39/AAAAAAAAAAAAAAAAAAAAAAAAAAAAIQAAABgAAAAUAAAA2BgAABonAAAoMgAAWSkAABAAAAAmAAAACAAAAAAAAAAAAAAA"/>
               </a:ext>
             </a:extLst>
           </p:cNvSpPr>
@@ -1606,7 +1606,7 @@
             <a:spLocks noGrp="1" noChangeArrowheads="1"/>
             <a:extLst>
               <a:ext uri="smNativeData">
-                <pr:smNativeData xmlns:pr="smNativeData" xmlns="smNativeData" val="SMDATA_15_u1g6ZxMAAAAlAAAAZAAAAA0AAAAAkAAAAEgAAACQAAAASAAAAAAAAAABAAAAAAAAAAEAAABQAAAAAAAAAAAA4D8AAAAAAADgPwAAAAAAAOA/AAAAAAAA4D8AAAAAAADgPwAAAAAAAOA/AAAAAAAA4D8AAAAAAADgPwAAAAAAAOA/AAAAAAAA4D8CAAAAjAAAAAAAAAAAAAAARHLEDP///wgAAAAAAAAAAAAAAAAAAAAAAAAAAAAAAAAAAAAAZAAAAAEAAABAAAAAAAAAAAAAAAAAAAAAAAAAAAAAAAAAAAAAAAAAAAAAAAAAAAAAAAAAAAAAAAAAAAAAAAAAAAAAAAAAAAAAAAAAAAAAAAAAAAAAAAAAAAAAAAAAAAAAFAAAADwAAAAAAAAAAAAAAAAAAAkUAAAAAQAAABQAAAAUAAAAFAAAAAEAAAAAAAAAZAAAAGQAAAAAAAAAZAAAAGQAAAAVAAAAYAAAAAAAAAAAAAAADwAAACADAAAAAAAAAAAAAAEAAACgMgAAVgcAAKr4//8BAAAAf39/AAEAAABkAAAAAAAAABQAAABAHwAAAAAAACYAAAAAAAAAwOD//wAAAAAmAAAAZAAAABYAAABMAAAAAAAAAAAAAAAEAAAAAAAAAAEAAADn5uYKAAAAACgAAAAoAAAAZAAAAGQAAAAAAAAAzMzMAAAAAABQAAAAUAAAAGQAAABkAAAAAAAAABcAAAAUAAAAAAAAAAAAAAD/fwAA/38AAAAAAAAJAAAABAAAAAAAAAAeAAAAaAAAAAAAAAAAAAAAAAAAAAAAAAAAAAAAECcAABAnAAAAAAAAAAAAAAAAAAAAAAAAAAAAAAAAAAAAAAAAAAAAABQAAAAAAAAAwMD/AAAAAABkAAAAMgAAAAAAAABkAAAAAAAAAH9/fwAKAAAAIgAAABgAAAAAAAAAAAAAAAAAAAAAAAAAAAAAAAAAAAAkAAAAJAAAAAAAAAAHAAAAAAAAAAAAAAAAAAAAAAAAAAAAAAAAAAAAf39/ACUAAABYAAAAAAAAAAAAAAAAAAAAAAAAAAAAAAAAAAAAAAAAAAAAAAAAAAAAAAAAAAAAAAA/AAAAAAAAAKCGAQAAAAAAAAAAAAAAAAAMAAAAAQAAAAAAAAAAAAAAAAAAAB8AAABUAAAAAAAABQAAAAEAAAAAAAAAAAAAAAAAAAAAAAAAAAAAAAAAAAAAAAAAAAAAAAJ/f38AAAAAA8zMzADAwP8Af39/AAAAAAAAAAAAAAAAAAAAAAAAAAAAIQAAABgAAAAUAAAA+DQAABonAADYRQAAWSkAABAAAAAmAAAACAAAAAAAAAAAAAAA"/>
+                <pr:smNativeData xmlns:pr="smNativeData" xmlns="smNativeData" val="SMDATA_15_/1o6ZxMAAAAlAAAAZAAAAA0AAAAAkAAAAEgAAACQAAAASAAAAAAAAAABAAAAAAAAAAEAAABQAAAAAAAAAAAA4D8AAAAAAADgPwAAAAAAAOA/AAAAAAAA4D8AAAAAAADgPwAAAAAAAOA/AAAAAAAA4D8AAAAAAADgPwAAAAAAAOA/AAAAAAAA4D8CAAAAjAAAAAAAAAAAAAAARHLEDP///wgAAAAAAAAAAAAAAAAAAAAAAAAAAAAAAAAAAAAAZAAAAAEAAABAAAAAAAAAAAAAAAAAAAAAAAAAAAAAAAAAAAAAAAAAAAAAAAAAAAAAAAAAAAAAAAAAAAAAAAAAAAAAAAAAAAAAAAAAAAAAAAAAAAAAAAAAAAAAAAAAAAAAFAAAADwAAAAAAAAAAAAAAAAAAAkUAAAAAQAAABQAAAAUAAAAFAAAAAEAAAAAAAAAZAAAAGQAAAAAAAAAZAAAAGQAAAAVAAAAYAAAAAAAAAAAAAAADwAAACADAAAAAAAAAAAAAAEAAACgMgAAVgcAAKr4//8BAAAAf39/AAEAAABkAAAAAAAAABQAAABAHwAAAAAAACYAAAAAAAAAwOD//wAAAAAmAAAAZAAAABYAAABMAAAAAAAAAAAAAAAEAAAAAAAAAAEAAADn5uYKAAAAACgAAAAoAAAAZAAAAGQAAAAAAAAAzMzMAAAAAABQAAAAUAAAAGQAAABkAAAAAAAAABcAAAAUAAAAAAAAAAAAAAD/fwAA/38AAAAAAAAJAAAABAAAAAAAAAAeAAAAaAAAAAAAAAAAAAAAAAAAAAAAAAAAAAAAECcAABAnAAAAAAAAAAAAAAAAAAAAAAAAAAAAAAAAAAAAAAAAAAAAABQAAAAAAAAAwMD/AAAAAABkAAAAMgAAAAAAAABkAAAAAAAAAH9/fwAKAAAAIgAAABgAAAAAAAAAAAAAAAAAAAAAAAAAAAAAAAAAAAAkAAAAJAAAAAAAAAAHAAAAAAAAAAAAAAAAAAAAAAAAAAAAAAAAAAAAf39/ACUAAABYAAAAAAAAAAAAAAAAAAAAAAAAAAAAAAAAAAAAAAAAAAAAAAAAAAAAAAAAAAAAAAA/AAAAAAAAAKCGAQAAAAAAAAAAAAAAAAAMAAAAAQAAAAAAAAAAAAAAAAAAAB8AAABUAAAAAAAABQAAAAEAAAAAAAAAAAAAAAAAAAAAAAAAAAAAAAAAAAAAAAAAAAAAAAJ/f38AAAAAA8zMzADAwP8Af39/AAAAAAAAAAAAAAAAAAAAAAAAAAAAIQAAABgAAAAUAAAA+DQAABonAADYRQAAWSkAABAAAAAmAAAACAAAAAAAAAAAAAAA"/>
               </a:ext>
             </a:extLst>
           </p:cNvSpPr>
@@ -1622,7 +1622,7 @@
             <a:pPr>
               <a:defRPr lang="de-de"/>
             </a:pPr>
-            <a:fld id="{2EDAFC88-C6C3-8F0A-8D62-305FB22C7B65}" type="slidenum">
+            <a:fld id="{1CCFC87B-35F1-9A3E-BF77-C36B86394996}" type="slidenum">
               <a:t>‹Nr.›</a:t>
             </a:fld>
           </a:p>
@@ -1661,7 +1661,7 @@
             <a:spLocks noGrp="1" noChangeArrowheads="1"/>
             <a:extLst>
               <a:ext uri="smNativeData">
-                <pr:smNativeData xmlns:pr="smNativeData" xmlns="smNativeData" val="SMDATA_15_u1g6ZxMAAAAlAAAAZAAAAA0AAAAAkAAAAEgAAACQAAAASAAAAAAAAAABAAAAAAAAAAEAAABQAAAAAAAAAAAA4D8AAAAAAADgPwAAAAAAAOA/AAAAAAAA4D8AAAAAAADgPwAAAAAAAOA/AAAAAAAA4D8AAAAAAADgPwAAAAAAAOA/AAAAAAAA4D8CAAAAjAAAAAAAAAAAAAAARHLEDP///wgAAAAAAAAAAAAAAAAAAAAAAAAAAAAAAAAAAAAAZAAAAAEAAABAAAAAAAAAAAAAAAAAAAAAAAAAAAAAAAAAAAAAAAAAAAAAAAAAAAAAAAAAAAAAAAAAAAAAAAAAAAAAAAAAAAAAAAAAAAAAAAAAAAAAAAAAAAAAAAAAAAAAFAAAADwAAAAAAAAAAAAAAAAAAAkUAAAAAQAAABQAAAAUAAAAFAAAAAEAAAAAAAAAZAAAAGQAAAAAAAAAZAAAAGQAAAAVAAAAYAAAAAAAAAAAAAAADwAAACADAAAAAAAAAAAAAAEAAACgMgAAVgcAAKr4//8BAAAAf39/AAEAAABkAAAAAAAAABQAAABAHwAAAAAAACYAAAAAAAAAwOD//wAAAAAmAAAAZAAAABYAAABMAAAAAAAAAAAAAAAEAAAAAAAAAAEAAADn5uYKAAAAACgAAAAoAAAAZAAAAGQAAAAAAAAAzMzMAAAAAABQAAAAUAAAAGQAAABkAAAAAAAAABcAAAAUAAAAAAAAAAAAAAD/fwAA/38AAAAAAAAJAAAABAAAAAAAAAAeAAAAaAAAAAAAAAAAAAAAAAAAAAAAAAAAAAAAECcAABAnAAAAAAAAAAAAAAAAAAAAAAAAAAAAAAAAAAAAAAAAAAAAABQAAAAAAAAAwMD/AAAAAABkAAAAMgAAAAAAAABkAAAAAAAAAH9/fwAKAAAAIgAAABgAAAAAAAAAAAAAAAAAAAAAAAAAAAAAAAAAAAAkAAAAJAAAAAAAAAAHAAAAAAAAAAAAAAAAAAAAAAAAAAAAAAAAAAAAf39/ACUAAABYAAAAAAAAAAAAAAAAAAAAAAAAAAAAAAAAAAAAAAAAAAAAAAAAAAAAAAAAAAAAAAA/AAAAAAAAAKCGAQAAAAAAAAAAAAAAAAAMAAAAAQAAAAAAAAAAAAAAAAAAAB8AAABUAAAAAAAABQAAAAEAAAAAAAAAAAAAAAAAAAAAAAAAAAAAAAAAAAAAAAAAAAAAAAJ/f38AAAAAA8zMzADAwP8Af39/AAAAAAAAAAAAAAAAAAAAAAAAAAAAIQAAABgAAAAUAAAAKwUAAD8CAADbRQAAZwoAABAAAAAmAAAACAAAAAEAAAAAAAAA"/>
+                <pr:smNativeData xmlns:pr="smNativeData" xmlns="smNativeData" val="SMDATA_15_/1o6ZxMAAAAlAAAAZAAAAA0AAAAAkAAAAEgAAACQAAAASAAAAAAAAAABAAAAAAAAAAEAAABQAAAAAAAAAAAA4D8AAAAAAADgPwAAAAAAAOA/AAAAAAAA4D8AAAAAAADgPwAAAAAAAOA/AAAAAAAA4D8AAAAAAADgPwAAAAAAAOA/AAAAAAAA4D8CAAAAjAAAAAAAAAAAAAAARHLEDP///wgAAAAAAAAAAAAAAAAAAAAAAAAAAAAAAAAAAAAAZAAAAAEAAABAAAAAAAAAAAAAAAAAAAAAAAAAAAAAAAAAAAAAAAAAAAAAAAAAAAAAAAAAAAAAAAAAAAAAAAAAAAAAAAAAAAAAAAAAAAAAAAAAAAAAAAAAAAAAAAAAAAAAFAAAADwAAAAAAAAAAAAAAAAAAAkUAAAAAQAAABQAAAAUAAAAFAAAAAEAAAAAAAAAZAAAAGQAAAAAAAAAZAAAAGQAAAAVAAAAYAAAAAAAAAAAAAAADwAAACADAAAAAAAAAAAAAAEAAACgMgAAVgcAAKr4//8BAAAAf39/AAEAAABkAAAAAAAAABQAAABAHwAAAAAAACYAAAAAAAAAwOD//wAAAAAmAAAAZAAAABYAAABMAAAAAAAAAAAAAAAEAAAAAAAAAAEAAADn5uYKAAAAACgAAAAoAAAAZAAAAGQAAAAAAAAAzMzMAAAAAABQAAAAUAAAAGQAAABkAAAAAAAAABcAAAAUAAAAAAAAAAAAAAD/fwAA/38AAAAAAAAJAAAABAAAAAAAAAAeAAAAaAAAAAAAAAAAAAAAAAAAAAAAAAAAAAAAECcAABAnAAAAAAAAAAAAAAAAAAAAAAAAAAAAAAAAAAAAAAAAAAAAABQAAAAAAAAAwMD/AAAAAABkAAAAMgAAAAAAAABkAAAAAAAAAH9/fwAKAAAAIgAAABgAAAAAAAAAAAAAAAAAAAAAAAAAAAAAAAAAAAAkAAAAJAAAAAAAAAAHAAAAAAAAAAAAAAAAAAAAAAAAAAAAAAAAAAAAf39/ACUAAABYAAAAAAAAAAAAAAAAAAAAAAAAAAAAAAAAAAAAAAAAAAAAAAAAAAAAAAAAAAAAAAA/AAAAAAAAAKCGAQAAAAAAAAAAAAAAAAAMAAAAAQAAAAAAAAAAAAAAAAAAAB8AAABUAAAAAAAABQAAAAEAAAAAAAAAAAAAAAAAAAAAAAAAAAAAAAAAAAAAAAAAAAAAAAJ/f38AAAAAA8zMzADAwP8Af39/AAAAAAAAAAAAAAAAAAAAAAAAAAAAIQAAABgAAAAUAAAAKwUAAD8CAADbRQAAZwoAABAAAAAmAAAACAAAAAEAAAAAAAAA"/>
               </a:ext>
             </a:extLst>
           </p:cNvSpPr>
@@ -1695,7 +1695,7 @@
             <a:spLocks noGrp="1" noChangeArrowheads="1"/>
             <a:extLst>
               <a:ext uri="smNativeData">
-                <pr:smNativeData xmlns:pr="smNativeData" xmlns="smNativeData" val="SMDATA_15_u1g6ZxMAAAAlAAAAZAAAAA0AAAAAkAAAAEgAAACQAAAASAAAAAAAAAACAAAAAAAAAAEAAABQAAAAAAAAAAAA4D8AAAAAAADgPwAAAAAAAOA/AAAAAAAA4D8AAAAAAADgPwAAAAAAAOA/AAAAAAAA4D8AAAAAAADgPwAAAAAAAOA/AAAAAAAA4D8CAAAAjAAAAAAAAAAAAAAARHLEDP///wgAAAAAAAAAAAAAAAAAAAAAAAAAAAAAAAAAAAAAZAAAAAEAAABAAAAAAAAAAAAAAAAAAAAAAAAAAAAAAAAAAAAAAAAAAAAAAAAAAAAAAAAAAAAAAAAAAAAAAAAAAAAAAAAAAAAAAAAAAAAAAAAAAAAAAAAAAAAAAAAAAAAAFAAAADwAAAAAAAAAAAAAAAAAAAkUAAAAAQAAABQAAAAUAAAAFAAAAAEAAAAAAAAAZAAAAGQAAAAAAAAAZAAAAGQAAAAVAAAAYAAAAAAAAAAAAAAADwAAACADAAAAAAAAAAAAAAEAAACgMgAAVgcAAKr4//8BAAAAf39/AAEAAABkAAAAAAAAABQAAABAHwAAAAAAACYAAAAAAAAAwOD//wAAAAAmAAAAZAAAABYAAABMAAAAAAAAAAAAAAAEAAAAAAAAAAEAAADn5uYKAAAAACgAAAAoAAAAZAAAAGQAAAAAAAAAzMzMAAAAAABQAAAAUAAAAGQAAABkAAAAAAAAABcAAAAUAAAAAAAAAAAAAAD/fwAA/38AAAAAAAAJAAAABAAAAAAAAAAeAAAAaAAAAAAAAAAAAAAAAAAAAAAAAAAAAAAAECcAABAnAAAAAAAAAAAAAAAAAAAAAAAAAAAAAAAAAAAAAAAAAAAAABQAAAAAAAAAwMD/AAAAAABkAAAAMgAAAAAAAABkAAAAAAAAAH9/fwAKAAAAIgAAABgAAAAAAAAAAAAAAAAAAAAAAAAAAAAAAAAAAAAkAAAAJAAAAAAAAAAHAAAAAAAAAAAAAAAAAAAAAAAAAAAAAAAAAAAAf39/ACUAAABYAAAAAAAAAAAAAAAAAAAAAAAAAAAAAAAAAAAAAAAAAAAAAAAAAAAAAAAAAAAAAAA/AAAAAAAAAKCGAQAAAAAAAAAAAAAAAAAMAAAAAQAAAAAAAAAAAAAAAAAAAB8AAABUAAAAAAAABQAAAAEAAAAAAAAAAAAAAAAAAAAAAAAAAAAAAAAAAAAAAAAAAAAAAAJ/f38AAAAAA8zMzADAwP8Af39/AAAAAAAAAAAAAAAAAAAAAAAAAAAAIQAAABgAAAAUAAAAKwUAAFgKAADlJAAAaQ8AABAAAAAmAAAACAAAAIGAAAAAAAAA"/>
+                <pr:smNativeData xmlns:pr="smNativeData" xmlns="smNativeData" val="SMDATA_15_/1o6ZxMAAAAlAAAAZAAAAA0AAAAAkAAAAEgAAACQAAAASAAAAAAAAAACAAAAAAAAAAEAAABQAAAAAAAAAAAA4D8AAAAAAADgPwAAAAAAAOA/AAAAAAAA4D8AAAAAAADgPwAAAAAAAOA/AAAAAAAA4D8AAAAAAADgPwAAAAAAAOA/AAAAAAAA4D8CAAAAjAAAAAAAAAAAAAAARHLEDP///wgAAAAAAAAAAAAAAAAAAAAAAAAAAAAAAAAAAAAAZAAAAAEAAABAAAAAAAAAAAAAAAAAAAAAAAAAAAAAAAAAAAAAAAAAAAAAAAAAAAAAAAAAAAAAAAAAAAAAAAAAAAAAAAAAAAAAAAAAAAAAAAAAAAAAAAAAAAAAAAAAAAAAFAAAADwAAAAAAAAAAAAAAAAAAAkUAAAAAQAAABQAAAAUAAAAFAAAAAEAAAAAAAAAZAAAAGQAAAAAAAAAZAAAAGQAAAAVAAAAYAAAAAAAAAAAAAAADwAAACADAAAAAAAAAAAAAAEAAACgMgAAVgcAAKr4//8BAAAAf39/AAEAAABkAAAAAAAAABQAAABAHwAAAAAAACYAAAAAAAAAwOD//wAAAAAmAAAAZAAAABYAAABMAAAAAAAAAAAAAAAEAAAAAAAAAAEAAADn5uYKAAAAACgAAAAoAAAAZAAAAGQAAAAAAAAAzMzMAAAAAABQAAAAUAAAAGQAAABkAAAAAAAAABcAAAAUAAAAAAAAAAAAAAD/fwAA/38AAAAAAAAJAAAABAAAAAAAAAAeAAAAaAAAAAAAAAAAAAAAAAAAAAAAAAAAAAAAECcAABAnAAAAAAAAAAAAAAAAAAAAAAAAAAAAAAAAAAAAAAAAAAAAABQAAAAAAAAAwMD/AAAAAABkAAAAMgAAAAAAAABkAAAAAAAAAH9/fwAKAAAAIgAAABgAAAAAAAAAAAAAAAAAAAAAAAAAAAAAAAAAAAAkAAAAJAAAAAAAAAAHAAAAAAAAAAAAAAAAAAAAAAAAAAAAAAAAAAAAf39/ACUAAABYAAAAAAAAAAAAAAAAAAAAAAAAAAAAAAAAAAAAAAAAAAAAAAAAAAAAAAAAAAAAAAA/AAAAAAAAAKCGAQAAAAAAAAAAAAAAAAAMAAAAAQAAAAAAAAAAAAAAAAAAAB8AAABUAAAAAAAABQAAAAEAAAAAAAAAAAAAAAAAAAAAAAAAAAAAAAAAAAAAAAAAAAAAAAJ/f38AAAAAA8zMzADAwP8Af39/AAAAAAAAAAAAAAAAAAAAAAAAAAAAIQAAABgAAAAUAAAAKwUAAFgKAADlJAAAaQ8AABAAAAAmAAAACAAAAIGAAAAAAAAA"/>
               </a:ext>
             </a:extLst>
           </p:cNvSpPr>
@@ -1770,7 +1770,7 @@
             <a:spLocks noGrp="1" noChangeArrowheads="1"/>
             <a:extLst>
               <a:ext uri="smNativeData">
-                <pr:smNativeData xmlns:pr="smNativeData" xmlns="smNativeData" val="SMDATA_15_u1g6ZxMAAAAlAAAAZAAAAA0AAAAAkAAAAEgAAACQAAAASAAAAAAAAAAAAAAAAAAAAAEAAABQAAAAAAAAAAAA4D8AAAAAAADgPwAAAAAAAOA/AAAAAAAA4D8AAAAAAADgPwAAAAAAAOA/AAAAAAAA4D8AAAAAAADgPwAAAAAAAOA/AAAAAAAA4D8CAAAAjAAAAAAAAAAAAAAARHLEDP///wgAAAAAAAAAAAAAAAAAAAAAAAAAAAAAAAAAAAAAZAAAAAEAAABAAAAAAAAAAAAAAAAAAAAAAAAAAAAAAAAAAAAAAAAAAAAAAAAAAAAAAAAAAAAAAAAAAAAAAAAAAAAAAAAAAAAAAAAAAAAAAAAAAAAAAAAAAAAAAAAAAAAAFAAAADwAAAAAAAAAAAAAAAAAAAkUAAAAAQAAABQAAAAUAAAAFAAAAAEAAAAAAAAAZAAAAGQAAAAAAAAAZAAAAGQAAAAVAAAAYAAAAAAAAAAAAAAADwAAACADAAAAAAAAAAAAAAEAAACgMgAAVgcAAKr4//8BAAAAf39/AAEAAABkAAAAAAAAABQAAABAHwAAAAAAACYAAAAAAAAAwOD//wAAAAAmAAAAZAAAABYAAABMAAAAAAAAAAAAAAAEAAAAAAAAAAEAAADn5uYKAAAAACgAAAAoAAAAZAAAAGQAAAAAAAAAzMzMAAAAAABQAAAAUAAAAGQAAABkAAAAAAAAABcAAAAUAAAAAAAAAAAAAAD/fwAA/38AAAAAAAAJAAAABAAAAAAAAAAeAAAAaAAAAAAAAAAAAAAAAAAAAAAAAAAAAAAAECcAABAnAAAAAAAAAAAAAAAAAAAAAAAAAAAAAAAAAAAAAAAAAAAAABQAAAAAAAAAwMD/AAAAAABkAAAAMgAAAAAAAABkAAAAAAAAAH9/fwAKAAAAIgAAABgAAAAAAAAAAAAAAAAAAAAAAAAAAAAAAAAAAAAkAAAAJAAAAAAAAAAHAAAAAAAAAAAAAAAAAAAAAAAAAAAAAAAAAAAAf39/ACUAAABYAAAAAAAAAAAAAAAAAAAAAAAAAAAAAAAAAAAAAAAAAAAAAAAAAAAAAAAAAAAAAAA/AAAAAAAAAKCGAQAAAAAAAAAAAAAAAAAMAAAAAQAAAAAAAAAAAAAAAAAAAB8AAABUAAAAAAAABQAAAAEAAAAAAAAAAAAAAAAAAAAAAAAAAAAAAAAAAAAAAAAAAAAAAAJ/f38AAAAAA8zMzADAwP8Af39/AAAAAAAAAAAAAAAAAAAAAAAAAAAAIQAAABgAAAAUAAAAKwUAAGkPAADlJAAAFCYAABAAAAAmAAAACAAAAAEAAAAAAAAA"/>
+                <pr:smNativeData xmlns:pr="smNativeData" xmlns="smNativeData" val="SMDATA_15_/1o6ZxMAAAAlAAAAZAAAAA0AAAAAkAAAAEgAAACQAAAASAAAAAAAAAAAAAAAAAAAAAEAAABQAAAAAAAAAAAA4D8AAAAAAADgPwAAAAAAAOA/AAAAAAAA4D8AAAAAAADgPwAAAAAAAOA/AAAAAAAA4D8AAAAAAADgPwAAAAAAAOA/AAAAAAAA4D8CAAAAjAAAAAAAAAAAAAAARHLEDP///wgAAAAAAAAAAAAAAAAAAAAAAAAAAAAAAAAAAAAAZAAAAAEAAABAAAAAAAAAAAAAAAAAAAAAAAAAAAAAAAAAAAAAAAAAAAAAAAAAAAAAAAAAAAAAAAAAAAAAAAAAAAAAAAAAAAAAAAAAAAAAAAAAAAAAAAAAAAAAAAAAAAAAFAAAADwAAAAAAAAAAAAAAAAAAAkUAAAAAQAAABQAAAAUAAAAFAAAAAEAAAAAAAAAZAAAAGQAAAAAAAAAZAAAAGQAAAAVAAAAYAAAAAAAAAAAAAAADwAAACADAAAAAAAAAAAAAAEAAACgMgAAVgcAAKr4//8BAAAAf39/AAEAAABkAAAAAAAAABQAAABAHwAAAAAAACYAAAAAAAAAwOD//wAAAAAmAAAAZAAAABYAAABMAAAAAAAAAAAAAAAEAAAAAAAAAAEAAADn5uYKAAAAACgAAAAoAAAAZAAAAGQAAAAAAAAAzMzMAAAAAABQAAAAUAAAAGQAAABkAAAAAAAAABcAAAAUAAAAAAAAAAAAAAD/fwAA/38AAAAAAAAJAAAABAAAAAAAAAAeAAAAaAAAAAAAAAAAAAAAAAAAAAAAAAAAAAAAECcAABAnAAAAAAAAAAAAAAAAAAAAAAAAAAAAAAAAAAAAAAAAAAAAABQAAAAAAAAAwMD/AAAAAABkAAAAMgAAAAAAAABkAAAAAAAAAH9/fwAKAAAAIgAAABgAAAAAAAAAAAAAAAAAAAAAAAAAAAAAAAAAAAAkAAAAJAAAAAAAAAAHAAAAAAAAAAAAAAAAAAAAAAAAAAAAAAAAAAAAf39/ACUAAABYAAAAAAAAAAAAAAAAAAAAAAAAAAAAAAAAAAAAAAAAAAAAAAAAAAAAAAAAAAAAAAA/AAAAAAAAAKCGAQAAAAAAAAAAAAAAAAAMAAAAAQAAAAAAAAAAAAAAAAAAAB8AAABUAAAAAAAABQAAAAEAAAAAAAAAAAAAAAAAAAAAAAAAAAAAAAAAAAAAAAAAAAAAAAJ/f38AAAAAA8zMzADAwP8Af39/AAAAAAAAAAAAAAAAAAAAAAAAAAAAIQAAABgAAAAUAAAAKwUAAGkPAADlJAAAFCYAABAAAAAmAAAACAAAAAEAAAAAAAAA"/>
               </a:ext>
             </a:extLst>
           </p:cNvSpPr>
@@ -1836,7 +1836,7 @@
             <a:spLocks noGrp="1" noChangeArrowheads="1"/>
             <a:extLst>
               <a:ext uri="smNativeData">
-                <pr:smNativeData xmlns:pr="smNativeData" xmlns="smNativeData" val="SMDATA_15_u1g6ZxMAAAAlAAAAZAAAAA0AAAAAkAAAAEgAAACQAAAASAAAAAAAAAACAAAAAAAAAAEAAABQAAAAAAAAAAAA4D8AAAAAAADgPwAAAAAAAOA/AAAAAAAA4D8AAAAAAADgPwAAAAAAAOA/AAAAAAAA4D8AAAAAAADgPwAAAAAAAOA/AAAAAAAA4D8CAAAAjAAAAAAAAAAAAAAARHLEDP///wgAAAAAAAAAAAAAAAAAAAAAAAAAAAAAAAAAAAAAZAAAAAEAAABAAAAAAAAAAAAAAAAAAAAAAAAAAAAAAAAAAAAAAAAAAAAAAAAAAAAAAAAAAAAAAAAAAAAAAAAAAAAAAAAAAAAAAAAAAAAAAAAAAAAAAAAAAAAAAAAAAAAAFAAAADwAAAAAAAAAAAAAAAAAAAkUAAAAAQAAABQAAAAUAAAAFAAAAAEAAAAAAAAAZAAAAGQAAAAAAAAAZAAAAGQAAAAVAAAAYAAAAAAAAAAAAAAADwAAACADAAAAAAAAAAAAAAEAAACgMgAAVgcAAKr4//8BAAAAf39/AAEAAABkAAAAAAAAABQAAABAHwAAAAAAACYAAAAAAAAAwOD//wAAAAAmAAAAZAAAABYAAABMAAAAAAAAAAAAAAAEAAAAAAAAAAEAAADn5uYKAAAAACgAAAAoAAAAZAAAAGQAAAAAAAAAzMzMAAAAAABQAAAAUAAAAGQAAABkAAAAAAAAABcAAAAUAAAAAAAAAAAAAAD/fwAA/38AAAAAAAAJAAAABAAAAAAAAAAeAAAAaAAAAAAAAAAAAAAAAAAAAAAAAAAAAAAAECcAABAnAAAAAAAAAAAAAAAAAAAAAAAAAAAAAAAAAAAAAAAAAAAAABQAAAAAAAAAwMD/AAAAAABkAAAAMgAAAAAAAABkAAAAAAAAAH9/fwAKAAAAIgAAABgAAAAAAAAAAAAAAAAAAAAAAAAAAAAAAAAAAAAkAAAAJAAAAAAAAAAHAAAAAAAAAAAAAAAAAAAAAAAAAAAAAAAAAAAAf39/ACUAAABYAAAAAAAAAAAAAAAAAAAAAAAAAAAAAAAAAAAAAAAAAAAAAAAAAAAAAAAAAAAAAAA/AAAAAAAAAKCGAQAAAAAAAAAAAAAAAAAMAAAAAQAAAAAAAAAAAAAAAAAAAB8AAABUAAAAAAAABQAAAAEAAAAAAAAAAAAAAAAAAAAAAAAAAAAAAAAAAAAAAAAAAAAAAAJ/f38AAAAAA8zMzADAwP8Af39/AAAAAAAAAAAAAAAAAAAAAAAAAAAAIQAAABgAAAAUAAAA+CUAAFgKAADbRQAAaQ8AABAAAAAmAAAACAAAAIGAAAAAAAAA"/>
+                <pr:smNativeData xmlns:pr="smNativeData" xmlns="smNativeData" val="SMDATA_15_/1o6ZxMAAAAlAAAAZAAAAA0AAAAAkAAAAEgAAACQAAAASAAAAAAAAAACAAAAAAAAAAEAAABQAAAAAAAAAAAA4D8AAAAAAADgPwAAAAAAAOA/AAAAAAAA4D8AAAAAAADgPwAAAAAAAOA/AAAAAAAA4D8AAAAAAADgPwAAAAAAAOA/AAAAAAAA4D8CAAAAjAAAAAAAAAAAAAAARHLEDP///wgAAAAAAAAAAAAAAAAAAAAAAAAAAAAAAAAAAAAAZAAAAAEAAABAAAAAAAAAAAAAAAAAAAAAAAAAAAAAAAAAAAAAAAAAAAAAAAAAAAAAAAAAAAAAAAAAAAAAAAAAAAAAAAAAAAAAAAAAAAAAAAAAAAAAAAAAAAAAAAAAAAAAFAAAADwAAAAAAAAAAAAAAAAAAAkUAAAAAQAAABQAAAAUAAAAFAAAAAEAAAAAAAAAZAAAAGQAAAAAAAAAZAAAAGQAAAAVAAAAYAAAAAAAAAAAAAAADwAAACADAAAAAAAAAAAAAAEAAACgMgAAVgcAAKr4//8BAAAAf39/AAEAAABkAAAAAAAAABQAAABAHwAAAAAAACYAAAAAAAAAwOD//wAAAAAmAAAAZAAAABYAAABMAAAAAAAAAAAAAAAEAAAAAAAAAAEAAADn5uYKAAAAACgAAAAoAAAAZAAAAGQAAAAAAAAAzMzMAAAAAABQAAAAUAAAAGQAAABkAAAAAAAAABcAAAAUAAAAAAAAAAAAAAD/fwAA/38AAAAAAAAJAAAABAAAAAAAAAAeAAAAaAAAAAAAAAAAAAAAAAAAAAAAAAAAAAAAECcAABAnAAAAAAAAAAAAAAAAAAAAAAAAAAAAAAAAAAAAAAAAAAAAABQAAAAAAAAAwMD/AAAAAABkAAAAMgAAAAAAAABkAAAAAAAAAH9/fwAKAAAAIgAAABgAAAAAAAAAAAAAAAAAAAAAAAAAAAAAAAAAAAAkAAAAJAAAAAAAAAAHAAAAAAAAAAAAAAAAAAAAAAAAAAAAAAAAAAAAf39/ACUAAABYAAAAAAAAAAAAAAAAAAAAAAAAAAAAAAAAAAAAAAAAAAAAAAAAAAAAAAAAAAAAAAA/AAAAAAAAAKCGAQAAAAAAAAAAAAAAAAAMAAAAAQAAAAAAAAAAAAAAAAAAAB8AAABUAAAAAAAABQAAAAEAAAAAAAAAAAAAAAAAAAAAAAAAAAAAAAAAAAAAAAAAAAAAAAJ/f38AAAAAA8zMzADAwP8Af39/AAAAAAAAAAAAAAAAAAAAAAAAAAAAIQAAABgAAAAUAAAA+CUAAFgKAADbRQAAaQ8AABAAAAAmAAAACAAAAIGAAAAAAAAA"/>
               </a:ext>
             </a:extLst>
           </p:cNvSpPr>
@@ -1911,7 +1911,7 @@
             <a:spLocks noGrp="1" noChangeArrowheads="1"/>
             <a:extLst>
               <a:ext uri="smNativeData">
-                <pr:smNativeData xmlns:pr="smNativeData" xmlns="smNativeData" val="SMDATA_15_u1g6ZxMAAAAlAAAAZAAAAA0AAAAAkAAAAEgAAACQAAAASAAAAAAAAAAAAAAAAAAAAAEAAABQAAAAAAAAAAAA4D8AAAAAAADgPwAAAAAAAOA/AAAAAAAA4D8AAAAAAADgPwAAAAAAAOA/AAAAAAAA4D8AAAAAAADgPwAAAAAAAOA/AAAAAAAA4D8CAAAAjAAAAAAAAAAAAAAARHLEDP///wgAAAAAAAAAAAAAAAAAAAAAAAAAAAAAAAAAAAAAZAAAAAEAAABAAAAAAAAAAAAAAAAAAAAAAAAAAAAAAAAAAAAAAAAAAAAAAAAAAAAAAAAAAAAAAAAAAAAAAAAAAAAAAAAAAAAAAAAAAAAAAAAAAAAAAAAAAAAAAAAAAAAAFAAAADwAAAAAAAAAAAAAAAAAAAkUAAAAAQAAABQAAAAUAAAAFAAAAAEAAAAAAAAAZAAAAGQAAAAAAAAAZAAAAGQAAAAVAAAAYAAAAAAAAAAAAAAADwAAACADAAAAAAAAAAAAAAEAAACgMgAAVgcAAKr4//8BAAAAf39/AAEAAABkAAAAAAAAABQAAABAHwAAAAAAACYAAAAAAAAAwOD//wAAAAAmAAAAZAAAABYAAABMAAAAAAAAAAAAAAAEAAAAAAAAAAEAAADn5uYKAAAAACgAAAAoAAAAZAAAAGQAAAAAAAAAzMzMAAAAAABQAAAAUAAAAGQAAABkAAAAAAAAABcAAAAUAAAAAAAAAAAAAAD/fwAA/38AAAAAAAAJAAAABAAAAAAAAAAeAAAAaAAAAAAAAAAAAAAAAAAAAAAAAAAAAAAAECcAABAnAAAAAAAAAAAAAAAAAAAAAAAAAAAAAAAAAAAAAAAAAAAAABQAAAAAAAAAwMD/AAAAAABkAAAAMgAAAAAAAABkAAAAAAAAAH9/fwAKAAAAIgAAABgAAAAAAAAAAAAAAAAAAAAAAAAAAAAAAAAAAAAkAAAAJAAAAAAAAAAHAAAAAAAAAAAAAAAAAAAAAAAAAAAAAAAAAAAAf39/ACUAAABYAAAAAAAAAAAAAAAAAAAAAAAAAAAAAAAAAAAAAAAAAAAAAAAAAAAAAAAAAAAAAAA/AAAAAAAAAKCGAQAAAAAAAAAAAAAAAAAMAAAAAQAAAAAAAAAAAAAAAAAAAB8AAABUAAAAAAAABQAAAAEAAAAAAAAAAAAAAAAAAAAAAAAAAAAAAAAAAAAAAAAAAAAAAAJ/f38AAAAAA8zMzADAwP8Af39/AAAAAAAAAAAAAAAAAAAAAAAAAAAAIQAAABgAAAAUAAAA+CUAAGkPAADbRQAAFCYAABAAAAAmAAAACAAAAAEAAAAAAAAA"/>
+                <pr:smNativeData xmlns:pr="smNativeData" xmlns="smNativeData" val="SMDATA_15_/1o6ZxMAAAAlAAAAZAAAAA0AAAAAkAAAAEgAAACQAAAASAAAAAAAAAAAAAAAAAAAAAEAAABQAAAAAAAAAAAA4D8AAAAAAADgPwAAAAAAAOA/AAAAAAAA4D8AAAAAAADgPwAAAAAAAOA/AAAAAAAA4D8AAAAAAADgPwAAAAAAAOA/AAAAAAAA4D8CAAAAjAAAAAAAAAAAAAAARHLEDP///wgAAAAAAAAAAAAAAAAAAAAAAAAAAAAAAAAAAAAAZAAAAAEAAABAAAAAAAAAAAAAAAAAAAAAAAAAAAAAAAAAAAAAAAAAAAAAAAAAAAAAAAAAAAAAAAAAAAAAAAAAAAAAAAAAAAAAAAAAAAAAAAAAAAAAAAAAAAAAAAAAAAAAFAAAADwAAAAAAAAAAAAAAAAAAAkUAAAAAQAAABQAAAAUAAAAFAAAAAEAAAAAAAAAZAAAAGQAAAAAAAAAZAAAAGQAAAAVAAAAYAAAAAAAAAAAAAAADwAAACADAAAAAAAAAAAAAAEAAACgMgAAVgcAAKr4//8BAAAAf39/AAEAAABkAAAAAAAAABQAAABAHwAAAAAAACYAAAAAAAAAwOD//wAAAAAmAAAAZAAAABYAAABMAAAAAAAAAAAAAAAEAAAAAAAAAAEAAADn5uYKAAAAACgAAAAoAAAAZAAAAGQAAAAAAAAAzMzMAAAAAABQAAAAUAAAAGQAAABkAAAAAAAAABcAAAAUAAAAAAAAAAAAAAD/fwAA/38AAAAAAAAJAAAABAAAAAAAAAAeAAAAaAAAAAAAAAAAAAAAAAAAAAAAAAAAAAAAECcAABAnAAAAAAAAAAAAAAAAAAAAAAAAAAAAAAAAAAAAAAAAAAAAABQAAAAAAAAAwMD/AAAAAABkAAAAMgAAAAAAAABkAAAAAAAAAH9/fwAKAAAAIgAAABgAAAAAAAAAAAAAAAAAAAAAAAAAAAAAAAAAAAAkAAAAJAAAAAAAAAAHAAAAAAAAAAAAAAAAAAAAAAAAAAAAAAAAAAAAf39/ACUAAABYAAAAAAAAAAAAAAAAAAAAAAAAAAAAAAAAAAAAAAAAAAAAAAAAAAAAAAAAAAAAAAA/AAAAAAAAAKCGAQAAAAAAAAAAAAAAAAAMAAAAAQAAAAAAAAAAAAAAAAAAAB8AAABUAAAAAAAABQAAAAEAAAAAAAAAAAAAAAAAAAAAAAAAAAAAAAAAAAAAAAAAAAAAAAJ/f38AAAAAA8zMzADAwP8Af39/AAAAAAAAAAAAAAAAAAAAAAAAAAAAIQAAABgAAAAUAAAA+CUAAGkPAADbRQAAFCYAABAAAAAmAAAACAAAAAEAAAAAAAAA"/>
               </a:ext>
             </a:extLst>
           </p:cNvSpPr>
@@ -1977,7 +1977,7 @@
             <a:spLocks noGrp="1" noChangeArrowheads="1"/>
             <a:extLst>
               <a:ext uri="smNativeData">
-                <pr:smNativeData xmlns:pr="smNativeData" xmlns="smNativeData" val="SMDATA_15_u1g6ZxMAAAAlAAAAZAAAAA0AAAAAkAAAAEgAAACQAAAASAAAAAAAAAABAAAAAAAAAAEAAABQAAAAAAAAAAAA4D8AAAAAAADgPwAAAAAAAOA/AAAAAAAA4D8AAAAAAADgPwAAAAAAAOA/AAAAAAAA4D8AAAAAAADgPwAAAAAAAOA/AAAAAAAA4D8CAAAAjAAAAAAAAAAAAAAARHLEDP///wgAAAAAAAAAAAAAAAAAAAAAAAAAAAAAAAAAAAAAZAAAAAEAAABAAAAAAAAAAAAAAAAAAAAAAAAAAAAAAAAAAAAAAAAAAAAAAAAAAAAAAAAAAAAAAAAAAAAAAAAAAAAAAAAAAAAAAAAAAAAAAAAAAAAAAAAAAAAAAAAAAAAAFAAAADwAAAAAAAAAAAAAAAAAAAkUAAAAAQAAABQAAAAUAAAAFAAAAAEAAAAAAAAAZAAAAGQAAAAAAAAAZAAAAGQAAAAVAAAAYAAAAAAAAAAAAAAADwAAACADAAAAAAAAAAAAAAEAAACgMgAAVgcAAKr4//8BAAAAf39/AAEAAABkAAAAAAAAABQAAABAHwAAAAAAACYAAAAAAAAAwOD//wAAAAAmAAAAZAAAABYAAABMAAAAAAAAAAAAAAAEAAAAAAAAAAEAAADn5uYKAAAAACgAAAAoAAAAZAAAAGQAAAAAAAAAzMzMAAAAAABQAAAAUAAAAGQAAABkAAAAAAAAABcAAAAUAAAAAAAAAAAAAAD/fwAA/38AAAAAAAAJAAAABAAAAAAAAAAeAAAAaAAAAAAAAAAAAAAAAAAAAAAAAAAAAAAAECcAABAnAAAAAAAAAAAAAAAAAAAAAAAAAAAAAAAAAAAAAAAAAAAAABQAAAAAAAAAwMD/AAAAAABkAAAAMgAAAAAAAABkAAAAAAAAAH9/fwAKAAAAIgAAABgAAAAAAAAAAAAAAAAAAAAAAAAAAAAAAAAAAAAkAAAAJAAAAAAAAAAHAAAAAAAAAAAAAAAAAAAAAAAAAAAAAAAAAAAAf39/ACUAAABYAAAAAAAAAAAAAAAAAAAAAAAAAAAAAAAAAAAAAAAAAAAAAAAAAAAAAAAAAAAAAAA/AAAAAAAAAKCGAQAAAAAAAAAAAAAAAAAMAAAAAQAAAAAAAAAAAAAAAAAAAB8AAABUAAAAAAAABQAAAAEAAAAAAAAAAAAAAAAAAAAAAAAAAAAAAAAAAAAAAAAAAAAAAAJ/f38AAAAAA8zMzADAwP8Af39/AAAAAAAAAAAAAAAAAAAAAAAAAAAAIQAAABgAAAAUAAAAKAUAABonAAAIFgAAWSkAABAAAAAmAAAACAAAAAAAAAAAAAAA"/>
+                <pr:smNativeData xmlns:pr="smNativeData" xmlns="smNativeData" val="SMDATA_15_/1o6ZxMAAAAlAAAAZAAAAA0AAAAAkAAAAEgAAACQAAAASAAAAAAAAAABAAAAAAAAAAEAAABQAAAAAAAAAAAA4D8AAAAAAADgPwAAAAAAAOA/AAAAAAAA4D8AAAAAAADgPwAAAAAAAOA/AAAAAAAA4D8AAAAAAADgPwAAAAAAAOA/AAAAAAAA4D8CAAAAjAAAAAAAAAAAAAAARHLEDP///wgAAAAAAAAAAAAAAAAAAAAAAAAAAAAAAAAAAAAAZAAAAAEAAABAAAAAAAAAAAAAAAAAAAAAAAAAAAAAAAAAAAAAAAAAAAAAAAAAAAAAAAAAAAAAAAAAAAAAAAAAAAAAAAAAAAAAAAAAAAAAAAAAAAAAAAAAAAAAAAAAAAAAFAAAADwAAAAAAAAAAAAAAAAAAAkUAAAAAQAAABQAAAAUAAAAFAAAAAEAAAAAAAAAZAAAAGQAAAAAAAAAZAAAAGQAAAAVAAAAYAAAAAAAAAAAAAAADwAAACADAAAAAAAAAAAAAAEAAACgMgAAVgcAAKr4//8BAAAAf39/AAEAAABkAAAAAAAAABQAAABAHwAAAAAAACYAAAAAAAAAwOD//wAAAAAmAAAAZAAAABYAAABMAAAAAAAAAAAAAAAEAAAAAAAAAAEAAADn5uYKAAAAACgAAAAoAAAAZAAAAGQAAAAAAAAAzMzMAAAAAABQAAAAUAAAAGQAAABkAAAAAAAAABcAAAAUAAAAAAAAAAAAAAD/fwAA/38AAAAAAAAJAAAABAAAAAAAAAAeAAAAaAAAAAAAAAAAAAAAAAAAAAAAAAAAAAAAECcAABAnAAAAAAAAAAAAAAAAAAAAAAAAAAAAAAAAAAAAAAAAAAAAABQAAAAAAAAAwMD/AAAAAABkAAAAMgAAAAAAAABkAAAAAAAAAH9/fwAKAAAAIgAAABgAAAAAAAAAAAAAAAAAAAAAAAAAAAAAAAAAAAAkAAAAJAAAAAAAAAAHAAAAAAAAAAAAAAAAAAAAAAAAAAAAAAAAAAAAf39/ACUAAABYAAAAAAAAAAAAAAAAAAAAAAAAAAAAAAAAAAAAAAAAAAAAAAAAAAAAAAAAAAAAAAA/AAAAAAAAAKCGAQAAAAAAAAAAAAAAAAAMAAAAAQAAAAAAAAAAAAAAAAAAAB8AAABUAAAAAAAABQAAAAEAAAAAAAAAAAAAAAAAAAAAAAAAAAAAAAAAAAAAAAAAAAAAAAJ/f38AAAAAA8zMzADAwP8Af39/AAAAAAAAAAAAAAAAAAAAAAAAAAAAIQAAABgAAAAUAAAAKAUAABonAAAIFgAAWSkAABAAAAAmAAAACAAAAAAAAAAAAAAA"/>
               </a:ext>
             </a:extLst>
           </p:cNvSpPr>
@@ -1993,7 +1993,7 @@
             <a:pPr>
               <a:defRPr lang="de-de"/>
             </a:pPr>
-            <a:fld id="{2EDAE7F8-B6C3-8F11-8D62-4044A92C7B15}" type="datetime1">
+            <a:fld id="{1CCFCB11-5FF1-9A3D-BF77-A968853949FC}" type="datetime1">
               <a:t>07.07.2023</a:t>
             </a:fld>
           </a:p>
@@ -2006,7 +2006,7 @@
             <a:spLocks noGrp="1" noChangeArrowheads="1"/>
             <a:extLst>
               <a:ext uri="smNativeData">
-                <pr:smNativeData xmlns:pr="smNativeData" xmlns="smNativeData" val="SMDATA_15_u1g6ZxMAAAAlAAAAZAAAAA0AAAAAkAAAAEgAAACQAAAASAAAAAAAAAABAAAAAAAAAAEAAABQAAAAAAAAAAAA4D8AAAAAAADgPwAAAAAAAOA/AAAAAAAA4D8AAAAAAADgPwAAAAAAAOA/AAAAAAAA4D8AAAAAAADgPwAAAAAAAOA/AAAAAAAA4D8CAAAAjAAAAAAAAAAAAAAARHLEDP///wgAAAAAAAAAAAAAAAAAAAAAAAAAAAAAAAAAAAAAZAAAAAEAAABAAAAAAAAAAAAAAAAAAAAAAAAAAAAAAAAAAAAAAAAAAAAAAAAAAAAAAAAAAAAAAAAAAAAAAAAAAAAAAAAAAAAAAAAAAAAAAAAAAAAAAAAAAAAAAAAAAAAAFAAAADwAAAAAAAAAAAAAAAAAAAkUAAAAAQAAABQAAAAUAAAAFAAAAAEAAAAAAAAAZAAAAGQAAAAAAAAAZAAAAGQAAAAVAAAAYAAAAAAAAAAAAAAADwAAACADAAAAAAAAAAAAAAEAAACgMgAAVgcAAKr4//8BAAAAf39/AAEAAABkAAAAAAAAABQAAABAHwAAAAAAACYAAAAAAAAAwOD//wAAAAAmAAAAZAAAABYAAABMAAAAAAAAAAAAAAAEAAAAAAAAAAEAAADn5uYKAAAAACgAAAAoAAAAZAAAAGQAAAAAAAAAzMzMAAAAAABQAAAAUAAAAGQAAABkAAAAAAAAABcAAAAUAAAAAAAAAAAAAAD/fwAA/38AAAAAAAAJAAAABAAAAAAAAAAeAAAAaAAAAAAAAAAAAAAAAAAAAAAAAAAAAAAAECcAABAnAAAAAAAAAAAAAAAAAAAAAAAAAAAAAAAAAAAAAAAAAAAAABQAAAAAAAAAwMD/AAAAAABkAAAAMgAAAAAAAABkAAAAAAAAAH9/fwAKAAAAIgAAABgAAAAAAAAAAAAAAAAAAAAAAAAAAAAAAAAAAAAkAAAAJAAAAAAAAAAHAAAAAAAAAAAAAAAAAAAAAAAAAAAAAAAAAAAAf39/ACUAAABYAAAAAAAAAAAAAAAAAAAAAAAAAAAAAAAAAAAAAAAAAAAAAAAAAAAAAAAAAAAAAAA/AAAAAAAAAKCGAQAAAAAAAAAAAAAAAAAMAAAAAQAAAAAAAAAAAAAAAAAAAB8AAABUAAAAAAAABQAAAAEAAAAAAAAAAAAAAAAAAAAAAAAAAAAAAAAAAAAAAAAAAAAAAAJ/f38AAAAAA8zMzADAwP8Af39/AAAAAAAAAAAAAAAAAAAAAAAAAAAAIQAAABgAAAAUAAAA2BgAABonAAAoMgAAWSkAABAAAAAmAAAACAAAAAAAAAAAAAAA"/>
+                <pr:smNativeData xmlns:pr="smNativeData" xmlns="smNativeData" val="SMDATA_15_/1o6ZxMAAAAlAAAAZAAAAA0AAAAAkAAAAEgAAACQAAAASAAAAAAAAAABAAAAAAAAAAEAAABQAAAAAAAAAAAA4D8AAAAAAADgPwAAAAAAAOA/AAAAAAAA4D8AAAAAAADgPwAAAAAAAOA/AAAAAAAA4D8AAAAAAADgPwAAAAAAAOA/AAAAAAAA4D8CAAAAjAAAAAAAAAAAAAAARHLEDP///wgAAAAAAAAAAAAAAAAAAAAAAAAAAAAAAAAAAAAAZAAAAAEAAABAAAAAAAAAAAAAAAAAAAAAAAAAAAAAAAAAAAAAAAAAAAAAAAAAAAAAAAAAAAAAAAAAAAAAAAAAAAAAAAAAAAAAAAAAAAAAAAAAAAAAAAAAAAAAAAAAAAAAFAAAADwAAAAAAAAAAAAAAAAAAAkUAAAAAQAAABQAAAAUAAAAFAAAAAEAAAAAAAAAZAAAAGQAAAAAAAAAZAAAAGQAAAAVAAAAYAAAAAAAAAAAAAAADwAAACADAAAAAAAAAAAAAAEAAACgMgAAVgcAAKr4//8BAAAAf39/AAEAAABkAAAAAAAAABQAAABAHwAAAAAAACYAAAAAAAAAwOD//wAAAAAmAAAAZAAAABYAAABMAAAAAAAAAAAAAAAEAAAAAAAAAAEAAADn5uYKAAAAACgAAAAoAAAAZAAAAGQAAAAAAAAAzMzMAAAAAABQAAAAUAAAAGQAAABkAAAAAAAAABcAAAAUAAAAAAAAAAAAAAD/fwAA/38AAAAAAAAJAAAABAAAAAAAAAAeAAAAaAAAAAAAAAAAAAAAAAAAAAAAAAAAAAAAECcAABAnAAAAAAAAAAAAAAAAAAAAAAAAAAAAAAAAAAAAAAAAAAAAABQAAAAAAAAAwMD/AAAAAABkAAAAMgAAAAAAAABkAAAAAAAAAH9/fwAKAAAAIgAAABgAAAAAAAAAAAAAAAAAAAAAAAAAAAAAAAAAAAAkAAAAJAAAAAAAAAAHAAAAAAAAAAAAAAAAAAAAAAAAAAAAAAAAAAAAf39/ACUAAABYAAAAAAAAAAAAAAAAAAAAAAAAAAAAAAAAAAAAAAAAAAAAAAAAAAAAAAAAAAAAAAA/AAAAAAAAAKCGAQAAAAAAAAAAAAAAAAAMAAAAAQAAAAAAAAAAAAAAAAAAAB8AAABUAAAAAAAABQAAAAEAAAAAAAAAAAAAAAAAAAAAAAAAAAAAAAAAAAAAAAAAAAAAAAJ/f38AAAAAA8zMzADAwP8Af39/AAAAAAAAAAAAAAAAAAAAAAAAAAAAIQAAABgAAAAUAAAA2BgAABonAAAoMgAAWSkAABAAAAAmAAAACAAAAAAAAAAAAAAA"/>
               </a:ext>
             </a:extLst>
           </p:cNvSpPr>
@@ -2032,7 +2032,7 @@
             <a:spLocks noGrp="1" noChangeArrowheads="1"/>
             <a:extLst>
               <a:ext uri="smNativeData">
-                <pr:smNativeData xmlns:pr="smNativeData" xmlns="smNativeData" val="SMDATA_15_u1g6ZxMAAAAlAAAAZAAAAA0AAAAAkAAAAEgAAACQAAAASAAAAAAAAAABAAAAAAAAAAEAAABQAAAAAAAAAAAA4D8AAAAAAADgPwAAAAAAAOA/AAAAAAAA4D8AAAAAAADgPwAAAAAAAOA/AAAAAAAA4D8AAAAAAADgPwAAAAAAAOA/AAAAAAAA4D8CAAAAjAAAAAAAAAAAAAAARHLEDP///wgAAAAAAAAAAAAAAAAAAAAAAAAAAAAAAAAAAAAAZAAAAAEAAABAAAAAAAAAAAAAAAAAAAAAAAAAAAAAAAAAAAAAAAAAAAAAAAAAAAAAAAAAAAAAAAAAAAAAAAAAAAAAAAAAAAAAAAAAAAAAAAAAAAAAAAAAAAAAAAAAAAAAFAAAADwAAAAAAAAAAAAAAAAAAAkUAAAAAQAAABQAAAAUAAAAFAAAAAEAAAAAAAAAZAAAAGQAAAAAAAAAZAAAAGQAAAAVAAAAYAAAAAAAAAAAAAAADwAAACADAAAAAAAAAAAAAAEAAACgMgAAVgcAAKr4//8BAAAAf39/AAEAAABkAAAAAAAAABQAAABAHwAAAAAAACYAAAAAAAAAwOD//wAAAAAmAAAAZAAAABYAAABMAAAAAAAAAAAAAAAEAAAAAAAAAAEAAADn5uYKAAAAACgAAAAoAAAAZAAAAGQAAAAAAAAAzMzMAAAAAABQAAAAUAAAAGQAAABkAAAAAAAAABcAAAAUAAAAAAAAAAAAAAD/fwAA/38AAAAAAAAJAAAABAAAAAAAAAAeAAAAaAAAAAAAAAAAAAAAAAAAAAAAAAAAAAAAECcAABAnAAAAAAAAAAAAAAAAAAAAAAAAAAAAAAAAAAAAAAAAAAAAABQAAAAAAAAAwMD/AAAAAABkAAAAMgAAAAAAAABkAAAAAAAAAH9/fwAKAAAAIgAAABgAAAAAAAAAAAAAAAAAAAAAAAAAAAAAAAAAAAAkAAAAJAAAAAAAAAAHAAAAAAAAAAAAAAAAAAAAAAAAAAAAAAAAAAAAf39/ACUAAABYAAAAAAAAAAAAAAAAAAAAAAAAAAAAAAAAAAAAAAAAAAAAAAAAAAAAAAAAAAAAAAA/AAAAAAAAAKCGAQAAAAAAAAAAAAAAAAAMAAAAAQAAAAAAAAAAAAAAAAAAAB8AAABUAAAAAAAABQAAAAEAAAAAAAAAAAAAAAAAAAAAAAAAAAAAAAAAAAAAAAAAAAAAAAJ/f38AAAAAA8zMzADAwP8Af39/AAAAAAAAAAAAAAAAAAAAAAAAAAAAIQAAABgAAAAUAAAA+DQAABonAADYRQAAWSkAABAAAAAmAAAACAAAAAAAAAAAAAAA"/>
+                <pr:smNativeData xmlns:pr="smNativeData" xmlns="smNativeData" val="SMDATA_15_/1o6ZxMAAAAlAAAAZAAAAA0AAAAAkAAAAEgAAACQAAAASAAAAAAAAAABAAAAAAAAAAEAAABQAAAAAAAAAAAA4D8AAAAAAADgPwAAAAAAAOA/AAAAAAAA4D8AAAAAAADgPwAAAAAAAOA/AAAAAAAA4D8AAAAAAADgPwAAAAAAAOA/AAAAAAAA4D8CAAAAjAAAAAAAAAAAAAAARHLEDP///wgAAAAAAAAAAAAAAAAAAAAAAAAAAAAAAAAAAAAAZAAAAAEAAABAAAAAAAAAAAAAAAAAAAAAAAAAAAAAAAAAAAAAAAAAAAAAAAAAAAAAAAAAAAAAAAAAAAAAAAAAAAAAAAAAAAAAAAAAAAAAAAAAAAAAAAAAAAAAAAAAAAAAFAAAADwAAAAAAAAAAAAAAAAAAAkUAAAAAQAAABQAAAAUAAAAFAAAAAEAAAAAAAAAZAAAAGQAAAAAAAAAZAAAAGQAAAAVAAAAYAAAAAAAAAAAAAAADwAAACADAAAAAAAAAAAAAAEAAACgMgAAVgcAAKr4//8BAAAAf39/AAEAAABkAAAAAAAAABQAAABAHwAAAAAAACYAAAAAAAAAwOD//wAAAAAmAAAAZAAAABYAAABMAAAAAAAAAAAAAAAEAAAAAAAAAAEAAADn5uYKAAAAACgAAAAoAAAAZAAAAGQAAAAAAAAAzMzMAAAAAABQAAAAUAAAAGQAAABkAAAAAAAAABcAAAAUAAAAAAAAAAAAAAD/fwAA/38AAAAAAAAJAAAABAAAAAAAAAAeAAAAaAAAAAAAAAAAAAAAAAAAAAAAAAAAAAAAECcAABAnAAAAAAAAAAAAAAAAAAAAAAAAAAAAAAAAAAAAAAAAAAAAABQAAAAAAAAAwMD/AAAAAABkAAAAMgAAAAAAAABkAAAAAAAAAH9/fwAKAAAAIgAAABgAAAAAAAAAAAAAAAAAAAAAAAAAAAAAAAAAAAAkAAAAJAAAAAAAAAAHAAAAAAAAAAAAAAAAAAAAAAAAAAAAAAAAAAAAf39/ACUAAABYAAAAAAAAAAAAAAAAAAAAAAAAAAAAAAAAAAAAAAAAAAAAAAAAAAAAAAAAAAAAAAA/AAAAAAAAAKCGAQAAAAAAAAAAAAAAAAAMAAAAAQAAAAAAAAAAAAAAAAAAAB8AAABUAAAAAAAABQAAAAEAAAAAAAAAAAAAAAAAAAAAAAAAAAAAAAAAAAAAAAAAAAAAAAJ/f38AAAAAA8zMzADAwP8Af39/AAAAAAAAAAAAAAAAAAAAAAAAAAAAIQAAABgAAAAUAAAA+DQAABonAADYRQAAWSkAABAAAAAmAAAACAAAAAAAAAAAAAAA"/>
               </a:ext>
             </a:extLst>
           </p:cNvSpPr>
@@ -2048,7 +2048,7 @@
             <a:pPr>
               <a:defRPr lang="de-de"/>
             </a:pPr>
-            <a:fld id="{2EDA92DE-90C3-8F64-8D62-6631DC2C7B33}" type="slidenum">
+            <a:fld id="{1CCFAEB3-FDF1-9A58-BF77-0B0DE039495E}" type="slidenum">
               <a:t>‹Nr.›</a:t>
             </a:fld>
           </a:p>
@@ -2087,7 +2087,7 @@
             <a:spLocks noGrp="1" noChangeArrowheads="1"/>
             <a:extLst>
               <a:ext uri="smNativeData">
-                <pr:smNativeData xmlns:pr="smNativeData" xmlns="smNativeData" val="SMDATA_15_u1g6ZxMAAAAlAAAAZAAAAA0AAAAAkAAAAEgAAACQAAAASAAAAAAAAAABAAAAAAAAAAEAAABQAAAAAAAAAAAA4D8AAAAAAADgPwAAAAAAAOA/AAAAAAAA4D8AAAAAAADgPwAAAAAAAOA/AAAAAAAA4D8AAAAAAADgPwAAAAAAAOA/AAAAAAAA4D8CAAAAjAAAAAAAAAAAAAAARHLEDP///wgAAAAAAAAAAAAAAAAAAAAAAAAAAAAAAAAAAAAAZAAAAAEAAABAAAAAAAAAAAAAAAAAAAAAAAAAAAAAAAAAAAAAAAAAAAAAAAAAAAAAAAAAAAAAAAAAAAAAAAAAAAAAAAAAAAAAAAAAAAAAAAAAAAAAAAAAAAAAAAAAAAAAFAAAADwAAAAAAAAAAAAAAAAAAAkUAAAAAQAAABQAAAAUAAAAFAAAAAEAAAAAAAAAZAAAAGQAAAAAAAAAZAAAAGQAAAAVAAAAYAAAAAAAAAAAAAAADwAAACADAAAAAAAAAAAAAAEAAACgMgAAVgcAAKr4//8BAAAAf39/AAEAAABkAAAAAAAAABQAAABAHwAAAAAAACYAAAAAAAAAwOD//wAAAAAmAAAAZAAAABYAAABMAAAAAAAAAAAAAAAEAAAAAAAAAAEAAADn5uYKAAAAACgAAAAoAAAAZAAAAGQAAAAAAAAAzMzMAAAAAABQAAAAUAAAAGQAAABkAAAAAAAAABcAAAAUAAAAAAAAAAAAAAD/fwAA/38AAAAAAAAJAAAABAAAAAAAAAAeAAAAaAAAAAAAAAAAAAAAAAAAAAAAAAAAAAAAECcAABAnAAAAAAAAAAAAAAAAAAAAAAAAAAAAAAAAAAAAAAAAAAAAABQAAAAAAAAAwMD/AAAAAABkAAAAMgAAAAAAAABkAAAAAAAAAH9/fwAKAAAAIgAAABgAAAAAAAAAAAAAAAAAAAAAAAAAAAAAAAAAAAAkAAAAJAAAAAAAAAAHAAAAAAAAAAAAAAAAAAAAAAAAAAAAAAAAAAAAf39/ACUAAABYAAAAAAAAAAAAAAAAAAAAAAAAAAAAAAAAAAAAAAAAAAAAAAAAAAAAAAAAAAAAAAA/AAAAAAAAAKCGAQAAAAAAAAAAAAAAAAAMAAAAAQAAAAAAAAAAAAAAAAAAAB8AAABUAAAAAAAABQAAAAEAAAAAAAAAAAAAAAAAAAAAAAAAAAAAAAAAAAAAAAAAAAAAAAJ/f38AAAAAA8zMzADAwP8Af39/AAAAAAAAAAAAAAAAAAAAAAAAAAAAIQAAABgAAAAUAAAAKAUAAD8CAADYRQAAZwoAABAAAAAmAAAACAAAAAAAAAAAAAAA"/>
+                <pr:smNativeData xmlns:pr="smNativeData" xmlns="smNativeData" val="SMDATA_15_/1o6ZxMAAAAlAAAAZAAAAA0AAAAAkAAAAEgAAACQAAAASAAAAAAAAAABAAAAAAAAAAEAAABQAAAAAAAAAAAA4D8AAAAAAADgPwAAAAAAAOA/AAAAAAAA4D8AAAAAAADgPwAAAAAAAOA/AAAAAAAA4D8AAAAAAADgPwAAAAAAAOA/AAAAAAAA4D8CAAAAjAAAAAAAAAAAAAAARHLEDP///wgAAAAAAAAAAAAAAAAAAAAAAAAAAAAAAAAAAAAAZAAAAAEAAABAAAAAAAAAAAAAAAAAAAAAAAAAAAAAAAAAAAAAAAAAAAAAAAAAAAAAAAAAAAAAAAAAAAAAAAAAAAAAAAAAAAAAAAAAAAAAAAAAAAAAAAAAAAAAAAAAAAAAFAAAADwAAAAAAAAAAAAAAAAAAAkUAAAAAQAAABQAAAAUAAAAFAAAAAEAAAAAAAAAZAAAAGQAAAAAAAAAZAAAAGQAAAAVAAAAYAAAAAAAAAAAAAAADwAAACADAAAAAAAAAAAAAAEAAACgMgAAVgcAAKr4//8BAAAAf39/AAEAAABkAAAAAAAAABQAAABAHwAAAAAAACYAAAAAAAAAwOD//wAAAAAmAAAAZAAAABYAAABMAAAAAAAAAAAAAAAEAAAAAAAAAAEAAADn5uYKAAAAACgAAAAoAAAAZAAAAGQAAAAAAAAAzMzMAAAAAABQAAAAUAAAAGQAAABkAAAAAAAAABcAAAAUAAAAAAAAAAAAAAD/fwAA/38AAAAAAAAJAAAABAAAAAAAAAAeAAAAaAAAAAAAAAAAAAAAAAAAAAAAAAAAAAAAECcAABAnAAAAAAAAAAAAAAAAAAAAAAAAAAAAAAAAAAAAAAAAAAAAABQAAAAAAAAAwMD/AAAAAABkAAAAMgAAAAAAAABkAAAAAAAAAH9/fwAKAAAAIgAAABgAAAAAAAAAAAAAAAAAAAAAAAAAAAAAAAAAAAAkAAAAJAAAAAAAAAAHAAAAAAAAAAAAAAAAAAAAAAAAAAAAAAAAAAAAf39/ACUAAABYAAAAAAAAAAAAAAAAAAAAAAAAAAAAAAAAAAAAAAAAAAAAAAAAAAAAAAAAAAAAAAA/AAAAAAAAAKCGAQAAAAAAAAAAAAAAAAAMAAAAAQAAAAAAAAAAAAAAAAAAAB8AAABUAAAAAAAABQAAAAEAAAAAAAAAAAAAAAAAAAAAAAAAAAAAAAAAAAAAAAAAAAAAAAJ/f38AAAAAA8zMzADAwP8Af39/AAAAAAAAAAAAAAAAAAAAAAAAAAAAIQAAABgAAAAUAAAAKAUAAD8CAADYRQAAZwoAABAAAAAmAAAACAAAAAAAAAAAAAAA"/>
               </a:ext>
             </a:extLst>
           </p:cNvSpPr>
@@ -2116,7 +2116,7 @@
             <a:spLocks noGrp="1" noChangeArrowheads="1"/>
             <a:extLst>
               <a:ext uri="smNativeData">
-                <pr:smNativeData xmlns:pr="smNativeData" xmlns="smNativeData" val="SMDATA_15_u1g6ZxMAAAAlAAAAZAAAAA0AAAAAkAAAAEgAAACQAAAASAAAAAAAAAABAAAAAAAAAAEAAABQAAAAAAAAAAAA4D8AAAAAAADgPwAAAAAAAOA/AAAAAAAA4D8AAAAAAADgPwAAAAAAAOA/AAAAAAAA4D8AAAAAAADgPwAAAAAAAOA/AAAAAAAA4D8CAAAAjAAAAAAAAAAAAAAARHLEDP///wgAAAAAAAAAAAAAAAAAAAAAAAAAAAAAAAAAAAAAZAAAAAEAAABAAAAAAAAAAAAAAAAAAAAAAAAAAAAAAAAAAAAAAAAAAAAAAAAAAAAAAAAAAAAAAAAAAAAAAAAAAAAAAAAAAAAAAAAAAAAAAAAAAAAAAAAAAAAAAAAAAAAAFAAAADwAAAAAAAAAAAAAAAAAAAkUAAAAAQAAABQAAAAUAAAAFAAAAAEAAAAAAAAAZAAAAGQAAAAAAAAAZAAAAGQAAAAVAAAAYAAAAAAAAAAAAAAADwAAACADAAAAAAAAAAAAAAEAAACgMgAAVgcAAKr4//8BAAAAf39/AAEAAABkAAAAAAAAABQAAABAHwAAAAAAACYAAAAAAAAAwOD//wAAAAAmAAAAZAAAABYAAABMAAAAAAAAAAAAAAAEAAAAAAAAAAEAAADn5uYKAAAAACgAAAAoAAAAZAAAAGQAAAAAAAAAzMzMAAAAAABQAAAAUAAAAGQAAABkAAAAAAAAABcAAAAUAAAAAAAAAAAAAAD/fwAA/38AAAAAAAAJAAAABAAAAAAAAAAeAAAAaAAAAAAAAAAAAAAAAAAAAAAAAAAAAAAAECcAABAnAAAAAAAAAAAAAAAAAAAAAAAAAAAAAAAAAAAAAAAAAAAAABQAAAAAAAAAwMD/AAAAAABkAAAAMgAAAAAAAABkAAAAAAAAAH9/fwAKAAAAIgAAABgAAAAAAAAAAAAAAAAAAAAAAAAAAAAAAAAAAAAkAAAAJAAAAAAAAAAHAAAAAAAAAAAAAAAAAAAAAAAAAAAAAAAAAAAAf39/ACUAAABYAAAAAAAAAAAAAAAAAAAAAAAAAAAAAAAAAAAAAAAAAAAAAAAAAAAAAAAAAAAAAAA/AAAAAAAAAKCGAQAAAAAAAAAAAAAAAAAMAAAAAQAAAAAAAAAAAAAAAAAAAB8AAABUAAAAAAAABQAAAAEAAAAAAAAAAAAAAAAAAAAAAAAAAAAAAAAAAAAAAAAAAAAAAAJ/f38AAAAAA8zMzADAwP8Af39/AAAAAAAAAAAAAAAAAAAAAAAAAAAAIQAAABgAAAAUAAAAKAUAABonAAAIFgAAWSkAABAAAAAmAAAACAAAAAAAAAAAAAAA"/>
+                <pr:smNativeData xmlns:pr="smNativeData" xmlns="smNativeData" val="SMDATA_15_/1o6ZxMAAAAlAAAAZAAAAA0AAAAAkAAAAEgAAACQAAAASAAAAAAAAAABAAAAAAAAAAEAAABQAAAAAAAAAAAA4D8AAAAAAADgPwAAAAAAAOA/AAAAAAAA4D8AAAAAAADgPwAAAAAAAOA/AAAAAAAA4D8AAAAAAADgPwAAAAAAAOA/AAAAAAAA4D8CAAAAjAAAAAAAAAAAAAAARHLEDP///wgAAAAAAAAAAAAAAAAAAAAAAAAAAAAAAAAAAAAAZAAAAAEAAABAAAAAAAAAAAAAAAAAAAAAAAAAAAAAAAAAAAAAAAAAAAAAAAAAAAAAAAAAAAAAAAAAAAAAAAAAAAAAAAAAAAAAAAAAAAAAAAAAAAAAAAAAAAAAAAAAAAAAFAAAADwAAAAAAAAAAAAAAAAAAAkUAAAAAQAAABQAAAAUAAAAFAAAAAEAAAAAAAAAZAAAAGQAAAAAAAAAZAAAAGQAAAAVAAAAYAAAAAAAAAAAAAAADwAAACADAAAAAAAAAAAAAAEAAACgMgAAVgcAAKr4//8BAAAAf39/AAEAAABkAAAAAAAAABQAAABAHwAAAAAAACYAAAAAAAAAwOD//wAAAAAmAAAAZAAAABYAAABMAAAAAAAAAAAAAAAEAAAAAAAAAAEAAADn5uYKAAAAACgAAAAoAAAAZAAAAGQAAAAAAAAAzMzMAAAAAABQAAAAUAAAAGQAAABkAAAAAAAAABcAAAAUAAAAAAAAAAAAAAD/fwAA/38AAAAAAAAJAAAABAAAAAAAAAAeAAAAaAAAAAAAAAAAAAAAAAAAAAAAAAAAAAAAECcAABAnAAAAAAAAAAAAAAAAAAAAAAAAAAAAAAAAAAAAAAAAAAAAABQAAAAAAAAAwMD/AAAAAABkAAAAMgAAAAAAAABkAAAAAAAAAH9/fwAKAAAAIgAAABgAAAAAAAAAAAAAAAAAAAAAAAAAAAAAAAAAAAAkAAAAJAAAAAAAAAAHAAAAAAAAAAAAAAAAAAAAAAAAAAAAAAAAAAAAf39/ACUAAABYAAAAAAAAAAAAAAAAAAAAAAAAAAAAAAAAAAAAAAAAAAAAAAAAAAAAAAAAAAAAAAA/AAAAAAAAAKCGAQAAAAAAAAAAAAAAAAAMAAAAAQAAAAAAAAAAAAAAAAAAAB8AAABUAAAAAAAABQAAAAEAAAAAAAAAAAAAAAAAAAAAAAAAAAAAAAAAAAAAAAAAAAAAAAJ/f38AAAAAA8zMzADAwP8Af39/AAAAAAAAAAAAAAAAAAAAAAAAAAAAIQAAABgAAAAUAAAAKAUAABonAAAIFgAAWSkAABAAAAAmAAAACAAAAAAAAAAAAAAA"/>
               </a:ext>
             </a:extLst>
           </p:cNvSpPr>
@@ -2132,7 +2132,7 @@
             <a:pPr>
               <a:defRPr lang="de-de"/>
             </a:pPr>
-            <a:fld id="{2EDAE740-0EC3-8F11-8D62-F844A92C7BAD}" type="datetime1">
+            <a:fld id="{1CCF817D-33F1-9A77-BF77-C522CF394990}" type="datetime1">
               <a:t>07.07.2023</a:t>
             </a:fld>
           </a:p>
@@ -2145,7 +2145,7 @@
             <a:spLocks noGrp="1" noChangeArrowheads="1"/>
             <a:extLst>
               <a:ext uri="smNativeData">
-                <pr:smNativeData xmlns:pr="smNativeData" xmlns="smNativeData" val="SMDATA_15_u1g6ZxMAAAAlAAAAZAAAAA0AAAAAkAAAAEgAAACQAAAASAAAAAAAAAABAAAAAAAAAAEAAABQAAAAAAAAAAAA4D8AAAAAAADgPwAAAAAAAOA/AAAAAAAA4D8AAAAAAADgPwAAAAAAAOA/AAAAAAAA4D8AAAAAAADgPwAAAAAAAOA/AAAAAAAA4D8CAAAAjAAAAAAAAAAAAAAARHLEDP///wgAAAAAAAAAAAAAAAAAAAAAAAAAAAAAAAAAAAAAZAAAAAEAAABAAAAAAAAAAAAAAAAAAAAAAAAAAAAAAAAAAAAAAAAAAAAAAAAAAAAAAAAAAAAAAAAAAAAAAAAAAAAAAAAAAAAAAAAAAAAAAAAAAAAAAAAAAAAAAAAAAAAAFAAAADwAAAAAAAAAAAAAAAAAAAkUAAAAAQAAABQAAAAUAAAAFAAAAAEAAAAAAAAAZAAAAGQAAAAAAAAAZAAAAGQAAAAVAAAAYAAAAAAAAAAAAAAADwAAACADAAAAAAAAAAAAAAEAAACgMgAAVgcAAKr4//8BAAAAf39/AAEAAABkAAAAAAAAABQAAABAHwAAAAAAACYAAAAAAAAAwOD//wAAAAAmAAAAZAAAABYAAABMAAAAAAAAAAAAAAAEAAAAAAAAAAEAAADn5uYKAAAAACgAAAAoAAAAZAAAAGQAAAAAAAAAzMzMAAAAAABQAAAAUAAAAGQAAABkAAAAAAAAABcAAAAUAAAAAAAAAAAAAAD/fwAA/38AAAAAAAAJAAAABAAAAAAAAAAeAAAAaAAAAAAAAAAAAAAAAAAAAAAAAAAAAAAAECcAABAnAAAAAAAAAAAAAAAAAAAAAAAAAAAAAAAAAAAAAAAAAAAAABQAAAAAAAAAwMD/AAAAAABkAAAAMgAAAAAAAABkAAAAAAAAAH9/fwAKAAAAIgAAABgAAAAAAAAAAAAAAAAAAAAAAAAAAAAAAAAAAAAkAAAAJAAAAAAAAAAHAAAAAAAAAAAAAAAAAAAAAAAAAAAAAAAAAAAAf39/ACUAAABYAAAAAAAAAAAAAAAAAAAAAAAAAAAAAAAAAAAAAAAAAAAAAAAAAAAAAAAAAAAAAAA/AAAAAAAAAKCGAQAAAAAAAAAAAAAAAAAMAAAAAQAAAAAAAAAAAAAAAAAAAB8AAABUAAAAAAAABQAAAAEAAAAAAAAAAAAAAAAAAAAAAAAAAAAAAAAAAAAAAAAAAAAAAAJ/f38AAAAAA8zMzADAwP8Af39/AAAAAAAAAAAAAAAAAAAAAAAAAAAAIQAAABgAAAAUAAAA2BgAABonAAAoMgAAWSkAABAAAAAmAAAACAAAAAAAAAAAAAAA"/>
+                <pr:smNativeData xmlns:pr="smNativeData" xmlns="smNativeData" val="SMDATA_15_/1o6ZxMAAAAlAAAAZAAAAA0AAAAAkAAAAEgAAACQAAAASAAAAAAAAAABAAAAAAAAAAEAAABQAAAAAAAAAAAA4D8AAAAAAADgPwAAAAAAAOA/AAAAAAAA4D8AAAAAAADgPwAAAAAAAOA/AAAAAAAA4D8AAAAAAADgPwAAAAAAAOA/AAAAAAAA4D8CAAAAjAAAAAAAAAAAAAAARHLEDP///wgAAAAAAAAAAAAAAAAAAAAAAAAAAAAAAAAAAAAAZAAAAAEAAABAAAAAAAAAAAAAAAAAAAAAAAAAAAAAAAAAAAAAAAAAAAAAAAAAAAAAAAAAAAAAAAAAAAAAAAAAAAAAAAAAAAAAAAAAAAAAAAAAAAAAAAAAAAAAAAAAAAAAFAAAADwAAAAAAAAAAAAAAAAAAAkUAAAAAQAAABQAAAAUAAAAFAAAAAEAAAAAAAAAZAAAAGQAAAAAAAAAZAAAAGQAAAAVAAAAYAAAAAAAAAAAAAAADwAAACADAAAAAAAAAAAAAAEAAACgMgAAVgcAAKr4//8BAAAAf39/AAEAAABkAAAAAAAAABQAAABAHwAAAAAAACYAAAAAAAAAwOD//wAAAAAmAAAAZAAAABYAAABMAAAAAAAAAAAAAAAEAAAAAAAAAAEAAADn5uYKAAAAACgAAAAoAAAAZAAAAGQAAAAAAAAAzMzMAAAAAABQAAAAUAAAAGQAAABkAAAAAAAAABcAAAAUAAAAAAAAAAAAAAD/fwAA/38AAAAAAAAJAAAABAAAAAAAAAAeAAAAaAAAAAAAAAAAAAAAAAAAAAAAAAAAAAAAECcAABAnAAAAAAAAAAAAAAAAAAAAAAAAAAAAAAAAAAAAAAAAAAAAABQAAAAAAAAAwMD/AAAAAABkAAAAMgAAAAAAAABkAAAAAAAAAH9/fwAKAAAAIgAAABgAAAAAAAAAAAAAAAAAAAAAAAAAAAAAAAAAAAAkAAAAJAAAAAAAAAAHAAAAAAAAAAAAAAAAAAAAAAAAAAAAAAAAAAAAf39/ACUAAABYAAAAAAAAAAAAAAAAAAAAAAAAAAAAAAAAAAAAAAAAAAAAAAAAAAAAAAAAAAAAAAA/AAAAAAAAAKCGAQAAAAAAAAAAAAAAAAAMAAAAAQAAAAAAAAAAAAAAAAAAAB8AAABUAAAAAAAABQAAAAEAAAAAAAAAAAAAAAAAAAAAAAAAAAAAAAAAAAAAAAAAAAAAAAJ/f38AAAAAA8zMzADAwP8Af39/AAAAAAAAAAAAAAAAAAAAAAAAAAAAIQAAABgAAAAUAAAA2BgAABonAAAoMgAAWSkAABAAAAAmAAAACAAAAAAAAAAAAAAA"/>
               </a:ext>
             </a:extLst>
           </p:cNvSpPr>
@@ -2171,7 +2171,7 @@
             <a:spLocks noGrp="1" noChangeArrowheads="1"/>
             <a:extLst>
               <a:ext uri="smNativeData">
-                <pr:smNativeData xmlns:pr="smNativeData" xmlns="smNativeData" val="SMDATA_15_u1g6ZxMAAAAlAAAAZAAAAA0AAAAAkAAAAEgAAACQAAAASAAAAAAAAAABAAAAAAAAAAEAAABQAAAAAAAAAAAA4D8AAAAAAADgPwAAAAAAAOA/AAAAAAAA4D8AAAAAAADgPwAAAAAAAOA/AAAAAAAA4D8AAAAAAADgPwAAAAAAAOA/AAAAAAAA4D8CAAAAjAAAAAAAAAAAAAAARHLEDP///wgAAAAAAAAAAAAAAAAAAAAAAAAAAAAAAAAAAAAAZAAAAAEAAABAAAAAAAAAAAAAAAAAAAAAAAAAAAAAAAAAAAAAAAAAAAAAAAAAAAAAAAAAAAAAAAAAAAAAAAAAAAAAAAAAAAAAAAAAAAAAAAAAAAAAAAAAAAAAAAAAAAAAFAAAADwAAAAAAAAAAAAAAAAAAAkUAAAAAQAAABQAAAAUAAAAFAAAAAEAAAAAAAAAZAAAAGQAAAAAAAAAZAAAAGQAAAAVAAAAYAAAAAAAAAAAAAAADwAAACADAAAAAAAAAAAAAAEAAACgMgAAVgcAAKr4//8BAAAAf39/AAEAAABkAAAAAAAAABQAAABAHwAAAAAAACYAAAAAAAAAwOD//wAAAAAmAAAAZAAAABYAAABMAAAAAAAAAAAAAAAEAAAAAAAAAAEAAADn5uYKAAAAACgAAAAoAAAAZAAAAGQAAAAAAAAAzMzMAAAAAABQAAAAUAAAAGQAAABkAAAAAAAAABcAAAAUAAAAAAAAAAAAAAD/fwAA/38AAAAAAAAJAAAABAAAAAAAAAAeAAAAaAAAAAAAAAAAAAAAAAAAAAAAAAAAAAAAECcAABAnAAAAAAAAAAAAAAAAAAAAAAAAAAAAAAAAAAAAAAAAAAAAABQAAAAAAAAAwMD/AAAAAABkAAAAMgAAAAAAAABkAAAAAAAAAH9/fwAKAAAAIgAAABgAAAAAAAAAAAAAAAAAAAAAAAAAAAAAAAAAAAAkAAAAJAAAAAAAAAAHAAAAAAAAAAAAAAAAAAAAAAAAAAAAAAAAAAAAf39/ACUAAABYAAAAAAAAAAAAAAAAAAAAAAAAAAAAAAAAAAAAAAAAAAAAAAAAAAAAAAAAAAAAAAA/AAAAAAAAAKCGAQAAAAAAAAAAAAAAAAAMAAAAAQAAAAAAAAAAAAAAAAAAAB8AAABUAAAAAAAABQAAAAEAAAAAAAAAAAAAAAAAAAAAAAAAAAAAAAAAAAAAAAAAAAAAAAJ/f38AAAAAA8zMzADAwP8Af39/AAAAAAAAAAAAAAAAAAAAAAAAAAAAIQAAABgAAAAUAAAA+DQAABonAADYRQAAWSkAABAAAAAmAAAACAAAAAAAAAAAAAAA"/>
+                <pr:smNativeData xmlns:pr="smNativeData" xmlns="smNativeData" val="SMDATA_15_/1o6ZxMAAAAlAAAAZAAAAA0AAAAAkAAAAEgAAACQAAAASAAAAAAAAAABAAAAAAAAAAEAAABQAAAAAAAAAAAA4D8AAAAAAADgPwAAAAAAAOA/AAAAAAAA4D8AAAAAAADgPwAAAAAAAOA/AAAAAAAA4D8AAAAAAADgPwAAAAAAAOA/AAAAAAAA4D8CAAAAjAAAAAAAAAAAAAAARHLEDP///wgAAAAAAAAAAAAAAAAAAAAAAAAAAAAAAAAAAAAAZAAAAAEAAABAAAAAAAAAAAAAAAAAAAAAAAAAAAAAAAAAAAAAAAAAAAAAAAAAAAAAAAAAAAAAAAAAAAAAAAAAAAAAAAAAAAAAAAAAAAAAAAAAAAAAAAAAAAAAAAAAAAAAFAAAADwAAAAAAAAAAAAAAAAAAAkUAAAAAQAAABQAAAAUAAAAFAAAAAEAAAAAAAAAZAAAAGQAAAAAAAAAZAAAAGQAAAAVAAAAYAAAAAAAAAAAAAAADwAAACADAAAAAAAAAAAAAAEAAACgMgAAVgcAAKr4//8BAAAAf39/AAEAAABkAAAAAAAAABQAAABAHwAAAAAAACYAAAAAAAAAwOD//wAAAAAmAAAAZAAAABYAAABMAAAAAAAAAAAAAAAEAAAAAAAAAAEAAADn5uYKAAAAACgAAAAoAAAAZAAAAGQAAAAAAAAAzMzMAAAAAABQAAAAUAAAAGQAAABkAAAAAAAAABcAAAAUAAAAAAAAAAAAAAD/fwAA/38AAAAAAAAJAAAABAAAAAAAAAAeAAAAaAAAAAAAAAAAAAAAAAAAAAAAAAAAAAAAECcAABAnAAAAAAAAAAAAAAAAAAAAAAAAAAAAAAAAAAAAAAAAAAAAABQAAAAAAAAAwMD/AAAAAABkAAAAMgAAAAAAAABkAAAAAAAAAH9/fwAKAAAAIgAAABgAAAAAAAAAAAAAAAAAAAAAAAAAAAAAAAAAAAAkAAAAJAAAAAAAAAAHAAAAAAAAAAAAAAAAAAAAAAAAAAAAAAAAAAAAf39/ACUAAABYAAAAAAAAAAAAAAAAAAAAAAAAAAAAAAAAAAAAAAAAAAAAAAAAAAAAAAAAAAAAAAA/AAAAAAAAAKCGAQAAAAAAAAAAAAAAAAAMAAAAAQAAAAAAAAAAAAAAAAAAAB8AAABUAAAAAAAABQAAAAEAAAAAAAAAAAAAAAAAAAAAAAAAAAAAAAAAAAAAAAAAAAAAAAJ/f38AAAAAA8zMzADAwP8Af39/AAAAAAAAAAAAAAAAAAAAAAAAAAAAIQAAABgAAAAUAAAA+DQAABonAADYRQAAWSkAABAAAAAmAAAACAAAAAAAAAAAAAAA"/>
               </a:ext>
             </a:extLst>
           </p:cNvSpPr>
@@ -2187,7 +2187,7 @@
             <a:pPr>
               <a:defRPr lang="de-de"/>
             </a:pPr>
-            <a:fld id="{2EDADC8F-C1C3-8F2A-8D62-377F922C7B62}" type="slidenum">
+            <a:fld id="{1CCFFDBA-F4F1-9A0B-BF77-025EB3394957}" type="slidenum">
               <a:t>‹Nr.›</a:t>
             </a:fld>
           </a:p>
@@ -2226,7 +2226,7 @@
             <a:spLocks noGrp="1" noChangeArrowheads="1"/>
             <a:extLst>
               <a:ext uri="smNativeData">
-                <pr:smNativeData xmlns:pr="smNativeData" xmlns="smNativeData" val="SMDATA_15_u1g6ZxMAAAAlAAAAZAAAAA0AAAAAkAAAAEgAAACQAAAASAAAAAAAAAABAAAAAAAAAAEAAABQAAAAAAAAAAAA4D8AAAAAAADgPwAAAAAAAOA/AAAAAAAA4D8AAAAAAADgPwAAAAAAAOA/AAAAAAAA4D8AAAAAAADgPwAAAAAAAOA/AAAAAAAA4D8CAAAAjAAAAAAAAAAAAAAARHLEDP///wgAAAAAAAAAAAAAAAAAAAAAAAAAAAAAAAAAAAAAZAAAAAEAAABAAAAAAAAAAAAAAAAAAAAAAAAAAAAAAAAAAAAAAAAAAAAAAAAAAAAAAAAAAAAAAAAAAAAAAAAAAAAAAAAAAAAAAAAAAAAAAAAAAAAAAAAAAAAAAAAAAAAAFAAAADwAAAAAAAAAAAAAAAAAAAkUAAAAAQAAABQAAAAUAAAAFAAAAAEAAAAAAAAAZAAAAGQAAAAAAAAAZAAAAGQAAAAVAAAAYAAAAAAAAAAAAAAADwAAACADAAAAAAAAAAAAAAEAAACgMgAAVgcAAKr4//8BAAAAf39/AAEAAABkAAAAAAAAABQAAABAHwAAAAAAACYAAAAAAAAAwOD//wAAAAAmAAAAZAAAABYAAABMAAAAAAAAAAAAAAAEAAAAAAAAAAEAAADn5uYKAAAAACgAAAAoAAAAZAAAAGQAAAAAAAAAzMzMAAAAAABQAAAAUAAAAGQAAABkAAAAAAAAABcAAAAUAAAAAAAAAAAAAAD/fwAA/38AAAAAAAAJAAAABAAAAAAAAAAeAAAAaAAAAAAAAAAAAAAAAAAAAAAAAAAAAAAAECcAABAnAAAAAAAAAAAAAAAAAAAAAAAAAAAAAAAAAAAAAAAAAAAAABQAAAAAAAAAwMD/AAAAAABkAAAAMgAAAAAAAABkAAAAAAAAAH9/fwAKAAAAIgAAABgAAAAAAAAAAAAAAAAAAAAAAAAAAAAAAAAAAAAkAAAAJAAAAAAAAAAHAAAAAAAAAAAAAAAAAAAAAAAAAAAAAAAAAAAAf39/ACUAAABYAAAAAAAAAAAAAAAAAAAAAAAAAAAAAAAAAAAAAAAAAAAAAAAAAAAAAAAAAAAAAAA/AAAAAAAAAKCGAQAAAAAAAAAAAAAAAAAMAAAAAQAAAAAAAAAAAAAAAAAAAB8AAABUAAAAAAAABQAAAAEAAAAAAAAAAAAAAAAAAAAAAAAAAAAAAAAAAAAAAAAAAAAAAAJ/f38AAAAAA8zMzADAwP8Af39/AAAAAAAAAAAAAAAAAAAAAAAAAAAAIQAAABgAAAAUAAAAKAUAABonAAAIFgAAWSkAABAAAAAmAAAACAAAAAAAAAAAAAAA"/>
+                <pr:smNativeData xmlns:pr="smNativeData" xmlns="smNativeData" val="SMDATA_15_/1o6ZxMAAAAlAAAAZAAAAA0AAAAAkAAAAEgAAACQAAAASAAAAAAAAAABAAAAAAAAAAEAAABQAAAAAAAAAAAA4D8AAAAAAADgPwAAAAAAAOA/AAAAAAAA4D8AAAAAAADgPwAAAAAAAOA/AAAAAAAA4D8AAAAAAADgPwAAAAAAAOA/AAAAAAAA4D8CAAAAjAAAAAAAAAAAAAAARHLEDP///wgAAAAAAAAAAAAAAAAAAAAAAAAAAAAAAAAAAAAAZAAAAAEAAABAAAAAAAAAAAAAAAAAAAAAAAAAAAAAAAAAAAAAAAAAAAAAAAAAAAAAAAAAAAAAAAAAAAAAAAAAAAAAAAAAAAAAAAAAAAAAAAAAAAAAAAAAAAAAAAAAAAAAFAAAADwAAAAAAAAAAAAAAAAAAAkUAAAAAQAAABQAAAAUAAAAFAAAAAEAAAAAAAAAZAAAAGQAAAAAAAAAZAAAAGQAAAAVAAAAYAAAAAAAAAAAAAAADwAAACADAAAAAAAAAAAAAAEAAACgMgAAVgcAAKr4//8BAAAAf39/AAEAAABkAAAAAAAAABQAAABAHwAAAAAAACYAAAAAAAAAwOD//wAAAAAmAAAAZAAAABYAAABMAAAAAAAAAAAAAAAEAAAAAAAAAAEAAADn5uYKAAAAACgAAAAoAAAAZAAAAGQAAAAAAAAAzMzMAAAAAABQAAAAUAAAAGQAAABkAAAAAAAAABcAAAAUAAAAAAAAAAAAAAD/fwAA/38AAAAAAAAJAAAABAAAAAAAAAAeAAAAaAAAAAAAAAAAAAAAAAAAAAAAAAAAAAAAECcAABAnAAAAAAAAAAAAAAAAAAAAAAAAAAAAAAAAAAAAAAAAAAAAABQAAAAAAAAAwMD/AAAAAABkAAAAMgAAAAAAAABkAAAAAAAAAH9/fwAKAAAAIgAAABgAAAAAAAAAAAAAAAAAAAAAAAAAAAAAAAAAAAAkAAAAJAAAAAAAAAAHAAAAAAAAAAAAAAAAAAAAAAAAAAAAAAAAAAAAf39/ACUAAABYAAAAAAAAAAAAAAAAAAAAAAAAAAAAAAAAAAAAAAAAAAAAAAAAAAAAAAAAAAAAAAA/AAAAAAAAAKCGAQAAAAAAAAAAAAAAAAAMAAAAAQAAAAAAAAAAAAAAAAAAAB8AAABUAAAAAAAABQAAAAEAAAAAAAAAAAAAAAAAAAAAAAAAAAAAAAAAAAAAAAAAAAAAAAJ/f38AAAAAA8zMzADAwP8Af39/AAAAAAAAAAAAAAAAAAAAAAAAAAAAIQAAABgAAAAUAAAAKAUAABonAAAIFgAAWSkAABAAAAAmAAAACAAAAAAAAAAAAAAA"/>
               </a:ext>
             </a:extLst>
           </p:cNvSpPr>
@@ -2242,7 +2242,7 @@
             <a:pPr>
               <a:defRPr lang="de-de"/>
             </a:pPr>
-            <a:fld id="{2EDAE4B8-F6C3-8F12-8D62-0047AA2C7B55}" type="datetime1">
+            <a:fld id="{1CCFDDB6-F8F1-9A2B-BF77-0E7E9339495B}" type="datetime1">
               <a:t>07.07.2023</a:t>
             </a:fld>
           </a:p>
@@ -2255,7 +2255,7 @@
             <a:spLocks noGrp="1" noChangeArrowheads="1"/>
             <a:extLst>
               <a:ext uri="smNativeData">
-                <pr:smNativeData xmlns:pr="smNativeData" xmlns="smNativeData" val="SMDATA_15_u1g6ZxMAAAAlAAAAZAAAAA0AAAAAkAAAAEgAAACQAAAASAAAAAAAAAABAAAAAAAAAAEAAABQAAAAAAAAAAAA4D8AAAAAAADgPwAAAAAAAOA/AAAAAAAA4D8AAAAAAADgPwAAAAAAAOA/AAAAAAAA4D8AAAAAAADgPwAAAAAAAOA/AAAAAAAA4D8CAAAAjAAAAAAAAAAAAAAARHLEDP///wgAAAAAAAAAAAAAAAAAAAAAAAAAAAAAAAAAAAAAZAAAAAEAAABAAAAAAAAAAAAAAAAAAAAAAAAAAAAAAAAAAAAAAAAAAAAAAAAAAAAAAAAAAAAAAAAAAAAAAAAAAAAAAAAAAAAAAAAAAAAAAAAAAAAAAAAAAAAAAAAAAAAAFAAAADwAAAAAAAAAAAAAAAAAAAkUAAAAAQAAABQAAAAUAAAAFAAAAAEAAAAAAAAAZAAAAGQAAAAAAAAAZAAAAGQAAAAVAAAAYAAAAAAAAAAAAAAADwAAACADAAAAAAAAAAAAAAEAAACgMgAAVgcAAKr4//8BAAAAf39/AAEAAABkAAAAAAAAABQAAABAHwAAAAAAACYAAAAAAAAAwOD//wAAAAAmAAAAZAAAABYAAABMAAAAAAAAAAAAAAAEAAAAAAAAAAEAAADn5uYKAAAAACgAAAAoAAAAZAAAAGQAAAAAAAAAzMzMAAAAAABQAAAAUAAAAGQAAABkAAAAAAAAABcAAAAUAAAAAAAAAAAAAAD/fwAA/38AAAAAAAAJAAAABAAAAAAAAAAeAAAAaAAAAAAAAAAAAAAAAAAAAAAAAAAAAAAAECcAABAnAAAAAAAAAAAAAAAAAAAAAAAAAAAAAAAAAAAAAAAAAAAAABQAAAAAAAAAwMD/AAAAAABkAAAAMgAAAAAAAABkAAAAAAAAAH9/fwAKAAAAIgAAABgAAAAAAAAAAAAAAAAAAAAAAAAAAAAAAAAAAAAkAAAAJAAAAAAAAAAHAAAAAAAAAAAAAAAAAAAAAAAAAAAAAAAAAAAAf39/ACUAAABYAAAAAAAAAAAAAAAAAAAAAAAAAAAAAAAAAAAAAAAAAAAAAAAAAAAAAAAAAAAAAAA/AAAAAAAAAKCGAQAAAAAAAAAAAAAAAAAMAAAAAQAAAAAAAAAAAAAAAAAAAB8AAABUAAAAAAAABQAAAAEAAAAAAAAAAAAAAAAAAAAAAAAAAAAAAAAAAAAAAAAAAAAAAAJ/f38AAAAAA8zMzADAwP8Af39/AAAAAAAAAAAAAAAAAAAAAAAAAAAAIQAAABgAAAAUAAAA2BgAABonAAAoMgAAWSkAABAAAAAmAAAACAAAAAAAAAAAAAAA"/>
+                <pr:smNativeData xmlns:pr="smNativeData" xmlns="smNativeData" val="SMDATA_15_/1o6ZxMAAAAlAAAAZAAAAA0AAAAAkAAAAEgAAACQAAAASAAAAAAAAAABAAAAAAAAAAEAAABQAAAAAAAAAAAA4D8AAAAAAADgPwAAAAAAAOA/AAAAAAAA4D8AAAAAAADgPwAAAAAAAOA/AAAAAAAA4D8AAAAAAADgPwAAAAAAAOA/AAAAAAAA4D8CAAAAjAAAAAAAAAAAAAAARHLEDP///wgAAAAAAAAAAAAAAAAAAAAAAAAAAAAAAAAAAAAAZAAAAAEAAABAAAAAAAAAAAAAAAAAAAAAAAAAAAAAAAAAAAAAAAAAAAAAAAAAAAAAAAAAAAAAAAAAAAAAAAAAAAAAAAAAAAAAAAAAAAAAAAAAAAAAAAAAAAAAAAAAAAAAFAAAADwAAAAAAAAAAAAAAAAAAAkUAAAAAQAAABQAAAAUAAAAFAAAAAEAAAAAAAAAZAAAAGQAAAAAAAAAZAAAAGQAAAAVAAAAYAAAAAAAAAAAAAAADwAAACADAAAAAAAAAAAAAAEAAACgMgAAVgcAAKr4//8BAAAAf39/AAEAAABkAAAAAAAAABQAAABAHwAAAAAAACYAAAAAAAAAwOD//wAAAAAmAAAAZAAAABYAAABMAAAAAAAAAAAAAAAEAAAAAAAAAAEAAADn5uYKAAAAACgAAAAoAAAAZAAAAGQAAAAAAAAAzMzMAAAAAABQAAAAUAAAAGQAAABkAAAAAAAAABcAAAAUAAAAAAAAAAAAAAD/fwAA/38AAAAAAAAJAAAABAAAAAAAAAAeAAAAaAAAAAAAAAAAAAAAAAAAAAAAAAAAAAAAECcAABAnAAAAAAAAAAAAAAAAAAAAAAAAAAAAAAAAAAAAAAAAAAAAABQAAAAAAAAAwMD/AAAAAABkAAAAMgAAAAAAAABkAAAAAAAAAH9/fwAKAAAAIgAAABgAAAAAAAAAAAAAAAAAAAAAAAAAAAAAAAAAAAAkAAAAJAAAAAAAAAAHAAAAAAAAAAAAAAAAAAAAAAAAAAAAAAAAAAAAf39/ACUAAABYAAAAAAAAAAAAAAAAAAAAAAAAAAAAAAAAAAAAAAAAAAAAAAAAAAAAAAAAAAAAAAA/AAAAAAAAAKCGAQAAAAAAAAAAAAAAAAAMAAAAAQAAAAAAAAAAAAAAAAAAAB8AAABUAAAAAAAABQAAAAEAAAAAAAAAAAAAAAAAAAAAAAAAAAAAAAAAAAAAAAAAAAAAAAJ/f38AAAAAA8zMzADAwP8Af39/AAAAAAAAAAAAAAAAAAAAAAAAAAAAIQAAABgAAAAUAAAA2BgAABonAAAoMgAAWSkAABAAAAAmAAAACAAAAAAAAAAAAAAA"/>
               </a:ext>
             </a:extLst>
           </p:cNvSpPr>
@@ -2281,7 +2281,7 @@
             <a:spLocks noGrp="1" noChangeArrowheads="1"/>
             <a:extLst>
               <a:ext uri="smNativeData">
-                <pr:smNativeData xmlns:pr="smNativeData" xmlns="smNativeData" val="SMDATA_15_u1g6ZxMAAAAlAAAAZAAAAA0AAAAAkAAAAEgAAACQAAAASAAAAAAAAAABAAAAAAAAAAEAAABQAAAAAAAAAAAA4D8AAAAAAADgPwAAAAAAAOA/AAAAAAAA4D8AAAAAAADgPwAAAAAAAOA/AAAAAAAA4D8AAAAAAADgPwAAAAAAAOA/AAAAAAAA4D8CAAAAjAAAAAAAAAAAAAAARHLEDP///wgAAAAAAAAAAAAAAAAAAAAAAAAAAAAAAAAAAAAAZAAAAAEAAABAAAAAAAAAAAAAAAAAAAAAAAAAAAAAAAAAAAAAAAAAAAAAAAAAAAAAAAAAAAAAAAAAAAAAAAAAAAAAAAAAAAAAAAAAAAAAAAAAAAAAAAAAAAAAAAAAAAAAFAAAADwAAAAAAAAAAAAAAAAAAAkUAAAAAQAAABQAAAAUAAAAFAAAAAEAAAAAAAAAZAAAAGQAAAAAAAAAZAAAAGQAAAAVAAAAYAAAAAAAAAAAAAAADwAAACADAAAAAAAAAAAAAAEAAACgMgAAVgcAAKr4//8BAAAAf39/AAEAAABkAAAAAAAAABQAAABAHwAAAAAAACYAAAAAAAAAwOD//wAAAAAmAAAAZAAAABYAAABMAAAAAAAAAAAAAAAEAAAAAAAAAAEAAADn5uYKAAAAACgAAAAoAAAAZAAAAGQAAAAAAAAAzMzMAAAAAABQAAAAUAAAAGQAAABkAAAAAAAAABcAAAAUAAAAAAAAAAAAAAD/fwAA/38AAAAAAAAJAAAABAAAAAAAAAAeAAAAaAAAAAAAAAAAAAAAAAAAAAAAAAAAAAAAECcAABAnAAAAAAAAAAAAAAAAAAAAAAAAAAAAAAAAAAAAAAAAAAAAABQAAAAAAAAAwMD/AAAAAABkAAAAMgAAAAAAAABkAAAAAAAAAH9/fwAKAAAAIgAAABgAAAAAAAAAAAAAAAAAAAAAAAAAAAAAAAAAAAAkAAAAJAAAAAAAAAAHAAAAAAAAAAAAAAAAAAAAAAAAAAAAAAAAAAAAf39/ACUAAABYAAAAAAAAAAAAAAAAAAAAAAAAAAAAAAAAAAAAAAAAAAAAAAAAAAAAAAAAAAAAAAA/AAAAAAAAAKCGAQAAAAAAAAAAAAAAAAAMAAAAAQAAAAAAAAAAAAAAAAAAAB8AAABUAAAAAAAABQAAAAEAAAAAAAAAAAAAAAAAAAAAAAAAAAAAAAAAAAAAAAAAAAAAAAJ/f38AAAAAA8zMzADAwP8Af39/AAAAAAAAAAAAAAAAAAAAAAAAAAAAIQAAABgAAAAUAAAA+DQAABonAADYRQAAWSkAABAAAAAmAAAACAAAAAAAAAAAAAAA"/>
+                <pr:smNativeData xmlns:pr="smNativeData" xmlns="smNativeData" val="SMDATA_15_/1o6ZxMAAAAlAAAAZAAAAA0AAAAAkAAAAEgAAACQAAAASAAAAAAAAAABAAAAAAAAAAEAAABQAAAAAAAAAAAA4D8AAAAAAADgPwAAAAAAAOA/AAAAAAAA4D8AAAAAAADgPwAAAAAAAOA/AAAAAAAA4D8AAAAAAADgPwAAAAAAAOA/AAAAAAAA4D8CAAAAjAAAAAAAAAAAAAAARHLEDP///wgAAAAAAAAAAAAAAAAAAAAAAAAAAAAAAAAAAAAAZAAAAAEAAABAAAAAAAAAAAAAAAAAAAAAAAAAAAAAAAAAAAAAAAAAAAAAAAAAAAAAAAAAAAAAAAAAAAAAAAAAAAAAAAAAAAAAAAAAAAAAAAAAAAAAAAAAAAAAAAAAAAAAFAAAADwAAAAAAAAAAAAAAAAAAAkUAAAAAQAAABQAAAAUAAAAFAAAAAEAAAAAAAAAZAAAAGQAAAAAAAAAZAAAAGQAAAAVAAAAYAAAAAAAAAAAAAAADwAAACADAAAAAAAAAAAAAAEAAACgMgAAVgcAAKr4//8BAAAAf39/AAEAAABkAAAAAAAAABQAAABAHwAAAAAAACYAAAAAAAAAwOD//wAAAAAmAAAAZAAAABYAAABMAAAAAAAAAAAAAAAEAAAAAAAAAAEAAADn5uYKAAAAACgAAAAoAAAAZAAAAGQAAAAAAAAAzMzMAAAAAABQAAAAUAAAAGQAAABkAAAAAAAAABcAAAAUAAAAAAAAAAAAAAD/fwAA/38AAAAAAAAJAAAABAAAAAAAAAAeAAAAaAAAAAAAAAAAAAAAAAAAAAAAAAAAAAAAECcAABAnAAAAAAAAAAAAAAAAAAAAAAAAAAAAAAAAAAAAAAAAAAAAABQAAAAAAAAAwMD/AAAAAABkAAAAMgAAAAAAAABkAAAAAAAAAH9/fwAKAAAAIgAAABgAAAAAAAAAAAAAAAAAAAAAAAAAAAAAAAAAAAAkAAAAJAAAAAAAAAAHAAAAAAAAAAAAAAAAAAAAAAAAAAAAAAAAAAAAf39/ACUAAABYAAAAAAAAAAAAAAAAAAAAAAAAAAAAAAAAAAAAAAAAAAAAAAAAAAAAAAAAAAAAAAA/AAAAAAAAAKCGAQAAAAAAAAAAAAAAAAAMAAAAAQAAAAAAAAAAAAAAAAAAAB8AAABUAAAAAAAABQAAAAEAAAAAAAAAAAAAAAAAAAAAAAAAAAAAAAAAAAAAAAAAAAAAAAJ/f38AAAAAA8zMzADAwP8Af39/AAAAAAAAAAAAAAAAAAAAAAAAAAAAIQAAABgAAAAUAAAA+DQAABonAADYRQAAWSkAABAAAAAmAAAACAAAAAAAAAAAAAAA"/>
               </a:ext>
             </a:extLst>
           </p:cNvSpPr>
@@ -2297,7 +2297,7 @@
             <a:pPr>
               <a:defRPr lang="de-de"/>
             </a:pPr>
-            <a:fld id="{2EDADFB4-FAC3-8F29-8D62-0C7C912C7B59}" type="slidenum">
+            <a:fld id="{1CCFDC1B-55F1-9A2A-BF77-A37F923949F6}" type="slidenum">
               <a:t>‹Nr.›</a:t>
             </a:fld>
           </a:p>
@@ -2336,7 +2336,7 @@
             <a:spLocks noGrp="1" noChangeArrowheads="1"/>
             <a:extLst>
               <a:ext uri="smNativeData">
-                <pr:smNativeData xmlns:pr="smNativeData" xmlns="smNativeData" val="SMDATA_15_u1g6ZxMAAAAlAAAAZAAAAA0AAAAAkAAAAEgAAACQAAAASAAAAAAAAAACAAAAAAAAAAEAAABQAAAAAAAAAAAA4D8AAAAAAADgPwAAAAAAAOA/AAAAAAAA4D8AAAAAAADgPwAAAAAAAOA/AAAAAAAA4D8AAAAAAADgPwAAAAAAAOA/AAAAAAAA4D8CAAAAjAAAAAAAAAAAAAAARHLEDP///wgAAAAAAAAAAAAAAAAAAAAAAAAAAAAAAAAAAAAAZAAAAAEAAABAAAAAAAAAAAAAAAAAAAAAAAAAAAAAAAAAAAAAAAAAAAAAAAAAAAAAAAAAAAAAAAAAAAAAAAAAAAAAAAAAAAAAAAAAAAAAAAAAAAAAAAAAAAAAAAAAAAAAFAAAADwAAAAAAAAAAAAAAAAAAAkUAAAAAQAAABQAAAAUAAAAFAAAAAEAAAAAAAAAZAAAAGQAAAAAAAAAZAAAAGQAAAAVAAAAYAAAAAAAAAAAAAAADwAAACADAAAAAAAAAAAAAAEAAACgMgAAVgcAAKr4//8BAAAAf39/AAEAAABkAAAAAAAAABQAAABAHwAAAAAAACYAAAAAAAAAwOD//wAAAAAmAAAAZAAAABYAAABMAAAAAAAAAAAAAAAEAAAAAAAAAAEAAADn5uYKAAAAACgAAAAoAAAAZAAAAGQAAAAAAAAAzMzMAAAAAABQAAAAUAAAAGQAAABkAAAAAAAAABcAAAAUAAAAAAAAAAAAAAD/fwAA/38AAAAAAAAJAAAABAAAAAAAAAAeAAAAaAAAAAAAAAAAAAAAAAAAAAAAAAAAAAAAECcAABAnAAAAAAAAAAAAAAAAAAAAAAAAAAAAAAAAAAAAAAAAAAAAABQAAAAAAAAAwMD/AAAAAABkAAAAMgAAAAAAAABkAAAAAAAAAH9/fwAKAAAAIgAAABgAAAAAAAAAAAAAAAAAAAAAAAAAAAAAAAAAAAAkAAAAJAAAAAAAAAAHAAAAAAAAAAAAAAAAAAAAAAAAAAAAAAAAAAAAf39/ACUAAABYAAAAAAAAAAAAAAAAAAAAAAAAAAAAAAAAAAAAAAAAAAAAAAAAAAAAAAAAAAAAAAA/AAAAAAAAAKCGAQAAAAAAAAAAAAAAAAAMAAAAAQAAAAAAAAAAAAAAAAAAAB8AAABUAAAAAAAABQAAAAEAAAAAAAAAAAAAAAAAAAAAAAAAAAAAAAAAAAAAAAAAAAAAAAJ/f38AAAAAA8zMzADAwP8Af39/AAAAAAAAAAAAAAAAAAAAAAAAAAAAIQAAABgAAAAUAAAAKwUAANACAABbHQAAqAwAABAAAAAmAAAACAAAAIGAAAAAAAAA"/>
+                <pr:smNativeData xmlns:pr="smNativeData" xmlns="smNativeData" val="SMDATA_15_/1o6ZxMAAAAlAAAAZAAAAA0AAAAAkAAAAEgAAACQAAAASAAAAAAAAAACAAAAAAAAAAEAAABQAAAAAAAAAAAA4D8AAAAAAADgPwAAAAAAAOA/AAAAAAAA4D8AAAAAAADgPwAAAAAAAOA/AAAAAAAA4D8AAAAAAADgPwAAAAAAAOA/AAAAAAAA4D8CAAAAjAAAAAAAAAAAAAAARHLEDP///wgAAAAAAAAAAAAAAAAAAAAAAAAAAAAAAAAAAAAAZAAAAAEAAABAAAAAAAAAAAAAAAAAAAAAAAAAAAAAAAAAAAAAAAAAAAAAAAAAAAAAAAAAAAAAAAAAAAAAAAAAAAAAAAAAAAAAAAAAAAAAAAAAAAAAAAAAAAAAAAAAAAAAFAAAADwAAAAAAAAAAAAAAAAAAAkUAAAAAQAAABQAAAAUAAAAFAAAAAEAAAAAAAAAZAAAAGQAAAAAAAAAZAAAAGQAAAAVAAAAYAAAAAAAAAAAAAAADwAAACADAAAAAAAAAAAAAAEAAACgMgAAVgcAAKr4//8BAAAAf39/AAEAAABkAAAAAAAAABQAAABAHwAAAAAAACYAAAAAAAAAwOD//wAAAAAmAAAAZAAAABYAAABMAAAAAAAAAAAAAAAEAAAAAAAAAAEAAADn5uYKAAAAACgAAAAoAAAAZAAAAGQAAAAAAAAAzMzMAAAAAABQAAAAUAAAAGQAAABkAAAAAAAAABcAAAAUAAAAAAAAAAAAAAD/fwAA/38AAAAAAAAJAAAABAAAAAAAAAAeAAAAaAAAAAAAAAAAAAAAAAAAAAAAAAAAAAAAECcAABAnAAAAAAAAAAAAAAAAAAAAAAAAAAAAAAAAAAAAAAAAAAAAABQAAAAAAAAAwMD/AAAAAABkAAAAMgAAAAAAAABkAAAAAAAAAH9/fwAKAAAAIgAAABgAAAAAAAAAAAAAAAAAAAAAAAAAAAAAAAAAAAAkAAAAJAAAAAAAAAAHAAAAAAAAAAAAAAAAAAAAAAAAAAAAAAAAAAAAf39/ACUAAABYAAAAAAAAAAAAAAAAAAAAAAAAAAAAAAAAAAAAAAAAAAAAAAAAAAAAAAAAAAAAAAA/AAAAAAAAAKCGAQAAAAAAAAAAAAAAAAAMAAAAAQAAAAAAAAAAAAAAAAAAAB8AAABUAAAAAAAABQAAAAEAAAAAAAAAAAAAAAAAAAAAAAAAAAAAAAAAAAAAAAAAAAAAAAJ/f38AAAAAA8zMzADAwP8Af39/AAAAAAAAAAAAAAAAAAAAAAAAAAAAIQAAABgAAAAUAAAAKwUAANACAABbHQAAqAwAABAAAAAmAAAACAAAAIGAAAAAAAAA"/>
               </a:ext>
             </a:extLst>
           </p:cNvSpPr>
@@ -2402,7 +2402,7 @@
             <a:spLocks noGrp="1" noChangeArrowheads="1"/>
             <a:extLst>
               <a:ext uri="smNativeData">
-                <pr:smNativeData xmlns:pr="smNativeData" xmlns="smNativeData" val="SMDATA_15_u1g6ZxMAAAAlAAAAZAAAAA0AAAAAkAAAAEgAAACQAAAASAAAAAAAAAAAAAAAAAAAAAEAAABQAAAAAAAAAAAA4D8AAAAAAADgPwAAAAAAAOA/AAAAAAAA4D8AAAAAAADgPwAAAAAAAOA/AAAAAAAA4D8AAAAAAADgPwAAAAAAAOA/AAAAAAAA4D8CAAAAjAAAAAAAAAAAAAAARHLEDP///wgAAAAAAAAAAAAAAAAAAAAAAAAAAAAAAAAAAAAAZAAAAAEAAABAAAAAAAAAAAAAAAAAAAAAAAAAAAAAAAAAAAAAAAAAAAAAAAAAAAAAAAAAAAAAAAAAAAAAAAAAAAAAAAAAAAAAAAAAAAAAAAAAAAAAAAAAAAAAAAAAAAAAFAAAADwAAAAAAAAAAAAAAAAAAAkUAAAAAQAAABQAAAAUAAAAFAAAAAEAAAAAAAAAZAAAAGQAAAAAAAAAZAAAAGQAAAAVAAAAYAAAAAAAAAAAAAAADwAAACADAAAAAAAAAAAAAAEAAACgMgAAVgcAAKr4//8BAAAAf39/AAEAAABkAAAAAAAAABQAAABAHwAAAAAAACYAAAAAAAAAwOD//wAAAAAmAAAAZAAAABYAAABMAAAAAAAAAAAAAAAEAAAAAAAAAAEAAADn5uYKAAAAACgAAAAoAAAAZAAAAGQAAAAAAAAAzMzMAAAAAABQAAAAUAAAAGQAAABkAAAAAAAAABcAAAAUAAAAAAAAAAAAAAD/fwAA/38AAAAAAAAJAAAABAAAAAAAAAAeAAAAaAAAAAAAAAAAAAAAAAAAAAAAAAAAAAAAECcAABAnAAAAAAAAAAAAAAAAAAAAAAAAAAAAAAAAAAAAAAAAAAAAABQAAAAAAAAAwMD/AAAAAABkAAAAMgAAAAAAAABkAAAAAAAAAH9/fwAKAAAAIgAAABgAAAAAAAAAAAAAAAAAAAAAAAAAAAAAAAAAAAAkAAAAJAAAAAAAAAAHAAAAAAAAAAAAAAAAAAAAAAAAAAAAAAAAAAAAf39/ACUAAABYAAAAAAAAAAAAAAAAAAAAAAAAAAAAAAAAAAAAAAAAAAAAAAAAAAAAAAAAAAAAAAA/AAAAAAAAAKCGAQAAAAAAAAAAAAAAAAAMAAAAAQAAAAAAAAAAAAAAAAAAAB8AAABUAAAAAAAABQAAAAEAAAAAAAAAAAAAAAAAAAAAAAAAAAAAAAAAAAAAAAAAAAAAAAJ/f38AAAAAA8zMzADAwP8Af39/AAAAAAAAAAAAAAAAAAAAAAAAAAAAIQAAABgAAAAUAAAA4x8AABMGAADbRQAADiQAABAAAAAmAAAACAAAAAGAAAAAAAAA"/>
+                <pr:smNativeData xmlns:pr="smNativeData" xmlns="smNativeData" val="SMDATA_15_/1o6ZxMAAAAlAAAAZAAAAA0AAAAAkAAAAEgAAACQAAAASAAAAAAAAAAAAAAAAAAAAAEAAABQAAAAAAAAAAAA4D8AAAAAAADgPwAAAAAAAOA/AAAAAAAA4D8AAAAAAADgPwAAAAAAAOA/AAAAAAAA4D8AAAAAAADgPwAAAAAAAOA/AAAAAAAA4D8CAAAAjAAAAAAAAAAAAAAARHLEDP///wgAAAAAAAAAAAAAAAAAAAAAAAAAAAAAAAAAAAAAZAAAAAEAAABAAAAAAAAAAAAAAAAAAAAAAAAAAAAAAAAAAAAAAAAAAAAAAAAAAAAAAAAAAAAAAAAAAAAAAAAAAAAAAAAAAAAAAAAAAAAAAAAAAAAAAAAAAAAAAAAAAAAAFAAAADwAAAAAAAAAAAAAAAAAAAkUAAAAAQAAABQAAAAUAAAAFAAAAAEAAAAAAAAAZAAAAGQAAAAAAAAAZAAAAGQAAAAVAAAAYAAAAAAAAAAAAAAADwAAACADAAAAAAAAAAAAAAEAAACgMgAAVgcAAKr4//8BAAAAf39/AAEAAABkAAAAAAAAABQAAABAHwAAAAAAACYAAAAAAAAAwOD//wAAAAAmAAAAZAAAABYAAABMAAAAAAAAAAAAAAAEAAAAAAAAAAEAAADn5uYKAAAAACgAAAAoAAAAZAAAAGQAAAAAAAAAzMzMAAAAAABQAAAAUAAAAGQAAABkAAAAAAAAABcAAAAUAAAAAAAAAAAAAAD/fwAA/38AAAAAAAAJAAAABAAAAAAAAAAeAAAAaAAAAAAAAAAAAAAAAAAAAAAAAAAAAAAAECcAABAnAAAAAAAAAAAAAAAAAAAAAAAAAAAAAAAAAAAAAAAAAAAAABQAAAAAAAAAwMD/AAAAAABkAAAAMgAAAAAAAABkAAAAAAAAAH9/fwAKAAAAIgAAABgAAAAAAAAAAAAAAAAAAAAAAAAAAAAAAAAAAAAkAAAAJAAAAAAAAAAHAAAAAAAAAAAAAAAAAAAAAAAAAAAAAAAAAAAAf39/ACUAAABYAAAAAAAAAAAAAAAAAAAAAAAAAAAAAAAAAAAAAAAAAAAAAAAAAAAAAAAAAAAAAAA/AAAAAAAAAKCGAQAAAAAAAAAAAAAAAAAMAAAAAQAAAAAAAAAAAAAAAAAAAB8AAABUAAAAAAAABQAAAAEAAAAAAAAAAAAAAAAAAAAAAAAAAAAAAAAAAAAAAAAAAAAAAAJ/f38AAAAAA8zMzADAwP8Af39/AAAAAAAAAAAAAAAAAAAAAAAAAAAAIQAAABgAAAAUAAAA4x8AABMGAADbRQAADiQAABAAAAAmAAAACAAAAAGAAAAAAAAA"/>
               </a:ext>
             </a:extLst>
           </p:cNvSpPr>
@@ -2496,7 +2496,7 @@
             <a:spLocks noGrp="1" noChangeArrowheads="1"/>
             <a:extLst>
               <a:ext uri="smNativeData">
-                <pr:smNativeData xmlns:pr="smNativeData" xmlns="smNativeData" val="SMDATA_15_u1g6ZxMAAAAlAAAAZAAAAA0AAAAAkAAAAEgAAACQAAAASAAAAAAAAAAAAAAAAAAAAAEAAABQAAAAAAAAAAAA4D8AAAAAAADgPwAAAAAAAOA/AAAAAAAA4D8AAAAAAADgPwAAAAAAAOA/AAAAAAAA4D8AAAAAAADgPwAAAAAAAOA/AAAAAAAA4D8CAAAAjAAAAAAAAAAAAAAARHLEDP///wgAAAAAAAAAAAAAAAAAAAAAAAAAAAAAAAAAAAAAZAAAAAEAAABAAAAAAAAAAAAAAAAAAAAAAAAAAAAAAAAAAAAAAAAAAAAAAAAAAAAAAAAAAAAAAAAAAAAAAAAAAAAAAAAAAAAAAAAAAAAAAAAAAAAAAAAAAAAAAAAAAAAAFAAAADwAAAAAAAAAAAAAAAAAAAkUAAAAAQAAABQAAAAUAAAAFAAAAAEAAAAAAAAAZAAAAGQAAAAAAAAAZAAAAGQAAAAVAAAAYAAAAAAAAAAAAAAADwAAACADAAAAAAAAAAAAAAEAAACgMgAAVgcAAKr4//8BAAAAf39/AAEAAABkAAAAAAAAABQAAABAHwAAAAAAACYAAAAAAAAAwOD//wAAAAAmAAAAZAAAABYAAABMAAAAAAAAAAAAAAAEAAAAAAAAAAEAAADn5uYKAAAAACgAAAAoAAAAZAAAAGQAAAAAAAAAzMzMAAAAAABQAAAAUAAAAGQAAABkAAAAAAAAABcAAAAUAAAAAAAAAAAAAAD/fwAA/38AAAAAAAAJAAAABAAAAAAAAAAeAAAAaAAAAAAAAAAAAAAAAAAAAAAAAAAAAAAAECcAABAnAAAAAAAAAAAAAAAAAAAAAAAAAAAAAAAAAAAAAAAAAAAAABQAAAAAAAAAwMD/AAAAAABkAAAAMgAAAAAAAABkAAAAAAAAAH9/fwAKAAAAIgAAABgAAAAAAAAAAAAAAAAAAAAAAAAAAAAAAAAAAAAkAAAAJAAAAAAAAAAHAAAAAAAAAAAAAAAAAAAAAAAAAAAAAAAAAAAAf39/ACUAAABYAAAAAAAAAAAAAAAAAAAAAAAAAAAAAAAAAAAAAAAAAAAAAAAAAAAAAAAAAAAAAAA/AAAAAAAAAKCGAQAAAAAAAAAAAAAAAAAMAAAAAQAAAAAAAAAAAAAAAAAAAB8AAABUAAAAAAAABQAAAAEAAAAAAAAAAAAAAAAAAAAAAAAAAAAAAAAAAAAAAAAAAAAAAAJ/f38AAAAAA8zMzADAwP8Af39/AAAAAAAAAAAAAAAAAAAAAAAAAAAAIQAAABgAAAAUAAAAKwUAAKgMAABbHQAAGyQAABAAAAAmAAAACAAAAAGAAAAAAAAA"/>
+                <pr:smNativeData xmlns:pr="smNativeData" xmlns="smNativeData" val="SMDATA_15_/1o6ZxMAAAAlAAAAZAAAAA0AAAAAkAAAAEgAAACQAAAASAAAAAAAAAAAAAAAAAAAAAEAAABQAAAAAAAAAAAA4D8AAAAAAADgPwAAAAAAAOA/AAAAAAAA4D8AAAAAAADgPwAAAAAAAOA/AAAAAAAA4D8AAAAAAADgPwAAAAAAAOA/AAAAAAAA4D8CAAAAjAAAAAAAAAAAAAAARHLEDP///wgAAAAAAAAAAAAAAAAAAAAAAAAAAAAAAAAAAAAAZAAAAAEAAABAAAAAAAAAAAAAAAAAAAAAAAAAAAAAAAAAAAAAAAAAAAAAAAAAAAAAAAAAAAAAAAAAAAAAAAAAAAAAAAAAAAAAAAAAAAAAAAAAAAAAAAAAAAAAAAAAAAAAFAAAADwAAAAAAAAAAAAAAAAAAAkUAAAAAQAAABQAAAAUAAAAFAAAAAEAAAAAAAAAZAAAAGQAAAAAAAAAZAAAAGQAAAAVAAAAYAAAAAAAAAAAAAAADwAAACADAAAAAAAAAAAAAAEAAACgMgAAVgcAAKr4//8BAAAAf39/AAEAAABkAAAAAAAAABQAAABAHwAAAAAAACYAAAAAAAAAwOD//wAAAAAmAAAAZAAAABYAAABMAAAAAAAAAAAAAAAEAAAAAAAAAAEAAADn5uYKAAAAACgAAAAoAAAAZAAAAGQAAAAAAAAAzMzMAAAAAABQAAAAUAAAAGQAAABkAAAAAAAAABcAAAAUAAAAAAAAAAAAAAD/fwAA/38AAAAAAAAJAAAABAAAAAAAAAAeAAAAaAAAAAAAAAAAAAAAAAAAAAAAAAAAAAAAECcAABAnAAAAAAAAAAAAAAAAAAAAAAAAAAAAAAAAAAAAAAAAAAAAABQAAAAAAAAAwMD/AAAAAABkAAAAMgAAAAAAAABkAAAAAAAAAH9/fwAKAAAAIgAAABgAAAAAAAAAAAAAAAAAAAAAAAAAAAAAAAAAAAAkAAAAJAAAAAAAAAAHAAAAAAAAAAAAAAAAAAAAAAAAAAAAAAAAAAAAf39/ACUAAABYAAAAAAAAAAAAAAAAAAAAAAAAAAAAAAAAAAAAAAAAAAAAAAAAAAAAAAAAAAAAAAA/AAAAAAAAAKCGAQAAAAAAAAAAAAAAAAAMAAAAAQAAAAAAAAAAAAAAAAAAAB8AAABUAAAAAAAABQAAAAEAAAAAAAAAAAAAAAAAAAAAAAAAAAAAAAAAAAAAAAAAAAAAAAJ/f38AAAAAA8zMzADAwP8Af39/AAAAAAAAAAAAAAAAAAAAAAAAAAAAIQAAABgAAAAUAAAAKwUAAKgMAABbHQAAGyQAABAAAAAmAAAACAAAAAGAAAAAAAAA"/>
               </a:ext>
             </a:extLst>
           </p:cNvSpPr>
@@ -2567,7 +2567,7 @@
             <a:spLocks noGrp="1" noChangeArrowheads="1"/>
             <a:extLst>
               <a:ext uri="smNativeData">
-                <pr:smNativeData xmlns:pr="smNativeData" xmlns="smNativeData" val="SMDATA_15_u1g6ZxMAAAAlAAAAZAAAAA0AAAAAkAAAAEgAAACQAAAASAAAAAAAAAABAAAAAAAAAAEAAABQAAAAAAAAAAAA4D8AAAAAAADgPwAAAAAAAOA/AAAAAAAA4D8AAAAAAADgPwAAAAAAAOA/AAAAAAAA4D8AAAAAAADgPwAAAAAAAOA/AAAAAAAA4D8CAAAAjAAAAAAAAAAAAAAARHLEDP///wgAAAAAAAAAAAAAAAAAAAAAAAAAAAAAAAAAAAAAZAAAAAEAAABAAAAAAAAAAAAAAAAAAAAAAAAAAAAAAAAAAAAAAAAAAAAAAAAAAAAAAAAAAAAAAAAAAAAAAAAAAAAAAAAAAAAAAAAAAAAAAAAAAAAAAAAAAAAAAAAAAAAAFAAAADwAAAAAAAAAAAAAAAAAAAkUAAAAAQAAABQAAAAUAAAAFAAAAAEAAAAAAAAAZAAAAGQAAAAAAAAAZAAAAGQAAAAVAAAAYAAAAAAAAAAAAAAADwAAACADAAAAAAAAAAAAAAEAAACgMgAAVgcAAKr4//8BAAAAf39/AAEAAABkAAAAAAAAABQAAABAHwAAAAAAACYAAAAAAAAAwOD//wAAAAAmAAAAZAAAABYAAABMAAAAAAAAAAAAAAAEAAAAAAAAAAEAAADn5uYKAAAAACgAAAAoAAAAZAAAAGQAAAAAAAAAzMzMAAAAAABQAAAAUAAAAGQAAABkAAAAAAAAABcAAAAUAAAAAAAAAAAAAAD/fwAA/38AAAAAAAAJAAAABAAAAAAAAAAeAAAAaAAAAAAAAAAAAAAAAAAAAAAAAAAAAAAAECcAABAnAAAAAAAAAAAAAAAAAAAAAAAAAAAAAAAAAAAAAAAAAAAAABQAAAAAAAAAwMD/AAAAAABkAAAAMgAAAAAAAABkAAAAAAAAAH9/fwAKAAAAIgAAABgAAAAAAAAAAAAAAAAAAAAAAAAAAAAAAAAAAAAkAAAAJAAAAAAAAAAHAAAAAAAAAAAAAAAAAAAAAAAAAAAAAAAAAAAAf39/ACUAAABYAAAAAAAAAAAAAAAAAAAAAAAAAAAAAAAAAAAAAAAAAAAAAAAAAAAAAAAAAAAAAAA/AAAAAAAAAKCGAQAAAAAAAAAAAAAAAAAMAAAAAQAAAAAAAAAAAAAAAAAAAB8AAABUAAAAAAAABQAAAAEAAAAAAAAAAAAAAAAAAAAAAAAAAAAAAAAAAAAAAAAAAAAAAAJ/f38AAAAAA8zMzADAwP8Af39/AAAAAAAAAAAAAAAAAAAAAAAAAAAAIQAAABgAAAAUAAAAKAUAABonAAAIFgAAWSkAABAAAAAmAAAACAAAAAAAAAAAAAAA"/>
+                <pr:smNativeData xmlns:pr="smNativeData" xmlns="smNativeData" val="SMDATA_15_/1o6ZxMAAAAlAAAAZAAAAA0AAAAAkAAAAEgAAACQAAAASAAAAAAAAAABAAAAAAAAAAEAAABQAAAAAAAAAAAA4D8AAAAAAADgPwAAAAAAAOA/AAAAAAAA4D8AAAAAAADgPwAAAAAAAOA/AAAAAAAA4D8AAAAAAADgPwAAAAAAAOA/AAAAAAAA4D8CAAAAjAAAAAAAAAAAAAAARHLEDP///wgAAAAAAAAAAAAAAAAAAAAAAAAAAAAAAAAAAAAAZAAAAAEAAABAAAAAAAAAAAAAAAAAAAAAAAAAAAAAAAAAAAAAAAAAAAAAAAAAAAAAAAAAAAAAAAAAAAAAAAAAAAAAAAAAAAAAAAAAAAAAAAAAAAAAAAAAAAAAAAAAAAAAFAAAADwAAAAAAAAAAAAAAAAAAAkUAAAAAQAAABQAAAAUAAAAFAAAAAEAAAAAAAAAZAAAAGQAAAAAAAAAZAAAAGQAAAAVAAAAYAAAAAAAAAAAAAAADwAAACADAAAAAAAAAAAAAAEAAACgMgAAVgcAAKr4//8BAAAAf39/AAEAAABkAAAAAAAAABQAAABAHwAAAAAAACYAAAAAAAAAwOD//wAAAAAmAAAAZAAAABYAAABMAAAAAAAAAAAAAAAEAAAAAAAAAAEAAADn5uYKAAAAACgAAAAoAAAAZAAAAGQAAAAAAAAAzMzMAAAAAABQAAAAUAAAAGQAAABkAAAAAAAAABcAAAAUAAAAAAAAAAAAAAD/fwAA/38AAAAAAAAJAAAABAAAAAAAAAAeAAAAaAAAAAAAAAAAAAAAAAAAAAAAAAAAAAAAECcAABAnAAAAAAAAAAAAAAAAAAAAAAAAAAAAAAAAAAAAAAAAAAAAABQAAAAAAAAAwMD/AAAAAABkAAAAMgAAAAAAAABkAAAAAAAAAH9/fwAKAAAAIgAAABgAAAAAAAAAAAAAAAAAAAAAAAAAAAAAAAAAAAAkAAAAJAAAAAAAAAAHAAAAAAAAAAAAAAAAAAAAAAAAAAAAAAAAAAAAf39/ACUAAABYAAAAAAAAAAAAAAAAAAAAAAAAAAAAAAAAAAAAAAAAAAAAAAAAAAAAAAAAAAAAAAA/AAAAAAAAAKCGAQAAAAAAAAAAAAAAAAAMAAAAAQAAAAAAAAAAAAAAAAAAAB8AAABUAAAAAAAABQAAAAEAAAAAAAAAAAAAAAAAAAAAAAAAAAAAAAAAAAAAAAAAAAAAAAJ/f38AAAAAA8zMzADAwP8Af39/AAAAAAAAAAAAAAAAAAAAAAAAAAAAIQAAABgAAAAUAAAAKAUAABonAAAIFgAAWSkAABAAAAAmAAAACAAAAAAAAAAAAAAA"/>
               </a:ext>
             </a:extLst>
           </p:cNvSpPr>
@@ -2583,7 +2583,7 @@
             <a:pPr>
               <a:defRPr lang="de-de"/>
             </a:pPr>
-            <a:fld id="{2EDAFD34-7AC3-8F0B-8D62-8C5EB32C7BD9}" type="datetime1">
+            <a:fld id="{1CCFD24F-01F1-9A24-BF77-F7719C3949A2}" type="datetime1">
               <a:t>07.07.2023</a:t>
             </a:fld>
           </a:p>
@@ -2596,7 +2596,7 @@
             <a:spLocks noGrp="1" noChangeArrowheads="1"/>
             <a:extLst>
               <a:ext uri="smNativeData">
-                <pr:smNativeData xmlns:pr="smNativeData" xmlns="smNativeData" val="SMDATA_15_u1g6ZxMAAAAlAAAAZAAAAA0AAAAAkAAAAEgAAACQAAAASAAAAAAAAAABAAAAAAAAAAEAAABQAAAAAAAAAAAA4D8AAAAAAADgPwAAAAAAAOA/AAAAAAAA4D8AAAAAAADgPwAAAAAAAOA/AAAAAAAA4D8AAAAAAADgPwAAAAAAAOA/AAAAAAAA4D8CAAAAjAAAAAAAAAAAAAAARHLEDP///wgAAAAAAAAAAAAAAAAAAAAAAAAAAAAAAAAAAAAAZAAAAAEAAABAAAAAAAAAAAAAAAAAAAAAAAAAAAAAAAAAAAAAAAAAAAAAAAAAAAAAAAAAAAAAAAAAAAAAAAAAAAAAAAAAAAAAAAAAAAAAAAAAAAAAAAAAAAAAAAAAAAAAFAAAADwAAAAAAAAAAAAAAAAAAAkUAAAAAQAAABQAAAAUAAAAFAAAAAEAAAAAAAAAZAAAAGQAAAAAAAAAZAAAAGQAAAAVAAAAYAAAAAAAAAAAAAAADwAAACADAAAAAAAAAAAAAAEAAACgMgAAVgcAAKr4//8BAAAAf39/AAEAAABkAAAAAAAAABQAAABAHwAAAAAAACYAAAAAAAAAwOD//wAAAAAmAAAAZAAAABYAAABMAAAAAAAAAAAAAAAEAAAAAAAAAAEAAADn5uYKAAAAACgAAAAoAAAAZAAAAGQAAAAAAAAAzMzMAAAAAABQAAAAUAAAAGQAAABkAAAAAAAAABcAAAAUAAAAAAAAAAAAAAD/fwAA/38AAAAAAAAJAAAABAAAAAAAAAAeAAAAaAAAAAAAAAAAAAAAAAAAAAAAAAAAAAAAECcAABAnAAAAAAAAAAAAAAAAAAAAAAAAAAAAAAAAAAAAAAAAAAAAABQAAAAAAAAAwMD/AAAAAABkAAAAMgAAAAAAAABkAAAAAAAAAH9/fwAKAAAAIgAAABgAAAAAAAAAAAAAAAAAAAAAAAAAAAAAAAAAAAAkAAAAJAAAAAAAAAAHAAAAAAAAAAAAAAAAAAAAAAAAAAAAAAAAAAAAf39/ACUAAABYAAAAAAAAAAAAAAAAAAAAAAAAAAAAAAAAAAAAAAAAAAAAAAAAAAAAAAAAAAAAAAA/AAAAAAAAAKCGAQAAAAAAAAAAAAAAAAAMAAAAAQAAAAAAAAAAAAAAAAAAAB8AAABUAAAAAAAABQAAAAEAAAAAAAAAAAAAAAAAAAAAAAAAAAAAAAAAAAAAAAAAAAAAAAJ/f38AAAAAA8zMzADAwP8Af39/AAAAAAAAAAAAAAAAAAAAAAAAAAAAIQAAABgAAAAUAAAA2BgAABonAAAoMgAAWSkAABAAAAAmAAAACAAAAAAAAAAAAAAA"/>
+                <pr:smNativeData xmlns:pr="smNativeData" xmlns="smNativeData" val="SMDATA_15_/1o6ZxMAAAAlAAAAZAAAAA0AAAAAkAAAAEgAAACQAAAASAAAAAAAAAABAAAAAAAAAAEAAABQAAAAAAAAAAAA4D8AAAAAAADgPwAAAAAAAOA/AAAAAAAA4D8AAAAAAADgPwAAAAAAAOA/AAAAAAAA4D8AAAAAAADgPwAAAAAAAOA/AAAAAAAA4D8CAAAAjAAAAAAAAAAAAAAARHLEDP///wgAAAAAAAAAAAAAAAAAAAAAAAAAAAAAAAAAAAAAZAAAAAEAAABAAAAAAAAAAAAAAAAAAAAAAAAAAAAAAAAAAAAAAAAAAAAAAAAAAAAAAAAAAAAAAAAAAAAAAAAAAAAAAAAAAAAAAAAAAAAAAAAAAAAAAAAAAAAAAAAAAAAAFAAAADwAAAAAAAAAAAAAAAAAAAkUAAAAAQAAABQAAAAUAAAAFAAAAAEAAAAAAAAAZAAAAGQAAAAAAAAAZAAAAGQAAAAVAAAAYAAAAAAAAAAAAAAADwAAACADAAAAAAAAAAAAAAEAAACgMgAAVgcAAKr4//8BAAAAf39/AAEAAABkAAAAAAAAABQAAABAHwAAAAAAACYAAAAAAAAAwOD//wAAAAAmAAAAZAAAABYAAABMAAAAAAAAAAAAAAAEAAAAAAAAAAEAAADn5uYKAAAAACgAAAAoAAAAZAAAAGQAAAAAAAAAzMzMAAAAAABQAAAAUAAAAGQAAABkAAAAAAAAABcAAAAUAAAAAAAAAAAAAAD/fwAA/38AAAAAAAAJAAAABAAAAAAAAAAeAAAAaAAAAAAAAAAAAAAAAAAAAAAAAAAAAAAAECcAABAnAAAAAAAAAAAAAAAAAAAAAAAAAAAAAAAAAAAAAAAAAAAAABQAAAAAAAAAwMD/AAAAAABkAAAAMgAAAAAAAABkAAAAAAAAAH9/fwAKAAAAIgAAABgAAAAAAAAAAAAAAAAAAAAAAAAAAAAAAAAAAAAkAAAAJAAAAAAAAAAHAAAAAAAAAAAAAAAAAAAAAAAAAAAAAAAAAAAAf39/ACUAAABYAAAAAAAAAAAAAAAAAAAAAAAAAAAAAAAAAAAAAAAAAAAAAAAAAAAAAAAAAAAAAAA/AAAAAAAAAKCGAQAAAAAAAAAAAAAAAAAMAAAAAQAAAAAAAAAAAAAAAAAAAB8AAABUAAAAAAAABQAAAAEAAAAAAAAAAAAAAAAAAAAAAAAAAAAAAAAAAAAAAAAAAAAAAAJ/f38AAAAAA8zMzADAwP8Af39/AAAAAAAAAAAAAAAAAAAAAAAAAAAAIQAAABgAAAAUAAAA2BgAABonAAAoMgAAWSkAABAAAAAmAAAACAAAAAAAAAAAAAAA"/>
               </a:ext>
             </a:extLst>
           </p:cNvSpPr>
@@ -2622,7 +2622,7 @@
             <a:spLocks noGrp="1" noChangeArrowheads="1"/>
             <a:extLst>
               <a:ext uri="smNativeData">
-                <pr:smNativeData xmlns:pr="smNativeData" xmlns="smNativeData" val="SMDATA_15_u1g6ZxMAAAAlAAAAZAAAAA0AAAAAkAAAAEgAAACQAAAASAAAAAAAAAABAAAAAAAAAAEAAABQAAAAAAAAAAAA4D8AAAAAAADgPwAAAAAAAOA/AAAAAAAA4D8AAAAAAADgPwAAAAAAAOA/AAAAAAAA4D8AAAAAAADgPwAAAAAAAOA/AAAAAAAA4D8CAAAAjAAAAAAAAAAAAAAARHLEDP///wgAAAAAAAAAAAAAAAAAAAAAAAAAAAAAAAAAAAAAZAAAAAEAAABAAAAAAAAAAAAAAAAAAAAAAAAAAAAAAAAAAAAAAAAAAAAAAAAAAAAAAAAAAAAAAAAAAAAAAAAAAAAAAAAAAAAAAAAAAAAAAAAAAAAAAAAAAAAAAAAAAAAAFAAAADwAAAAAAAAAAAAAAAAAAAkUAAAAAQAAABQAAAAUAAAAFAAAAAEAAAAAAAAAZAAAAGQAAAAAAAAAZAAAAGQAAAAVAAAAYAAAAAAAAAAAAAAADwAAACADAAAAAAAAAAAAAAEAAACgMgAAVgcAAKr4//8BAAAAf39/AAEAAABkAAAAAAAAABQAAABAHwAAAAAAACYAAAAAAAAAwOD//wAAAAAmAAAAZAAAABYAAABMAAAAAAAAAAAAAAAEAAAAAAAAAAEAAADn5uYKAAAAACgAAAAoAAAAZAAAAGQAAAAAAAAAzMzMAAAAAABQAAAAUAAAAGQAAABkAAAAAAAAABcAAAAUAAAAAAAAAAAAAAD/fwAA/38AAAAAAAAJAAAABAAAAAAAAAAeAAAAaAAAAAAAAAAAAAAAAAAAAAAAAAAAAAAAECcAABAnAAAAAAAAAAAAAAAAAAAAAAAAAAAAAAAAAAAAAAAAAAAAABQAAAAAAAAAwMD/AAAAAABkAAAAMgAAAAAAAABkAAAAAAAAAH9/fwAKAAAAIgAAABgAAAAAAAAAAAAAAAAAAAAAAAAAAAAAAAAAAAAkAAAAJAAAAAAAAAAHAAAAAAAAAAAAAAAAAAAAAAAAAAAAAAAAAAAAf39/ACUAAABYAAAAAAAAAAAAAAAAAAAAAAAAAAAAAAAAAAAAAAAAAAAAAAAAAAAAAAAAAAAAAAA/AAAAAAAAAKCGAQAAAAAAAAAAAAAAAAAMAAAAAQAAAAAAAAAAAAAAAAAAAB8AAABUAAAAAAAABQAAAAEAAAAAAAAAAAAAAAAAAAAAAAAAAAAAAAAAAAAAAAAAAAAAAAJ/f38AAAAAA8zMzADAwP8Af39/AAAAAAAAAAAAAAAAAAAAAAAAAAAAIQAAABgAAAAUAAAA+DQAABonAADYRQAAWSkAABAAAAAmAAAACAAAAAAAAAAAAAAA"/>
+                <pr:smNativeData xmlns:pr="smNativeData" xmlns="smNativeData" val="SMDATA_15_/1o6ZxMAAAAlAAAAZAAAAA0AAAAAkAAAAEgAAACQAAAASAAAAAAAAAABAAAAAAAAAAEAAABQAAAAAAAAAAAA4D8AAAAAAADgPwAAAAAAAOA/AAAAAAAA4D8AAAAAAADgPwAAAAAAAOA/AAAAAAAA4D8AAAAAAADgPwAAAAAAAOA/AAAAAAAA4D8CAAAAjAAAAAAAAAAAAAAARHLEDP///wgAAAAAAAAAAAAAAAAAAAAAAAAAAAAAAAAAAAAAZAAAAAEAAABAAAAAAAAAAAAAAAAAAAAAAAAAAAAAAAAAAAAAAAAAAAAAAAAAAAAAAAAAAAAAAAAAAAAAAAAAAAAAAAAAAAAAAAAAAAAAAAAAAAAAAAAAAAAAAAAAAAAAFAAAADwAAAAAAAAAAAAAAAAAAAkUAAAAAQAAABQAAAAUAAAAFAAAAAEAAAAAAAAAZAAAAGQAAAAAAAAAZAAAAGQAAAAVAAAAYAAAAAAAAAAAAAAADwAAACADAAAAAAAAAAAAAAEAAACgMgAAVgcAAKr4//8BAAAAf39/AAEAAABkAAAAAAAAABQAAABAHwAAAAAAACYAAAAAAAAAwOD//wAAAAAmAAAAZAAAABYAAABMAAAAAAAAAAAAAAAEAAAAAAAAAAEAAADn5uYKAAAAACgAAAAoAAAAZAAAAGQAAAAAAAAAzMzMAAAAAABQAAAAUAAAAGQAAABkAAAAAAAAABcAAAAUAAAAAAAAAAAAAAD/fwAA/38AAAAAAAAJAAAABAAAAAAAAAAeAAAAaAAAAAAAAAAAAAAAAAAAAAAAAAAAAAAAECcAABAnAAAAAAAAAAAAAAAAAAAAAAAAAAAAAAAAAAAAAAAAAAAAABQAAAAAAAAAwMD/AAAAAABkAAAAMgAAAAAAAABkAAAAAAAAAH9/fwAKAAAAIgAAABgAAAAAAAAAAAAAAAAAAAAAAAAAAAAAAAAAAAAkAAAAJAAAAAAAAAAHAAAAAAAAAAAAAAAAAAAAAAAAAAAAAAAAAAAAf39/ACUAAABYAAAAAAAAAAAAAAAAAAAAAAAAAAAAAAAAAAAAAAAAAAAAAAAAAAAAAAAAAAAAAAA/AAAAAAAAAKCGAQAAAAAAAAAAAAAAAAAMAAAAAQAAAAAAAAAAAAAAAAAAAB8AAABUAAAAAAAABQAAAAEAAAAAAAAAAAAAAAAAAAAAAAAAAAAAAAAAAAAAAAAAAAAAAAJ/f38AAAAAA8zMzADAwP8Af39/AAAAAAAAAAAAAAAAAAAAAAAAAAAAIQAAABgAAAAUAAAA+DQAABonAADYRQAAWSkAABAAAAAmAAAACAAAAAAAAAAAAAAA"/>
               </a:ext>
             </a:extLst>
           </p:cNvSpPr>
@@ -2638,7 +2638,7 @@
             <a:pPr>
               <a:defRPr lang="de-de"/>
             </a:pPr>
-            <a:fld id="{2EDA8D09-47C3-8F7B-8D62-B12EC32C7BE4}" type="slidenum">
+            <a:fld id="{1CCF92FB-B5F1-9A64-BF77-4331DC394916}" type="slidenum">
               <a:t>‹Nr.›</a:t>
             </a:fld>
           </a:p>
@@ -2677,7 +2677,7 @@
             <a:spLocks noGrp="1" noChangeArrowheads="1"/>
             <a:extLst>
               <a:ext uri="smNativeData">
-                <pr:smNativeData xmlns:pr="smNativeData" xmlns="smNativeData" val="SMDATA_15_u1g6ZxMAAAAlAAAAZAAAAA0AAAAAkAAAAEgAAACQAAAASAAAAAAAAAACAAAAAAAAAAEAAABQAAAAAAAAAAAA4D8AAAAAAADgPwAAAAAAAOA/AAAAAAAA4D8AAAAAAADgPwAAAAAAAOA/AAAAAAAA4D8AAAAAAADgPwAAAAAAAOA/AAAAAAAA4D8CAAAAjAAAAAAAAAAAAAAARHLEDP///wgAAAAAAAAAAAAAAAAAAAAAAAAAAAAAAAAAAAAAZAAAAAEAAABAAAAAAAAAAAAAAAAAAAAAAAAAAAAAAAAAAAAAAAAAAAAAAAAAAAAAAAAAAAAAAAAAAAAAAAAAAAAAAAAAAAAAAAAAAAAAAAAAAAAAAAAAAAAAAAAAAAAAFAAAADwAAAAAAAAAAAAAAAAAAAkUAAAAAQAAABQAAAAUAAAAFAAAAAEAAAAAAAAAZAAAAGQAAAAAAAAAZAAAAGQAAAAVAAAAYAAAAAAAAAAAAAAADwAAACADAAAAAAAAAAAAAAEAAACgMgAAVgcAAKr4//8BAAAAf39/AAEAAABkAAAAAAAAABQAAABAHwAAAAAAACYAAAAAAAAAwOD//wAAAAAmAAAAZAAAABYAAABMAAAAAAAAAAAAAAAEAAAAAAAAAAEAAADn5uYKAAAAACgAAAAoAAAAZAAAAGQAAAAAAAAAzMzMAAAAAABQAAAAUAAAAGQAAABkAAAAAAAAABcAAAAUAAAAAAAAAAAAAAD/fwAA/38AAAAAAAAJAAAABAAAAAAAAAAeAAAAaAAAAAAAAAAAAAAAAAAAAAAAAAAAAAAAECcAABAnAAAAAAAAAAAAAAAAAAAAAAAAAAAAAAAAAAAAAAAAAAAAABQAAAAAAAAAwMD/AAAAAABkAAAAMgAAAAAAAABkAAAAAAAAAH9/fwAKAAAAIgAAABgAAAAAAAAAAAAAAAAAAAAAAAAAAAAAAAAAAAAkAAAAJAAAAAAAAAAHAAAAAAAAAAAAAAAAAAAAAAAAAAAAAAAAAAAAf39/ACUAAABYAAAAAAAAAAAAAAAAAAAAAAAAAAAAAAAAAAAAAAAAAAAAAAAAAAAAAAAAAAAAAAA/AAAAAAAAAKCGAQAAAAAAAAAAAAAAAAAMAAAAAQAAAAAAAAAAAAAAAAAAAB8AAABUAAAAAAAABQAAAAEAAAAAAAAAAAAAAAAAAAAAAAAAAAAAAAAAAAAAAAAAAAAAAAJ/f38AAAAAA8zMzADAwP8Af39/AAAAAAAAAAAAAAAAAAAAAAAAAAAAIQAAABgAAAAUAAAAKwUAANACAABbHQAAqAwAABAAAAAmAAAACAAAAIGAAAAAAAAA"/>
+                <pr:smNativeData xmlns:pr="smNativeData" xmlns="smNativeData" val="SMDATA_15_/1o6ZxMAAAAlAAAAZAAAAA0AAAAAkAAAAEgAAACQAAAASAAAAAAAAAACAAAAAAAAAAEAAABQAAAAAAAAAAAA4D8AAAAAAADgPwAAAAAAAOA/AAAAAAAA4D8AAAAAAADgPwAAAAAAAOA/AAAAAAAA4D8AAAAAAADgPwAAAAAAAOA/AAAAAAAA4D8CAAAAjAAAAAAAAAAAAAAARHLEDP///wgAAAAAAAAAAAAAAAAAAAAAAAAAAAAAAAAAAAAAZAAAAAEAAABAAAAAAAAAAAAAAAAAAAAAAAAAAAAAAAAAAAAAAAAAAAAAAAAAAAAAAAAAAAAAAAAAAAAAAAAAAAAAAAAAAAAAAAAAAAAAAAAAAAAAAAAAAAAAAAAAAAAAFAAAADwAAAAAAAAAAAAAAAAAAAkUAAAAAQAAABQAAAAUAAAAFAAAAAEAAAAAAAAAZAAAAGQAAAAAAAAAZAAAAGQAAAAVAAAAYAAAAAAAAAAAAAAADwAAACADAAAAAAAAAAAAAAEAAACgMgAAVgcAAKr4//8BAAAAf39/AAEAAABkAAAAAAAAABQAAABAHwAAAAAAACYAAAAAAAAAwOD//wAAAAAmAAAAZAAAABYAAABMAAAAAAAAAAAAAAAEAAAAAAAAAAEAAADn5uYKAAAAACgAAAAoAAAAZAAAAGQAAAAAAAAAzMzMAAAAAABQAAAAUAAAAGQAAABkAAAAAAAAABcAAAAUAAAAAAAAAAAAAAD/fwAA/38AAAAAAAAJAAAABAAAAAAAAAAeAAAAaAAAAAAAAAAAAAAAAAAAAAAAAAAAAAAAECcAABAnAAAAAAAAAAAAAAAAAAAAAAAAAAAAAAAAAAAAAAAAAAAAABQAAAAAAAAAwMD/AAAAAABkAAAAMgAAAAAAAABkAAAAAAAAAH9/fwAKAAAAIgAAABgAAAAAAAAAAAAAAAAAAAAAAAAAAAAAAAAAAAAkAAAAJAAAAAAAAAAHAAAAAAAAAAAAAAAAAAAAAAAAAAAAAAAAAAAAf39/ACUAAABYAAAAAAAAAAAAAAAAAAAAAAAAAAAAAAAAAAAAAAAAAAAAAAAAAAAAAAAAAAAAAAA/AAAAAAAAAKCGAQAAAAAAAAAAAAAAAAAMAAAAAQAAAAAAAAAAAAAAAAAAAB8AAABUAAAAAAAABQAAAAEAAAAAAAAAAAAAAAAAAAAAAAAAAAAAAAAAAAAAAAAAAAAAAAJ/f38AAAAAA8zMzADAwP8Af39/AAAAAAAAAAAAAAAAAAAAAAAAAAAAIQAAABgAAAAUAAAAKwUAANACAABbHQAAqAwAABAAAAAmAAAACAAAAIGAAAAAAAAA"/>
               </a:ext>
             </a:extLst>
           </p:cNvSpPr>
@@ -2743,7 +2743,7 @@
             <a:spLocks noGrp="1" noChangeArrowheads="1"/>
             <a:extLst>
               <a:ext uri="smNativeData">
-                <pr:smNativeData xmlns:pr="smNativeData" xmlns="smNativeData" val="SMDATA_15_u1g6ZxMAAAAlAAAAZAAAAA0AAAAAkAAAAEgAAACQAAAASAAAAAAAAAAAAAAAAAAAAAEAAABQAAAAAAAAAAAA4D8AAAAAAADgPwAAAAAAAOA/AAAAAAAA4D8AAAAAAADgPwAAAAAAAOA/AAAAAAAA4D8AAAAAAADgPwAAAAAAAOA/AAAAAAAA4D8CAAAAjAAAAAAAAAAAAAAARHLEDP///wgAAAAAAAAAAAAAAAAAAAAAAAAAAAAAAAAAAAAAZAAAAAEAAABAAAAAAAAAAAAAAAAAAAAAAAAAAAAAAAAAAAAAAAAAAAAAAAAAAAAAAAAAAAAAAAAAAAAAAAAAAAAAAAAAAAAAAAAAAAAAAAAAAAAAAAAAAAAAAAAAAAAAFAAAADwAAAAAAAAAAAAAAAAAAAkUAAAAAQAAABQAAAAUAAAAFAAAAAEAAAAAAAAAZAAAAGQAAAAAAAAAZAAAAGQAAAAVAAAAYAAAAAAAAAAAAAAADwAAACADAAAAAAAAAAAAAAEAAACgMgAAVgcAAKr4//8BAAAAf39/AAEAAABkAAAAAAAAABQAAABAHwAAAAAAACYAAAAAAAAAwOD//wAAAAAmAAAAZAAAABYAAABMAAAAAAAAAAAAAAAEAAAAAAAAAAEAAADn5uYKAAAAACgAAAAoAAAAZAAAAGQAAAAAAAAAzMzMAAAAAABQAAAAUAAAAGQAAABkAAAAAAAAABcAAAAUAAAAAAAAAAAAAAD/fwAA/38AAAAAAAAJAAAABAAAAAAAAAAeAAAAaAAAAAAAAAAAAAAAAAAAAAAAAAAAAAAAECcAABAnAAAAAAAAAAAAAAAAAAAAAAAAAAAAAAAAAAAAAAAAAAAAABQAAAAAAAAAwMD/AAAAAABkAAAAMgAAAAAAAABkAAAAAAAAAH9/fwAKAAAAIgAAABgAAAAAAAAAAAAAAAAAAAAAAAAAAAAAAAAAAAAkAAAAJAAAAAAAAAAHAAAAAAAAAAAAAAAAAAAAAAAAAAAAAAAAAAAAf39/ACUAAABYAAAAAAAAAAAAAAAAAAAAAAAAAAAAAAAAAAAAAAAAAAAAAAAAAAAAAAAAAAAAAAA/AAAAAAAAAKCGAQAAAAAAAAAAAAAAAAAMAAAAAQAAAAAAAAAAAAAAAAAAAB8AAABUAAAAAAAABQAAAAEAAAAAAAAAAAAAAAAAAAAAAAAAAAAAAAAAAAAAAAAAAAAAAAJ/f38AAAAAA8zMzADAwP8Af39/AAAAAAAAAAAAAAAAAAAAAAAAAAAAIQAAABgAAAAUAAAA4x8AABMGAADbRQAADiQAABAAAAAmAAAACAAAAAGAAAAAAAAA"/>
+                <pr:smNativeData xmlns:pr="smNativeData" xmlns="smNativeData" val="SMDATA_15_/1o6ZxMAAAAlAAAAZAAAAA0AAAAAkAAAAEgAAACQAAAASAAAAAAAAAAAAAAAAAAAAAEAAABQAAAAAAAAAAAA4D8AAAAAAADgPwAAAAAAAOA/AAAAAAAA4D8AAAAAAADgPwAAAAAAAOA/AAAAAAAA4D8AAAAAAADgPwAAAAAAAOA/AAAAAAAA4D8CAAAAjAAAAAAAAAAAAAAARHLEDP///wgAAAAAAAAAAAAAAAAAAAAAAAAAAAAAAAAAAAAAZAAAAAEAAABAAAAAAAAAAAAAAAAAAAAAAAAAAAAAAAAAAAAAAAAAAAAAAAAAAAAAAAAAAAAAAAAAAAAAAAAAAAAAAAAAAAAAAAAAAAAAAAAAAAAAAAAAAAAAAAAAAAAAFAAAADwAAAAAAAAAAAAAAAAAAAkUAAAAAQAAABQAAAAUAAAAFAAAAAEAAAAAAAAAZAAAAGQAAAAAAAAAZAAAAGQAAAAVAAAAYAAAAAAAAAAAAAAADwAAACADAAAAAAAAAAAAAAEAAACgMgAAVgcAAKr4//8BAAAAf39/AAEAAABkAAAAAAAAABQAAABAHwAAAAAAACYAAAAAAAAAwOD//wAAAAAmAAAAZAAAABYAAABMAAAAAAAAAAAAAAAEAAAAAAAAAAEAAADn5uYKAAAAACgAAAAoAAAAZAAAAGQAAAAAAAAAzMzMAAAAAABQAAAAUAAAAGQAAABkAAAAAAAAABcAAAAUAAAAAAAAAAAAAAD/fwAA/38AAAAAAAAJAAAABAAAAAAAAAAeAAAAaAAAAAAAAAAAAAAAAAAAAAAAAAAAAAAAECcAABAnAAAAAAAAAAAAAAAAAAAAAAAAAAAAAAAAAAAAAAAAAAAAABQAAAAAAAAAwMD/AAAAAABkAAAAMgAAAAAAAABkAAAAAAAAAH9/fwAKAAAAIgAAABgAAAAAAAAAAAAAAAAAAAAAAAAAAAAAAAAAAAAkAAAAJAAAAAAAAAAHAAAAAAAAAAAAAAAAAAAAAAAAAAAAAAAAAAAAf39/ACUAAABYAAAAAAAAAAAAAAAAAAAAAAAAAAAAAAAAAAAAAAAAAAAAAAAAAAAAAAAAAAAAAAA/AAAAAAAAAKCGAQAAAAAAAAAAAAAAAAAMAAAAAQAAAAAAAAAAAAAAAAAAAB8AAABUAAAAAAAABQAAAAEAAAAAAAAAAAAAAAAAAAAAAAAAAAAAAAAAAAAAAAAAAAAAAAJ/f38AAAAAA8zMzADAwP8Af39/AAAAAAAAAAAAAAAAAAAAAAAAAAAAIQAAABgAAAAUAAAA4x8AABMGAADbRQAADiQAABAAAAAmAAAACAAAAAGAAAAAAAAA"/>
               </a:ext>
             </a:extLst>
           </p:cNvSpPr>
@@ -2811,7 +2811,7 @@
             <a:spLocks noGrp="1" noChangeArrowheads="1"/>
             <a:extLst>
               <a:ext uri="smNativeData">
-                <pr:smNativeData xmlns:pr="smNativeData" xmlns="smNativeData" val="SMDATA_15_u1g6ZxMAAAAlAAAAZAAAAA0AAAAAkAAAAEgAAACQAAAASAAAAAAAAAAAAAAAAAAAAAEAAABQAAAAAAAAAAAA4D8AAAAAAADgPwAAAAAAAOA/AAAAAAAA4D8AAAAAAADgPwAAAAAAAOA/AAAAAAAA4D8AAAAAAADgPwAAAAAAAOA/AAAAAAAA4D8CAAAAjAAAAAAAAAAAAAAARHLEDP///wgAAAAAAAAAAAAAAAAAAAAAAAAAAAAAAAAAAAAAZAAAAAEAAABAAAAAAAAAAAAAAAAAAAAAAAAAAAAAAAAAAAAAAAAAAAAAAAAAAAAAAAAAAAAAAAAAAAAAAAAAAAAAAAAAAAAAAAAAAAAAAAAAAAAAAAAAAAAAAAAAAAAAFAAAADwAAAAAAAAAAAAAAAAAAAkUAAAAAQAAABQAAAAUAAAAFAAAAAEAAAAAAAAAZAAAAGQAAAAAAAAAZAAAAGQAAAAVAAAAYAAAAAAAAAAAAAAADwAAACADAAAAAAAAAAAAAAEAAACgMgAAVgcAAKr4//8BAAAAf39/AAEAAABkAAAAAAAAABQAAABAHwAAAAAAACYAAAAAAAAAwOD//wAAAAAmAAAAZAAAABYAAABMAAAAAAAAAAAAAAAEAAAAAAAAAAEAAADn5uYKAAAAACgAAAAoAAAAZAAAAGQAAAAAAAAAzMzMAAAAAABQAAAAUAAAAGQAAABkAAAAAAAAABcAAAAUAAAAAAAAAAAAAAD/fwAA/38AAAAAAAAJAAAABAAAAAAAAAAeAAAAaAAAAAAAAAAAAAAAAAAAAAAAAAAAAAAAECcAABAnAAAAAAAAAAAAAAAAAAAAAAAAAAAAAAAAAAAAAAAAAAAAABQAAAAAAAAAwMD/AAAAAABkAAAAMgAAAAAAAABkAAAAAAAAAH9/fwAKAAAAIgAAABgAAAAAAAAAAAAAAAAAAAAAAAAAAAAAAAAAAAAkAAAAJAAAAAAAAAAHAAAAAAAAAAAAAAAAAAAAAAAAAAAAAAAAAAAAf39/ACUAAABYAAAAAAAAAAAAAAAAAAAAAAAAAAAAAAAAAAAAAAAAAAAAAAAAAAAAAAAAAAAAAAA/AAAAAAAAAKCGAQAAAAAAAAAAAAAAAAAMAAAAAQAAAAAAAAAAAAAAAAAAAB8AAABUAAAAAAAABQAAAAEAAAAAAAAAAAAAAAAAAAAAAAAAAAAAAAAAAAAAAAAAAAAAAAJ/f38AAAAAA8zMzADAwP8Af39/AAAAAAAAAAAAAAAAAAAAAAAAAAAAIQAAABgAAAAUAAAAKwUAAKgMAABbHQAAGyQAABAAAAAmAAAACAAAAAGAAAAAAAAA"/>
+                <pr:smNativeData xmlns:pr="smNativeData" xmlns="smNativeData" val="SMDATA_15_/1o6ZxMAAAAlAAAAZAAAAA0AAAAAkAAAAEgAAACQAAAASAAAAAAAAAAAAAAAAAAAAAEAAABQAAAAAAAAAAAA4D8AAAAAAADgPwAAAAAAAOA/AAAAAAAA4D8AAAAAAADgPwAAAAAAAOA/AAAAAAAA4D8AAAAAAADgPwAAAAAAAOA/AAAAAAAA4D8CAAAAjAAAAAAAAAAAAAAARHLEDP///wgAAAAAAAAAAAAAAAAAAAAAAAAAAAAAAAAAAAAAZAAAAAEAAABAAAAAAAAAAAAAAAAAAAAAAAAAAAAAAAAAAAAAAAAAAAAAAAAAAAAAAAAAAAAAAAAAAAAAAAAAAAAAAAAAAAAAAAAAAAAAAAAAAAAAAAAAAAAAAAAAAAAAFAAAADwAAAAAAAAAAAAAAAAAAAkUAAAAAQAAABQAAAAUAAAAFAAAAAEAAAAAAAAAZAAAAGQAAAAAAAAAZAAAAGQAAAAVAAAAYAAAAAAAAAAAAAAADwAAACADAAAAAAAAAAAAAAEAAACgMgAAVgcAAKr4//8BAAAAf39/AAEAAABkAAAAAAAAABQAAABAHwAAAAAAACYAAAAAAAAAwOD//wAAAAAmAAAAZAAAABYAAABMAAAAAAAAAAAAAAAEAAAAAAAAAAEAAADn5uYKAAAAACgAAAAoAAAAZAAAAGQAAAAAAAAAzMzMAAAAAABQAAAAUAAAAGQAAABkAAAAAAAAABcAAAAUAAAAAAAAAAAAAAD/fwAA/38AAAAAAAAJAAAABAAAAAAAAAAeAAAAaAAAAAAAAAAAAAAAAAAAAAAAAAAAAAAAECcAABAnAAAAAAAAAAAAAAAAAAAAAAAAAAAAAAAAAAAAAAAAAAAAABQAAAAAAAAAwMD/AAAAAABkAAAAMgAAAAAAAABkAAAAAAAAAH9/fwAKAAAAIgAAABgAAAAAAAAAAAAAAAAAAAAAAAAAAAAAAAAAAAAkAAAAJAAAAAAAAAAHAAAAAAAAAAAAAAAAAAAAAAAAAAAAAAAAAAAAf39/ACUAAABYAAAAAAAAAAAAAAAAAAAAAAAAAAAAAAAAAAAAAAAAAAAAAAAAAAAAAAAAAAAAAAA/AAAAAAAAAKCGAQAAAAAAAAAAAAAAAAAMAAAAAQAAAAAAAAAAAAAAAAAAAB8AAABUAAAAAAAABQAAAAEAAAAAAAAAAAAAAAAAAAAAAAAAAAAAAAAAAAAAAAAAAAAAAAJ/f38AAAAAA8zMzADAwP8Af39/AAAAAAAAAAAAAAAAAAAAAAAAAAAAIQAAABgAAAAUAAAAKwUAAKgMAABbHQAAGyQAABAAAAAmAAAACAAAAAGAAAAAAAAA"/>
               </a:ext>
             </a:extLst>
           </p:cNvSpPr>
@@ -2882,7 +2882,7 @@
             <a:spLocks noGrp="1" noChangeArrowheads="1"/>
             <a:extLst>
               <a:ext uri="smNativeData">
-                <pr:smNativeData xmlns:pr="smNativeData" xmlns="smNativeData" val="SMDATA_15_u1g6ZxMAAAAlAAAAZAAAAA0AAAAAkAAAAEgAAACQAAAASAAAAAAAAAABAAAAAAAAAAEAAABQAAAAAAAAAAAA4D8AAAAAAADgPwAAAAAAAOA/AAAAAAAA4D8AAAAAAADgPwAAAAAAAOA/AAAAAAAA4D8AAAAAAADgPwAAAAAAAOA/AAAAAAAA4D8CAAAAjAAAAAAAAAAAAAAARHLEDP///wgAAAAAAAAAAAAAAAAAAAAAAAAAAAAAAAAAAAAAZAAAAAEAAABAAAAAAAAAAAAAAAAAAAAAAAAAAAAAAAAAAAAAAAAAAAAAAAAAAAAAAAAAAAAAAAAAAAAAAAAAAAAAAAAAAAAAAAAAAAAAAAAAAAAAAAAAAAAAAAAAAAAAFAAAADwAAAAAAAAAAAAAAAAAAAkUAAAAAQAAABQAAAAUAAAAFAAAAAEAAAAAAAAAZAAAAGQAAAAAAAAAZAAAAGQAAAAVAAAAYAAAAAAAAAAAAAAADwAAACADAAAAAAAAAAAAAAEAAACgMgAAVgcAAKr4//8BAAAAf39/AAEAAABkAAAAAAAAABQAAABAHwAAAAAAACYAAAAAAAAAwOD//wAAAAAmAAAAZAAAABYAAABMAAAAAAAAAAAAAAAEAAAAAAAAAAEAAADn5uYKAAAAACgAAAAoAAAAZAAAAGQAAAAAAAAAzMzMAAAAAABQAAAAUAAAAGQAAABkAAAAAAAAABcAAAAUAAAAAAAAAAAAAAD/fwAA/38AAAAAAAAJAAAABAAAAAAAAAAeAAAAaAAAAAAAAAAAAAAAAAAAAAAAAAAAAAAAECcAABAnAAAAAAAAAAAAAAAAAAAAAAAAAAAAAAAAAAAAAAAAAAAAABQAAAAAAAAAwMD/AAAAAABkAAAAMgAAAAAAAABkAAAAAAAAAH9/fwAKAAAAIgAAABgAAAAAAAAAAAAAAAAAAAAAAAAAAAAAAAAAAAAkAAAAJAAAAAAAAAAHAAAAAAAAAAAAAAAAAAAAAAAAAAAAAAAAAAAAf39/ACUAAABYAAAAAAAAAAAAAAAAAAAAAAAAAAAAAAAAAAAAAAAAAAAAAAAAAAAAAAAAAAAAAAA/AAAAAAAAAKCGAQAAAAAAAAAAAAAAAAAMAAAAAQAAAAAAAAAAAAAAAAAAAB8AAABUAAAAAAAABQAAAAEAAAAAAAAAAAAAAAAAAAAAAAAAAAAAAAAAAAAAAAAAAAAAAAJ/f38AAAAAA8zMzADAwP8Af39/AAAAAAAAAAAAAAAAAAAAAAAAAAAAIQAAABgAAAAUAAAAKAUAABonAAAIFgAAWSkAABAAAAAmAAAACAAAAAAAAAAAAAAA"/>
+                <pr:smNativeData xmlns:pr="smNativeData" xmlns="smNativeData" val="SMDATA_15_/1o6ZxMAAAAlAAAAZAAAAA0AAAAAkAAAAEgAAACQAAAASAAAAAAAAAABAAAAAAAAAAEAAABQAAAAAAAAAAAA4D8AAAAAAADgPwAAAAAAAOA/AAAAAAAA4D8AAAAAAADgPwAAAAAAAOA/AAAAAAAA4D8AAAAAAADgPwAAAAAAAOA/AAAAAAAA4D8CAAAAjAAAAAAAAAAAAAAARHLEDP///wgAAAAAAAAAAAAAAAAAAAAAAAAAAAAAAAAAAAAAZAAAAAEAAABAAAAAAAAAAAAAAAAAAAAAAAAAAAAAAAAAAAAAAAAAAAAAAAAAAAAAAAAAAAAAAAAAAAAAAAAAAAAAAAAAAAAAAAAAAAAAAAAAAAAAAAAAAAAAAAAAAAAAFAAAADwAAAAAAAAAAAAAAAAAAAkUAAAAAQAAABQAAAAUAAAAFAAAAAEAAAAAAAAAZAAAAGQAAAAAAAAAZAAAAGQAAAAVAAAAYAAAAAAAAAAAAAAADwAAACADAAAAAAAAAAAAAAEAAACgMgAAVgcAAKr4//8BAAAAf39/AAEAAABkAAAAAAAAABQAAABAHwAAAAAAACYAAAAAAAAAwOD//wAAAAAmAAAAZAAAABYAAABMAAAAAAAAAAAAAAAEAAAAAAAAAAEAAADn5uYKAAAAACgAAAAoAAAAZAAAAGQAAAAAAAAAzMzMAAAAAABQAAAAUAAAAGQAAABkAAAAAAAAABcAAAAUAAAAAAAAAAAAAAD/fwAA/38AAAAAAAAJAAAABAAAAAAAAAAeAAAAaAAAAAAAAAAAAAAAAAAAAAAAAAAAAAAAECcAABAnAAAAAAAAAAAAAAAAAAAAAAAAAAAAAAAAAAAAAAAAAAAAABQAAAAAAAAAwMD/AAAAAABkAAAAMgAAAAAAAABkAAAAAAAAAH9/fwAKAAAAIgAAABgAAAAAAAAAAAAAAAAAAAAAAAAAAAAAAAAAAAAkAAAAJAAAAAAAAAAHAAAAAAAAAAAAAAAAAAAAAAAAAAAAAAAAAAAAf39/ACUAAABYAAAAAAAAAAAAAAAAAAAAAAAAAAAAAAAAAAAAAAAAAAAAAAAAAAAAAAAAAAAAAAA/AAAAAAAAAKCGAQAAAAAAAAAAAAAAAAAMAAAAAQAAAAAAAAAAAAAAAAAAAB8AAABUAAAAAAAABQAAAAEAAAAAAAAAAAAAAAAAAAAAAAAAAAAAAAAAAAAAAAAAAAAAAAJ/f38AAAAAA8zMzADAwP8Af39/AAAAAAAAAAAAAAAAAAAAAAAAAAAAIQAAABgAAAAUAAAAKAUAABonAAAIFgAAWSkAABAAAAAmAAAACAAAAAAAAAAAAAAA"/>
               </a:ext>
             </a:extLst>
           </p:cNvSpPr>
@@ -2898,7 +2898,7 @@
             <a:pPr>
               <a:defRPr lang="de-de"/>
             </a:pPr>
-            <a:fld id="{2EDABDC0-8EC3-8F4B-8D62-781EF32C7B2D}" type="datetime1">
+            <a:fld id="{1CCF81AC-E2F1-9A77-BF77-1422CF394941}" type="datetime1">
               <a:t>07.07.2023</a:t>
             </a:fld>
           </a:p>
@@ -2911,7 +2911,7 @@
             <a:spLocks noGrp="1" noChangeArrowheads="1"/>
             <a:extLst>
               <a:ext uri="smNativeData">
-                <pr:smNativeData xmlns:pr="smNativeData" xmlns="smNativeData" val="SMDATA_15_u1g6ZxMAAAAlAAAAZAAAAA0AAAAAkAAAAEgAAACQAAAASAAAAAAAAAABAAAAAAAAAAEAAABQAAAAAAAAAAAA4D8AAAAAAADgPwAAAAAAAOA/AAAAAAAA4D8AAAAAAADgPwAAAAAAAOA/AAAAAAAA4D8AAAAAAADgPwAAAAAAAOA/AAAAAAAA4D8CAAAAjAAAAAAAAAAAAAAARHLEDP///wgAAAAAAAAAAAAAAAAAAAAAAAAAAAAAAAAAAAAAZAAAAAEAAABAAAAAAAAAAAAAAAAAAAAAAAAAAAAAAAAAAAAAAAAAAAAAAAAAAAAAAAAAAAAAAAAAAAAAAAAAAAAAAAAAAAAAAAAAAAAAAAAAAAAAAAAAAAAAAAAAAAAAFAAAADwAAAAAAAAAAAAAAAAAAAkUAAAAAQAAABQAAAAUAAAAFAAAAAEAAAAAAAAAZAAAAGQAAAAAAAAAZAAAAGQAAAAVAAAAYAAAAAAAAAAAAAAADwAAACADAAAAAAAAAAAAAAEAAACgMgAAVgcAAKr4//8BAAAAf39/AAEAAABkAAAAAAAAABQAAABAHwAAAAAAACYAAAAAAAAAwOD//wAAAAAmAAAAZAAAABYAAABMAAAAAAAAAAAAAAAEAAAAAAAAAAEAAADn5uYKAAAAACgAAAAoAAAAZAAAAGQAAAAAAAAAzMzMAAAAAABQAAAAUAAAAGQAAABkAAAAAAAAABcAAAAUAAAAAAAAAAAAAAD/fwAA/38AAAAAAAAJAAAABAAAAAAAAAAeAAAAaAAAAAAAAAAAAAAAAAAAAAAAAAAAAAAAECcAABAnAAAAAAAAAAAAAAAAAAAAAAAAAAAAAAAAAAAAAAAAAAAAABQAAAAAAAAAwMD/AAAAAABkAAAAMgAAAAAAAABkAAAAAAAAAH9/fwAKAAAAIgAAABgAAAAAAAAAAAAAAAAAAAAAAAAAAAAAAAAAAAAkAAAAJAAAAAAAAAAHAAAAAAAAAAAAAAAAAAAAAAAAAAAAAAAAAAAAf39/ACUAAABYAAAAAAAAAAAAAAAAAAAAAAAAAAAAAAAAAAAAAAAAAAAAAAAAAAAAAAAAAAAAAAA/AAAAAAAAAKCGAQAAAAAAAAAAAAAAAAAMAAAAAQAAAAAAAAAAAAAAAAAAAB8AAABUAAAAAAAABQAAAAEAAAAAAAAAAAAAAAAAAAAAAAAAAAAAAAAAAAAAAAAAAAAAAAJ/f38AAAAAA8zMzADAwP8Af39/AAAAAAAAAAAAAAAAAAAAAAAAAAAAIQAAABgAAAAUAAAA2BgAABonAAAoMgAAWSkAABAAAAAmAAAACAAAAAAAAAAAAAAA"/>
+                <pr:smNativeData xmlns:pr="smNativeData" xmlns="smNativeData" val="SMDATA_15_/1o6ZxMAAAAlAAAAZAAAAA0AAAAAkAAAAEgAAACQAAAASAAAAAAAAAABAAAAAAAAAAEAAABQAAAAAAAAAAAA4D8AAAAAAADgPwAAAAAAAOA/AAAAAAAA4D8AAAAAAADgPwAAAAAAAOA/AAAAAAAA4D8AAAAAAADgPwAAAAAAAOA/AAAAAAAA4D8CAAAAjAAAAAAAAAAAAAAARHLEDP///wgAAAAAAAAAAAAAAAAAAAAAAAAAAAAAAAAAAAAAZAAAAAEAAABAAAAAAAAAAAAAAAAAAAAAAAAAAAAAAAAAAAAAAAAAAAAAAAAAAAAAAAAAAAAAAAAAAAAAAAAAAAAAAAAAAAAAAAAAAAAAAAAAAAAAAAAAAAAAAAAAAAAAFAAAADwAAAAAAAAAAAAAAAAAAAkUAAAAAQAAABQAAAAUAAAAFAAAAAEAAAAAAAAAZAAAAGQAAAAAAAAAZAAAAGQAAAAVAAAAYAAAAAAAAAAAAAAADwAAACADAAAAAAAAAAAAAAEAAACgMgAAVgcAAKr4//8BAAAAf39/AAEAAABkAAAAAAAAABQAAABAHwAAAAAAACYAAAAAAAAAwOD//wAAAAAmAAAAZAAAABYAAABMAAAAAAAAAAAAAAAEAAAAAAAAAAEAAADn5uYKAAAAACgAAAAoAAAAZAAAAGQAAAAAAAAAzMzMAAAAAABQAAAAUAAAAGQAAABkAAAAAAAAABcAAAAUAAAAAAAAAAAAAAD/fwAA/38AAAAAAAAJAAAABAAAAAAAAAAeAAAAaAAAAAAAAAAAAAAAAAAAAAAAAAAAAAAAECcAABAnAAAAAAAAAAAAAAAAAAAAAAAAAAAAAAAAAAAAAAAAAAAAABQAAAAAAAAAwMD/AAAAAABkAAAAMgAAAAAAAABkAAAAAAAAAH9/fwAKAAAAIgAAABgAAAAAAAAAAAAAAAAAAAAAAAAAAAAAAAAAAAAkAAAAJAAAAAAAAAAHAAAAAAAAAAAAAAAAAAAAAAAAAAAAAAAAAAAAf39/ACUAAABYAAAAAAAAAAAAAAAAAAAAAAAAAAAAAAAAAAAAAAAAAAAAAAAAAAAAAAAAAAAAAAA/AAAAAAAAAKCGAQAAAAAAAAAAAAAAAAAMAAAAAQAAAAAAAAAAAAAAAAAAAB8AAABUAAAAAAAABQAAAAEAAAAAAAAAAAAAAAAAAAAAAAAAAAAAAAAAAAAAAAAAAAAAAAJ/f38AAAAAA8zMzADAwP8Af39/AAAAAAAAAAAAAAAAAAAAAAAAAAAAIQAAABgAAAAUAAAA2BgAABonAAAoMgAAWSkAABAAAAAmAAAACAAAAAAAAAAAAAAA"/>
               </a:ext>
             </a:extLst>
           </p:cNvSpPr>
@@ -2937,7 +2937,7 @@
             <a:spLocks noGrp="1" noChangeArrowheads="1"/>
             <a:extLst>
               <a:ext uri="smNativeData">
-                <pr:smNativeData xmlns:pr="smNativeData" xmlns="smNativeData" val="SMDATA_15_u1g6ZxMAAAAlAAAAZAAAAA0AAAAAkAAAAEgAAACQAAAASAAAAAAAAAABAAAAAAAAAAEAAABQAAAAAAAAAAAA4D8AAAAAAADgPwAAAAAAAOA/AAAAAAAA4D8AAAAAAADgPwAAAAAAAOA/AAAAAAAA4D8AAAAAAADgPwAAAAAAAOA/AAAAAAAA4D8CAAAAjAAAAAAAAAAAAAAARHLEDP///wgAAAAAAAAAAAAAAAAAAAAAAAAAAAAAAAAAAAAAZAAAAAEAAABAAAAAAAAAAAAAAAAAAAAAAAAAAAAAAAAAAAAAAAAAAAAAAAAAAAAAAAAAAAAAAAAAAAAAAAAAAAAAAAAAAAAAAAAAAAAAAAAAAAAAAAAAAAAAAAAAAAAAFAAAADwAAAAAAAAAAAAAAAAAAAkUAAAAAQAAABQAAAAUAAAAFAAAAAEAAAAAAAAAZAAAAGQAAAAAAAAAZAAAAGQAAAAVAAAAYAAAAAAAAAAAAAAADwAAACADAAAAAAAAAAAAAAEAAACgMgAAVgcAAKr4//8BAAAAf39/AAEAAABkAAAAAAAAABQAAABAHwAAAAAAACYAAAAAAAAAwOD//wAAAAAmAAAAZAAAABYAAABMAAAAAAAAAAAAAAAEAAAAAAAAAAEAAADn5uYKAAAAACgAAAAoAAAAZAAAAGQAAAAAAAAAzMzMAAAAAABQAAAAUAAAAGQAAABkAAAAAAAAABcAAAAUAAAAAAAAAAAAAAD/fwAA/38AAAAAAAAJAAAABAAAAAAAAAAeAAAAaAAAAAAAAAAAAAAAAAAAAAAAAAAAAAAAECcAABAnAAAAAAAAAAAAAAAAAAAAAAAAAAAAAAAAAAAAAAAAAAAAABQAAAAAAAAAwMD/AAAAAABkAAAAMgAAAAAAAABkAAAAAAAAAH9/fwAKAAAAIgAAABgAAAAAAAAAAAAAAAAAAAAAAAAAAAAAAAAAAAAkAAAAJAAAAAAAAAAHAAAAAAAAAAAAAAAAAAAAAAAAAAAAAAAAAAAAf39/ACUAAABYAAAAAAAAAAAAAAAAAAAAAAAAAAAAAAAAAAAAAAAAAAAAAAAAAAAAAAAAAAAAAAA/AAAAAAAAAKCGAQAAAAAAAAAAAAAAAAAMAAAAAQAAAAAAAAAAAAAAAAAAAB8AAABUAAAAAAAABQAAAAEAAAAAAAAAAAAAAAAAAAAAAAAAAAAAAAAAAAAAAAAAAAAAAAJ/f38AAAAAA8zMzADAwP8Af39/AAAAAAAAAAAAAAAAAAAAAAAAAAAAIQAAABgAAAAUAAAA+DQAABonAADYRQAAWSkAABAAAAAmAAAACAAAAAAAAAAAAAAA"/>
+                <pr:smNativeData xmlns:pr="smNativeData" xmlns="smNativeData" val="SMDATA_15_/1o6ZxMAAAAlAAAAZAAAAA0AAAAAkAAAAEgAAACQAAAASAAAAAAAAAABAAAAAAAAAAEAAABQAAAAAAAAAAAA4D8AAAAAAADgPwAAAAAAAOA/AAAAAAAA4D8AAAAAAADgPwAAAAAAAOA/AAAAAAAA4D8AAAAAAADgPwAAAAAAAOA/AAAAAAAA4D8CAAAAjAAAAAAAAAAAAAAARHLEDP///wgAAAAAAAAAAAAAAAAAAAAAAAAAAAAAAAAAAAAAZAAAAAEAAABAAAAAAAAAAAAAAAAAAAAAAAAAAAAAAAAAAAAAAAAAAAAAAAAAAAAAAAAAAAAAAAAAAAAAAAAAAAAAAAAAAAAAAAAAAAAAAAAAAAAAAAAAAAAAAAAAAAAAFAAAADwAAAAAAAAAAAAAAAAAAAkUAAAAAQAAABQAAAAUAAAAFAAAAAEAAAAAAAAAZAAAAGQAAAAAAAAAZAAAAGQAAAAVAAAAYAAAAAAAAAAAAAAADwAAACADAAAAAAAAAAAAAAEAAACgMgAAVgcAAKr4//8BAAAAf39/AAEAAABkAAAAAAAAABQAAABAHwAAAAAAACYAAAAAAAAAwOD//wAAAAAmAAAAZAAAABYAAABMAAAAAAAAAAAAAAAEAAAAAAAAAAEAAADn5uYKAAAAACgAAAAoAAAAZAAAAGQAAAAAAAAAzMzMAAAAAABQAAAAUAAAAGQAAABkAAAAAAAAABcAAAAUAAAAAAAAAAAAAAD/fwAA/38AAAAAAAAJAAAABAAAAAAAAAAeAAAAaAAAAAAAAAAAAAAAAAAAAAAAAAAAAAAAECcAABAnAAAAAAAAAAAAAAAAAAAAAAAAAAAAAAAAAAAAAAAAAAAAABQAAAAAAAAAwMD/AAAAAABkAAAAMgAAAAAAAABkAAAAAAAAAH9/fwAKAAAAIgAAABgAAAAAAAAAAAAAAAAAAAAAAAAAAAAAAAAAAAAkAAAAJAAAAAAAAAAHAAAAAAAAAAAAAAAAAAAAAAAAAAAAAAAAAAAAf39/ACUAAABYAAAAAAAAAAAAAAAAAAAAAAAAAAAAAAAAAAAAAAAAAAAAAAAAAAAAAAAAAAAAAAA/AAAAAAAAAKCGAQAAAAAAAAAAAAAAAAAMAAAAAQAAAAAAAAAAAAAAAAAAAB8AAABUAAAAAAAABQAAAAEAAAAAAAAAAAAAAAAAAAAAAAAAAAAAAAAAAAAAAAAAAAAAAAJ/f38AAAAAA8zMzADAwP8Af39/AAAAAAAAAAAAAAAAAAAAAAAAAAAAIQAAABgAAAAUAAAA+DQAABonAADYRQAAWSkAABAAAAAmAAAACAAAAAAAAAAAAAAA"/>
               </a:ext>
             </a:extLst>
           </p:cNvSpPr>
@@ -2953,7 +2953,7 @@
             <a:pPr>
               <a:defRPr lang="de-de"/>
             </a:pPr>
-            <a:fld id="{2EDAD7CD-83C3-8F21-8D62-7574992C7B20}" type="slidenum">
+            <a:fld id="{1CCFC1BE-F0F1-9A37-BF77-06628F394953}" type="slidenum">
               <a:t>‹Nr.›</a:t>
             </a:fld>
           </a:p>
@@ -3000,7 +3000,7 @@
             <a:spLocks noGrp="1" noChangeArrowheads="1"/>
             <a:extLst>
               <a:ext uri="smNativeData">
-                <pr:smNativeData xmlns:pr="smNativeData" xmlns="smNativeData" val="SMDATA_15_u1g6ZxMAAAAlAAAAZAAAAA0AAAAAkAAAAEgAAACQAAAASAAAAAAAAAABAAAAAAAAAAEAAABQAAAAAAAAAAAA4D8AAAAAAADgPwAAAAAAAOA/AAAAAAAA4D8AAAAAAADgPwAAAAAAAOA/AAAAAAAA4D8AAAAAAADgPwAAAAAAAOA/AAAAAAAA4D8CAAAAjAAAAAAAAAAAAAAA////AP///wgAAAAAAAAAAAAAAAAAAAAAAAAAAAAAAAAAAAAAeAAAAAEAAABAAAAAAAAAAAAAAABaAAAAAAAAAAAAAAAAAAAAAAAAAAAAAAAAAAAAAAAAAAAAAAAAAAAAAAAAAAAAAAAAAAAAAAAAAAAAAAAAAAAAAAAAAAAAAAAAAAAAFAAAADwAAAAAAAAAAAAAAAAAAAAPAAAAAQAAACMAAAAjAAAAIwAAAB4AAAAAAAAAZAAAAGQAAAAAAAAAZAAAAGQAAAAVAAAAYAAAAAAAAAAAAAAADwAAACADAAAAAAAAAAAAAAEAAACgMgAAVgcAAKr4//8BAAAAf39/AAEAAABkAAAAAAAAABQAAABAHwAAAAAAACYAAAAAAAAAwOD//wAAAAAmAAAAZAAAABYAAABMAAAAAAAAAAAAAAAEAAAAAAAAAAEAAADn5uYKAAAAACgAAAAoAAAAZAAAAGQAAAAAAAAAzMzMAAAAAABQAAAAUAAAAGQAAABkAAAAAAAAABcAAAAUAAAAAAAAAAAAAAD/fwAA/38AAAAAAAAJAAAABAAAAPG8AAAeAAAAaAAAAAAAAAAAAAAAAAAAAAAAAAAAAAAAECcAABAnAAAAAAAAAAAAAAAAAAAAAAAAAAAAAAAAAAAAAAAAAAAAABQAAAAAAAAAwMD/AAAAAABkAAAAMgAAAAAAAABkAAAAAAAAAH9/fwAKAAAAIgAAABgAAAAAAAAAAAAAAAAAAAAAAAAAAAAAAAAAAAAkAAAAJAAAAAAAAAAHAAAAAAAAAAAAAAAAAAAAAAAAAAAAAAAAAAAAf39/ACUAAABYAAAAAAAAAAAAAAAAAAAAAAAAAAAAAAAAAAAAAAAAAAAAAAAAAAAAAAAAAAAAAAA/AAAAAAAAAKCGAQAAAAAAAAAAAAAAAAAMAAAAAQAAAAAAAAAAAAAAAAAAAB8AAABUAAAA////AAAAAAEAAAAAAAAAAAAAAAAAAAAAAAAAAAAAAAAAAAAAAAAAAAAAAAB/f38AAAAAA8zMzADAwP8Af39/AAAAAAAAAAAAAAAAAAAAAAAAAAAAIQAAABgAAAAUAAAAKAUAAD8CAADYRQAAZwoAABAAAAAmAAAACAAAAL8vAAAAAAAA"/>
+                <pr:smNativeData xmlns:pr="smNativeData" xmlns="smNativeData" val="SMDATA_15_/1o6ZxMAAAAlAAAAZAAAAA0AAAAAkAAAAEgAAACQAAAASAAAAAAAAAABAAAAAAAAAAEAAABQAAAAAAAAAAAA4D8AAAAAAADgPwAAAAAAAOA/AAAAAAAA4D8AAAAAAADgPwAAAAAAAOA/AAAAAAAA4D8AAAAAAADgPwAAAAAAAOA/AAAAAAAA4D8CAAAAjAAAAAAAAAAAAAAA////AP///wgAAAAAAAAAAAAAAAAAAAAAAAAAAAAAAAAAAAAAeAAAAAEAAABAAAAAAAAAAAAAAABaAAAAAAAAAAAAAAAAAAAAAAAAAAAAAAAAAAAAAAAAAAAAAAAAAAAAAAAAAAAAAAAAAAAAAAAAAAAAAAAAAAAAAAAAAAAAAAAAAAAAFAAAADwAAAAAAAAAAAAAAAAAAAAPAAAAAQAAACMAAAAjAAAAIwAAAB4AAAAAAAAAZAAAAGQAAAAAAAAAZAAAAGQAAAAVAAAAYAAAAAAAAAAAAAAADwAAACADAAAAAAAAAAAAAAEAAACgMgAAVgcAAKr4//8BAAAAf39/AAEAAABkAAAAAAAAABQAAABAHwAAAAAAACYAAAAAAAAAwOD//wAAAAAmAAAAZAAAABYAAABMAAAAAAAAAAAAAAAEAAAAAAAAAAEAAADn5uYKAAAAACgAAAAoAAAAZAAAAGQAAAAAAAAAzMzMAAAAAABQAAAAUAAAAGQAAABkAAAAAAAAABcAAAAUAAAAAAAAAAAAAAD/fwAA/38AAAAAAAAJAAAABAAAAPG8AAAeAAAAaAAAAAAAAAAAAAAAAAAAAAAAAAAAAAAAECcAABAnAAAAAAAAAAAAAAAAAAAAAAAAAAAAAAAAAAAAAAAAAAAAABQAAAAAAAAAwMD/AAAAAABkAAAAMgAAAAAAAABkAAAAAAAAAH9/fwAKAAAAIgAAABgAAAAAAAAAAAAAAAAAAAAAAAAAAAAAAAAAAAAkAAAAJAAAAAAAAAAHAAAAAAAAAAAAAAAAAAAAAAAAAAAAAAAAAAAAf39/ACUAAABYAAAAAAAAAAAAAAAAAAAAAAAAAAAAAAAAAAAAAAAAAAAAAAAAAAAAAAAAAAAAAAA/AAAAAAAAAKCGAQAAAAAAAAAAAAAAAAAMAAAAAQAAAAAAAAAAAAAAAAAAAB8AAABUAAAA////AAAAAAEAAAAAAAAAAAAAAAAAAAAAAAAAAAAAAAAAAAAAAAAAAAAAAAB/f38AAAAAA8zMzADAwP8Af39/AAAAAAAAAAAAAAAAAAAAAAAAAAAAIQAAABgAAAAUAAAAKAUAAD8CAADYRQAAZwoAABAAAAAmAAAACAAAAL8vAAAAAAAA"/>
               </a:ext>
             </a:extLst>
           </p:cNvSpPr>
@@ -3041,7 +3041,7 @@
             <a:spLocks noGrp="1" noChangeArrowheads="1"/>
             <a:extLst>
               <a:ext uri="smNativeData">
-                <pr:smNativeData xmlns:pr="smNativeData" xmlns="smNativeData" val="SMDATA_15_u1g6ZxMAAAAlAAAAZAAAAA0AAAAAkAAAAEgAAACQAAAASAAAAAAAAAAAAAAAAAAAAAEAAABQAAAAAAAAAAAA4D8AAAAAAADgPwAAAAAAAOA/AAAAAAAA4D8AAAAAAADgPwAAAAAAAOA/AAAAAAAA4D8AAAAAAADgPwAAAAAAAOA/AAAAAAAA4D8CAAAAjAAAAAAAAAAAAAAA////AP///wgAAAAAAAAAAAAAAAAAAAAAAAAAAAAAAAAAAAAAeAAAAAEAAABAAAAAAAAAAAAAAABaAAAAAAAAAAAAAAAAAAAAAAAAAAAAAAAAAAAAAAAAAAAAAAAAAAAAAAAAAAAAAAAAAAAAAAAAAAAAAAAAAAAAAAAAAAAAAAAAAAAAFAAAADwAAAAAAAAAAAAAAAAAAAAPAAAAAQAAACMAAAAjAAAAIwAAAB4AAAAAAAAAZAAAAGQAAAAAAAAAZAAAAGQAAAAVAAAAYAAAAAAAAAAAAAAADwAAACADAAAAAAAAAAAAAAEAAACgMgAAVgcAAKr4//8BAAAAf39/AAEAAABkAAAAAAAAABQAAABAHwAAAAAAACYAAAAAAAAAwOD//wAAAAAmAAAAZAAAABYAAABMAAAAAAAAAAAAAAAEAAAAAAAAAAEAAADn5uYKAAAAACgAAAAoAAAAZAAAAGQAAAAAAAAAzMzMAAAAAABQAAAAUAAAAGQAAABkAAAAAAAAABcAAAAUAAAAAAAAAAAAAAD/fwAA/38AAAAAAAAJAAAABAAAAPG8AAAeAAAAaAAAAAAAAAAAAAAAAAAAAAAAAAAAAAAAECcAABAnAAAAAAAAAAAAAAAAAAAAAAAAAAAAAAAAAAAAAAAAAAAAABQAAAAAAAAAwMD/AAAAAABkAAAAMgAAAAAAAABkAAAAAAAAAH9/fwAKAAAAIgAAABgAAAAAAAAAAAAAAAAAAAAAAAAAAAAAAAAAAAAkAAAAJAAAAAAAAAAHAAAAAAAAAAAAAAAAAAAAAAAAAAAAAAAAAAAAf39/ACUAAABYAAAAAAAAAAAAAAAAAAAAAAAAAAAAAAAAAAAAAAAAAAAAAAAAAAAAAAAAAAAAAAA/AAAAAAAAAKCGAQAAAAAAAAAAAAAAAAAMAAAAAQAAAAAAAAAAAAAAAAAAAB8AAABUAAAA////AAAAAAEAAAAAAAAAAAAAAAAAAAAAAAAAAAAAAAAAAAAAAAAAAAAAAAB/f38AAAAAA8zMzADAwP8Af39/AAAAAAAAAAAAAAAAAAAAAAAAAAAAIQAAABgAAAAUAAAAKAUAADsLAADYRQAAACYAABAAAAAmAAAACAAAAD8vAAAAAAAA"/>
+                <pr:smNativeData xmlns:pr="smNativeData" xmlns="smNativeData" val="SMDATA_15_/1o6ZxMAAAAlAAAAZAAAAA0AAAAAkAAAAEgAAACQAAAASAAAAAAAAAAAAAAAAAAAAAEAAABQAAAAAAAAAAAA4D8AAAAAAADgPwAAAAAAAOA/AAAAAAAA4D8AAAAAAADgPwAAAAAAAOA/AAAAAAAA4D8AAAAAAADgPwAAAAAAAOA/AAAAAAAA4D8CAAAAjAAAAAAAAAAAAAAA////AP///wgAAAAAAAAAAAAAAAAAAAAAAAAAAAAAAAAAAAAAeAAAAAEAAABAAAAAAAAAAAAAAABaAAAAAAAAAAAAAAAAAAAAAAAAAAAAAAAAAAAAAAAAAAAAAAAAAAAAAAAAAAAAAAAAAAAAAAAAAAAAAAAAAAAAAAAAAAAAAAAAAAAAFAAAADwAAAAAAAAAAAAAAAAAAAAPAAAAAQAAACMAAAAjAAAAIwAAAB4AAAAAAAAAZAAAAGQAAAAAAAAAZAAAAGQAAAAVAAAAYAAAAAAAAAAAAAAADwAAACADAAAAAAAAAAAAAAEAAACgMgAAVgcAAKr4//8BAAAAf39/AAEAAABkAAAAAAAAABQAAABAHwAAAAAAACYAAAAAAAAAwOD//wAAAAAmAAAAZAAAABYAAABMAAAAAAAAAAAAAAAEAAAAAAAAAAEAAADn5uYKAAAAACgAAAAoAAAAZAAAAGQAAAAAAAAAzMzMAAAAAABQAAAAUAAAAGQAAABkAAAAAAAAABcAAAAUAAAAAAAAAAAAAAD/fwAA/38AAAAAAAAJAAAABAAAAPG8AAAeAAAAaAAAAAAAAAAAAAAAAAAAAAAAAAAAAAAAECcAABAnAAAAAAAAAAAAAAAAAAAAAAAAAAAAAAAAAAAAAAAAAAAAABQAAAAAAAAAwMD/AAAAAABkAAAAMgAAAAAAAABkAAAAAAAAAH9/fwAKAAAAIgAAABgAAAAAAAAAAAAAAAAAAAAAAAAAAAAAAAAAAAAkAAAAJAAAAAAAAAAHAAAAAAAAAAAAAAAAAAAAAAAAAAAAAAAAAAAAf39/ACUAAABYAAAAAAAAAAAAAAAAAAAAAAAAAAAAAAAAAAAAAAAAAAAAAAAAAAAAAAAAAAAAAAA/AAAAAAAAAKCGAQAAAAAAAAAAAAAAAAAMAAAAAQAAAAAAAAAAAAAAAAAAAB8AAABUAAAA////AAAAAAEAAAAAAAAAAAAAAAAAAAAAAAAAAAAAAAAAAAAAAAAAAAAAAAB/f38AAAAAA8zMzADAwP8Af39/AAAAAAAAAAAAAAAAAAAAAAAAAAAAIQAAABgAAAAUAAAAKAUAADsLAADYRQAAACYAABAAAAAmAAAACAAAAD8vAAAAAAAA"/>
               </a:ext>
             </a:extLst>
           </p:cNvSpPr>
@@ -3114,7 +3114,7 @@
             <a:spLocks noGrp="1" noChangeArrowheads="1"/>
             <a:extLst>
               <a:ext uri="smNativeData">
-                <pr:smNativeData xmlns:pr="smNativeData" xmlns="smNativeData" val="SMDATA_15_u1g6ZxMAAAAlAAAAZAAAAA0AAAAAkAAAAEgAAACQAAAASAAAAAAAAAABAAAAAAAAAAEAAABQAAAAAAAAAAAA4D8AAAAAAADgPwAAAAAAAOA/AAAAAAAA4D8AAAAAAADgPwAAAAAAAOA/AAAAAAAA4D8AAAAAAADgPwAAAAAAAOA/AAAAAAAA4D8CAAAAjAAAAAAAAAAAAAAA////AP///wgAAAAAAAAAAAAAAAAAAAAAAAAAAAAAAAAAAAAAeAAAAAEAAABAAAAAAAAAAAAAAABaAAAAAAAAAAAAAAAAAAAAAAAAAAAAAAAAAAAAAAAAAAAAAAAAAAAAAAAAAAAAAAAAAAAAAAAAAAAAAAAAAAAAAAAAAAAAAAAAAAAAFAAAADwAAAAAAAAAAAAAAAAAAAAPAAAAAQAAACMAAAAjAAAAIwAAAB4AAAAAAAAAZAAAAGQAAAAAAAAAZAAAAGQAAAAVAAAAYAAAAAAAAAAAAAAADwAAACADAAAAAAAAAAAAAAEAAACgMgAAVgcAAKr4//8BAAAAf39/AAEAAABkAAAAAAAAABQAAABAHwAAAAAAACYAAAAAAAAAwOD//wAAAAAmAAAAZAAAABYAAABMAAAAAAAAAAAAAAAEAAAAAAAAAAEAAADn5uYKAAAAACgAAAAoAAAAZAAAAGQAAAAAAAAAzMzMAAAAAABQAAAAUAAAAGQAAABkAAAAAAAAABcAAAAUAAAAAAAAAAAAAAD/fwAA/38AAAAAAAAJAAAABAAAAAAAAAAeAAAAaAAAAAAAAAAAAAAAAAAAAAAAAAAAAAAAECcAABAnAAAAAAAAAAAAAAAAAAAAAAAAAAAAAAAAAAAAAAAAAAAAABQAAAAAAAAAwMD/AAAAAABkAAAAMgAAAAAAAABkAAAAAAAAAH9/fwAKAAAAIgAAABgAAAAAAAAAAAAAAAAAAAAAAAAAAAAAAAAAAAAkAAAAJAAAAAAAAAAHAAAAAAAAAAAAAAAAAAAAAAAAAAAAAAAAAAAAf39/ACUAAABYAAAAAAAAAAAAAAAAAAAAAAAAAAAAAAAAAAAAAAAAAAAAAAAAAAAAAAAAAAAAAAA/AAAAAAAAAKCGAQAAAAAAAAAAAAAAAAAMAAAAAQAAAAAAAAAAAAAAAAAAAB8AAABUAAAA////AAAAAAEAAAAAAAAAAAAAAAAAAAAAAAAAAAAAAAAAAAAAAAAAAAAAAAB/f38AAAAAA8zMzADAwP8Af39/AAAAAAAAAAAAAAAAAAAAAAAAAAAAIQAAABgAAAAUAAAAKAUAABonAAAIFgAAWSkAABAAAAAmAAAACAAAAL+PAAAAAAAA"/>
+                <pr:smNativeData xmlns:pr="smNativeData" xmlns="smNativeData" val="SMDATA_15_/1o6ZxMAAAAlAAAAZAAAAA0AAAAAkAAAAEgAAACQAAAASAAAAAAAAAABAAAAAAAAAAEAAABQAAAAAAAAAAAA4D8AAAAAAADgPwAAAAAAAOA/AAAAAAAA4D8AAAAAAADgPwAAAAAAAOA/AAAAAAAA4D8AAAAAAADgPwAAAAAAAOA/AAAAAAAA4D8CAAAAjAAAAAAAAAAAAAAA////AP///wgAAAAAAAAAAAAAAAAAAAAAAAAAAAAAAAAAAAAAeAAAAAEAAABAAAAAAAAAAAAAAABaAAAAAAAAAAAAAAAAAAAAAAAAAAAAAAAAAAAAAAAAAAAAAAAAAAAAAAAAAAAAAAAAAAAAAAAAAAAAAAAAAAAAAAAAAAAAAAAAAAAAFAAAADwAAAAAAAAAAAAAAAAAAAAPAAAAAQAAACMAAAAjAAAAIwAAAB4AAAAAAAAAZAAAAGQAAAAAAAAAZAAAAGQAAAAVAAAAYAAAAAAAAAAAAAAADwAAACADAAAAAAAAAAAAAAEAAACgMgAAVgcAAKr4//8BAAAAf39/AAEAAABkAAAAAAAAABQAAABAHwAAAAAAACYAAAAAAAAAwOD//wAAAAAmAAAAZAAAABYAAABMAAAAAAAAAAAAAAAEAAAAAAAAAAEAAADn5uYKAAAAACgAAAAoAAAAZAAAAGQAAAAAAAAAzMzMAAAAAABQAAAAUAAAAGQAAABkAAAAAAAAABcAAAAUAAAAAAAAAAAAAAD/fwAA/38AAAAAAAAJAAAABAAAAAAAAAAeAAAAaAAAAAAAAAAAAAAAAAAAAAAAAAAAAAAAECcAABAnAAAAAAAAAAAAAAAAAAAAAAAAAAAAAAAAAAAAAAAAAAAAABQAAAAAAAAAwMD/AAAAAABkAAAAMgAAAAAAAABkAAAAAAAAAH9/fwAKAAAAIgAAABgAAAAAAAAAAAAAAAAAAAAAAAAAAAAAAAAAAAAkAAAAJAAAAAAAAAAHAAAAAAAAAAAAAAAAAAAAAAAAAAAAAAAAAAAAf39/ACUAAABYAAAAAAAAAAAAAAAAAAAAAAAAAAAAAAAAAAAAAAAAAAAAAAAAAAAAAAAAAAAAAAA/AAAAAAAAAKCGAQAAAAAAAAAAAAAAAAAMAAAAAQAAAAAAAAAAAAAAAAAAAB8AAABUAAAA////AAAAAAEAAAAAAAAAAAAAAAAAAAAAAAAAAAAAAAAAAAAAAAAAAAAAAAB/f38AAAAAA8zMzADAwP8Af39/AAAAAAAAAAAAAAAAAAAAAAAAAAAAIQAAABgAAAAUAAAAKAUAABonAAAIFgAAWSkAABAAAAAmAAAACAAAAL+PAAAAAAAA"/>
               </a:ext>
             </a:extLst>
           </p:cNvSpPr>
@@ -3174,7 +3174,7 @@
             <a:pPr>
               <a:defRPr lang="de-de"/>
             </a:pPr>
-            <a:fld id="{2EDAD27B-35C3-8F24-8D62-C3719C2C7B96}" type="datetime1">
+            <a:fld id="{1CCFB946-08F1-9A4F-BF77-FE1AF73949AB}" type="datetime1">
               <a:t/>
             </a:fld>
           </a:p>
@@ -3187,7 +3187,7 @@
             <a:spLocks noGrp="1" noChangeArrowheads="1"/>
             <a:extLst>
               <a:ext uri="smNativeData">
-                <pr:smNativeData xmlns:pr="smNativeData" xmlns="smNativeData" val="SMDATA_15_u1g6ZxMAAAAlAAAAZAAAAA0AAAAAkAAAAEgAAACQAAAASAAAAAAAAAABAAAAAAAAAAEAAABQAAAAAAAAAAAA4D8AAAAAAADgPwAAAAAAAOA/AAAAAAAA4D8AAAAAAADgPwAAAAAAAOA/AAAAAAAA4D8AAAAAAADgPwAAAAAAAOA/AAAAAAAA4D8CAAAAjAAAAAAAAAAAAAAA////AP///wgAAAAAAAAAAAAAAAAAAAAAAAAAAAAAAAAAAAAAeAAAAAEAAABAAAAAAAAAAAAAAABaAAAAAAAAAAAAAAAAAAAAAAAAAAAAAAAAAAAAAAAAAAAAAAAAAAAAAAAAAAAAAAAAAAAAAAAAAAAAAAAAAAAAAAAAAAAAAAAAAAAAFAAAADwAAAAAAAAAAAAAAAAAAAAPAAAAAQAAACMAAAAjAAAAIwAAAB4AAAAAAAAAZAAAAGQAAAAAAAAAZAAAAGQAAAAVAAAAYAAAAAAAAAAAAAAADwAAACADAAAAAAAAAAAAAAEAAACgMgAAVgcAAKr4//8BAAAAf39/AAEAAABkAAAAAAAAABQAAABAHwAAAAAAACYAAAAAAAAAwOD//wAAAAAmAAAAZAAAABYAAABMAAAAAAAAAAAAAAAEAAAAAAAAAAEAAADn5uYKAAAAACgAAAAoAAAAZAAAAGQAAAAAAAAAzMzMAAAAAABQAAAAUAAAAGQAAABkAAAAAAAAABcAAAAUAAAAAAAAAAAAAAD/fwAA/38AAAAAAAAJAAAABAAAAAAAAAAeAAAAaAAAAAAAAAAAAAAAAAAAAAAAAAAAAAAAECcAABAnAAAAAAAAAAAAAAAAAAAAAAAAAAAAAAAAAAAAAAAAAAAAABQAAAAAAAAAwMD/AAAAAABkAAAAMgAAAAAAAABkAAAAAAAAAH9/fwAKAAAAIgAAABgAAAAAAAAAAAAAAAAAAAAAAAAAAAAAAAAAAAAkAAAAJAAAAAAAAAAHAAAAAAAAAAAAAAAAAAAAAAAAAAAAAAAAAAAAf39/ACUAAABYAAAAAAAAAAAAAAAAAAAAAAAAAAAAAAAAAAAAAAAAAAAAAAAAAAAAAAAAAAAAAAA/AAAAAAAAAKCGAQAAAAAAAAAAAAAAAAAMAAAAAQAAAAAAAAAAAAAAAAAAAB8AAABUAAAA////AAAAAAEAAAAAAAAAAAAAAAAAAAAAAAAAAAAAAAAAAAAAAAAAAAAAAAB/f38AAAAAA8zMzADAwP8Af39/AAAAAAAAAAAAAAAAAAAAAAAAAAAAIQAAABgAAAAUAAAA2BgAABonAAAoMgAAWSkAABAAAAAmAAAACAAAAL+PAAAAAAAA"/>
+                <pr:smNativeData xmlns:pr="smNativeData" xmlns="smNativeData" val="SMDATA_15_/1o6ZxMAAAAlAAAAZAAAAA0AAAAAkAAAAEgAAACQAAAASAAAAAAAAAABAAAAAAAAAAEAAABQAAAAAAAAAAAA4D8AAAAAAADgPwAAAAAAAOA/AAAAAAAA4D8AAAAAAADgPwAAAAAAAOA/AAAAAAAA4D8AAAAAAADgPwAAAAAAAOA/AAAAAAAA4D8CAAAAjAAAAAAAAAAAAAAA////AP///wgAAAAAAAAAAAAAAAAAAAAAAAAAAAAAAAAAAAAAeAAAAAEAAABAAAAAAAAAAAAAAABaAAAAAAAAAAAAAAAAAAAAAAAAAAAAAAAAAAAAAAAAAAAAAAAAAAAAAAAAAAAAAAAAAAAAAAAAAAAAAAAAAAAAAAAAAAAAAAAAAAAAFAAAADwAAAAAAAAAAAAAAAAAAAAPAAAAAQAAACMAAAAjAAAAIwAAAB4AAAAAAAAAZAAAAGQAAAAAAAAAZAAAAGQAAAAVAAAAYAAAAAAAAAAAAAAADwAAACADAAAAAAAAAAAAAAEAAACgMgAAVgcAAKr4//8BAAAAf39/AAEAAABkAAAAAAAAABQAAABAHwAAAAAAACYAAAAAAAAAwOD//wAAAAAmAAAAZAAAABYAAABMAAAAAAAAAAAAAAAEAAAAAAAAAAEAAADn5uYKAAAAACgAAAAoAAAAZAAAAGQAAAAAAAAAzMzMAAAAAABQAAAAUAAAAGQAAABkAAAAAAAAABcAAAAUAAAAAAAAAAAAAAD/fwAA/38AAAAAAAAJAAAABAAAAAAAAAAeAAAAaAAAAAAAAAAAAAAAAAAAAAAAAAAAAAAAECcAABAnAAAAAAAAAAAAAAAAAAAAAAAAAAAAAAAAAAAAAAAAAAAAABQAAAAAAAAAwMD/AAAAAABkAAAAMgAAAAAAAABkAAAAAAAAAH9/fwAKAAAAIgAAABgAAAAAAAAAAAAAAAAAAAAAAAAAAAAAAAAAAAAkAAAAJAAAAAAAAAAHAAAAAAAAAAAAAAAAAAAAAAAAAAAAAAAAAAAAf39/ACUAAABYAAAAAAAAAAAAAAAAAAAAAAAAAAAAAAAAAAAAAAAAAAAAAAAAAAAAAAAAAAAAAAA/AAAAAAAAAKCGAQAAAAAAAAAAAAAAAAAMAAAAAQAAAAAAAAAAAAAAAAAAAB8AAABUAAAA////AAAAAAEAAAAAAAAAAAAAAAAAAAAAAAAAAAAAAAAAAAAAAAAAAAAAAAB/f38AAAAAA8zMzADAwP8Af39/AAAAAAAAAAAAAAAAAAAAAAAAAAAAIQAAABgAAAAUAAAA2BgAABonAAAoMgAAWSkAABAAAAAmAAAACAAAAL+PAAAAAAAA"/>
               </a:ext>
             </a:extLst>
           </p:cNvSpPr>
@@ -3257,7 +3257,7 @@
             <a:spLocks noGrp="1" noChangeArrowheads="1"/>
             <a:extLst>
               <a:ext uri="smNativeData">
-                <pr:smNativeData xmlns:pr="smNativeData" xmlns="smNativeData" val="SMDATA_15_u1g6ZxMAAAAlAAAAZAAAAA0AAAAAkAAAAEgAAACQAAAASAAAAAAAAAABAAAAAAAAAAEAAABQAAAAAAAAAAAA4D8AAAAAAADgPwAAAAAAAOA/AAAAAAAA4D8AAAAAAADgPwAAAAAAAOA/AAAAAAAA4D8AAAAAAADgPwAAAAAAAOA/AAAAAAAA4D8CAAAAjAAAAAAAAAAAAAAA////AP///wgAAAAAAAAAAAAAAAAAAAAAAAAAAAAAAAAAAAAAeAAAAAEAAABAAAAAAAAAAAAAAABaAAAAAAAAAAAAAAAAAAAAAAAAAAAAAAAAAAAAAAAAAAAAAAAAAAAAAAAAAAAAAAAAAAAAAAAAAAAAAAAAAAAAAAAAAAAAAAAAAAAAFAAAADwAAAAAAAAAAAAAAAAAAAAPAAAAAQAAACMAAAAjAAAAIwAAAB4AAAAAAAAAZAAAAGQAAAAAAAAAZAAAAGQAAAAVAAAAYAAAAAAAAAAAAAAADwAAACADAAAAAAAAAAAAAAEAAACgMgAAVgcAAKr4//8BAAAAf39/AAEAAABkAAAAAAAAABQAAABAHwAAAAAAACYAAAAAAAAAwOD//wAAAAAmAAAAZAAAABYAAABMAAAAAAAAAAAAAAAEAAAAAAAAAAEAAADn5uYKAAAAACgAAAAoAAAAZAAAAGQAAAAAAAAAzMzMAAAAAABQAAAAUAAAAGQAAABkAAAAAAAAABcAAAAUAAAAAAAAAAAAAAD/fwAA/38AAAAAAAAJAAAABAAAAPG8AAAeAAAAaAAAAAAAAAAAAAAAAAAAAAAAAAAAAAAAECcAABAnAAAAAAAAAAAAAAAAAAAAAAAAAAAAAAAAAAAAAAAAAAAAABQAAAAAAAAAwMD/AAAAAABkAAAAMgAAAAAAAABkAAAAAAAAAH9/fwAKAAAAIgAAABgAAAAAAAAAAAAAAAAAAAAAAAAAAAAAAAAAAAAkAAAAJAAAAAAAAAAHAAAAAAAAAAAAAAAAAAAAAAAAAAAAAAAAAAAAf39/ACUAAABYAAAAAAAAAAAAAAAAAAAAAAAAAAAAAAAAAAAAAAAAAAAAAAAAAAAAAAAAAAAAAAA/AAAAAAAAAKCGAQAAAAAAAAAAAAAAAAAMAAAAAQAAAAAAAAAAAAAAAAAAAB8AAABUAAAA////AAAAAAEAAAAAAAAAAAAAAAAAAAAAAAAAAAAAAAAAAAAAAAAAAAAAAAB/f38AAAAAA8zMzADAwP8Af39/AAAAAAAAAAAAAAAAAAAAAAAAAAAAIQAAABgAAAAUAAAA+DQAABonAADYRQAAWSkAABAAAAAmAAAACAAAAL+PAAAAAAAA"/>
+                <pr:smNativeData xmlns:pr="smNativeData" xmlns="smNativeData" val="SMDATA_15_/1o6ZxMAAAAlAAAAZAAAAA0AAAAAkAAAAEgAAACQAAAASAAAAAAAAAABAAAAAAAAAAEAAABQAAAAAAAAAAAA4D8AAAAAAADgPwAAAAAAAOA/AAAAAAAA4D8AAAAAAADgPwAAAAAAAOA/AAAAAAAA4D8AAAAAAADgPwAAAAAAAOA/AAAAAAAA4D8CAAAAjAAAAAAAAAAAAAAA////AP///wgAAAAAAAAAAAAAAAAAAAAAAAAAAAAAAAAAAAAAeAAAAAEAAABAAAAAAAAAAAAAAABaAAAAAAAAAAAAAAAAAAAAAAAAAAAAAAAAAAAAAAAAAAAAAAAAAAAAAAAAAAAAAAAAAAAAAAAAAAAAAAAAAAAAAAAAAAAAAAAAAAAAFAAAADwAAAAAAAAAAAAAAAAAAAAPAAAAAQAAACMAAAAjAAAAIwAAAB4AAAAAAAAAZAAAAGQAAAAAAAAAZAAAAGQAAAAVAAAAYAAAAAAAAAAAAAAADwAAACADAAAAAAAAAAAAAAEAAACgMgAAVgcAAKr4//8BAAAAf39/AAEAAABkAAAAAAAAABQAAABAHwAAAAAAACYAAAAAAAAAwOD//wAAAAAmAAAAZAAAABYAAABMAAAAAAAAAAAAAAAEAAAAAAAAAAEAAADn5uYKAAAAACgAAAAoAAAAZAAAAGQAAAAAAAAAzMzMAAAAAABQAAAAUAAAAGQAAABkAAAAAAAAABcAAAAUAAAAAAAAAAAAAAD/fwAA/38AAAAAAAAJAAAABAAAAPG8AAAeAAAAaAAAAAAAAAAAAAAAAAAAAAAAAAAAAAAAECcAABAnAAAAAAAAAAAAAAAAAAAAAAAAAAAAAAAAAAAAAAAAAAAAABQAAAAAAAAAwMD/AAAAAABkAAAAMgAAAAAAAABkAAAAAAAAAH9/fwAKAAAAIgAAABgAAAAAAAAAAAAAAAAAAAAAAAAAAAAAAAAAAAAkAAAAJAAAAAAAAAAHAAAAAAAAAAAAAAAAAAAAAAAAAAAAAAAAAAAAf39/ACUAAABYAAAAAAAAAAAAAAAAAAAAAAAAAAAAAAAAAAAAAAAAAAAAAAAAAAAAAAAAAAAAAAA/AAAAAAAAAKCGAQAAAAAAAAAAAAAAAAAMAAAAAQAAAAAAAAAAAAAAAAAAAB8AAABUAAAA////AAAAAAEAAAAAAAAAAAAAAAAAAAAAAAAAAAAAAAAAAAAAAAAAAAAAAAB/f38AAAAAA8zMzADAwP8Af39/AAAAAAAAAAAAAAAAAAAAAAAAAAAAIQAAABgAAAAUAAAA+DQAABonAADYRQAAWSkAABAAAAAmAAAACAAAAL+PAAAAAAAA"/>
               </a:ext>
             </a:extLst>
           </p:cNvSpPr>
@@ -3317,7 +3317,7 @@
             <a:pPr>
               <a:defRPr lang="de-de"/>
             </a:pPr>
-            <a:fld id="{2EDACFC5-8BC3-8F39-8D62-7D6C812C7B28}" type="slidenum">
+            <a:fld id="{1CCFDB51-1FF1-9A2D-BF77-E978953949BC}" type="slidenum">
               <a:t/>
             </a:fld>
           </a:p>
@@ -3995,7 +3995,7 @@
           <p:cNvSpPr>
             <a:extLst>
               <a:ext uri="smNativeData">
-                <pr:smNativeData xmlns:pr="smNativeData" xmlns="smNativeData" val="SMDATA_15_u1g6ZxMAAAAlAAAAZQAAAA0AAAAAkAAAAEgAAACQAAAASAAAAAAAAAABAAAAAAAAAAEAAABQAAAAf2q8dJMYxD8AAAAAAADwvwAAAAAAAOA/AAAAAAAA4D8AAAAAAADgPwAAAAAAAOA/AAAAAAAA4D8AAAAAAADgPwAAAAAAAOA/AAAAAAAA4D8CAAAAjAAAAAAAAAAAAAAARHLEDP///wgAAAAAAAAAAAAAAAAAAAAAAAAAAAAAAAAAAAAAZAAAAAEAAABAAAAAAAAAAAAAAAAAAAAAAAAAAAAAAAAAAAAAAAAAAAAAAAAAAAAAAAAAAAAAAAAAAAAAAAAAAAAAAAAAAAAAAAAAAAAAAAAAAAAAAAAAAAAAAAAAAAAAFAAAADwAAAABAAAAAAAAAB4yVwAUAAAAAQAAABQAAAAUAAAAFAAAAAEAAAAAAAAAZAAAAGQAAAAAAAAAZAAAAGQAAAAVAAAAYAAAAAAAAAAAAAAADwAAACADAAAAAAAAAAAAAAEAAACgMgAAVgcAAKr4//8BAAAAf39/AAEAAABkAAAAAAAAABQAAABAHwAAAAAAACYAAAAAAAAAwOD//wAAAAAmAAAAZAAAABYAAABMAAAAAAAAAAAAAAAEAAAAAAAAAAEAAADn5uYKAAAAACgAAAAoAAAAZAAAAGQAAAAAAAAAzMzMAAAAAABQAAAAUAAAAGQAAABkAAAAAAAAABcAAAAUAAAAAAAAAAAAAAD/fwAA/38AAAAAAAAJAAAABAAAAAAAAAAeAAAAaAAAAAAAAAAAAAAAAAAAAAAAAAAAAAAAECcAABAnAAAAAAAAAAAAAAAAAAAAAAAAAAAAAAAAAAAAAAAAAAAAABQAAAAAAAAAwMD/AAAAAABkAAAAMgAAAAAAAABkAAAAAAAAAH9/fwAKAAAAIgAAABgAAAAAAAAAAAAAAAAAAAAAAAAAAAAAAAAAAAAkAAAAJAAAAAAAAAAHAAAAAAAAAAAAAAAAAAAAAAAAAAAAAAAAAAAAf39/ACUAAABYAAAAAAAAAAAAAAAAAAAAAAAAAAAAAAAAAAAAAAAAAAAAAAAAAAAAAAAAAAAAAAA/AAAAAAAAAKCGAQAAAAAAAAAAAAAAAAAMAAAAAQAAAAAAAAAAAAAAAAAAAB8AAABUAAAARHLEBf///wEAAAAAAAAAAAAAAAAAAAAAAAAAAAAAAAAAAAAAAAAAAB4yVwB/f38A5+bmA8zMzADAwP8Af39/AAAAAAAAAAAAAAAAAAAAAAAAAAAAIQAAABgAAAAUAAAAfRMAAAAAAADTLQAAsikAABAAAAAmAAAACAAAAP//////////"/>
+                <pr:smNativeData xmlns:pr="smNativeData" xmlns="smNativeData" val="SMDATA_15_/1o6ZxMAAAAlAAAAZQAAAA0AAAAAkAAAAEgAAACQAAAASAAAAAAAAAABAAAAAAAAAAEAAABQAAAAf2q8dJMYxD8AAAAAAADwvwAAAAAAAOA/AAAAAAAA4D8AAAAAAADgPwAAAAAAAOA/AAAAAAAA4D8AAAAAAADgPwAAAAAAAOA/AAAAAAAA4D8CAAAAjAAAAAAAAAAAAAAARHLEDP///wgAAAAAAAAAAAAAAAAAAAAAAAAAAAAAAAAAAAAAZAAAAAEAAABAAAAAAAAAAAAAAAAAAAAAAAAAAAAAAAAAAAAAAAAAAAAAAAAAAAAAAAAAAAAAAAAAAAAAAAAAAAAAAAAAAAAAAAAAAAAAAAAAAAAAAAAAAAAAAAAAAAAAFAAAADwAAAABAAAAAAAAAB4yVwAUAAAAAQAAABQAAAAUAAAAFAAAAAEAAAAAAAAAZAAAAGQAAAAAAAAAZAAAAGQAAAAVAAAAYAAAAAAAAAAAAAAADwAAACADAAAAAAAAAAAAAAEAAACgMgAAVgcAAKr4//8BAAAAf39/AAEAAABkAAAAAAAAABQAAABAHwAAAAAAACYAAAAAAAAAwOD//wAAAAAmAAAAZAAAABYAAABMAAAAAAAAAAAAAAAEAAAAAAAAAAEAAADn5uYKAAAAACgAAAAoAAAAZAAAAGQAAAAAAAAAzMzMAAAAAABQAAAAUAAAAGQAAABkAAAAAAAAABcAAAAUAAAAAAAAAAAAAAD/fwAA/38AAAAAAAAJAAAABAAAAAAAAAAeAAAAaAAAAAAAAAAAAAAAAAAAAAAAAAAAAAAAECcAABAnAAAAAAAAAAAAAAAAAAAAAAAAAAAAAAAAAAAAAAAAAAAAABQAAAAAAAAAwMD/AAAAAABkAAAAMgAAAAAAAABkAAAAAAAAAH9/fwAKAAAAIgAAABgAAAAAAAAAAAAAAAAAAAAAAAAAAAAAAAAAAAAkAAAAJAAAAAAAAAAHAAAAAAAAAAAAAAAAAAAAAAAAAAAAAAAAAAAAf39/ACUAAABYAAAAAAAAAAAAAAAAAAAAAAAAAAAAAAAAAAAAAAAAAAAAAAAAAAAAAAAAAAAAAAA/AAAAAAAAAKCGAQAAAAAAAAAAAAAAAAAMAAAAAQAAAAAAAAAAAAAAAAAAAB8AAABUAAAARHLEBf///wEAAAAAAAAAAAAAAAAAAAAAAAAAAAAAAAAAAAAAAAAAAB4yVwB/f38A5+bmA8zMzADAwP8Af39/AAAAAAAAAAAAAAAAAAAAAAAAAAAAIQAAABgAAAAUAAAAfRMAAAAAAADTLQAAsikAABAAAAAmAAAACAAAAP//////////"/>
               </a:ext>
             </a:extLst>
           </p:cNvSpPr>
@@ -4045,7 +4045,7 @@
           <p:cNvSpPr>
             <a:extLst>
               <a:ext uri="smNativeData">
-                <pr:smNativeData xmlns:pr="smNativeData" xmlns="smNativeData" val="SMDATA_15_u1g6ZxMAAAAlAAAAZQAAAA0AAAAAkAAAAEgAAACQAAAASAAAAAAAAAABAAAAAAAAAAEAAABQAAAALUMc6+I2yj8AAAAAAADwvwAAAAAAAOA/AAAAAAAA4D8AAAAAAADgPwAAAAAAAOA/AAAAAAAA4D8AAAAAAADgPwAAAAAAAOA/AAAAAAAA4D8CAAAAjAAAAAAAAAAAAAAARHLEDP///wgAAAAAAAAAAAAAAAAAAAAAAAAAAAAAAAAAAAAAZAAAAAEAAABAAAAAAAAAAAAAAAAAAAAAAAAAAAAAAAAAAAAAAAAAAAAAAAAAAAAAAAAAAAAAAAAAAAAAAAAAAAAAAAAAAAAAAAAAAAAAAAAAAAAAAAAAAAAAAAAAAAAAFAAAADwAAAABAAAAAAAAAB4yVwAUAAAAAQAAABQAAAAUAAAAFAAAAAEAAAAAAAAAZAAAAGQAAAAAAAAAZAAAAGQAAAAVAAAAYAAAAAAAAAAAAAAADwAAACADAAAAAAAAAAAAAAEAAACgMgAAVgcAAKr4//8BAAAAf39/AAEAAABkAAAAAAAAABQAAABAHwAAAAAAACYAAAAAAAAAwOD//wAAAAAmAAAAZAAAABYAAABMAAAAAAAAAAAAAAAEAAAAAAAAAAEAAADn5uYKAAAAACgAAAAoAAAAZAAAAGQAAAAAAAAAzMzMAAAAAABQAAAAUAAAAGQAAABkAAAAAAAAABcAAAAUAAAAAAAAAAAAAAD/fwAA/38AAAAAAAAJAAAABAAAAAAAAAAeAAAAaAAAAAAAAAAAAAAAAAAAAAAAAAAAAAAAECcAABAnAAAAAAAAAAAAAAAAAAAAAAAAAAAAAAAAAAAAAAAAAAAAABQAAAAAAAAAwMD/AAAAAABkAAAAMgAAAAAAAABkAAAAAAAAAH9/fwAKAAAAIgAAABgAAAAAAAAAAAAAAAAAAAAAAAAAAAAAAAAAAAAkAAAAJAAAAAAAAAAHAAAAAAAAAAAAAAAAAAAAAAAAAAAAAAAAAAAAf39/ACUAAABYAAAAAAAAAAAAAAAAAAAAAAAAAAAAAAAAAAAAAAAAAAAAAAAAAAAAAAAAAAAAAAA/AAAAAAAAAKCGAQAAAAAAAAAAAAAAAAAMAAAAAQAAAAAAAAAAAAAAAAAAAB8AAABUAAAARHLEBf///wEAAAAAAAAAAAAAAAAAAAAAAAAAAAAAAAAAAAAAAAAAAB4yVwB/f38A5+bmA8zMzADAwP8Af39/AAAAAAAAAAAAAAAAAAAAAAAAAAAAIQAAABgAAAAUAAAAfRMAABgVAADTLQAAsikAABAAAAAmAAAACAAAAP//////////"/>
+                <pr:smNativeData xmlns:pr="smNativeData" xmlns="smNativeData" val="SMDATA_15_/1o6ZxMAAAAlAAAAZQAAAA0AAAAAkAAAAEgAAACQAAAASAAAAAAAAAABAAAAAAAAAAEAAABQAAAALUMc6+I2yj8AAAAAAADwvwAAAAAAAOA/AAAAAAAA4D8AAAAAAADgPwAAAAAAAOA/AAAAAAAA4D8AAAAAAADgPwAAAAAAAOA/AAAAAAAA4D8CAAAAjAAAAAAAAAAAAAAARHLEDP///wgAAAAAAAAAAAAAAAAAAAAAAAAAAAAAAAAAAAAAZAAAAAEAAABAAAAAAAAAAAAAAAAAAAAAAAAAAAAAAAAAAAAAAAAAAAAAAAAAAAAAAAAAAAAAAAAAAAAAAAAAAAAAAAAAAAAAAAAAAAAAAAAAAAAAAAAAAAAAAAAAAAAAFAAAADwAAAABAAAAAAAAAB4yVwAUAAAAAQAAABQAAAAUAAAAFAAAAAEAAAAAAAAAZAAAAGQAAAAAAAAAZAAAAGQAAAAVAAAAYAAAAAAAAAAAAAAADwAAACADAAAAAAAAAAAAAAEAAACgMgAAVgcAAKr4//8BAAAAf39/AAEAAABkAAAAAAAAABQAAABAHwAAAAAAACYAAAAAAAAAwOD//wAAAAAmAAAAZAAAABYAAABMAAAAAAAAAAAAAAAEAAAAAAAAAAEAAADn5uYKAAAAACgAAAAoAAAAZAAAAGQAAAAAAAAAzMzMAAAAAABQAAAAUAAAAGQAAABkAAAAAAAAABcAAAAUAAAAAAAAAAAAAAD/fwAA/38AAAAAAAAJAAAABAAAAAAAAAAeAAAAaAAAAAAAAAAAAAAAAAAAAAAAAAAAAAAAECcAABAnAAAAAAAAAAAAAAAAAAAAAAAAAAAAAAAAAAAAAAAAAAAAABQAAAAAAAAAwMD/AAAAAABkAAAAMgAAAAAAAABkAAAAAAAAAH9/fwAKAAAAIgAAABgAAAAAAAAAAAAAAAAAAAAAAAAAAAAAAAAAAAAkAAAAJAAAAAAAAAAHAAAAAAAAAAAAAAAAAAAAAAAAAAAAAAAAAAAAf39/ACUAAABYAAAAAAAAAAAAAAAAAAAAAAAAAAAAAAAAAAAAAAAAAAAAAAAAAAAAAAAAAAAAAAA/AAAAAAAAAKCGAQAAAAAAAAAAAAAAAAAMAAAAAQAAAAAAAAAAAAAAAAAAAB8AAABUAAAARHLEBf///wEAAAAAAAAAAAAAAAAAAAAAAAAAAAAAAAAAAAAAAAAAAB4yVwB/f38A5+bmA8zMzADAwP8Af39/AAAAAAAAAAAAAAAAAAAAAAAAAAAAIQAAABgAAAAUAAAAfRMAABgVAADTLQAAsikAABAAAAAmAAAACAAAAP//////////"/>
               </a:ext>
             </a:extLst>
           </p:cNvSpPr>
@@ -4095,7 +4095,7 @@
           <p:cNvSpPr>
             <a:extLst>
               <a:ext uri="smNativeData">
-                <pr:smNativeData xmlns:pr="smNativeData" xmlns="smNativeData" val="SMDATA_15_u1g6ZxMAAAAlAAAAZAAAAE0AAAAAkAAAAEgAAACQAAAASAAAAAAAAAAAAAAAAAAAAAEAAABQAAAAAAAAAAAA4D8AAAAAAADgPwAAAAAAAOA/AAAAAAAA4D8AAAAAAADgPwAAAAAAAOA/AAAAAAAA4D8AAAAAAADgPwAAAAAAAOA/AAAAAAAA4D8CAAAAjAAAAAAAAAAAAAAARHLEDP///wgAAAAAAAAAAAAAAAAAAAAAAAAAAAAAAAAAAAAAZAAAAAEAAABAAAAAAAAAAAAAAAAAAAAAAAAAAAAAAAAAAAAAAAAAAAAAAAAAAAAAAAAAAAAAAAAAAAAAAAAAAAAAAAAAAAAAAAAAAAAAAAAAAAAAAAAAAAAAAAAAAAAAFAAAADwAAAAAAAAAAAAAAAAAAAAPAAAAAQAAACMAAAAjAAAAIwAAAB4AAAAAAAAAZAAAAGQAAAAAAAAAZAAAAGQAAAAVAAAAYAAAAAAAAAAAAAAADwAAACADAAAAAAAAAAAAAAEAAACgMgAAVgcAAKr4//8BAAAAf39/AAEAAABkAAAAAAAAABQAAABAHwAAAAAAACYAAAAAAAAAwOD//wAAAAAmAAAAZAAAABYAAABMAAAAAAAAAAAAAAAEAAAAAAAAAAEAAADn5uYKAAAAACgAAAAoAAAAZAAAAGQAAAAAAAAAzMzMAAAAAABQAAAAUAAAAGQAAABkAAAAAAAAABcAAAAUAAAAAAAAAAAAAAD/fwAA/38AAAAAAAAJAAAABAAAAAAAAAAeAAAAaAAAAAAAAAAAAAAAAAAAAAAAAAAAAAAAECcAABAnAAAAAAAAAAAAAAAAAAAAAAAAAAAAAAAAAAAAAAAAAAAAABQAAAAAAAAAwMD/AAAAAABkAAAAMgAAAAAAAABkAAAAAAAAAH9/fwAKAAAAIgAAABgAAAAAAAAAAAAAAAAAAAAAAAAAAAAAAAAAAAAkAAAAJAAAAAAAAAAHAAAAAAAAAAAAAAAAAAAAAAAAAAAAAAAAAAAAf39/ACUAAABYAAAAAAAAAAAAAAAAAAAAAAAAAAAAAAAAAAAAAAAAAAAAAAAAAAAAAAAAAAAAAAA/AAAAAAAAAKCGAQAAAAAAAAAAAAAAAAAMAAAAAQAAAAAAAAAAAAAAAAAAAB8AAABUAAAARHLEBf///wEAAAAAAAAAAAAAAAAAAAAAAAAAAAAAAAAAAAAAAAAAAAAAAAB/f38A5+bmA8zMzADAwP8Af39/AAAAAAAAAAAAAAAAAAAAAAAAAAAAIQAAABgAAAAUAAAAohQAAGsVAABMGQAAsBcAABAgAAAmAAAACAAAAP//////////"/>
+                <pr:smNativeData xmlns:pr="smNativeData" xmlns="smNativeData" val="SMDATA_15_/1o6ZxMAAAAlAAAAZAAAAE0AAAAAkAAAAEgAAACQAAAASAAAAAAAAAAAAAAAAAAAAAEAAABQAAAAAAAAAAAA4D8AAAAAAADgPwAAAAAAAOA/AAAAAAAA4D8AAAAAAADgPwAAAAAAAOA/AAAAAAAA4D8AAAAAAADgPwAAAAAAAOA/AAAAAAAA4D8CAAAAjAAAAAAAAAAAAAAARHLEDP///wgAAAAAAAAAAAAAAAAAAAAAAAAAAAAAAAAAAAAAZAAAAAEAAABAAAAAAAAAAAAAAAAAAAAAAAAAAAAAAAAAAAAAAAAAAAAAAAAAAAAAAAAAAAAAAAAAAAAAAAAAAAAAAAAAAAAAAAAAAAAAAAAAAAAAAAAAAAAAAAAAAAAAFAAAADwAAAAAAAAAAAAAAAAAAAAPAAAAAQAAACMAAAAjAAAAIwAAAB4AAAAAAAAAZAAAAGQAAAAAAAAAZAAAAGQAAAAVAAAAYAAAAAAAAAAAAAAADwAAACADAAAAAAAAAAAAAAEAAACgMgAAVgcAAKr4//8BAAAAf39/AAEAAABkAAAAAAAAABQAAABAHwAAAAAAACYAAAAAAAAAwOD//wAAAAAmAAAAZAAAABYAAABMAAAAAAAAAAAAAAAEAAAAAAAAAAEAAADn5uYKAAAAACgAAAAoAAAAZAAAAGQAAAAAAAAAzMzMAAAAAABQAAAAUAAAAGQAAABkAAAAAAAAABcAAAAUAAAAAAAAAAAAAAD/fwAA/38AAAAAAAAJAAAABAAAAAAAAAAeAAAAaAAAAAAAAAAAAAAAAAAAAAAAAAAAAAAAECcAABAnAAAAAAAAAAAAAAAAAAAAAAAAAAAAAAAAAAAAAAAAAAAAABQAAAAAAAAAwMD/AAAAAABkAAAAMgAAAAAAAABkAAAAAAAAAH9/fwAKAAAAIgAAABgAAAAAAAAAAAAAAAAAAAAAAAAAAAAAAAAAAAAkAAAAJAAAAAAAAAAHAAAAAAAAAAAAAAAAAAAAAAAAAAAAAAAAAAAAf39/ACUAAABYAAAAAAAAAAAAAAAAAAAAAAAAAAAAAAAAAAAAAAAAAAAAAAAAAAAAAAAAAAAAAAA/AAAAAAAAAKCGAQAAAAAAAAAAAAAAAAAMAAAAAQAAAAAAAAAAAAAAAAAAAB8AAABUAAAARHLEBf///wEAAAAAAAAAAAAAAAAAAAAAAAAAAAAAAAAAAAAAAAAAAAAAAAB/f38A5+bmA8zMzADAwP8Af39/AAAAAAAAAAAAAAAAAAAAAAAAAAAAIQAAABgAAAAUAAAAohQAAGsVAABMGQAAsBcAABAgAAAmAAAACAAAAP//////////"/>
               </a:ext>
             </a:extLst>
           </p:cNvSpPr>
@@ -4134,7 +4134,7 @@
           <p:cNvSpPr>
             <a:extLst>
               <a:ext uri="smNativeData">
-                <pr:smNativeData xmlns:pr="smNativeData" xmlns="smNativeData" val="SMDATA_15_u1g6ZxMAAAAlAAAAZQAAAA0AAAAAkAAAAEgAAACQAAAASAAAAAAAAAABAAAAAAAAAAEAAABQAAAAm3KFd7mI2z8AAAAAAADwvwAAAAAAAOA/AAAAAAAA4D8AAAAAAADgPwAAAAAAAOA/AAAAAAAA4D8AAAAAAADgPwAAAAAAAOA/AAAAAAAA4D8CAAAAjAAAAAEAAAAAAAAAVII1AP///wgAAAAAAAAAAAAAAAAAAAAAAAAAAAAAAAAAAAAAZAAAAAEAAABAAAAAAAAAAAAAAAAAAAAAAAAAAAAAAAAAAAAAAAAAAAAAAAAAAAAAAAAAAAAAAAAAAAAAAAAAAAAAAAAAAAAAAAAAAAAAAAAAAAAAAAAAAAAAAAAAAAAAFAAAADwAAAABAAAAAAAAAB4yVwAUAAAAAQAAABQAAAAUAAAAFAAAAAEAAAAAAAAAZAAAAGQAAAAAAAAAZAAAAGQAAAAVAAAAYAAAAAAAAAAAAAAADwAAACADAAAAAAAAAAAAAAEAAACgMgAAVgcAAKr4//8BAAAAf39/AAEAAABkAAAAAAAAABQAAABAHwAAAAAAACYAAAAAAAAAwOD//wAAAAAmAAAAZAAAABYAAABMAAAAAAAAAAAAAAAEAAAAAAAAAAEAAADn5uYKAAAAACgAAAAoAAAAZAAAAGQAAAAAAAAAzMzMAAAAAABQAAAAUAAAAGQAAABkAAAAAAAAABcAAAAUAAAAAAAAAAAAAAD/fwAA/38AAAAAAAAJAAAABAAAAAAAAAAeAAAAaAAAAAAAAAAAAAAAAAAAAAAAAAAAAAAAECcAABAnAAAAAAAAAAAAAAAAAAAAAAAAAAAAAAAAAAAAAAAAAAAAABQAAAAAAAAAwMD/AAAAAABkAAAAMgAAAAAAAABkAAAAAAAAAH9/fwAKAAAAIgAAABgAAAAAAAAAAAAAAAAAAAAAAAAAAAAAAAAAAAAkAAAAJAAAAAAAAAAHAAAAAAAAAAAAAAAAAAAAAAAAAAAAAAAAAAAAf39/ACUAAABYAAAAAAAAAAAAAAAAAAAAAAAAAAAAAAAAAAAAAAAAAAAAAAAAAAAAAAAAAAAAAAA/AAAAAAAAAKCGAQAAAAAAAAAAAAAAAAAMAAAAAQAAAAAAAAAAAAAAAAAAAB8AAABUAAAAVII1AP///wEAAAAAAAAAAAAAAAAAAAAAAAAAAAAAAAAAAAAAAAAAAB4yVwB/f38A5+bmA8zMzADAwP8Af39/AAAAAAAAAAAAAAAAAAAAAAAAAAAAIQAAABgAAAAUAAAANRQAAIQYAABIHAAAFykAABAAAAAmAAAACAAAAP//////////"/>
+                <pr:smNativeData xmlns:pr="smNativeData" xmlns="smNativeData" val="SMDATA_15_/1o6ZxMAAAAlAAAAZQAAAA0AAAAAkAAAAEgAAACQAAAASAAAAAAAAAABAAAAAAAAAAEAAABQAAAAm3KFd7mI2z8AAAAAAADwvwAAAAAAAOA/AAAAAAAA4D8AAAAAAADgPwAAAAAAAOA/AAAAAAAA4D8AAAAAAADgPwAAAAAAAOA/AAAAAAAA4D8CAAAAjAAAAAEAAAAAAAAAVII1AP///wgAAAAAAAAAAAAAAAAAAAAAAAAAAAAAAAAAAAAAZAAAAAEAAABAAAAAAAAAAAAAAAAAAAAAAAAAAAAAAAAAAAAAAAAAAAAAAAAAAAAAAAAAAAAAAAAAAAAAAAAAAAAAAAAAAAAAAAAAAAAAAAAAAAAAAAAAAAAAAAAAAAAAFAAAADwAAAABAAAAAAAAAB4yVwAUAAAAAQAAABQAAAAUAAAAFAAAAAEAAAAAAAAAZAAAAGQAAAAAAAAAZAAAAGQAAAAVAAAAYAAAAAAAAAAAAAAADwAAACADAAAAAAAAAAAAAAEAAACgMgAAVgcAAKr4//8BAAAAf39/AAEAAABkAAAAAAAAABQAAABAHwAAAAAAACYAAAAAAAAAwOD//wAAAAAmAAAAZAAAABYAAABMAAAAAAAAAAAAAAAEAAAAAAAAAAEAAADn5uYKAAAAACgAAAAoAAAAZAAAAGQAAAAAAAAAzMzMAAAAAABQAAAAUAAAAGQAAABkAAAAAAAAABcAAAAUAAAAAAAAAAAAAAD/fwAA/38AAAAAAAAJAAAABAAAAAAAAAAeAAAAaAAAAAAAAAAAAAAAAAAAAAAAAAAAAAAAECcAABAnAAAAAAAAAAAAAAAAAAAAAAAAAAAAAAAAAAAAAAAAAAAAABQAAAAAAAAAwMD/AAAAAABkAAAAMgAAAAAAAABkAAAAAAAAAH9/fwAKAAAAIgAAABgAAAAAAAAAAAAAAAAAAAAAAAAAAAAAAAAAAAAkAAAAJAAAAAAAAAAHAAAAAAAAAAAAAAAAAAAAAAAAAAAAAAAAAAAAf39/ACUAAABYAAAAAAAAAAAAAAAAAAAAAAAAAAAAAAAAAAAAAAAAAAAAAAAAAAAAAAAAAAAAAAA/AAAAAAAAAKCGAQAAAAAAAAAAAAAAAAAMAAAAAQAAAAAAAAAAAAAAAAAAAB8AAABUAAAAVII1AP///wEAAAAAAAAAAAAAAAAAAAAAAAAAAAAAAAAAAAAAAAAAAB4yVwB/f38A5+bmA8zMzADAwP8Af39/AAAAAAAAAAAAAAAAAAAAAAAAAAAAIQAAABgAAAAUAAAANRQAAIQYAABIHAAAFykAABAAAAAmAAAACAAAAP//////////"/>
               </a:ext>
             </a:extLst>
           </p:cNvSpPr>
@@ -4186,7 +4186,7 @@
           <p:cNvSpPr>
             <a:extLst>
               <a:ext uri="smNativeData">
-                <pr:smNativeData xmlns:pr="smNativeData" xmlns="smNativeData" val="SMDATA_15_u1g6ZxMAAAAlAAAAZQAAAA0AAAAAkAAAAEgAAACQAAAASAAAAAAAAAABAAAAAAAAAAEAAABQAAAAm3KFd7mI2z8AAAAAAADwvwAAAAAAAOA/AAAAAAAA4D8AAAAAAADgPwAAAAAAAOA/AAAAAAAA4D8AAAAAAADgPwAAAAAAAOA/AAAAAAAA4D8CAAAAjAAAAAEAAAAAAAAA9LCEAP///wgAAAAAAAAAAAAAAAAAAAAAAAAAAAAAAAAAAAAAZAAAAAEAAABAAAAAAAAAAAAAAAAAAAAAAAAAAAAAAAAAAAAAAAAAAAAAAAAAAAAAAAAAAAAAAAAAAAAAAAAAAAAAAAAAAAAAAAAAAAAAAAAAAAAAAAAAAAAAAAAAAAAAFAAAADwAAAABAAAAAAAAAB4yVwAUAAAAAQAAABQAAAAUAAAAFAAAAAEAAAAAAAAAZAAAAGQAAAAAAAAAZAAAAGQAAAAVAAAAYAAAAAAAAAAAAAAADwAAACADAAAAAAAAAAAAAAEAAACgMgAAVgcAAKr4//8BAAAAf39/AAEAAABkAAAAAAAAABQAAABAHwAAAAAAACYAAAAAAAAAwOD//wAAAAAmAAAAZAAAABYAAABMAAAAAAAAAAAAAAAEAAAAAAAAAAEAAADn5uYKAAAAACgAAAAoAAAAZAAAAGQAAAAAAAAAzMzMAAAAAABQAAAAUAAAAGQAAABkAAAAAAAAABcAAAAUAAAAAAAAAAAAAAD/fwAA/38AAAAAAAAJAAAABAAAAAAAAAAeAAAAaAAAAAAAAAAAAAAAAAAAAAAAAAAAAAAAECcAABAnAAAAAAAAAAAAAAAAAAAAAAAAAAAAAAAAAAAAAAAAAAAAABQAAAAAAAAAwMD/AAAAAABkAAAAMgAAAAAAAABkAAAAAAAAAH9/fwAKAAAAIgAAABgAAAAAAAAAAAAAAAAAAAAAAAAAAAAAAAAAAAAkAAAAJAAAAAAAAAAHAAAAAAAAAAAAAAAAAAAAAAAAAAAAAAAAAAAAf39/ACUAAABYAAAAAAAAAAAAAAAAAAAAAAAAAAAAAAAAAAAAAAAAAAAAAAAAAAAAAAAAAAAAAAA/AAAAAAAAAKCGAQAAAAAAAAAAAAAAAAAMAAAAAQAAAAAAAAAAAAAAAAAAAB8AAABUAAAA9LCEAP///wEAAAAAAAAAAAAAAAAAAAAAAAAAAAAAAAAAAAAAAAAAAB4yVwB/f38A5+bmA8zMzADAwP8Af39/AAAAAAAAAAAAAAAAAAAAAAAAAAAAIQAAABgAAAAUAAAA0BwAAIQYAADjJAAAFykAABAAAAAmAAAACAAAAP//////////"/>
+                <pr:smNativeData xmlns:pr="smNativeData" xmlns="smNativeData" val="SMDATA_15_/1o6ZxMAAAAlAAAAZQAAAA0AAAAAkAAAAEgAAACQAAAASAAAAAAAAAABAAAAAAAAAAEAAABQAAAAm3KFd7mI2z8AAAAAAADwvwAAAAAAAOA/AAAAAAAA4D8AAAAAAADgPwAAAAAAAOA/AAAAAAAA4D8AAAAAAADgPwAAAAAAAOA/AAAAAAAA4D8CAAAAjAAAAAEAAAAAAAAA9LCEAP///wgAAAAAAAAAAAAAAAAAAAAAAAAAAAAAAAAAAAAAZAAAAAEAAABAAAAAAAAAAAAAAAAAAAAAAAAAAAAAAAAAAAAAAAAAAAAAAAAAAAAAAAAAAAAAAAAAAAAAAAAAAAAAAAAAAAAAAAAAAAAAAAAAAAAAAAAAAAAAAAAAAAAAFAAAADwAAAABAAAAAAAAAB4yVwAUAAAAAQAAABQAAAAUAAAAFAAAAAEAAAAAAAAAZAAAAGQAAAAAAAAAZAAAAGQAAAAVAAAAYAAAAAAAAAAAAAAADwAAACADAAAAAAAAAAAAAAEAAACgMgAAVgcAAKr4//8BAAAAf39/AAEAAABkAAAAAAAAABQAAABAHwAAAAAAACYAAAAAAAAAwOD//wAAAAAmAAAAZAAAABYAAABMAAAAAAAAAAAAAAAEAAAAAAAAAAEAAADn5uYKAAAAACgAAAAoAAAAZAAAAGQAAAAAAAAAzMzMAAAAAABQAAAAUAAAAGQAAABkAAAAAAAAABcAAAAUAAAAAAAAAAAAAAD/fwAA/38AAAAAAAAJAAAABAAAAAAAAAAeAAAAaAAAAAAAAAAAAAAAAAAAAAAAAAAAAAAAECcAABAnAAAAAAAAAAAAAAAAAAAAAAAAAAAAAAAAAAAAAAAAAAAAABQAAAAAAAAAwMD/AAAAAABkAAAAMgAAAAAAAABkAAAAAAAAAH9/fwAKAAAAIgAAABgAAAAAAAAAAAAAAAAAAAAAAAAAAAAAAAAAAAAkAAAAJAAAAAAAAAAHAAAAAAAAAAAAAAAAAAAAAAAAAAAAAAAAAAAAf39/ACUAAABYAAAAAAAAAAAAAAAAAAAAAAAAAAAAAAAAAAAAAAAAAAAAAAAAAAAAAAAAAAAAAAA/AAAAAAAAAKCGAQAAAAAAAAAAAAAAAAAMAAAAAQAAAAAAAAAAAAAAAAAAAB8AAABUAAAA9LCEAP///wEAAAAAAAAAAAAAAAAAAAAAAAAAAAAAAAAAAAAAAAAAAB4yVwB/f38A5+bmA8zMzADAwP8Af39/AAAAAAAAAAAAAAAAAAAAAAAAAAAAIQAAABgAAAAUAAAA0BwAAIQYAADjJAAAFykAABAAAAAmAAAACAAAAP//////////"/>
               </a:ext>
             </a:extLst>
           </p:cNvSpPr>
@@ -4238,7 +4238,7 @@
           <p:cNvSpPr>
             <a:extLst>
               <a:ext uri="smNativeData">
-                <pr:smNativeData xmlns:pr="smNativeData" xmlns="smNativeData" val="SMDATA_15_u1g6ZxMAAAAlAAAAZQAAAA0AAAAAkAAAAEgAAACQAAAASAAAAAAAAAABAAAAAAAAAAEAAABQAAAAm3KFd7mI2z8AAAAAAADwvwAAAAAAAOA/AAAAAAAA4D8AAAAAAADgPwAAAAAAAOA/AAAAAAAA4D8AAAAAAADgPwAAAAAAAOA/AAAAAAAA4D8CAAAAjAAAAAEAAAAAAAAAL3W1AP///wgAAAAAAAAAAAAAAAAAAAAAAAAAAAAAAAAAAAAAZAAAAAEAAABAAAAAAAAAAAAAAAAAAAAAAAAAAAAAAAAAAAAAAAAAAAAAAAAAAAAAAAAAAAAAAAAAAAAAAAAAAAAAAAAAAAAAAAAAAAAAAAAAAAAAAAAAAAAAAAAAAAAAFAAAADwAAAABAAAAAAAAAB4yVwAUAAAAAQAAABQAAAAUAAAAFAAAAAEAAAAAAAAAZAAAAGQAAAAAAAAAZAAAAGQAAAAVAAAAYAAAAAAAAAAAAAAADwAAACADAAAAAAAAAAAAAAEAAACgMgAAVgcAAKr4//8BAAAAf39/AAEAAABkAAAAAAAAABQAAABAHwAAAAAAACYAAAAAAAAAwOD//wAAAAAmAAAAZAAAABYAAABMAAAAAAAAAAAAAAAEAAAAAAAAAAEAAADn5uYKAAAAACgAAAAoAAAAZAAAAGQAAAAAAAAAzMzMAAAAAABQAAAAUAAAAGQAAABkAAAAAAAAABcAAAAUAAAAAAAAAAAAAAD/fwAA/38AAAAAAAAJAAAABAAAAAAAAAAeAAAAaAAAAAAAAAAAAAAAAAAAAAAAAAAAAAAAECcAABAnAAAAAAAAAAAAAAAAAAAAAAAAAAAAAAAAAAAAAAAAAAAAABQAAAAAAAAAwMD/AAAAAABkAAAAMgAAAAAAAABkAAAAAAAAAH9/fwAKAAAAIgAAABgAAAAAAAAAAAAAAAAAAAAAAAAAAAAAAAAAAAAkAAAAJAAAAAAAAAAHAAAAAAAAAAAAAAAAAAAAAAAAAAAAAAAAAAAAf39/ACUAAABYAAAAAAAAAAAAAAAAAAAAAAAAAAAAAAAAAAAAAAAAAAAAAAAAAAAAAAAAAAAAAAA/AAAAAAAAAKCGAQAAAAAAAAAAAAAAAAAMAAAAAQAAAAAAAAAAAAAAAAAAAB8AAABUAAAAL3W1AP///wEAAAAAAAAAAAAAAAAAAAAAAAAAAAAAAAAAAAAAAAAAAB4yVwB/f38A5+bmA8zMzADAwP8Af39/AAAAAAAAAAAAAAAAAAAAAAAAAAAAIQAAABgAAAAUAAAAaiUAAIQYAAB9LQAAFykAABAAAAAmAAAACAAAAP//////////"/>
+                <pr:smNativeData xmlns:pr="smNativeData" xmlns="smNativeData" val="SMDATA_15_/1o6ZxMAAAAlAAAAZQAAAA0AAAAAkAAAAEgAAACQAAAASAAAAAAAAAABAAAAAAAAAAEAAABQAAAAm3KFd7mI2z8AAAAAAADwvwAAAAAAAOA/AAAAAAAA4D8AAAAAAADgPwAAAAAAAOA/AAAAAAAA4D8AAAAAAADgPwAAAAAAAOA/AAAAAAAA4D8CAAAAjAAAAAEAAAAAAAAAL3W1AP///wgAAAAAAAAAAAAAAAAAAAAAAAAAAAAAAAAAAAAAZAAAAAEAAABAAAAAAAAAAAAAAAAAAAAAAAAAAAAAAAAAAAAAAAAAAAAAAAAAAAAAAAAAAAAAAAAAAAAAAAAAAAAAAAAAAAAAAAAAAAAAAAAAAAAAAAAAAAAAAAAAAAAAFAAAADwAAAABAAAAAAAAAB4yVwAUAAAAAQAAABQAAAAUAAAAFAAAAAEAAAAAAAAAZAAAAGQAAAAAAAAAZAAAAGQAAAAVAAAAYAAAAAAAAAAAAAAADwAAACADAAAAAAAAAAAAAAEAAACgMgAAVgcAAKr4//8BAAAAf39/AAEAAABkAAAAAAAAABQAAABAHwAAAAAAACYAAAAAAAAAwOD//wAAAAAmAAAAZAAAABYAAABMAAAAAAAAAAAAAAAEAAAAAAAAAAEAAADn5uYKAAAAACgAAAAoAAAAZAAAAGQAAAAAAAAAzMzMAAAAAABQAAAAUAAAAGQAAABkAAAAAAAAABcAAAAUAAAAAAAAAAAAAAD/fwAA/38AAAAAAAAJAAAABAAAAAAAAAAeAAAAaAAAAAAAAAAAAAAAAAAAAAAAAAAAAAAAECcAABAnAAAAAAAAAAAAAAAAAAAAAAAAAAAAAAAAAAAAAAAAAAAAABQAAAAAAAAAwMD/AAAAAABkAAAAMgAAAAAAAABkAAAAAAAAAH9/fwAKAAAAIgAAABgAAAAAAAAAAAAAAAAAAAAAAAAAAAAAAAAAAAAkAAAAJAAAAAAAAAAHAAAAAAAAAAAAAAAAAAAAAAAAAAAAAAAAAAAAf39/ACUAAABYAAAAAAAAAAAAAAAAAAAAAAAAAAAAAAAAAAAAAAAAAAAAAAAAAAAAAAAAAAAAAAA/AAAAAAAAAKCGAQAAAAAAAAAAAAAAAAAMAAAAAQAAAAAAAAAAAAAAAAAAAB8AAABUAAAAL3W1AP///wEAAAAAAAAAAAAAAAAAAAAAAAAAAAAAAAAAAAAAAAAAAB4yVwB/f38A5+bmA8zMzADAwP8Af39/AAAAAAAAAAAAAAAAAAAAAAAAAAAAIQAAABgAAAAUAAAAaiUAAIQYAAB9LQAAFykAABAAAAAmAAAACAAAAP//////////"/>
               </a:ext>
             </a:extLst>
           </p:cNvSpPr>
@@ -4290,7 +4290,7 @@
           <p:cNvSpPr>
             <a:extLst>
               <a:ext uri="smNativeData">
-                <pr:smNativeData xmlns:pr="smNativeData" xmlns="smNativeData" val="SMDATA_15_u1g6ZxMAAAAlAAAAZAAAAE0AAAAAkAAAAEgAAACQAAAASAAAAAAAAAAAAAAAAAAAAAEAAABQAAAAAAAAAAAA4D8AAAAAAADgPwAAAAAAAOA/AAAAAAAA4D8AAAAAAADgPwAAAAAAAOA/AAAAAAAA4D8AAAAAAADgPwAAAAAAAOA/AAAAAAAA4D8CAAAAjAAAAAAAAAAAAAAARHLEDP///wgAAAAAAAAAAAAAAAAAAAAAAAAAAAAAAAAAAAAAZAAAAAEAAABAAAAAAAAAAAAAAAAAAAAAAAAAAAAAAAAAAAAAAAAAAAAAAAAAAAAAAAAAAAAAAAAAAAAAAAAAAAAAAAAAAAAAAAAAAAAAAAAAAAAAAAAAAAAAAAAAAAAAFAAAADwAAAAAAAAAAAAAAAAAAAAPAAAAAQAAACMAAAAjAAAAIwAAAB4AAAAAAAAAZAAAAGQAAAAAAAAAZAAAAGQAAAAVAAAAYAAAAAAAAAAAAAAADwAAACADAAAAAAAAAAAAAAEAAACgMgAAVgcAAKr4//8BAAAAf39/AAEAAABkAAAAAAAAABQAAABAHwAAAAAAACYAAAAAAAAAwOD//wAAAAAmAAAAZAAAABYAAABMAAAAAAAAAAAAAAAEAAAAAAAAAAEAAADn5uYKAAAAACgAAAAoAAAAZAAAAGQAAAAAAAAAzMzMAAAAAABQAAAAUAAAAGQAAABkAAAAAAAAABcAAAAUAAAAAAAAAAAAAAD/fwAA/38AAAAAAAAJAAAABAAAAAAAAAAeAAAAaAAAAAAAAAAAAAAAAAAAAAAAAAAAAAAAECcAABAnAAAAAAAAAAAAAAAAAAAAAAAAAAAAAAAAAAAAAAAAAAAAABQAAAAAAAAAwMD/AAAAAABkAAAAMgAAAAAAAABkAAAAAAAAAH9/fwAKAAAAIgAAABgAAAAAAAAAAAAAAAAAAAAAAAAAAAAAAAAAAAAkAAAAJAAAAAAAAAAHAAAAAAAAAAAAAAAAAAAAAAAAAAAAAAAAAAAAf39/ACUAAABYAAAAAAAAAAAAAAAAAAAAAAAAAAAAAAAAAAAAAAAAAAAAAAAAAAAAAAAAAAAAAAA/AAAAAAAAAKCGAQAAAAAAAAAAAAAAAAAMAAAAAQAAAAAAAAAAAAAAAAAAAB8AAABUAAAARHLEBf///wEAAAAAAAAAAAAAAAAAAAAAAAAAAAAAAAAAAAAAAAAAAAAAAAB/f38A5+bmA8zMzADAwP8Af39/AAAAAAAAAAAAAAAAAAAAAAAAAAAAIQAAABgAAAAUAAAAqxUAAIQYAADdGQAAyRoAABAgAAAmAAAACAAAAP//////////"/>
+                <pr:smNativeData xmlns:pr="smNativeData" xmlns="smNativeData" val="SMDATA_15_/1o6ZxMAAAAlAAAAZAAAAE0AAAAAkAAAAEgAAACQAAAASAAAAAAAAAAAAAAAAAAAAAEAAABQAAAAAAAAAAAA4D8AAAAAAADgPwAAAAAAAOA/AAAAAAAA4D8AAAAAAADgPwAAAAAAAOA/AAAAAAAA4D8AAAAAAADgPwAAAAAAAOA/AAAAAAAA4D8CAAAAjAAAAAAAAAAAAAAARHLEDP///wgAAAAAAAAAAAAAAAAAAAAAAAAAAAAAAAAAAAAAZAAAAAEAAABAAAAAAAAAAAAAAAAAAAAAAAAAAAAAAAAAAAAAAAAAAAAAAAAAAAAAAAAAAAAAAAAAAAAAAAAAAAAAAAAAAAAAAAAAAAAAAAAAAAAAAAAAAAAAAAAAAAAAFAAAADwAAAAAAAAAAAAAAAAAAAAPAAAAAQAAACMAAAAjAAAAIwAAAB4AAAAAAAAAZAAAAGQAAAAAAAAAZAAAAGQAAAAVAAAAYAAAAAAAAAAAAAAADwAAACADAAAAAAAAAAAAAAEAAACgMgAAVgcAAKr4//8BAAAAf39/AAEAAABkAAAAAAAAABQAAABAHwAAAAAAACYAAAAAAAAAwOD//wAAAAAmAAAAZAAAABYAAABMAAAAAAAAAAAAAAAEAAAAAAAAAAEAAADn5uYKAAAAACgAAAAoAAAAZAAAAGQAAAAAAAAAzMzMAAAAAABQAAAAUAAAAGQAAABkAAAAAAAAABcAAAAUAAAAAAAAAAAAAAD/fwAA/38AAAAAAAAJAAAABAAAAAAAAAAeAAAAaAAAAAAAAAAAAAAAAAAAAAAAAAAAAAAAECcAABAnAAAAAAAAAAAAAAAAAAAAAAAAAAAAAAAAAAAAAAAAAAAAABQAAAAAAAAAwMD/AAAAAABkAAAAMgAAAAAAAABkAAAAAAAAAH9/fwAKAAAAIgAAABgAAAAAAAAAAAAAAAAAAAAAAAAAAAAAAAAAAAAkAAAAJAAAAAAAAAAHAAAAAAAAAAAAAAAAAAAAAAAAAAAAAAAAAAAAf39/ACUAAABYAAAAAAAAAAAAAAAAAAAAAAAAAAAAAAAAAAAAAAAAAAAAAAAAAAAAAAAAAAAAAAA/AAAAAAAAAKCGAQAAAAAAAAAAAAAAAAAMAAAAAQAAAAAAAAAAAAAAAAAAAB8AAABUAAAARHLEBf///wEAAAAAAAAAAAAAAAAAAAAAAAAAAAAAAAAAAAAAAAAAAAAAAAB/f38A5+bmA8zMzADAwP8Af39/AAAAAAAAAAAAAAAAAAAAAAAAAAAAIQAAABgAAAAUAAAAqxUAAIQYAADdGQAAyRoAABAgAAAmAAAACAAAAP//////////"/>
               </a:ext>
             </a:extLst>
           </p:cNvSpPr>
@@ -4329,7 +4329,7 @@
           <p:cNvSpPr>
             <a:extLst>
               <a:ext uri="smNativeData">
-                <pr:smNativeData xmlns:pr="smNativeData" xmlns="smNativeData" val="SMDATA_15_u1g6ZxMAAAAlAAAAZAAAAE0AAAAAkAAAAEgAAACQAAAASAAAAAAAAAAAAAAAAAAAAAEAAABQAAAAAAAAAAAA4D8AAAAAAADgPwAAAAAAAOA/AAAAAAAA4D8AAAAAAADgPwAAAAAAAOA/AAAAAAAA4D8AAAAAAADgPwAAAAAAAOA/AAAAAAAA4D8CAAAAjAAAAAAAAAAAAAAARHLEDP///wgAAAAAAAAAAAAAAAAAAAAAAAAAAAAAAAAAAAAAZAAAAAEAAABAAAAAAAAAAAAAAAAAAAAAAAAAAAAAAAAAAAAAAAAAAAAAAAAAAAAAAAAAAAAAAAAAAAAAAAAAAAAAAAAAAAAAAAAAAAAAAAAAAAAAAAAAAAAAAAAAAAAAFAAAADwAAAAAAAAAAAAAAAAAAAAPAAAAAQAAACMAAAAjAAAAIwAAAB4AAAAAAAAAZAAAAGQAAAAAAAAAZAAAAGQAAAAVAAAAYAAAAAAAAAAAAAAADwAAACADAAAAAAAAAAAAAAEAAACgMgAAVgcAAKr4//8BAAAAf39/AAEAAABkAAAAAAAAABQAAABAHwAAAAAAACYAAAAAAAAAwOD//wAAAAAmAAAAZAAAABYAAABMAAAAAAAAAAAAAAAEAAAAAAAAAAEAAADn5uYKAAAAACgAAAAoAAAAZAAAAGQAAAAAAAAAzMzMAAAAAABQAAAAUAAAAGQAAABkAAAAAAAAABcAAAAUAAAAAAAAAAAAAAD/fwAA/38AAAAAAAAJAAAABAAAAAAAAAAeAAAAaAAAAAAAAAAAAAAAAAAAAAAAAAAAAAAAECcAABAnAAAAAAAAAAAAAAAAAAAAAAAAAAAAAAAAAAAAAAAAAAAAABQAAAAAAAAAwMD/AAAAAABkAAAAMgAAAAAAAABkAAAAAAAAAH9/fwAKAAAAIgAAABgAAAAAAAAAAAAAAAAAAAAAAAAAAAAAAAAAAAAkAAAAJAAAAAAAAAAHAAAAAAAAAAAAAAAAAAAAAAAAAAAAAAAAAAAAf39/ACUAAABYAAAAAAAAAAAAAAAAAAAAAAAAAAAAAAAAAAAAAAAAAAAAAAAAAAAAAAAAAAAAAAA/AAAAAAAAAKCGAQAAAAAAAAAAAAAAAAAMAAAAAQAAAAAAAAAAAAAAAAAAAB8AAABUAAAARHLEBf///wEAAAAAAAAAAAAAAAAAAAAAAAAAAAAAAAAAAAAAAAAAAAAAAAB/f38A5+bmA8zMzADAwP8Af39/AAAAAAAAAAAAAAAAAAAAAAAAAAAAIQAAABgAAAAUAAAAiB4AAIQYAAB4JAAAyRoAABAgAAAmAAAACAAAAP//////////"/>
+                <pr:smNativeData xmlns:pr="smNativeData" xmlns="smNativeData" val="SMDATA_15_/1o6ZxMAAAAlAAAAZAAAAE0AAAAAkAAAAEgAAACQAAAASAAAAAAAAAAAAAAAAAAAAAEAAABQAAAAAAAAAAAA4D8AAAAAAADgPwAAAAAAAOA/AAAAAAAA4D8AAAAAAADgPwAAAAAAAOA/AAAAAAAA4D8AAAAAAADgPwAAAAAAAOA/AAAAAAAA4D8CAAAAjAAAAAAAAAAAAAAARHLEDP///wgAAAAAAAAAAAAAAAAAAAAAAAAAAAAAAAAAAAAAZAAAAAEAAABAAAAAAAAAAAAAAAAAAAAAAAAAAAAAAAAAAAAAAAAAAAAAAAAAAAAAAAAAAAAAAAAAAAAAAAAAAAAAAAAAAAAAAAAAAAAAAAAAAAAAAAAAAAAAAAAAAAAAFAAAADwAAAAAAAAAAAAAAAAAAAAPAAAAAQAAACMAAAAjAAAAIwAAAB4AAAAAAAAAZAAAAGQAAAAAAAAAZAAAAGQAAAAVAAAAYAAAAAAAAAAAAAAADwAAACADAAAAAAAAAAAAAAEAAACgMgAAVgcAAKr4//8BAAAAf39/AAEAAABkAAAAAAAAABQAAABAHwAAAAAAACYAAAAAAAAAwOD//wAAAAAmAAAAZAAAABYAAABMAAAAAAAAAAAAAAAEAAAAAAAAAAEAAADn5uYKAAAAACgAAAAoAAAAZAAAAGQAAAAAAAAAzMzMAAAAAABQAAAAUAAAAGQAAABkAAAAAAAAABcAAAAUAAAAAAAAAAAAAAD/fwAA/38AAAAAAAAJAAAABAAAAAAAAAAeAAAAaAAAAAAAAAAAAAAAAAAAAAAAAAAAAAAAECcAABAnAAAAAAAAAAAAAAAAAAAAAAAAAAAAAAAAAAAAAAAAAAAAABQAAAAAAAAAwMD/AAAAAABkAAAAMgAAAAAAAABkAAAAAAAAAH9/fwAKAAAAIgAAABgAAAAAAAAAAAAAAAAAAAAAAAAAAAAAAAAAAAAkAAAAJAAAAAAAAAAHAAAAAAAAAAAAAAAAAAAAAAAAAAAAAAAAAAAAf39/ACUAAABYAAAAAAAAAAAAAAAAAAAAAAAAAAAAAAAAAAAAAAAAAAAAAAAAAAAAAAAAAAAAAAA/AAAAAAAAAKCGAQAAAAAAAAAAAAAAAAAMAAAAAQAAAAAAAAAAAAAAAAAAAB8AAABUAAAARHLEBf///wEAAAAAAAAAAAAAAAAAAAAAAAAAAAAAAAAAAAAAAAAAAAAAAAB/f38A5+bmA8zMzADAwP8Af39/AAAAAAAAAAAAAAAAAAAAAAAAAAAAIQAAABgAAAAUAAAAiB4AAIQYAAB4JAAAyRoAABAgAAAmAAAACAAAAP//////////"/>
               </a:ext>
             </a:extLst>
           </p:cNvSpPr>
@@ -4368,7 +4368,7 @@
           <p:cNvSpPr>
             <a:extLst>
               <a:ext uri="smNativeData">
-                <pr:smNativeData xmlns:pr="smNativeData" xmlns="smNativeData" val="SMDATA_15_u1g6ZxMAAAAlAAAAZAAAAE0AAAAAkAAAAEgAAACQAAAASAAAAAAAAAAAAAAAAAAAAAEAAABQAAAAAAAAAAAA4D8AAAAAAADgPwAAAAAAAOA/AAAAAAAA4D8AAAAAAADgPwAAAAAAAOA/AAAAAAAA4D8AAAAAAADgPwAAAAAAAOA/AAAAAAAA4D8CAAAAjAAAAAAAAAAAAAAARHLEDP///wgAAAAAAAAAAAAAAAAAAAAAAAAAAAAAAAAAAAAAZAAAAAEAAABAAAAAAAAAAAAAAAAAAAAAAAAAAAAAAAAAAAAAAAAAAAAAAAAAAAAAAAAAAAAAAAAAAAAAAAAAAAAAAAAAAAAAAAAAAAAAAAAAAAAAAAAAAAAAAAAAAAAAFAAAADwAAAAAAAAAAAAAAAAAAAAPAAAAAQAAACMAAAAjAAAAIwAAAB4AAAAAAAAAZAAAAGQAAAAAAAAAZAAAAGQAAAAVAAAAYAAAAAAAAAAAAAAADwAAACADAAAAAAAAAAAAAAEAAACgMgAAVgcAAKr4//8BAAAAf39/AAEAAABkAAAAAAAAABQAAABAHwAAAAAAACYAAAAAAAAAwOD//wAAAAAmAAAAZAAAABYAAABMAAAAAAAAAAAAAAAEAAAAAAAAAAEAAADn5uYKAAAAACgAAAAoAAAAZAAAAGQAAAAAAAAAzMzMAAAAAABQAAAAUAAAAGQAAABkAAAAAAAAABcAAAAUAAAAAAAAAAAAAAD/fwAA/38AAAAAAAAJAAAABAAAAAAAAAAeAAAAaAAAAAAAAAAAAAAAAAAAAAAAAAAAAAAAECcAABAnAAAAAAAAAAAAAAAAAAAAAAAAAAAAAAAAAAAAAAAAAAAAABQAAAAAAAAAwMD/AAAAAABkAAAAMgAAAAAAAABkAAAAAAAAAH9/fwAKAAAAIgAAABgAAAAAAAAAAAAAAAAAAAAAAAAAAAAAAAAAAAAkAAAAJAAAAAAAAAAHAAAAAAAAAAAAAAAAAAAAAAAAAAAAAAAAAAAAf39/ACUAAABYAAAAAAAAAAAAAAAAAAAAAAAAAAAAAAAAAAAAAAAAAAAAAAAAAAAAAAAAAAAAAAA/AAAAAAAAAKCGAQAAAAAAAAAAAAAAAAAMAAAAAQAAAAAAAAAAAAAAAAAAAB8AAABUAAAARHLEBf///wEAAAAAAAAAAAAAAAAAAAAAAAAAAAAAAAAAAAAAAAAAAAAAAAB/f38A5+bmA8zMzADAwP8Af39/AAAAAAAAAAAAAAAAAAAAAAAAAAAAIQAAABgAAAAUAAAAHicAAIQYAABtLAAAyRoAABAgAAAmAAAACAAAAP//////////"/>
+                <pr:smNativeData xmlns:pr="smNativeData" xmlns="smNativeData" val="SMDATA_15_/1o6ZxMAAAAlAAAAZAAAAE0AAAAAkAAAAEgAAACQAAAASAAAAAAAAAAAAAAAAAAAAAEAAABQAAAAAAAAAAAA4D8AAAAAAADgPwAAAAAAAOA/AAAAAAAA4D8AAAAAAADgPwAAAAAAAOA/AAAAAAAA4D8AAAAAAADgPwAAAAAAAOA/AAAAAAAA4D8CAAAAjAAAAAAAAAAAAAAARHLEDP///wgAAAAAAAAAAAAAAAAAAAAAAAAAAAAAAAAAAAAAZAAAAAEAAABAAAAAAAAAAAAAAAAAAAAAAAAAAAAAAAAAAAAAAAAAAAAAAAAAAAAAAAAAAAAAAAAAAAAAAAAAAAAAAAAAAAAAAAAAAAAAAAAAAAAAAAAAAAAAAAAAAAAAFAAAADwAAAAAAAAAAAAAAAAAAAAPAAAAAQAAACMAAAAjAAAAIwAAAB4AAAAAAAAAZAAAAGQAAAAAAAAAZAAAAGQAAAAVAAAAYAAAAAAAAAAAAAAADwAAACADAAAAAAAAAAAAAAEAAACgMgAAVgcAAKr4//8BAAAAf39/AAEAAABkAAAAAAAAABQAAABAHwAAAAAAACYAAAAAAAAAwOD//wAAAAAmAAAAZAAAABYAAABMAAAAAAAAAAAAAAAEAAAAAAAAAAEAAADn5uYKAAAAACgAAAAoAAAAZAAAAGQAAAAAAAAAzMzMAAAAAABQAAAAUAAAAGQAAABkAAAAAAAAABcAAAAUAAAAAAAAAAAAAAD/fwAA/38AAAAAAAAJAAAABAAAAAAAAAAeAAAAaAAAAAAAAAAAAAAAAAAAAAAAAAAAAAAAECcAABAnAAAAAAAAAAAAAAAAAAAAAAAAAAAAAAAAAAAAAAAAAAAAABQAAAAAAAAAwMD/AAAAAABkAAAAMgAAAAAAAABkAAAAAAAAAH9/fwAKAAAAIgAAABgAAAAAAAAAAAAAAAAAAAAAAAAAAAAAAAAAAAAkAAAAJAAAAAAAAAAHAAAAAAAAAAAAAAAAAAAAAAAAAAAAAAAAAAAAf39/ACUAAABYAAAAAAAAAAAAAAAAAAAAAAAAAAAAAAAAAAAAAAAAAAAAAAAAAAAAAAAAAAAAAAA/AAAAAAAAAKCGAQAAAAAAAAAAAAAAAAAMAAAAAQAAAAAAAAAAAAAAAAAAAB8AAABUAAAARHLEBf///wEAAAAAAAAAAAAAAAAAAAAAAAAAAAAAAAAAAAAAAAAAAAAAAAB/f38A5+bmA8zMzADAwP8Af39/AAAAAAAAAAAAAAAAAAAAAAAAAAAAIQAAABgAAAAUAAAAHicAAIQYAABtLAAAyRoAABAgAAAmAAAACAAAAP//////////"/>
               </a:ext>
             </a:extLst>
           </p:cNvSpPr>
@@ -4407,7 +4407,7 @@
           <p:cNvSpPr>
             <a:extLst>
               <a:ext uri="smNativeData">
-                <pr:smNativeData xmlns:pr="smNativeData" xmlns="smNativeData" val="SMDATA_15_u1g6ZxMAAAAlAAAAZQAAAA0AAAAAkAAAAEgAAACQAAAASAAAAAAAAAABAAAAAAAAAAEAAABQAAAAhbacS3FV1T8AAAAAAADwvwAAAAAAAOA/AAAAAAAA4D8AAAAAAADgPwAAAAAAAOA/AAAAAAAA4D8AAAAAAADgPwAAAAAAAOA/AAAAAAAA4D8CAAAAjAAAAAEAAAAAAAAA0M7OAP///wgAAAAAAAAAAAAAAAAAAAAAAAAAAAAAAAAAAAAAZAAAAAEAAABAAAAAAAAAAAAAAAAAAAAAAAAAAAAAAAAAAAAAAAAAAAAAAAAAAAAAAAAAAAAAAAAAAAAAAAAAAAAAAAAAAAAAAAAAAAAAAAAAAAAAAAAAAAAAAAAAAAAAFAAAADwAAAABAAAAAAAAAB4yVwAUAAAAAQAAABQAAAAUAAAAFAAAAAEAAAAAAAAAZAAAAGQAAAAAAAAAZAAAAGQAAAAVAAAAYAAAAAAAAAAAAAAADwAAACADAAAAAAAAAAAAAAEAAACgMgAAVgcAAKr4//8BAAAAf39/AAEAAABkAAAAAAAAABQAAABAHwAAAAAAACYAAAAAAAAAwOD//wAAAAAmAAAAZAAAABYAAABMAAAAAAAAAAAAAAAEAAAAAAAAAAEAAADn5uYKAAAAACgAAAAoAAAAZAAAAGQAAAAAAAAAzMzMAAAAAABQAAAAUAAAAGQAAABkAAAAAAAAABcAAAAUAAAAAAAAAAAAAAD/fwAA/38AAAAAAAAJAAAABAAAAAAAAAAeAAAAaAAAAAAAAAAAAAAAAAAAAAAAAAAAAAAAECcAABAnAAAAAAAAAAAAAAAAAAAAAAAAAAAAAAAAAAAAAAAAAAAAABQAAAAAAAAAwMD/AAAAAABkAAAAMgAAAAAAAABkAAAAAAAAAH9/fwAKAAAAIgAAABgAAAAAAAAAAAAAAAAAAAAAAAAAAAAAAAAAAAAkAAAAJAAAAAAAAAAHAAAAAAAAAAAAAAAAAAAAAAAAAAAAAAAAAAAAf39/ACUAAABYAAAAAAAAAAAAAAAAAAAAAAAAAAAAAAAAAAAAAAAAAAAAAAAAAAAAAAAAAAAAAAA/AAAAAAAAAKCGAQAAAAAAAAAAAAAAAAAMAAAAAQAAAAAAAAAAAAAAAAAAAB8AAABUAAAA0M7OAP///wEAAAAAAAAAAAAAAAAAAAAAAAAAAAAAAAAAAAAAAAAAAB4yVwB/f38A5+bmA8zMzADAwP8Af39/AAAAAAAAAAAAAAAAAAAAAAAAAAAAIQAAABgAAAAUAAAAohQAAB0iAACcGwAAMygAABAAAAAmAAAACAAAAP//////////"/>
+                <pr:smNativeData xmlns:pr="smNativeData" xmlns="smNativeData" val="SMDATA_15_/1o6ZxMAAAAlAAAAZQAAAA0AAAAAkAAAAEgAAACQAAAASAAAAAAAAAABAAAAAAAAAAEAAABQAAAAhbacS3FV1T8AAAAAAADwvwAAAAAAAOA/AAAAAAAA4D8AAAAAAADgPwAAAAAAAOA/AAAAAAAA4D8AAAAAAADgPwAAAAAAAOA/AAAAAAAA4D8CAAAAjAAAAAEAAAAAAAAA0M7OAP///wgAAAAAAAAAAAAAAAAAAAAAAAAAAAAAAAAAAAAAZAAAAAEAAABAAAAAAAAAAAAAAAAAAAAAAAAAAAAAAAAAAAAAAAAAAAAAAAAAAAAAAAAAAAAAAAAAAAAAAAAAAAAAAAAAAAAAAAAAAAAAAAAAAAAAAAAAAAAAAAAAAAAAFAAAADwAAAABAAAAAAAAAB4yVwAUAAAAAQAAABQAAAAUAAAAFAAAAAEAAAAAAAAAZAAAAGQAAAAAAAAAZAAAAGQAAAAVAAAAYAAAAAAAAAAAAAAADwAAACADAAAAAAAAAAAAAAEAAACgMgAAVgcAAKr4//8BAAAAf39/AAEAAABkAAAAAAAAABQAAABAHwAAAAAAACYAAAAAAAAAwOD//wAAAAAmAAAAZAAAABYAAABMAAAAAAAAAAAAAAAEAAAAAAAAAAEAAADn5uYKAAAAACgAAAAoAAAAZAAAAGQAAAAAAAAAzMzMAAAAAABQAAAAUAAAAGQAAABkAAAAAAAAABcAAAAUAAAAAAAAAAAAAAD/fwAA/38AAAAAAAAJAAAABAAAAAAAAAAeAAAAaAAAAAAAAAAAAAAAAAAAAAAAAAAAAAAAECcAABAnAAAAAAAAAAAAAAAAAAAAAAAAAAAAAAAAAAAAAAAAAAAAABQAAAAAAAAAwMD/AAAAAABkAAAAMgAAAAAAAABkAAAAAAAAAH9/fwAKAAAAIgAAABgAAAAAAAAAAAAAAAAAAAAAAAAAAAAAAAAAAAAkAAAAJAAAAAAAAAAHAAAAAAAAAAAAAAAAAAAAAAAAAAAAAAAAAAAAf39/ACUAAABYAAAAAAAAAAAAAAAAAAAAAAAAAAAAAAAAAAAAAAAAAAAAAAAAAAAAAAAAAAAAAAA/AAAAAAAAAKCGAQAAAAAAAAAAAAAAAAAMAAAAAQAAAAAAAAAAAAAAAAAAAB8AAABUAAAA0M7OAP///wEAAAAAAAAAAAAAAAAAAAAAAAAAAAAAAAAAAAAAAAAAAB4yVwB/f38A5+bmA8zMzADAwP8Af39/AAAAAAAAAAAAAAAAAAAAAAAAAAAAIQAAABgAAAAUAAAAohQAAB0iAACcGwAAMygAABAAAAAmAAAACAAAAP//////////"/>
               </a:ext>
             </a:extLst>
           </p:cNvSpPr>
@@ -4459,7 +4459,7 @@
           <p:cNvSpPr>
             <a:extLst>
               <a:ext uri="smNativeData">
-                <pr:smNativeData xmlns:pr="smNativeData" xmlns="smNativeData" val="SMDATA_15_u1g6ZxMAAAAlAAAAZQAAAA0AAAAAkAAAAEgAAACQAAAASAAAAAAAAAABAAAAAAAAAAEAAABQAAAAhbacS3FV1T8AAAAAAADwvwAAAAAAAOA/AAAAAAAA4D8AAAAAAADgPwAAAAAAAOA/AAAAAAAA4D8AAAAAAADgPwAAAAAAAOA/AAAAAAAA4D8CAAAAjAAAAAEAAAAAAAAA0M7OAP///wgAAAAAAAAAAAAAAAAAAAAAAAAAAAAAAAAAAAAAZAAAAAEAAABAAAAAAAAAAAAAAAAAAAAAAAAAAAAAAAAAAAAAAAAAAAAAAAAAAAAAAAAAAAAAAAAAAAAAAAAAAAAAAAAAAAAAAAAAAAAAAAAAAAAAAAAAAAAAAAAAAAAAFAAAADwAAAABAAAAAAAAAB4yVwAUAAAAAQAAABQAAAAUAAAAFAAAAAEAAAAAAAAAZAAAAGQAAAAAAAAAZAAAAGQAAAAVAAAAYAAAAAAAAAAAAAAADwAAACADAAAAAAAAAAAAAAEAAACgMgAAVgcAAKr4//8BAAAAf39/AAEAAABkAAAAAAAAABQAAABAHwAAAAAAACYAAAAAAAAAwOD//wAAAAAmAAAAZAAAABYAAABMAAAAAAAAAAAAAAAEAAAAAAAAAAEAAADn5uYKAAAAACgAAAAoAAAAZAAAAGQAAAAAAAAAzMzMAAAAAABQAAAAUAAAAGQAAABkAAAAAAAAABcAAAAUAAAAAAAAAAAAAAD/fwAA/38AAAAAAAAJAAAABAAAAAAAAAAeAAAAaAAAAAAAAAAAAAAAAAAAAAAAAAAAAAAAECcAABAnAAAAAAAAAAAAAAAAAAAAAAAAAAAAAAAAAAAAAAAAAAAAABQAAAAAAAAAwMD/AAAAAABkAAAAMgAAAAAAAABkAAAAAAAAAH9/fwAKAAAAIgAAABgAAAAAAAAAAAAAAAAAAAAAAAAAAAAAAAAAAAAkAAAAJAAAAAAAAAAHAAAAAAAAAAAAAAAAAAAAAAAAAAAAAAAAAAAAf39/ACUAAABYAAAAAAAAAAAAAAAAAAAAAAAAAAAAAAAAAAAAAAAAAAAAAAAAAAAAAAAAAAAAAAA/AAAAAAAAAKCGAQAAAAAAAAAAAAAAAAAMAAAAAQAAAAAAAAAAAAAAAAAAAB8AAABUAAAA0M7OAP///wEAAAAAAAAAAAAAAAAAAAAAAAAAAAAAAAAAAAAAAAAAAB4yVwB/f38A5+bmA8zMzADAwP8Af39/AAAAAAAAAAAAAAAAAAAAAAAAAAAAIQAAABgAAAAUAAAAohQAAGgbAACcGwAAfiEAABAAAAAmAAAACAAAAP//////////"/>
+                <pr:smNativeData xmlns:pr="smNativeData" xmlns="smNativeData" val="SMDATA_15_/1o6ZxMAAAAlAAAAZQAAAA0AAAAAkAAAAEgAAACQAAAASAAAAAAAAAABAAAAAAAAAAEAAABQAAAAhbacS3FV1T8AAAAAAADwvwAAAAAAAOA/AAAAAAAA4D8AAAAAAADgPwAAAAAAAOA/AAAAAAAA4D8AAAAAAADgPwAAAAAAAOA/AAAAAAAA4D8CAAAAjAAAAAEAAAAAAAAA0M7OAP///wgAAAAAAAAAAAAAAAAAAAAAAAAAAAAAAAAAAAAAZAAAAAEAAABAAAAAAAAAAAAAAAAAAAAAAAAAAAAAAAAAAAAAAAAAAAAAAAAAAAAAAAAAAAAAAAAAAAAAAAAAAAAAAAAAAAAAAAAAAAAAAAAAAAAAAAAAAAAAAAAAAAAAFAAAADwAAAABAAAAAAAAAB4yVwAUAAAAAQAAABQAAAAUAAAAFAAAAAEAAAAAAAAAZAAAAGQAAAAAAAAAZAAAAGQAAAAVAAAAYAAAAAAAAAAAAAAADwAAACADAAAAAAAAAAAAAAEAAACgMgAAVgcAAKr4//8BAAAAf39/AAEAAABkAAAAAAAAABQAAABAHwAAAAAAACYAAAAAAAAAwOD//wAAAAAmAAAAZAAAABYAAABMAAAAAAAAAAAAAAAEAAAAAAAAAAEAAADn5uYKAAAAACgAAAAoAAAAZAAAAGQAAAAAAAAAzMzMAAAAAABQAAAAUAAAAGQAAABkAAAAAAAAABcAAAAUAAAAAAAAAAAAAAD/fwAA/38AAAAAAAAJAAAABAAAAAAAAAAeAAAAaAAAAAAAAAAAAAAAAAAAAAAAAAAAAAAAECcAABAnAAAAAAAAAAAAAAAAAAAAAAAAAAAAAAAAAAAAAAAAAAAAABQAAAAAAAAAwMD/AAAAAABkAAAAMgAAAAAAAABkAAAAAAAAAH9/fwAKAAAAIgAAABgAAAAAAAAAAAAAAAAAAAAAAAAAAAAAAAAAAAAkAAAAJAAAAAAAAAAHAAAAAAAAAAAAAAAAAAAAAAAAAAAAAAAAAAAAf39/ACUAAABYAAAAAAAAAAAAAAAAAAAAAAAAAAAAAAAAAAAAAAAAAAAAAAAAAAAAAAAAAAAAAAA/AAAAAAAAAKCGAQAAAAAAAAAAAAAAAAAMAAAAAQAAAAAAAAAAAAAAAAAAAB8AAABUAAAA0M7OAP///wEAAAAAAAAAAAAAAAAAAAAAAAAAAAAAAAAAAAAAAAAAAB4yVwB/f38A5+bmA8zMzADAwP8Af39/AAAAAAAAAAAAAAAAAAAAAAAAAAAAIQAAABgAAAAUAAAAohQAAGgbAACcGwAAfiEAABAAAAAmAAAACAAAAP//////////"/>
               </a:ext>
             </a:extLst>
           </p:cNvSpPr>
@@ -4511,7 +4511,7 @@
           <p:cNvSpPr>
             <a:extLst>
               <a:ext uri="smNativeData">
-                <pr:smNativeData xmlns:pr="smNativeData" xmlns="smNativeData" val="SMDATA_15_u1g6ZxMAAAAlAAAAZQAAAA0AAAAAkAAAAEgAAACQAAAASAAAAAAAAAABAAAAAAAAAAEAAABQAAAAhbacS3FV1T8AAAAAAADwvwAAAAAAAOA/AAAAAAAA4D8AAAAAAADgPwAAAAAAAOA/AAAAAAAA4D8AAAAAAADgPwAAAAAAAOA/AAAAAAAA4D8CAAAAjAAAAAAAAAAAAAAARHLEDP///wgAAAAAAAAAAAAAAAAAAAAAAAAAAAAAAAAAAAAAZAAAAAEAAABAAAAAAAAAAAAAAAAAAAAAAAAAAAAAAAAAAAAAAAAAAAAAAAAAAAAAAAAAAAAAAAAAAAAAAAAAAAAAAAAAAAAAAAAAAAAAAAAAAAAAAAAAAAAAAAAAAAAAFAAAADwAAAABAAAAAAAAAB4yVwAUAAAAAQAAABQAAAAUAAAAFAAAAAEAAAAAAAAAZAAAAGQAAAAAAAAAZAAAAGQAAAAVAAAAYAAAAAAAAAAAAAAADwAAACADAAAAAAAAAAAAAAEAAACgMgAAVgcAAKr4//8BAAAAf39/AAEAAABkAAAAAAAAABQAAABAHwAAAAAAACYAAAAAAAAAwOD//wAAAAAmAAAAZAAAABYAAABMAAAAAAAAAAAAAAAEAAAAAAAAAAEAAADn5uYKAAAAACgAAAAoAAAAZAAAAGQAAAAAAAAAzMzMAAAAAABQAAAAUAAAAGQAAABkAAAAAAAAABcAAAAUAAAAAAAAAAAAAAD/fwAA/38AAAAAAAAJAAAABAAAAAAAAAAeAAAAaAAAAAAAAAAAAAAAAAAAAAAAAAAAAAAAECcAABAnAAAAAAAAAAAAAAAAAAAAAAAAAAAAAAAAAAAAAAAAAAAAABQAAAAAAAAAwMD/AAAAAABkAAAAMgAAAAAAAABkAAAAAAAAAH9/fwAKAAAAIgAAABgAAAAAAAAAAAAAAAAAAAAAAAAAAAAAAAAAAAAkAAAAJAAAAAAAAAAHAAAAAAAAAAAAAAAAAAAAAAAAAAAAAAAAAAAAf39/ACUAAABYAAAAAAAAAAAAAAAAAAAAAAAAAAAAAAAAAAAAAAAAAAAAAAAAAAAAAAAAAAAAAAA/AAAAAAAAAKCGAQAAAAAAAAAAAAAAAAAMAAAAAQAAAAAAAAAAAAAAAAAAAB8AAABUAAAARHLEBf///wEAAAAAAAAAAAAAAAAAAAAAAAAAAAAAAAAAAAAAAAAAAB4yVwB/f38A5+bmA8zMzADAwP8Af39/AAAAAAAAAAAAAAAAAAAAAAAAAAAAIQAAABgAAAAUAAAAOBUAAO8bAADRFwAANR4AABAAAAAmAAAACAAAAP//////////"/>
+                <pr:smNativeData xmlns:pr="smNativeData" xmlns="smNativeData" val="SMDATA_15_/1o6ZxMAAAAlAAAAZQAAAA0AAAAAkAAAAEgAAACQAAAASAAAAAAAAAABAAAAAAAAAAEAAABQAAAAhbacS3FV1T8AAAAAAADwvwAAAAAAAOA/AAAAAAAA4D8AAAAAAADgPwAAAAAAAOA/AAAAAAAA4D8AAAAAAADgPwAAAAAAAOA/AAAAAAAA4D8CAAAAjAAAAAAAAAAAAAAARHLEDP///wgAAAAAAAAAAAAAAAAAAAAAAAAAAAAAAAAAAAAAZAAAAAEAAABAAAAAAAAAAAAAAAAAAAAAAAAAAAAAAAAAAAAAAAAAAAAAAAAAAAAAAAAAAAAAAAAAAAAAAAAAAAAAAAAAAAAAAAAAAAAAAAAAAAAAAAAAAAAAAAAAAAAAFAAAADwAAAABAAAAAAAAAB4yVwAUAAAAAQAAABQAAAAUAAAAFAAAAAEAAAAAAAAAZAAAAGQAAAAAAAAAZAAAAGQAAAAVAAAAYAAAAAAAAAAAAAAADwAAACADAAAAAAAAAAAAAAEAAACgMgAAVgcAAKr4//8BAAAAf39/AAEAAABkAAAAAAAAABQAAABAHwAAAAAAACYAAAAAAAAAwOD//wAAAAAmAAAAZAAAABYAAABMAAAAAAAAAAAAAAAEAAAAAAAAAAEAAADn5uYKAAAAACgAAAAoAAAAZAAAAGQAAAAAAAAAzMzMAAAAAABQAAAAUAAAAGQAAABkAAAAAAAAABcAAAAUAAAAAAAAAAAAAAD/fwAA/38AAAAAAAAJAAAABAAAAAAAAAAeAAAAaAAAAAAAAAAAAAAAAAAAAAAAAAAAAAAAECcAABAnAAAAAAAAAAAAAAAAAAAAAAAAAAAAAAAAAAAAAAAAAAAAABQAAAAAAAAAwMD/AAAAAABkAAAAMgAAAAAAAABkAAAAAAAAAH9/fwAKAAAAIgAAABgAAAAAAAAAAAAAAAAAAAAAAAAAAAAAAAAAAAAkAAAAJAAAAAAAAAAHAAAAAAAAAAAAAAAAAAAAAAAAAAAAAAAAAAAAf39/ACUAAABYAAAAAAAAAAAAAAAAAAAAAAAAAAAAAAAAAAAAAAAAAAAAAAAAAAAAAAAAAAAAAAA/AAAAAAAAAKCGAQAAAAAAAAAAAAAAAAAMAAAAAQAAAAAAAAAAAAAAAAAAAB8AAABUAAAARHLEBf///wEAAAAAAAAAAAAAAAAAAAAAAAAAAAAAAAAAAAAAAAAAAB4yVwB/f38A5+bmA8zMzADAwP8Af39/AAAAAAAAAAAAAAAAAAAAAAAAAAAAIQAAABgAAAAUAAAAOBUAAO8bAADRFwAANR4AABAAAAAmAAAACAAAAP//////////"/>
               </a:ext>
             </a:extLst>
           </p:cNvSpPr>
@@ -4564,7 +4564,7 @@
           <p:cNvSpPr>
             <a:extLst>
               <a:ext uri="smNativeData">
-                <pr:smNativeData xmlns:pr="smNativeData" xmlns="smNativeData" val="SMDATA_15_u1g6ZxMAAAAlAAAAZAAAAE0AAAAAkAAAAEgAAACQAAAASAAAAAAAAAAAAAAAAAAAAAEAAABQAAAAAAAAAAAA4D8AAAAAAADgPwAAAAAAAOA/AAAAAAAA4D8AAAAAAADgPwAAAAAAAOA/AAAAAAAA4D8AAAAAAADgPwAAAAAAAOA/AAAAAAAA4D8CAAAAjAAAAAAAAAAAAAAARHLEDP///wgAAAAAAAAAAAAAAAAAAAAAAAAAAAAAAAAAAAAAZAAAAAEAAABAAAAAAAAAAAAAAAAAAAAAAAAAAAAAAAAAAAAAAAAAAAAAAAAAAAAAAAAAAAAAAAAAAAAAAAAAAAAAAAAAAAAAAAAAAAAAAAAAAAAAAAAAAAAAAAAAAAAAFAAAADwAAAAAAAAAAAAAAAAAAAAPAAAAAQAAACMAAAAjAAAAIwAAAB4AAAAAAAAAZAAAAGQAAAAAAAAAZAAAAGQAAAAVAAAAYAAAAAAAAAAAAAAADwAAACADAAAAAAAAAAAAAAEAAACgMgAAVgcAAKr4//8BAAAAf39/AAEAAABkAAAAAAAAABQAAABAHwAAAAAAACYAAAAAAAAAwOD//wAAAAAmAAAAZAAAABYAAABMAAAAAAAAAAAAAAAEAAAAAAAAAAEAAADn5uYKAAAAACgAAAAoAAAAZAAAAGQAAAAAAAAAzMzMAAAAAABQAAAAUAAAAGQAAABkAAAAAAAAABcAAAAUAAAAAAAAAAAAAAD/fwAA/38AAAAAAAAJAAAABAAAAAAAAAAeAAAAaAAAAAAAAAAAAAAAAAAAAAAAAAAAAAAAECcAABAnAAAAAAAAAAAAAAAAAAAAAAAAAAAAAAAAAAAAAAAAAAAAABQAAAAAAAAAwMD/AAAAAABkAAAAMgAAAAAAAABkAAAAAAAAAH9/fwAKAAAAIgAAABgAAAAAAAAAAAAAAAAAAAAAAAAAAAAAAAAAAAAkAAAAJAAAAAAAAAAHAAAAAAAAAAAAAAAAAAAAAAAAAAAAAAAAAAAAf39/ACUAAABYAAAAAAAAAAAAAAAAAAAAAAAAAAAAAAAAAAAAAAAAAAAAAAAAAAAAAAAAAAAAAAA/AAAAAAAAAKCGAQAAAAAAAAAAAAAAAAAMAAAAAQAAAAAAAAAAAAAAAAAAAB8AAABUAAAARHLEBf///wEAAAAAAAAAAAAAAAAAAAAAAAAAAAAAAAAAAAAAAAAAAAAAAAB/f38A5+bmA8zMzADAwP8Af39/AAAAAAAAAAAAAAAAAAAAAAAAAAAAIQAAABgAAAAUAAAAfRgAAKMbAADyGwAA6B0AABAgAAAmAAAACAAAAP//////////"/>
+                <pr:smNativeData xmlns:pr="smNativeData" xmlns="smNativeData" val="SMDATA_15_/1o6ZxMAAAAlAAAAZAAAAE0AAAAAkAAAAEgAAACQAAAASAAAAAAAAAAAAAAAAAAAAAEAAABQAAAAAAAAAAAA4D8AAAAAAADgPwAAAAAAAOA/AAAAAAAA4D8AAAAAAADgPwAAAAAAAOA/AAAAAAAA4D8AAAAAAADgPwAAAAAAAOA/AAAAAAAA4D8CAAAAjAAAAAAAAAAAAAAARHLEDP///wgAAAAAAAAAAAAAAAAAAAAAAAAAAAAAAAAAAAAAZAAAAAEAAABAAAAAAAAAAAAAAAAAAAAAAAAAAAAAAAAAAAAAAAAAAAAAAAAAAAAAAAAAAAAAAAAAAAAAAAAAAAAAAAAAAAAAAAAAAAAAAAAAAAAAAAAAAAAAAAAAAAAAFAAAADwAAAAAAAAAAAAAAAAAAAAPAAAAAQAAACMAAAAjAAAAIwAAAB4AAAAAAAAAZAAAAGQAAAAAAAAAZAAAAGQAAAAVAAAAYAAAAAAAAAAAAAAADwAAACADAAAAAAAAAAAAAAEAAACgMgAAVgcAAKr4//8BAAAAf39/AAEAAABkAAAAAAAAABQAAABAHwAAAAAAACYAAAAAAAAAwOD//wAAAAAmAAAAZAAAABYAAABMAAAAAAAAAAAAAAAEAAAAAAAAAAEAAADn5uYKAAAAACgAAAAoAAAAZAAAAGQAAAAAAAAAzMzMAAAAAABQAAAAUAAAAGQAAABkAAAAAAAAABcAAAAUAAAAAAAAAAAAAAD/fwAA/38AAAAAAAAJAAAABAAAAAAAAAAeAAAAaAAAAAAAAAAAAAAAAAAAAAAAAAAAAAAAECcAABAnAAAAAAAAAAAAAAAAAAAAAAAAAAAAAAAAAAAAAAAAAAAAABQAAAAAAAAAwMD/AAAAAABkAAAAMgAAAAAAAABkAAAAAAAAAH9/fwAKAAAAIgAAABgAAAAAAAAAAAAAAAAAAAAAAAAAAAAAAAAAAAAkAAAAJAAAAAAAAAAHAAAAAAAAAAAAAAAAAAAAAAAAAAAAAAAAAAAAf39/ACUAAABYAAAAAAAAAAAAAAAAAAAAAAAAAAAAAAAAAAAAAAAAAAAAAAAAAAAAAAAAAAAAAAA/AAAAAAAAAKCGAQAAAAAAAAAAAAAAAAAMAAAAAQAAAAAAAAAAAAAAAAAAAB8AAABUAAAARHLEBf///wEAAAAAAAAAAAAAAAAAAAAAAAAAAAAAAAAAAAAAAAAAAAAAAAB/f38A5+bmA8zMzADAwP8Af39/AAAAAAAAAAAAAAAAAAAAAAAAAAAAIQAAABgAAAAUAAAAfRgAAKMbAADyGwAA6B0AABAgAAAmAAAACAAAAP//////////"/>
               </a:ext>
             </a:extLst>
           </p:cNvSpPr>
@@ -4603,7 +4603,7 @@
           <p:cNvSpPr>
             <a:extLst>
               <a:ext uri="smNativeData">
-                <pr:smNativeData xmlns:pr="smNativeData" xmlns="smNativeData" val="SMDATA_15_u1g6ZxMAAAAlAAAAZAAAAE0AAAAAkAAAAEgAAACQAAAASAAAAAAAAAAAAAAAAAAAAAEAAABQAAAAAAAAAAAA4D8AAAAAAADgPwAAAAAAAOA/AAAAAAAA4D8AAAAAAADgPwAAAAAAAOA/AAAAAAAA4D8AAAAAAADgPwAAAAAAAOA/AAAAAAAA4D8CAAAAjAAAAAAAAAAAAAAARHLEDP///wgAAAAAAAAAAAAAAAAAAAAAAAAAAAAAAAAAAAAAZAAAAAEAAABAAAAAAAAAAAAAAAAAAAAAAAAAAAAAAAAAAAAAAAAAAAAAAAAAAAAAAAAAAAAAAAAAAAAAAAAAAAAAAAAAAAAAAAAAAAAAAAAAAAAAAAAAAAAAAAAAAAAAFAAAADwAAAAAAAAAAAAAAAAAAAAPAAAAAQAAACMAAAAjAAAAIwAAAB4AAAAAAAAAZAAAAGQAAAAAAAAAZAAAAGQAAAAVAAAAYAAAAAAAAAAAAAAADwAAACADAAAAAAAAAAAAAAEAAACgMgAAVgcAAKr4//8BAAAAf39/AAEAAABkAAAAAAAAABQAAABAHwAAAAAAACYAAAAAAAAAwOD//wAAAAAmAAAAZAAAABYAAABMAAAAAAAAAAAAAAAEAAAAAAAAAAEAAADn5uYKAAAAACgAAAAoAAAAZAAAAGQAAAAAAAAAzMzMAAAAAABQAAAAUAAAAGQAAABkAAAAAAAAABcAAAAUAAAAAAAAAAAAAAD/fwAA/38AAAAAAAAJAAAABAAAAAAAAAAeAAAAaAAAAAAAAAAAAAAAAAAAAAAAAAAAAAAAECcAABAnAAAAAAAAAAAAAAAAAAAAAAAAAAAAAAAAAAAAAAAAAAAAABQAAAAAAAAAwMD/AAAAAABkAAAAMgAAAAAAAABkAAAAAAAAAH9/fwAKAAAAIgAAABgAAAAAAAAAAAAAAAAAAAAAAAAAAAAAAAAAAAAkAAAAJAAAAAAAAAAHAAAAAAAAAAAAAAAAAAAAAAAAAAAAAAAAAAAAf39/ACUAAABYAAAAAAAAAAAAAAAAAAAAAAAAAAAAAAAAAAAAAAAAAAAAAAAAAAAAAAAAAAAAAAA/AAAAAAAAAKCGAQAAAAAAAAAAAAAAAAAMAAAAAQAAAAAAAAAAAAAAAAAAAB8AAABUAAAARHLEBf///wEAAAAAAAAAAAAAAAAAAAAAAAAAAAAAAAAAAAAAAAAAAAAAAAB/f38A5+bmA8zMzADAwP8Af39/AAAAAAAAAAAAAAAAAAAAAAAAAAAAIQAAABgAAAAUAAAAHxgAAEoiAACUGwAALiQAABAgAAAmAAAACAAAAP//////////"/>
+                <pr:smNativeData xmlns:pr="smNativeData" xmlns="smNativeData" val="SMDATA_15_/1o6ZxMAAAAlAAAAZAAAAE0AAAAAkAAAAEgAAACQAAAASAAAAAAAAAAAAAAAAAAAAAEAAABQAAAAAAAAAAAA4D8AAAAAAADgPwAAAAAAAOA/AAAAAAAA4D8AAAAAAADgPwAAAAAAAOA/AAAAAAAA4D8AAAAAAADgPwAAAAAAAOA/AAAAAAAA4D8CAAAAjAAAAAAAAAAAAAAARHLEDP///wgAAAAAAAAAAAAAAAAAAAAAAAAAAAAAAAAAAAAAZAAAAAEAAABAAAAAAAAAAAAAAAAAAAAAAAAAAAAAAAAAAAAAAAAAAAAAAAAAAAAAAAAAAAAAAAAAAAAAAAAAAAAAAAAAAAAAAAAAAAAAAAAAAAAAAAAAAAAAAAAAAAAAFAAAADwAAAAAAAAAAAAAAAAAAAAPAAAAAQAAACMAAAAjAAAAIwAAAB4AAAAAAAAAZAAAAGQAAAAAAAAAZAAAAGQAAAAVAAAAYAAAAAAAAAAAAAAADwAAACADAAAAAAAAAAAAAAEAAACgMgAAVgcAAKr4//8BAAAAf39/AAEAAABkAAAAAAAAABQAAABAHwAAAAAAACYAAAAAAAAAwOD//wAAAAAmAAAAZAAAABYAAABMAAAAAAAAAAAAAAAEAAAAAAAAAAEAAADn5uYKAAAAACgAAAAoAAAAZAAAAGQAAAAAAAAAzMzMAAAAAABQAAAAUAAAAGQAAABkAAAAAAAAABcAAAAUAAAAAAAAAAAAAAD/fwAA/38AAAAAAAAJAAAABAAAAAAAAAAeAAAAaAAAAAAAAAAAAAAAAAAAAAAAAAAAAAAAECcAABAnAAAAAAAAAAAAAAAAAAAAAAAAAAAAAAAAAAAAAAAAAAAAABQAAAAAAAAAwMD/AAAAAABkAAAAMgAAAAAAAABkAAAAAAAAAH9/fwAKAAAAIgAAABgAAAAAAAAAAAAAAAAAAAAAAAAAAAAAAAAAAAAkAAAAJAAAAAAAAAAHAAAAAAAAAAAAAAAAAAAAAAAAAAAAAAAAAAAAf39/ACUAAABYAAAAAAAAAAAAAAAAAAAAAAAAAAAAAAAAAAAAAAAAAAAAAAAAAAAAAAAAAAAAAAA/AAAAAAAAAKCGAQAAAAAAAAAAAAAAAAAMAAAAAQAAAAAAAAAAAAAAAAAAAB8AAABUAAAARHLEBf///wEAAAAAAAAAAAAAAAAAAAAAAAAAAAAAAAAAAAAAAAAAAAAAAAB/f38A5+bmA8zMzADAwP8Af39/AAAAAAAAAAAAAAAAAAAAAAAAAAAAIQAAABgAAAAUAAAAHxgAAEoiAACUGwAALiQAABAgAAAmAAAACAAAAP//////////"/>
               </a:ext>
             </a:extLst>
           </p:cNvSpPr>
@@ -4644,7 +4644,7 @@
           <p:cNvSpPr>
             <a:extLst>
               <a:ext uri="smNativeData">
-                <pr:smNativeData xmlns:pr="smNativeData" xmlns="smNativeData" val="SMDATA_15_u1g6ZxMAAAAlAAAAZQAAAA0AAAAAkAAAAEgAAACQAAAASAAAAAAAAAABAAAAAAAAAAEAAABQAAAAhbacS3FV1T8AAAAAAADwvwAAAAAAAOA/AAAAAAAA4D8AAAAAAADgPwAAAAAAAOA/AAAAAAAA4D8AAAAAAADgPwAAAAAAAOA/AAAAAAAA4D8CAAAAjAAAAAAAAAAAAAAARHLEDP///wgAAAAAAAAAAAAAAAAAAAAAAAAAAAAAAAAAAAAAZAAAAAEAAABAAAAAAAAAAAAAAAAAAAAAAAAAAAAAAAAAAAAAAAAAAAAAAAAAAAAAAAAAAAAAAAAAAAAAAAAAAAAAAAAAAAAAAAAAAAAAAAAAAAAAAAAAAAAAAAAAAAAAFAAAADwAAAABAAAAAAAAAB4yVwAUAAAAAQAAABQAAAAUAAAAFAAAAAEAAAAAAAAAZAAAAGQAAAAAAAAAZAAAAGQAAAAVAAAAYAAAAAAAAAAAAAAADwAAACADAAAAAAAAAAAAAAEAAACgMgAAVgcAAKr4//8BAAAAf39/AAEAAABkAAAAAAAAABQAAABAHwAAAAAAACYAAAAAAAAAwOD//wAAAAAmAAAAZAAAABYAAABMAAAAAAAAAAAAAAAEAAAAAAAAAAEAAADn5uYKAAAAACgAAAAoAAAAZAAAAGQAAAAAAAAAzMzMAAAAAABQAAAAUAAAAGQAAABkAAAAAAAAABcAAAAUAAAAAAAAAAAAAAD/fwAA/38AAAAAAAAJAAAABAAAAAAAAAAeAAAAaAAAAAAAAAAAAAAAAAAAAAAAAAAAAAAAECcAABAnAAAAAAAAAAAAAAAAAAAAAAAAAAAAAAAAAAAAAAAAAAAAABQAAAAAAAAAwMD/AAAAAABkAAAAMgAAAAAAAABkAAAAAAAAAH9/fwAKAAAAIgAAABgAAAAAAAAAAAAAAAAAAAAAAAAAAAAAAAAAAAAkAAAAJAAAAAAAAAAHAAAAAAAAAAAAAAAAAAAAAAAAAAAAAAAAAAAAf39/ACUAAABYAAAAAAAAAAAAAAAAAAAAAAAAAAAAAAAAAAAAAAAAAAAAAAAAAAAAAAAAAAAAAAA/AAAAAAAAAKCGAQAAAAAAAAAAAAAAAAAMAAAAAQAAAAAAAAAAAAAAAAAAAB8AAABUAAAARHLEBf///wEAAAAAAAAAAAAAAAAAAAAAAAAAAAAAAAAAAAAAAAAAAB4yVwB/f38A5+bmA8zMzADAwP8Af39/AAAAAAAAAAAAAAAAAAAAAAAAAAAAIQAAABgAAAAUAAAALBUAAFMiAADEFwAAmCQAABAAAAAmAAAACAAAAP//////////"/>
+                <pr:smNativeData xmlns:pr="smNativeData" xmlns="smNativeData" val="SMDATA_15_/1o6ZxMAAAAlAAAAZQAAAA0AAAAAkAAAAEgAAACQAAAASAAAAAAAAAABAAAAAAAAAAEAAABQAAAAhbacS3FV1T8AAAAAAADwvwAAAAAAAOA/AAAAAAAA4D8AAAAAAADgPwAAAAAAAOA/AAAAAAAA4D8AAAAAAADgPwAAAAAAAOA/AAAAAAAA4D8CAAAAjAAAAAAAAAAAAAAARHLEDP///wgAAAAAAAAAAAAAAAAAAAAAAAAAAAAAAAAAAAAAZAAAAAEAAABAAAAAAAAAAAAAAAAAAAAAAAAAAAAAAAAAAAAAAAAAAAAAAAAAAAAAAAAAAAAAAAAAAAAAAAAAAAAAAAAAAAAAAAAAAAAAAAAAAAAAAAAAAAAAAAAAAAAAFAAAADwAAAABAAAAAAAAAB4yVwAUAAAAAQAAABQAAAAUAAAAFAAAAAEAAAAAAAAAZAAAAGQAAAAAAAAAZAAAAGQAAAAVAAAAYAAAAAAAAAAAAAAADwAAACADAAAAAAAAAAAAAAEAAACgMgAAVgcAAKr4//8BAAAAf39/AAEAAABkAAAAAAAAABQAAABAHwAAAAAAACYAAAAAAAAAwOD//wAAAAAmAAAAZAAAABYAAABMAAAAAAAAAAAAAAAEAAAAAAAAAAEAAADn5uYKAAAAACgAAAAoAAAAZAAAAGQAAAAAAAAAzMzMAAAAAABQAAAAUAAAAGQAAABkAAAAAAAAABcAAAAUAAAAAAAAAAAAAAD/fwAA/38AAAAAAAAJAAAABAAAAAAAAAAeAAAAaAAAAAAAAAAAAAAAAAAAAAAAAAAAAAAAECcAABAnAAAAAAAAAAAAAAAAAAAAAAAAAAAAAAAAAAAAAAAAAAAAABQAAAAAAAAAwMD/AAAAAABkAAAAMgAAAAAAAABkAAAAAAAAAH9/fwAKAAAAIgAAABgAAAAAAAAAAAAAAAAAAAAAAAAAAAAAAAAAAAAkAAAAJAAAAAAAAAAHAAAAAAAAAAAAAAAAAAAAAAAAAAAAAAAAAAAAf39/ACUAAABYAAAAAAAAAAAAAAAAAAAAAAAAAAAAAAAAAAAAAAAAAAAAAAAAAAAAAAAAAAAAAAA/AAAAAAAAAKCGAQAAAAAAAAAAAAAAAAAMAAAAAQAAAAAAAAAAAAAAAAAAAB8AAABUAAAARHLEBf///wEAAAAAAAAAAAAAAAAAAAAAAAAAAAAAAAAAAAAAAAAAAB4yVwB/f38A5+bmA8zMzADAwP8Af39/AAAAAAAAAAAAAAAAAAAAAAAAAAAAIQAAABgAAAAUAAAALBUAAFMiAADEFwAAmCQAABAAAAAmAAAACAAAAP//////////"/>
               </a:ext>
             </a:extLst>
           </p:cNvSpPr>
@@ -4697,7 +4697,7 @@
           <p:cNvSpPr>
             <a:extLst>
               <a:ext uri="smNativeData">
-                <pr:smNativeData xmlns:pr="smNativeData" xmlns="smNativeData" val="SMDATA_15_u1g6ZxMAAAAlAAAAZQAAAA0AAAAAkAAAAEgAAACQAAAASAAAAAAAAAABAAAAAAAAAAEAAABQAAAAhbacS3FV1T8AAAAAAADwvwAAAAAAAOA/AAAAAAAA4D8AAAAAAADgPwAAAAAAAOA/AAAAAAAA4D8AAAAAAADgPwAAAAAAAOA/AAAAAAAA4D8CAAAAjAAAAAEAAAAAAAAAqdCOAP///wgAAAAAAAAAAAAAAAAAAAAAAAAAAAAAAAAAAAAAZAAAAAEAAABAAAAAAAAAAAAAAAAAAAAAAAAAAAAAAAAAAAAAAAAAAAAAAAAAAAAAAAAAAAAAAAAAAAAAAAAAAAAAAAAAAAAAAAAAAAAAAAAAAAAAAAAAAAAAAAAAAAAAFAAAADwAAAABAAAAAAAAAB4yVwAUAAAAAQAAABQAAAAUAAAAFAAAAAEAAAAAAAAAZAAAAGQAAAAAAAAAZAAAAGQAAAAVAAAAYAAAAAAAAAAAAAAADwAAACADAAAAAAAAAAAAAAEAAACgMgAAVgcAAKr4//8BAAAAf39/AAEAAABkAAAAAAAAABQAAABAHwAAAAAAACYAAAAAAAAAwOD//wAAAAAmAAAAZAAAABYAAABMAAAAAAAAAAAAAAAEAAAAAAAAAAEAAADn5uYKAAAAACgAAAAoAAAAZAAAAGQAAAAAAAAAzMzMAAAAAABQAAAAUAAAAGQAAABkAAAAAAAAABcAAAAUAAAAAAAAAAAAAAD/fwAA/38AAAAAAAAJAAAABAAAAAAAAAAeAAAAaAAAAAAAAAAAAAAAAAAAAAAAAAAAAAAAECcAABAnAAAAAAAAAAAAAAAAAAAAAAAAAAAAAAAAAAAAAAAAAAAAABQAAAAAAAAAwMD/AAAAAABkAAAAMgAAAAAAAABkAAAAAAAAAH9/fwAKAAAAIgAAABgAAAAAAAAAAAAAAAAAAAAAAAAAAAAAAAAAAAAkAAAAJAAAAAAAAAAHAAAAAAAAAAAAAAAAAAAAAAAAAAAAAAAAAAAAf39/ACUAAABYAAAAAAAAAAAAAAAAAAAAAAAAAAAAAAAAAAAAAAAAAAAAAAAAAAAAAAAAAAAAAAA/AAAAAAAAAKCGAQAAAAAAAAAAAAAAAAAMAAAAAQAAAAAAAAAAAAAAAAAAAB8AAABUAAAAqdCOAP///wEAAAAAAAAAAAAAAAAAAAAAAAAAAAAAAAAAAAAAAAAAAB4yVwB/f38A5+bmA8zMzADAwP8Af39/AAAAAAAAAAAAAAAAAAAAAAAAAAAAIQAAABgAAAAUAAAAIxUAAEQlAABHGwAAiicAABAAAAAmAAAACAAAAP//////////"/>
+                <pr:smNativeData xmlns:pr="smNativeData" xmlns="smNativeData" val="SMDATA_15_/1o6ZxMAAAAlAAAAZQAAAA0AAAAAkAAAAEgAAACQAAAASAAAAAAAAAABAAAAAAAAAAEAAABQAAAAhbacS3FV1T8AAAAAAADwvwAAAAAAAOA/AAAAAAAA4D8AAAAAAADgPwAAAAAAAOA/AAAAAAAA4D8AAAAAAADgPwAAAAAAAOA/AAAAAAAA4D8CAAAAjAAAAAEAAAAAAAAAqdCOAP///wgAAAAAAAAAAAAAAAAAAAAAAAAAAAAAAAAAAAAAZAAAAAEAAABAAAAAAAAAAAAAAAAAAAAAAAAAAAAAAAAAAAAAAAAAAAAAAAAAAAAAAAAAAAAAAAAAAAAAAAAAAAAAAAAAAAAAAAAAAAAAAAAAAAAAAAAAAAAAAAAAAAAAFAAAADwAAAABAAAAAAAAAB4yVwAUAAAAAQAAABQAAAAUAAAAFAAAAAEAAAAAAAAAZAAAAGQAAAAAAAAAZAAAAGQAAAAVAAAAYAAAAAAAAAAAAAAADwAAACADAAAAAAAAAAAAAAEAAACgMgAAVgcAAKr4//8BAAAAf39/AAEAAABkAAAAAAAAABQAAABAHwAAAAAAACYAAAAAAAAAwOD//wAAAAAmAAAAZAAAABYAAABMAAAAAAAAAAAAAAAEAAAAAAAAAAEAAADn5uYKAAAAACgAAAAoAAAAZAAAAGQAAAAAAAAAzMzMAAAAAABQAAAAUAAAAGQAAABkAAAAAAAAABcAAAAUAAAAAAAAAAAAAAD/fwAA/38AAAAAAAAJAAAABAAAAAAAAAAeAAAAaAAAAAAAAAAAAAAAAAAAAAAAAAAAAAAAECcAABAnAAAAAAAAAAAAAAAAAAAAAAAAAAAAAAAAAAAAAAAAAAAAABQAAAAAAAAAwMD/AAAAAABkAAAAMgAAAAAAAABkAAAAAAAAAH9/fwAKAAAAIgAAABgAAAAAAAAAAAAAAAAAAAAAAAAAAAAAAAAAAAAkAAAAJAAAAAAAAAAHAAAAAAAAAAAAAAAAAAAAAAAAAAAAAAAAAAAAf39/ACUAAABYAAAAAAAAAAAAAAAAAAAAAAAAAAAAAAAAAAAAAAAAAAAAAAAAAAAAAAAAAAAAAAA/AAAAAAAAAKCGAQAAAAAAAAAAAAAAAAAMAAAAAQAAAAAAAAAAAAAAAAAAAB8AAABUAAAAqdCOAP///wEAAAAAAAAAAAAAAAAAAAAAAAAAAAAAAAAAAAAAAAAAAB4yVwB/f38A5+bmA8zMzADAwP8Af39/AAAAAAAAAAAAAAAAAAAAAAAAAAAAIQAAABgAAAAUAAAAIxUAAEQlAABHGwAAiicAABAAAAAmAAAACAAAAP//////////"/>
               </a:ext>
             </a:extLst>
           </p:cNvSpPr>
@@ -4752,7 +4752,7 @@
           <p:cNvSpPr>
             <a:extLst>
               <a:ext uri="smNativeData">
-                <pr:smNativeData xmlns:pr="smNativeData" xmlns="smNativeData" val="SMDATA_15_u1g6ZxMAAAAlAAAAZQAAAA0AAAAAkAAAAEgAAACQAAAASAAAAAAAAAABAAAAAAAAAAEAAABQAAAAhbacS3FV1T8AAAAAAADwvwAAAAAAAOA/AAAAAAAA4D8AAAAAAADgPwAAAAAAAOA/AAAAAAAA4D8AAAAAAADgPwAAAAAAAOA/AAAAAAAA4D8CAAAAjAAAAAEAAAAAAAAAqdCOAP///wgAAAAAAAAAAAAAAAAAAAAAAAAAAAAAAAAAAAAAZAAAAAEAAABAAAAAAAAAAAAAAAAAAAAAAAAAAAAAAAAAAAAAAAAAAAAAAAAAAAAAAAAAAAAAAAAAAAAAAAAAAAAAAAAAAAAAAAAAAAAAAAAAAAAAAAAAAAAAAAAAAAAAFAAAADwAAAABAAAAAAAAAB4yVwAUAAAAAQAAABQAAAAUAAAAFAAAAAEAAAAAAAAAZAAAAGQAAAAAAAAAZAAAAGQAAAAVAAAAYAAAAAAAAAAAAAAADwAAACADAAAAAAAAAAAAAAEAAACgMgAAVgcAAKr4//8BAAAAf39/AAEAAABkAAAAAAAAABQAAABAHwAAAAAAACYAAAAAAAAAwOD//wAAAAAmAAAAZAAAABYAAABMAAAAAAAAAAAAAAAEAAAAAAAAAAEAAADn5uYKAAAAACgAAAAoAAAAZAAAAGQAAAAAAAAAzMzMAAAAAABQAAAAUAAAAGQAAABkAAAAAAAAABcAAAAUAAAAAAAAAAAAAAD/fwAA/38AAAAAAAAJAAAABAAAAAAAAAAeAAAAaAAAAAAAAAAAAAAAAAAAAAAAAAAAAAAAECcAABAnAAAAAAAAAAAAAAAAAAAAAAAAAAAAAAAAAAAAAAAAAAAAABQAAAAAAAAAwMD/AAAAAABkAAAAMgAAAAAAAABkAAAAAAAAAH9/fwAKAAAAIgAAABgAAAAAAAAAAAAAAAAAAAAAAAAAAAAAAAAAAAAkAAAAJAAAAAAAAAAHAAAAAAAAAAAAAAAAAAAAAAAAAAAAAAAAAAAAf39/ACUAAABYAAAAAAAAAAAAAAAAAAAAAAAAAAAAAAAAAAAAAAAAAAAAAAAAAAAAAAAAAAAAAAA/AAAAAAAAAKCGAQAAAAAAAAAAAAAAAAAMAAAAAQAAAAAAAAAAAAAAAAAAAB8AAABUAAAAqdCOAP///wEAAAAAAAAAAAAAAAAAAAAAAAAAAAAAAAAAAAAAAAAAAB4yVwB/f38A5+bmA8zMzADAwP8Af39/AAAAAAAAAAAAAAAAAAAAAAAAAAAAIQAAABgAAAAUAAAADRUAAKAeAAAxGwAA5iAAABAAAAAmAAAACAAAAP//////////"/>
+                <pr:smNativeData xmlns:pr="smNativeData" xmlns="smNativeData" val="SMDATA_15_/1o6ZxMAAAAlAAAAZQAAAA0AAAAAkAAAAEgAAACQAAAASAAAAAAAAAABAAAAAAAAAAEAAABQAAAAhbacS3FV1T8AAAAAAADwvwAAAAAAAOA/AAAAAAAA4D8AAAAAAADgPwAAAAAAAOA/AAAAAAAA4D8AAAAAAADgPwAAAAAAAOA/AAAAAAAA4D8CAAAAjAAAAAEAAAAAAAAAqdCOAP///wgAAAAAAAAAAAAAAAAAAAAAAAAAAAAAAAAAAAAAZAAAAAEAAABAAAAAAAAAAAAAAAAAAAAAAAAAAAAAAAAAAAAAAAAAAAAAAAAAAAAAAAAAAAAAAAAAAAAAAAAAAAAAAAAAAAAAAAAAAAAAAAAAAAAAAAAAAAAAAAAAAAAAFAAAADwAAAABAAAAAAAAAB4yVwAUAAAAAQAAABQAAAAUAAAAFAAAAAEAAAAAAAAAZAAAAGQAAAAAAAAAZAAAAGQAAAAVAAAAYAAAAAAAAAAAAAAADwAAACADAAAAAAAAAAAAAAEAAACgMgAAVgcAAKr4//8BAAAAf39/AAEAAABkAAAAAAAAABQAAABAHwAAAAAAACYAAAAAAAAAwOD//wAAAAAmAAAAZAAAABYAAABMAAAAAAAAAAAAAAAEAAAAAAAAAAEAAADn5uYKAAAAACgAAAAoAAAAZAAAAGQAAAAAAAAAzMzMAAAAAABQAAAAUAAAAGQAAABkAAAAAAAAABcAAAAUAAAAAAAAAAAAAAD/fwAA/38AAAAAAAAJAAAABAAAAAAAAAAeAAAAaAAAAAAAAAAAAAAAAAAAAAAAAAAAAAAAECcAABAnAAAAAAAAAAAAAAAAAAAAAAAAAAAAAAAAAAAAAAAAAAAAABQAAAAAAAAAwMD/AAAAAABkAAAAMgAAAAAAAABkAAAAAAAAAH9/fwAKAAAAIgAAABgAAAAAAAAAAAAAAAAAAAAAAAAAAAAAAAAAAAAkAAAAJAAAAAAAAAAHAAAAAAAAAAAAAAAAAAAAAAAAAAAAAAAAAAAAf39/ACUAAABYAAAAAAAAAAAAAAAAAAAAAAAAAAAAAAAAAAAAAAAAAAAAAAAAAAAAAAAAAAAAAAA/AAAAAAAAAKCGAQAAAAAAAAAAAAAAAAAMAAAAAQAAAAAAAAAAAAAAAAAAAB8AAABUAAAAqdCOAP///wEAAAAAAAAAAAAAAAAAAAAAAAAAAAAAAAAAAAAAAAAAAB4yVwB/f38A5+bmA8zMzADAwP8Af39/AAAAAAAAAAAAAAAAAAAAAAAAAAAAIQAAABgAAAAUAAAADRUAAKAeAAAxGwAA5iAAABAAAAAmAAAACAAAAP//////////"/>
               </a:ext>
             </a:extLst>
           </p:cNvSpPr>
@@ -4826,7 +4826,7 @@
           <p:cNvSpPr>
             <a:extLst>
               <a:ext uri="smNativeData">
-                <pr:smNativeData xmlns:pr="smNativeData" xmlns="smNativeData" val="SMDATA_15_u1g6ZxMAAAAlAAAAZAAAAE0AAAAAkAAAAEgAAACQAAAASAAAAAAAAAAAAAAAAAAAAAEAAABQAAAAAAAAAAAA4D8AAAAAAADgPwAAAAAAAOA/AAAAAAAA4D8AAAAAAADgPwAAAAAAAOA/AAAAAAAA4D8AAAAAAADgPwAAAAAAAOA/AAAAAAAA4D8CAAAAjAAAAAAAAAAAAAAARHLEDP///wgAAAAAAAAAAAAAAAAAAAAAAAAAAAAAAAAAAAAAZAAAAAEAAABAAAAAAAAAAAAAAAAAAAAAAAAAAAAAAAAAAAAAAAAAAAAAAAAAAAAAAAAAAAAAAAAAAAAAAAAAAAAAAAAAAAAAAAAAAAAAAAAAAAAAAAAAAAAAAAAAAAAAFAAAADwAAAAAAAAAAAAAAAAAAAAPAAAAAQAAACMAAAAjAAAAIwAAAB4AAAAAAAAAZAAAAGQAAAAAAAAAZAAAAGQAAAAVAAAAYAAAAAAAAAAAAAAADwAAACADAAAAAAAAAAAAAAEAAACgMgAAVgcAAKr4//8BAAAAf39/AAEAAABkAAAAAAAAABQAAABAHwAAAAAAACYAAAAAAAAAwOD//wAAAAAmAAAAZAAAABYAAABMAAAAAAAAAAAAAAAEAAAAAAAAAAEAAADn5uYKAAAAACgAAAAoAAAAZAAAAGQAAAAAAAAAzMzMAAAAAABQAAAAUAAAAGQAAABkAAAAAAAAABcAAAAUAAAAAAAAAAAAAAD/fwAA/38AAAAAAAAJAAAABAAAAAAAAAAeAAAAaAAAAAAAAAAAAAAAAAAAAAAAAAAAAAAAECcAABAnAAAAAAAAAAAAAAAAAAAAAAAAAAAAAAAAAAAAAAAAAAAAABQAAAAAAAAAwMD/AAAAAABkAAAAMgAAAAAAAABkAAAAAAAAAH9/fwAKAAAAIgAAABgAAAAAAAAAAAAAAAAAAAAAAAAAAAAAAAAAAAAkAAAAJAAAAAAAAAAHAAAAAAAAAAAAAAAAAAAAAAAAAAAAAAAAAAAAf39/ACUAAABYAAAAAAAAAAAAAAAAAAAAAAAAAAAAAAAAAAAAAAAAAAAAAAAAAAAAAAAAAAAAAAA/AAAAAAAAAKCGAQAAAAAAAAAAAAAAAAAMAAAAAQAAAAAAAAAAAAAAAAAAAB8AAABUAAAARHLEBf///wEAAAAAAAAAAAAAAAAAAAAAAAAAAAAAAAAAAAAAAAAAAAAAAAB/f38A5+bmA8zMzADAwP8Af39/AAAAAAAAAAAAAAAAAAAAAAAAAAAAIQAAABgAAAAUAAAAMRgAAA8dAACmGwAAqx4AABAgAAAmAAAACAAAAP//////////"/>
+                <pr:smNativeData xmlns:pr="smNativeData" xmlns="smNativeData" val="SMDATA_15_/1o6ZxMAAAAlAAAAZAAAAE0AAAAAkAAAAEgAAACQAAAASAAAAAAAAAAAAAAAAAAAAAEAAABQAAAAAAAAAAAA4D8AAAAAAADgPwAAAAAAAOA/AAAAAAAA4D8AAAAAAADgPwAAAAAAAOA/AAAAAAAA4D8AAAAAAADgPwAAAAAAAOA/AAAAAAAA4D8CAAAAjAAAAAAAAAAAAAAARHLEDP///wgAAAAAAAAAAAAAAAAAAAAAAAAAAAAAAAAAAAAAZAAAAAEAAABAAAAAAAAAAAAAAAAAAAAAAAAAAAAAAAAAAAAAAAAAAAAAAAAAAAAAAAAAAAAAAAAAAAAAAAAAAAAAAAAAAAAAAAAAAAAAAAAAAAAAAAAAAAAAAAAAAAAAFAAAADwAAAAAAAAAAAAAAAAAAAAPAAAAAQAAACMAAAAjAAAAIwAAAB4AAAAAAAAAZAAAAGQAAAAAAAAAZAAAAGQAAAAVAAAAYAAAAAAAAAAAAAAADwAAACADAAAAAAAAAAAAAAEAAACgMgAAVgcAAKr4//8BAAAAf39/AAEAAABkAAAAAAAAABQAAABAHwAAAAAAACYAAAAAAAAAwOD//wAAAAAmAAAAZAAAABYAAABMAAAAAAAAAAAAAAAEAAAAAAAAAAEAAADn5uYKAAAAACgAAAAoAAAAZAAAAGQAAAAAAAAAzMzMAAAAAABQAAAAUAAAAGQAAABkAAAAAAAAABcAAAAUAAAAAAAAAAAAAAD/fwAA/38AAAAAAAAJAAAABAAAAAAAAAAeAAAAaAAAAAAAAAAAAAAAAAAAAAAAAAAAAAAAECcAABAnAAAAAAAAAAAAAAAAAAAAAAAAAAAAAAAAAAAAAAAAAAAAABQAAAAAAAAAwMD/AAAAAABkAAAAMgAAAAAAAABkAAAAAAAAAH9/fwAKAAAAIgAAABgAAAAAAAAAAAAAAAAAAAAAAAAAAAAAAAAAAAAkAAAAJAAAAAAAAAAHAAAAAAAAAAAAAAAAAAAAAAAAAAAAAAAAAAAAf39/ACUAAABYAAAAAAAAAAAAAAAAAAAAAAAAAAAAAAAAAAAAAAAAAAAAAAAAAAAAAAAAAAAAAAA/AAAAAAAAAKCGAQAAAAAAAAAAAAAAAAAMAAAAAQAAAAAAAAAAAAAAAAAAAB8AAABUAAAARHLEBf///wEAAAAAAAAAAAAAAAAAAAAAAAAAAAAAAAAAAAAAAAAAAAAAAAB/f38A5+bmA8zMzADAwP8Af39/AAAAAAAAAAAAAAAAAAAAAAAAAAAAIQAAABgAAAAUAAAAMRgAAA8dAACmGwAAqx4AABAgAAAmAAAACAAAAP//////////"/>
               </a:ext>
             </a:extLst>
           </p:cNvSpPr>
@@ -4875,7 +4875,7 @@
           <p:cNvSpPr>
             <a:extLst>
               <a:ext uri="smNativeData">
-                <pr:smNativeData xmlns:pr="smNativeData" xmlns="smNativeData" val="SMDATA_15_u1g6ZxMAAAAlAAAAZAAAAE0AAAAAkAAAAEgAAACQAAAASAAAAAAAAAAAAAAAAAAAAAEAAABQAAAAAAAAAAAA4D8AAAAAAADgPwAAAAAAAOA/AAAAAAAA4D8AAAAAAADgPwAAAAAAAOA/AAAAAAAA4D8AAAAAAADgPwAAAAAAAOA/AAAAAAAA4D8CAAAAjAAAAAAAAAAAAAAARHLEDP///wgAAAAAAAAAAAAAAAAAAAAAAAAAAAAAAAAAAAAAZAAAAAEAAABAAAAAAAAAAAAAAAAAAAAAAAAAAAAAAAAAAAAAAAAAAAAAAAAAAAAAAAAAAAAAAAAAAAAAAAAAAAAAAAAAAAAAAAAAAAAAAAAAAAAAAAAAAAAAAAAAAAAAFAAAADwAAAAAAAAAAAAAAAAAAAAPAAAAAQAAACMAAAAjAAAAIwAAAB4AAAAAAAAAZAAAAGQAAAAAAAAAZAAAAGQAAAAVAAAAYAAAAAAAAAAAAAAADwAAACADAAAAAAAAAAAAAAEAAACgMgAAVgcAAKr4//8BAAAAf39/AAEAAABkAAAAAAAAABQAAABAHwAAAAAAACYAAAAAAAAAwOD//wAAAAAmAAAAZAAAABYAAABMAAAAAAAAAAAAAAAEAAAAAAAAAAEAAADn5uYKAAAAACgAAAAoAAAAZAAAAGQAAAAAAAAAzMzMAAAAAABQAAAAUAAAAGQAAABkAAAAAAAAABcAAAAUAAAAAAAAAAAAAAD/fwAA/38AAAAAAAAJAAAABAAAAAAAAAAeAAAAaAAAAAAAAAAAAAAAAAAAAAAAAAAAAAAAECcAABAnAAAAAAAAAAAAAAAAAAAAAAAAAAAAAAAAAAAAAAAAAAAAABQAAAAAAAAAwMD/AAAAAABkAAAAMgAAAAAAAABkAAAAAAAAAH9/fwAKAAAAIgAAABgAAAAAAAAAAAAAAAAAAAAAAAAAAAAAAAAAAAAkAAAAJAAAAAAAAAAHAAAAAAAAAAAAAAAAAAAAAAAAAAAAAAAAAAAAf39/ACUAAABYAAAAAAAAAAAAAAAAAAAAAAAAAAAAAAAAAAAAAAAAAAAAAAAAAAAAAAAAAAAAAAA/AAAAAAAAAKCGAQAAAAAAAAAAAAAAAAAMAAAAAQAAAAAAAAAAAAAAAAAAAB8AAABUAAAARHLEBf///wEAAAAAAAAAAAAAAAAAAAAAAAAAAAAAAAAAAAAAAAAAAAAAAAB/f38A5+bmA8zMzADAwP8Af39/AAAAAAAAAAAAAAAAAAAAAAAAAAAAIQAAABgAAAAUAAAATBgAAK4jAADAGwAASiUAABAgAAAmAAAACAAAAP//////////"/>
+                <pr:smNativeData xmlns:pr="smNativeData" xmlns="smNativeData" val="SMDATA_15_/1o6ZxMAAAAlAAAAZAAAAE0AAAAAkAAAAEgAAACQAAAASAAAAAAAAAAAAAAAAAAAAAEAAABQAAAAAAAAAAAA4D8AAAAAAADgPwAAAAAAAOA/AAAAAAAA4D8AAAAAAADgPwAAAAAAAOA/AAAAAAAA4D8AAAAAAADgPwAAAAAAAOA/AAAAAAAA4D8CAAAAjAAAAAAAAAAAAAAARHLEDP///wgAAAAAAAAAAAAAAAAAAAAAAAAAAAAAAAAAAAAAZAAAAAEAAABAAAAAAAAAAAAAAAAAAAAAAAAAAAAAAAAAAAAAAAAAAAAAAAAAAAAAAAAAAAAAAAAAAAAAAAAAAAAAAAAAAAAAAAAAAAAAAAAAAAAAAAAAAAAAAAAAAAAAFAAAADwAAAAAAAAAAAAAAAAAAAAPAAAAAQAAACMAAAAjAAAAIwAAAB4AAAAAAAAAZAAAAGQAAAAAAAAAZAAAAGQAAAAVAAAAYAAAAAAAAAAAAAAADwAAACADAAAAAAAAAAAAAAEAAACgMgAAVgcAAKr4//8BAAAAf39/AAEAAABkAAAAAAAAABQAAABAHwAAAAAAACYAAAAAAAAAwOD//wAAAAAmAAAAZAAAABYAAABMAAAAAAAAAAAAAAAEAAAAAAAAAAEAAADn5uYKAAAAACgAAAAoAAAAZAAAAGQAAAAAAAAAzMzMAAAAAABQAAAAUAAAAGQAAABkAAAAAAAAABcAAAAUAAAAAAAAAAAAAAD/fwAA/38AAAAAAAAJAAAABAAAAAAAAAAeAAAAaAAAAAAAAAAAAAAAAAAAAAAAAAAAAAAAECcAABAnAAAAAAAAAAAAAAAAAAAAAAAAAAAAAAAAAAAAAAAAAAAAABQAAAAAAAAAwMD/AAAAAABkAAAAMgAAAAAAAABkAAAAAAAAAH9/fwAKAAAAIgAAABgAAAAAAAAAAAAAAAAAAAAAAAAAAAAAAAAAAAAkAAAAJAAAAAAAAAAHAAAAAAAAAAAAAAAAAAAAAAAAAAAAAAAAAAAAf39/ACUAAABYAAAAAAAAAAAAAAAAAAAAAAAAAAAAAAAAAAAAAAAAAAAAAAAAAAAAAAAAAAAAAAA/AAAAAAAAAKCGAQAAAAAAAAAAAAAAAAAMAAAAAQAAAAAAAAAAAAAAAAAAAB8AAABUAAAARHLEBf///wEAAAAAAAAAAAAAAAAAAAAAAAAAAAAAAAAAAAAAAAAAAAAAAAB/f38A5+bmA8zMzADAwP8Af39/AAAAAAAAAAAAAAAAAAAAAAAAAAAAIQAAABgAAAAUAAAATBgAAK4jAADAGwAASiUAABAgAAAmAAAACAAAAP//////////"/>
               </a:ext>
             </a:extLst>
           </p:cNvSpPr>
@@ -4924,7 +4924,7 @@
           <p:cNvSpPr>
             <a:extLst>
               <a:ext uri="smNativeData">
-                <pr:smNativeData xmlns:pr="smNativeData" xmlns="smNativeData" val="SMDATA_15_u1g6ZxMAAAAlAAAAZQAAAA0AAAAAkAAAAEgAAACQAAAASAAAAAAAAAABAAAAAAAAAAEAAABQAAAAhbacS3FV1T8AAAAAAADwvwAAAAAAAOA/AAAAAAAA4D8AAAAAAADgPwAAAAAAAOA/AAAAAAAA4D8AAAAAAADgPwAAAAAAAOA/AAAAAAAA4D8CAAAAjAAAAAEAAAAAAAAA0M7OAP///wgAAAAAAAAAAAAAAAAAAAAAAAAAAAAAAAAAAAAAZAAAAAEAAABAAAAAAAAAAAAAAAAAAAAAAAAAAAAAAAAAAAAAAAAAAAAAAAAAAAAAAAAAAAAAAAAAAAAAAAAAAAAAAAAAAAAAAAAAAAAAAAAAAAAAAAAAAAAAAAAAAAAAFAAAADwAAAABAAAAAAAAAB4yVwAUAAAAAQAAABQAAAAUAAAAFAAAAAEAAAAAAAAAZAAAAGQAAAAAAAAAZAAAAGQAAAAVAAAAYAAAAAAAAAAAAAAADwAAACADAAAAAAAAAAAAAAEAAACgMgAAVgcAAKr4//8BAAAAf39/AAEAAABkAAAAAAAAABQAAABAHwAAAAAAACYAAAAAAAAAwOD//wAAAAAmAAAAZAAAABYAAABMAAAAAAAAAAAAAAAEAAAAAAAAAAEAAADn5uYKAAAAACgAAAAoAAAAZAAAAGQAAAAAAAAAzMzMAAAAAABQAAAAUAAAAGQAAABkAAAAAAAAABcAAAAUAAAAAAAAAAAAAAD/fwAA/38AAAAAAAAJAAAABAAAAAAAAAAeAAAAaAAAAAAAAAAAAAAAAAAAAAAAAAAAAAAAECcAABAnAAAAAAAAAAAAAAAAAAAAAAAAAAAAAAAAAAAAAAAAAAAAABQAAAAAAAAAwMD/AAAAAABkAAAAMgAAAAAAAABkAAAAAAAAAH9/fwAKAAAAIgAAABgAAAAAAAAAAAAAAAAAAAAAAAAAAAAAAAAAAAAkAAAAJAAAAAAAAAAHAAAAAAAAAAAAAAAAAAAAAAAAAAAAAAAAAAAAf39/ACUAAABYAAAAAAAAAAAAAAAAAAAAAAAAAAAAAAAAAAAAAAAAAAAAAAAAAAAAAAAAAAAAAAA/AAAAAAAAAKCGAQAAAAAAAAAAAAAAAAAMAAAAAQAAAAAAAAAAAAAAAAAAAB8AAABUAAAA0M7OAP///wEAAAAAAAAAAAAAAAAAAAAAAAAAAAAAAAAAAAAAAAAAAB4yVwB/f38A5+bmA8zMzADAwP8Af39/AAAAAAAAAAAAAAAAAAAAAAAAAAAAIQAAABgAAAAUAAAAfh0AAB0iAAB4JAAAMygAABAAAAAmAAAACAAAAP//////////"/>
+                <pr:smNativeData xmlns:pr="smNativeData" xmlns="smNativeData" val="SMDATA_15_/1o6ZxMAAAAlAAAAZQAAAA0AAAAAkAAAAEgAAACQAAAASAAAAAAAAAABAAAAAAAAAAEAAABQAAAAhbacS3FV1T8AAAAAAADwvwAAAAAAAOA/AAAAAAAA4D8AAAAAAADgPwAAAAAAAOA/AAAAAAAA4D8AAAAAAADgPwAAAAAAAOA/AAAAAAAA4D8CAAAAjAAAAAEAAAAAAAAA0M7OAP///wgAAAAAAAAAAAAAAAAAAAAAAAAAAAAAAAAAAAAAZAAAAAEAAABAAAAAAAAAAAAAAAAAAAAAAAAAAAAAAAAAAAAAAAAAAAAAAAAAAAAAAAAAAAAAAAAAAAAAAAAAAAAAAAAAAAAAAAAAAAAAAAAAAAAAAAAAAAAAAAAAAAAAFAAAADwAAAABAAAAAAAAAB4yVwAUAAAAAQAAABQAAAAUAAAAFAAAAAEAAAAAAAAAZAAAAGQAAAAAAAAAZAAAAGQAAAAVAAAAYAAAAAAAAAAAAAAADwAAACADAAAAAAAAAAAAAAEAAACgMgAAVgcAAKr4//8BAAAAf39/AAEAAABkAAAAAAAAABQAAABAHwAAAAAAACYAAAAAAAAAwOD//wAAAAAmAAAAZAAAABYAAABMAAAAAAAAAAAAAAAEAAAAAAAAAAEAAADn5uYKAAAAACgAAAAoAAAAZAAAAGQAAAAAAAAAzMzMAAAAAABQAAAAUAAAAGQAAABkAAAAAAAAABcAAAAUAAAAAAAAAAAAAAD/fwAA/38AAAAAAAAJAAAABAAAAAAAAAAeAAAAaAAAAAAAAAAAAAAAAAAAAAAAAAAAAAAAECcAABAnAAAAAAAAAAAAAAAAAAAAAAAAAAAAAAAAAAAAAAAAAAAAABQAAAAAAAAAwMD/AAAAAABkAAAAMgAAAAAAAABkAAAAAAAAAH9/fwAKAAAAIgAAABgAAAAAAAAAAAAAAAAAAAAAAAAAAAAAAAAAAAAkAAAAJAAAAAAAAAAHAAAAAAAAAAAAAAAAAAAAAAAAAAAAAAAAAAAAf39/ACUAAABYAAAAAAAAAAAAAAAAAAAAAAAAAAAAAAAAAAAAAAAAAAAAAAAAAAAAAAAAAAAAAAA/AAAAAAAAAKCGAQAAAAAAAAAAAAAAAAAMAAAAAQAAAAAAAAAAAAAAAAAAAB8AAABUAAAA0M7OAP///wEAAAAAAAAAAAAAAAAAAAAAAAAAAAAAAAAAAAAAAAAAAB4yVwB/f38A5+bmA8zMzADAwP8Af39/AAAAAAAAAAAAAAAAAAAAAAAAAAAAIQAAABgAAAAUAAAAfh0AAB0iAAB4JAAAMygAABAAAAAmAAAACAAAAP//////////"/>
               </a:ext>
             </a:extLst>
           </p:cNvSpPr>
@@ -4976,7 +4976,7 @@
           <p:cNvSpPr>
             <a:extLst>
               <a:ext uri="smNativeData">
-                <pr:smNativeData xmlns:pr="smNativeData" xmlns="smNativeData" val="SMDATA_15_u1g6ZxMAAAAlAAAAZQAAAA0AAAAAkAAAAEgAAACQAAAASAAAAAAAAAABAAAAAAAAAAEAAABQAAAAhbacS3FV1T8AAAAAAADwvwAAAAAAAOA/AAAAAAAA4D8AAAAAAADgPwAAAAAAAOA/AAAAAAAA4D8AAAAAAADgPwAAAAAAAOA/AAAAAAAA4D8CAAAAjAAAAAEAAAAAAAAA0M7OAP///wgAAAAAAAAAAAAAAAAAAAAAAAAAAAAAAAAAAAAAZAAAAAEAAABAAAAAAAAAAAAAAAAAAAAAAAAAAAAAAAAAAAAAAAAAAAAAAAAAAAAAAAAAAAAAAAAAAAAAAAAAAAAAAAAAAAAAAAAAAAAAAAAAAAAAAAAAAAAAAAAAAAAAFAAAADwAAAABAAAAAAAAAB4yVwAUAAAAAQAAABQAAAAUAAAAFAAAAAEAAAAAAAAAZAAAAGQAAAAAAAAAZAAAAGQAAAAVAAAAYAAAAAAAAAAAAAAADwAAACADAAAAAAAAAAAAAAEAAACgMgAAVgcAAKr4//8BAAAAf39/AAEAAABkAAAAAAAAABQAAABAHwAAAAAAACYAAAAAAAAAwOD//wAAAAAmAAAAZAAAABYAAABMAAAAAAAAAAAAAAAEAAAAAAAAAAEAAADn5uYKAAAAACgAAAAoAAAAZAAAAGQAAAAAAAAAzMzMAAAAAABQAAAAUAAAAGQAAABkAAAAAAAAABcAAAAUAAAAAAAAAAAAAAD/fwAA/38AAAAAAAAJAAAABAAAAAAAAAAeAAAAaAAAAAAAAAAAAAAAAAAAAAAAAAAAAAAAECcAABAnAAAAAAAAAAAAAAAAAAAAAAAAAAAAAAAAAAAAAAAAAAAAABQAAAAAAAAAwMD/AAAAAABkAAAAMgAAAAAAAABkAAAAAAAAAH9/fwAKAAAAIgAAABgAAAAAAAAAAAAAAAAAAAAAAAAAAAAAAAAAAAAkAAAAJAAAAAAAAAAHAAAAAAAAAAAAAAAAAAAAAAAAAAAAAAAAAAAAf39/ACUAAABYAAAAAAAAAAAAAAAAAAAAAAAAAAAAAAAAAAAAAAAAAAAAAAAAAAAAAAAAAAAAAAA/AAAAAAAAAKCGAQAAAAAAAAAAAAAAAAAMAAAAAQAAAAAAAAAAAAAAAAAAAB8AAABUAAAA0M7OAP///wEAAAAAAAAAAAAAAAAAAAAAAAAAAAAAAAAAAAAAAAAAAB4yVwB/f38A5+bmA8zMzADAwP8Af39/AAAAAAAAAAAAAAAAAAAAAAAAAAAAIQAAABgAAAAUAAAAfh0AAGgbAAB4JAAAfiEAABAAAAAmAAAACAAAAP//////////"/>
+                <pr:smNativeData xmlns:pr="smNativeData" xmlns="smNativeData" val="SMDATA_15_/1o6ZxMAAAAlAAAAZQAAAA0AAAAAkAAAAEgAAACQAAAASAAAAAAAAAABAAAAAAAAAAEAAABQAAAAhbacS3FV1T8AAAAAAADwvwAAAAAAAOA/AAAAAAAA4D8AAAAAAADgPwAAAAAAAOA/AAAAAAAA4D8AAAAAAADgPwAAAAAAAOA/AAAAAAAA4D8CAAAAjAAAAAEAAAAAAAAA0M7OAP///wgAAAAAAAAAAAAAAAAAAAAAAAAAAAAAAAAAAAAAZAAAAAEAAABAAAAAAAAAAAAAAAAAAAAAAAAAAAAAAAAAAAAAAAAAAAAAAAAAAAAAAAAAAAAAAAAAAAAAAAAAAAAAAAAAAAAAAAAAAAAAAAAAAAAAAAAAAAAAAAAAAAAAFAAAADwAAAABAAAAAAAAAB4yVwAUAAAAAQAAABQAAAAUAAAAFAAAAAEAAAAAAAAAZAAAAGQAAAAAAAAAZAAAAGQAAAAVAAAAYAAAAAAAAAAAAAAADwAAACADAAAAAAAAAAAAAAEAAACgMgAAVgcAAKr4//8BAAAAf39/AAEAAABkAAAAAAAAABQAAABAHwAAAAAAACYAAAAAAAAAwOD//wAAAAAmAAAAZAAAABYAAABMAAAAAAAAAAAAAAAEAAAAAAAAAAEAAADn5uYKAAAAACgAAAAoAAAAZAAAAGQAAAAAAAAAzMzMAAAAAABQAAAAUAAAAGQAAABkAAAAAAAAABcAAAAUAAAAAAAAAAAAAAD/fwAA/38AAAAAAAAJAAAABAAAAAAAAAAeAAAAaAAAAAAAAAAAAAAAAAAAAAAAAAAAAAAAECcAABAnAAAAAAAAAAAAAAAAAAAAAAAAAAAAAAAAAAAAAAAAAAAAABQAAAAAAAAAwMD/AAAAAABkAAAAMgAAAAAAAABkAAAAAAAAAH9/fwAKAAAAIgAAABgAAAAAAAAAAAAAAAAAAAAAAAAAAAAAAAAAAAAkAAAAJAAAAAAAAAAHAAAAAAAAAAAAAAAAAAAAAAAAAAAAAAAAAAAAf39/ACUAAABYAAAAAAAAAAAAAAAAAAAAAAAAAAAAAAAAAAAAAAAAAAAAAAAAAAAAAAAAAAAAAAA/AAAAAAAAAKCGAQAAAAAAAAAAAAAAAAAMAAAAAQAAAAAAAAAAAAAAAAAAAB8AAABUAAAA0M7OAP///wEAAAAAAAAAAAAAAAAAAAAAAAAAAAAAAAAAAAAAAAAAAB4yVwB/f38A5+bmA8zMzADAwP8Af39/AAAAAAAAAAAAAAAAAAAAAAAAAAAAIQAAABgAAAAUAAAAfh0AAGgbAAB4JAAAfiEAABAAAAAmAAAACAAAAP//////////"/>
               </a:ext>
             </a:extLst>
           </p:cNvSpPr>
@@ -5028,7 +5028,7 @@
           <p:cNvSpPr>
             <a:extLst>
               <a:ext uri="smNativeData">
-                <pr:smNativeData xmlns:pr="smNativeData" xmlns="smNativeData" val="SMDATA_15_u1g6ZxMAAAAlAAAAZQAAAA0AAAAAkAAAAEgAAACQAAAASAAAAAAAAAABAAAAAAAAAAEAAABQAAAAhbacS3FV1T8AAAAAAADwvwAAAAAAAOA/AAAAAAAA4D8AAAAAAADgPwAAAAAAAOA/AAAAAAAA4D8AAAAAAADgPwAAAAAAAOA/AAAAAAAA4D8CAAAAjAAAAAAAAAAAAAAARHLEDP///wgAAAAAAAAAAAAAAAAAAAAAAAAAAAAAAAAAAAAAZAAAAAEAAABAAAAAAAAAAAAAAAAAAAAAAAAAAAAAAAAAAAAAAAAAAAAAAAAAAAAAAAAAAAAAAAAAAAAAAAAAAAAAAAAAAAAAAAAAAAAAAAAAAAAAAAAAAAAAAAAAAAAAFAAAADwAAAABAAAAAAAAAB4yVwAUAAAAAQAAABQAAAAUAAAAFAAAAAEAAAAAAAAAZAAAAGQAAAAAAAAAZAAAAGQAAAAVAAAAYAAAAAAAAAAAAAAADwAAACADAAAAAAAAAAAAAAEAAACgMgAAVgcAAKr4//8BAAAAf39/AAEAAABkAAAAAAAAABQAAABAHwAAAAAAACYAAAAAAAAAwOD//wAAAAAmAAAAZAAAABYAAABMAAAAAAAAAAAAAAAEAAAAAAAAAAEAAADn5uYKAAAAACgAAAAoAAAAZAAAAGQAAAAAAAAAzMzMAAAAAABQAAAAUAAAAGQAAABkAAAAAAAAABcAAAAUAAAAAAAAAAAAAAD/fwAA/38AAAAAAAAJAAAABAAAAAAAAAAeAAAAaAAAAAAAAAAAAAAAAAAAAAAAAAAAAAAAECcAABAnAAAAAAAAAAAAAAAAAAAAAAAAAAAAAAAAAAAAAAAAAAAAABQAAAAAAAAAwMD/AAAAAABkAAAAMgAAAAAAAABkAAAAAAAAAH9/fwAKAAAAIgAAABgAAAAAAAAAAAAAAAAAAAAAAAAAAAAAAAAAAAAkAAAAJAAAAAAAAAAHAAAAAAAAAAAAAAAAAAAAAAAAAAAAAAAAAAAAf39/ACUAAABYAAAAAAAAAAAAAAAAAAAAAAAAAAAAAAAAAAAAAAAAAAAAAAAAAAAAAAAAAAAAAAA/AAAAAAAAAKCGAQAAAAAAAAAAAAAAAAAMAAAAAQAAAAAAAAAAAAAAAAAAAB8AAABUAAAARHLEBf///wEAAAAAAAAAAAAAAAAAAAAAAAAAAAAAAAAAAAAAAAAAAB4yVwB/f38A5+bmA8zMzADAwP8Af39/AAAAAAAAAAAAAAAAAAAAAAAAAAAAIQAAABgAAAAUAAAAFB4AAO8bAACtIAAANR4AABAAAAAmAAAACAAAAP//////////"/>
+                <pr:smNativeData xmlns:pr="smNativeData" xmlns="smNativeData" val="SMDATA_15_/1o6ZxMAAAAlAAAAZQAAAA0AAAAAkAAAAEgAAACQAAAASAAAAAAAAAABAAAAAAAAAAEAAABQAAAAhbacS3FV1T8AAAAAAADwvwAAAAAAAOA/AAAAAAAA4D8AAAAAAADgPwAAAAAAAOA/AAAAAAAA4D8AAAAAAADgPwAAAAAAAOA/AAAAAAAA4D8CAAAAjAAAAAAAAAAAAAAARHLEDP///wgAAAAAAAAAAAAAAAAAAAAAAAAAAAAAAAAAAAAAZAAAAAEAAABAAAAAAAAAAAAAAAAAAAAAAAAAAAAAAAAAAAAAAAAAAAAAAAAAAAAAAAAAAAAAAAAAAAAAAAAAAAAAAAAAAAAAAAAAAAAAAAAAAAAAAAAAAAAAAAAAAAAAFAAAADwAAAABAAAAAAAAAB4yVwAUAAAAAQAAABQAAAAUAAAAFAAAAAEAAAAAAAAAZAAAAGQAAAAAAAAAZAAAAGQAAAAVAAAAYAAAAAAAAAAAAAAADwAAACADAAAAAAAAAAAAAAEAAACgMgAAVgcAAKr4//8BAAAAf39/AAEAAABkAAAAAAAAABQAAABAHwAAAAAAACYAAAAAAAAAwOD//wAAAAAmAAAAZAAAABYAAABMAAAAAAAAAAAAAAAEAAAAAAAAAAEAAADn5uYKAAAAACgAAAAoAAAAZAAAAGQAAAAAAAAAzMzMAAAAAABQAAAAUAAAAGQAAABkAAAAAAAAABcAAAAUAAAAAAAAAAAAAAD/fwAA/38AAAAAAAAJAAAABAAAAAAAAAAeAAAAaAAAAAAAAAAAAAAAAAAAAAAAAAAAAAAAECcAABAnAAAAAAAAAAAAAAAAAAAAAAAAAAAAAAAAAAAAAAAAAAAAABQAAAAAAAAAwMD/AAAAAABkAAAAMgAAAAAAAABkAAAAAAAAAH9/fwAKAAAAIgAAABgAAAAAAAAAAAAAAAAAAAAAAAAAAAAAAAAAAAAkAAAAJAAAAAAAAAAHAAAAAAAAAAAAAAAAAAAAAAAAAAAAAAAAAAAAf39/ACUAAABYAAAAAAAAAAAAAAAAAAAAAAAAAAAAAAAAAAAAAAAAAAAAAAAAAAAAAAAAAAAAAAA/AAAAAAAAAKCGAQAAAAAAAAAAAAAAAAAMAAAAAQAAAAAAAAAAAAAAAAAAAB8AAABUAAAARHLEBf///wEAAAAAAAAAAAAAAAAAAAAAAAAAAAAAAAAAAAAAAAAAAB4yVwB/f38A5+bmA8zMzADAwP8Af39/AAAAAAAAAAAAAAAAAAAAAAAAAAAAIQAAABgAAAAUAAAAFB4AAO8bAACtIAAANR4AABAAAAAmAAAACAAAAP//////////"/>
               </a:ext>
             </a:extLst>
           </p:cNvSpPr>
@@ -5081,7 +5081,7 @@
           <p:cNvSpPr>
             <a:extLst>
               <a:ext uri="smNativeData">
-                <pr:smNativeData xmlns:pr="smNativeData" xmlns="smNativeData" val="SMDATA_15_u1g6ZxMAAAAlAAAAZAAAAE0AAAAAkAAAAEgAAACQAAAASAAAAAAAAAAAAAAAAAAAAAEAAABQAAAAAAAAAAAA4D8AAAAAAADgPwAAAAAAAOA/AAAAAAAA4D8AAAAAAADgPwAAAAAAAOA/AAAAAAAA4D8AAAAAAADgPwAAAAAAAOA/AAAAAAAA4D8CAAAAjAAAAAAAAAAAAAAARHLEDP///wgAAAAAAAAAAAAAAAAAAAAAAAAAAAAAAAAAAAAAZAAAAAEAAABAAAAAAAAAAAAAAAAAAAAAAAAAAAAAAAAAAAAAAAAAAAAAAAAAAAAAAAAAAAAAAAAAAAAAAAAAAAAAAAAAAAAAAAAAAAAAAAAAAAAAAAAAAAAAAAAAAAAAFAAAADwAAAAAAAAAAAAAAAAAAAAPAAAAAQAAACMAAAAjAAAAIwAAAB4AAAAAAAAAZAAAAGQAAAAAAAAAZAAAAGQAAAAVAAAAYAAAAAAAAAAAAAAADwAAACADAAAAAAAAAAAAAAEAAACgMgAAVgcAAKr4//8BAAAAf39/AAEAAABkAAAAAAAAABQAAABAHwAAAAAAACYAAAAAAAAAwOD//wAAAAAmAAAAZAAAABYAAABMAAAAAAAAAAAAAAAEAAAAAAAAAAEAAADn5uYKAAAAACgAAAAoAAAAZAAAAGQAAAAAAAAAzMzMAAAAAABQAAAAUAAAAGQAAABkAAAAAAAAABcAAAAUAAAAAAAAAAAAAAD/fwAA/38AAAAAAAAJAAAABAAAAAAAAAAeAAAAaAAAAAAAAAAAAAAAAAAAAAAAAAAAAAAAECcAABAnAAAAAAAAAAAAAAAAAAAAAAAAAAAAAAAAAAAAAAAAAAAAABQAAAAAAAAAwMD/AAAAAABkAAAAMgAAAAAAAABkAAAAAAAAAH9/fwAKAAAAIgAAABgAAAAAAAAAAAAAAAAAAAAAAAAAAAAAAAAAAAAkAAAAJAAAAAAAAAAHAAAAAAAAAAAAAAAAAAAAAAAAAAAAAAAAAAAAf39/ACUAAABYAAAAAAAAAAAAAAAAAAAAAAAAAAAAAAAAAAAAAAAAAAAAAAAAAAAAAAAAAAAAAAA/AAAAAAAAAKCGAQAAAAAAAAAAAAAAAAAMAAAAAQAAAAAAAAAAAAAAAAAAAB8AAABUAAAARHLEBf///wEAAAAAAAAAAAAAAAAAAAAAAAAAAAAAAAAAAAAAAAAAAAAAAAB/f38A5+bmA8zMzADAwP8Af39/AAAAAAAAAAAAAAAAAAAAAAAAAAAAIQAAABgAAAAUAAAAWSEAAKMbAADOJAAA6B0AABAgAAAmAAAACAAAAP//////////"/>
+                <pr:smNativeData xmlns:pr="smNativeData" xmlns="smNativeData" val="SMDATA_15_/1o6ZxMAAAAlAAAAZAAAAE0AAAAAkAAAAEgAAACQAAAASAAAAAAAAAAAAAAAAAAAAAEAAABQAAAAAAAAAAAA4D8AAAAAAADgPwAAAAAAAOA/AAAAAAAA4D8AAAAAAADgPwAAAAAAAOA/AAAAAAAA4D8AAAAAAADgPwAAAAAAAOA/AAAAAAAA4D8CAAAAjAAAAAAAAAAAAAAARHLEDP///wgAAAAAAAAAAAAAAAAAAAAAAAAAAAAAAAAAAAAAZAAAAAEAAABAAAAAAAAAAAAAAAAAAAAAAAAAAAAAAAAAAAAAAAAAAAAAAAAAAAAAAAAAAAAAAAAAAAAAAAAAAAAAAAAAAAAAAAAAAAAAAAAAAAAAAAAAAAAAAAAAAAAAFAAAADwAAAAAAAAAAAAAAAAAAAAPAAAAAQAAACMAAAAjAAAAIwAAAB4AAAAAAAAAZAAAAGQAAAAAAAAAZAAAAGQAAAAVAAAAYAAAAAAAAAAAAAAADwAAACADAAAAAAAAAAAAAAEAAACgMgAAVgcAAKr4//8BAAAAf39/AAEAAABkAAAAAAAAABQAAABAHwAAAAAAACYAAAAAAAAAwOD//wAAAAAmAAAAZAAAABYAAABMAAAAAAAAAAAAAAAEAAAAAAAAAAEAAADn5uYKAAAAACgAAAAoAAAAZAAAAGQAAAAAAAAAzMzMAAAAAABQAAAAUAAAAGQAAABkAAAAAAAAABcAAAAUAAAAAAAAAAAAAAD/fwAA/38AAAAAAAAJAAAABAAAAAAAAAAeAAAAaAAAAAAAAAAAAAAAAAAAAAAAAAAAAAAAECcAABAnAAAAAAAAAAAAAAAAAAAAAAAAAAAAAAAAAAAAAAAAAAAAABQAAAAAAAAAwMD/AAAAAABkAAAAMgAAAAAAAABkAAAAAAAAAH9/fwAKAAAAIgAAABgAAAAAAAAAAAAAAAAAAAAAAAAAAAAAAAAAAAAkAAAAJAAAAAAAAAAHAAAAAAAAAAAAAAAAAAAAAAAAAAAAAAAAAAAAf39/ACUAAABYAAAAAAAAAAAAAAAAAAAAAAAAAAAAAAAAAAAAAAAAAAAAAAAAAAAAAAAAAAAAAAA/AAAAAAAAAKCGAQAAAAAAAAAAAAAAAAAMAAAAAQAAAAAAAAAAAAAAAAAAAB8AAABUAAAARHLEBf///wEAAAAAAAAAAAAAAAAAAAAAAAAAAAAAAAAAAAAAAAAAAAAAAAB/f38A5+bmA8zMzADAwP8Af39/AAAAAAAAAAAAAAAAAAAAAAAAAAAAIQAAABgAAAAUAAAAWSEAAKMbAADOJAAA6B0AABAgAAAmAAAACAAAAP//////////"/>
               </a:ext>
             </a:extLst>
           </p:cNvSpPr>
@@ -5120,7 +5120,7 @@
           <p:cNvSpPr>
             <a:extLst>
               <a:ext uri="smNativeData">
-                <pr:smNativeData xmlns:pr="smNativeData" xmlns="smNativeData" val="SMDATA_15_u1g6ZxMAAAAlAAAAZAAAAE0AAAAAkAAAAEgAAACQAAAASAAAAAAAAAAAAAAAAAAAAAEAAABQAAAAAAAAAAAA4D8AAAAAAADgPwAAAAAAAOA/AAAAAAAA4D8AAAAAAADgPwAAAAAAAOA/AAAAAAAA4D8AAAAAAADgPwAAAAAAAOA/AAAAAAAA4D8CAAAAjAAAAAAAAAAAAAAARHLEDP///wgAAAAAAAAAAAAAAAAAAAAAAAAAAAAAAAAAAAAAZAAAAAEAAABAAAAAAAAAAAAAAAAAAAAAAAAAAAAAAAAAAAAAAAAAAAAAAAAAAAAAAAAAAAAAAAAAAAAAAAAAAAAAAAAAAAAAAAAAAAAAAAAAAAAAAAAAAAAAAAAAAAAAFAAAADwAAAAAAAAAAAAAAAAAAAAPAAAAAQAAACMAAAAjAAAAIwAAAB4AAAAAAAAAZAAAAGQAAAAAAAAAZAAAAGQAAAAVAAAAYAAAAAAAAAAAAAAADwAAACADAAAAAAAAAAAAAAEAAACgMgAAVgcAAKr4//8BAAAAf39/AAEAAABkAAAAAAAAABQAAABAHwAAAAAAACYAAAAAAAAAwOD//wAAAAAmAAAAZAAAABYAAABMAAAAAAAAAAAAAAAEAAAAAAAAAAEAAADn5uYKAAAAACgAAAAoAAAAZAAAAGQAAAAAAAAAzMzMAAAAAABQAAAAUAAAAGQAAABkAAAAAAAAABcAAAAUAAAAAAAAAAAAAAD/fwAA/38AAAAAAAAJAAAABAAAAAAAAAAeAAAAaAAAAAAAAAAAAAAAAAAAAAAAAAAAAAAAECcAABAnAAAAAAAAAAAAAAAAAAAAAAAAAAAAAAAAAAAAAAAAAAAAABQAAAAAAAAAwMD/AAAAAABkAAAAMgAAAAAAAABkAAAAAAAAAH9/fwAKAAAAIgAAABgAAAAAAAAAAAAAAAAAAAAAAAAAAAAAAAAAAAAkAAAAJAAAAAAAAAAHAAAAAAAAAAAAAAAAAAAAAAAAAAAAAAAAAAAAf39/ACUAAABYAAAAAAAAAAAAAAAAAAAAAAAAAAAAAAAAAAAAAAAAAAAAAAAAAAAAAAAAAAAAAAA/AAAAAAAAAKCGAQAAAAAAAAAAAAAAAAAMAAAAAQAAAAAAAAAAAAAAAAAAAB8AAABUAAAARHLEBf///wEAAAAAAAAAAAAAAAAAAAAAAAAAAAAAAAAAAAAAAAAAAAAAAAB/f38A5+bmA8zMzADAwP8Af39/AAAAAAAAAAAAAAAAAAAAAAAAAAAAIQAAABgAAAAUAAAA+yAAAEoiAABwJAAALiQAABAgAAAmAAAACAAAAP//////////"/>
+                <pr:smNativeData xmlns:pr="smNativeData" xmlns="smNativeData" val="SMDATA_15_/1o6ZxMAAAAlAAAAZAAAAE0AAAAAkAAAAEgAAACQAAAASAAAAAAAAAAAAAAAAAAAAAEAAABQAAAAAAAAAAAA4D8AAAAAAADgPwAAAAAAAOA/AAAAAAAA4D8AAAAAAADgPwAAAAAAAOA/AAAAAAAA4D8AAAAAAADgPwAAAAAAAOA/AAAAAAAA4D8CAAAAjAAAAAAAAAAAAAAARHLEDP///wgAAAAAAAAAAAAAAAAAAAAAAAAAAAAAAAAAAAAAZAAAAAEAAABAAAAAAAAAAAAAAAAAAAAAAAAAAAAAAAAAAAAAAAAAAAAAAAAAAAAAAAAAAAAAAAAAAAAAAAAAAAAAAAAAAAAAAAAAAAAAAAAAAAAAAAAAAAAAAAAAAAAAFAAAADwAAAAAAAAAAAAAAAAAAAAPAAAAAQAAACMAAAAjAAAAIwAAAB4AAAAAAAAAZAAAAGQAAAAAAAAAZAAAAGQAAAAVAAAAYAAAAAAAAAAAAAAADwAAACADAAAAAAAAAAAAAAEAAACgMgAAVgcAAKr4//8BAAAAf39/AAEAAABkAAAAAAAAABQAAABAHwAAAAAAACYAAAAAAAAAwOD//wAAAAAmAAAAZAAAABYAAABMAAAAAAAAAAAAAAAEAAAAAAAAAAEAAADn5uYKAAAAACgAAAAoAAAAZAAAAGQAAAAAAAAAzMzMAAAAAABQAAAAUAAAAGQAAABkAAAAAAAAABcAAAAUAAAAAAAAAAAAAAD/fwAA/38AAAAAAAAJAAAABAAAAAAAAAAeAAAAaAAAAAAAAAAAAAAAAAAAAAAAAAAAAAAAECcAABAnAAAAAAAAAAAAAAAAAAAAAAAAAAAAAAAAAAAAAAAAAAAAABQAAAAAAAAAwMD/AAAAAABkAAAAMgAAAAAAAABkAAAAAAAAAH9/fwAKAAAAIgAAABgAAAAAAAAAAAAAAAAAAAAAAAAAAAAAAAAAAAAkAAAAJAAAAAAAAAAHAAAAAAAAAAAAAAAAAAAAAAAAAAAAAAAAAAAAf39/ACUAAABYAAAAAAAAAAAAAAAAAAAAAAAAAAAAAAAAAAAAAAAAAAAAAAAAAAAAAAAAAAAAAAA/AAAAAAAAAKCGAQAAAAAAAAAAAAAAAAAMAAAAAQAAAAAAAAAAAAAAAAAAAB8AAABUAAAARHLEBf///wEAAAAAAAAAAAAAAAAAAAAAAAAAAAAAAAAAAAAAAAAAAAAAAAB/f38A5+bmA8zMzADAwP8Af39/AAAAAAAAAAAAAAAAAAAAAAAAAAAAIQAAABgAAAAUAAAA+yAAAEoiAABwJAAALiQAABAgAAAmAAAACAAAAP//////////"/>
               </a:ext>
             </a:extLst>
           </p:cNvSpPr>
@@ -5161,7 +5161,7 @@
           <p:cNvSpPr>
             <a:extLst>
               <a:ext uri="smNativeData">
-                <pr:smNativeData xmlns:pr="smNativeData" xmlns="smNativeData" val="SMDATA_15_u1g6ZxMAAAAlAAAAZQAAAA0AAAAAkAAAAEgAAACQAAAASAAAAAAAAAABAAAAAAAAAAEAAABQAAAAhbacS3FV1T8AAAAAAADwvwAAAAAAAOA/AAAAAAAA4D8AAAAAAADgPwAAAAAAAOA/AAAAAAAA4D8AAAAAAADgPwAAAAAAAOA/AAAAAAAA4D8CAAAAjAAAAAAAAAAAAAAARHLEDP///wgAAAAAAAAAAAAAAAAAAAAAAAAAAAAAAAAAAAAAZAAAAAEAAABAAAAAAAAAAAAAAAAAAAAAAAAAAAAAAAAAAAAAAAAAAAAAAAAAAAAAAAAAAAAAAAAAAAAAAAAAAAAAAAAAAAAAAAAAAAAAAAAAAAAAAAAAAAAAAAAAAAAAFAAAADwAAAABAAAAAAAAAB4yVwAUAAAAAQAAABQAAAAUAAAAFAAAAAEAAAAAAAAAZAAAAGQAAAAAAAAAZAAAAGQAAAAVAAAAYAAAAAAAAAAAAAAADwAAACADAAAAAAAAAAAAAAEAAACgMgAAVgcAAKr4//8BAAAAf39/AAEAAABkAAAAAAAAABQAAABAHwAAAAAAACYAAAAAAAAAwOD//wAAAAAmAAAAZAAAABYAAABMAAAAAAAAAAAAAAAEAAAAAAAAAAEAAADn5uYKAAAAACgAAAAoAAAAZAAAAGQAAAAAAAAAzMzMAAAAAABQAAAAUAAAAGQAAABkAAAAAAAAABcAAAAUAAAAAAAAAAAAAAD/fwAA/38AAAAAAAAJAAAABAAAAAAAAAAeAAAAaAAAAAAAAAAAAAAAAAAAAAAAAAAAAAAAECcAABAnAAAAAAAAAAAAAAAAAAAAAAAAAAAAAAAAAAAAAAAAAAAAABQAAAAAAAAAwMD/AAAAAABkAAAAMgAAAAAAAABkAAAAAAAAAH9/fwAKAAAAIgAAABgAAAAAAAAAAAAAAAAAAAAAAAAAAAAAAAAAAAAkAAAAJAAAAAAAAAAHAAAAAAAAAAAAAAAAAAAAAAAAAAAAAAAAAAAAf39/ACUAAABYAAAAAAAAAAAAAAAAAAAAAAAAAAAAAAAAAAAAAAAAAAAAAAAAAAAAAAAAAAAAAAA/AAAAAAAAAKCGAQAAAAAAAAAAAAAAAAAMAAAAAQAAAAAAAAAAAAAAAAAAAB8AAABUAAAARHLEBf///wEAAAAAAAAAAAAAAAAAAAAAAAAAAAAAAAAAAAAAAAAAAB4yVwB/f38A5+bmA8zMzADAwP8Af39/AAAAAAAAAAAAAAAAAAAAAAAAAAAAIQAAABgAAAAUAAAACB4AAFMiAACgIAAAmCQAABAAAAAmAAAACAAAAP//////////"/>
+                <pr:smNativeData xmlns:pr="smNativeData" xmlns="smNativeData" val="SMDATA_15_/1o6ZxMAAAAlAAAAZQAAAA0AAAAAkAAAAEgAAACQAAAASAAAAAAAAAABAAAAAAAAAAEAAABQAAAAhbacS3FV1T8AAAAAAADwvwAAAAAAAOA/AAAAAAAA4D8AAAAAAADgPwAAAAAAAOA/AAAAAAAA4D8AAAAAAADgPwAAAAAAAOA/AAAAAAAA4D8CAAAAjAAAAAAAAAAAAAAARHLEDP///wgAAAAAAAAAAAAAAAAAAAAAAAAAAAAAAAAAAAAAZAAAAAEAAABAAAAAAAAAAAAAAAAAAAAAAAAAAAAAAAAAAAAAAAAAAAAAAAAAAAAAAAAAAAAAAAAAAAAAAAAAAAAAAAAAAAAAAAAAAAAAAAAAAAAAAAAAAAAAAAAAAAAAFAAAADwAAAABAAAAAAAAAB4yVwAUAAAAAQAAABQAAAAUAAAAFAAAAAEAAAAAAAAAZAAAAGQAAAAAAAAAZAAAAGQAAAAVAAAAYAAAAAAAAAAAAAAADwAAACADAAAAAAAAAAAAAAEAAACgMgAAVgcAAKr4//8BAAAAf39/AAEAAABkAAAAAAAAABQAAABAHwAAAAAAACYAAAAAAAAAwOD//wAAAAAmAAAAZAAAABYAAABMAAAAAAAAAAAAAAAEAAAAAAAAAAEAAADn5uYKAAAAACgAAAAoAAAAZAAAAGQAAAAAAAAAzMzMAAAAAABQAAAAUAAAAGQAAABkAAAAAAAAABcAAAAUAAAAAAAAAAAAAAD/fwAA/38AAAAAAAAJAAAABAAAAAAAAAAeAAAAaAAAAAAAAAAAAAAAAAAAAAAAAAAAAAAAECcAABAnAAAAAAAAAAAAAAAAAAAAAAAAAAAAAAAAAAAAAAAAAAAAABQAAAAAAAAAwMD/AAAAAABkAAAAMgAAAAAAAABkAAAAAAAAAH9/fwAKAAAAIgAAABgAAAAAAAAAAAAAAAAAAAAAAAAAAAAAAAAAAAAkAAAAJAAAAAAAAAAHAAAAAAAAAAAAAAAAAAAAAAAAAAAAAAAAAAAAf39/ACUAAABYAAAAAAAAAAAAAAAAAAAAAAAAAAAAAAAAAAAAAAAAAAAAAAAAAAAAAAAAAAAAAAA/AAAAAAAAAKCGAQAAAAAAAAAAAAAAAAAMAAAAAQAAAAAAAAAAAAAAAAAAAB8AAABUAAAARHLEBf///wEAAAAAAAAAAAAAAAAAAAAAAAAAAAAAAAAAAAAAAAAAAB4yVwB/f38A5+bmA8zMzADAwP8Af39/AAAAAAAAAAAAAAAAAAAAAAAAAAAAIQAAABgAAAAUAAAACB4AAFMiAACgIAAAmCQAABAAAAAmAAAACAAAAP//////////"/>
               </a:ext>
             </a:extLst>
           </p:cNvSpPr>
@@ -5214,7 +5214,7 @@
           <p:cNvSpPr>
             <a:extLst>
               <a:ext uri="smNativeData">
-                <pr:smNativeData xmlns:pr="smNativeData" xmlns="smNativeData" val="SMDATA_15_u1g6ZxMAAAAlAAAAZQAAAA0AAAAAkAAAAEgAAACQAAAASAAAAAAAAAABAAAAAAAAAAEAAABQAAAAhbacS3FV1T8AAAAAAADwvwAAAAAAAOA/AAAAAAAA4D8AAAAAAADgPwAAAAAAAOA/AAAAAAAA4D8AAAAAAADgPwAAAAAAAOA/AAAAAAAA4D8CAAAAjAAAAAEAAAAAAAAAqdCOAP///wgAAAAAAAAAAAAAAAAAAAAAAAAAAAAAAAAAAAAAZAAAAAEAAABAAAAAAAAAAAAAAAAAAAAAAAAAAAAAAAAAAAAAAAAAAAAAAAAAAAAAAAAAAAAAAAAAAAAAAAAAAAAAAAAAAAAAAAAAAAAAAAAAAAAAAAAAAAAAAAAAAAAAFAAAADwAAAABAAAAAAAAAB4yVwAUAAAAAQAAABQAAAAUAAAAFAAAAAEAAAAAAAAAZAAAAGQAAAAAAAAAZAAAAGQAAAAVAAAAYAAAAAAAAAAAAAAADwAAACADAAAAAAAAAAAAAAEAAACgMgAAVgcAAKr4//8BAAAAf39/AAEAAABkAAAAAAAAABQAAABAHwAAAAAAACYAAAAAAAAAwOD//wAAAAAmAAAAZAAAABYAAABMAAAAAAAAAAAAAAAEAAAAAAAAAAEAAADn5uYKAAAAACgAAAAoAAAAZAAAAGQAAAAAAAAAzMzMAAAAAABQAAAAUAAAAGQAAABkAAAAAAAAABcAAAAUAAAAAAAAAAAAAAD/fwAA/38AAAAAAAAJAAAABAAAAAAAAAAeAAAAaAAAAAAAAAAAAAAAAAAAAAAAAAAAAAAAECcAABAnAAAAAAAAAAAAAAAAAAAAAAAAAAAAAAAAAAAAAAAAAAAAABQAAAAAAAAAwMD/AAAAAABkAAAAMgAAAAAAAABkAAAAAAAAAH9/fwAKAAAAIgAAABgAAAAAAAAAAAAAAAAAAAAAAAAAAAAAAAAAAAAkAAAAJAAAAAAAAAAHAAAAAAAAAAAAAAAAAAAAAAAAAAAAAAAAAAAAf39/ACUAAABYAAAAAAAAAAAAAAAAAAAAAAAAAAAAAAAAAAAAAAAAAAAAAAAAAAAAAAAAAAAAAAA/AAAAAAAAAKCGAQAAAAAAAAAAAAAAAAAMAAAAAQAAAAAAAAAAAAAAAAAAAB8AAABUAAAAqdCOAP///wEAAAAAAAAAAAAAAAAAAAAAAAAAAAAAAAAAAAAAAAAAAB4yVwB/f38A5+bmA8zMzADAwP8Af39/AAAAAAAAAAAAAAAAAAAAAAAAAAAAIQAAABgAAAAUAAAAAB4AAEQlAAAjJAAAiicAABAAAAAmAAAACAAAAP//////////"/>
+                <pr:smNativeData xmlns:pr="smNativeData" xmlns="smNativeData" val="SMDATA_15_/1o6ZxMAAAAlAAAAZQAAAA0AAAAAkAAAAEgAAACQAAAASAAAAAAAAAABAAAAAAAAAAEAAABQAAAAhbacS3FV1T8AAAAAAADwvwAAAAAAAOA/AAAAAAAA4D8AAAAAAADgPwAAAAAAAOA/AAAAAAAA4D8AAAAAAADgPwAAAAAAAOA/AAAAAAAA4D8CAAAAjAAAAAEAAAAAAAAAqdCOAP///wgAAAAAAAAAAAAAAAAAAAAAAAAAAAAAAAAAAAAAZAAAAAEAAABAAAAAAAAAAAAAAAAAAAAAAAAAAAAAAAAAAAAAAAAAAAAAAAAAAAAAAAAAAAAAAAAAAAAAAAAAAAAAAAAAAAAAAAAAAAAAAAAAAAAAAAAAAAAAAAAAAAAAFAAAADwAAAABAAAAAAAAAB4yVwAUAAAAAQAAABQAAAAUAAAAFAAAAAEAAAAAAAAAZAAAAGQAAAAAAAAAZAAAAGQAAAAVAAAAYAAAAAAAAAAAAAAADwAAACADAAAAAAAAAAAAAAEAAACgMgAAVgcAAKr4//8BAAAAf39/AAEAAABkAAAAAAAAABQAAABAHwAAAAAAACYAAAAAAAAAwOD//wAAAAAmAAAAZAAAABYAAABMAAAAAAAAAAAAAAAEAAAAAAAAAAEAAADn5uYKAAAAACgAAAAoAAAAZAAAAGQAAAAAAAAAzMzMAAAAAABQAAAAUAAAAGQAAABkAAAAAAAAABcAAAAUAAAAAAAAAAAAAAD/fwAA/38AAAAAAAAJAAAABAAAAAAAAAAeAAAAaAAAAAAAAAAAAAAAAAAAAAAAAAAAAAAAECcAABAnAAAAAAAAAAAAAAAAAAAAAAAAAAAAAAAAAAAAAAAAAAAAABQAAAAAAAAAwMD/AAAAAABkAAAAMgAAAAAAAABkAAAAAAAAAH9/fwAKAAAAIgAAABgAAAAAAAAAAAAAAAAAAAAAAAAAAAAAAAAAAAAkAAAAJAAAAAAAAAAHAAAAAAAAAAAAAAAAAAAAAAAAAAAAAAAAAAAAf39/ACUAAABYAAAAAAAAAAAAAAAAAAAAAAAAAAAAAAAAAAAAAAAAAAAAAAAAAAAAAAAAAAAAAAA/AAAAAAAAAKCGAQAAAAAAAAAAAAAAAAAMAAAAAQAAAAAAAAAAAAAAAAAAAB8AAABUAAAAqdCOAP///wEAAAAAAAAAAAAAAAAAAAAAAAAAAAAAAAAAAAAAAAAAAB4yVwB/f38A5+bmA8zMzADAwP8Af39/AAAAAAAAAAAAAAAAAAAAAAAAAAAAIQAAABgAAAAUAAAAAB4AAEQlAAAjJAAAiicAABAAAAAmAAAACAAAAP//////////"/>
               </a:ext>
             </a:extLst>
           </p:cNvSpPr>
@@ -5269,7 +5269,7 @@
           <p:cNvSpPr>
             <a:extLst>
               <a:ext uri="smNativeData">
-                <pr:smNativeData xmlns:pr="smNativeData" xmlns="smNativeData" val="SMDATA_15_u1g6ZxMAAAAlAAAAZQAAAA0AAAAAkAAAAEgAAACQAAAASAAAAAAAAAABAAAAAAAAAAEAAABQAAAAhbacS3FV1T8AAAAAAADwvwAAAAAAAOA/AAAAAAAA4D8AAAAAAADgPwAAAAAAAOA/AAAAAAAA4D8AAAAAAADgPwAAAAAAAOA/AAAAAAAA4D8CAAAAjAAAAAEAAAAAAAAAqdCOAP///wgAAAAAAAAAAAAAAAAAAAAAAAAAAAAAAAAAAAAAZAAAAAEAAABAAAAAAAAAAAAAAAAAAAAAAAAAAAAAAAAAAAAAAAAAAAAAAAAAAAAAAAAAAAAAAAAAAAAAAAAAAAAAAAAAAAAAAAAAAAAAAAAAAAAAAAAAAAAAAAAAAAAAFAAAADwAAAABAAAAAAAAAB4yVwAUAAAAAQAAABQAAAAUAAAAFAAAAAEAAAAAAAAAZAAAAGQAAAAAAAAAZAAAAGQAAAAVAAAAYAAAAAAAAAAAAAAADwAAACADAAAAAAAAAAAAAAEAAACgMgAAVgcAAKr4//8BAAAAf39/AAEAAABkAAAAAAAAABQAAABAHwAAAAAAACYAAAAAAAAAwOD//wAAAAAmAAAAZAAAABYAAABMAAAAAAAAAAAAAAAEAAAAAAAAAAEAAADn5uYKAAAAACgAAAAoAAAAZAAAAGQAAAAAAAAAzMzMAAAAAABQAAAAUAAAAGQAAABkAAAAAAAAABcAAAAUAAAAAAAAAAAAAAD/fwAA/38AAAAAAAAJAAAABAAAAAAAAAAeAAAAaAAAAAAAAAAAAAAAAAAAAAAAAAAAAAAAECcAABAnAAAAAAAAAAAAAAAAAAAAAAAAAAAAAAAAAAAAAAAAAAAAABQAAAAAAAAAwMD/AAAAAABkAAAAMgAAAAAAAABkAAAAAAAAAH9/fwAKAAAAIgAAABgAAAAAAAAAAAAAAAAAAAAAAAAAAAAAAAAAAAAkAAAAJAAAAAAAAAAHAAAAAAAAAAAAAAAAAAAAAAAAAAAAAAAAAAAAf39/ACUAAABYAAAAAAAAAAAAAAAAAAAAAAAAAAAAAAAAAAAAAAAAAAAAAAAAAAAAAAAAAAAAAAA/AAAAAAAAAKCGAQAAAAAAAAAAAAAAAAAMAAAAAQAAAAAAAAAAAAAAAAAAAB8AAABUAAAAqdCOAP///wEAAAAAAAAAAAAAAAAAAAAAAAAAAAAAAAAAAAAAAAAAAB4yVwB/f38A5+bmA8zMzADAwP8Af39/AAAAAAAAAAAAAAAAAAAAAAAAAAAAIQAAABgAAAAUAAAA6h0AAKAeAAANJAAA5iAAABAAAAAmAAAACAAAAP//////////"/>
+                <pr:smNativeData xmlns:pr="smNativeData" xmlns="smNativeData" val="SMDATA_15_/1o6ZxMAAAAlAAAAZQAAAA0AAAAAkAAAAEgAAACQAAAASAAAAAAAAAABAAAAAAAAAAEAAABQAAAAhbacS3FV1T8AAAAAAADwvwAAAAAAAOA/AAAAAAAA4D8AAAAAAADgPwAAAAAAAOA/AAAAAAAA4D8AAAAAAADgPwAAAAAAAOA/AAAAAAAA4D8CAAAAjAAAAAEAAAAAAAAAqdCOAP///wgAAAAAAAAAAAAAAAAAAAAAAAAAAAAAAAAAAAAAZAAAAAEAAABAAAAAAAAAAAAAAAAAAAAAAAAAAAAAAAAAAAAAAAAAAAAAAAAAAAAAAAAAAAAAAAAAAAAAAAAAAAAAAAAAAAAAAAAAAAAAAAAAAAAAAAAAAAAAAAAAAAAAFAAAADwAAAABAAAAAAAAAB4yVwAUAAAAAQAAABQAAAAUAAAAFAAAAAEAAAAAAAAAZAAAAGQAAAAAAAAAZAAAAGQAAAAVAAAAYAAAAAAAAAAAAAAADwAAACADAAAAAAAAAAAAAAEAAACgMgAAVgcAAKr4//8BAAAAf39/AAEAAABkAAAAAAAAABQAAABAHwAAAAAAACYAAAAAAAAAwOD//wAAAAAmAAAAZAAAABYAAABMAAAAAAAAAAAAAAAEAAAAAAAAAAEAAADn5uYKAAAAACgAAAAoAAAAZAAAAGQAAAAAAAAAzMzMAAAAAABQAAAAUAAAAGQAAABkAAAAAAAAABcAAAAUAAAAAAAAAAAAAAD/fwAA/38AAAAAAAAJAAAABAAAAAAAAAAeAAAAaAAAAAAAAAAAAAAAAAAAAAAAAAAAAAAAECcAABAnAAAAAAAAAAAAAAAAAAAAAAAAAAAAAAAAAAAAAAAAAAAAABQAAAAAAAAAwMD/AAAAAABkAAAAMgAAAAAAAABkAAAAAAAAAH9/fwAKAAAAIgAAABgAAAAAAAAAAAAAAAAAAAAAAAAAAAAAAAAAAAAkAAAAJAAAAAAAAAAHAAAAAAAAAAAAAAAAAAAAAAAAAAAAAAAAAAAAf39/ACUAAABYAAAAAAAAAAAAAAAAAAAAAAAAAAAAAAAAAAAAAAAAAAAAAAAAAAAAAAAAAAAAAAA/AAAAAAAAAKCGAQAAAAAAAAAAAAAAAAAMAAAAAQAAAAAAAAAAAAAAAAAAAB8AAABUAAAAqdCOAP///wEAAAAAAAAAAAAAAAAAAAAAAAAAAAAAAAAAAAAAAAAAAB4yVwB/f38A5+bmA8zMzADAwP8Af39/AAAAAAAAAAAAAAAAAAAAAAAAAAAAIQAAABgAAAAUAAAA6h0AAKAeAAANJAAA5iAAABAAAAAmAAAACAAAAP//////////"/>
               </a:ext>
             </a:extLst>
           </p:cNvSpPr>
@@ -5324,7 +5324,7 @@
           <p:cNvSpPr>
             <a:extLst>
               <a:ext uri="smNativeData">
-                <pr:smNativeData xmlns:pr="smNativeData" xmlns="smNativeData" val="SMDATA_15_u1g6ZxMAAAAlAAAAZAAAAE0AAAAAkAAAAEgAAACQAAAASAAAAAAAAAAAAAAAAAAAAAEAAABQAAAAAAAAAAAA4D8AAAAAAADgPwAAAAAAAOA/AAAAAAAA4D8AAAAAAADgPwAAAAAAAOA/AAAAAAAA4D8AAAAAAADgPwAAAAAAAOA/AAAAAAAA4D8CAAAAjAAAAAAAAAAAAAAARHLEDP///wgAAAAAAAAAAAAAAAAAAAAAAAAAAAAAAAAAAAAAZAAAAAEAAABAAAAAAAAAAAAAAAAAAAAAAAAAAAAAAAAAAAAAAAAAAAAAAAAAAAAAAAAAAAAAAAAAAAAAAAAAAAAAAAAAAAAAAAAAAAAAAAAAAAAAAAAAAAAAAAAAAAAAFAAAADwAAAAAAAAAAAAAAAAAAAAPAAAAAQAAACMAAAAjAAAAIwAAAB4AAAAAAAAAZAAAAGQAAAAAAAAAZAAAAGQAAAAVAAAAYAAAAAAAAAAAAAAADwAAACADAAAAAAAAAAAAAAEAAACgMgAAVgcAAKr4//8BAAAAf39/AAEAAABkAAAAAAAAABQAAABAHwAAAAAAACYAAAAAAAAAwOD//wAAAAAmAAAAZAAAABYAAABMAAAAAAAAAAAAAAAEAAAAAAAAAAEAAADn5uYKAAAAACgAAAAoAAAAZAAAAGQAAAAAAAAAzMzMAAAAAABQAAAAUAAAAGQAAABkAAAAAAAAABcAAAAUAAAAAAAAAAAAAAD/fwAA/38AAAAAAAAJAAAABAAAAAAAAAAeAAAAaAAAAAAAAAAAAAAAAAAAAAAAAAAAAAAAECcAABAnAAAAAAAAAAAAAAAAAAAAAAAAAAAAAAAAAAAAAAAAAAAAABQAAAAAAAAAwMD/AAAAAABkAAAAMgAAAAAAAABkAAAAAAAAAH9/fwAKAAAAIgAAABgAAAAAAAAAAAAAAAAAAAAAAAAAAAAAAAAAAAAkAAAAJAAAAAAAAAAHAAAAAAAAAAAAAAAAAAAAAAAAAAAAAAAAAAAAf39/ACUAAABYAAAAAAAAAAAAAAAAAAAAAAAAAAAAAAAAAAAAAAAAAAAAAAAAAAAAAAAAAAAAAAA/AAAAAAAAAKCGAQAAAAAAAAAAAAAAAAAMAAAAAQAAAAAAAAAAAAAAAAAAAB8AAABUAAAARHLEBf///wEAAAAAAAAAAAAAAAAAAAAAAAAAAAAAAAAAAAAAAAAAAAAAAAB/f38A5+bmA8zMzADAwP8Af39/AAAAAAAAAAAAAAAAAAAAAAAAAAAAIQAAABgAAAAUAAAADSEAAA8dAACCJAAAqx4AABAgAAAmAAAACAAAAP//////////"/>
+                <pr:smNativeData xmlns:pr="smNativeData" xmlns="smNativeData" val="SMDATA_15_/1o6ZxMAAAAlAAAAZAAAAE0AAAAAkAAAAEgAAACQAAAASAAAAAAAAAAAAAAAAAAAAAEAAABQAAAAAAAAAAAA4D8AAAAAAADgPwAAAAAAAOA/AAAAAAAA4D8AAAAAAADgPwAAAAAAAOA/AAAAAAAA4D8AAAAAAADgPwAAAAAAAOA/AAAAAAAA4D8CAAAAjAAAAAAAAAAAAAAARHLEDP///wgAAAAAAAAAAAAAAAAAAAAAAAAAAAAAAAAAAAAAZAAAAAEAAABAAAAAAAAAAAAAAAAAAAAAAAAAAAAAAAAAAAAAAAAAAAAAAAAAAAAAAAAAAAAAAAAAAAAAAAAAAAAAAAAAAAAAAAAAAAAAAAAAAAAAAAAAAAAAAAAAAAAAFAAAADwAAAAAAAAAAAAAAAAAAAAPAAAAAQAAACMAAAAjAAAAIwAAAB4AAAAAAAAAZAAAAGQAAAAAAAAAZAAAAGQAAAAVAAAAYAAAAAAAAAAAAAAADwAAACADAAAAAAAAAAAAAAEAAACgMgAAVgcAAKr4//8BAAAAf39/AAEAAABkAAAAAAAAABQAAABAHwAAAAAAACYAAAAAAAAAwOD//wAAAAAmAAAAZAAAABYAAABMAAAAAAAAAAAAAAAEAAAAAAAAAAEAAADn5uYKAAAAACgAAAAoAAAAZAAAAGQAAAAAAAAAzMzMAAAAAABQAAAAUAAAAGQAAABkAAAAAAAAABcAAAAUAAAAAAAAAAAAAAD/fwAA/38AAAAAAAAJAAAABAAAAAAAAAAeAAAAaAAAAAAAAAAAAAAAAAAAAAAAAAAAAAAAECcAABAnAAAAAAAAAAAAAAAAAAAAAAAAAAAAAAAAAAAAAAAAAAAAABQAAAAAAAAAwMD/AAAAAABkAAAAMgAAAAAAAABkAAAAAAAAAH9/fwAKAAAAIgAAABgAAAAAAAAAAAAAAAAAAAAAAAAAAAAAAAAAAAAkAAAAJAAAAAAAAAAHAAAAAAAAAAAAAAAAAAAAAAAAAAAAAAAAAAAAf39/ACUAAABYAAAAAAAAAAAAAAAAAAAAAAAAAAAAAAAAAAAAAAAAAAAAAAAAAAAAAAAAAAAAAAA/AAAAAAAAAKCGAQAAAAAAAAAAAAAAAAAMAAAAAQAAAAAAAAAAAAAAAAAAAB8AAABUAAAARHLEBf///wEAAAAAAAAAAAAAAAAAAAAAAAAAAAAAAAAAAAAAAAAAAAAAAAB/f38A5+bmA8zMzADAwP8Af39/AAAAAAAAAAAAAAAAAAAAAAAAAAAAIQAAABgAAAAUAAAADSEAAA8dAACCJAAAqx4AABAgAAAmAAAACAAAAP//////////"/>
               </a:ext>
             </a:extLst>
           </p:cNvSpPr>
@@ -5373,7 +5373,7 @@
           <p:cNvSpPr>
             <a:extLst>
               <a:ext uri="smNativeData">
-                <pr:smNativeData xmlns:pr="smNativeData" xmlns="smNativeData" val="SMDATA_15_u1g6ZxMAAAAlAAAAZAAAAE0AAAAAkAAAAEgAAACQAAAASAAAAAAAAAAAAAAAAAAAAAEAAABQAAAAAAAAAAAA4D8AAAAAAADgPwAAAAAAAOA/AAAAAAAA4D8AAAAAAADgPwAAAAAAAOA/AAAAAAAA4D8AAAAAAADgPwAAAAAAAOA/AAAAAAAA4D8CAAAAjAAAAAAAAAAAAAAARHLEDP///wgAAAAAAAAAAAAAAAAAAAAAAAAAAAAAAAAAAAAAZAAAAAEAAABAAAAAAAAAAAAAAAAAAAAAAAAAAAAAAAAAAAAAAAAAAAAAAAAAAAAAAAAAAAAAAAAAAAAAAAAAAAAAAAAAAAAAAAAAAAAAAAAAAAAAAAAAAAAAAAAAAAAAFAAAADwAAAAAAAAAAAAAAAAAAAAPAAAAAQAAACMAAAAjAAAAIwAAAB4AAAAAAAAAZAAAAGQAAAAAAAAAZAAAAGQAAAAVAAAAYAAAAAAAAAAAAAAADwAAACADAAAAAAAAAAAAAAEAAACgMgAAVgcAAKr4//8BAAAAf39/AAEAAABkAAAAAAAAABQAAABAHwAAAAAAACYAAAAAAAAAwOD//wAAAAAmAAAAZAAAABYAAABMAAAAAAAAAAAAAAAEAAAAAAAAAAEAAADn5uYKAAAAACgAAAAoAAAAZAAAAGQAAAAAAAAAzMzMAAAAAABQAAAAUAAAAGQAAABkAAAAAAAAABcAAAAUAAAAAAAAAAAAAAD/fwAA/38AAAAAAAAJAAAABAAAAAAAAAAeAAAAaAAAAAAAAAAAAAAAAAAAAAAAAAAAAAAAECcAABAnAAAAAAAAAAAAAAAAAAAAAAAAAAAAAAAAAAAAAAAAAAAAABQAAAAAAAAAwMD/AAAAAABkAAAAMgAAAAAAAABkAAAAAAAAAH9/fwAKAAAAIgAAABgAAAAAAAAAAAAAAAAAAAAAAAAAAAAAAAAAAAAkAAAAJAAAAAAAAAAHAAAAAAAAAAAAAAAAAAAAAAAAAAAAAAAAAAAAf39/ACUAAABYAAAAAAAAAAAAAAAAAAAAAAAAAAAAAAAAAAAAAAAAAAAAAAAAAAAAAAAAAAAAAAA/AAAAAAAAAKCGAQAAAAAAAAAAAAAAAAAMAAAAAQAAAAAAAAAAAAAAAAAAAB8AAABUAAAARHLEBf///wEAAAAAAAAAAAAAAAAAAAAAAAAAAAAAAAAAAAAAAAAAAAAAAAB/f38A5+bmA8zMzADAwP8Af39/AAAAAAAAAAAAAAAAAAAAAAAAAAAAIQAAABgAAAAUAAAAKCEAAK4jAACdJAAASiUAABAgAAAmAAAACAAAAP//////////"/>
+                <pr:smNativeData xmlns:pr="smNativeData" xmlns="smNativeData" val="SMDATA_15_/1o6ZxMAAAAlAAAAZAAAAE0AAAAAkAAAAEgAAACQAAAASAAAAAAAAAAAAAAAAAAAAAEAAABQAAAAAAAAAAAA4D8AAAAAAADgPwAAAAAAAOA/AAAAAAAA4D8AAAAAAADgPwAAAAAAAOA/AAAAAAAA4D8AAAAAAADgPwAAAAAAAOA/AAAAAAAA4D8CAAAAjAAAAAAAAAAAAAAARHLEDP///wgAAAAAAAAAAAAAAAAAAAAAAAAAAAAAAAAAAAAAZAAAAAEAAABAAAAAAAAAAAAAAAAAAAAAAAAAAAAAAAAAAAAAAAAAAAAAAAAAAAAAAAAAAAAAAAAAAAAAAAAAAAAAAAAAAAAAAAAAAAAAAAAAAAAAAAAAAAAAAAAAAAAAFAAAADwAAAAAAAAAAAAAAAAAAAAPAAAAAQAAACMAAAAjAAAAIwAAAB4AAAAAAAAAZAAAAGQAAAAAAAAAZAAAAGQAAAAVAAAAYAAAAAAAAAAAAAAADwAAACADAAAAAAAAAAAAAAEAAACgMgAAVgcAAKr4//8BAAAAf39/AAEAAABkAAAAAAAAABQAAABAHwAAAAAAACYAAAAAAAAAwOD//wAAAAAmAAAAZAAAABYAAABMAAAAAAAAAAAAAAAEAAAAAAAAAAEAAADn5uYKAAAAACgAAAAoAAAAZAAAAGQAAAAAAAAAzMzMAAAAAABQAAAAUAAAAGQAAABkAAAAAAAAABcAAAAUAAAAAAAAAAAAAAD/fwAA/38AAAAAAAAJAAAABAAAAAAAAAAeAAAAaAAAAAAAAAAAAAAAAAAAAAAAAAAAAAAAECcAABAnAAAAAAAAAAAAAAAAAAAAAAAAAAAAAAAAAAAAAAAAAAAAABQAAAAAAAAAwMD/AAAAAABkAAAAMgAAAAAAAABkAAAAAAAAAH9/fwAKAAAAIgAAABgAAAAAAAAAAAAAAAAAAAAAAAAAAAAAAAAAAAAkAAAAJAAAAAAAAAAHAAAAAAAAAAAAAAAAAAAAAAAAAAAAAAAAAAAAf39/ACUAAABYAAAAAAAAAAAAAAAAAAAAAAAAAAAAAAAAAAAAAAAAAAAAAAAAAAAAAAAAAAAAAAA/AAAAAAAAAKCGAQAAAAAAAAAAAAAAAAAMAAAAAQAAAAAAAAAAAAAAAAAAAB8AAABUAAAARHLEBf///wEAAAAAAAAAAAAAAAAAAAAAAAAAAAAAAAAAAAAAAAAAAAAAAAB/f38A5+bmA8zMzADAwP8Af39/AAAAAAAAAAAAAAAAAAAAAAAAAAAAIQAAABgAAAAUAAAAKCEAAK4jAACdJAAASiUAABAgAAAmAAAACAAAAP//////////"/>
               </a:ext>
             </a:extLst>
           </p:cNvSpPr>
@@ -5422,7 +5422,7 @@
           <p:cNvSpPr>
             <a:extLst>
               <a:ext uri="smNativeData">
-                <pr:smNativeData xmlns:pr="smNativeData" xmlns="smNativeData" val="SMDATA_15_u1g6ZxMAAAAlAAAAZQAAAA0AAAAAkAAAAEgAAACQAAAASAAAAAAAAAABAAAAAAAAAAEAAABQAAAAhbacS3FV1T8AAAAAAADwvwAAAAAAAOA/AAAAAAAA4D8AAAAAAADgPwAAAAAAAOA/AAAAAAAA4D8AAAAAAADgPwAAAAAAAOA/AAAAAAAA4D8CAAAAjAAAAAEAAAAAAAAA0M7OAP///wgAAAAAAAAAAAAAAAAAAAAAAAAAAAAAAAAAAAAAZAAAAAEAAABAAAAAAAAAAAAAAAAAAAAAAAAAAAAAAAAAAAAAAAAAAAAAAAAAAAAAAAAAAAAAAAAAAAAAAAAAAAAAAAAAAAAAAAAAAAAAAAAAAAAAAAAAAAAAAAAAAAAAFAAAADwAAAABAAAAAAAAAB4yVwAUAAAAAQAAABQAAAAUAAAAFAAAAAEAAAAAAAAAZAAAAGQAAAAAAAAAZAAAAGQAAAAVAAAAYAAAAAAAAAAAAAAADwAAACADAAAAAAAAAAAAAAEAAACgMgAAVgcAAKr4//8BAAAAf39/AAEAAABkAAAAAAAAABQAAABAHwAAAAAAACYAAAAAAAAAwOD//wAAAAAmAAAAZAAAABYAAABMAAAAAAAAAAAAAAAEAAAAAAAAAAEAAADn5uYKAAAAACgAAAAoAAAAZAAAAGQAAAAAAAAAzMzMAAAAAABQAAAAUAAAAGQAAABkAAAAAAAAABcAAAAUAAAAAAAAAAAAAAD/fwAA/38AAAAAAAAJAAAABAAAAAAAAAAeAAAAaAAAAAAAAAAAAAAAAAAAAAAAAAAAAAAAECcAABAnAAAAAAAAAAAAAAAAAAAAAAAAAAAAAAAAAAAAAAAAAAAAABQAAAAAAAAAwMD/AAAAAABkAAAAMgAAAAAAAABkAAAAAAAAAH9/fwAKAAAAIgAAABgAAAAAAAAAAAAAAAAAAAAAAAAAAAAAAAAAAAAkAAAAJAAAAAAAAAAHAAAAAAAAAAAAAAAAAAAAAAAAAAAAAAAAAAAAf39/ACUAAABYAAAAAAAAAAAAAAAAAAAAAAAAAAAAAAAAAAAAAAAAAAAAAAAAAAAAAAAAAAAAAAA/AAAAAAAAAKCGAQAAAAAAAAAAAAAAAAAMAAAAAQAAAAAAAAAAAAAAAAAAAB8AAABUAAAA0M7OAP///wEAAAAAAAAAAAAAAAAAAAAAAAAAAAAAAAAAAAAAAAAAAB4yVwB/f38A5+bmA8zMzADAwP8Af39/AAAAAAAAAAAAAAAAAAAAAAAAAAAAIQAAABgAAAAUAAAAMSYAAB0iAAArLQAAMygAABAAAAAmAAAACAAAAP//////////"/>
+                <pr:smNativeData xmlns:pr="smNativeData" xmlns="smNativeData" val="SMDATA_15_/1o6ZxMAAAAlAAAAZQAAAA0AAAAAkAAAAEgAAACQAAAASAAAAAAAAAABAAAAAAAAAAEAAABQAAAAhbacS3FV1T8AAAAAAADwvwAAAAAAAOA/AAAAAAAA4D8AAAAAAADgPwAAAAAAAOA/AAAAAAAA4D8AAAAAAADgPwAAAAAAAOA/AAAAAAAA4D8CAAAAjAAAAAEAAAAAAAAA0M7OAP///wgAAAAAAAAAAAAAAAAAAAAAAAAAAAAAAAAAAAAAZAAAAAEAAABAAAAAAAAAAAAAAAAAAAAAAAAAAAAAAAAAAAAAAAAAAAAAAAAAAAAAAAAAAAAAAAAAAAAAAAAAAAAAAAAAAAAAAAAAAAAAAAAAAAAAAAAAAAAAAAAAAAAAFAAAADwAAAABAAAAAAAAAB4yVwAUAAAAAQAAABQAAAAUAAAAFAAAAAEAAAAAAAAAZAAAAGQAAAAAAAAAZAAAAGQAAAAVAAAAYAAAAAAAAAAAAAAADwAAACADAAAAAAAAAAAAAAEAAACgMgAAVgcAAKr4//8BAAAAf39/AAEAAABkAAAAAAAAABQAAABAHwAAAAAAACYAAAAAAAAAwOD//wAAAAAmAAAAZAAAABYAAABMAAAAAAAAAAAAAAAEAAAAAAAAAAEAAADn5uYKAAAAACgAAAAoAAAAZAAAAGQAAAAAAAAAzMzMAAAAAABQAAAAUAAAAGQAAABkAAAAAAAAABcAAAAUAAAAAAAAAAAAAAD/fwAA/38AAAAAAAAJAAAABAAAAAAAAAAeAAAAaAAAAAAAAAAAAAAAAAAAAAAAAAAAAAAAECcAABAnAAAAAAAAAAAAAAAAAAAAAAAAAAAAAAAAAAAAAAAAAAAAABQAAAAAAAAAwMD/AAAAAABkAAAAMgAAAAAAAABkAAAAAAAAAH9/fwAKAAAAIgAAABgAAAAAAAAAAAAAAAAAAAAAAAAAAAAAAAAAAAAkAAAAJAAAAAAAAAAHAAAAAAAAAAAAAAAAAAAAAAAAAAAAAAAAAAAAf39/ACUAAABYAAAAAAAAAAAAAAAAAAAAAAAAAAAAAAAAAAAAAAAAAAAAAAAAAAAAAAAAAAAAAAA/AAAAAAAAAKCGAQAAAAAAAAAAAAAAAAAMAAAAAQAAAAAAAAAAAAAAAAAAAB8AAABUAAAA0M7OAP///wEAAAAAAAAAAAAAAAAAAAAAAAAAAAAAAAAAAAAAAAAAAB4yVwB/f38A5+bmA8zMzADAwP8Af39/AAAAAAAAAAAAAAAAAAAAAAAAAAAAIQAAABgAAAAUAAAAMSYAAB0iAAArLQAAMygAABAAAAAmAAAACAAAAP//////////"/>
               </a:ext>
             </a:extLst>
           </p:cNvSpPr>
@@ -5474,7 +5474,7 @@
           <p:cNvSpPr>
             <a:extLst>
               <a:ext uri="smNativeData">
-                <pr:smNativeData xmlns:pr="smNativeData" xmlns="smNativeData" val="SMDATA_15_u1g6ZxMAAAAlAAAAZQAAAA0AAAAAkAAAAEgAAACQAAAASAAAAAAAAAABAAAAAAAAAAEAAABQAAAAhbacS3FV1T8AAAAAAADwvwAAAAAAAOA/AAAAAAAA4D8AAAAAAADgPwAAAAAAAOA/AAAAAAAA4D8AAAAAAADgPwAAAAAAAOA/AAAAAAAA4D8CAAAAjAAAAAEAAAAAAAAA0M7OAP///wgAAAAAAAAAAAAAAAAAAAAAAAAAAAAAAAAAAAAAZAAAAAEAAABAAAAAAAAAAAAAAAAAAAAAAAAAAAAAAAAAAAAAAAAAAAAAAAAAAAAAAAAAAAAAAAAAAAAAAAAAAAAAAAAAAAAAAAAAAAAAAAAAAAAAAAAAAAAAAAAAAAAAFAAAADwAAAABAAAAAAAAAB4yVwAUAAAAAQAAABQAAAAUAAAAFAAAAAEAAAAAAAAAZAAAAGQAAAAAAAAAZAAAAGQAAAAVAAAAYAAAAAAAAAAAAAAADwAAACADAAAAAAAAAAAAAAEAAACgMgAAVgcAAKr4//8BAAAAf39/AAEAAABkAAAAAAAAABQAAABAHwAAAAAAACYAAAAAAAAAwOD//wAAAAAmAAAAZAAAABYAAABMAAAAAAAAAAAAAAAEAAAAAAAAAAEAAADn5uYKAAAAACgAAAAoAAAAZAAAAGQAAAAAAAAAzMzMAAAAAABQAAAAUAAAAGQAAABkAAAAAAAAABcAAAAUAAAAAAAAAAAAAAD/fwAA/38AAAAAAAAJAAAABAAAAAAAAAAeAAAAaAAAAAAAAAAAAAAAAAAAAAAAAAAAAAAAECcAABAnAAAAAAAAAAAAAAAAAAAAAAAAAAAAAAAAAAAAAAAAAAAAABQAAAAAAAAAwMD/AAAAAABkAAAAMgAAAAAAAABkAAAAAAAAAH9/fwAKAAAAIgAAABgAAAAAAAAAAAAAAAAAAAAAAAAAAAAAAAAAAAAkAAAAJAAAAAAAAAAHAAAAAAAAAAAAAAAAAAAAAAAAAAAAAAAAAAAAf39/ACUAAABYAAAAAAAAAAAAAAAAAAAAAAAAAAAAAAAAAAAAAAAAAAAAAAAAAAAAAAAAAAAAAAA/AAAAAAAAAKCGAQAAAAAAAAAAAAAAAAAMAAAAAQAAAAAAAAAAAAAAAAAAAB8AAABUAAAA0M7OAP///wEAAAAAAAAAAAAAAAAAAAAAAAAAAAAAAAAAAAAAAAAAAB4yVwB/f38A5+bmA8zMzADAwP8Af39/AAAAAAAAAAAAAAAAAAAAAAAAAAAAIQAAABgAAAAUAAAAMSYAAGgbAAArLQAAfiEAABAAAAAmAAAACAAAAP//////////"/>
+                <pr:smNativeData xmlns:pr="smNativeData" xmlns="smNativeData" val="SMDATA_15_/1o6ZxMAAAAlAAAAZQAAAA0AAAAAkAAAAEgAAACQAAAASAAAAAAAAAABAAAAAAAAAAEAAABQAAAAhbacS3FV1T8AAAAAAADwvwAAAAAAAOA/AAAAAAAA4D8AAAAAAADgPwAAAAAAAOA/AAAAAAAA4D8AAAAAAADgPwAAAAAAAOA/AAAAAAAA4D8CAAAAjAAAAAEAAAAAAAAA0M7OAP///wgAAAAAAAAAAAAAAAAAAAAAAAAAAAAAAAAAAAAAZAAAAAEAAABAAAAAAAAAAAAAAAAAAAAAAAAAAAAAAAAAAAAAAAAAAAAAAAAAAAAAAAAAAAAAAAAAAAAAAAAAAAAAAAAAAAAAAAAAAAAAAAAAAAAAAAAAAAAAAAAAAAAAFAAAADwAAAABAAAAAAAAAB4yVwAUAAAAAQAAABQAAAAUAAAAFAAAAAEAAAAAAAAAZAAAAGQAAAAAAAAAZAAAAGQAAAAVAAAAYAAAAAAAAAAAAAAADwAAACADAAAAAAAAAAAAAAEAAACgMgAAVgcAAKr4//8BAAAAf39/AAEAAABkAAAAAAAAABQAAABAHwAAAAAAACYAAAAAAAAAwOD//wAAAAAmAAAAZAAAABYAAABMAAAAAAAAAAAAAAAEAAAAAAAAAAEAAADn5uYKAAAAACgAAAAoAAAAZAAAAGQAAAAAAAAAzMzMAAAAAABQAAAAUAAAAGQAAABkAAAAAAAAABcAAAAUAAAAAAAAAAAAAAD/fwAA/38AAAAAAAAJAAAABAAAAAAAAAAeAAAAaAAAAAAAAAAAAAAAAAAAAAAAAAAAAAAAECcAABAnAAAAAAAAAAAAAAAAAAAAAAAAAAAAAAAAAAAAAAAAAAAAABQAAAAAAAAAwMD/AAAAAABkAAAAMgAAAAAAAABkAAAAAAAAAH9/fwAKAAAAIgAAABgAAAAAAAAAAAAAAAAAAAAAAAAAAAAAAAAAAAAkAAAAJAAAAAAAAAAHAAAAAAAAAAAAAAAAAAAAAAAAAAAAAAAAAAAAf39/ACUAAABYAAAAAAAAAAAAAAAAAAAAAAAAAAAAAAAAAAAAAAAAAAAAAAAAAAAAAAAAAAAAAAA/AAAAAAAAAKCGAQAAAAAAAAAAAAAAAAAMAAAAAQAAAAAAAAAAAAAAAAAAAB8AAABUAAAA0M7OAP///wEAAAAAAAAAAAAAAAAAAAAAAAAAAAAAAAAAAAAAAAAAAB4yVwB/f38A5+bmA8zMzADAwP8Af39/AAAAAAAAAAAAAAAAAAAAAAAAAAAAIQAAABgAAAAUAAAAMSYAAGgbAAArLQAAfiEAABAAAAAmAAAACAAAAP//////////"/>
               </a:ext>
             </a:extLst>
           </p:cNvSpPr>
@@ -5526,7 +5526,7 @@
           <p:cNvSpPr>
             <a:extLst>
               <a:ext uri="smNativeData">
-                <pr:smNativeData xmlns:pr="smNativeData" xmlns="smNativeData" val="SMDATA_15_u1g6ZxMAAAAlAAAAZQAAAA0AAAAAkAAAAEgAAACQAAAASAAAAAAAAAABAAAAAAAAAAEAAABQAAAAhbacS3FV1T8AAAAAAADwvwAAAAAAAOA/AAAAAAAA4D8AAAAAAADgPwAAAAAAAOA/AAAAAAAA4D8AAAAAAADgPwAAAAAAAOA/AAAAAAAA4D8CAAAAjAAAAAAAAAAAAAAARHLEDP///wgAAAAAAAAAAAAAAAAAAAAAAAAAAAAAAAAAAAAAZAAAAAEAAABAAAAAAAAAAAAAAAAAAAAAAAAAAAAAAAAAAAAAAAAAAAAAAAAAAAAAAAAAAAAAAAAAAAAAAAAAAAAAAAAAAAAAAAAAAAAAAAAAAAAAAAAAAAAAAAAAAAAAFAAAADwAAAABAAAAAAAAAB4yVwAUAAAAAQAAABQAAAAUAAAAFAAAAAEAAAAAAAAAZAAAAGQAAAAAAAAAZAAAAGQAAAAVAAAAYAAAAAAAAAAAAAAADwAAACADAAAAAAAAAAAAAAEAAACgMgAAVgcAAKr4//8BAAAAf39/AAEAAABkAAAAAAAAABQAAABAHwAAAAAAACYAAAAAAAAAwOD//wAAAAAmAAAAZAAAABYAAABMAAAAAAAAAAAAAAAEAAAAAAAAAAEAAADn5uYKAAAAACgAAAAoAAAAZAAAAGQAAAAAAAAAzMzMAAAAAABQAAAAUAAAAGQAAABkAAAAAAAAABcAAAAUAAAAAAAAAAAAAAD/fwAA/38AAAAAAAAJAAAABAAAAAAAAAAeAAAAaAAAAAAAAAAAAAAAAAAAAAAAAAAAAAAAECcAABAnAAAAAAAAAAAAAAAAAAAAAAAAAAAAAAAAAAAAAAAAAAAAABQAAAAAAAAAwMD/AAAAAABkAAAAMgAAAAAAAABkAAAAAAAAAH9/fwAKAAAAIgAAABgAAAAAAAAAAAAAAAAAAAAAAAAAAAAAAAAAAAAkAAAAJAAAAAAAAAAHAAAAAAAAAAAAAAAAAAAAAAAAAAAAAAAAAAAAf39/ACUAAABYAAAAAAAAAAAAAAAAAAAAAAAAAAAAAAAAAAAAAAAAAAAAAAAAAAAAAAAAAAAAAAA/AAAAAAAAAKCGAQAAAAAAAAAAAAAAAAAMAAAAAQAAAAAAAAAAAAAAAAAAAB8AAABUAAAARHLEBf///wEAAAAAAAAAAAAAAAAAAAAAAAAAAAAAAAAAAAAAAAAAAB4yVwB/f38A5+bmA8zMzADAwP8Af39/AAAAAAAAAAAAAAAAAAAAAAAAAAAAIQAAABgAAAAUAAAAxyYAAO8bAABfKQAANR4AABAAAAAmAAAACAAAAP//////////"/>
+                <pr:smNativeData xmlns:pr="smNativeData" xmlns="smNativeData" val="SMDATA_15_/1o6ZxMAAAAlAAAAZQAAAA0AAAAAkAAAAEgAAACQAAAASAAAAAAAAAABAAAAAAAAAAEAAABQAAAAhbacS3FV1T8AAAAAAADwvwAAAAAAAOA/AAAAAAAA4D8AAAAAAADgPwAAAAAAAOA/AAAAAAAA4D8AAAAAAADgPwAAAAAAAOA/AAAAAAAA4D8CAAAAjAAAAAAAAAAAAAAARHLEDP///wgAAAAAAAAAAAAAAAAAAAAAAAAAAAAAAAAAAAAAZAAAAAEAAABAAAAAAAAAAAAAAAAAAAAAAAAAAAAAAAAAAAAAAAAAAAAAAAAAAAAAAAAAAAAAAAAAAAAAAAAAAAAAAAAAAAAAAAAAAAAAAAAAAAAAAAAAAAAAAAAAAAAAFAAAADwAAAABAAAAAAAAAB4yVwAUAAAAAQAAABQAAAAUAAAAFAAAAAEAAAAAAAAAZAAAAGQAAAAAAAAAZAAAAGQAAAAVAAAAYAAAAAAAAAAAAAAADwAAACADAAAAAAAAAAAAAAEAAACgMgAAVgcAAKr4//8BAAAAf39/AAEAAABkAAAAAAAAABQAAABAHwAAAAAAACYAAAAAAAAAwOD//wAAAAAmAAAAZAAAABYAAABMAAAAAAAAAAAAAAAEAAAAAAAAAAEAAADn5uYKAAAAACgAAAAoAAAAZAAAAGQAAAAAAAAAzMzMAAAAAABQAAAAUAAAAGQAAABkAAAAAAAAABcAAAAUAAAAAAAAAAAAAAD/fwAA/38AAAAAAAAJAAAABAAAAAAAAAAeAAAAaAAAAAAAAAAAAAAAAAAAAAAAAAAAAAAAECcAABAnAAAAAAAAAAAAAAAAAAAAAAAAAAAAAAAAAAAAAAAAAAAAABQAAAAAAAAAwMD/AAAAAABkAAAAMgAAAAAAAABkAAAAAAAAAH9/fwAKAAAAIgAAABgAAAAAAAAAAAAAAAAAAAAAAAAAAAAAAAAAAAAkAAAAJAAAAAAAAAAHAAAAAAAAAAAAAAAAAAAAAAAAAAAAAAAAAAAAf39/ACUAAABYAAAAAAAAAAAAAAAAAAAAAAAAAAAAAAAAAAAAAAAAAAAAAAAAAAAAAAAAAAAAAAA/AAAAAAAAAKCGAQAAAAAAAAAAAAAAAAAMAAAAAQAAAAAAAAAAAAAAAAAAAB8AAABUAAAARHLEBf///wEAAAAAAAAAAAAAAAAAAAAAAAAAAAAAAAAAAAAAAAAAAB4yVwB/f38A5+bmA8zMzADAwP8Af39/AAAAAAAAAAAAAAAAAAAAAAAAAAAAIQAAABgAAAAUAAAAxyYAAO8bAABfKQAANR4AABAAAAAmAAAACAAAAP//////////"/>
               </a:ext>
             </a:extLst>
           </p:cNvSpPr>
@@ -5576,7 +5576,7 @@
           <p:cNvSpPr>
             <a:extLst>
               <a:ext uri="smNativeData">
-                <pr:smNativeData xmlns:pr="smNativeData" xmlns="smNativeData" val="SMDATA_15_u1g6ZxMAAAAlAAAAZAAAAE0AAAAAkAAAAEgAAACQAAAASAAAAAAAAAAAAAAAAAAAAAEAAABQAAAAAAAAAAAA4D8AAAAAAADgPwAAAAAAAOA/AAAAAAAA4D8AAAAAAADgPwAAAAAAAOA/AAAAAAAA4D8AAAAAAADgPwAAAAAAAOA/AAAAAAAA4D8CAAAAjAAAAAAAAAAAAAAARHLEDP///wgAAAAAAAAAAAAAAAAAAAAAAAAAAAAAAAAAAAAAZAAAAAEAAABAAAAAAAAAAAAAAAAAAAAAAAAAAAAAAAAAAAAAAAAAAAAAAAAAAAAAAAAAAAAAAAAAAAAAAAAAAAAAAAAAAAAAAAAAAAAAAAAAAAAAAAAAAAAAAAAAAAAAFAAAADwAAAAAAAAAAAAAAAAAAAAPAAAAAQAAACMAAAAjAAAAIwAAAB4AAAAAAAAAZAAAAGQAAAAAAAAAZAAAAGQAAAAVAAAAYAAAAAAAAAAAAAAADwAAACADAAAAAAAAAAAAAAEAAACgMgAAVgcAAKr4//8BAAAAf39/AAEAAABkAAAAAAAAABQAAABAHwAAAAAAACYAAAAAAAAAwOD//wAAAAAmAAAAZAAAABYAAABMAAAAAAAAAAAAAAAEAAAAAAAAAAEAAADn5uYKAAAAACgAAAAoAAAAZAAAAGQAAAAAAAAAzMzMAAAAAABQAAAAUAAAAGQAAABkAAAAAAAAABcAAAAUAAAAAAAAAAAAAAD/fwAA/38AAAAAAAAJAAAABAAAAAAAAAAeAAAAaAAAAAAAAAAAAAAAAAAAAAAAAAAAAAAAECcAABAnAAAAAAAAAAAAAAAAAAAAAAAAAAAAAAAAAAAAAAAAAAAAABQAAAAAAAAAwMD/AAAAAABkAAAAMgAAAAAAAABkAAAAAAAAAH9/fwAKAAAAIgAAABgAAAAAAAAAAAAAAAAAAAAAAAAAAAAAAAAAAAAkAAAAJAAAAAAAAAAHAAAAAAAAAAAAAAAAAAAAAAAAAAAAAAAAAAAAf39/ACUAAABYAAAAAAAAAAAAAAAAAAAAAAAAAAAAAAAAAAAAAAAAAAAAAAAAAAAAAAAAAAAAAAA/AAAAAAAAAKCGAQAAAAAAAAAAAAAAAAAMAAAAAQAAAAAAAAAAAAAAAAAAAB8AAABUAAAARHLEBf///wEAAAAAAAAAAAAAAAAAAAAAAAAAAAAAAAAAAAAAAAAAAAAAAAB/f38A5+bmA8zMzADAwP8Af39/AAAAAAAAAAAAAAAAAAAAAAAAAAAAIQAAABgAAAAUAAAADCoAAKMbAACBLQAA6B0AABAgAAAmAAAACAAAAP//////////"/>
+                <pr:smNativeData xmlns:pr="smNativeData" xmlns="smNativeData" val="SMDATA_15_/1o6ZxMAAAAlAAAAZAAAAE0AAAAAkAAAAEgAAACQAAAASAAAAAAAAAAAAAAAAAAAAAEAAABQAAAAAAAAAAAA4D8AAAAAAADgPwAAAAAAAOA/AAAAAAAA4D8AAAAAAADgPwAAAAAAAOA/AAAAAAAA4D8AAAAAAADgPwAAAAAAAOA/AAAAAAAA4D8CAAAAjAAAAAAAAAAAAAAARHLEDP///wgAAAAAAAAAAAAAAAAAAAAAAAAAAAAAAAAAAAAAZAAAAAEAAABAAAAAAAAAAAAAAAAAAAAAAAAAAAAAAAAAAAAAAAAAAAAAAAAAAAAAAAAAAAAAAAAAAAAAAAAAAAAAAAAAAAAAAAAAAAAAAAAAAAAAAAAAAAAAAAAAAAAAFAAAADwAAAAAAAAAAAAAAAAAAAAPAAAAAQAAACMAAAAjAAAAIwAAAB4AAAAAAAAAZAAAAGQAAAAAAAAAZAAAAGQAAAAVAAAAYAAAAAAAAAAAAAAADwAAACADAAAAAAAAAAAAAAEAAACgMgAAVgcAAKr4//8BAAAAf39/AAEAAABkAAAAAAAAABQAAABAHwAAAAAAACYAAAAAAAAAwOD//wAAAAAmAAAAZAAAABYAAABMAAAAAAAAAAAAAAAEAAAAAAAAAAEAAADn5uYKAAAAACgAAAAoAAAAZAAAAGQAAAAAAAAAzMzMAAAAAABQAAAAUAAAAGQAAABkAAAAAAAAABcAAAAUAAAAAAAAAAAAAAD/fwAA/38AAAAAAAAJAAAABAAAAAAAAAAeAAAAaAAAAAAAAAAAAAAAAAAAAAAAAAAAAAAAECcAABAnAAAAAAAAAAAAAAAAAAAAAAAAAAAAAAAAAAAAAAAAAAAAABQAAAAAAAAAwMD/AAAAAABkAAAAMgAAAAAAAABkAAAAAAAAAH9/fwAKAAAAIgAAABgAAAAAAAAAAAAAAAAAAAAAAAAAAAAAAAAAAAAkAAAAJAAAAAAAAAAHAAAAAAAAAAAAAAAAAAAAAAAAAAAAAAAAAAAAf39/ACUAAABYAAAAAAAAAAAAAAAAAAAAAAAAAAAAAAAAAAAAAAAAAAAAAAAAAAAAAAAAAAAAAAA/AAAAAAAAAKCGAQAAAAAAAAAAAAAAAAAMAAAAAQAAAAAAAAAAAAAAAAAAAB8AAABUAAAARHLEBf///wEAAAAAAAAAAAAAAAAAAAAAAAAAAAAAAAAAAAAAAAAAAAAAAAB/f38A5+bmA8zMzADAwP8Af39/AAAAAAAAAAAAAAAAAAAAAAAAAAAAIQAAABgAAAAUAAAADCoAAKMbAACBLQAA6B0AABAgAAAmAAAACAAAAP//////////"/>
               </a:ext>
             </a:extLst>
           </p:cNvSpPr>
@@ -5615,7 +5615,7 @@
           <p:cNvSpPr>
             <a:extLst>
               <a:ext uri="smNativeData">
-                <pr:smNativeData xmlns:pr="smNativeData" xmlns="smNativeData" val="SMDATA_15_u1g6ZxMAAAAlAAAAZAAAAE0AAAAAkAAAAEgAAACQAAAASAAAAAAAAAAAAAAAAAAAAAEAAABQAAAAAAAAAAAA4D8AAAAAAADgPwAAAAAAAOA/AAAAAAAA4D8AAAAAAADgPwAAAAAAAOA/AAAAAAAA4D8AAAAAAADgPwAAAAAAAOA/AAAAAAAA4D8CAAAAjAAAAAAAAAAAAAAARHLEDP///wgAAAAAAAAAAAAAAAAAAAAAAAAAAAAAAAAAAAAAZAAAAAEAAABAAAAAAAAAAAAAAAAAAAAAAAAAAAAAAAAAAAAAAAAAAAAAAAAAAAAAAAAAAAAAAAAAAAAAAAAAAAAAAAAAAAAAAAAAAAAAAAAAAAAAAAAAAAAAAAAAAAAAFAAAADwAAAAAAAAAAAAAAAAAAAAPAAAAAQAAACMAAAAjAAAAIwAAAB4AAAAAAAAAZAAAAGQAAAAAAAAAZAAAAGQAAAAVAAAAYAAAAAAAAAAAAAAADwAAACADAAAAAAAAAAAAAAEAAACgMgAAVgcAAKr4//8BAAAAf39/AAEAAABkAAAAAAAAABQAAABAHwAAAAAAACYAAAAAAAAAwOD//wAAAAAmAAAAZAAAABYAAABMAAAAAAAAAAAAAAAEAAAAAAAAAAEAAADn5uYKAAAAACgAAAAoAAAAZAAAAGQAAAAAAAAAzMzMAAAAAABQAAAAUAAAAGQAAABkAAAAAAAAABcAAAAUAAAAAAAAAAAAAAD/fwAA/38AAAAAAAAJAAAABAAAAAAAAAAeAAAAaAAAAAAAAAAAAAAAAAAAAAAAAAAAAAAAECcAABAnAAAAAAAAAAAAAAAAAAAAAAAAAAAAAAAAAAAAAAAAAAAAABQAAAAAAAAAwMD/AAAAAABkAAAAMgAAAAAAAABkAAAAAAAAAH9/fwAKAAAAIgAAABgAAAAAAAAAAAAAAAAAAAAAAAAAAAAAAAAAAAAkAAAAJAAAAAAAAAAHAAAAAAAAAAAAAAAAAAAAAAAAAAAAAAAAAAAAf39/ACUAAABYAAAAAAAAAAAAAAAAAAAAAAAAAAAAAAAAAAAAAAAAAAAAAAAAAAAAAAAAAAAAAAA/AAAAAAAAAKCGAQAAAAAAAAAAAAAAAAAMAAAAAQAAAAAAAAAAAAAAAAAAAB8AAABUAAAARHLEBf///wEAAAAAAAAAAAAAAAAAAAAAAAAAAAAAAAAAAAAAAAAAAAAAAAB/f38A5+bmA8zMzADAwP8Af39/AAAAAAAAAAAAAAAAAAAAAAAAAAAAIQAAABgAAAAUAAAArikAAEoiAAAjLQAALiQAABAgAAAmAAAACAAAAP//////////"/>
+                <pr:smNativeData xmlns:pr="smNativeData" xmlns="smNativeData" val="SMDATA_15_/1o6ZxMAAAAlAAAAZAAAAE0AAAAAkAAAAEgAAACQAAAASAAAAAAAAAAAAAAAAAAAAAEAAABQAAAAAAAAAAAA4D8AAAAAAADgPwAAAAAAAOA/AAAAAAAA4D8AAAAAAADgPwAAAAAAAOA/AAAAAAAA4D8AAAAAAADgPwAAAAAAAOA/AAAAAAAA4D8CAAAAjAAAAAAAAAAAAAAARHLEDP///wgAAAAAAAAAAAAAAAAAAAAAAAAAAAAAAAAAAAAAZAAAAAEAAABAAAAAAAAAAAAAAAAAAAAAAAAAAAAAAAAAAAAAAAAAAAAAAAAAAAAAAAAAAAAAAAAAAAAAAAAAAAAAAAAAAAAAAAAAAAAAAAAAAAAAAAAAAAAAAAAAAAAAFAAAADwAAAAAAAAAAAAAAAAAAAAPAAAAAQAAACMAAAAjAAAAIwAAAB4AAAAAAAAAZAAAAGQAAAAAAAAAZAAAAGQAAAAVAAAAYAAAAAAAAAAAAAAADwAAACADAAAAAAAAAAAAAAEAAACgMgAAVgcAAKr4//8BAAAAf39/AAEAAABkAAAAAAAAABQAAABAHwAAAAAAACYAAAAAAAAAwOD//wAAAAAmAAAAZAAAABYAAABMAAAAAAAAAAAAAAAEAAAAAAAAAAEAAADn5uYKAAAAACgAAAAoAAAAZAAAAGQAAAAAAAAAzMzMAAAAAABQAAAAUAAAAGQAAABkAAAAAAAAABcAAAAUAAAAAAAAAAAAAAD/fwAA/38AAAAAAAAJAAAABAAAAAAAAAAeAAAAaAAAAAAAAAAAAAAAAAAAAAAAAAAAAAAAECcAABAnAAAAAAAAAAAAAAAAAAAAAAAAAAAAAAAAAAAAAAAAAAAAABQAAAAAAAAAwMD/AAAAAABkAAAAMgAAAAAAAABkAAAAAAAAAH9/fwAKAAAAIgAAABgAAAAAAAAAAAAAAAAAAAAAAAAAAAAAAAAAAAAkAAAAJAAAAAAAAAAHAAAAAAAAAAAAAAAAAAAAAAAAAAAAAAAAAAAAf39/ACUAAABYAAAAAAAAAAAAAAAAAAAAAAAAAAAAAAAAAAAAAAAAAAAAAAAAAAAAAAAAAAAAAAA/AAAAAAAAAKCGAQAAAAAAAAAAAAAAAAAMAAAAAQAAAAAAAAAAAAAAAAAAAB8AAABUAAAARHLEBf///wEAAAAAAAAAAAAAAAAAAAAAAAAAAAAAAAAAAAAAAAAAAAAAAAB/f38A5+bmA8zMzADAwP8Af39/AAAAAAAAAAAAAAAAAAAAAAAAAAAAIQAAABgAAAAUAAAArikAAEoiAAAjLQAALiQAABAgAAAmAAAACAAAAP//////////"/>
               </a:ext>
             </a:extLst>
           </p:cNvSpPr>
@@ -5656,7 +5656,7 @@
           <p:cNvSpPr>
             <a:extLst>
               <a:ext uri="smNativeData">
-                <pr:smNativeData xmlns:pr="smNativeData" xmlns="smNativeData" val="SMDATA_15_u1g6ZxMAAAAlAAAAZQAAAA0AAAAAkAAAAEgAAACQAAAASAAAAAAAAAABAAAAAAAAAAEAAABQAAAAhbacS3FV1T8AAAAAAADwvwAAAAAAAOA/AAAAAAAA4D8AAAAAAADgPwAAAAAAAOA/AAAAAAAA4D8AAAAAAADgPwAAAAAAAOA/AAAAAAAA4D8CAAAAjAAAAAAAAAAAAAAARHLEDP///wgAAAAAAAAAAAAAAAAAAAAAAAAAAAAAAAAAAAAAZAAAAAEAAABAAAAAAAAAAAAAAAAAAAAAAAAAAAAAAAAAAAAAAAAAAAAAAAAAAAAAAAAAAAAAAAAAAAAAAAAAAAAAAAAAAAAAAAAAAAAAAAAAAAAAAAAAAAAAAAAAAAAAFAAAADwAAAABAAAAAAAAAB4yVwAUAAAAAQAAABQAAAAUAAAAFAAAAAEAAAAAAAAAZAAAAGQAAAAAAAAAZAAAAGQAAAAVAAAAYAAAAAAAAAAAAAAADwAAACADAAAAAAAAAAAAAAEAAACgMgAAVgcAAKr4//8BAAAAf39/AAEAAABkAAAAAAAAABQAAABAHwAAAAAAACYAAAAAAAAAwOD//wAAAAAmAAAAZAAAABYAAABMAAAAAAAAAAAAAAAEAAAAAAAAAAEAAADn5uYKAAAAACgAAAAoAAAAZAAAAGQAAAAAAAAAzMzMAAAAAABQAAAAUAAAAGQAAABkAAAAAAAAABcAAAAUAAAAAAAAAAAAAAD/fwAA/38AAAAAAAAJAAAABAAAAAAAAAAeAAAAaAAAAAAAAAAAAAAAAAAAAAAAAAAAAAAAECcAABAnAAAAAAAAAAAAAAAAAAAAAAAAAAAAAAAAAAAAAAAAAAAAABQAAAAAAAAAwMD/AAAAAABkAAAAMgAAAAAAAABkAAAAAAAAAH9/fwAKAAAAIgAAABgAAAAAAAAAAAAAAAAAAAAAAAAAAAAAAAAAAAAkAAAAJAAAAAAAAAAHAAAAAAAAAAAAAAAAAAAAAAAAAAAAAAAAAAAAf39/ACUAAABYAAAAAAAAAAAAAAAAAAAAAAAAAAAAAAAAAAAAAAAAAAAAAAAAAAAAAAAAAAAAAAA/AAAAAAAAAKCGAQAAAAAAAAAAAAAAAAAMAAAAAQAAAAAAAAAAAAAAAAAAAB8AAABUAAAARHLEBf///wEAAAAAAAAAAAAAAAAAAAAAAAAAAAAAAAAAAAAAAAAAAB4yVwB/f38A5+bmA8zMzADAwP8Af39/AAAAAAAAAAAAAAAAAAAAAAAAAAAAIQAAABgAAAAUAAAAuiYAAFMiAABTKQAAmCQAABAAAAAmAAAACAAAAP//////////"/>
+                <pr:smNativeData xmlns:pr="smNativeData" xmlns="smNativeData" val="SMDATA_15_/1o6ZxMAAAAlAAAAZQAAAA0AAAAAkAAAAEgAAACQAAAASAAAAAAAAAABAAAAAAAAAAEAAABQAAAAhbacS3FV1T8AAAAAAADwvwAAAAAAAOA/AAAAAAAA4D8AAAAAAADgPwAAAAAAAOA/AAAAAAAA4D8AAAAAAADgPwAAAAAAAOA/AAAAAAAA4D8CAAAAjAAAAAAAAAAAAAAARHLEDP///wgAAAAAAAAAAAAAAAAAAAAAAAAAAAAAAAAAAAAAZAAAAAEAAABAAAAAAAAAAAAAAAAAAAAAAAAAAAAAAAAAAAAAAAAAAAAAAAAAAAAAAAAAAAAAAAAAAAAAAAAAAAAAAAAAAAAAAAAAAAAAAAAAAAAAAAAAAAAAAAAAAAAAFAAAADwAAAABAAAAAAAAAB4yVwAUAAAAAQAAABQAAAAUAAAAFAAAAAEAAAAAAAAAZAAAAGQAAAAAAAAAZAAAAGQAAAAVAAAAYAAAAAAAAAAAAAAADwAAACADAAAAAAAAAAAAAAEAAACgMgAAVgcAAKr4//8BAAAAf39/AAEAAABkAAAAAAAAABQAAABAHwAAAAAAACYAAAAAAAAAwOD//wAAAAAmAAAAZAAAABYAAABMAAAAAAAAAAAAAAAEAAAAAAAAAAEAAADn5uYKAAAAACgAAAAoAAAAZAAAAGQAAAAAAAAAzMzMAAAAAABQAAAAUAAAAGQAAABkAAAAAAAAABcAAAAUAAAAAAAAAAAAAAD/fwAA/38AAAAAAAAJAAAABAAAAAAAAAAeAAAAaAAAAAAAAAAAAAAAAAAAAAAAAAAAAAAAECcAABAnAAAAAAAAAAAAAAAAAAAAAAAAAAAAAAAAAAAAAAAAAAAAABQAAAAAAAAAwMD/AAAAAABkAAAAMgAAAAAAAABkAAAAAAAAAH9/fwAKAAAAIgAAABgAAAAAAAAAAAAAAAAAAAAAAAAAAAAAAAAAAAAkAAAAJAAAAAAAAAAHAAAAAAAAAAAAAAAAAAAAAAAAAAAAAAAAAAAAf39/ACUAAABYAAAAAAAAAAAAAAAAAAAAAAAAAAAAAAAAAAAAAAAAAAAAAAAAAAAAAAAAAAAAAAA/AAAAAAAAAKCGAQAAAAAAAAAAAAAAAAAMAAAAAQAAAAAAAAAAAAAAAAAAAB8AAABUAAAARHLEBf///wEAAAAAAAAAAAAAAAAAAAAAAAAAAAAAAAAAAAAAAAAAAB4yVwB/f38A5+bmA8zMzADAwP8Af39/AAAAAAAAAAAAAAAAAAAAAAAAAAAAIQAAABgAAAAUAAAAuiYAAFMiAABTKQAAmCQAABAAAAAmAAAACAAAAP//////////"/>
               </a:ext>
             </a:extLst>
           </p:cNvSpPr>
@@ -5709,7 +5709,7 @@
           <p:cNvSpPr>
             <a:extLst>
               <a:ext uri="smNativeData">
-                <pr:smNativeData xmlns:pr="smNativeData" xmlns="smNativeData" val="SMDATA_15_u1g6ZxMAAAAlAAAAZQAAAA0AAAAAkAAAAEgAAACQAAAASAAAAAAAAAABAAAAAAAAAAEAAABQAAAAhbacS3FV1T8AAAAAAADwvwAAAAAAAOA/AAAAAAAA4D8AAAAAAADgPwAAAAAAAOA/AAAAAAAA4D8AAAAAAADgPwAAAAAAAOA/AAAAAAAA4D8CAAAAjAAAAAEAAAAAAAAAqdCOAP///wgAAAAAAAAAAAAAAAAAAAAAAAAAAAAAAAAAAAAAZAAAAAEAAABAAAAAAAAAAAAAAAAAAAAAAAAAAAAAAAAAAAAAAAAAAAAAAAAAAAAAAAAAAAAAAAAAAAAAAAAAAAAAAAAAAAAAAAAAAAAAAAAAAAAAAAAAAAAAAAAAAAAAFAAAADwAAAABAAAAAAAAAB4yVwAUAAAAAQAAABQAAAAUAAAAFAAAAAEAAAAAAAAAZAAAAGQAAAAAAAAAZAAAAGQAAAAVAAAAYAAAAAAAAAAAAAAADwAAACADAAAAAAAAAAAAAAEAAACgMgAAVgcAAKr4//8BAAAAf39/AAEAAABkAAAAAAAAABQAAABAHwAAAAAAACYAAAAAAAAAwOD//wAAAAAmAAAAZAAAABYAAABMAAAAAAAAAAAAAAAEAAAAAAAAAAEAAADn5uYKAAAAACgAAAAoAAAAZAAAAGQAAAAAAAAAzMzMAAAAAABQAAAAUAAAAGQAAABkAAAAAAAAABcAAAAUAAAAAAAAAAAAAAD/fwAA/38AAAAAAAAJAAAABAAAAAAAAAAeAAAAaAAAAAAAAAAAAAAAAAAAAAAAAAAAAAAAECcAABAnAAAAAAAAAAAAAAAAAAAAAAAAAAAAAAAAAAAAAAAAAAAAABQAAAAAAAAAwMD/AAAAAABkAAAAMgAAAAAAAABkAAAAAAAAAH9/fwAKAAAAIgAAABgAAAAAAAAAAAAAAAAAAAAAAAAAAAAAAAAAAAAkAAAAJAAAAAAAAAAHAAAAAAAAAAAAAAAAAAAAAAAAAAAAAAAAAAAAf39/ACUAAABYAAAAAAAAAAAAAAAAAAAAAAAAAAAAAAAAAAAAAAAAAAAAAAAAAAAAAAAAAAAAAAA/AAAAAAAAAKCGAQAAAAAAAAAAAAAAAAAMAAAAAQAAAAAAAAAAAAAAAAAAAB8AAABUAAAAqdCOAP///wEAAAAAAAAAAAAAAAAAAAAAAAAAAAAAAAAAAAAAAAAAAB4yVwB/f38A5+bmA8zMzADAwP8Af39/AAAAAAAAAAAAAAAAAAAAAAAAAAAAIQAAABgAAAAUAAAAsiYAAEQlAADVLAAAiicAABAAAAAmAAAACAAAAP//////////"/>
+                <pr:smNativeData xmlns:pr="smNativeData" xmlns="smNativeData" val="SMDATA_15_/1o6ZxMAAAAlAAAAZQAAAA0AAAAAkAAAAEgAAACQAAAASAAAAAAAAAABAAAAAAAAAAEAAABQAAAAhbacS3FV1T8AAAAAAADwvwAAAAAAAOA/AAAAAAAA4D8AAAAAAADgPwAAAAAAAOA/AAAAAAAA4D8AAAAAAADgPwAAAAAAAOA/AAAAAAAA4D8CAAAAjAAAAAEAAAAAAAAAqdCOAP///wgAAAAAAAAAAAAAAAAAAAAAAAAAAAAAAAAAAAAAZAAAAAEAAABAAAAAAAAAAAAAAAAAAAAAAAAAAAAAAAAAAAAAAAAAAAAAAAAAAAAAAAAAAAAAAAAAAAAAAAAAAAAAAAAAAAAAAAAAAAAAAAAAAAAAAAAAAAAAAAAAAAAAFAAAADwAAAABAAAAAAAAAB4yVwAUAAAAAQAAABQAAAAUAAAAFAAAAAEAAAAAAAAAZAAAAGQAAAAAAAAAZAAAAGQAAAAVAAAAYAAAAAAAAAAAAAAADwAAACADAAAAAAAAAAAAAAEAAACgMgAAVgcAAKr4//8BAAAAf39/AAEAAABkAAAAAAAAABQAAABAHwAAAAAAACYAAAAAAAAAwOD//wAAAAAmAAAAZAAAABYAAABMAAAAAAAAAAAAAAAEAAAAAAAAAAEAAADn5uYKAAAAACgAAAAoAAAAZAAAAGQAAAAAAAAAzMzMAAAAAABQAAAAUAAAAGQAAABkAAAAAAAAABcAAAAUAAAAAAAAAAAAAAD/fwAA/38AAAAAAAAJAAAABAAAAAAAAAAeAAAAaAAAAAAAAAAAAAAAAAAAAAAAAAAAAAAAECcAABAnAAAAAAAAAAAAAAAAAAAAAAAAAAAAAAAAAAAAAAAAAAAAABQAAAAAAAAAwMD/AAAAAABkAAAAMgAAAAAAAABkAAAAAAAAAH9/fwAKAAAAIgAAABgAAAAAAAAAAAAAAAAAAAAAAAAAAAAAAAAAAAAkAAAAJAAAAAAAAAAHAAAAAAAAAAAAAAAAAAAAAAAAAAAAAAAAAAAAf39/ACUAAABYAAAAAAAAAAAAAAAAAAAAAAAAAAAAAAAAAAAAAAAAAAAAAAAAAAAAAAAAAAAAAAA/AAAAAAAAAKCGAQAAAAAAAAAAAAAAAAAMAAAAAQAAAAAAAAAAAAAAAAAAAB8AAABUAAAAqdCOAP///wEAAAAAAAAAAAAAAAAAAAAAAAAAAAAAAAAAAAAAAAAAAB4yVwB/f38A5+bmA8zMzADAwP8Af39/AAAAAAAAAAAAAAAAAAAAAAAAAAAAIQAAABgAAAAUAAAAsiYAAEQlAADVLAAAiicAABAAAAAmAAAACAAAAP//////////"/>
               </a:ext>
             </a:extLst>
           </p:cNvSpPr>
@@ -5764,7 +5764,7 @@
           <p:cNvSpPr>
             <a:extLst>
               <a:ext uri="smNativeData">
-                <pr:smNativeData xmlns:pr="smNativeData" xmlns="smNativeData" val="SMDATA_15_u1g6ZxMAAAAlAAAAZQAAAA0AAAAAkAAAAEgAAACQAAAASAAAAAAAAAABAAAAAAAAAAEAAABQAAAAhbacS3FV1T8AAAAAAADwvwAAAAAAAOA/AAAAAAAA4D8AAAAAAADgPwAAAAAAAOA/AAAAAAAA4D8AAAAAAADgPwAAAAAAAOA/AAAAAAAA4D8CAAAAjAAAAAEAAAAAAAAAqdCOAP///wgAAAAAAAAAAAAAAAAAAAAAAAAAAAAAAAAAAAAAZAAAAAEAAABAAAAAAAAAAAAAAAAAAAAAAAAAAAAAAAAAAAAAAAAAAAAAAAAAAAAAAAAAAAAAAAAAAAAAAAAAAAAAAAAAAAAAAAAAAAAAAAAAAAAAAAAAAAAAAAAAAAAAFAAAADwAAAABAAAAAAAAAB4yVwAUAAAAAQAAABQAAAAUAAAAFAAAAAEAAAAAAAAAZAAAAGQAAAAAAAAAZAAAAGQAAAAVAAAAYAAAAAAAAAAAAAAADwAAACADAAAAAAAAAAAAAAEAAACgMgAAVgcAAKr4//8BAAAAf39/AAEAAABkAAAAAAAAABQAAABAHwAAAAAAACYAAAAAAAAAwOD//wAAAAAmAAAAZAAAABYAAABMAAAAAAAAAAAAAAAEAAAAAAAAAAEAAADn5uYKAAAAACgAAAAoAAAAZAAAAGQAAAAAAAAAzMzMAAAAAABQAAAAUAAAAGQAAABkAAAAAAAAABcAAAAUAAAAAAAAAAAAAAD/fwAA/38AAAAAAAAJAAAABAAAAAAAAAAeAAAAaAAAAAAAAAAAAAAAAAAAAAAAAAAAAAAAECcAABAnAAAAAAAAAAAAAAAAAAAAAAAAAAAAAAAAAAAAAAAAAAAAABQAAAAAAAAAwMD/AAAAAABkAAAAMgAAAAAAAABkAAAAAAAAAH9/fwAKAAAAIgAAABgAAAAAAAAAAAAAAAAAAAAAAAAAAAAAAAAAAAAkAAAAJAAAAAAAAAAHAAAAAAAAAAAAAAAAAAAAAAAAAAAAAAAAAAAAf39/ACUAAABYAAAAAAAAAAAAAAAAAAAAAAAAAAAAAAAAAAAAAAAAAAAAAAAAAAAAAAAAAAAAAAA/AAAAAAAAAKCGAQAAAAAAAAAAAAAAAAAMAAAAAQAAAAAAAAAAAAAAAAAAAB8AAABUAAAAqdCOAP///wEAAAAAAAAAAAAAAAAAAAAAAAAAAAAAAAAAAAAAAAAAAB4yVwB/f38A5+bmA8zMzADAwP8Af39/AAAAAAAAAAAAAAAAAAAAAAAAAAAAIQAAABgAAAAUAAAAnCYAAKAeAAC/LAAA5iAAABAAAAAmAAAACAAAAP//////////"/>
+                <pr:smNativeData xmlns:pr="smNativeData" xmlns="smNativeData" val="SMDATA_15_/1o6ZxMAAAAlAAAAZQAAAA0AAAAAkAAAAEgAAACQAAAASAAAAAAAAAABAAAAAAAAAAEAAABQAAAAhbacS3FV1T8AAAAAAADwvwAAAAAAAOA/AAAAAAAA4D8AAAAAAADgPwAAAAAAAOA/AAAAAAAA4D8AAAAAAADgPwAAAAAAAOA/AAAAAAAA4D8CAAAAjAAAAAEAAAAAAAAAqdCOAP///wgAAAAAAAAAAAAAAAAAAAAAAAAAAAAAAAAAAAAAZAAAAAEAAABAAAAAAAAAAAAAAAAAAAAAAAAAAAAAAAAAAAAAAAAAAAAAAAAAAAAAAAAAAAAAAAAAAAAAAAAAAAAAAAAAAAAAAAAAAAAAAAAAAAAAAAAAAAAAAAAAAAAAFAAAADwAAAABAAAAAAAAAB4yVwAUAAAAAQAAABQAAAAUAAAAFAAAAAEAAAAAAAAAZAAAAGQAAAAAAAAAZAAAAGQAAAAVAAAAYAAAAAAAAAAAAAAADwAAACADAAAAAAAAAAAAAAEAAACgMgAAVgcAAKr4//8BAAAAf39/AAEAAABkAAAAAAAAABQAAABAHwAAAAAAACYAAAAAAAAAwOD//wAAAAAmAAAAZAAAABYAAABMAAAAAAAAAAAAAAAEAAAAAAAAAAEAAADn5uYKAAAAACgAAAAoAAAAZAAAAGQAAAAAAAAAzMzMAAAAAABQAAAAUAAAAGQAAABkAAAAAAAAABcAAAAUAAAAAAAAAAAAAAD/fwAA/38AAAAAAAAJAAAABAAAAAAAAAAeAAAAaAAAAAAAAAAAAAAAAAAAAAAAAAAAAAAAECcAABAnAAAAAAAAAAAAAAAAAAAAAAAAAAAAAAAAAAAAAAAAAAAAABQAAAAAAAAAwMD/AAAAAABkAAAAMgAAAAAAAABkAAAAAAAAAH9/fwAKAAAAIgAAABgAAAAAAAAAAAAAAAAAAAAAAAAAAAAAAAAAAAAkAAAAJAAAAAAAAAAHAAAAAAAAAAAAAAAAAAAAAAAAAAAAAAAAAAAAf39/ACUAAABYAAAAAAAAAAAAAAAAAAAAAAAAAAAAAAAAAAAAAAAAAAAAAAAAAAAAAAAAAAAAAAA/AAAAAAAAAKCGAQAAAAAAAAAAAAAAAAAMAAAAAQAAAAAAAAAAAAAAAAAAAB8AAABUAAAAqdCOAP///wEAAAAAAAAAAAAAAAAAAAAAAAAAAAAAAAAAAAAAAAAAAB4yVwB/f38A5+bmA8zMzADAwP8Af39/AAAAAAAAAAAAAAAAAAAAAAAAAAAAIQAAABgAAAAUAAAAnCYAAKAeAAC/LAAA5iAAABAAAAAmAAAACAAAAP//////////"/>
               </a:ext>
             </a:extLst>
           </p:cNvSpPr>
@@ -5819,7 +5819,7 @@
           <p:cNvSpPr>
             <a:extLst>
               <a:ext uri="smNativeData">
-                <pr:smNativeData xmlns:pr="smNativeData" xmlns="smNativeData" val="SMDATA_15_u1g6ZxMAAAAlAAAAZAAAAE0AAAAAkAAAAEgAAACQAAAASAAAAAAAAAAAAAAAAAAAAAEAAABQAAAAAAAAAAAA4D8AAAAAAADgPwAAAAAAAOA/AAAAAAAA4D8AAAAAAADgPwAAAAAAAOA/AAAAAAAA4D8AAAAAAADgPwAAAAAAAOA/AAAAAAAA4D8CAAAAjAAAAAAAAAAAAAAARHLEDP///wgAAAAAAAAAAAAAAAAAAAAAAAAAAAAAAAAAAAAAZAAAAAEAAABAAAAAAAAAAAAAAAAAAAAAAAAAAAAAAAAAAAAAAAAAAAAAAAAAAAAAAAAAAAAAAAAAAAAAAAAAAAAAAAAAAAAAAAAAAAAAAAAAAAAAAAAAAAAAAAAAAAAAFAAAADwAAAAAAAAAAAAAAAAAAAAPAAAAAQAAACMAAAAjAAAAIwAAAB4AAAAAAAAAZAAAAGQAAAAAAAAAZAAAAGQAAAAVAAAAYAAAAAAAAAAAAAAADwAAACADAAAAAAAAAAAAAAEAAACgMgAAVgcAAKr4//8BAAAAf39/AAEAAABkAAAAAAAAABQAAABAHwAAAAAAACYAAAAAAAAAwOD//wAAAAAmAAAAZAAAABYAAABMAAAAAAAAAAAAAAAEAAAAAAAAAAEAAADn5uYKAAAAACgAAAAoAAAAZAAAAGQAAAAAAAAAzMzMAAAAAABQAAAAUAAAAGQAAABkAAAAAAAAABcAAAAUAAAAAAAAAAAAAAD/fwAA/38AAAAAAAAJAAAABAAAAAAAAAAeAAAAaAAAAAAAAAAAAAAAAAAAAAAAAAAAAAAAECcAABAnAAAAAAAAAAAAAAAAAAAAAAAAAAAAAAAAAAAAAAAAAAAAABQAAAAAAAAAwMD/AAAAAABkAAAAMgAAAAAAAABkAAAAAAAAAH9/fwAKAAAAIgAAABgAAAAAAAAAAAAAAAAAAAAAAAAAAAAAAAAAAAAkAAAAJAAAAAAAAAAHAAAAAAAAAAAAAAAAAAAAAAAAAAAAAAAAAAAAf39/ACUAAABYAAAAAAAAAAAAAAAAAAAAAAAAAAAAAAAAAAAAAAAAAAAAAAAAAAAAAAAAAAAAAAA/AAAAAAAAAKCGAQAAAAAAAAAAAAAAAAAMAAAAAQAAAAAAAAAAAAAAAAAAAB8AAABUAAAARHLEBf///wEAAAAAAAAAAAAAAAAAAAAAAAAAAAAAAAAAAAAAAAAAAAAAAAB/f38A5+bmA8zMzADAwP8Af39/AAAAAAAAAAAAAAAAAAAAAAAAAAAAIQAAABgAAAAUAAAAvykAAA8dAAA0LQAAqx4AABAgAAAmAAAACAAAAP//////////"/>
+                <pr:smNativeData xmlns:pr="smNativeData" xmlns="smNativeData" val="SMDATA_15_/1o6ZxMAAAAlAAAAZAAAAE0AAAAAkAAAAEgAAACQAAAASAAAAAAAAAAAAAAAAAAAAAEAAABQAAAAAAAAAAAA4D8AAAAAAADgPwAAAAAAAOA/AAAAAAAA4D8AAAAAAADgPwAAAAAAAOA/AAAAAAAA4D8AAAAAAADgPwAAAAAAAOA/AAAAAAAA4D8CAAAAjAAAAAAAAAAAAAAARHLEDP///wgAAAAAAAAAAAAAAAAAAAAAAAAAAAAAAAAAAAAAZAAAAAEAAABAAAAAAAAAAAAAAAAAAAAAAAAAAAAAAAAAAAAAAAAAAAAAAAAAAAAAAAAAAAAAAAAAAAAAAAAAAAAAAAAAAAAAAAAAAAAAAAAAAAAAAAAAAAAAAAAAAAAAFAAAADwAAAAAAAAAAAAAAAAAAAAPAAAAAQAAACMAAAAjAAAAIwAAAB4AAAAAAAAAZAAAAGQAAAAAAAAAZAAAAGQAAAAVAAAAYAAAAAAAAAAAAAAADwAAACADAAAAAAAAAAAAAAEAAACgMgAAVgcAAKr4//8BAAAAf39/AAEAAABkAAAAAAAAABQAAABAHwAAAAAAACYAAAAAAAAAwOD//wAAAAAmAAAAZAAAABYAAABMAAAAAAAAAAAAAAAEAAAAAAAAAAEAAADn5uYKAAAAACgAAAAoAAAAZAAAAGQAAAAAAAAAzMzMAAAAAABQAAAAUAAAAGQAAABkAAAAAAAAABcAAAAUAAAAAAAAAAAAAAD/fwAA/38AAAAAAAAJAAAABAAAAAAAAAAeAAAAaAAAAAAAAAAAAAAAAAAAAAAAAAAAAAAAECcAABAnAAAAAAAAAAAAAAAAAAAAAAAAAAAAAAAAAAAAAAAAAAAAABQAAAAAAAAAwMD/AAAAAABkAAAAMgAAAAAAAABkAAAAAAAAAH9/fwAKAAAAIgAAABgAAAAAAAAAAAAAAAAAAAAAAAAAAAAAAAAAAAAkAAAAJAAAAAAAAAAHAAAAAAAAAAAAAAAAAAAAAAAAAAAAAAAAAAAAf39/ACUAAABYAAAAAAAAAAAAAAAAAAAAAAAAAAAAAAAAAAAAAAAAAAAAAAAAAAAAAAAAAAAAAAA/AAAAAAAAAKCGAQAAAAAAAAAAAAAAAAAMAAAAAQAAAAAAAAAAAAAAAAAAAB8AAABUAAAARHLEBf///wEAAAAAAAAAAAAAAAAAAAAAAAAAAAAAAAAAAAAAAAAAAAAAAAB/f38A5+bmA8zMzADAwP8Af39/AAAAAAAAAAAAAAAAAAAAAAAAAAAAIQAAABgAAAAUAAAAvykAAA8dAAA0LQAAqx4AABAgAAAmAAAACAAAAP//////////"/>
               </a:ext>
             </a:extLst>
           </p:cNvSpPr>
@@ -5868,7 +5868,7 @@
           <p:cNvSpPr>
             <a:extLst>
               <a:ext uri="smNativeData">
-                <pr:smNativeData xmlns:pr="smNativeData" xmlns="smNativeData" val="SMDATA_15_u1g6ZxMAAAAlAAAAZAAAAE0AAAAAkAAAAEgAAACQAAAASAAAAAAAAAAAAAAAAAAAAAEAAABQAAAAAAAAAAAA4D8AAAAAAADgPwAAAAAAAOA/AAAAAAAA4D8AAAAAAADgPwAAAAAAAOA/AAAAAAAA4D8AAAAAAADgPwAAAAAAAOA/AAAAAAAA4D8CAAAAjAAAAAAAAAAAAAAARHLEDP///wgAAAAAAAAAAAAAAAAAAAAAAAAAAAAAAAAAAAAAZAAAAAEAAABAAAAAAAAAAAAAAAAAAAAAAAAAAAAAAAAAAAAAAAAAAAAAAAAAAAAAAAAAAAAAAAAAAAAAAAAAAAAAAAAAAAAAAAAAAAAAAAAAAAAAAAAAAAAAAAAAAAAAFAAAADwAAAAAAAAAAAAAAAAAAAAPAAAAAQAAACMAAAAjAAAAIwAAAB4AAAAAAAAAZAAAAGQAAAAAAAAAZAAAAGQAAAAVAAAAYAAAAAAAAAAAAAAADwAAACADAAAAAAAAAAAAAAEAAACgMgAAVgcAAKr4//8BAAAAf39/AAEAAABkAAAAAAAAABQAAABAHwAAAAAAACYAAAAAAAAAwOD//wAAAAAmAAAAZAAAABYAAABMAAAAAAAAAAAAAAAEAAAAAAAAAAEAAADn5uYKAAAAACgAAAAoAAAAZAAAAGQAAAAAAAAAzMzMAAAAAABQAAAAUAAAAGQAAABkAAAAAAAAABcAAAAUAAAAAAAAAAAAAAD/fwAA/38AAAAAAAAJAAAABAAAAAAAAAAeAAAAaAAAAAAAAAAAAAAAAAAAAAAAAAAAAAAAECcAABAnAAAAAAAAAAAAAAAAAAAAAAAAAAAAAAAAAAAAAAAAAAAAABQAAAAAAAAAwMD/AAAAAABkAAAAMgAAAAAAAABkAAAAAAAAAH9/fwAKAAAAIgAAABgAAAAAAAAAAAAAAAAAAAAAAAAAAAAAAAAAAAAkAAAAJAAAAAAAAAAHAAAAAAAAAAAAAAAAAAAAAAAAAAAAAAAAAAAAf39/ACUAAABYAAAAAAAAAAAAAAAAAAAAAAAAAAAAAAAAAAAAAAAAAAAAAAAAAAAAAAAAAAAAAAA/AAAAAAAAAKCGAQAAAAAAAAAAAAAAAAAMAAAAAQAAAAAAAAAAAAAAAAAAAB8AAABUAAAARHLEBf///wEAAAAAAAAAAAAAAAAAAAAAAAAAAAAAAAAAAAAAAAAAAAAAAAB/f38A5+bmA8zMzADAwP8Af39/AAAAAAAAAAAAAAAAAAAAAAAAAAAAIQAAABgAAAAUAAAA2ikAAK4jAABPLQAASiUAABAgAAAmAAAACAAAAP//////////"/>
+                <pr:smNativeData xmlns:pr="smNativeData" xmlns="smNativeData" val="SMDATA_15_/1o6ZxMAAAAlAAAAZAAAAE0AAAAAkAAAAEgAAACQAAAASAAAAAAAAAAAAAAAAAAAAAEAAABQAAAAAAAAAAAA4D8AAAAAAADgPwAAAAAAAOA/AAAAAAAA4D8AAAAAAADgPwAAAAAAAOA/AAAAAAAA4D8AAAAAAADgPwAAAAAAAOA/AAAAAAAA4D8CAAAAjAAAAAAAAAAAAAAARHLEDP///wgAAAAAAAAAAAAAAAAAAAAAAAAAAAAAAAAAAAAAZAAAAAEAAABAAAAAAAAAAAAAAAAAAAAAAAAAAAAAAAAAAAAAAAAAAAAAAAAAAAAAAAAAAAAAAAAAAAAAAAAAAAAAAAAAAAAAAAAAAAAAAAAAAAAAAAAAAAAAAAAAAAAAFAAAADwAAAAAAAAAAAAAAAAAAAAPAAAAAQAAACMAAAAjAAAAIwAAAB4AAAAAAAAAZAAAAGQAAAAAAAAAZAAAAGQAAAAVAAAAYAAAAAAAAAAAAAAADwAAACADAAAAAAAAAAAAAAEAAACgMgAAVgcAAKr4//8BAAAAf39/AAEAAABkAAAAAAAAABQAAABAHwAAAAAAACYAAAAAAAAAwOD//wAAAAAmAAAAZAAAABYAAABMAAAAAAAAAAAAAAAEAAAAAAAAAAEAAADn5uYKAAAAACgAAAAoAAAAZAAAAGQAAAAAAAAAzMzMAAAAAABQAAAAUAAAAGQAAABkAAAAAAAAABcAAAAUAAAAAAAAAAAAAAD/fwAA/38AAAAAAAAJAAAABAAAAAAAAAAeAAAAaAAAAAAAAAAAAAAAAAAAAAAAAAAAAAAAECcAABAnAAAAAAAAAAAAAAAAAAAAAAAAAAAAAAAAAAAAAAAAAAAAABQAAAAAAAAAwMD/AAAAAABkAAAAMgAAAAAAAABkAAAAAAAAAH9/fwAKAAAAIgAAABgAAAAAAAAAAAAAAAAAAAAAAAAAAAAAAAAAAAAkAAAAJAAAAAAAAAAHAAAAAAAAAAAAAAAAAAAAAAAAAAAAAAAAAAAAf39/ACUAAABYAAAAAAAAAAAAAAAAAAAAAAAAAAAAAAAAAAAAAAAAAAAAAAAAAAAAAAAAAAAAAAA/AAAAAAAAAKCGAQAAAAAAAAAAAAAAAAAMAAAAAQAAAAAAAAAAAAAAAAAAAB8AAABUAAAARHLEBf///wEAAAAAAAAAAAAAAAAAAAAAAAAAAAAAAAAAAAAAAAAAAAAAAAB/f38A5+bmA8zMzADAwP8Af39/AAAAAAAAAAAAAAAAAAAAAAAAAAAAIQAAABgAAAAUAAAA2ikAAK4jAABPLQAASiUAABAgAAAmAAAACAAAAP//////////"/>
               </a:ext>
             </a:extLst>
           </p:cNvSpPr>
@@ -5918,7 +5918,7 @@
             <a:picLocks noChangeAspect="1"/>
             <a:extLst>
               <a:ext uri="smNativeData">
-                <pr:smNativeData xmlns:pr="smNativeData" xmlns="smNativeData" val="SMDATA_17_u1g6ZxMAAAAlAAAAEQAAAC0AAAAAkAAAAEgAAACQAAAASAAAAAAAAAAAAAAAAAAAAAEAAABQAAAAAAAAAAAA4D8AAAAAAADgPwAAAAAAAOA/AAAAAAAA4D8AAAAAAADgPwAAAAAAAOA/AAAAAAAA4D8AAAAAAADgPwAAAAAAAOA/AAAAAAAA4D8CAAAAjAAAAAAAAAAAAAAARHLEDP///wgAAAAAAAAAAAAAAAAAAAAAAAAAAAAAAAAAAAAAZAAAAAEAAABAAAAAAAAAAAAAAAAAAAAAAAAAAAAAAAAAAAAAAAAAAAAAAAAAAAAAAAAAAAAAAAAAAAAAAAAAAAAAAAAAAAAAAAAAAAAAAAAAAAAAAAAAAAAAAAAAAAAAFAAAADwAAAAAAAAAAAAAAAAAAAkUAAAAAQAAABQAAAAUAAAAFAAAAAEAAAAAAAAAZAAAAGQAAAAAAAAAZAAAAGQAAAAVAAAAYAAAAAAAAAAAAAAADwAAACADAAAAAAAAAAAAAAEAAACgMgAAVgcAAKr4//8BAAAAf39/AAEAAABkAAAAAAAAABQAAABAHwAAAAAAACYAAAAAAAAAwOD//wAAAAAmAAAAZAAAABYAAABMAAAAAAAAAAAAAAAEAAAAAAAAAAEAAADn5uYKAAAAACgAAAAoAAAAZAAAAGQAAAAAAAAAzMzMAAAAAABQAAAAUAAAAGQAAABkAAAAAAAAAAcAAAA4AAAAAAAAAAAAAAAAAAAA////AAAAAAAAAAAAAAAAAAAAAAAAAAAAAAAAAAAAAABkAAAAZAAAAAAAAAAjAAAABAAAAGQAAAAXAAAAFAAAAAAAAAAAAAAA/38AAP9/AAAAAAAACQAAAAQAAAAAAAAAHgAAAGgAAAAAAAAAAAAAAAAAAAAAAAAAAAAAABAnAAAQJwAAAAAAAAAAAAAAAAAAAAAAAAAAAAAAAAAAAAAAAAAAAAAUAAAAAAAAAMDA/wAAAAAAZAAAADIAAAAAAAAAZAAAAAAAAAB/f38ACgAAACIAAAAYAAAAAAAAAAAAAAAAAAAAAAAAAAAAAAAAAAAAJAAAACQAAAAAAAAABwAAAAAAAAAAAAAAAAAAAAAAAAAAAAAAAAAAAH9/fwAlAAAAWAAAAAAAAAAAAAAAAAAAAAAAAAAAAAAAAAAAAAAAAAAAAAAAAAAAAAAAAAAAAAAAPwAAAAAAAACghgEAAAAAAAAAAAAAAAAADAAAAAEAAAAAAAAAAAAAAAAAAAAfAAAAVAAAAERyxAX///8BAAAAAAAAAAAAAAAAAAAAAAAAAAAAAAAAAAAAAAAAAAAAAAACf39/AOfm5gPMzMwAwMD/AH9/fwAAAAAAAAAAAAAAAAD///8AAAAAACEAAAAYAAAAFAAAAFYVAADzGwAAmxcAADgeAAAQAAAAJgAAAAgAAAD//////////w=="/>
+                <pr:smNativeData xmlns:pr="smNativeData" xmlns="smNativeData" val="SMDATA_17_/1o6ZxMAAAAlAAAAEQAAAC0AAAAAkAAAAEgAAACQAAAASAAAAAAAAAAAAAAAAAAAAAEAAABQAAAAAAAAAAAA4D8AAAAAAADgPwAAAAAAAOA/AAAAAAAA4D8AAAAAAADgPwAAAAAAAOA/AAAAAAAA4D8AAAAAAADgPwAAAAAAAOA/AAAAAAAA4D8CAAAAjAAAAAAAAAAAAAAARHLEDP///wgAAAAAAAAAAAAAAAAAAAAAAAAAAAAAAAAAAAAAZAAAAAEAAABAAAAAAAAAAAAAAAAAAAAAAAAAAAAAAAAAAAAAAAAAAAAAAAAAAAAAAAAAAAAAAAAAAAAAAAAAAAAAAAAAAAAAAAAAAAAAAAAAAAAAAAAAAAAAAAAAAAAAFAAAADwAAAAAAAAAAAAAAAAAAAkUAAAAAQAAABQAAAAUAAAAFAAAAAEAAAAAAAAAZAAAAGQAAAAAAAAAZAAAAGQAAAAVAAAAYAAAAAAAAAAAAAAADwAAACADAAAAAAAAAAAAAAEAAACgMgAAVgcAAKr4//8BAAAAf39/AAEAAABkAAAAAAAAABQAAABAHwAAAAAAACYAAAAAAAAAwOD//wAAAAAmAAAAZAAAABYAAABMAAAAAAAAAAAAAAAEAAAAAAAAAAEAAADn5uYKAAAAACgAAAAoAAAAZAAAAGQAAAAAAAAAzMzMAAAAAABQAAAAUAAAAGQAAABkAAAAAAAAAAcAAAA4AAAAAAAAAAAAAAAAAAAA////AAAAAAAAAAAAAAAAAAAAAAAAAAAAAAAAAAAAAABkAAAAZAAAAAAAAAAjAAAABAAAAGQAAAAXAAAAFAAAAAAAAAAAAAAA/38AAP9/AAAAAAAACQAAAAQAAAAAAAAAHgAAAGgAAAAAAAAAAAAAAAAAAAAAAAAAAAAAABAnAAAQJwAAAAAAAAAAAAAAAAAAAAAAAAAAAAAAAAAAAAAAAAAAAAAUAAAAAAAAAMDA/wAAAAAAZAAAADIAAAAAAAAAZAAAAAAAAAB/f38ACgAAACIAAAAYAAAAAAAAAAAAAAAAAAAAAAAAAAAAAAAAAAAAJAAAACQAAAAAAAAABwAAAAAAAAAAAAAAAAAAAAAAAAAAAAAAAAAAAH9/fwAlAAAAWAAAAAAAAAAAAAAAAAAAAAAAAAAAAAAAAAAAAAAAAAAAAAAAAAAAAAAAAAAAAAAAPwAAAAAAAACghgEAAAAAAAAAAAAAAAAADAAAAAEAAAAAAAAAAAAAAAAAAAAfAAAAVAAAAERyxAX///8BAAAAAAAAAAAAAAAAAAAAAAAAAAAAAAAAAAAAAAAAAAAAAAACf39/AOfm5gPMzMwAwMD/AH9/fwAAAAAAAAAAAAAAAAD///8AAAAAACEAAAAYAAAAFAAAAFYVAADzGwAAmxcAADgeAAAQAAAAJgAAAAgAAAD//////////w=="/>
               </a:ext>
             </a:extLst>
           </p:cNvPicPr>
@@ -5952,7 +5952,7 @@
             <a:picLocks noChangeAspect="1"/>
             <a:extLst>
               <a:ext uri="smNativeData">
-                <pr:smNativeData xmlns:pr="smNativeData" xmlns="smNativeData" val="SMDATA_17_u1g6ZxMAAAAlAAAAEQAAAC0AAAAAkAAAAEgAAACQAAAASAAAAAAAAAAAAAAAAAAAAAEAAABQAAAAAAAAAAAA4D8AAAAAAADgPwAAAAAAAOA/AAAAAAAA4D8AAAAAAADgPwAAAAAAAOA/AAAAAAAA4D8AAAAAAADgPwAAAAAAAOA/AAAAAAAA4D8CAAAAjAAAAAAAAAAAAAAARHLEDP///wgAAAAAAAAAAAAAAAAAAAAAAAAAAAAAAAAAAAAAZAAAAAEAAABAAAAAAAAAAAAAAAAAAAAAAAAAAAAAAAAAAAAAAAAAAAAAAAAAAAAAAAAAAAAAAAAAAAAAAAAAAAAAAAAAAAAAAAAAAAAAAAAAAAAAAAAAAAAAAAAAAAAAFAAAADwAAAAAAAAAAAAAAAAAAAkUAAAAAQAAABQAAAAUAAAAFAAAAAEAAAAAAAAAZAAAAGQAAAAAAAAAZAAAAGQAAAAVAAAAYAAAAAAAAAAAAAAADwAAACADAAAAAAAAAAAAAAEAAACgMgAAVgcAAKr4//8BAAAAf39/AAEAAABkAAAAAAAAABQAAABAHwAAAAAAACYAAAAAAAAAwOD//wAAAAAmAAAAZAAAABYAAABMAAAAAAAAAAAAAAAEAAAAAAAAAAEAAADn5uYKAAAAACgAAAAoAAAAZAAAAGQAAAAAAAAAzMzMAAAAAABQAAAAUAAAAGQAAABkAAAAAAAAAAcAAAA4AAAAAAAAAAAAAAAAAAAA////AAAAAAAAAAAAAAAAAAAAAAAAAAAAAAAAAAAAAABkAAAAZAAAAAAAAAAjAAAABAAAAGQAAAAXAAAAFAAAAAAAAAAAAAAA/38AAP9/AAAAAAAACQAAAAQAAABAUvEBHgAAAGgAAAAAAAAAAAAAAAAAAAAAAAAAAAAAABAnAAAQJwAAAAAAAAAAAAAAAAAAAAAAAAAAAAAAAAAAAAAAAAAAAAAUAAAAAAAAAMDA/wAAAAAAZAAAADIAAAAAAAAAZAAAAAAAAAB/f38ACgAAACIAAAAYAAAAAAAAAAAAAAAAAAAAAAAAAAAAAAAAAAAAJAAAACQAAAAAAAAABwAAAAAAAAAAAAAAAAAAAAAAAAAAAAAAAAAAAH9/fwAlAAAAWAAAAAAAAAAAAAAAAAAAAAAAAAAAAAAAAAAAAAAAAAAAAAAAAAAAAAAAAAAAAAAAPwAAAAAAAACghgEAAAAAAAAAAAAAAAAADAAAAAEAAAAAAAAAAAAAAAAAAAAfAAAAVAAAAERyxAX///8BAAAAAAAAAAAAAAAAAAAAAAAAAAAAAAAAAAAAAAAAAAAAAAACf39/AOfm5gPMzMwAwMD/AH9/fwAAAAAAAAAAAAAAAAD///8AAAAAACEAAAAYAAAAFAAAAEkeAADvGwAAjiAAADUeAAAQAAAAJgAAAAgAAAD//////////w=="/>
+                <pr:smNativeData xmlns:pr="smNativeData" xmlns="smNativeData" val="SMDATA_17_/1o6ZxMAAAAlAAAAEQAAAC0AAAAAkAAAAEgAAACQAAAASAAAAAAAAAAAAAAAAAAAAAEAAABQAAAAAAAAAAAA4D8AAAAAAADgPwAAAAAAAOA/AAAAAAAA4D8AAAAAAADgPwAAAAAAAOA/AAAAAAAA4D8AAAAAAADgPwAAAAAAAOA/AAAAAAAA4D8CAAAAjAAAAAAAAAAAAAAARHLEDP///wgAAAAAAAAAAAAAAAAAAAAAAAAAAAAAAAAAAAAAZAAAAAEAAABAAAAAAAAAAAAAAAAAAAAAAAAAAAAAAAAAAAAAAAAAAAAAAAAAAAAAAAAAAAAAAAAAAAAAAAAAAAAAAAAAAAAAAAAAAAAAAAAAAAAAAAAAAAAAAAAAAAAAFAAAADwAAAAAAAAAAAAAAAAAAAkUAAAAAQAAABQAAAAUAAAAFAAAAAEAAAAAAAAAZAAAAGQAAAAAAAAAZAAAAGQAAAAVAAAAYAAAAAAAAAAAAAAADwAAACADAAAAAAAAAAAAAAEAAACgMgAAVgcAAKr4//8BAAAAf39/AAEAAABkAAAAAAAAABQAAABAHwAAAAAAACYAAAAAAAAAwOD//wAAAAAmAAAAZAAAABYAAABMAAAAAAAAAAAAAAAEAAAAAAAAAAEAAADn5uYKAAAAACgAAAAoAAAAZAAAAGQAAAAAAAAAzMzMAAAAAABQAAAAUAAAAGQAAABkAAAAAAAAAAcAAAA4AAAAAAAAAAAAAAAAAAAA////AAAAAAAAAAAAAAAAAAAAAAAAAAAAAAAAAAAAAABkAAAAZAAAAAAAAAAjAAAABAAAAGQAAAAXAAAAFAAAAAAAAAAAAAAA/38AAP9/AAAAAAAACQAAAAQAAABAUvEBHgAAAGgAAAAAAAAAAAAAAAAAAAAAAAAAAAAAABAnAAAQJwAAAAAAAAAAAAAAAAAAAAAAAAAAAAAAAAAAAAAAAAAAAAAUAAAAAAAAAMDA/wAAAAAAZAAAADIAAAAAAAAAZAAAAAAAAAB/f38ACgAAACIAAAAYAAAAAAAAAAAAAAAAAAAAAAAAAAAAAAAAAAAAJAAAACQAAAAAAAAABwAAAAAAAAAAAAAAAAAAAAAAAAAAAAAAAAAAAH9/fwAlAAAAWAAAAAAAAAAAAAAAAAAAAAAAAAAAAAAAAAAAAAAAAAAAAAAAAAAAAAAAAAAAAAAAPwAAAAAAAACghgEAAAAAAAAAAAAAAAAADAAAAAEAAAAAAAAAAAAAAAAAAAAfAAAAVAAAAERyxAX///8BAAAAAAAAAAAAAAAAAAAAAAAAAAAAAAAAAAAAAAAAAAAAAAACf39/AOfm5gPMzMwAwMD/AH9/fwAAAAAAAAAAAAAAAAD///8AAAAAACEAAAAYAAAAFAAAAEkeAADvGwAAjiAAADUeAAAQAAAAJgAAAAgAAAD//////////w=="/>
               </a:ext>
             </a:extLst>
           </p:cNvPicPr>
@@ -5986,7 +5986,7 @@
             <a:picLocks noChangeAspect="1"/>
             <a:extLst>
               <a:ext uri="smNativeData">
-                <pr:smNativeData xmlns:pr="smNativeData" xmlns="smNativeData" val="SMDATA_17_u1g6ZxMAAAAlAAAAEQAAAC0AAAAAkAAAAEgAAACQAAAASAAAAAAAAAAAAAAAAAAAAAEAAABQAAAAAAAAAAAA4D8AAAAAAADgPwAAAAAAAOA/AAAAAAAA4D8AAAAAAADgPwAAAAAAAOA/AAAAAAAA4D8AAAAAAADgPwAAAAAAAOA/AAAAAAAA4D8CAAAAjAAAAAAAAAAAAAAARHLEDP///wgAAAAAAAAAAAAAAAAAAAAAAAAAAAAAAAAAAAAAZAAAAAEAAABAAAAAAAAAAAAAAAAAAAAAAAAAAAAAAAAAAAAAAAAAAAAAAAAAAAAAAAAAAAAAAAAAAAAAAAAAAAAAAAAAAAAAAAAAAAAAAAAAAAAAAAAAAAAAAAAAAAAAFAAAADwAAAAAAAAAAAAAAAAAAAkUAAAAAQAAABQAAAAUAAAAFAAAAAEAAAAAAAAAZAAAAGQAAAAAAAAAZAAAAGQAAAAVAAAAYAAAAAAAAAAAAAAADwAAACADAAAAAAAAAAAAAAEAAACgMgAAVgcAAKr4//8BAAAAf39/AAEAAABkAAAAAAAAABQAAABAHwAAAAAAACYAAAAAAAAAwOD//wAAAAAmAAAAZAAAABYAAABMAAAAAAAAAAAAAAAEAAAAAAAAAAEAAADn5uYKAAAAACgAAAAoAAAAZAAAAGQAAAAAAAAAzMzMAAAAAABQAAAAUAAAAGQAAABkAAAAAAAAAAcAAAA4AAAAAAAAAAAAAAAAAAAA////AAAAAAAAAAAAAAAAAAAAAAAAAAAAAAAAAAAAAABkAAAAZAAAAAAAAAAjAAAABAAAAGQAAAAXAAAAFAAAAAAAAAAAAAAA/38AAP9/AAAAAAAACQAAAAQAAAAAAAAAHgAAAGgAAAAAAAAAAAAAAAAAAAAAAAAAAAAAABAnAAAQJwAAAAAAAAAAAAAAAAAAAAAAAAAAAAAAAAAAAAAAAAAAAAAUAAAAAAAAAMDA/wAAAAAAZAAAADIAAAAAAAAAZAAAAAAAAAB/f38ACgAAACIAAAAYAAAAAAAAAAAAAAAAAAAAAAAAAAAAAAAAAAAAJAAAACQAAAAAAAAABwAAAAAAAAAAAAAAAAAAAAAAAAAAAAAAAAAAAH9/fwAlAAAAWAAAAAAAAAAAAAAAAAAAAAAAAAAAAAAAAAAAAAAAAAAAAAAAAAAAAAAAAAAAAAAAPwAAAAAAAACghgEAAAAAAAAAAAAAAAAADAAAAAEAAAAAAAAAAAAAAAAAAAAfAAAAVAAAAERyxAX///8BAAAAAAAAAAAAAAAAAAAAAAAAAAAAAAAAAAAAAAAAAAAAAAACf39/AOfm5gPMzMwAwMD/AH9/fwAAAAAAAAAAAAAAAAD///8AAAAAACEAAAAYAAAAFAAAAPkmAADvGwAAPikAADUeAAAQAAAAJgAAAAgAAAD//////////w=="/>
+                <pr:smNativeData xmlns:pr="smNativeData" xmlns="smNativeData" val="SMDATA_17_/1o6ZxMAAAAlAAAAEQAAAC0AAAAAkAAAAEgAAACQAAAASAAAAAAAAAAAAAAAAAAAAAEAAABQAAAAAAAAAAAA4D8AAAAAAADgPwAAAAAAAOA/AAAAAAAA4D8AAAAAAADgPwAAAAAAAOA/AAAAAAAA4D8AAAAAAADgPwAAAAAAAOA/AAAAAAAA4D8CAAAAjAAAAAAAAAAAAAAARHLEDP///wgAAAAAAAAAAAAAAAAAAAAAAAAAAAAAAAAAAAAAZAAAAAEAAABAAAAAAAAAAAAAAAAAAAAAAAAAAAAAAAAAAAAAAAAAAAAAAAAAAAAAAAAAAAAAAAAAAAAAAAAAAAAAAAAAAAAAAAAAAAAAAAAAAAAAAAAAAAAAAAAAAAAAFAAAADwAAAAAAAAAAAAAAAAAAAkUAAAAAQAAABQAAAAUAAAAFAAAAAEAAAAAAAAAZAAAAGQAAAAAAAAAZAAAAGQAAAAVAAAAYAAAAAAAAAAAAAAADwAAACADAAAAAAAAAAAAAAEAAACgMgAAVgcAAKr4//8BAAAAf39/AAEAAABkAAAAAAAAABQAAABAHwAAAAAAACYAAAAAAAAAwOD//wAAAAAmAAAAZAAAABYAAABMAAAAAAAAAAAAAAAEAAAAAAAAAAEAAADn5uYKAAAAACgAAAAoAAAAZAAAAGQAAAAAAAAAzMzMAAAAAABQAAAAUAAAAGQAAABkAAAAAAAAAAcAAAA4AAAAAAAAAAAAAAAAAAAA////AAAAAAAAAAAAAAAAAAAAAAAAAAAAAAAAAAAAAABkAAAAZAAAAAAAAAAjAAAABAAAAGQAAAAXAAAAFAAAAAAAAAAAAAAA/38AAP9/AAAAAAAACQAAAAQAAAAAAAAAHgAAAGgAAAAAAAAAAAAAAAAAAAAAAAAAAAAAABAnAAAQJwAAAAAAAAAAAAAAAAAAAAAAAAAAAAAAAAAAAAAAAAAAAAAUAAAAAAAAAMDA/wAAAAAAZAAAADIAAAAAAAAAZAAAAAAAAAB/f38ACgAAACIAAAAYAAAAAAAAAAAAAAAAAAAAAAAAAAAAAAAAAAAAJAAAACQAAAAAAAAABwAAAAAAAAAAAAAAAAAAAAAAAAAAAAAAAAAAAH9/fwAlAAAAWAAAAAAAAAAAAAAAAAAAAAAAAAAAAAAAAAAAAAAAAAAAAAAAAAAAAAAAAAAAAAAAPwAAAAAAAACghgEAAAAAAAAAAAAAAAAADAAAAAEAAAAAAAAAAAAAAAAAAAAfAAAAVAAAAERyxAX///8BAAAAAAAAAAAAAAAAAAAAAAAAAAAAAAAAAAAAAAAAAAAAAAACf39/AOfm5gPMzMwAwMD/AH9/fwAAAAAAAAAAAAAAAAD///8AAAAAACEAAAAYAAAAFAAAAPkmAADvGwAAPikAADUeAAAQAAAAJgAAAAgAAAD//////////w=="/>
               </a:ext>
             </a:extLst>
           </p:cNvPicPr>
@@ -6052,7 +6052,7 @@
             <a:spLocks noGrp="1" noChangeArrowheads="1"/>
             <a:extLst>
               <a:ext uri="smNativeData">
-                <pr:smNativeData xmlns:pr="smNativeData" xmlns="smNativeData" val="SMDATA_15_u1g6ZxMAAAAlAAAAZAAAAA0AAAAAkAAAAEgAAACQAAAASAAAAAAAAAABAAAAAAAAAAEAAABQAAAAAAAAAAAA4D8AAAAAAADgPwAAAAAAAOA/AAAAAAAA4D8AAAAAAADgPwAAAAAAAOA/AAAAAAAA4D8AAAAAAADgPwAAAAAAAOA/AAAAAAAA4D8CAAAAjAAAAAAAAAAAAAAARHLEDP///wgAAAAAAAAAAAAAAAAAAAAAAAAAAAAAAAAAAAAAZAAAAAEAAABAAAAAAAAAAAAAAAAAAAAAAAAAAAAAAAAAAAAAAAAAAAAAAAAAAAAAAAAAAAAAAAAAAAAAAAAAAAAAAAAAAAAAAAAAAAAAAAAAAAAAAAAAAAAAAAAAAAAAFAAAADwAAAAAAAAAAAAAAAAAAAkUAAAAAQAAABQAAAAUAAAAFAAAAAEAAAAAAAAAZAAAAGQAAAAAAAAAZAAAAGQAAAAVAAAAYAAAAAAAAAAAAAAADwAAACADAAAAAAAAAAAAAAEAAACgMgAAVgcAAKr4//8BAAAAf39/AAEAAABkAAAAAAAAABQAAABAHwAAAAAAACYAAAAAAAAAwOD//wAAAAAmAAAAZAAAABYAAABMAAAAAAAAAAAAAAAEAAAAAAAAAAEAAADn5uYKAAAAACgAAAAoAAAAZAAAAGQAAAAAAAAAzMzMAAAAAABQAAAAUAAAAGQAAABkAAAAAAAAABcAAAAUAAAAAAAAAAAAAAD/fwAA/38AAAAAAAAJAAAABAAAAM7O0P8eAAAAaAAAAAAAAAAAAAAAAAAAAAAAAAAAAAAAECcAABAnAAAAAAAAAAAAAAAAAAAAAAAAAAAAAAAAAAAAAAAAAAAAABQAAAAAAAAAwMD/AAAAAABkAAAAMgAAAAAAAABkAAAAAAAAAH9/fwAKAAAAIgAAABgAAAAAAAAAAAAAAAAAAAAAAAAAAAAAAAAAAAAkAAAAJAAAAAAAAAAHAAAAAAAAAAAAAAAAAAAAAAAAAAAAAAAAAAAAf39/ACUAAABYAAAAAAAAAAAAAAAAAAAAAAAAAAAAAAAAAAAAAAAAAAAAAAAAAAAAAAAAAAAAAAA/AAAAAAAAAKCGAQAAAAAAAAAAAAAAAAAMAAAAAQAAAAAAAAAAAAAAAAAAAB8AAABUAAAARHLEBf///wEAAAAAAAAAAAAAAAAAAAAAAAAAAAAAAAAAAAAAAAAAAAAAAAJ/f38A5+bmA8zMzADAwP8Af39/AAAAAAAAAAAAAAAAAAAAAAAAAAAAIQAAABgAAAAUAAAAKAUAAD8CAADYRQAAZwoAABAAAAAmAAAACAAAAAAAAAAAAAAA"/>
+                <pr:smNativeData xmlns:pr="smNativeData" xmlns="smNativeData" val="SMDATA_15_/1o6ZxMAAAAlAAAAZAAAAA0AAAAAkAAAAEgAAACQAAAASAAAAAAAAAABAAAAAAAAAAEAAABQAAAAAAAAAAAA4D8AAAAAAADgPwAAAAAAAOA/AAAAAAAA4D8AAAAAAADgPwAAAAAAAOA/AAAAAAAA4D8AAAAAAADgPwAAAAAAAOA/AAAAAAAA4D8CAAAAjAAAAAAAAAAAAAAARHLEDP///wgAAAAAAAAAAAAAAAAAAAAAAAAAAAAAAAAAAAAAZAAAAAEAAABAAAAAAAAAAAAAAAAAAAAAAAAAAAAAAAAAAAAAAAAAAAAAAAAAAAAAAAAAAAAAAAAAAAAAAAAAAAAAAAAAAAAAAAAAAAAAAAAAAAAAAAAAAAAAAAAAAAAAFAAAADwAAAAAAAAAAAAAAAAAAAkUAAAAAQAAABQAAAAUAAAAFAAAAAEAAAAAAAAAZAAAAGQAAAAAAAAAZAAAAGQAAAAVAAAAYAAAAAAAAAAAAAAADwAAACADAAAAAAAAAAAAAAEAAACgMgAAVgcAAKr4//8BAAAAf39/AAEAAABkAAAAAAAAABQAAABAHwAAAAAAACYAAAAAAAAAwOD//wAAAAAmAAAAZAAAABYAAABMAAAAAAAAAAAAAAAEAAAAAAAAAAEAAADn5uYKAAAAACgAAAAoAAAAZAAAAGQAAAAAAAAAzMzMAAAAAABQAAAAUAAAAGQAAABkAAAAAAAAABcAAAAUAAAAAAAAAAAAAAD/fwAA/38AAAAAAAAJAAAABAAAAM7O0P8eAAAAaAAAAAAAAAAAAAAAAAAAAAAAAAAAAAAAECcAABAnAAAAAAAAAAAAAAAAAAAAAAAAAAAAAAAAAAAAAAAAAAAAABQAAAAAAAAAwMD/AAAAAABkAAAAMgAAAAAAAABkAAAAAAAAAH9/fwAKAAAAIgAAABgAAAAAAAAAAAAAAAAAAAAAAAAAAAAAAAAAAAAkAAAAJAAAAAAAAAAHAAAAAAAAAAAAAAAAAAAAAAAAAAAAAAAAAAAAf39/ACUAAABYAAAAAAAAAAAAAAAAAAAAAAAAAAAAAAAAAAAAAAAAAAAAAAAAAAAAAAAAAAAAAAA/AAAAAAAAAKCGAQAAAAAAAAAAAAAAAAAMAAAAAQAAAAAAAAAAAAAAAAAAAB8AAABUAAAARHLEBf///wEAAAAAAAAAAAAAAAAAAAAAAAAAAAAAAAAAAAAAAAAAAAAAAAJ/f38A5+bmA8zMzADAwP8Af39/AAAAAAAAAAAAAAAAAAAAAAAAAAAAIQAAABgAAAAUAAAAKAUAAD8CAADYRQAAZwoAABAAAAAmAAAACAAAAAAAAAAAAAAA"/>
               </a:ext>
             </a:extLst>
           </p:cNvSpPr>
@@ -6078,7 +6078,7 @@
             <a:picLocks noGrp="1" noChangeArrowheads="1" noChangeAspect="1"/>
             <a:extLst>
               <a:ext uri="smNativeData">
-                <pr:smNativeData xmlns:pr="smNativeData" xmlns="smNativeData" val="SMDATA_17_u1g6ZxMAAAAlAAAAEQAAAC0AAAAAkAAAAEgAAACQAAAASAAAAAAAAAAAAAAAAAAAAAEAAABQAAAAAAAAAAAA4D8AAAAAAADgPwAAAAAAAOA/AAAAAAAA4D8AAAAAAADgPwAAAAAAAOA/AAAAAAAA4D8AAAAAAADgPwAAAAAAAOA/AAAAAAAA4D8CAAAAjAAAAAAAAAAAAAAARHLEDP///wgAAAAAAAAAAAAAAAAAAAAAAAAAAAAAAAAAAAAAZAAAAAEAAABAAAAAAAAAAAAAAAAAAAAAAAAAAAAAAAAAAAAAAAAAAAAAAAAAAAAAAAAAAAAAAAAAAAAAAAAAAAAAAAAAAAAAAAAAAAAAAAAAAAAAAAAAAAAAAAAAAAAAFAAAADwAAAAAAAAAAAAAAAAAAAkUAAAAAQAAABQAAAAUAAAAFAAAAAEAAAAAAAAAZAAAAGQAAAAAAAAAZAAAAGQAAAAVAAAAYAAAAAAAAAAAAAAADwAAACADAAAAAAAAAAAAAAEAAACgMgAAVgcAAKr4//8BAAAAf39/AAEAAABkAAAAAAAAABQAAABAHwAAAAAAACYAAAAAAAAAwOD//wAAAAAmAAAAZAAAABYAAABMAAAAAAAAAAAAAAAEAAAAAAAAAAEAAADn5uYKAAAAACgAAAAoAAAAZAAAAGQAAAAAAAAAzMzMAAAAAABQAAAAUAAAAGQAAABkAAAAAAAAAAcAAAA4AAAAAAAAAAAAAAAAAAAA////AAAAAAAAAAAAAAAAAAAAAAAAAAAAAAAAAAAAAABkAAAAZAAAAAAAAAAjAAAABAAAAGQAAAAXAAAAFAAAAAAAAAAAAAAA/38AAP9/AAAAAAAACQAAAAQAAAAAAAAAHgAAAGgAAAAAAAAAAAAAAAAAAAAAAAAAAAAAABAnAAAQJwAAAAAAAAAAAAAAAAAAAAAAAAAAAAAAAAAAAAAAAAAAAAAUAAAAAAAAAMDA/wAAAAAAZAAAADIAAAAAAAAAZAAAAAAAAAB/f38ACgAAACIAAAAYAAAAAAAAAAAAAAAAAAAAAAAAAAAAAAAAAAAAJAAAACQAAAAAAAAABwAAAAAAAAAAAAAAAAAAAAAAAAAAAAAAAAAAAH9/fwAlAAAAWAAAAAAAAAAAAAAAAAAAAAAAAAAAAAAAAAAAAAAAAAAAAAAAAAAAAAAAAAAAAAAAPwAAAAAAAACghgEAAAAAAAAAAAAAAAAADAAAAAEAAAAAAAAAAAAAAAAAAAAfAAAAVAAAAERyxAX///8BAAAAAAAAAAAAAAAAAAAAAAAAAAAAAAAAAAAAAAAAAAAAAAACf39/AOfm5gPMzMwAwMD/AH9/fwAAAAAAAAAAAAAAAAD///8AAAAAACEAAAAYAAAAFAAAAJINAADECQAAZzIAAGwgAAAQAAAAJgAAAAgAAAABgwAAAAAAAA=="/>
+                <pr:smNativeData xmlns:pr="smNativeData" xmlns="smNativeData" val="SMDATA_17_/1o6ZxMAAAAlAAAAEQAAAC0AAAAAkAAAAEgAAACQAAAASAAAAAAAAAAAAAAAAAAAAAEAAABQAAAAAAAAAAAA4D8AAAAAAADgPwAAAAAAAOA/AAAAAAAA4D8AAAAAAADgPwAAAAAAAOA/AAAAAAAA4D8AAAAAAADgPwAAAAAAAOA/AAAAAAAA4D8CAAAAjAAAAAAAAAAAAAAARHLEDP///wgAAAAAAAAAAAAAAAAAAAAAAAAAAAAAAAAAAAAAZAAAAAEAAABAAAAAAAAAAAAAAAAAAAAAAAAAAAAAAAAAAAAAAAAAAAAAAAAAAAAAAAAAAAAAAAAAAAAAAAAAAAAAAAAAAAAAAAAAAAAAAAAAAAAAAAAAAAAAAAAAAAAAFAAAADwAAAAAAAAAAAAAAAAAAAkUAAAAAQAAABQAAAAUAAAAFAAAAAEAAAAAAAAAZAAAAGQAAAAAAAAAZAAAAGQAAAAVAAAAYAAAAAAAAAAAAAAADwAAACADAAAAAAAAAAAAAAEAAACgMgAAVgcAAKr4//8BAAAAf39/AAEAAABkAAAAAAAAABQAAABAHwAAAAAAACYAAAAAAAAAwOD//wAAAAAmAAAAZAAAABYAAABMAAAAAAAAAAAAAAAEAAAAAAAAAAEAAADn5uYKAAAAACgAAAAoAAAAZAAAAGQAAAAAAAAAzMzMAAAAAABQAAAAUAAAAGQAAABkAAAAAAAAAAcAAAA4AAAAAAAAAAAAAAAAAAAA////AAAAAAAAAAAAAAAAAAAAAAAAAAAAAAAAAAAAAABkAAAAZAAAAAAAAAAjAAAABAAAAGQAAAAXAAAAFAAAAAAAAAAAAAAA/38AAP9/AAAAAAAACQAAAAQAAAAAAAAAHgAAAGgAAAAAAAAAAAAAAAAAAAAAAAAAAAAAABAnAAAQJwAAAAAAAAAAAAAAAAAAAAAAAAAAAAAAAAAAAAAAAAAAAAAUAAAAAAAAAMDA/wAAAAAAZAAAADIAAAAAAAAAZAAAAAAAAAB/f38ACgAAACIAAAAYAAAAAAAAAAAAAAAAAAAAAAAAAAAAAAAAAAAAJAAAACQAAAAAAAAABwAAAAAAAAAAAAAAAAAAAAAAAAAAAAAAAAAAAH9/fwAlAAAAWAAAAAAAAAAAAAAAAAAAAAAAAAAAAAAAAAAAAAAAAAAAAAAAAAAAAAAAAAAAAAAAPwAAAAAAAACghgEAAAAAAAAAAAAAAAAADAAAAAEAAAAAAAAAAAAAAAAAAAAfAAAAVAAAAERyxAX///8BAAAAAAAAAAAAAAAAAAAAAAAAAAAAAAAAAAAAAAAAAAAAAAACf39/AOfm5gPMzMwAwMD/AH9/fwAAAAAAAAAAAAAAAAD///8AAAAAACEAAAAYAAAAFAAAAJINAADECQAAZzIAAGwgAAAQAAAAJgAAAAgAAAABgwAAAAAAAA=="/>
               </a:ext>
             </a:extLst>
           </p:cNvPicPr>
@@ -6140,7 +6140,7 @@
           <p:cNvSpPr>
             <a:extLst>
               <a:ext uri="smNativeData">
-                <pr:smNativeData xmlns:pr="smNativeData" xmlns="smNativeData" val="SMDATA_15_u1g6ZxMAAAAlAAAAZQAAAA0AAAAAkAAAAEgAAACQAAAASAAAAAAAAAABAAAAAAAAAAEAAABQAAAAf2q8dJMYxD8AAAAAAADwvwAAAAAAAOA/AAAAAAAA4D8AAAAAAADgPwAAAAAAAOA/AAAAAAAA4D8AAAAAAADgPwAAAAAAAOA/AAAAAAAA4D8CAAAAjAAAAAAAAAAAAAAARHLEDP///wgAAAAAAAAAAAAAAAAAAAAAAAAAAAAAAAAAAAAAZAAAAAEAAABAAAAAAAAAAAAAAAAAAAAAAAAAAAAAAAAAAAAAAAAAAAAAAAAAAAAAAAAAAAAAAAAAAAAAAAAAAAAAAAAAAAAAAAAAAAAAAAAAAAAAAAAAAAAAAAAAAAAAFAAAADwAAAABAAAAAAAAAB4yVwAUAAAAAQAAABQAAAAUAAAAFAAAAAEAAAAAAAAAZAAAAGQAAAAAAAAAZAAAAGQAAAAVAAAAYAAAAAAAAAAAAAAADwAAACADAAAAAAAAAAAAAAEAAACgMgAAVgcAAKr4//8BAAAAf39/AAEAAABkAAAAAAAAABQAAABAHwAAAAAAACYAAAAAAAAAwOD//wAAAAAmAAAAZAAAABYAAABMAAAAAAAAAAAAAAAEAAAAAAAAAAEAAADn5uYKAAAAACgAAAAoAAAAZAAAAGQAAAAAAAAAzMzMAAAAAABQAAAAUAAAAGQAAABkAAAAAAAAABcAAAAUAAAAAAAAAAAAAAD/fwAA/38AAAAAAAAJAAAABAAAAAAAAAAeAAAAaAAAAAAAAAAAAAAAAAAAAAAAAAAAAAAAECcAABAnAAAAAAAAAAAAAAAAAAAAAAAAAAAAAAAAAAAAAAAAAAAAABQAAAAAAAAAwMD/AAAAAABkAAAAMgAAAAAAAABkAAAAAAAAAH9/fwAKAAAAIgAAABgAAAAAAAAAAAAAAAAAAAAAAAAAAAAAAAAAAAAkAAAAJAAAAAAAAAAHAAAAAAAAAAAAAAAAAAAAAAAAAAAAAAAAAAAAf39/ACUAAABYAAAAAAAAAAAAAAAAAAAAAAAAAAAAAAAAAAAAAAAAAAAAAAAAAAAAAAAAAAAAAAA/AAAAAAAAAKCGAQAAAAAAAAAAAAAAAAAMAAAAAQAAAAAAAAAAAAAAAAAAAB8AAABUAAAARHLEBf///wEAAAAAAAAAAAAAAAAAAAAAAAAAAAAAAAAAAAAAAAAAAB4yVwB/f38A5+bmA8zMzADAwP8Af39/AAAAAAAAAAAAAAAAAAAAAAAAAAAAIQAAABgAAAAUAAAAwRQAABECAACPLAAAoScAABAAAAAmAAAACAAAAP//////////"/>
+                <pr:smNativeData xmlns:pr="smNativeData" xmlns="smNativeData" val="SMDATA_15_/1o6ZxMAAAAlAAAAZQAAAA0AAAAAkAAAAEgAAACQAAAASAAAAAAAAAABAAAAAAAAAAEAAABQAAAAf2q8dJMYxD8AAAAAAADwvwAAAAAAAOA/AAAAAAAA4D8AAAAAAADgPwAAAAAAAOA/AAAAAAAA4D8AAAAAAADgPwAAAAAAAOA/AAAAAAAA4D8CAAAAjAAAAAAAAAAAAAAARHLEDP///wgAAAAAAAAAAAAAAAAAAAAAAAAAAAAAAAAAAAAAZAAAAAEAAABAAAAAAAAAAAAAAAAAAAAAAAAAAAAAAAAAAAAAAAAAAAAAAAAAAAAAAAAAAAAAAAAAAAAAAAAAAAAAAAAAAAAAAAAAAAAAAAAAAAAAAAAAAAAAAAAAAAAAFAAAADwAAAABAAAAAAAAAB4yVwAUAAAAAQAAABQAAAAUAAAAFAAAAAEAAAAAAAAAZAAAAGQAAAAAAAAAZAAAAGQAAAAVAAAAYAAAAAAAAAAAAAAADwAAACADAAAAAAAAAAAAAAEAAACgMgAAVgcAAKr4//8BAAAAf39/AAEAAABkAAAAAAAAABQAAABAHwAAAAAAACYAAAAAAAAAwOD//wAAAAAmAAAAZAAAABYAAABMAAAAAAAAAAAAAAAEAAAAAAAAAAEAAADn5uYKAAAAACgAAAAoAAAAZAAAAGQAAAAAAAAAzMzMAAAAAABQAAAAUAAAAGQAAABkAAAAAAAAABcAAAAUAAAAAAAAAAAAAAD/fwAA/38AAAAAAAAJAAAABAAAAAAAAAAeAAAAaAAAAAAAAAAAAAAAAAAAAAAAAAAAAAAAECcAABAnAAAAAAAAAAAAAAAAAAAAAAAAAAAAAAAAAAAAAAAAAAAAABQAAAAAAAAAwMD/AAAAAABkAAAAMgAAAAAAAABkAAAAAAAAAH9/fwAKAAAAIgAAABgAAAAAAAAAAAAAAAAAAAAAAAAAAAAAAAAAAAAkAAAAJAAAAAAAAAAHAAAAAAAAAAAAAAAAAAAAAAAAAAAAAAAAAAAAf39/ACUAAABYAAAAAAAAAAAAAAAAAAAAAAAAAAAAAAAAAAAAAAAAAAAAAAAAAAAAAAAAAAAAAAA/AAAAAAAAAKCGAQAAAAAAAAAAAAAAAAAMAAAAAQAAAAAAAAAAAAAAAAAAAB8AAABUAAAARHLEBf///wEAAAAAAAAAAAAAAAAAAAAAAAAAAAAAAAAAAAAAAAAAAB4yVwB/f38A5+bmA8zMzADAwP8Af39/AAAAAAAAAAAAAAAAAAAAAAAAAAAAIQAAABgAAAAUAAAAwRQAABECAACPLAAAoScAABAAAAAmAAAACAAAAP//////////"/>
               </a:ext>
             </a:extLst>
           </p:cNvSpPr>
@@ -6186,61 +6186,11 @@
       </p:sp>
       <p:sp>
         <p:nvSpPr>
-          <p:cNvPr id="3" name="AutoForm2"/>
-          <p:cNvSpPr>
-            <a:extLst>
-              <a:ext uri="smNativeData">
-                <pr:smNativeData xmlns:pr="smNativeData" xmlns="smNativeData" val="SMDATA_15_u1g6ZxMAAAAlAAAAZQAAAA0AAAAAkAAAAEgAAACQAAAASAAAAAAAAAABAAAAAAAAAAEAAABQAAAALUMc6+I2yj8AAAAAAADwvwAAAAAAAOA/AAAAAAAA4D8AAAAAAADgPwAAAAAAAOA/AAAAAAAA4D8AAAAAAADgPwAAAAAAAOA/AAAAAAAA4D8CAAAAjAAAAAAAAAAAAAAARHLEDP///wgAAAAAAAAAAAAAAAAAAAAAAAAAAAAAAAAAAAAAZAAAAAEAAABAAAAAAAAAAAAAAAAAAAAAAAAAAAAAAAAAAAAAAAAAAAAAAAAAAAAAAAAAAAAAAAAAAAAAAAAAAAAAAAAAAAAAAAAAAAAAAAAAAAAAAAAAAAAAAAAAAAAAFAAAADwAAAABAAAAAAAAAB4yVwAUAAAAAQAAABQAAAAUAAAAFAAAAAEAAAAAAAAAZAAAAGQAAAAAAAAAZAAAAGQAAAAVAAAAYAAAAAAAAAAAAAAADwAAACADAAAAAAAAAAAAAAEAAACgMgAAVgcAAKr4//8BAAAAf39/AAEAAABkAAAAAAAAABQAAABAHwAAAAAAACYAAAAAAAAAwOD//wAAAAAmAAAAZAAAABYAAABMAAAAAAAAAAAAAAAEAAAAAAAAAAEAAADn5uYKAAAAACgAAAAoAAAAZAAAAGQAAAAAAAAAzMzMAAAAAABQAAAAUAAAAGQAAABkAAAAAAAAABcAAAAUAAAAAAAAAAAAAAD/fwAA/38AAAAAAAAJAAAABAAAAAAAAAAeAAAAaAAAAAAAAAAAAAAAAAAAAAAAAAAAAAAAECcAABAnAAAAAAAAAAAAAAAAAAAAAAAAAAAAAAAAAAAAAAAAAAAAABQAAAAAAAAAwMD/AAAAAABkAAAAMgAAAAAAAABkAAAAAAAAAH9/fwAKAAAAIgAAABgAAAAAAAAAAAAAAAAAAAAAAAAAAAAAAAAAAAAkAAAAJAAAAAAAAAAHAAAAAAAAAAAAAAAAAAAAAAAAAAAAAAAAAAAAf39/ACUAAABYAAAAAAAAAAAAAAAAAAAAAAAAAAAAAAAAAAAAAAAAAAAAAAAAAAAAAAAAAAAAAAA/AAAAAAAAAKCGAQAAAAAAAAAAAAAAAAAMAAAAAQAAAAAAAAAAAAAAAAAAAB8AAABUAAAARHLEBf///wEAAAAAAAAAAAAAAAAAAAAAAAAAAAAAAAAAAAAAAAAAAB4yVwB/f38A5+bmA8zMzADAwP8Af39/AAAAAAAAAAAAAAAAAAAAAAAAAAAAIQAAABgAAAAUAAAAMBUAACYHAAA8LAAA7A0AABAAAAAmAAAACAAAAP//////////"/>
-              </a:ext>
-            </a:extLst>
-          </p:cNvSpPr>
-          <p:nvPr/>
-        </p:nvSpPr>
-        <p:spPr>
-          <a:xfrm>
-            <a:off x="3444240" y="1162050"/>
-            <a:ext cx="3746500" cy="1101090"/>
-          </a:xfrm>
-          <a:prstGeom prst="roundRect">
-            <a:avLst>
-              <a:gd name="adj" fmla="val 10240"/>
-            </a:avLst>
-          </a:prstGeom>
-          <a:noFill/>
-          <a:ln w="12700" cap="flat" cmpd="sng" algn="ctr">
-            <a:solidFill>
-              <a:srgbClr val="1E3257"/>
-            </a:solidFill>
-            <a:prstDash val="solid"/>
-            <a:headEnd type="none"/>
-            <a:tailEnd type="none"/>
-          </a:ln>
-          <a:effectLst/>
-        </p:spPr>
-        <p:txBody>
-          <a:bodyPr vert="horz" wrap="square" lIns="91440" tIns="45720" rIns="91440" bIns="45720" numCol="1" spcCol="215900" anchor="ctr"/>
-          <a:lstStyle/>
-          <a:p>
-            <a:pPr algn="ctr">
-              <a:defRPr lang="de-de" cap="none">
-                <a:solidFill>
-                  <a:srgbClr val="FFFFFF"/>
-                </a:solidFill>
-                <a:latin typeface="Calibri" pitchFamily="2" charset="0"/>
-                <a:ea typeface="Calibri" pitchFamily="2" charset="0"/>
-                <a:cs typeface="Calibri" pitchFamily="2" charset="0"/>
-              </a:defRPr>
-            </a:pPr>
-          </a:p>
-        </p:txBody>
-      </p:sp>
-      <p:sp>
-        <p:nvSpPr>
-          <p:cNvPr id="4" name="Textbox1"/>
+          <p:cNvPr id="3" name="Textbox1"/>
           <p:cNvSpPr txBox="1">
             <a:extLst>
               <a:ext uri="smNativeData">
-                <pr:smNativeData xmlns:pr="smNativeData" xmlns="smNativeData" val="SMDATA_15_u1g6ZxMAAAAlAAAAEgAAAE8BAAAAkAAAAEgAAACQAAAASAAAAAAAAAAAAAAAAAAAAAEAAABQAAAAAAAAAAAA4D8AAAAAAADgPwAAAAAAAOA/AAAAAAAA4D8AAAAAAADgPwAAAAAAAOA/AAAAAAAA4D8AAAAAAADgPwAAAAAAAOA/AAAAAAAA4D8CAAAAjAAAAAAAAAAAAAAARHLEDP///wgAAAAAAAAAAAAAAAAAAAAAAAAAAAAAAAAAAAAAZAAAAAEAAABAAAAAAAAAAAAAAAAAAAAAAAAAAAAAAAAAAAAAAAAAAAAAAAAAAAAAAAAAAAAAAAAAAAAAAAAAAAAAAAAAAAAAAAAAAAAAAAAAAAAAAAAAAAAAAAAAAAAAFAAAADwAAAAAAAAAAAAAAAAAAAkUAAAAAQAAABQAAAAUAAAAFAAAAAEAAAAAAAAAZAAAAGQAAAAAAAAAZAAAAGQAAAAVAAAAYAAAAAAAAAAAAAAADwAAACADAAAAAAAAAAAAAAEAAACgMgAAVgcAAKr4//8BAAAAf39/AAEAAABkAAAAAAAAABQAAABAHwAAAAAAACYAAAAAAAAAwOD//wAAAAAmAAAAZAAAABYAAABMAAAAAAAAAAAAAAAEAAAAAAAAAAEAAADn5uYKAAAAACgAAAAoAAAAZAAAAGQAAAAAAAAAzMzMAAAAAABQAAAAUAAAAGQAAABkAAAAAAAAABcAAAAUAAAAAAAAANwIAAD/fwAA/38AAAAAAAAJAAAABAAAAAAAAAAeAAAAaAAAAAAAAAAAAAAAAAAAAAAAAAAAAAAAECcAABAnAAAAAAAAAAAAAAAAAAAAAAAAAAAAAAAAAAAAAAAAAAAAABQAAAAAAAAAwMD/AAAAAABkAAAAMgAAAAAAAABkAAAAAAAAAH9/fwAKAAAAIgAAABgAAAAAAAAAAAAAAAAAAAAAAAAAAAAAAAAAAAAkAAAAJAAAAAAAAAAHAAAAAAAAAAAAAAAAAAAAAAAAAAAAAAAAAAAAf39/ACUAAABYAAAAAAAAAAAAAAAAAAAAAAAAAAAAAAAAAAAAAAAAAAAAAAAAAAAAAAAAAAAAAAA/AAAAAAAAAKCGAQAAAAAAAAAAAAAAAAAMAAAAAQAAAAAAAAAAAAAAAAAAAB8AAABUAAAARHLEBf///wEAAAAAAAAAAAAAAAAAAAAAAAAAAAAAAAAAAAAAAAAAAAAAAAJ/f38A5+bmA8zMzADAwP8Af39/AAAAAAAAAAAAAAAAAAAAAAAAAAAAIQAAABgAAAAUAAAAaxUAAEYHAABHHgAAhgkAAAAgAAAmAAAACAAAAP//////////"/>
+                <pr:smNativeData xmlns:pr="smNativeData" xmlns="smNativeData" val="SMDATA_15_/1o6ZxMAAAAlAAAAEgAAAE8BAAAAkAAAAEgAAACQAAAASAAAAAAAAAAAAAAAAAAAAAEAAABQAAAAAAAAAAAA4D8AAAAAAADgPwAAAAAAAOA/AAAAAAAA4D8AAAAAAADgPwAAAAAAAOA/AAAAAAAA4D8AAAAAAADgPwAAAAAAAOA/AAAAAAAA4D8CAAAAjAAAAAAAAAAAAAAARHLEDP///wgAAAAAAAAAAAAAAAAAAAAAAAAAAAAAAAAAAAAAZAAAAAEAAABAAAAAAAAAAAAAAAAAAAAAAAAAAAAAAAAAAAAAAAAAAAAAAAAAAAAAAAAAAAAAAAAAAAAAAAAAAAAAAAAAAAAAAAAAAAAAAAAAAAAAAAAAAAAAAAAAAAAAFAAAADwAAAAAAAAAAAAAAAAAAAkUAAAAAQAAABQAAAAUAAAAFAAAAAEAAAAAAAAAZAAAAGQAAAAAAAAAZAAAAGQAAAAVAAAAYAAAAAAAAAAAAAAADwAAACADAAAAAAAAAAAAAAEAAACgMgAAVgcAAKr4//8BAAAAf39/AAEAAABkAAAAAAAAABQAAABAHwAAAAAAACYAAAAAAAAAwOD//wAAAAAmAAAAZAAAABYAAABMAAAAAAAAAAAAAAAEAAAAAAAAAAEAAADn5uYKAAAAACgAAAAoAAAAZAAAAGQAAAAAAAAAzMzMAAAAAABQAAAAUAAAAGQAAABkAAAAAAAAABcAAAAUAAAAAAAAANwIAAD/fwAA/38AAAAAAAAJAAAABAAAAAAAAAAeAAAAaAAAAAAAAAAAAAAAAAAAAAAAAAAAAAAAECcAABAnAAAAAAAAAAAAAAAAAAAAAAAAAAAAAAAAAAAAAAAAAAAAABQAAAAAAAAAwMD/AAAAAABkAAAAMgAAAAAAAABkAAAAAAAAAH9/fwAKAAAAIgAAABgAAAAAAAAAAAAAAAAAAAAAAAAAAAAAAAAAAAAkAAAAJAAAAAAAAAAHAAAAAAAAAAAAAAAAAAAAAAAAAAAAAAAAAAAAf39/ACUAAABYAAAAAAAAAAAAAAAAAAAAAAAAAAAAAAAAAAAAAAAAAAAAAAAAAAAAAAAAAAAAAAA/AAAAAAAAAKCGAQAAAAAAAAAAAAAAAAAMAAAAAQAAAAAAAAAAAAAAAAAAAB8AAABUAAAARHLEBf///wEAAAAAAAAAAAAAAAAAAAAAAAAAAAAAAAAAAAAAAAAAAAAAAAJ/f38A5+bmA8zMzADAwP8Af39/AAAAAAAAAAAAAAAAAAAAAAAAAAAAIQAAABgAAAAUAAAAaxUAAEYHAABHHgAAhgkAAAAgAAAmAAAACAAAAP//////////"/>
               </a:ext>
             </a:extLst>
           </p:cNvSpPr>
@@ -6275,11 +6225,11 @@
       </p:sp>
       <p:sp>
         <p:nvSpPr>
-          <p:cNvPr id="5" name="Textbox2"/>
+          <p:cNvPr id="4" name="Textbox2"/>
           <p:cNvSpPr txBox="1">
             <a:extLst>
               <a:ext uri="smNativeData">
-                <pr:smNativeData xmlns:pr="smNativeData" xmlns="smNativeData" val="SMDATA_15_u1g6ZxMAAAAlAAAAEgAAAE8BAAAAkAAAAEgAAACQAAAASAAAAAAAAAAAAAAAAAAAAAEAAABQAAAAAAAAAAAA4D8AAAAAAADgPwAAAAAAAOA/AAAAAAAA4D8AAAAAAADgPwAAAAAAAOA/AAAAAAAA4D8AAAAAAADgPwAAAAAAAOA/AAAAAAAA4D8CAAAAjAAAAAAAAAAAAAAARHLEDP///wgAAAAAAAAAAAAAAAAAAAAAAAAAAAAAAAAAAAAAZAAAAAEAAABAAAAAAAAAAAAAAAAAAAAAAAAAAAAAAAAAAAAAAAAAAAAAAAAAAAAAAAAAAAAAAAAAAAAAAAAAAAAAAAAAAAAAAAAAAAAAAAAAAAAAAAAAAAAAAAAAAAAAFAAAADwAAAAAAAAAAAAAAAAAAAkUAAAAAQAAABQAAAAUAAAAFAAAAAEAAAAAAAAAZAAAAGQAAAAAAAAAZAAAAGQAAAAVAAAAYAAAAAAAAAAAAAAADwAAACADAAAAAAAAAAAAAAEAAACgMgAAVgcAAKr4//8BAAAAf39/AAEAAABkAAAAAAAAABQAAABAHwAAAAAAACYAAAAAAAAAwOD//wAAAAAmAAAAZAAAABYAAABMAAAAAAAAAAAAAAAEAAAAAAAAAAEAAADn5uYKAAAAACgAAAAoAAAAZAAAAGQAAAAAAAAAzMzMAAAAAABQAAAAUAAAAGQAAABkAAAAAAAAABcAAAAUAAAAAAAAANwIAAD/fwAA/38AAAAAAAAJAAAABAAAAAAAAAAeAAAAaAAAAAAAAAAAAAAAAAAAAAAAAAAAAAAAECcAABAnAAAAAAAAAAAAAAAAAAAAAAAAAAAAAAAAAAAAAAAAAAAAABQAAAAAAAAAwMD/AAAAAABkAAAAMgAAAAAAAABkAAAAAAAAAH9/fwAKAAAAIgAAABgAAAAAAAAAAAAAAAAAAAAAAAAAAAAAAAAAAAAkAAAAJAAAAAAAAAAHAAAAAAAAAAAAAAAAAAAAAAAAAAAAAAAAAAAAf39/ACUAAABYAAAAAAAAAAAAAAAAAAAAAAAAAAAAAAAAAAAAAAAAAAAAAAAAAAAAAAAAAAAAAAA/AAAAAAAAAKCGAQAAAAAAAAAAAAAAAAAMAAAAAQAAAAAAAAAAAAAAAAAAAB8AAABUAAAARHLEBf///wEAAAAAAAAAAAAAAAAAAAAAAAAAAAAAAAAAAAAAAAAAAAAAAAJ/f38A5+bmA8zMzADAwP8Af39/AAAAAAAAAAAAAAAAAAAAAAAAAAAAIQAAABgAAAAUAAAAWCMAADgHAAA0LAAAeAkAAAAgAAAmAAAACAAAAP//////////"/>
+                <pr:smNativeData xmlns:pr="smNativeData" xmlns="smNativeData" val="SMDATA_15_/1o6ZxMAAAAlAAAAEgAAAE8BAAAAkAAAAEgAAACQAAAASAAAAAAAAAAAAAAAAAAAAAEAAABQAAAAAAAAAAAA4D8AAAAAAADgPwAAAAAAAOA/AAAAAAAA4D8AAAAAAADgPwAAAAAAAOA/AAAAAAAA4D8AAAAAAADgPwAAAAAAAOA/AAAAAAAA4D8CAAAAjAAAAAAAAAAAAAAARHLEDP///wgAAAAAAAAAAAAAAAAAAAAAAAAAAAAAAAAAAAAAZAAAAAEAAABAAAAAAAAAAAAAAAAAAAAAAAAAAAAAAAAAAAAAAAAAAAAAAAAAAAAAAAAAAAAAAAAAAAAAAAAAAAAAAAAAAAAAAAAAAAAAAAAAAAAAAAAAAAAAAAAAAAAAFAAAADwAAAAAAAAAAAAAAAAAAAkUAAAAAQAAABQAAAAUAAAAFAAAAAEAAAAAAAAAZAAAAGQAAAAAAAAAZAAAAGQAAAAVAAAAYAAAAAAAAAAAAAAADwAAACADAAAAAAAAAAAAAAEAAACgMgAAVgcAAKr4//8BAAAAf39/AAEAAABkAAAAAAAAABQAAABAHwAAAAAAACYAAAAAAAAAwOD//wAAAAAmAAAAZAAAABYAAABMAAAAAAAAAAAAAAAEAAAAAAAAAAEAAADn5uYKAAAAACgAAAAoAAAAZAAAAGQAAAAAAAAAzMzMAAAAAABQAAAAUAAAAGQAAABkAAAAAAAAABcAAAAUAAAAAAAAANwIAAD/fwAA/38AAAAAAAAJAAAABAAAAAAAAAAeAAAAaAAAAAAAAAAAAAAAAAAAAAAAAAAAAAAAECcAABAnAAAAAAAAAAAAAAAAAAAAAAAAAAAAAAAAAAAAAAAAAAAAABQAAAAAAAAAwMD/AAAAAABkAAAAMgAAAAAAAABkAAAAAAAAAH9/fwAKAAAAIgAAABgAAAAAAAAAAAAAAAAAAAAAAAAAAAAAAAAAAAAkAAAAJAAAAAAAAAAHAAAAAAAAAAAAAAAAAAAAAAAAAAAAAAAAAAAAf39/ACUAAABYAAAAAAAAAAAAAAAAAAAAAAAAAAAAAAAAAAAAAAAAAAAAAAAAAAAAAAAAAAAAAAA/AAAAAAAAAKCGAQAAAAAAAAAAAAAAAAAMAAAAAQAAAAAAAAAAAAAAAAAAAB8AAABUAAAARHLEBf///wEAAAAAAAAAAAAAAAAAAAAAAAAAAAAAAAAAAAAAAAAAAAAAAAJ/f38A5+bmA8zMzADAwP8Af39/AAAAAAAAAAAAAAAAAAAAAAAAAAAAIQAAABgAAAAUAAAAWCMAADgHAAA0LAAAeAkAAAAgAAAmAAAACAAAAP//////////"/>
               </a:ext>
             </a:extLst>
           </p:cNvSpPr>
@@ -6314,11 +6264,11 @@
       </p:sp>
       <p:sp>
         <p:nvSpPr>
-          <p:cNvPr id="6" name="AutoForm3"/>
-          <p:cNvSpPr>
-            <a:extLst>
-              <a:ext uri="smNativeData">
-                <pr:smNativeData xmlns:pr="smNativeData" xmlns="smNativeData" val="SMDATA_15_u1g6ZxMAAAAlAAAAZQAAAA0AAAAAkAAAAEgAAACQAAAASAAAAAAAAAABAAAAAAAAAAEAAABQAAAAhbacS3FV1T8AAAAAAADwvwAAAAAAAOA/AAAAAAAA4D8AAAAAAADgPwAAAAAAAOA/AAAAAAAA4D8AAAAAAADgPwAAAAAAAOA/AAAAAAAA4D8CAAAAjAAAAAEAAAAAAAAAqdCOAP///wgAAAAAAAAAAAAAAAAAAAAAAAAAAAAAAAAAAAAAZAAAAAEAAABAAAAAAAAAAAAAAAAAAAAAAAAAAAAAAAAAAAAAAAAAAAAAAAAAAAAAAAAAAAAAAAAAAAAAAAAAAAAAAAAAAAAAAAAAAAAAAAAAAAAAAAAAAAAAAAAAAAAAFAAAADwAAAABAAAAAAAAAB4yVwAUAAAAAQAAABQAAAAUAAAAFAAAAAEAAAAAAAAAZAAAAGQAAAAAAAAAZAAAAGQAAAAVAAAAYAAAAAAAAAAAAAAADwAAACADAAAAAAAAAAAAAAEAAACgMgAAVgcAAKr4//8BAAAAf39/AAEAAABkAAAAAAAAABQAAABAHwAAAAAAACYAAAAAAAAAwOD//wAAAAAmAAAAZAAAABYAAABMAAAAAAAAAAAAAAAEAAAAAAAAAAEAAADn5uYKAAAAACgAAAAoAAAAZAAAAGQAAAAAAAAAzMzMAAAAAABQAAAAUAAAAGQAAABkAAAAAAAAABcAAAAUAAAAAAAAAAAAAAD/fwAA/38AAAAAAAAJAAAABAAAAF8AYAAeAAAAaAAAAAAAAAAAAAAAAAAAAAAAAAAAAAAAECcAABAnAAAAAAAAAAAAAAAAAAAAAAAAAAAAAAAAAAAAAAAAAAAAABQAAAAAAAAAwMD/AAAAAABkAAAAMgAAAAAAAABkAAAAAAAAAH9/fwAKAAAAIgAAABgAAAAAAAAAAAAAAAAAAAAAAAAAAAAAAAAAAAAkAAAAJAAAAAAAAAAHAAAAAAAAAAAAAAAAAAAAAAAAAAAAAAAAAAAAf39/ACUAAABYAAAAAAAAAAAAAAAAAAAAAAAAAAAAAAAAAAAAAAAAAAAAAAAAAAAAAAAAAAAAAAA/AAAAAAAAAKCGAQAAAAAAAAAAAAAAAAAMAAAAAQAAAAAAAAAAAAAAAAAAAB8AAABUAAAAqdCOAP///wEAAAAAAAAAAAAAAAAAAAAAAAAAAAAAAAAAAAAAAAAAAB4yVwB/f38A5+bmA8zMzADAwP8Af39/AAAAAAAAAAAAAAAAAAAAAAAAAAAAIQAAABgAAAAUAAAAkBUAADkKAACMGQAAXw0AAAAAAAAmAAAACAAAAP//////////"/>
+          <p:cNvPr id="5" name="AutoForm3"/>
+          <p:cNvSpPr>
+            <a:extLst>
+              <a:ext uri="smNativeData">
+                <pr:smNativeData xmlns:pr="smNativeData" xmlns="smNativeData" val="SMDATA_15_/1o6ZxMAAAAlAAAAZQAAAA0AAAAAkAAAAEgAAACQAAAASAAAAAAAAAABAAAAAAAAAAEAAABQAAAAhbacS3FV1T8AAAAAAADwvwAAAAAAAOA/AAAAAAAA4D8AAAAAAADgPwAAAAAAAOA/AAAAAAAA4D8AAAAAAADgPwAAAAAAAOA/AAAAAAAA4D8CAAAAjAAAAAEAAAAAAAAAqdCOAP///wgAAAAAAAAAAAAAAAAAAAAAAAAAAAAAAAAAAAAAZAAAAAEAAABAAAAAAAAAAAAAAAAAAAAAAAAAAAAAAAAAAAAAAAAAAAAAAAAAAAAAAAAAAAAAAAAAAAAAAAAAAAAAAAAAAAAAAAAAAAAAAAAAAAAAAAAAAAAAAAAAAAAAFAAAADwAAAABAAAAAAAAAB4yVwAUAAAAAQAAABQAAAAUAAAAFAAAAAEAAAAAAAAAZAAAAGQAAAAAAAAAZAAAAGQAAAAVAAAAYAAAAAAAAAAAAAAADwAAACADAAAAAAAAAAAAAAEAAACgMgAAVgcAAKr4//8BAAAAf39/AAEAAABkAAAAAAAAABQAAABAHwAAAAAAACYAAAAAAAAAwOD//wAAAAAmAAAAZAAAABYAAABMAAAAAAAAAAAAAAAEAAAAAAAAAAEAAADn5uYKAAAAACgAAAAoAAAAZAAAAGQAAAAAAAAAzMzMAAAAAABQAAAAUAAAAGQAAABkAAAAAAAAABcAAAAUAAAAAAAAAAAAAAD/fwAA/38AAAAAAAAJAAAABAAAAF8AYAAeAAAAaAAAAAAAAAAAAAAAAAAAAAAAAAAAAAAAECcAABAnAAAAAAAAAAAAAAAAAAAAAAAAAAAAAAAAAAAAAAAAAAAAABQAAAAAAAAAwMD/AAAAAABkAAAAMgAAAAAAAABkAAAAAAAAAH9/fwAKAAAAIgAAABgAAAAAAAAAAAAAAAAAAAAAAAAAAAAAAAAAAAAkAAAAJAAAAAAAAAAHAAAAAAAAAAAAAAAAAAAAAAAAAAAAAAAAAAAAf39/ACUAAABYAAAAAAAAAAAAAAAAAAAAAAAAAAAAAAAAAAAAAAAAAAAAAAAAAAAAAAAAAAAAAAA/AAAAAAAAAKCGAQAAAAAAAAAAAAAAAAAMAAAAAQAAAAAAAAAAAAAAAAAAAB8AAABUAAAAqdCOAP///wEAAAAAAAAAAAAAAAAAAAAAAAAAAAAAAAAAAAAAAAAAAB4yVwB/f38A5+bmA8zMzADAwP8Af39/AAAAAAAAAAAAAAAAAAAAAAAAAAAAIQAAABgAAAAUAAAAkBUAADkKAACMGQAAXw0AAAAAAAAmAAAACAAAAP//////////"/>
               </a:ext>
             </a:extLst>
           </p:cNvSpPr>
@@ -6366,11 +6316,11 @@
       </p:sp>
       <p:sp>
         <p:nvSpPr>
-          <p:cNvPr id="7" name="AutoForm4"/>
-          <p:cNvSpPr>
-            <a:extLst>
-              <a:ext uri="smNativeData">
-                <pr:smNativeData xmlns:pr="smNativeData" xmlns="smNativeData" val="SMDATA_15_u1g6ZxMAAAAlAAAAZQAAAA0AAAAAkAAAAEgAAACQAAAASAAAAAAAAAABAAAAAAAAAAEAAABQAAAAhbacS3FV1T8AAAAAAADwvwAAAAAAAOA/AAAAAAAA4D8AAAAAAADgPwAAAAAAAOA/AAAAAAAA4D8AAAAAAADgPwAAAAAAAOA/AAAAAAAA4D8CAAAAjAAAAAEAAAAAAAAAqdCOAP///wgAAAAAAAAAAAAAAAAAAAAAAAAAAAAAAAAAAAAAZAAAAAEAAABAAAAAAAAAAAAAAAAAAAAAAAAAAAAAAAAAAAAAAAAAAAAAAAAAAAAAAAAAAAAAAAAAAAAAAAAAAAAAAAAAAAAAAAAAAAAAAAAAAAAAAAAAAAAAAAAAAAAAFAAAADwAAAABAAAAAAAAAB4yVwAUAAAAAQAAABQAAAAUAAAAFAAAAAEAAAAAAAAAZAAAAGQAAAAAAAAAZAAAAGQAAAAVAAAAYAAAAAAAAAAAAAAADwAAACADAAAAAAAAAAAAAAEAAACgMgAAVgcAAKr4//8BAAAAf39/AAEAAABkAAAAAAAAABQAAABAHwAAAAAAACYAAAAAAAAAwOD//wAAAAAmAAAAZAAAABYAAABMAAAAAAAAAAAAAAAEAAAAAAAAAAEAAADn5uYKAAAAACgAAAAoAAAAZAAAAGQAAAAAAAAAzMzMAAAAAABQAAAAUAAAAGQAAABkAAAAAAAAABcAAAAUAAAAAAAAAAAAAAD/fwAA/38AAAAAAAAJAAAABAAAAAAAAAAeAAAAaAAAAAAAAAAAAAAAAAAAAAAAAAAAAAAAECcAABAnAAAAAAAAAAAAAAAAAAAAAAAAAAAAAAAAAAAAAAAAAAAAABQAAAAAAAAAwMD/AAAAAABkAAAAMgAAAAAAAABkAAAAAAAAAH9/fwAKAAAAIgAAABgAAAAAAAAAAAAAAAAAAAAAAAAAAAAAAAAAAAAkAAAAJAAAAAAAAAAHAAAAAAAAAAAAAAAAAAAAAAAAAAAAAAAAAAAAf39/ACUAAABYAAAAAAAAAAAAAAAAAAAAAAAAAAAAAAAAAAAAAAAAAAAAAAAAAAAAAAAAAAAAAAA/AAAAAAAAAKCGAQAAAAAAAAAAAAAAAAAMAAAAAQAAAAAAAAAAAAAAAAAAAB8AAABUAAAAqdCOAP///wEAAAAAAAAAAAAAAAAAAAAAAAAAAAAAAAAAAAAAAAAAAB4yVwB/f38A5+bmA8zMzADAwP8Af39/AAAAAAAAAAAAAAAAAAAAAAAAAAAAIQAAABgAAAAUAAAAAhoAACIKAAD+HQAASA0AAAAAAAAmAAAACAAAAP//////////"/>
+          <p:cNvPr id="6" name="AutoForm4"/>
+          <p:cNvSpPr>
+            <a:extLst>
+              <a:ext uri="smNativeData">
+                <pr:smNativeData xmlns:pr="smNativeData" xmlns="smNativeData" val="SMDATA_15_/1o6ZxMAAAAlAAAAZQAAAA0AAAAAkAAAAEgAAACQAAAASAAAAAAAAAABAAAAAAAAAAEAAABQAAAAhbacS3FV1T8AAAAAAADwvwAAAAAAAOA/AAAAAAAA4D8AAAAAAADgPwAAAAAAAOA/AAAAAAAA4D8AAAAAAADgPwAAAAAAAOA/AAAAAAAA4D8CAAAAjAAAAAEAAAAAAAAAqdCOAP///wgAAAAAAAAAAAAAAAAAAAAAAAAAAAAAAAAAAAAAZAAAAAEAAABAAAAAAAAAAAAAAAAAAAAAAAAAAAAAAAAAAAAAAAAAAAAAAAAAAAAAAAAAAAAAAAAAAAAAAAAAAAAAAAAAAAAAAAAAAAAAAAAAAAAAAAAAAAAAAAAAAAAAFAAAADwAAAABAAAAAAAAAB4yVwAUAAAAAQAAABQAAAAUAAAAFAAAAAEAAAAAAAAAZAAAAGQAAAAAAAAAZAAAAGQAAAAVAAAAYAAAAAAAAAAAAAAADwAAACADAAAAAAAAAAAAAAEAAACgMgAAVgcAAKr4//8BAAAAf39/AAEAAABkAAAAAAAAABQAAABAHwAAAAAAACYAAAAAAAAAwOD//wAAAAAmAAAAZAAAABYAAABMAAAAAAAAAAAAAAAEAAAAAAAAAAEAAADn5uYKAAAAACgAAAAoAAAAZAAAAGQAAAAAAAAAzMzMAAAAAABQAAAAUAAAAGQAAABkAAAAAAAAABcAAAAUAAAAAAAAAAAAAAD/fwAA/38AAAAAAAAJAAAABAAAAAAAAAAeAAAAaAAAAAAAAAAAAAAAAAAAAAAAAAAAAAAAECcAABAnAAAAAAAAAAAAAAAAAAAAAAAAAAAAAAAAAAAAAAAAAAAAABQAAAAAAAAAwMD/AAAAAABkAAAAMgAAAAAAAABkAAAAAAAAAH9/fwAKAAAAIgAAABgAAAAAAAAAAAAAAAAAAAAAAAAAAAAAAAAAAAAkAAAAJAAAAAAAAAAHAAAAAAAAAAAAAAAAAAAAAAAAAAAAAAAAAAAAf39/ACUAAABYAAAAAAAAAAAAAAAAAAAAAAAAAAAAAAAAAAAAAAAAAAAAAAAAAAAAAAAAAAAAAAA/AAAAAAAAAKCGAQAAAAAAAAAAAAAAAAAMAAAAAQAAAAAAAAAAAAAAAAAAAB8AAABUAAAAqdCOAP///wEAAAAAAAAAAAAAAAAAAAAAAAAAAAAAAAAAAAAAAAAAAB4yVwB/f38A5+bmA8zMzADAwP8Af39/AAAAAAAAAAAAAAAAAAAAAAAAAAAAIQAAABgAAAAUAAAAAhoAACIKAAD+HQAASA0AAAAAAAAmAAAACAAAAP//////////"/>
               </a:ext>
             </a:extLst>
           </p:cNvSpPr>
@@ -6413,34 +6363,16 @@
                 <a:cs typeface="Calibri" pitchFamily="2" charset="0"/>
               </a:defRPr>
             </a:pPr>
-            <a:r>
-              <a:t>Ship</a:t>
-            </a:r>
-          </a:p>
-          <a:p>
-            <a:pPr algn="ctr">
-              <a:defRPr lang="de-de" sz="1100" cap="none">
-                <a:solidFill>
-                  <a:srgbClr val="FFFFFF"/>
-                </a:solidFill>
-                <a:latin typeface="Calibri" pitchFamily="2" charset="0"/>
-                <a:ea typeface="Calibri" pitchFamily="2" charset="0"/>
-                <a:cs typeface="Calibri" pitchFamily="2" charset="0"/>
-              </a:defRPr>
-            </a:pPr>
-            <a:r>
-              <a:t>8,4</a:t>
-            </a:r>
-          </a:p>
-        </p:txBody>
-      </p:sp>
-      <p:sp>
-        <p:nvSpPr>
-          <p:cNvPr id="8" name="AutoForm5"/>
-          <p:cNvSpPr>
-            <a:extLst>
-              <a:ext uri="smNativeData">
-                <pr:smNativeData xmlns:pr="smNativeData" xmlns="smNativeData" val="SMDATA_15_u1g6ZxMAAAAlAAAAZQAAAA0AAAAAkAAAAEgAAACQAAAASAAAAAAAAAABAAAAAAAAAAEAAABQAAAAhbacS3FV1T8AAAAAAADwvwAAAAAAAOA/AAAAAAAA4D8AAAAAAADgPwAAAAAAAOA/AAAAAAAA4D8AAAAAAADgPwAAAAAAAOA/AAAAAAAA4D8CAAAAjAAAAAEAAAAAAAAAqdCOAP///wgAAAAAAAAAAAAAAAAAAAAAAAAAAAAAAAAAAAAAZAAAAAEAAABAAAAAAAAAAAAAAAAAAAAAAAAAAAAAAAAAAAAAAAAAAAAAAAAAAAAAAAAAAAAAAAAAAAAAAAAAAAAAAAAAAAAAAAAAAAAAAAAAAAAAAAAAAAAAAAAAAAAAFAAAADwAAAABAAAAAAAAAB4yVwAUAAAAAQAAABQAAAAUAAAAFAAAAAEAAAAAAAAAZAAAAGQAAAAAAAAAZAAAAGQAAAAVAAAAYAAAAAAAAAAAAAAADwAAACADAAAAAAAAAAAAAAEAAACgMgAAVgcAAKr4//8BAAAAf39/AAEAAABkAAAAAAAAABQAAABAHwAAAAAAACYAAAAAAAAAwOD//wAAAAAmAAAAZAAAABYAAABMAAAAAAAAAAAAAAAEAAAAAAAAAAEAAADn5uYKAAAAACgAAAAoAAAAZAAAAGQAAAAAAAAAzMzMAAAAAABQAAAAUAAAAGQAAABkAAAAAAAAABcAAAAUAAAAAAAAAAAAAAD/fwAA/38AAAAAAAAJAAAABAAAAF8AYAAeAAAAaAAAAAAAAAAAAAAAAAAAAAAAAAAAAAAAECcAABAnAAAAAAAAAAAAAAAAAAAAAAAAAAAAAAAAAAAAAAAAAAAAABQAAAAAAAAAwMD/AAAAAABkAAAAMgAAAAAAAABkAAAAAAAAAH9/fwAKAAAAIgAAABgAAAAAAAAAAAAAAAAAAAAAAAAAAAAAAAAAAAAkAAAAJAAAAAAAAAAHAAAAAAAAAAAAAAAAAAAAAAAAAAAAAAAAAAAAf39/ACUAAABYAAAAAAAAAAAAAAAAAAAAAAAAAAAAAAAAAAAAAAAAAAAAAAAAAAAAAAAAAAAAAAA/AAAAAAAAAKCGAQAAAAAAAAAAAAAAAAAMAAAAAQAAAAAAAAAAAAAAAAAAAB8AAABUAAAAqdCOAP///wEAAAAAAAAAAAAAAAAAAAAAAAAAAAAAAAAAAAAAAAAAAB4yVwB/f38A5+bmA8zMzADAwP8Af39/AAAAAAAAAAAAAAAAAAAAAAAAAAAAIQAAABgAAAAUAAAARx4AACYKAABDIgAATA0AAAAAAAAmAAAACAAAAP//////////"/>
+          </a:p>
+        </p:txBody>
+      </p:sp>
+      <p:sp>
+        <p:nvSpPr>
+          <p:cNvPr id="7" name="AutoForm5"/>
+          <p:cNvSpPr>
+            <a:extLst>
+              <a:ext uri="smNativeData">
+                <pr:smNativeData xmlns:pr="smNativeData" xmlns="smNativeData" val="SMDATA_15_/1o6ZxMAAAAlAAAAZQAAAA0AAAAAkAAAAEgAAACQAAAASAAAAAAAAAABAAAAAAAAAAEAAABQAAAAhbacS3FV1T8AAAAAAADwvwAAAAAAAOA/AAAAAAAA4D8AAAAAAADgPwAAAAAAAOA/AAAAAAAA4D8AAAAAAADgPwAAAAAAAOA/AAAAAAAA4D8CAAAAjAAAAAEAAAAAAAAAqdCOAP///wgAAAAAAAAAAAAAAAAAAAAAAAAAAAAAAAAAAAAAZAAAAAEAAABAAAAAAAAAAAAAAAAAAAAAAAAAAAAAAAAAAAAAAAAAAAAAAAAAAAAAAAAAAAAAAAAAAAAAAAAAAAAAAAAAAAAAAAAAAAAAAAAAAAAAAAAAAAAAAAAAAAAAFAAAADwAAAABAAAAAAAAAB4yVwAUAAAAAQAAABQAAAAUAAAAFAAAAAEAAAAAAAAAZAAAAGQAAAAAAAAAZAAAAGQAAAAVAAAAYAAAAAAAAAAAAAAADwAAACADAAAAAAAAAAAAAAEAAACgMgAAVgcAAKr4//8BAAAAf39/AAEAAABkAAAAAAAAABQAAABAHwAAAAAAACYAAAAAAAAAwOD//wAAAAAmAAAAZAAAABYAAABMAAAAAAAAAAAAAAAEAAAAAAAAAAEAAADn5uYKAAAAACgAAAAoAAAAZAAAAGQAAAAAAAAAzMzMAAAAAABQAAAAUAAAAGQAAABkAAAAAAAAABcAAAAUAAAAAAAAAAAAAAD/fwAA/38AAAAAAAAJAAAABAAAAF8AYAAeAAAAaAAAAAAAAAAAAAAAAAAAAAAAAAAAAAAAECcAABAnAAAAAAAAAAAAAAAAAAAAAAAAAAAAAAAAAAAAAAAAAAAAABQAAAAAAAAAwMD/AAAAAABkAAAAMgAAAAAAAABkAAAAAAAAAH9/fwAKAAAAIgAAABgAAAAAAAAAAAAAAAAAAAAAAAAAAAAAAAAAAAAkAAAAJAAAAAAAAAAHAAAAAAAAAAAAAAAAAAAAAAAAAAAAAAAAAAAAf39/ACUAAABYAAAAAAAAAAAAAAAAAAAAAAAAAAAAAAAAAAAAAAAAAAAAAAAAAAAAAAAAAAAAAAA/AAAAAAAAAKCGAQAAAAAAAAAAAAAAAAAMAAAAAQAAAAAAAAAAAAAAAAAAAB8AAABUAAAAqdCOAP///wEAAAAAAAAAAAAAAAAAAAAAAAAAAAAAAAAAAAAAAAAAAB4yVwB/f38A5+bmA8zMzADAwP8Af39/AAAAAAAAAAAAAAAAAAAAAAAAAAAAIQAAABgAAAAUAAAARx4AACYKAABDIgAATA0AAAAAAAAmAAAACAAAAP//////////"/>
               </a:ext>
             </a:extLst>
           </p:cNvSpPr>
@@ -6483,34 +6415,16 @@
                 <a:cs typeface="Calibri" pitchFamily="2" charset="0"/>
               </a:defRPr>
             </a:pPr>
-            <a:r>
-              <a:t>Jet</a:t>
-            </a:r>
-          </a:p>
-          <a:p>
-            <a:pPr algn="ctr">
-              <a:defRPr lang="de-de" sz="1100" cap="none">
-                <a:solidFill>
-                  <a:srgbClr val="FFFFFF"/>
-                </a:solidFill>
-                <a:latin typeface="Calibri" pitchFamily="2" charset="0"/>
-                <a:ea typeface="Calibri" pitchFamily="2" charset="0"/>
-                <a:cs typeface="Calibri" pitchFamily="2" charset="0"/>
-              </a:defRPr>
-            </a:pPr>
-            <a:r>
-              <a:t>8,4</a:t>
-            </a:r>
-          </a:p>
-        </p:txBody>
-      </p:sp>
-      <p:sp>
-        <p:nvSpPr>
-          <p:cNvPr id="9" name="AutoForm6"/>
-          <p:cNvSpPr>
-            <a:extLst>
-              <a:ext uri="smNativeData">
-                <pr:smNativeData xmlns:pr="smNativeData" xmlns="smNativeData" val="SMDATA_15_u1g6ZxMAAAAlAAAAZQAAAA0AAAAAkAAAAEgAAACQAAAASAAAAAAAAAABAAAAAAAAAAEAAABQAAAAhbacS3FV1T8AAAAAAADwvwAAAAAAAOA/AAAAAAAA4D8AAAAAAADgPwAAAAAAAOA/AAAAAAAA4D8AAAAAAADgPwAAAAAAAOA/AAAAAAAA4D8CAAAAjAAAAAEAAAAAAAAAqdCOAP///wgAAAAAAAAAAAAAAAAAAAAAAAAAAAAAAAAAAAAAZAAAAAEAAABAAAAAAAAAAAAAAAAAAAAAAAAAAAAAAAAAAAAAAAAAAAAAAAAAAAAAAAAAAAAAAAAAAAAAAAAAAAAAAAAAAAAAAAAAAAAAAAAAAAAAAAAAAAAAAAAAAAAAFAAAADwAAAABAAAAAAAAAB4yVwAUAAAAAQAAABQAAAAUAAAAFAAAAAEAAAAAAAAAZAAAAGQAAAAAAAAAZAAAAGQAAAAVAAAAYAAAAAAAAAAAAAAADwAAACADAAAAAAAAAAAAAAEAAACgMgAAVgcAAKr4//8BAAAAf39/AAEAAABkAAAAAAAAABQAAABAHwAAAAAAACYAAAAAAAAAwOD//wAAAAAmAAAAZAAAABYAAABMAAAAAAAAAAAAAAAEAAAAAAAAAAEAAADn5uYKAAAAACgAAAAoAAAAZAAAAGQAAAAAAAAAzMzMAAAAAABQAAAAUAAAAGQAAABkAAAAAAAAABcAAAAUAAAAAAAAAAAAAAD/fwAA/38AAAAAAAAJAAAABAAAAF8AYAAeAAAAaAAAAAAAAAAAAAAAAAAAAAAAAAAAAAAAECcAABAnAAAAAAAAAAAAAAAAAAAAAAAAAAAAAAAAAAAAAAAAAAAAABQAAAAAAAAAwMD/AAAAAABkAAAAMgAAAAAAAABkAAAAAAAAAH9/fwAKAAAAIgAAABgAAAAAAAAAAAAAAAAAAAAAAAAAAAAAAAAAAAAkAAAAJAAAAAAAAAAHAAAAAAAAAAAAAAAAAAAAAAAAAAAAAAAAAAAAf39/ACUAAABYAAAAAAAAAAAAAAAAAAAAAAAAAAAAAAAAAAAAAAAAAAAAAAAAAAAAAAAAAAAAAAA/AAAAAAAAAKCGAQAAAAAAAAAAAAAAAAAMAAAAAQAAAAAAAAAAAAAAAAAAAB8AAABUAAAAqdCOAP///wEAAAAAAAAAAAAAAAAAAAAAAAAAAAAAAAAAAAAAAAAAAB4yVwB/f38A5+bmA8zMzADAwP8Af39/AAAAAAAAAAAAAAAAAAAAAAAAAAAAIQAAABgAAAAUAAAAXicAAA4KAABaKwAANA0AAAAAAAAmAAAACAAAAP//////////"/>
+          </a:p>
+        </p:txBody>
+      </p:sp>
+      <p:sp>
+        <p:nvSpPr>
+          <p:cNvPr id="8" name="AutoForm6"/>
+          <p:cNvSpPr>
+            <a:extLst>
+              <a:ext uri="smNativeData">
+                <pr:smNativeData xmlns:pr="smNativeData" xmlns="smNativeData" val="SMDATA_15_/1o6ZxMAAAAlAAAAZQAAAA0AAAAAkAAAAEgAAACQAAAASAAAAAAAAAABAAAAAAAAAAEAAABQAAAAhbacS3FV1T8AAAAAAADwvwAAAAAAAOA/AAAAAAAA4D8AAAAAAADgPwAAAAAAAOA/AAAAAAAA4D8AAAAAAADgPwAAAAAAAOA/AAAAAAAA4D8CAAAAjAAAAAEAAAAAAAAAqdCOAP///wgAAAAAAAAAAAAAAAAAAAAAAAAAAAAAAAAAAAAAZAAAAAEAAABAAAAAAAAAAAAAAAAAAAAAAAAAAAAAAAAAAAAAAAAAAAAAAAAAAAAAAAAAAAAAAAAAAAAAAAAAAAAAAAAAAAAAAAAAAAAAAAAAAAAAAAAAAAAAAAAAAAAAFAAAADwAAAABAAAAAAAAAB4yVwAUAAAAAQAAABQAAAAUAAAAFAAAAAEAAAAAAAAAZAAAAGQAAAAAAAAAZAAAAGQAAAAVAAAAYAAAAAAAAAAAAAAADwAAACADAAAAAAAAAAAAAAEAAACgMgAAVgcAAKr4//8BAAAAf39/AAEAAABkAAAAAAAAABQAAABAHwAAAAAAACYAAAAAAAAAwOD//wAAAAAmAAAAZAAAABYAAABMAAAAAAAAAAAAAAAEAAAAAAAAAAEAAADn5uYKAAAAACgAAAAoAAAAZAAAAGQAAAAAAAAAzMzMAAAAAABQAAAAUAAAAGQAAABkAAAAAAAAABcAAAAUAAAAAAAAAAAAAAD/fwAA/38AAAAAAAAJAAAABAAAAF8AYAAeAAAAaAAAAAAAAAAAAAAAAAAAAAAAAAAAAAAAECcAABAnAAAAAAAAAAAAAAAAAAAAAAAAAAAAAAAAAAAAAAAAAAAAABQAAAAAAAAAwMD/AAAAAABkAAAAMgAAAAAAAABkAAAAAAAAAH9/fwAKAAAAIgAAABgAAAAAAAAAAAAAAAAAAAAAAAAAAAAAAAAAAAAkAAAAJAAAAAAAAAAHAAAAAAAAAAAAAAAAAAAAAAAAAAAAAAAAAAAAf39/ACUAAABYAAAAAAAAAAAAAAAAAAAAAAAAAAAAAAAAAAAAAAAAAAAAAAAAAAAAAAAAAAAAAAA/AAAAAAAAAKCGAQAAAAAAAAAAAAAAAAAMAAAAAQAAAAAAAAAAAAAAAAAAAB8AAABUAAAAqdCOAP///wEAAAAAAAAAAAAAAAAAAAAAAAAAAAAAAAAAAAAAAAAAAB4yVwB/f38A5+bmA8zMzADAwP8Af39/AAAAAAAAAAAAAAAAAAAAAAAAAAAAIQAAABgAAAAUAAAAXicAAA4KAABaKwAANA0AAAAAAAAmAAAACAAAAP//////////"/>
               </a:ext>
             </a:extLst>
           </p:cNvSpPr>
@@ -6576,11 +6490,11 @@
       </p:sp>
       <p:sp>
         <p:nvSpPr>
-          <p:cNvPr id="10" name="Textbox3"/>
+          <p:cNvPr id="9" name="Textbox3"/>
           <p:cNvSpPr txBox="1">
             <a:extLst>
               <a:ext uri="smNativeData">
-                <pr:smNativeData xmlns:pr="smNativeData" xmlns="smNativeData" val="SMDATA_15_u1g6ZxMAAAAlAAAAEgAAAE8BAAAAkAAAAEgAAACQAAAASAAAAAAAAAAAAAAAAAAAAAEAAABQAAAAAAAAAAAA4D8AAAAAAADgPwAAAAAAAOA/AAAAAAAA4D8AAAAAAADgPwAAAAAAAOA/AAAAAAAA4D8AAAAAAADgPwAAAAAAAOA/AAAAAAAA4D8CAAAAjAAAAAAAAAAAAAAARHLEDP///wgAAAAAAAAAAAAAAAAAAAAAAAAAAAAAAAAAAAAAZAAAAAEAAABAAAAAAAAAAAAAAAAAAAAAAAAAAAAAAAAAAAAAAAAAAAAAAAAAAAAAAAAAAAAAAAAAAAAAAAAAAAAAAAAAAAAAAAAAAAAAAAAAAAAAAAAAAAAAAAAAAAAAFAAAADwAAAAAAAAAAAAAAAAAAAkUAAAAAQAAABQAAAAUAAAAFAAAAAEAAAAAAAAAZAAAAGQAAAAAAAAAZAAAAGQAAAAVAAAAYAAAAAAAAAAAAAAADwAAACADAAAAAAAAAAAAAAEAAACgMgAAVgcAAKr4//8BAAAAf39/AAEAAABkAAAAAAAAABQAAABAHwAAAAAAACYAAAAAAAAAwOD//wAAAAAmAAAAZAAAABYAAABMAAAAAAAAAAAAAAAEAAAAAAAAAAEAAADn5uYKAAAAACgAAAAoAAAAZAAAAGQAAAAAAAAAzMzMAAAAAABQAAAAUAAAAGQAAABkAAAAAAAAABcAAAAUAAAAAAAAANwIAAD/fwAA/38AAAAAAAAJAAAABAAAAAAAAAAeAAAAaAAAAAAAAAAAAAAAAAAAAAAAAAAAAAAAECcAABAnAAAAAAAAAAAAAAAAAAAAAAAAAAAAAAAAAAAAAAAAAAAAABQAAAAAAAAAwMD/AAAAAABkAAAAMgAAAAAAAABkAAAAAAAAAH9/fwAKAAAAIgAAABgAAAAAAAAAAAAAAAAAAAAAAAAAAAAAAAAAAAAkAAAAJAAAAAAAAAAHAAAAAAAAAAAAAAAAAAAAAAAAAAAAAAAAAAAAf39/ACUAAABYAAAAAAAAAAAAAAAAAAAAAAAAAAAAAAAAAAAAAAAAAAAAAAAAAAAAAAAAAAAAAAA/AAAAAAAAAKCGAQAAAAAAAAAAAAAAAAAMAAAAAQAAAAAAAAAAAAAAAAAAAB8AAABUAAAARHLEBf///wEAAAAAAAAAAAAAAAAAAAAAAAAAAAAAAAAAAAAAAAAAAAAAAAJ/f38A5+bmA8zMzADAwP8Af39/AAAAAAAAAAAAAAAAAAAAAAAAAAAAIQAAABgAAAAUAAAAOyIAAJgKAABXJwAA2AwAAAAgAAAmAAAACAAAAP//////////"/>
+                <pr:smNativeData xmlns:pr="smNativeData" xmlns="smNativeData" val="SMDATA_15_/1o6ZxMAAAAlAAAAEgAAAE8BAAAAkAAAAEgAAACQAAAASAAAAAAAAAAAAAAAAAAAAAEAAABQAAAAAAAAAAAA4D8AAAAAAADgPwAAAAAAAOA/AAAAAAAA4D8AAAAAAADgPwAAAAAAAOA/AAAAAAAA4D8AAAAAAADgPwAAAAAAAOA/AAAAAAAA4D8CAAAAjAAAAAAAAAAAAAAARHLEDP///wgAAAAAAAAAAAAAAAAAAAAAAAAAAAAAAAAAAAAAZAAAAAEAAABAAAAAAAAAAAAAAAAAAAAAAAAAAAAAAAAAAAAAAAAAAAAAAAAAAAAAAAAAAAAAAAAAAAAAAAAAAAAAAAAAAAAAAAAAAAAAAAAAAAAAAAAAAAAAAAAAAAAAFAAAADwAAAAAAAAAAAAAAAAAAAkUAAAAAQAAABQAAAAUAAAAFAAAAAEAAAAAAAAAZAAAAGQAAAAAAAAAZAAAAGQAAAAVAAAAYAAAAAAAAAAAAAAADwAAACADAAAAAAAAAAAAAAEAAACgMgAAVgcAAKr4//8BAAAAf39/AAEAAABkAAAAAAAAABQAAABAHwAAAAAAACYAAAAAAAAAwOD//wAAAAAmAAAAZAAAABYAAABMAAAAAAAAAAAAAAAEAAAAAAAAAAEAAADn5uYKAAAAACgAAAAoAAAAZAAAAGQAAAAAAAAAzMzMAAAAAABQAAAAUAAAAGQAAABkAAAAAAAAABcAAAAUAAAAAAAAANwIAAD/fwAA/38AAAAAAAAJAAAABAAAAAAAAAAeAAAAaAAAAAAAAAAAAAAAAAAAAAAAAAAAAAAAECcAABAnAAAAAAAAAAAAAAAAAAAAAAAAAAAAAAAAAAAAAAAAAAAAABQAAAAAAAAAwMD/AAAAAABkAAAAMgAAAAAAAABkAAAAAAAAAH9/fwAKAAAAIgAAABgAAAAAAAAAAAAAAAAAAAAAAAAAAAAAAAAAAAAkAAAAJAAAAAAAAAAHAAAAAAAAAAAAAAAAAAAAAAAAAAAAAAAAAAAAf39/ACUAAABYAAAAAAAAAAAAAAAAAAAAAAAAAAAAAAAAAAAAAAAAAAAAAAAAAAAAAAAAAAAAAAA/AAAAAAAAAKCGAQAAAAAAAAAAAAAAAAAMAAAAAQAAAAAAAAAAAAAAAAAAAB8AAABUAAAARHLEBf///wEAAAAAAAAAAAAAAAAAAAAAAAAAAAAAAAAAAAAAAAAAAAAAAAJ/f38A5+bmA8zMzADAwP8Af39/AAAAAAAAAAAAAAAAAAAAAAAAAAAAIQAAABgAAAAUAAAAOyIAAJgKAABXJwAA2AwAAAAgAAAmAAAACAAAAP//////////"/>
               </a:ext>
             </a:extLst>
           </p:cNvSpPr>
@@ -6615,11 +6529,11 @@
       </p:sp>
       <p:sp>
         <p:nvSpPr>
-          <p:cNvPr id="11" name="Textbox4"/>
+          <p:cNvPr id="10" name="Textbox4"/>
           <p:cNvSpPr txBox="1">
             <a:extLst>
               <a:ext uri="smNativeData">
-                <pr:smNativeData xmlns:pr="smNativeData" xmlns="smNativeData" val="SMDATA_15_u1g6ZxMAAAAlAAAAEgAAAA8BAAAAkAAAAEgAAACQAAAASAAAAAAAAAAAAAAAAAAAAAEAAABQAAAAAAAAAAAA4D8AAAAAAADgPwAAAAAAAOA/AAAAAAAA4D8AAAAAAADgPwAAAAAAAOA/AAAAAAAA4D8AAAAAAADgPwAAAAAAAOA/AAAAAAAA4D8CAAAAjAAAAAAAAAAAAAAARHLEDP///wgAAAAAAAAAAAAAAAAAAAAAAAAAAAAAAAAAAAAAZAAAAAEAAABAAAAAAAAAAAAAAAAAAAAAAAAAAAAAAAAAAAAAAAAAAAAAAAAAAAAAAAAAAAAAAAAAAAAAAAAAAAAAAAAAAAAAAAAAAAAAAAAAAAAAAAAAAAAAAAAAAAAAFAAAADwAAAAAAAAAAAAAAAAAAAkUAAAAAQAAABQAAAAUAAAAFAAAAAEAAAAAAAAAZAAAAGQAAAAAAAAAZAAAAGQAAAAVAAAAYAAAAAAAAAAAAAAADwAAACADAAAAAAAAAAAAAAEAAACgMgAAVgcAAKr4//8BAAAAf39/AAEAAABkAAAAAAAAABQAAABAHwAAAAAAACYAAAAAAAAAwOD//wAAAAAmAAAAZAAAABYAAABMAAAAAAAAAAAAAAAEAAAAAAAAAAEAAADn5uYKAAAAACgAAAAoAAAAZAAAAGQAAAAAAAAAzMzMAAAAAABQAAAAUAAAAGQAAABkAAAAAAAAABcAAAAUAAAAAAAAAAAAAAD/fwAA/38AAAAAAAAJAAAABAAAAF8AYAAeAAAAaAAAAAAAAAAAAAAAAAAAAAAAAAAAAAAAECcAABAnAAAAAAAAAAAAAAAAAAAAAAAAAAAAAAAAAAAAAAAAAAAAABQAAAAAAAAAwMD/AAAAAABkAAAAMgAAAAAAAABkAAAAAAAAAH9/fwAKAAAAIgAAABgAAAAAAAAAAAAAAAAAAAAAAAAAAAAAAAAAAAAkAAAAJAAAAAAAAAAHAAAAAAAAAAAAAAAAAAAAAAAAAAAAAAAAAAAAf39/ACUAAABYAAAAAAAAAAAAAAAAAAAAAAAAAAAAAAAAAAAAAAAAAAAAAAAAAAAAAAAAAAAAAAA/AAAAAAAAAKCGAQAAAAAAAAAAAAAAAAAMAAAAAQAAAAAAAAAAAAAAAAAAAB8AAABUAAAARHLEBf///wEAAAAAAAAAAAAAAAAAAAAAAAAAAAAAAAAAAAAAAAAAAAAAAAJ/f38A5+bmA8zMzADAwP8Af39/AAAAAAAAAAAAAAAAAAAAAAAAAAAAIQAAABgAAAAUAAAAdSMAAPIOAACUJwAAkhEAAAAAAAAmAAAACAAAAP//////////"/>
+                <pr:smNativeData xmlns:pr="smNativeData" xmlns="smNativeData" val="SMDATA_15_/1o6ZxMAAAAlAAAAEgAAAA8BAAAAkAAAAEgAAACQAAAASAAAAAAAAAAAAAAAAAAAAAEAAABQAAAAAAAAAAAA4D8AAAAAAADgPwAAAAAAAOA/AAAAAAAA4D8AAAAAAADgPwAAAAAAAOA/AAAAAAAA4D8AAAAAAADgPwAAAAAAAOA/AAAAAAAA4D8CAAAAjAAAAAAAAAAAAAAARHLEDP///wgAAAAAAAAAAAAAAAAAAAAAAAAAAAAAAAAAAAAAZAAAAAEAAABAAAAAAAAAAAAAAAAAAAAAAAAAAAAAAAAAAAAAAAAAAAAAAAAAAAAAAAAAAAAAAAAAAAAAAAAAAAAAAAAAAAAAAAAAAAAAAAAAAAAAAAAAAAAAAAAAAAAAFAAAADwAAAAAAAAAAAAAAAAAAAkUAAAAAQAAABQAAAAUAAAAFAAAAAEAAAAAAAAAZAAAAGQAAAAAAAAAZAAAAGQAAAAVAAAAYAAAAAAAAAAAAAAADwAAACADAAAAAAAAAAAAAAEAAACgMgAAVgcAAKr4//8BAAAAf39/AAEAAABkAAAAAAAAABQAAABAHwAAAAAAACYAAAAAAAAAwOD//wAAAAAmAAAAZAAAABYAAABMAAAAAAAAAAAAAAAEAAAAAAAAAAEAAADn5uYKAAAAACgAAAAoAAAAZAAAAGQAAAAAAAAAzMzMAAAAAABQAAAAUAAAAGQAAABkAAAAAAAAABcAAAAUAAAAAAAAAAAAAAD/fwAA/38AAAAAAAAJAAAABAAAAF8AYAAeAAAAaAAAAAAAAAAAAAAAAAAAAAAAAAAAAAAAECcAABAnAAAAAAAAAAAAAAAAAAAAAAAAAAAAAAAAAAAAAAAAAAAAABQAAAAAAAAAwMD/AAAAAABkAAAAMgAAAAAAAABkAAAAAAAAAH9/fwAKAAAAIgAAABgAAAAAAAAAAAAAAAAAAAAAAAAAAAAAAAAAAAAkAAAAJAAAAAAAAAAHAAAAAAAAAAAAAAAAAAAAAAAAAAAAAAAAAAAAf39/ACUAAABYAAAAAAAAAAAAAAAAAAAAAAAAAAAAAAAAAAAAAAAAAAAAAAAAAAAAAAAAAAAAAAA/AAAAAAAAAKCGAQAAAAAAAAAAAAAAAAAMAAAAAQAAAAAAAAAAAAAAAAAAAB8AAABUAAAARHLEBf///wEAAAAAAAAAAAAAAAAAAAAAAAAAAAAAAAAAAAAAAAAAAAAAAAJ/f38A5+bmA8zMzADAwP8Af39/AAAAAAAAAAAAAAAAAAAAAAAAAAAAIQAAABgAAAAUAAAAohUAAOkKAADBGQAAiQ0AAAAAAAAmAAAACAAAAP//////////"/>
               </a:ext>
             </a:extLst>
           </p:cNvSpPr>
@@ -6627,7 +6541,7 @@
         </p:nvSpPr>
         <p:spPr>
           <a:xfrm>
-            <a:off x="5763895" y="2429510"/>
+            <a:off x="3516630" y="1773555"/>
             <a:ext cx="669925" cy="426720"/>
           </a:xfrm>
           <a:prstGeom prst="rect">
@@ -6671,6 +6585,1904 @@
             <a:r>
               <a:t>8,4</a:t>
             </a:r>
+          </a:p>
+        </p:txBody>
+      </p:sp>
+      <p:sp>
+        <p:nvSpPr>
+          <p:cNvPr id="11" name="AutoForm7"/>
+          <p:cNvSpPr>
+            <a:extLst>
+              <a:ext uri="smNativeData">
+                <pr:smNativeData xmlns:pr="smNativeData" xmlns="smNativeData" val="SMDATA_15_/1o6ZxMAAAAlAAAAZQAAAA0AAAAAkAAAAEgAAACQAAAASAAAAAAAAAABAAAAAAAAAAEAAABQAAAAXFVVVVVV1T8AAAAAAADwvwAAAAAAAOA/AAAAAAAA4D8AAAAAAADgPwAAAAAAAOA/AAAAAAAA4D8AAAAAAADgPwAAAAAAAOA/AAAAAAAA4D8CAAAAjAAAAAEAAAAAAAAA/wAAAP///wgAAAAAAAAAAAAAAAAAAAAAAAAAAAAAAAAAAAAAZAAAAAEAAABAAAAAAAAAAAAAAAAAAAAAAAAAAAAAAAAAAAAAAAAAAAAAAAAAAAAAAAAAAAAAAAAAAAAAAAAAAAAAAAAAAAAAAAAAAAAAAAAAAAAAAAAAAAAAAAAAAAAAFAAAADwAAAABAAAAAAAAAB4yVwAUAAAAAQAAABQAAAAUAAAAFAAAAAEAAAAAAAAAZAAAAGQAAAAAAAAAZAAAAGQAAAAVAAAAYAAAAAAAAAAAAAAADwAAACADAAAAAAAAAAAAAAEAAACgMgAAVgcAAKr4//8BAAAAf39/AAEAAABkAAAAAAAAABQAAABAHwAAAAAAACYAAAAAAAAAwOD//wAAAAAmAAAAZAAAABYAAABMAAAAAAAAAAAAAAAEAAAAAAAAAAEAAADn5uYKAAAAACgAAAAoAAAAZAAAAGQAAAAAAAAAzMzMAAAAAABQAAAAUAAAAGQAAABkAAAAAAAAABcAAAAUAAAAAAAAAAAAAAD/fwAA/38AAAAAAAAJAAAABAAAAAAAAAAeAAAAaAAAAAAAAAAAAAAAAAAAAAAAAAAAAAAAECcAABAnAAAAAAAAAAAAAAAAAAAAAAAAAAAAAAAAAAAAAAAAAAAAABQAAAAAAAAAwMD/AAAAAABkAAAAMgAAAAAAAABkAAAAAAAAAH9/fwAKAAAAIgAAABgAAAAAAAAAAAAAAAAAAAAAAAAAAAAAAAAAAAAkAAAAJAAAAAAAAAAHAAAAAAAAAAAAAAAAAAAAAAAAAAAAAAAAAAAAf39/ACUAAABYAAAAAAAAAAAAAAAAAAAAAAAAAAAAAAAAAAAAAAAAAAAAAAAAAAAAAAAAAAAAAAA/AAAAAAAAAKCGAQAAAAAAAAAAAAAAAAAMAAAAAQAAAAAAAAAAAAAAAAAAAB8AAABUAAAA/wAAAP///wEAAAAAAAAAAAAAAAAAAAAAAAAAAAAAAAAAAAAAAAAAAB4yVwB/f38A5+bmA8zMzADAwP8Af39/AAAAAAAAAAAAAAAAAAAAAAAAAAAAIQAAABgAAAAUAAAAyhUAAIEKAABUGQAA8woAAAAAAAAmAAAACAAAAP//////////"/>
+              </a:ext>
+            </a:extLst>
+          </p:cNvSpPr>
+          <p:nvPr/>
+        </p:nvSpPr>
+        <p:spPr>
+          <a:xfrm>
+            <a:off x="3542030" y="1707515"/>
+            <a:ext cx="575310" cy="72390"/>
+          </a:xfrm>
+          <a:prstGeom prst="roundRect">
+            <a:avLst>
+              <a:gd name="adj" fmla="val 16667"/>
+            </a:avLst>
+          </a:prstGeom>
+          <a:solidFill>
+            <a:srgbClr val="FF0000"/>
+          </a:solidFill>
+          <a:ln w="12700" cap="flat" cmpd="sng" algn="ctr">
+            <a:solidFill>
+              <a:srgbClr val="1E3257"/>
+            </a:solidFill>
+            <a:prstDash val="solid"/>
+            <a:headEnd type="none"/>
+            <a:tailEnd type="none"/>
+          </a:ln>
+          <a:effectLst/>
+        </p:spPr>
+        <p:txBody>
+          <a:bodyPr vert="horz" wrap="square" lIns="91440" tIns="45720" rIns="91440" bIns="45720" numCol="1" spcCol="215900" anchor="ctr"/>
+          <a:lstStyle/>
+          <a:p>
+            <a:pPr algn="ctr">
+              <a:defRPr lang="de-de" sz="1100" cap="none">
+                <a:solidFill>
+                  <a:srgbClr val="FFFFFF"/>
+                </a:solidFill>
+                <a:latin typeface="Calibri" pitchFamily="2" charset="0"/>
+                <a:ea typeface="Calibri" pitchFamily="2" charset="0"/>
+                <a:cs typeface="Calibri" pitchFamily="2" charset="0"/>
+              </a:defRPr>
+            </a:pPr>
+          </a:p>
+        </p:txBody>
+      </p:sp>
+      <p:sp>
+        <p:nvSpPr>
+          <p:cNvPr id="12" name="AutoForm8"/>
+          <p:cNvSpPr>
+            <a:extLst>
+              <a:ext uri="smNativeData">
+                <pr:smNativeData xmlns:pr="smNativeData" xmlns="smNativeData" val="SMDATA_15_/1o6ZxMAAAAlAAAAZQAAAA0AAAAAkAAAAEgAAACQAAAASAAAAAAAAAABAAAAAAAAAAEAAABQAAAAXFVVVVVV1T8AAAAAAADwvwAAAAAAAOA/AAAAAAAA4D8AAAAAAADgPwAAAAAAAOA/AAAAAAAA4D8AAAAAAADgPwAAAAAAAOA/AAAAAAAA4D8CAAAAjAAAAAEAAAAAAAAAAP8AAP///wgAAAAAAAAAAAAAAAAAAAAAAAAAAAAAAAAAAAAAZAAAAAEAAABAAAAAAAAAAAAAAAAAAAAAAAAAAAAAAAAAAAAAAAAAAAAAAAAAAAAAAAAAAAAAAAAAAAAAAAAAAAAAAAAAAAAAAAAAAAAAAAAAAAAAAAAAAAAAAAAAAAAAFAAAADwAAAABAAAAAAAAAB4yVwAUAAAAAQAAABQAAAAUAAAAFAAAAAEAAAAAAAAAZAAAAGQAAAAAAAAAZAAAAGQAAAAVAAAAYAAAAAAAAAAAAAAADwAAACADAAAAAAAAAAAAAAEAAACgMgAAVgcAAKr4//8BAAAAf39/AAEAAABkAAAAAAAAABQAAABAHwAAAAAAACYAAAAAAAAAwOD//wAAAAAmAAAAZAAAABYAAABMAAAAAAAAAAAAAAAEAAAAAAAAAAEAAADn5uYKAAAAACgAAAAoAAAAZAAAAGQAAAAAAAAAzMzMAAAAAABQAAAAUAAAAGQAAABkAAAAAAAAABcAAAAUAAAAAAAAAAAAAAD/fwAA/38AAAAAAAAJAAAABAAAAF8AYAAeAAAAaAAAAAAAAAAAAAAAAAAAAAAAAAAAAAAAECcAABAnAAAAAAAAAAAAAAAAAAAAAAAAAAAAAAAAAAAAAAAAAAAAABQAAAAAAAAAwMD/AAAAAABkAAAAMgAAAAAAAABkAAAAAAAAAH9/fwAKAAAAIgAAABgAAAAAAAAAAAAAAAAAAAAAAAAAAAAAAAAAAAAkAAAAJAAAAAAAAAAHAAAAAAAAAAAAAAAAAAAAAAAAAAAAAAAAAAAAf39/ACUAAABYAAAAAAAAAAAAAAAAAAAAAAAAAAAAAAAAAAAAAAAAAAAAAAAAAAAAAAAAAAAAAAA/AAAAAAAAAKCGAQAAAAAAAAAAAAAAAAAMAAAAAQAAAAAAAAAAAAAAAAAAAB8AAABUAAAAAP8AAP///wEAAAAAAAAAAAAAAAAAAAAAAAAAAAAAAAAAAAAAAAAAAB4yVwB/f38A5+bmA8zMzADAwP8Af39/AAAAAAAAAAAAAAAAAAAAAAAAAAAAIQAAABgAAAAUAAAAMRoAAGMKAAC7HQAA1QoAAAAAAAAmAAAACAAAAP//////////"/>
+              </a:ext>
+            </a:extLst>
+          </p:cNvSpPr>
+          <p:nvPr/>
+        </p:nvSpPr>
+        <p:spPr>
+          <a:xfrm>
+            <a:off x="4257675" y="1688465"/>
+            <a:ext cx="575310" cy="72390"/>
+          </a:xfrm>
+          <a:prstGeom prst="roundRect">
+            <a:avLst>
+              <a:gd name="adj" fmla="val 16667"/>
+            </a:avLst>
+          </a:prstGeom>
+          <a:solidFill>
+            <a:srgbClr val="00FF00"/>
+          </a:solidFill>
+          <a:ln w="12700" cap="flat" cmpd="sng" algn="ctr">
+            <a:solidFill>
+              <a:srgbClr val="1E3257"/>
+            </a:solidFill>
+            <a:prstDash val="solid"/>
+            <a:headEnd type="none"/>
+            <a:tailEnd type="none"/>
+          </a:ln>
+          <a:effectLst/>
+        </p:spPr>
+        <p:txBody>
+          <a:bodyPr vert="horz" wrap="square" lIns="91440" tIns="45720" rIns="91440" bIns="45720" numCol="1" spcCol="215900" anchor="ctr"/>
+          <a:lstStyle/>
+          <a:p>
+            <a:pPr algn="ctr">
+              <a:defRPr lang="de-de" sz="1100" cap="none">
+                <a:solidFill>
+                  <a:srgbClr val="FFFFFF"/>
+                </a:solidFill>
+                <a:latin typeface="Calibri" pitchFamily="2" charset="0"/>
+                <a:ea typeface="Calibri" pitchFamily="2" charset="0"/>
+                <a:cs typeface="Calibri" pitchFamily="2" charset="0"/>
+              </a:defRPr>
+            </a:pPr>
+          </a:p>
+        </p:txBody>
+      </p:sp>
+      <p:sp>
+        <p:nvSpPr>
+          <p:cNvPr id="13" name="Textbox5"/>
+          <p:cNvSpPr txBox="1">
+            <a:extLst>
+              <a:ext uri="smNativeData">
+                <pr:smNativeData xmlns:pr="smNativeData" xmlns="smNativeData" val="SMDATA_15_/1o6ZxMAAAAlAAAAEgAAAA8BAAAAkAAAAEgAAACQAAAASAAAAAAAAAAAAAAAAAAAAAEAAABQAAAAAAAAAAAA4D8AAAAAAADgPwAAAAAAAOA/AAAAAAAA4D8AAAAAAADgPwAAAAAAAOA/AAAAAAAA4D8AAAAAAADgPwAAAAAAAOA/AAAAAAAA4D8CAAAAjAAAAAAAAAAAAAAARHLEDP///wgAAAAAAAAAAAAAAAAAAAAAAAAAAAAAAAAAAAAAZAAAAAEAAABAAAAAAAAAAAAAAAAAAAAAAAAAAAAAAAAAAAAAAAAAAAAAAAAAAAAAAAAAAAAAAAAAAAAAAAAAAAAAAAAAAAAAAAAAAAAAAAAAAAAAAAAAAAAAAAAAAAAAFAAAADwAAAAAAAAAAAAAAAAAAAkUAAAAAQAAABQAAAAUAAAAFAAAAAEAAAAAAAAAZAAAAGQAAAAAAAAAZAAAAGQAAAAVAAAAYAAAAAAAAAAAAAAADwAAACADAAAAAAAAAAAAAAEAAACgMgAAVgcAAKr4//8BAAAAf39/AAEAAABkAAAAAAAAABQAAABAHwAAAAAAACYAAAAAAAAAwOD//wAAAAAmAAAAZAAAABYAAABMAAAAAAAAAAAAAAAEAAAAAAAAAAEAAADn5uYKAAAAACgAAAAoAAAAZAAAAGQAAAAAAAAAzMzMAAAAAABQAAAAUAAAAGQAAABkAAAAAAAAABcAAAAUAAAAAAAAAAAAAAD/fwAA/38AAAAAAAAJAAAABAAAAAAAAAAeAAAAaAAAAAAAAAAAAAAAAAAAAAAAAAAAAAAAECcAABAnAAAAAAAAAAAAAAAAAAAAAAAAAAAAAAAAAAAAAAAAAAAAABQAAAAAAAAAwMD/AAAAAABkAAAAMgAAAAAAAABkAAAAAAAAAH9/fwAKAAAAIgAAABgAAAAAAAAAAAAAAAAAAAAAAAAAAAAAAAAAAAAkAAAAJAAAAAAAAAAHAAAAAAAAAAAAAAAAAAAAAAAAAAAAAAAAAAAAf39/ACUAAABYAAAAAAAAAAAAAAAAAAAAAAAAAAAAAAAAAAAAAAAAAAAAAAAAAAAAAAAAAAAAAAA/AAAAAAAAAKCGAQAAAAAAAAAAAAAAAAAMAAAAAQAAAAAAAAAAAAAAAAAAAB8AAABUAAAARHLEBf///wEAAAAAAAAAAAAAAAAAAAAAAAAAAAAAAAAAAAAAAAAAAAAAAAJ/f38A5+bmA8zMzADAwP8Af39/AAAAAAAAAAAAAAAAAAAAAAAAAAAAIQAAABgAAAAUAAAA0hkAAOYKAADxHQAAhg0AAAAAAAAmAAAACAAAAP//////////"/>
+              </a:ext>
+            </a:extLst>
+          </p:cNvSpPr>
+          <p:nvPr/>
+        </p:nvSpPr>
+        <p:spPr>
+          <a:xfrm>
+            <a:off x="4197350" y="1771650"/>
+            <a:ext cx="669925" cy="426720"/>
+          </a:xfrm>
+          <a:prstGeom prst="rect">
+            <a:avLst/>
+          </a:prstGeom>
+          <a:noFill/>
+          <a:ln>
+            <a:noFill/>
+          </a:ln>
+          <a:effectLst/>
+        </p:spPr>
+        <p:txBody>
+          <a:bodyPr vert="horz" wrap="square" numCol="1" spcCol="215900" anchor="t"/>
+          <a:lstStyle/>
+          <a:p>
+            <a:pPr algn="ctr">
+              <a:defRPr lang="de-de" sz="1100" cap="none">
+                <a:solidFill>
+                  <a:srgbClr val="FFFFFF"/>
+                </a:solidFill>
+                <a:latin typeface="Calibri" pitchFamily="2" charset="0"/>
+                <a:ea typeface="Calibri" pitchFamily="2" charset="0"/>
+                <a:cs typeface="Calibri" pitchFamily="2" charset="0"/>
+              </a:defRPr>
+            </a:pPr>
+            <a:r>
+              <a:t>Ship</a:t>
+            </a:r>
+          </a:p>
+          <a:p>
+            <a:pPr algn="ctr">
+              <a:defRPr lang="de-de" sz="1100" cap="none">
+                <a:solidFill>
+                  <a:srgbClr val="FFFFFF"/>
+                </a:solidFill>
+                <a:latin typeface="Calibri" pitchFamily="2" charset="0"/>
+                <a:ea typeface="Calibri" pitchFamily="2" charset="0"/>
+                <a:cs typeface="Calibri" pitchFamily="2" charset="0"/>
+              </a:defRPr>
+            </a:pPr>
+            <a:r>
+              <a:t>8,4</a:t>
+            </a:r>
+          </a:p>
+        </p:txBody>
+      </p:sp>
+      <p:sp>
+        <p:nvSpPr>
+          <p:cNvPr id="14" name="Textbox6"/>
+          <p:cNvSpPr txBox="1">
+            <a:extLst>
+              <a:ext uri="smNativeData">
+                <pr:smNativeData xmlns:pr="smNativeData" xmlns="smNativeData" val="SMDATA_15_/1o6ZxMAAAAlAAAAEgAAAA8BAAAAkAAAAEgAAACQAAAASAAAAAAAAAAAAAAAAAAAAAEAAABQAAAAAAAAAAAA4D8AAAAAAADgPwAAAAAAAOA/AAAAAAAA4D8AAAAAAADgPwAAAAAAAOA/AAAAAAAA4D8AAAAAAADgPwAAAAAAAOA/AAAAAAAA4D8CAAAAjAAAAAAAAAAAAAAARHLEDP///wgAAAAAAAAAAAAAAAAAAAAAAAAAAAAAAAAAAAAAZAAAAAEAAABAAAAAAAAAAAAAAAAAAAAAAAAAAAAAAAAAAAAAAAAAAAAAAAAAAAAAAAAAAAAAAAAAAAAAAAAAAAAAAAAAAAAAAAAAAAAAAAAAAAAAAAAAAAAAAAAAAAAAFAAAADwAAAAAAAAAAAAAAAAAAAkUAAAAAQAAABQAAAAUAAAAFAAAAAEAAAAAAAAAZAAAAGQAAAAAAAAAZAAAAGQAAAAVAAAAYAAAAAAAAAAAAAAADwAAACADAAAAAAAAAAAAAAEAAACgMgAAVgcAAKr4//8BAAAAf39/AAEAAABkAAAAAAAAABQAAABAHwAAAAAAACYAAAAAAAAAwOD//wAAAAAmAAAAZAAAABYAAABMAAAAAAAAAAAAAAAEAAAAAAAAAAEAAADn5uYKAAAAACgAAAAoAAAAZAAAAGQAAAAAAAAAzMzMAAAAAABQAAAAUAAAAGQAAABkAAAAAAAAABcAAAAUAAAAAAAAAAAAAAD/fwAA/38AAAAAAAAJAAAABAAAAF8AYAAeAAAAaAAAAAAAAAAAAAAAAAAAAAAAAAAAAAAAECcAABAnAAAAAAAAAAAAAAAAAAAAAAAAAAAAAAAAAAAAAAAAAAAAABQAAAAAAAAAwMD/AAAAAABkAAAAMgAAAAAAAABkAAAAAAAAAH9/fwAKAAAAIgAAABgAAAAAAAAAAAAAAAAAAAAAAAAAAAAAAAAAAAAkAAAAJAAAAAAAAAAHAAAAAAAAAAAAAAAAAAAAAAAAAAAAAAAAAAAAf39/ACUAAABYAAAAAAAAAAAAAAAAAAAAAAAAAAAAAAAAAAAAAAAAAAAAAAAAAAAAAAAAAAAAAAA/AAAAAAAAAKCGAQAAAAAAAAAAAAAAAAAMAAAAAQAAAAAAAAAAAAAAAAAAAB8AAABUAAAARHLEBf///wEAAAAAAAAAAAAAAAAAAAAAAAAAAAAAAAAAAAAAAAAAAAAAAAJ/f38A5+bmA8zMzADAwP8Af39/AAAAAAAAAAAAAAAAAAAAAAAAAAAAIQAAABgAAAAUAAAAQx4AAN4KAABiIgAAfg0AAAAAAAAmAAAACAAAAP//////////"/>
+              </a:ext>
+            </a:extLst>
+          </p:cNvSpPr>
+          <p:nvPr/>
+        </p:nvSpPr>
+        <p:spPr>
+          <a:xfrm>
+            <a:off x="4919345" y="1766570"/>
+            <a:ext cx="669925" cy="426720"/>
+          </a:xfrm>
+          <a:prstGeom prst="rect">
+            <a:avLst/>
+          </a:prstGeom>
+          <a:noFill/>
+          <a:ln>
+            <a:noFill/>
+          </a:ln>
+          <a:effectLst/>
+        </p:spPr>
+        <p:txBody>
+          <a:bodyPr vert="horz" wrap="square" numCol="1" spcCol="215900" anchor="t"/>
+          <a:lstStyle/>
+          <a:p>
+            <a:pPr algn="ctr">
+              <a:defRPr lang="de-de" sz="1100" cap="none">
+                <a:solidFill>
+                  <a:srgbClr val="FFFFFF"/>
+                </a:solidFill>
+                <a:latin typeface="Calibri" pitchFamily="2" charset="0"/>
+                <a:ea typeface="Calibri" pitchFamily="2" charset="0"/>
+                <a:cs typeface="Calibri" pitchFamily="2" charset="0"/>
+              </a:defRPr>
+            </a:pPr>
+            <a:r>
+              <a:t>Jets</a:t>
+            </a:r>
+          </a:p>
+          <a:p>
+            <a:pPr algn="ctr">
+              <a:defRPr lang="de-de" sz="1100" cap="none">
+                <a:solidFill>
+                  <a:srgbClr val="FFFFFF"/>
+                </a:solidFill>
+                <a:latin typeface="Calibri" pitchFamily="2" charset="0"/>
+                <a:ea typeface="Calibri" pitchFamily="2" charset="0"/>
+                <a:cs typeface="Calibri" pitchFamily="2" charset="0"/>
+              </a:defRPr>
+            </a:pPr>
+            <a:r>
+              <a:t>8,4</a:t>
+            </a:r>
+          </a:p>
+        </p:txBody>
+      </p:sp>
+      <p:sp>
+        <p:nvSpPr>
+          <p:cNvPr id="15" name="AutoForm9"/>
+          <p:cNvSpPr>
+            <a:extLst>
+              <a:ext uri="smNativeData">
+                <pr:smNativeData xmlns:pr="smNativeData" xmlns="smNativeData" val="SMDATA_15_/1o6ZxMAAAAlAAAAZQAAAA0AAAAAkAAAAEgAAACQAAAASAAAAAAAAAABAAAAAAAAAAEAAABQAAAAXFVVVVVV1T8AAAAAAADwvwAAAAAAAOA/AAAAAAAA4D8AAAAAAADgPwAAAAAAAOA/AAAAAAAA4D8AAAAAAADgPwAAAAAAAOA/AAAAAAAA4D8CAAAAjAAAAAEAAAAAAAAA/wAAAP///wgAAAAAAAAAAAAAAAAAAAAAAAAAAAAAAAAAAAAAZAAAAAEAAABAAAAAAAAAAAAAAAAAAAAAAAAAAAAAAAAAAAAAAAAAAAAAAAAAAAAAAAAAAAAAAAAAAAAAAAAAAAAAAAAAAAAAAAAAAAAAAAAAAAAAAAAAAAAAAAAAAAAAFAAAADwAAAABAAAAAAAAAB4yVwAUAAAAAQAAABQAAAAUAAAAFAAAAAEAAAAAAAAAZAAAAGQAAAAAAAAAZAAAAGQAAAAVAAAAYAAAAAAAAAAAAAAADwAAACADAAAAAAAAAAAAAAEAAACgMgAAVgcAAKr4//8BAAAAf39/AAEAAABkAAAAAAAAABQAAABAHwAAAAAAACYAAAAAAAAAwOD//wAAAAAmAAAAZAAAABYAAABMAAAAAAAAAAAAAAAEAAAAAAAAAAEAAADn5uYKAAAAACgAAAAoAAAAZAAAAGQAAAAAAAAAzMzMAAAAAABQAAAAUAAAAGQAAABkAAAAAAAAABcAAAAUAAAAAAAAAAAAAAD/fwAA/38AAAAAAAAJAAAABAAAAAAAAAAeAAAAaAAAAAAAAAAAAAAAAAAAAAAAAAAAAAAAECcAABAnAAAAAAAAAAAAAAAAAAAAAAAAAAAAAAAAAAAAAAAAAAAAABQAAAAAAAAAwMD/AAAAAABkAAAAMgAAAAAAAABkAAAAAAAAAH9/fwAKAAAAIgAAABgAAAAAAAAAAAAAAAAAAAAAAAAAAAAAAAAAAAAkAAAAJAAAAAAAAAAHAAAAAAAAAAAAAAAAAAAAAAAAAAAAAAAAAAAAf39/ACUAAABYAAAAAAAAAAAAAAAAAAAAAAAAAAAAAAAAAAAAAAAAAAAAAAAAAAAAAAAAAAAAAAA/AAAAAAAAAKCGAQAAAAAAAAAAAAAAAAAMAAAAAQAAAAAAAAAAAAAAAAAAAB8AAABUAAAA/wAAAP///wEAAAAAAAAAAAAAAAAAAAAAAAAAAAAAAAAAAAAAAAAAAB4yVwB/f38A5+bmA8zMzADAwP8Af39/AAAAAAAAAAAAAAAAAAAAAAAAAAAAIQAAABgAAAAUAAAAfh4AAGQKAAAIIgAA1goAAAAAAAAmAAAACAAAAP//////////"/>
+              </a:ext>
+            </a:extLst>
+          </p:cNvSpPr>
+          <p:nvPr/>
+        </p:nvSpPr>
+        <p:spPr>
+          <a:xfrm>
+            <a:off x="4956810" y="1689100"/>
+            <a:ext cx="575310" cy="72390"/>
+          </a:xfrm>
+          <a:prstGeom prst="roundRect">
+            <a:avLst>
+              <a:gd name="adj" fmla="val 16667"/>
+            </a:avLst>
+          </a:prstGeom>
+          <a:solidFill>
+            <a:srgbClr val="FF0000"/>
+          </a:solidFill>
+          <a:ln w="12700" cap="flat" cmpd="sng" algn="ctr">
+            <a:solidFill>
+              <a:srgbClr val="1E3257"/>
+            </a:solidFill>
+            <a:prstDash val="solid"/>
+            <a:headEnd type="none"/>
+            <a:tailEnd type="none"/>
+          </a:ln>
+          <a:effectLst/>
+        </p:spPr>
+        <p:txBody>
+          <a:bodyPr vert="horz" wrap="square" lIns="91440" tIns="45720" rIns="91440" bIns="45720" numCol="1" spcCol="215900" anchor="ctr"/>
+          <a:lstStyle/>
+          <a:p>
+            <a:pPr algn="ctr">
+              <a:defRPr lang="de-de" sz="1100" cap="none">
+                <a:solidFill>
+                  <a:srgbClr val="FFFFFF"/>
+                </a:solidFill>
+                <a:latin typeface="Calibri" pitchFamily="2" charset="0"/>
+                <a:ea typeface="Calibri" pitchFamily="2" charset="0"/>
+                <a:cs typeface="Calibri" pitchFamily="2" charset="0"/>
+              </a:defRPr>
+            </a:pPr>
+          </a:p>
+        </p:txBody>
+      </p:sp>
+      <p:sp>
+        <p:nvSpPr>
+          <p:cNvPr id="16" name="AutoForm10"/>
+          <p:cNvSpPr>
+            <a:extLst>
+              <a:ext uri="smNativeData">
+                <pr:smNativeData xmlns:pr="smNativeData" xmlns="smNativeData" val="SMDATA_15_/1o6ZxMAAAAlAAAAZQAAAA0AAAAAkAAAAEgAAACQAAAASAAAAAAAAAABAAAAAAAAAAEAAABQAAAAXFVVVVVV1T8AAAAAAADwvwAAAAAAAOA/AAAAAAAA4D8AAAAAAADgPwAAAAAAAOA/AAAAAAAA4D8AAAAAAADgPwAAAAAAAOA/AAAAAAAA4D8CAAAAjAAAAAEAAAAAAAAAAP8AAP///wgAAAAAAAAAAAAAAAAAAAAAAAAAAAAAAAAAAAAAZAAAAAEAAABAAAAAAAAAAAAAAAAAAAAAAAAAAAAAAAAAAAAAAAAAAAAAAAAAAAAAAAAAAAAAAAAAAAAAAAAAAAAAAAAAAAAAAAAAAAAAAAAAAAAAAAAAAAAAAAAAAAAAFAAAADwAAAABAAAAAAAAAB4yVwAUAAAAAQAAABQAAAAUAAAAFAAAAAEAAAAAAAAAZAAAAGQAAAAAAAAAZAAAAGQAAAAVAAAAYAAAAAAAAAAAAAAADwAAACADAAAAAAAAAAAAAAEAAACgMgAAVgcAAKr4//8BAAAAf39/AAEAAABkAAAAAAAAABQAAABAHwAAAAAAACYAAAAAAAAAwOD//wAAAAAmAAAAZAAAABYAAABMAAAAAAAAAAAAAAAEAAAAAAAAAAEAAADn5uYKAAAAACgAAAAoAAAAZAAAAGQAAAAAAAAAzMzMAAAAAABQAAAAUAAAAGQAAABkAAAAAAAAABcAAAAUAAAAAAAAAAAAAAD/fwAA/38AAAAAAAAJAAAABAAAAAAAAAAeAAAAaAAAAAAAAAAAAAAAAAAAAAAAAAAAAAAAECcAABAnAAAAAAAAAAAAAAAAAAAAAAAAAAAAAAAAAAAAAAAAAAAAABQAAAAAAAAAwMD/AAAAAABkAAAAMgAAAAAAAABkAAAAAAAAAH9/fwAKAAAAIgAAABgAAAAAAAAAAAAAAAAAAAAAAAAAAAAAAAAAAAAkAAAAJAAAAAAAAAAHAAAAAAAAAAAAAAAAAAAAAAAAAAAAAAAAAAAAf39/ACUAAABYAAAAAAAAAAAAAAAAAAAAAAAAAAAAAAAAAAAAAAAAAAAAAAAAAAAAAAAAAAAAAAA/AAAAAAAAAKCGAQAAAAAAAAAAAAAAAAAMAAAAAQAAAAAAAAAAAAAAAAAAAB8AAABUAAAAAP8AAP///wEAAAAAAAAAAAAAAAAAAAAAAAAAAAAAAAAAAAAAAAAAAB4yVwB/f38A5+bmA8zMzADAwP8Af39/AAAAAAAAAAAAAAAAAAAAAAAAAAAAIQAAABgAAAAUAAAAfh4AAGoKAADLIAAA6QoAAAAAAAAmAAAACAAAAP//////////"/>
+              </a:ext>
+            </a:extLst>
+          </p:cNvSpPr>
+          <p:nvPr/>
+        </p:nvSpPr>
+        <p:spPr>
+          <a:xfrm>
+            <a:off x="4956810" y="1692910"/>
+            <a:ext cx="374015" cy="80645"/>
+          </a:xfrm>
+          <a:prstGeom prst="roundRect">
+            <a:avLst>
+              <a:gd name="adj" fmla="val 16667"/>
+            </a:avLst>
+          </a:prstGeom>
+          <a:solidFill>
+            <a:srgbClr val="00FF00"/>
+          </a:solidFill>
+          <a:ln w="12700" cap="flat" cmpd="sng" algn="ctr">
+            <a:solidFill>
+              <a:srgbClr val="1E3257"/>
+            </a:solidFill>
+            <a:prstDash val="solid"/>
+            <a:headEnd type="none"/>
+            <a:tailEnd type="none"/>
+          </a:ln>
+          <a:effectLst/>
+        </p:spPr>
+        <p:txBody>
+          <a:bodyPr vert="horz" wrap="square" lIns="91440" tIns="45720" rIns="91440" bIns="45720" numCol="1" spcCol="215900" anchor="ctr"/>
+          <a:lstStyle/>
+          <a:p>
+            <a:pPr algn="ctr">
+              <a:defRPr lang="de-de" sz="1100" cap="none">
+                <a:solidFill>
+                  <a:srgbClr val="FFFFFF"/>
+                </a:solidFill>
+                <a:latin typeface="Calibri" pitchFamily="2" charset="0"/>
+                <a:ea typeface="Calibri" pitchFamily="2" charset="0"/>
+                <a:cs typeface="Calibri" pitchFamily="2" charset="0"/>
+              </a:defRPr>
+            </a:pPr>
+          </a:p>
+        </p:txBody>
+      </p:sp>
+      <p:sp>
+        <p:nvSpPr>
+          <p:cNvPr id="17" name="AutoForm11"/>
+          <p:cNvSpPr>
+            <a:extLst>
+              <a:ext uri="smNativeData">
+                <pr:smNativeData xmlns:pr="smNativeData" xmlns="smNativeData" val="SMDATA_15_/1o6ZxMAAAAlAAAAZQAAAA0AAAAAkAAAAEgAAACQAAAASAAAAAAAAAABAAAAAAAAAAEAAABQAAAALUMc6+I2yj8AAAAAAADwvwAAAAAAAOA/AAAAAAAA4D8AAAAAAADgPwAAAAAAAOA/AAAAAAAA4D8AAAAAAADgPwAAAAAAAOA/AAAAAAAA4D8CAAAAjAAAAAAAAAAAAAAARHLEDP///wgAAAAAAAAAAAAAAAAAAAAAAAAAAAAAAAAAAAAAZAAAAAEAAABAAAAAAAAAAAAAAAAAAAAAAAAAAAAAAAAAAAAAAAAAAAAAAAAAAAAAAAAAAAAAAAAAAAAAAAAAAAAAAAAAAAAAAAAAAAAAAAAAAAAAAAAAAAAAAAAAAAAAFAAAADwAAAABAAAAAAAAAB4yVwAUAAAAAQAAABQAAAAUAAAAFAAAAAEAAAAAAAAAZAAAAGQAAAAAAAAAZAAAAGQAAAAVAAAAYAAAAAAAAAAAAAAADwAAACADAAAAAAAAAAAAAAEAAACgMgAAVgcAAKr4//8BAAAAf39/AAEAAABkAAAAAAAAABQAAABAHwAAAAAAACYAAAAAAAAAwOD//wAAAAAmAAAAZAAAABYAAABMAAAAAAAAAAAAAAAEAAAAAAAAAAEAAADn5uYKAAAAACgAAAAoAAAAZAAAAGQAAAAAAAAAzMzMAAAAAABQAAAAUAAAAGQAAABkAAAAAAAAABcAAAAUAAAAAAAAAAAAAAD/fwAA/38AAAAAAAAJAAAABAAAAAAAAAAeAAAAaAAAAAAAAAAAAAAAAAAAAAAAAAAAAAAAECcAABAnAAAAAAAAAAAAAAAAAAAAAAAAAAAAAAAAAAAAAAAAAAAAABQAAAAAAAAAwMD/AAAAAABkAAAAMgAAAAAAAABkAAAAAAAAAH9/fwAKAAAAIgAAABgAAAAAAAAAAAAAAAAAAAAAAAAAAAAAAAAAAAAkAAAAJAAAAAAAAAAHAAAAAAAAAAAAAAAAAAAAAAAAAAAAAAAAAAAAf39/ACUAAABYAAAAAAAAAAAAAAAAAAAAAAAAAAAAAAAAAAAAAAAAAAAAAAAAAAAAAAAAAAAAAAA/AAAAAAAAAKCGAQAAAAAAAAAAAAAAAAAMAAAAAQAAAAAAAAAAAAAAAAAAAB8AAABUAAAARHLEBf///wEAAAAAAAAAAAAAAAAAAAAAAAAAAAAAAAAAAAAAAAAAAB4yVwB/f38A5+bmA8zMzADAwP8Af39/AAAAAAAAAAAAAAAAAAAAAAAAAAAAIQAAABgAAAAUAAAARRUAAEcOAABRLAAAXA4AABAAAAAmAAAACAAAAP//////////"/>
+              </a:ext>
+            </a:extLst>
+          </p:cNvSpPr>
+          <p:nvPr/>
+        </p:nvSpPr>
+        <p:spPr>
+          <a:xfrm>
+            <a:off x="3457575" y="2320925"/>
+            <a:ext cx="3746500" cy="13335"/>
+          </a:xfrm>
+          <a:prstGeom prst="roundRect">
+            <a:avLst>
+              <a:gd name="adj" fmla="val 10240"/>
+            </a:avLst>
+          </a:prstGeom>
+          <a:noFill/>
+          <a:ln w="12700" cap="flat" cmpd="sng" algn="ctr">
+            <a:solidFill>
+              <a:srgbClr val="1E3257"/>
+            </a:solidFill>
+            <a:prstDash val="solid"/>
+            <a:headEnd type="none"/>
+            <a:tailEnd type="none"/>
+          </a:ln>
+          <a:effectLst/>
+        </p:spPr>
+        <p:txBody>
+          <a:bodyPr vert="horz" wrap="square" lIns="91440" tIns="45720" rIns="91440" bIns="45720" numCol="1" spcCol="215900" anchor="ctr"/>
+          <a:lstStyle/>
+          <a:p>
+            <a:pPr algn="ctr">
+              <a:defRPr lang="de-de" cap="none">
+                <a:solidFill>
+                  <a:srgbClr val="FFFFFF"/>
+                </a:solidFill>
+                <a:latin typeface="Calibri" pitchFamily="2" charset="0"/>
+                <a:ea typeface="Calibri" pitchFamily="2" charset="0"/>
+                <a:cs typeface="Calibri" pitchFamily="2" charset="0"/>
+              </a:defRPr>
+            </a:pPr>
+          </a:p>
+        </p:txBody>
+      </p:sp>
+      <p:sp>
+        <p:nvSpPr>
+          <p:cNvPr id="18" name="Textbox7"/>
+          <p:cNvSpPr txBox="1">
+            <a:extLst>
+              <a:ext uri="smNativeData">
+                <pr:smNativeData xmlns:pr="smNativeData" xmlns="smNativeData" val="SMDATA_15_/1o6ZxMAAAAlAAAAEgAAAE8BAAAAkAAAAEgAAACQAAAASAAAAAAAAAAAAAAAAAAAAAEAAABQAAAAAAAAAAAA4D8AAAAAAADgPwAAAAAAAOA/AAAAAAAA4D8AAAAAAADgPwAAAAAAAOA/AAAAAAAA4D8AAAAAAADgPwAAAAAAAOA/AAAAAAAA4D8CAAAAjAAAAAAAAAAAAAAARHLEDP///wgAAAAAAAAAAAAAAAAAAAAAAAAAAAAAAAAAAAAAZAAAAAEAAABAAAAAAAAAAAAAAAAAAAAAAAAAAAAAAAAAAAAAAAAAAAAAAAAAAAAAAAAAAAAAAAAAAAAAAAAAAAAAAAAAAAAAAAAAAAAAAAAAAAAAAAAAAAAAAAAAAAAAFAAAADwAAAAAAAAAAAAAAAAAAAkUAAAAAQAAABQAAAAUAAAAFAAAAAEAAAAAAAAAZAAAAGQAAAAAAAAAZAAAAGQAAAAVAAAAYAAAAAAAAAAAAAAADwAAACADAAAAAAAAAAAAAAEAAACgMgAAVgcAAKr4//8BAAAAf39/AAEAAABkAAAAAAAAABQAAABAHwAAAAAAACYAAAAAAAAAwOD//wAAAAAmAAAAZAAAABYAAABMAAAAAAAAAAAAAAAEAAAAAAAAAAEAAADn5uYKAAAAACgAAAAoAAAAZAAAAGQAAAAAAAAAzMzMAAAAAABQAAAAUAAAAGQAAABkAAAAAAAAABcAAAAUAAAAAAAAANwIAAD/fwAA/38AAAAAAAAJAAAABAAAAAAAAAAeAAAAaAAAAAAAAAAAAAAAAAAAAAAAAAAAAAAAECcAABAnAAAAAAAAAAAAAAAAAAAAAAAAAAAAAAAAAAAAAAAAAAAAABQAAAAAAAAAwMD/AAAAAABkAAAAMgAAAAAAAABkAAAAAAAAAH9/fwAKAAAAIgAAABgAAAAAAAAAAAAAAAAAAAAAAAAAAAAAAAAAAAAkAAAAJAAAAAAAAAAHAAAAAAAAAAAAAAAAAAAAAAAAAAAAAAAAAAAAf39/ACUAAABYAAAAAAAAAAAAAAAAAAAAAAAAAAAAAAAAAAAAAAAAAAAAAAAAAAAAAAAAAAAAAAA/AAAAAAAAAKCGAQAAAAAAAAAAAAAAAAAMAAAAAQAAAAAAAAAAAAAAAAAAAB8AAABUAAAARHLEBf///wEAAAAAAAAAAAAAAAAAAAAAAAAAAAAAAAAAAAAAAAAAAAAAAAJ/f38A5+bmA8zMzADAwP8Af39/AAAAAAAAAAAAAAAAAAAAAAAAAAAAIQAAABgAAAAUAAAAPRUAAIoOAAAZHgAAyhAAAAAgAAAmAAAACAAAAP//////////"/>
+              </a:ext>
+            </a:extLst>
+          </p:cNvSpPr>
+          <p:nvPr/>
+        </p:nvSpPr>
+        <p:spPr>
+          <a:xfrm>
+            <a:off x="3452495" y="2363470"/>
+            <a:ext cx="1440180" cy="365760"/>
+          </a:xfrm>
+          <a:prstGeom prst="rect">
+            <a:avLst/>
+          </a:prstGeom>
+          <a:noFill/>
+          <a:ln>
+            <a:noFill/>
+          </a:ln>
+          <a:effectLst/>
+        </p:spPr>
+        <p:txBody>
+          <a:bodyPr vert="horz" wrap="square" numCol="1" spcCol="215900" anchor="t"/>
+          <a:lstStyle/>
+          <a:p>
+            <a:pPr>
+              <a:defRPr lang="de-de"/>
+            </a:pPr>
+            <a:r>
+              <a:t>Missions</a:t>
+            </a:r>
+          </a:p>
+        </p:txBody>
+      </p:sp>
+      <p:sp>
+        <p:nvSpPr>
+          <p:cNvPr id="19" name="Textbox8"/>
+          <p:cNvSpPr txBox="1">
+            <a:extLst>
+              <a:ext uri="smNativeData">
+                <pr:smNativeData xmlns:pr="smNativeData" xmlns="smNativeData" val="SMDATA_15_/1o6ZxMAAAAlAAAAEgAAAE8BAAAAkAAAAEgAAACQAAAASAAAAAAAAAAAAAAAAAAAAAEAAABQAAAAAAAAAAAA4D8AAAAAAADgPwAAAAAAAOA/AAAAAAAA4D8AAAAAAADgPwAAAAAAAOA/AAAAAAAA4D8AAAAAAADgPwAAAAAAAOA/AAAAAAAA4D8CAAAAjAAAAAAAAAAAAAAARHLEDP///wgAAAAAAAAAAAAAAAAAAAAAAAAAAAAAAAAAAAAAZAAAAAEAAABAAAAAAAAAAAAAAAAAAAAAAAAAAAAAAAAAAAAAAAAAAAAAAAAAAAAAAAAAAAAAAAAAAAAAAAAAAAAAAAAAAAAAAAAAAAAAAAAAAAAAAAAAAAAAAAAAAAAAFAAAADwAAAAAAAAAAAAAAAAAAAkUAAAAAQAAABQAAAAUAAAAFAAAAAEAAAAAAAAAZAAAAGQAAAAAAAAAZAAAAGQAAAAVAAAAYAAAAAAAAAAAAAAADwAAACADAAAAAAAAAAAAAAEAAACgMgAAVgcAAKr4//8BAAAAf39/AAEAAABkAAAAAAAAABQAAABAHwAAAAAAACYAAAAAAAAAwOD//wAAAAAmAAAAZAAAABYAAABMAAAAAAAAAAAAAAAEAAAAAAAAAAEAAADn5uYKAAAAACgAAAAoAAAAZAAAAGQAAAAAAAAAzMzMAAAAAABQAAAAUAAAAGQAAABkAAAAAAAAABcAAAAUAAAAAAAAANwIAAD/fwAA/38AAAAAAAAJAAAABAAAAAABAAEeAAAAaAAAAAAAAAAAAAAAAAAAAAAAAAAAAAAAECcAABAnAAAAAAAAAAAAAAAAAAAAAAAAAAAAAAAAAAAAAAAAAAAAABQAAAAAAAAAwMD/AAAAAABkAAAAMgAAAAAAAABkAAAAAAAAAH9/fwAKAAAAIgAAABgAAAAAAAAAAAAAAAAAAAAAAAAAAAAAAAAAAAAkAAAAJAAAAAAAAAAHAAAAAAAAAAAAAAAAAAAAAAAAAAAAAAAAAAAAf39/ACUAAABYAAAAAAAAAAAAAAAAAAAAAAAAAAAAAAAAAAAAAAAAAAAAAAAAAAAAAAAAAAAAAAA/AAAAAAAAAKCGAQAAAAAAAAAAAAAAAAAMAAAAAQAAAAAAAAAAAAAAAAAAAB8AAABUAAAARHLEBf///wEAAAAAAAAAAAAAAAAAAAAAAAAAAAAAAAAAAAAAAAAAAAAAAAJ/f38A5+bmA8zMzADAwP8Af39/AAAAAAAAAAAAAAAAAAAAAAAAAAAAIQAAABgAAAAUAAAAKiMAAHwOAAAGLAAAvBAAAAAgAAAmAAAACAAAAP//////////"/>
+              </a:ext>
+            </a:extLst>
+          </p:cNvSpPr>
+          <p:nvPr/>
+        </p:nvSpPr>
+        <p:spPr>
+          <a:xfrm>
+            <a:off x="5716270" y="2354580"/>
+            <a:ext cx="1440180" cy="365760"/>
+          </a:xfrm>
+          <a:prstGeom prst="rect">
+            <a:avLst/>
+          </a:prstGeom>
+          <a:noFill/>
+          <a:ln>
+            <a:noFill/>
+          </a:ln>
+          <a:effectLst/>
+        </p:spPr>
+        <p:txBody>
+          <a:bodyPr vert="horz" wrap="square" numCol="1" spcCol="215900" anchor="t"/>
+          <a:lstStyle/>
+          <a:p>
+            <a:pPr algn="r">
+              <a:defRPr lang="de-de"/>
+            </a:pPr>
+            <a:r>
+              <a:t>Sold / min</a:t>
+            </a:r>
+          </a:p>
+        </p:txBody>
+      </p:sp>
+      <p:sp>
+        <p:nvSpPr>
+          <p:cNvPr id="20" name="AutoForm13"/>
+          <p:cNvSpPr>
+            <a:extLst>
+              <a:ext uri="smNativeData">
+                <pr:smNativeData xmlns:pr="smNativeData" xmlns="smNativeData" val="SMDATA_15_/1o6ZxMAAAAlAAAAZQAAAA0AAAAAkAAAAEgAAACQAAAASAAAAAAAAAABAAAAAAAAAAEAAABQAAAAhbacS3FV1T8AAAAAAADwvwAAAAAAAOA/AAAAAAAA4D8AAAAAAADgPwAAAAAAAOA/AAAAAAAA4D8AAAAAAADgPwAAAAAAAOA/AAAAAAAA4D8CAAAAjAAAAAEAAAAAAAAAqdCOAP///wgAAAAAAAAAAAAAAAAAAAAAAAAAAAAAAAAAAAAAZAAAAAEAAABAAAAAAAAAAAAAAAAAAAAAAAAAAAAAAAAAAAAAAAAAAAAAAAAAAAAAAAAAAAAAAAAAAAAAAAAAAAAAAAAAAAAAAAAAAAAAAAAAAAAAAAAAAAAAAAAAAAAAFAAAADwAAAABAAAAAAAAAB4yVwAUAAAAAQAAABQAAAAUAAAAFAAAAAEAAAAAAAAAZAAAAGQAAAAAAAAAZAAAAGQAAAAVAAAAYAAAAAAAAAAAAAAADwAAACADAAAAAAAAAAAAAAEAAACgMgAAVgcAAKr4//8BAAAAf39/AAEAAABkAAAAAAAAABQAAABAHwAAAAAAACYAAAAAAAAAwOD//wAAAAAmAAAAZAAAABYAAABMAAAAAAAAAAAAAAAEAAAAAAAAAAEAAADn5uYKAAAAACgAAAAoAAAAZAAAAGQAAAAAAAAAzMzMAAAAAABQAAAAUAAAAGQAAABkAAAAAAAAABcAAAAUAAAAAAAAAAAAAAD/fwAA/38AAAAAAAAJAAAABAAAACABIAEeAAAAaAAAAAAAAAAAAAAAAAAAAAAAAAAAAAAAECcAABAnAAAAAAAAAAAAAAAAAAAAAAAAAAAAAAAAAAAAAAAAAAAAABQAAAAAAAAAwMD/AAAAAABkAAAAMgAAAAAAAABkAAAAAAAAAH9/fwAKAAAAIgAAABgAAAAAAAAAAAAAAAAAAAAAAAAAAAAAAAAAAAAkAAAAJAAAAAAAAAAHAAAAAAAAAAAAAAAAAAAAAAAAAAAAAAAAAAAAf39/ACUAAABYAAAAAAAAAAAAAAAAAAAAAAAAAAAAAAAAAAAAAAAAAAAAAAAAAAAAAAAAAAAAAAA/AAAAAAAAAKCGAQAAAAAAAAAAAAAAAAAMAAAAAQAAAAAAAAAAAAAAAAAAAB8AAABUAAAAqdCOAP///wEAAAAAAAAAAAAAAAAAAAAAAAAAAAAAAAAAAAAAAAAAAB4yVwB/f38A5+bmA8zMzADAwP8Af39/AAAAAAAAAAAAAAAAAAAAAAAAAAAAIQAAABgAAAAUAAAAYhUAAH0RAABeGQAAoxQAAAAAAAAmAAAACAAAAP//////////"/>
+              </a:ext>
+            </a:extLst>
+          </p:cNvSpPr>
+          <p:nvPr/>
+        </p:nvSpPr>
+        <p:spPr>
+          <a:xfrm>
+            <a:off x="3475990" y="2842895"/>
+            <a:ext cx="647700" cy="511810"/>
+          </a:xfrm>
+          <a:prstGeom prst="roundRect">
+            <a:avLst>
+              <a:gd name="adj" fmla="val 16667"/>
+            </a:avLst>
+          </a:prstGeom>
+          <a:solidFill>
+            <a:srgbClr val="A9D08E"/>
+          </a:solidFill>
+          <a:ln w="12700" cap="flat" cmpd="sng" algn="ctr">
+            <a:solidFill>
+              <a:srgbClr val="1E3257"/>
+            </a:solidFill>
+            <a:prstDash val="solid"/>
+            <a:headEnd type="none"/>
+            <a:tailEnd type="none"/>
+          </a:ln>
+          <a:effectLst/>
+        </p:spPr>
+        <p:txBody>
+          <a:bodyPr vert="horz" wrap="square" lIns="91440" tIns="45720" rIns="91440" bIns="45720" numCol="1" spcCol="215900" anchor="ctr"/>
+          <a:lstStyle/>
+          <a:p>
+            <a:pPr algn="ctr">
+              <a:defRPr lang="de-de" sz="1100" cap="none">
+                <a:solidFill>
+                  <a:srgbClr val="FFFFFF"/>
+                </a:solidFill>
+                <a:latin typeface="Calibri" pitchFamily="2" charset="0"/>
+                <a:ea typeface="Calibri" pitchFamily="2" charset="0"/>
+                <a:cs typeface="Calibri" pitchFamily="2" charset="0"/>
+              </a:defRPr>
+            </a:pPr>
+          </a:p>
+        </p:txBody>
+      </p:sp>
+      <p:sp>
+        <p:nvSpPr>
+          <p:cNvPr id="21" name="AutoForm14"/>
+          <p:cNvSpPr>
+            <a:extLst>
+              <a:ext uri="smNativeData">
+                <pr:smNativeData xmlns:pr="smNativeData" xmlns="smNativeData" val="SMDATA_15_/1o6ZxMAAAAlAAAAZQAAAA0AAAAAkAAAAEgAAACQAAAASAAAAAAAAAABAAAAAAAAAAEAAABQAAAAhbacS3FV1T8AAAAAAADwvwAAAAAAAOA/AAAAAAAA4D8AAAAAAADgPwAAAAAAAOA/AAAAAAAA4D8AAAAAAADgPwAAAAAAAOA/AAAAAAAA4D8CAAAAjAAAAAEAAAAAAAAAqdCOAP///wgAAAAAAAAAAAAAAAAAAAAAAAAAAAAAAAAAAAAAZAAAAAEAAABAAAAAAAAAAAAAAAAAAAAAAAAAAAAAAAAAAAAAAAAAAAAAAAAAAAAAAAAAAAAAAAAAAAAAAAAAAAAAAAAAAAAAAAAAAAAAAAAAAAAAAAAAAAAAAAAAAAAAFAAAADwAAAABAAAAAAAAAB4yVwAUAAAAAQAAABQAAAAUAAAAFAAAAAEAAAAAAAAAZAAAAGQAAAAAAAAAZAAAAGQAAAAVAAAAYAAAAAAAAAAAAAAADwAAACADAAAAAAAAAAAAAAEAAACgMgAAVgcAAKr4//8BAAAAf39/AAEAAABkAAAAAAAAABQAAABAHwAAAAAAACYAAAAAAAAAwOD//wAAAAAmAAAAZAAAABYAAABMAAAAAAAAAAAAAAAEAAAAAAAAAAEAAADn5uYKAAAAACgAAAAoAAAAZAAAAGQAAAAAAAAAzMzMAAAAAABQAAAAUAAAAGQAAABkAAAAAAAAABcAAAAUAAAAAAAAAAAAAAD/fwAA/38AAAAAAAAJAAAABAAAAAAAAAAeAAAAaAAAAAAAAAAAAAAAAAAAAAAAAAAAAAAAECcAABAnAAAAAAAAAAAAAAAAAAAAAAAAAAAAAAAAAAAAAAAAAAAAABQAAAAAAAAAwMD/AAAAAABkAAAAMgAAAAAAAABkAAAAAAAAAH9/fwAKAAAAIgAAABgAAAAAAAAAAAAAAAAAAAAAAAAAAAAAAAAAAAAkAAAAJAAAAAAAAAAHAAAAAAAAAAAAAAAAAAAAAAAAAAAAAAAAAAAAf39/ACUAAABYAAAAAAAAAAAAAAAAAAAAAAAAAAAAAAAAAAAAAAAAAAAAAAAAAAAAAAAAAAAAAAA/AAAAAAAAAKCGAQAAAAAAAAAAAAAAAAAMAAAAAQAAAAAAAAAAAAAAAAAAAB8AAABUAAAAqdCOAP///wEAAAAAAAAAAAAAAAAAAAAAAAAAAAAAAAAAAAAAAAAAAB4yVwB/f38A5+bmA8zMzADAwP8Af39/AAAAAAAAAAAAAAAAAAAAAAAAAAAAIQAAABgAAAAUAAAA1BkAAGYRAADQHQAAjBQAAAAAAAAmAAAACAAAAP//////////"/>
+              </a:ext>
+            </a:extLst>
+          </p:cNvSpPr>
+          <p:nvPr/>
+        </p:nvSpPr>
+        <p:spPr>
+          <a:xfrm>
+            <a:off x="4198620" y="2828290"/>
+            <a:ext cx="647700" cy="511810"/>
+          </a:xfrm>
+          <a:prstGeom prst="roundRect">
+            <a:avLst>
+              <a:gd name="adj" fmla="val 16667"/>
+            </a:avLst>
+          </a:prstGeom>
+          <a:solidFill>
+            <a:srgbClr val="A9D08E"/>
+          </a:solidFill>
+          <a:ln w="12700" cap="flat" cmpd="sng" algn="ctr">
+            <a:solidFill>
+              <a:srgbClr val="1E3257"/>
+            </a:solidFill>
+            <a:prstDash val="solid"/>
+            <a:headEnd type="none"/>
+            <a:tailEnd type="none"/>
+          </a:ln>
+          <a:effectLst/>
+        </p:spPr>
+        <p:txBody>
+          <a:bodyPr vert="horz" wrap="square" lIns="91440" tIns="45720" rIns="91440" bIns="45720" numCol="1" spcCol="215900" anchor="ctr"/>
+          <a:lstStyle/>
+          <a:p>
+            <a:pPr algn="ctr">
+              <a:defRPr lang="de-de" sz="1100" cap="none">
+                <a:solidFill>
+                  <a:srgbClr val="FFFFFF"/>
+                </a:solidFill>
+                <a:latin typeface="Calibri" pitchFamily="2" charset="0"/>
+                <a:ea typeface="Calibri" pitchFamily="2" charset="0"/>
+                <a:cs typeface="Calibri" pitchFamily="2" charset="0"/>
+              </a:defRPr>
+            </a:pPr>
+          </a:p>
+        </p:txBody>
+      </p:sp>
+      <p:sp>
+        <p:nvSpPr>
+          <p:cNvPr id="22" name="AutoForm15"/>
+          <p:cNvSpPr>
+            <a:extLst>
+              <a:ext uri="smNativeData">
+                <pr:smNativeData xmlns:pr="smNativeData" xmlns="smNativeData" val="SMDATA_15_/1o6ZxMAAAAlAAAAZQAAAA0AAAAAkAAAAEgAAACQAAAASAAAAAAAAAABAAAAAAAAAAEAAABQAAAAhbacS3FV1T8AAAAAAADwvwAAAAAAAOA/AAAAAAAA4D8AAAAAAADgPwAAAAAAAOA/AAAAAAAA4D8AAAAAAADgPwAAAAAAAOA/AAAAAAAA4D8CAAAAjAAAAAEAAAAAAAAAqdCOAP///wgAAAAAAAAAAAAAAAAAAAAAAAAAAAAAAAAAAAAAZAAAAAEAAABAAAAAAAAAAAAAAAAAAAAAAAAAAAAAAAAAAAAAAAAAAAAAAAAAAAAAAAAAAAAAAAAAAAAAAAAAAAAAAAAAAAAAAAAAAAAAAAAAAAAAAAAAAAAAAAAAAAAAFAAAADwAAAABAAAAAAAAAB4yVwAUAAAAAQAAABQAAAAUAAAAFAAAAAEAAAAAAAAAZAAAAGQAAAAAAAAAZAAAAGQAAAAVAAAAYAAAAAAAAAAAAAAADwAAACADAAAAAAAAAAAAAAEAAACgMgAAVgcAAKr4//8BAAAAf39/AAEAAABkAAAAAAAAABQAAABAHwAAAAAAACYAAAAAAAAAwOD//wAAAAAmAAAAZAAAABYAAABMAAAAAAAAAAAAAAAEAAAAAAAAAAEAAADn5uYKAAAAACgAAAAoAAAAZAAAAGQAAAAAAAAAzMzMAAAAAABQAAAAUAAAAGQAAABkAAAAAAAAABcAAAAUAAAAAAAAAAAAAAD/fwAA/38AAAAAAAAJAAAABAAAAAAAAAAeAAAAaAAAAAAAAAAAAAAAAAAAAAAAAAAAAAAAECcAABAnAAAAAAAAAAAAAAAAAAAAAAAAAAAAAAAAAAAAAAAAAAAAABQAAAAAAAAAwMD/AAAAAABkAAAAMgAAAAAAAABkAAAAAAAAAH9/fwAKAAAAIgAAABgAAAAAAAAAAAAAAAAAAAAAAAAAAAAAAAAAAAAkAAAAJAAAAAAAAAAHAAAAAAAAAAAAAAAAAAAAAAAAAAAAAAAAAAAAf39/ACUAAABYAAAAAAAAAAAAAAAAAAAAAAAAAAAAAAAAAAAAAAAAAAAAAAAAAAAAAAAAAAAAAAA/AAAAAAAAAKCGAQAAAAAAAAAAAAAAAAAMAAAAAQAAAAAAAAAAAAAAAAAAAB8AAABUAAAAqdCOAP///wEAAAAAAAAAAAAAAAAAAAAAAAAAAAAAAAAAAAAAAAAAAB4yVwB/f38A5+bmA8zMzADAwP8Af39/AAAAAAAAAAAAAAAAAAAAAAAAAAAAIQAAABgAAAAUAAAAGR4AAGoRAAAVIgAAkBQAAAAAAAAmAAAACAAAAP//////////"/>
+              </a:ext>
+            </a:extLst>
+          </p:cNvSpPr>
+          <p:nvPr/>
+        </p:nvSpPr>
+        <p:spPr>
+          <a:xfrm>
+            <a:off x="4892675" y="2830830"/>
+            <a:ext cx="647700" cy="511810"/>
+          </a:xfrm>
+          <a:prstGeom prst="roundRect">
+            <a:avLst>
+              <a:gd name="adj" fmla="val 16667"/>
+            </a:avLst>
+          </a:prstGeom>
+          <a:solidFill>
+            <a:srgbClr val="A9D08E"/>
+          </a:solidFill>
+          <a:ln w="12700" cap="flat" cmpd="sng" algn="ctr">
+            <a:solidFill>
+              <a:srgbClr val="1E3257"/>
+            </a:solidFill>
+            <a:prstDash val="solid"/>
+            <a:headEnd type="none"/>
+            <a:tailEnd type="none"/>
+          </a:ln>
+          <a:effectLst/>
+        </p:spPr>
+        <p:txBody>
+          <a:bodyPr vert="horz" wrap="square" lIns="91440" tIns="45720" rIns="91440" bIns="45720" numCol="1" spcCol="215900" anchor="ctr"/>
+          <a:lstStyle/>
+          <a:p>
+            <a:pPr algn="ctr">
+              <a:defRPr lang="de-de" sz="1100" cap="none">
+                <a:solidFill>
+                  <a:srgbClr val="FFFFFF"/>
+                </a:solidFill>
+                <a:latin typeface="Calibri" pitchFamily="2" charset="0"/>
+                <a:ea typeface="Calibri" pitchFamily="2" charset="0"/>
+                <a:cs typeface="Calibri" pitchFamily="2" charset="0"/>
+              </a:defRPr>
+            </a:pPr>
+          </a:p>
+        </p:txBody>
+      </p:sp>
+      <p:sp>
+        <p:nvSpPr>
+          <p:cNvPr id="23" name="AutoForm16"/>
+          <p:cNvSpPr>
+            <a:extLst>
+              <a:ext uri="smNativeData">
+                <pr:smNativeData xmlns:pr="smNativeData" xmlns="smNativeData" val="SMDATA_15_/1o6ZxMAAAAlAAAAZQAAAA0AAAAAkAAAAEgAAACQAAAASAAAAAAAAAABAAAAAAAAAAEAAABQAAAAhbacS3FV1T8AAAAAAADwvwAAAAAAAOA/AAAAAAAA4D8AAAAAAADgPwAAAAAAAOA/AAAAAAAA4D8AAAAAAADgPwAAAAAAAOA/AAAAAAAA4D8CAAAAjAAAAAEAAAAAAAAAqdCOAP///wgAAAAAAAAAAAAAAAAAAAAAAAAAAAAAAAAAAAAAZAAAAAEAAABAAAAAAAAAAAAAAAAAAAAAAAAAAAAAAAAAAAAAAAAAAAAAAAAAAAAAAAAAAAAAAAAAAAAAAAAAAAAAAAAAAAAAAAAAAAAAAAAAAAAAAAAAAAAAAAAAAAAAFAAAADwAAAABAAAAAAAAAB4yVwAUAAAAAQAAABQAAAAUAAAAFAAAAAEAAAAAAAAAZAAAAGQAAAAAAAAAZAAAAGQAAAAVAAAAYAAAAAAAAAAAAAAADwAAACADAAAAAAAAAAAAAAEAAACgMgAAVgcAAKr4//8BAAAAf39/AAEAAABkAAAAAAAAABQAAABAHwAAAAAAACYAAAAAAAAAwOD//wAAAAAmAAAAZAAAABYAAABMAAAAAAAAAAAAAAAEAAAAAAAAAAEAAADn5uYKAAAAACgAAAAoAAAAZAAAAGQAAAAAAAAAzMzMAAAAAABQAAAAUAAAAGQAAABkAAAAAAAAABcAAAAUAAAAAAAAAAAAAAD/fwAA/38AAAAAAAAJAAAABAAAAAAAAAAeAAAAaAAAAAAAAAAAAAAAAAAAAAAAAAAAAAAAECcAABAnAAAAAAAAAAAAAAAAAAAAAAAAAAAAAAAAAAAAAAAAAAAAABQAAAAAAAAAwMD/AAAAAABkAAAAMgAAAAAAAABkAAAAAAAAAH9/fwAKAAAAIgAAABgAAAAAAAAAAAAAAAAAAAAAAAAAAAAAAAAAAAAkAAAAJAAAAAAAAAAHAAAAAAAAAAAAAAAAAAAAAAAAAAAAAAAAAAAAf39/ACUAAABYAAAAAAAAAAAAAAAAAAAAAAAAAAAAAAAAAAAAAAAAAAAAAAAAAAAAAAAAAAAAAAA/AAAAAAAAAKCGAQAAAAAAAAAAAAAAAAAMAAAAAQAAAAAAAAAAAAAAAAAAAB8AAABUAAAAqdCOAP///wEAAAAAAAAAAAAAAAAAAAAAAAAAAAAAAAAAAAAAAAAAAB4yVwB/f38A5+bmA8zMzADAwP8Af39/AAAAAAAAAAAAAAAAAAAAAAAAAAAAIQAAABgAAAAUAAAAMCcAAFIRAAAsKwAAeBQAAAAAAAAmAAAACAAAAP//////////"/>
+              </a:ext>
+            </a:extLst>
+          </p:cNvSpPr>
+          <p:nvPr/>
+        </p:nvSpPr>
+        <p:spPr>
+          <a:xfrm>
+            <a:off x="6370320" y="2815590"/>
+            <a:ext cx="647700" cy="511810"/>
+          </a:xfrm>
+          <a:prstGeom prst="roundRect">
+            <a:avLst>
+              <a:gd name="adj" fmla="val 16667"/>
+            </a:avLst>
+          </a:prstGeom>
+          <a:solidFill>
+            <a:srgbClr val="A9D08E"/>
+          </a:solidFill>
+          <a:ln w="12700" cap="flat" cmpd="sng" algn="ctr">
+            <a:solidFill>
+              <a:srgbClr val="1E3257"/>
+            </a:solidFill>
+            <a:prstDash val="solid"/>
+            <a:headEnd type="none"/>
+            <a:tailEnd type="none"/>
+          </a:ln>
+          <a:effectLst/>
+        </p:spPr>
+        <p:txBody>
+          <a:bodyPr vert="horz" wrap="square" lIns="91440" tIns="45720" rIns="91440" bIns="45720" numCol="1" spcCol="215900" anchor="ctr"/>
+          <a:lstStyle/>
+          <a:p>
+            <a:pPr algn="ctr">
+              <a:defRPr lang="de-de" sz="1100" cap="none">
+                <a:solidFill>
+                  <a:srgbClr val="FFFFFF"/>
+                </a:solidFill>
+                <a:latin typeface="Calibri" pitchFamily="2" charset="0"/>
+                <a:ea typeface="Calibri" pitchFamily="2" charset="0"/>
+                <a:cs typeface="Calibri" pitchFamily="2" charset="0"/>
+              </a:defRPr>
+            </a:pPr>
+            <a:r>
+              <a:t>Tanks</a:t>
+            </a:r>
+          </a:p>
+          <a:p>
+            <a:pPr algn="ctr">
+              <a:defRPr lang="de-de" sz="1100" cap="none">
+                <a:solidFill>
+                  <a:srgbClr val="FFFFFF"/>
+                </a:solidFill>
+                <a:latin typeface="Calibri" pitchFamily="2" charset="0"/>
+                <a:ea typeface="Calibri" pitchFamily="2" charset="0"/>
+                <a:cs typeface="Calibri" pitchFamily="2" charset="0"/>
+              </a:defRPr>
+            </a:pPr>
+            <a:r>
+              <a:t>26,4</a:t>
+            </a:r>
+          </a:p>
+        </p:txBody>
+      </p:sp>
+      <p:sp>
+        <p:nvSpPr>
+          <p:cNvPr id="24" name="Textbox9"/>
+          <p:cNvSpPr txBox="1">
+            <a:extLst>
+              <a:ext uri="smNativeData">
+                <pr:smNativeData xmlns:pr="smNativeData" xmlns="smNativeData" val="SMDATA_15_/1o6ZxMAAAAlAAAAEgAAAE8BAAAAkAAAAEgAAACQAAAASAAAAAAAAAAAAAAAAAAAAAEAAABQAAAAAAAAAAAA4D8AAAAAAADgPwAAAAAAAOA/AAAAAAAA4D8AAAAAAADgPwAAAAAAAOA/AAAAAAAA4D8AAAAAAADgPwAAAAAAAOA/AAAAAAAA4D8CAAAAjAAAAAAAAAAAAAAARHLEDP///wgAAAAAAAAAAAAAAAAAAAAAAAAAAAAAAAAAAAAAZAAAAAEAAABAAAAAAAAAAAAAAAAAAAAAAAAAAAAAAAAAAAAAAAAAAAAAAAAAAAAAAAAAAAAAAAAAAAAAAAAAAAAAAAAAAAAAAAAAAAAAAAAAAAAAAAAAAAAAAAAAAAAAFAAAADwAAAAAAAAAAAAAAAAAAAkUAAAAAQAAABQAAAAUAAAAFAAAAAEAAAAAAAAAZAAAAGQAAAAAAAAAZAAAAGQAAAAVAAAAYAAAAAAAAAAAAAAADwAAACADAAAAAAAAAAAAAAEAAACgMgAAVgcAAKr4//8BAAAAf39/AAEAAABkAAAAAAAAABQAAABAHwAAAAAAACYAAAAAAAAAwOD//wAAAAAmAAAAZAAAABYAAABMAAAAAAAAAAAAAAAEAAAAAAAAAAEAAADn5uYKAAAAACgAAAAoAAAAZAAAAGQAAAAAAAAAzMzMAAAAAABQAAAAUAAAAGQAAABkAAAAAAAAABcAAAAUAAAAAAAAANwIAAD/fwAA/38AAAAAAAAJAAAABAAAAAAAAAAeAAAAaAAAAAAAAAAAAAAAAAAAAAAAAAAAAAAAECcAABAnAAAAAAAAAAAAAAAAAAAAAAAAAAAAAAAAAAAAAAAAAAAAABQAAAAAAAAAwMD/AAAAAABkAAAAMgAAAAAAAABkAAAAAAAAAH9/fwAKAAAAIgAAABgAAAAAAAAAAAAAAAAAAAAAAAAAAAAAAAAAAAAkAAAAJAAAAAAAAAAHAAAAAAAAAAAAAAAAAAAAAAAAAAAAAAAAAAAAf39/ACUAAABYAAAAAAAAAAAAAAAAAAAAAAAAAAAAAAAAAAAAAAAAAAAAAAAAAAAAAAAAAAAAAAA/AAAAAAAAAKCGAQAAAAAAAAAAAAAAAAAMAAAAAQAAAAAAAAAAAAAAAAAAAB8AAABUAAAARHLEBf///wEAAAAAAAAAAAAAAAAAAAAAAAAAAAAAAAAAAAAAAAAAAAAAAAJ/f38A5+bmA8zMzADAwP8Af39/AAAAAAAAAAAAAAAAAAAAAAAAAAAAIQAAABgAAAAUAAAADSIAANwRAAApJwAAHBQAAAAgAAAmAAAACAAAAP//////////"/>
+              </a:ext>
+            </a:extLst>
+          </p:cNvSpPr>
+          <p:nvPr/>
+        </p:nvSpPr>
+        <p:spPr>
+          <a:xfrm>
+            <a:off x="5535295" y="2903220"/>
+            <a:ext cx="830580" cy="365760"/>
+          </a:xfrm>
+          <a:prstGeom prst="rect">
+            <a:avLst/>
+          </a:prstGeom>
+          <a:noFill/>
+          <a:ln>
+            <a:noFill/>
+          </a:ln>
+          <a:effectLst/>
+        </p:spPr>
+        <p:txBody>
+          <a:bodyPr vert="horz" wrap="square" numCol="1" spcCol="215900" anchor="t"/>
+          <a:lstStyle/>
+          <a:p>
+            <a:pPr algn="ctr">
+              <a:defRPr lang="de-de"/>
+            </a:pPr>
+            <a:r>
+              <a:t>=</a:t>
+            </a:r>
+          </a:p>
+        </p:txBody>
+      </p:sp>
+      <p:sp>
+        <p:nvSpPr>
+          <p:cNvPr id="25" name="Textbox10"/>
+          <p:cNvSpPr txBox="1">
+            <a:extLst>
+              <a:ext uri="smNativeData">
+                <pr:smNativeData xmlns:pr="smNativeData" xmlns="smNativeData" val="SMDATA_15_/1o6ZxMAAAAlAAAAEgAAAA8BAAAAkAAAAEgAAACQAAAASAAAAAAAAAAAAAAAAAAAAAEAAABQAAAAAAAAAAAA4D8AAAAAAADgPwAAAAAAAOA/AAAAAAAA4D8AAAAAAADgPwAAAAAAAOA/AAAAAAAA4D8AAAAAAADgPwAAAAAAAOA/AAAAAAAA4D8CAAAAjAAAAAAAAAAAAAAARHLEDP///wgAAAAAAAAAAAAAAAAAAAAAAAAAAAAAAAAAAAAAZAAAAAEAAABAAAAAAAAAAAAAAAAAAAAAAAAAAAAAAAAAAAAAAAAAAAAAAAAAAAAAAAAAAAAAAAAAAAAAAAAAAAAAAAAAAAAAAAAAAAAAAAAAAAAAAAAAAAAAAAAAAAAAFAAAADwAAAAAAAAAAAAAAAAAAAkUAAAAAQAAABQAAAAUAAAAFAAAAAEAAAAAAAAAZAAAAGQAAAAAAAAAZAAAAGQAAAAVAAAAYAAAAAAAAAAAAAAADwAAACADAAAAAAAAAAAAAAEAAACgMgAAVgcAAKr4//8BAAAAf39/AAEAAABkAAAAAAAAABQAAABAHwAAAAAAACYAAAAAAAAAwOD//wAAAAAmAAAAZAAAABYAAABMAAAAAAAAAAAAAAAEAAAAAAAAAAEAAADn5uYKAAAAACgAAAAoAAAAZAAAAGQAAAAAAAAAzMzMAAAAAABQAAAAUAAAAGQAAABkAAAAAAAAABcAAAAUAAAAAAAAAAAAAAD/fwAA/38AAAAAAAAJAAAABAAAAAAAAAAeAAAAaAAAAAAAAAAAAAAAAAAAAAAAAAAAAAAAECcAABAnAAAAAAAAAAAAAAAAAAAAAAAAAAAAAAAAAAAAAAAAAAAAABQAAAAAAAAAwMD/AAAAAABkAAAAMgAAAAAAAABkAAAAAAAAAH9/fwAKAAAAIgAAABgAAAAAAAAAAAAAAAAAAAAAAAAAAAAAAAAAAAAkAAAAJAAAAAAAAAAHAAAAAAAAAAAAAAAAAAAAAAAAAAAAAAAAAAAAf39/ACUAAABYAAAAAAAAAAAAAAAAAAAAAAAAAAAAAAAAAAAAAAAAAAAAAAAAAAAAAAAAAAAAAAA/AAAAAAAAAKCGAQAAAAAAAAAAAAAAAAAMAAAAAQAAAAAAAAAAAAAAAAAAAB8AAABUAAAARHLEBf///wEAAAAAAAAAAAAAAAAAAAAAAAAAAAAAAAAAAAAAAAAAAAAAAAJ/f38A5+bmA8zMzADAwP8Af39/AAAAAAAAAAAAAAAAAAAAAAAAAAAAIQAAABgAAAAUAAAAdBUAAC0SAACTGQAAzRQAAAAAAAAmAAAACAAAAP//////////"/>
+              </a:ext>
+            </a:extLst>
+          </p:cNvSpPr>
+          <p:nvPr/>
+        </p:nvSpPr>
+        <p:spPr>
+          <a:xfrm>
+            <a:off x="3487420" y="2954655"/>
+            <a:ext cx="669925" cy="426720"/>
+          </a:xfrm>
+          <a:prstGeom prst="rect">
+            <a:avLst/>
+          </a:prstGeom>
+          <a:noFill/>
+          <a:ln>
+            <a:noFill/>
+          </a:ln>
+          <a:effectLst/>
+        </p:spPr>
+        <p:txBody>
+          <a:bodyPr vert="horz" wrap="square" numCol="1" spcCol="215900" anchor="t"/>
+          <a:lstStyle/>
+          <a:p>
+            <a:pPr algn="ctr">
+              <a:defRPr lang="de-de" sz="1100" cap="none">
+                <a:solidFill>
+                  <a:srgbClr val="FFFFFF"/>
+                </a:solidFill>
+                <a:latin typeface="Calibri" pitchFamily="2" charset="0"/>
+                <a:ea typeface="Calibri" pitchFamily="2" charset="0"/>
+                <a:cs typeface="Calibri" pitchFamily="2" charset="0"/>
+              </a:defRPr>
+            </a:pPr>
+            <a:r>
+              <a:t>Tanks</a:t>
+            </a:r>
+          </a:p>
+          <a:p>
+            <a:pPr algn="ctr">
+              <a:defRPr lang="de-de" sz="1100" cap="none">
+                <a:solidFill>
+                  <a:srgbClr val="FFFFFF"/>
+                </a:solidFill>
+                <a:latin typeface="Calibri" pitchFamily="2" charset="0"/>
+                <a:ea typeface="Calibri" pitchFamily="2" charset="0"/>
+                <a:cs typeface="Calibri" pitchFamily="2" charset="0"/>
+              </a:defRPr>
+            </a:pPr>
+            <a:r>
+              <a:t>8,4</a:t>
+            </a:r>
+          </a:p>
+        </p:txBody>
+      </p:sp>
+      <p:sp>
+        <p:nvSpPr>
+          <p:cNvPr id="26" name="AutoForm17"/>
+          <p:cNvSpPr>
+            <a:extLst>
+              <a:ext uri="smNativeData">
+                <pr:smNativeData xmlns:pr="smNativeData" xmlns="smNativeData" val="SMDATA_15_/1o6ZxMAAAAlAAAAZQAAAA0AAAAAkAAAAEgAAACQAAAASAAAAAAAAAABAAAAAAAAAAEAAABQAAAAXFVVVVVV1T8AAAAAAADwvwAAAAAAAOA/AAAAAAAA4D8AAAAAAADgPwAAAAAAAOA/AAAAAAAA4D8AAAAAAADgPwAAAAAAAOA/AAAAAAAA4D8CAAAAjAAAAAEAAAAAAAAA/wAAAP///wgAAAAAAAAAAAAAAAAAAAAAAAAAAAAAAAAAAAAAZAAAAAEAAABAAAAAAAAAAAAAAAAAAAAAAAAAAAAAAAAAAAAAAAAAAAAAAAAAAAAAAAAAAAAAAAAAAAAAAAAAAAAAAAAAAAAAAAAAAAAAAAAAAAAAAAAAAAAAAAAAAAAAFAAAADwAAAABAAAAAAAAAB4yVwAUAAAAAQAAABQAAAAUAAAAFAAAAAEAAAAAAAAAZAAAAGQAAAAAAAAAZAAAAGQAAAAVAAAAYAAAAAAAAAAAAAAADwAAACADAAAAAAAAAAAAAAEAAACgMgAAVgcAAKr4//8BAAAAf39/AAEAAABkAAAAAAAAABQAAABAHwAAAAAAACYAAAAAAAAAwOD//wAAAAAmAAAAZAAAABYAAABMAAAAAAAAAAAAAAAEAAAAAAAAAAEAAADn5uYKAAAAACgAAAAoAAAAZAAAAGQAAAAAAAAAzMzMAAAAAABQAAAAUAAAAGQAAABkAAAAAAAAABcAAAAUAAAAAAAAAAAAAAD/fwAA/38AAAAAAAAJAAAABAAAAAABAAEeAAAAaAAAAAAAAAAAAAAAAAAAAAAAAAAAAAAAECcAABAnAAAAAAAAAAAAAAAAAAAAAAAAAAAAAAAAAAAAAAAAAAAAABQAAAAAAAAAwMD/AAAAAABkAAAAMgAAAAAAAABkAAAAAAAAAH9/fwAKAAAAIgAAABgAAAAAAAAAAAAAAAAAAAAAAAAAAAAAAAAAAAAkAAAAJAAAAAAAAAAHAAAAAAAAAAAAAAAAAAAAAAAAAAAAAAAAAAAAf39/ACUAAABYAAAAAAAAAAAAAAAAAAAAAAAAAAAAAAAAAAAAAAAAAAAAAAAAAAAAAAAAAAAAAAA/AAAAAAAAAKCGAQAAAAAAAAAAAAAAAAAMAAAAAQAAAAAAAAAAAAAAAAAAAB8AAABUAAAA/wAAAP///wEAAAAAAAAAAAAAAAAAAAAAAAAAAAAAAAAAAAAAAAAAAB4yVwB/f38A5+bmA8zMzADAwP8Af39/AAAAAAAAAAAAAAAAAAAAAAAAAAAAIQAAABgAAAAUAAAAnBUAAMURAAAmGQAANxIAAAAAAAAmAAAACAAAAP//////////"/>
+              </a:ext>
+            </a:extLst>
+          </p:cNvSpPr>
+          <p:nvPr/>
+        </p:nvSpPr>
+        <p:spPr>
+          <a:xfrm>
+            <a:off x="3512820" y="2888615"/>
+            <a:ext cx="575310" cy="72390"/>
+          </a:xfrm>
+          <a:prstGeom prst="roundRect">
+            <a:avLst>
+              <a:gd name="adj" fmla="val 16667"/>
+            </a:avLst>
+          </a:prstGeom>
+          <a:solidFill>
+            <a:srgbClr val="FF0000"/>
+          </a:solidFill>
+          <a:ln w="12700" cap="flat" cmpd="sng" algn="ctr">
+            <a:solidFill>
+              <a:srgbClr val="1E3257"/>
+            </a:solidFill>
+            <a:prstDash val="solid"/>
+            <a:headEnd type="none"/>
+            <a:tailEnd type="none"/>
+          </a:ln>
+          <a:effectLst/>
+        </p:spPr>
+        <p:txBody>
+          <a:bodyPr vert="horz" wrap="square" lIns="91440" tIns="45720" rIns="91440" bIns="45720" numCol="1" spcCol="215900" anchor="ctr"/>
+          <a:lstStyle/>
+          <a:p>
+            <a:pPr algn="ctr">
+              <a:defRPr lang="de-de" sz="1100" cap="none">
+                <a:solidFill>
+                  <a:srgbClr val="FFFFFF"/>
+                </a:solidFill>
+                <a:latin typeface="Calibri" pitchFamily="2" charset="0"/>
+                <a:ea typeface="Calibri" pitchFamily="2" charset="0"/>
+                <a:cs typeface="Calibri" pitchFamily="2" charset="0"/>
+              </a:defRPr>
+            </a:pPr>
+          </a:p>
+        </p:txBody>
+      </p:sp>
+      <p:sp>
+        <p:nvSpPr>
+          <p:cNvPr id="27" name="AutoForm18"/>
+          <p:cNvSpPr>
+            <a:extLst>
+              <a:ext uri="smNativeData">
+                <pr:smNativeData xmlns:pr="smNativeData" xmlns="smNativeData" val="SMDATA_15_/1o6ZxMAAAAlAAAAZQAAAA0AAAAAkAAAAEgAAACQAAAASAAAAAAAAAABAAAAAAAAAAEAAABQAAAAXFVVVVVV1T8AAAAAAADwvwAAAAAAAOA/AAAAAAAA4D8AAAAAAADgPwAAAAAAAOA/AAAAAAAA4D8AAAAAAADgPwAAAAAAAOA/AAAAAAAA4D8CAAAAjAAAAAEAAAAAAAAAAP8AAP///wgAAAAAAAAAAAAAAAAAAAAAAAAAAAAAAAAAAAAAZAAAAAEAAABAAAAAAAAAAAAAAAAAAAAAAAAAAAAAAAAAAAAAAAAAAAAAAAAAAAAAAAAAAAAAAAAAAAAAAAAAAAAAAAAAAAAAAAAAAAAAAAAAAAAAAAAAAAAAAAAAAAAAFAAAADwAAAABAAAAAAAAAB4yVwAUAAAAAQAAABQAAAAUAAAAFAAAAAEAAAAAAAAAZAAAAGQAAAAAAAAAZAAAAGQAAAAVAAAAYAAAAAAAAAAAAAAADwAAACADAAAAAAAAAAAAAAEAAACgMgAAVgcAAKr4//8BAAAAf39/AAEAAABkAAAAAAAAABQAAABAHwAAAAAAACYAAAAAAAAAwOD//wAAAAAmAAAAZAAAABYAAABMAAAAAAAAAAAAAAAEAAAAAAAAAAEAAADn5uYKAAAAACgAAAAoAAAAZAAAAGQAAAAAAAAAzMzMAAAAAABQAAAAUAAAAGQAAABkAAAAAAAAABcAAAAUAAAAAAAAAAAAAAD/fwAA/38AAAAAAAAJAAAABAAAAAAAAAAeAAAAaAAAAAAAAAAAAAAAAAAAAAAAAAAAAAAAECcAABAnAAAAAAAAAAAAAAAAAAAAAAAAAAAAAAAAAAAAAAAAAAAAABQAAAAAAAAAwMD/AAAAAABkAAAAMgAAAAAAAABkAAAAAAAAAH9/fwAKAAAAIgAAABgAAAAAAAAAAAAAAAAAAAAAAAAAAAAAAAAAAAAkAAAAJAAAAAAAAAAHAAAAAAAAAAAAAAAAAAAAAAAAAAAAAAAAAAAAf39/ACUAAABYAAAAAAAAAAAAAAAAAAAAAAAAAAAAAAAAAAAAAAAAAAAAAAAAAAAAAAAAAAAAAAA/AAAAAAAAAKCGAQAAAAAAAAAAAAAAAAAMAAAAAQAAAAAAAAAAAAAAAAAAAB8AAABUAAAAAP8AAP///wEAAAAAAAAAAAAAAAAAAAAAAAAAAAAAAAAAAAAAAAAAAB4yVwB/f38A5+bmA8zMzADAwP8Af39/AAAAAAAAAAAAAAAAAAAAAAAAAAAAIQAAABgAAAAUAAAAAxoAAKcRAACNHQAAGRIAAAAAAAAmAAAACAAAAP//////////"/>
+              </a:ext>
+            </a:extLst>
+          </p:cNvSpPr>
+          <p:nvPr/>
+        </p:nvSpPr>
+        <p:spPr>
+          <a:xfrm>
+            <a:off x="4228465" y="2869565"/>
+            <a:ext cx="575310" cy="72390"/>
+          </a:xfrm>
+          <a:prstGeom prst="roundRect">
+            <a:avLst>
+              <a:gd name="adj" fmla="val 16667"/>
+            </a:avLst>
+          </a:prstGeom>
+          <a:solidFill>
+            <a:srgbClr val="00FF00"/>
+          </a:solidFill>
+          <a:ln w="12700" cap="flat" cmpd="sng" algn="ctr">
+            <a:solidFill>
+              <a:srgbClr val="1E3257"/>
+            </a:solidFill>
+            <a:prstDash val="solid"/>
+            <a:headEnd type="none"/>
+            <a:tailEnd type="none"/>
+          </a:ln>
+          <a:effectLst/>
+        </p:spPr>
+        <p:txBody>
+          <a:bodyPr vert="horz" wrap="square" lIns="91440" tIns="45720" rIns="91440" bIns="45720" numCol="1" spcCol="215900" anchor="ctr"/>
+          <a:lstStyle/>
+          <a:p>
+            <a:pPr algn="ctr">
+              <a:defRPr lang="de-de" sz="1100" cap="none">
+                <a:solidFill>
+                  <a:srgbClr val="FFFFFF"/>
+                </a:solidFill>
+                <a:latin typeface="Calibri" pitchFamily="2" charset="0"/>
+                <a:ea typeface="Calibri" pitchFamily="2" charset="0"/>
+                <a:cs typeface="Calibri" pitchFamily="2" charset="0"/>
+              </a:defRPr>
+            </a:pPr>
+          </a:p>
+        </p:txBody>
+      </p:sp>
+      <p:sp>
+        <p:nvSpPr>
+          <p:cNvPr id="28" name="Textbox11"/>
+          <p:cNvSpPr txBox="1">
+            <a:extLst>
+              <a:ext uri="smNativeData">
+                <pr:smNativeData xmlns:pr="smNativeData" xmlns="smNativeData" val="SMDATA_15_/1o6ZxMAAAAlAAAAEgAAAA8BAAAAkAAAAEgAAACQAAAASAAAAAAAAAAAAAAAAAAAAAEAAABQAAAAAAAAAAAA4D8AAAAAAADgPwAAAAAAAOA/AAAAAAAA4D8AAAAAAADgPwAAAAAAAOA/AAAAAAAA4D8AAAAAAADgPwAAAAAAAOA/AAAAAAAA4D8CAAAAjAAAAAAAAAAAAAAARHLEDP///wgAAAAAAAAAAAAAAAAAAAAAAAAAAAAAAAAAAAAAZAAAAAEAAABAAAAAAAAAAAAAAAAAAAAAAAAAAAAAAAAAAAAAAAAAAAAAAAAAAAAAAAAAAAAAAAAAAAAAAAAAAAAAAAAAAAAAAAAAAAAAAAAAAAAAAAAAAAAAAAAAAAAAFAAAADwAAAAAAAAAAAAAAAAAAAkUAAAAAQAAABQAAAAUAAAAFAAAAAEAAAAAAAAAZAAAAGQAAAAAAAAAZAAAAGQAAAAVAAAAYAAAAAAAAAAAAAAADwAAACADAAAAAAAAAAAAAAEAAACgMgAAVgcAAKr4//8BAAAAf39/AAEAAABkAAAAAAAAABQAAABAHwAAAAAAACYAAAAAAAAAwOD//wAAAAAmAAAAZAAAABYAAABMAAAAAAAAAAAAAAAEAAAAAAAAAAEAAADn5uYKAAAAACgAAAAoAAAAZAAAAGQAAAAAAAAAzMzMAAAAAABQAAAAUAAAAGQAAABkAAAAAAAAABcAAAAUAAAAAAAAAAAAAAD/fwAA/38AAAAAAAAJAAAABAAAAAABAAEeAAAAaAAAAAAAAAAAAAAAAAAAAAAAAAAAAAAAECcAABAnAAAAAAAAAAAAAAAAAAAAAAAAAAAAAAAAAAAAAAAAAAAAABQAAAAAAAAAwMD/AAAAAABkAAAAMgAAAAAAAABkAAAAAAAAAH9/fwAKAAAAIgAAABgAAAAAAAAAAAAAAAAAAAAAAAAAAAAAAAAAAAAkAAAAJAAAAAAAAAAHAAAAAAAAAAAAAAAAAAAAAAAAAAAAAAAAAAAAf39/ACUAAABYAAAAAAAAAAAAAAAAAAAAAAAAAAAAAAAAAAAAAAAAAAAAAAAAAAAAAAAAAAAAAAA/AAAAAAAAAKCGAQAAAAAAAAAAAAAAAAAMAAAAAQAAAAAAAAAAAAAAAAAAAB8AAABUAAAARHLEBf///wEAAAAAAAAAAAAAAAAAAAAAAAAAAAAAAAAAAAAAAAAAAAAAAAJ/f38A5+bmA8zMzADAwP8Af39/AAAAAAAAAAAAAAAAAAAAAAAAAAAAIQAAABgAAAAUAAAApBkAACoSAADDHQAAyhQAAAAAAAAmAAAACAAAAP//////////"/>
+              </a:ext>
+            </a:extLst>
+          </p:cNvSpPr>
+          <p:nvPr/>
+        </p:nvSpPr>
+        <p:spPr>
+          <a:xfrm>
+            <a:off x="4168140" y="2952750"/>
+            <a:ext cx="669925" cy="426720"/>
+          </a:xfrm>
+          <a:prstGeom prst="rect">
+            <a:avLst/>
+          </a:prstGeom>
+          <a:noFill/>
+          <a:ln>
+            <a:noFill/>
+          </a:ln>
+          <a:effectLst/>
+        </p:spPr>
+        <p:txBody>
+          <a:bodyPr vert="horz" wrap="square" numCol="1" spcCol="215900" anchor="t"/>
+          <a:lstStyle/>
+          <a:p>
+            <a:pPr algn="ctr">
+              <a:defRPr lang="de-de" sz="1100" cap="none">
+                <a:solidFill>
+                  <a:srgbClr val="FFFFFF"/>
+                </a:solidFill>
+                <a:latin typeface="Calibri" pitchFamily="2" charset="0"/>
+                <a:ea typeface="Calibri" pitchFamily="2" charset="0"/>
+                <a:cs typeface="Calibri" pitchFamily="2" charset="0"/>
+              </a:defRPr>
+            </a:pPr>
+            <a:r>
+              <a:t>Ship</a:t>
+            </a:r>
+          </a:p>
+          <a:p>
+            <a:pPr algn="ctr">
+              <a:defRPr lang="de-de" sz="1100" cap="none">
+                <a:solidFill>
+                  <a:srgbClr val="FFFFFF"/>
+                </a:solidFill>
+                <a:latin typeface="Calibri" pitchFamily="2" charset="0"/>
+                <a:ea typeface="Calibri" pitchFamily="2" charset="0"/>
+                <a:cs typeface="Calibri" pitchFamily="2" charset="0"/>
+              </a:defRPr>
+            </a:pPr>
+            <a:r>
+              <a:t>8,4</a:t>
+            </a:r>
+          </a:p>
+        </p:txBody>
+      </p:sp>
+      <p:sp>
+        <p:nvSpPr>
+          <p:cNvPr id="29" name="Textbox12"/>
+          <p:cNvSpPr txBox="1">
+            <a:extLst>
+              <a:ext uri="smNativeData">
+                <pr:smNativeData xmlns:pr="smNativeData" xmlns="smNativeData" val="SMDATA_15_/1o6ZxMAAAAlAAAAEgAAAA8BAAAAkAAAAEgAAACQAAAASAAAAAAAAAAAAAAAAAAAAAEAAABQAAAAAAAAAAAA4D8AAAAAAADgPwAAAAAAAOA/AAAAAAAA4D8AAAAAAADgPwAAAAAAAOA/AAAAAAAA4D8AAAAAAADgPwAAAAAAAOA/AAAAAAAA4D8CAAAAjAAAAAAAAAAAAAAARHLEDP///wgAAAAAAAAAAAAAAAAAAAAAAAAAAAAAAAAAAAAAZAAAAAEAAABAAAAAAAAAAAAAAAAAAAAAAAAAAAAAAAAAAAAAAAAAAAAAAAAAAAAAAAAAAAAAAAAAAAAAAAAAAAAAAAAAAAAAAAAAAAAAAAAAAAAAAAAAAAAAAAAAAAAAFAAAADwAAAAAAAAAAAAAAAAAAAkUAAAAAQAAABQAAAAUAAAAFAAAAAEAAAAAAAAAZAAAAGQAAAAAAAAAZAAAAGQAAAAVAAAAYAAAAAAAAAAAAAAADwAAACADAAAAAAAAAAAAAAEAAACgMgAAVgcAAKr4//8BAAAAf39/AAEAAABkAAAAAAAAABQAAABAHwAAAAAAACYAAAAAAAAAwOD//wAAAAAmAAAAZAAAABYAAABMAAAAAAAAAAAAAAAEAAAAAAAAAAEAAADn5uYKAAAAACgAAAAoAAAAZAAAAGQAAAAAAAAAzMzMAAAAAABQAAAAUAAAAGQAAABkAAAAAAAAABcAAAAUAAAAAAAAAAAAAAD/fwAA/38AAAAAAAAJAAAABAAAAAAAAAAeAAAAaAAAAAAAAAAAAAAAAAAAAAAAAAAAAAAAECcAABAnAAAAAAAAAAAAAAAAAAAAAAAAAAAAAAAAAAAAAAAAAAAAABQAAAAAAAAAwMD/AAAAAABkAAAAMgAAAAAAAABkAAAAAAAAAH9/fwAKAAAAIgAAABgAAAAAAAAAAAAAAAAAAAAAAAAAAAAAAAAAAAAkAAAAJAAAAAAAAAAHAAAAAAAAAAAAAAAAAAAAAAAAAAAAAAAAAAAAf39/ACUAAABYAAAAAAAAAAAAAAAAAAAAAAAAAAAAAAAAAAAAAAAAAAAAAAAAAAAAAAAAAAAAAAA/AAAAAAAAAKCGAQAAAAAAAAAAAAAAAAAMAAAAAQAAAAAAAAAAAAAAAAAAAB8AAABUAAAARHLEBf///wEAAAAAAAAAAAAAAAAAAAAAAAAAAAAAAAAAAAAAAAAAAAAAAAJ/f38A5+bmA8zMzADAwP8Af39/AAAAAAAAAAAAAAAAAAAAAAAAAAAAIQAAABgAAAAUAAAAFR4AACISAAA0IgAAwhQAAAAAAAAmAAAACAAAAP//////////"/>
+              </a:ext>
+            </a:extLst>
+          </p:cNvSpPr>
+          <p:nvPr/>
+        </p:nvSpPr>
+        <p:spPr>
+          <a:xfrm>
+            <a:off x="4890135" y="2947670"/>
+            <a:ext cx="669925" cy="426720"/>
+          </a:xfrm>
+          <a:prstGeom prst="rect">
+            <a:avLst/>
+          </a:prstGeom>
+          <a:noFill/>
+          <a:ln>
+            <a:noFill/>
+          </a:ln>
+          <a:effectLst/>
+        </p:spPr>
+        <p:txBody>
+          <a:bodyPr vert="horz" wrap="square" numCol="1" spcCol="215900" anchor="t"/>
+          <a:lstStyle/>
+          <a:p>
+            <a:pPr algn="ctr">
+              <a:defRPr lang="de-de" sz="1100" cap="none">
+                <a:solidFill>
+                  <a:srgbClr val="FFFFFF"/>
+                </a:solidFill>
+                <a:latin typeface="Calibri" pitchFamily="2" charset="0"/>
+                <a:ea typeface="Calibri" pitchFamily="2" charset="0"/>
+                <a:cs typeface="Calibri" pitchFamily="2" charset="0"/>
+              </a:defRPr>
+            </a:pPr>
+            <a:r>
+              <a:t>Jets</a:t>
+            </a:r>
+          </a:p>
+          <a:p>
+            <a:pPr algn="ctr">
+              <a:defRPr lang="de-de" sz="1100" cap="none">
+                <a:solidFill>
+                  <a:srgbClr val="FFFFFF"/>
+                </a:solidFill>
+                <a:latin typeface="Calibri" pitchFamily="2" charset="0"/>
+                <a:ea typeface="Calibri" pitchFamily="2" charset="0"/>
+                <a:cs typeface="Calibri" pitchFamily="2" charset="0"/>
+              </a:defRPr>
+            </a:pPr>
+            <a:r>
+              <a:t>8,4</a:t>
+            </a:r>
+          </a:p>
+        </p:txBody>
+      </p:sp>
+      <p:sp>
+        <p:nvSpPr>
+          <p:cNvPr id="30" name="AutoForm19"/>
+          <p:cNvSpPr>
+            <a:extLst>
+              <a:ext uri="smNativeData">
+                <pr:smNativeData xmlns:pr="smNativeData" xmlns="smNativeData" val="SMDATA_15_/1o6ZxMAAAAlAAAAZQAAAA0AAAAAkAAAAEgAAACQAAAASAAAAAAAAAABAAAAAAAAAAEAAABQAAAAXFVVVVVV1T8AAAAAAADwvwAAAAAAAOA/AAAAAAAA4D8AAAAAAADgPwAAAAAAAOA/AAAAAAAA4D8AAAAAAADgPwAAAAAAAOA/AAAAAAAA4D8CAAAAjAAAAAEAAAAAAAAA/wAAAP///wgAAAAAAAAAAAAAAAAAAAAAAAAAAAAAAAAAAAAAZAAAAAEAAABAAAAAAAAAAAAAAAAAAAAAAAAAAAAAAAAAAAAAAAAAAAAAAAAAAAAAAAAAAAAAAAAAAAAAAAAAAAAAAAAAAAAAAAAAAAAAAAAAAAAAAAAAAAAAAAAAAAAAFAAAADwAAAABAAAAAAAAAB4yVwAUAAAAAQAAABQAAAAUAAAAFAAAAAEAAAAAAAAAZAAAAGQAAAAAAAAAZAAAAGQAAAAVAAAAYAAAAAAAAAAAAAAADwAAACADAAAAAAAAAAAAAAEAAACgMgAAVgcAAKr4//8BAAAAf39/AAEAAABkAAAAAAAAABQAAABAHwAAAAAAACYAAAAAAAAAwOD//wAAAAAmAAAAZAAAABYAAABMAAAAAAAAAAAAAAAEAAAAAAAAAAEAAADn5uYKAAAAACgAAAAoAAAAZAAAAGQAAAAAAAAAzMzMAAAAAABQAAAAUAAAAGQAAABkAAAAAAAAABcAAAAUAAAAAAAAAAAAAAD/fwAA/38AAAAAAAAJAAAABAAAAMqMFUQeAAAAaAAAAAAAAAAAAAAAAAAAAAAAAAAAAAAAECcAABAnAAAAAAAAAAAAAAAAAAAAAAAAAAAAAAAAAAAAAAAAAAAAABQAAAAAAAAAwMD/AAAAAABkAAAAMgAAAAAAAABkAAAAAAAAAH9/fwAKAAAAIgAAABgAAAAAAAAAAAAAAAAAAAAAAAAAAAAAAAAAAAAkAAAAJAAAAAAAAAAHAAAAAAAAAAAAAAAAAAAAAAAAAAAAAAAAAAAAf39/ACUAAABYAAAAAAAAAAAAAAAAAAAAAAAAAAAAAAAAAAAAAAAAAAAAAAAAAAAAAAAAAAAAAAA/AAAAAAAAAKCGAQAAAAAAAAAAAAAAAAAMAAAAAQAAAAAAAAAAAAAAAAAAAB8AAABUAAAA/wAAAP///wEAAAAAAAAAAAAAAAAAAAAAAAAAAAAAAAAAAAAAAAAAAB4yVwB/f38A5+bmA8zMzADAwP8Af39/AAAAAAAAAAAAAAAAAAAAAAAAAAAAIQAAABgAAAAUAAAAUB4AAKgRAADaIQAAGhIAAAAAAAAmAAAACAAAAP//////////"/>
+              </a:ext>
+            </a:extLst>
+          </p:cNvSpPr>
+          <p:nvPr/>
+        </p:nvSpPr>
+        <p:spPr>
+          <a:xfrm>
+            <a:off x="4927600" y="2870200"/>
+            <a:ext cx="575310" cy="72390"/>
+          </a:xfrm>
+          <a:prstGeom prst="roundRect">
+            <a:avLst>
+              <a:gd name="adj" fmla="val 16667"/>
+            </a:avLst>
+          </a:prstGeom>
+          <a:solidFill>
+            <a:srgbClr val="FF0000"/>
+          </a:solidFill>
+          <a:ln w="12700" cap="flat" cmpd="sng" algn="ctr">
+            <a:solidFill>
+              <a:srgbClr val="1E3257"/>
+            </a:solidFill>
+            <a:prstDash val="solid"/>
+            <a:headEnd type="none"/>
+            <a:tailEnd type="none"/>
+          </a:ln>
+          <a:effectLst/>
+        </p:spPr>
+        <p:txBody>
+          <a:bodyPr vert="horz" wrap="square" lIns="91440" tIns="45720" rIns="91440" bIns="45720" numCol="1" spcCol="215900" anchor="ctr"/>
+          <a:lstStyle/>
+          <a:p>
+            <a:pPr algn="ctr">
+              <a:defRPr lang="de-de" sz="1100" cap="none">
+                <a:solidFill>
+                  <a:srgbClr val="FFFFFF"/>
+                </a:solidFill>
+                <a:latin typeface="Calibri" pitchFamily="2" charset="0"/>
+                <a:ea typeface="Calibri" pitchFamily="2" charset="0"/>
+                <a:cs typeface="Calibri" pitchFamily="2" charset="0"/>
+              </a:defRPr>
+            </a:pPr>
+          </a:p>
+        </p:txBody>
+      </p:sp>
+      <p:sp>
+        <p:nvSpPr>
+          <p:cNvPr id="31" name="AutoForm20"/>
+          <p:cNvSpPr>
+            <a:extLst>
+              <a:ext uri="smNativeData">
+                <pr:smNativeData xmlns:pr="smNativeData" xmlns="smNativeData" val="SMDATA_15_/1o6ZxMAAAAlAAAAZQAAAA0AAAAAkAAAAEgAAACQAAAASAAAAAAAAAABAAAAAAAAAAEAAABQAAAAXFVVVVVV1T8AAAAAAADwvwAAAAAAAOA/AAAAAAAA4D8AAAAAAADgPwAAAAAAAOA/AAAAAAAA4D8AAAAAAADgPwAAAAAAAOA/AAAAAAAA4D8CAAAAjAAAAAEAAAAAAAAAAP8AAP///wgAAAAAAAAAAAAAAAAAAAAAAAAAAAAAAAAAAAAAZAAAAAEAAABAAAAAAAAAAAAAAAAAAAAAAAAAAAAAAAAAAAAAAAAAAAAAAAAAAAAAAAAAAAAAAAAAAAAAAAAAAAAAAAAAAAAAAAAAAAAAAAAAAAAAAAAAAAAAAAAAAAAAFAAAADwAAAABAAAAAAAAAB4yVwAUAAAAAQAAABQAAAAUAAAAFAAAAAEAAAAAAAAAZAAAAGQAAAAAAAAAZAAAAGQAAAAVAAAAYAAAAAAAAAAAAAAADwAAACADAAAAAAAAAAAAAAEAAACgMgAAVgcAAKr4//8BAAAAf39/AAEAAABkAAAAAAAAABQAAABAHwAAAAAAACYAAAAAAAAAwOD//wAAAAAmAAAAZAAAABYAAABMAAAAAAAAAAAAAAAEAAAAAAAAAAEAAADn5uYKAAAAACgAAAAoAAAAZAAAAGQAAAAAAAAAzMzMAAAAAABQAAAAUAAAAGQAAABkAAAAAAAAABcAAAAUAAAAAAAAAAAAAAD/fwAA/38AAAAAAAAJAAAABAAAAAABAAEeAAAAaAAAAAAAAAAAAAAAAAAAAAAAAAAAAAAAECcAABAnAAAAAAAAAAAAAAAAAAAAAAAAAAAAAAAAAAAAAAAAAAAAABQAAAAAAAAAwMD/AAAAAABkAAAAMgAAAAAAAABkAAAAAAAAAH9/fwAKAAAAIgAAABgAAAAAAAAAAAAAAAAAAAAAAAAAAAAAAAAAAAAkAAAAJAAAAAAAAAAHAAAAAAAAAAAAAAAAAAAAAAAAAAAAAAAAAAAAf39/ACUAAABYAAAAAAAAAAAAAAAAAAAAAAAAAAAAAAAAAAAAAAAAAAAAAAAAAAAAAAAAAAAAAAA/AAAAAAAAAKCGAQAAAAAAAAAAAAAAAAAMAAAAAQAAAAAAAAAAAAAAAAAAAB8AAABUAAAAAP8AAP///wEAAAAAAAAAAAAAAAAAAAAAAAAAAAAAAAAAAAAAAAAAAB4yVwB/f38A5+bmA8zMzADAwP8Af39/AAAAAAAAAAAAAAAAAAAAAAAAAAAAIQAAABgAAAAUAAAAUB4AAK4RAACdIAAALRIAAAAAAAAmAAAACAAAAP//////////"/>
+              </a:ext>
+            </a:extLst>
+          </p:cNvSpPr>
+          <p:nvPr/>
+        </p:nvSpPr>
+        <p:spPr>
+          <a:xfrm>
+            <a:off x="4927600" y="2874010"/>
+            <a:ext cx="374015" cy="80645"/>
+          </a:xfrm>
+          <a:prstGeom prst="roundRect">
+            <a:avLst>
+              <a:gd name="adj" fmla="val 16667"/>
+            </a:avLst>
+          </a:prstGeom>
+          <a:solidFill>
+            <a:srgbClr val="00FF00"/>
+          </a:solidFill>
+          <a:ln w="12700" cap="flat" cmpd="sng" algn="ctr">
+            <a:solidFill>
+              <a:srgbClr val="1E3257"/>
+            </a:solidFill>
+            <a:prstDash val="solid"/>
+            <a:headEnd type="none"/>
+            <a:tailEnd type="none"/>
+          </a:ln>
+          <a:effectLst/>
+        </p:spPr>
+        <p:txBody>
+          <a:bodyPr vert="horz" wrap="square" lIns="91440" tIns="45720" rIns="91440" bIns="45720" numCol="1" spcCol="215900" anchor="ctr"/>
+          <a:lstStyle/>
+          <a:p>
+            <a:pPr algn="ctr">
+              <a:defRPr lang="de-de" sz="1100" cap="none">
+                <a:solidFill>
+                  <a:srgbClr val="FFFFFF"/>
+                </a:solidFill>
+                <a:latin typeface="Calibri" pitchFamily="2" charset="0"/>
+                <a:ea typeface="Calibri" pitchFamily="2" charset="0"/>
+                <a:cs typeface="Calibri" pitchFamily="2" charset="0"/>
+              </a:defRPr>
+            </a:pPr>
+          </a:p>
+        </p:txBody>
+      </p:sp>
+      <p:sp>
+        <p:nvSpPr>
+          <p:cNvPr id="32" name="AutoForm2"/>
+          <p:cNvSpPr>
+            <a:extLst>
+              <a:ext uri="smNativeData">
+                <pr:smNativeData xmlns:pr="smNativeData" xmlns="smNativeData" val="SMDATA_15_/1o6ZxMAAAAlAAAAZQAAAA0AAAAAkAAAAEgAAACQAAAASAAAAAAAAAABAAAAAAAAAAEAAABQAAAALUMc6+I2yj8AAAAAAADwvwAAAAAAAOA/AAAAAAAA4D8AAAAAAADgPwAAAAAAAOA/AAAAAAAA4D8AAAAAAADgPwAAAAAAAOA/AAAAAAAA4D8CAAAAjAAAAAAAAAAAAAAARHLEDP///wgAAAAAAAAAAAAAAAAAAAAAAAAAAAAAAAAAAAAAZAAAAAEAAABAAAAAAAAAAAAAAAAAAAAAAAAAAAAAAAAAAAAAAAAAAAAAAAAAAAAAAAAAAAAAAAAAAAAAAAAAAAAAAAAAAAAAAAAAAAAAAAAAAAAAAAAAAAAAAAAAAAAAFAAAADwAAAABAAAAAAAAAB4yVwAUAAAAAQAAABQAAAAUAAAAFAAAAAEAAAAAAAAAZAAAAGQAAAAAAAAAZAAAAGQAAAAVAAAAYAAAAAAAAAAAAAAADwAAACADAAAAAAAAAAAAAAEAAACgMgAAVgcAAKr4//8BAAAAf39/AAEAAABkAAAAAAAAABQAAABAHwAAAAAAACYAAAAAAAAAwOD//wAAAAAmAAAAZAAAABYAAABMAAAAAAAAAAAAAAAEAAAAAAAAAAEAAADn5uYKAAAAACgAAAAoAAAAZAAAAGQAAAAAAAAAzMzMAAAAAABQAAAAUAAAAGQAAABkAAAAAAAAABcAAAAUAAAAAAAAAAAAAAD/fwAA/38AAAAAAAAJAAAABAAAAAAAAAAeAAAAaAAAAAAAAAAAAAAAAAAAAAAAAAAAAAAAECcAABAnAAAAAAAAAAAAAAAAAAAAAAAAAAAAAAAAAAAAAAAAAAAAABQAAAAAAAAAwMD/AAAAAABkAAAAMgAAAAAAAABkAAAAAAAAAH9/fwAKAAAAIgAAABgAAAAAAAAAAAAAAAAAAAAAAAAAAAAAAAAAAAAkAAAAJAAAAAAAAAAHAAAAAAAAAAAAAAAAAAAAAAAAAAAAAAAAAAAAf39/ACUAAABYAAAAAAAAAAAAAAAAAAAAAAAAAAAAAAAAAAAAAAAAAAAAAAAAAAAAAAAAAAAAAAA/AAAAAAAAAKCGAQAAAAAAAAAAAAAAAAAMAAAAAQAAAAAAAAAAAAAAAAAAAB8AAABUAAAARHLEBf///wEAAAAAAAAAAAAAAAAAAAAAAAAAAAAAAAAAAAAAAAAAAB4yVwB/f38A5+bmA8zMzADAwP8Af39/AAAAAAAAAAAAAAAAAAAAAAAAAAAAIQAAABgAAAAUAAAAJxUAAHkVAAAzLAAAjhUAABAAAAAmAAAACAAAAP//////////"/>
+              </a:ext>
+            </a:extLst>
+          </p:cNvSpPr>
+          <p:nvPr/>
+        </p:nvSpPr>
+        <p:spPr>
+          <a:xfrm>
+            <a:off x="3438525" y="3490595"/>
+            <a:ext cx="3746500" cy="13335"/>
+          </a:xfrm>
+          <a:prstGeom prst="roundRect">
+            <a:avLst>
+              <a:gd name="adj" fmla="val 10240"/>
+            </a:avLst>
+          </a:prstGeom>
+          <a:noFill/>
+          <a:ln w="12700" cap="flat" cmpd="sng" algn="ctr">
+            <a:solidFill>
+              <a:srgbClr val="1E3257"/>
+            </a:solidFill>
+            <a:prstDash val="solid"/>
+            <a:headEnd type="none"/>
+            <a:tailEnd type="none"/>
+          </a:ln>
+          <a:effectLst/>
+        </p:spPr>
+        <p:txBody>
+          <a:bodyPr vert="horz" wrap="square" lIns="91440" tIns="45720" rIns="91440" bIns="45720" numCol="1" spcCol="215900" anchor="ctr"/>
+          <a:lstStyle/>
+          <a:p>
+            <a:pPr algn="ctr">
+              <a:defRPr lang="de-de" cap="none">
+                <a:solidFill>
+                  <a:srgbClr val="FFFFFF"/>
+                </a:solidFill>
+                <a:latin typeface="Calibri" pitchFamily="2" charset="0"/>
+                <a:ea typeface="Calibri" pitchFamily="2" charset="0"/>
+                <a:cs typeface="Calibri" pitchFamily="2" charset="0"/>
+              </a:defRPr>
+            </a:pPr>
+          </a:p>
+        </p:txBody>
+      </p:sp>
+      <p:sp>
+        <p:nvSpPr>
+          <p:cNvPr id="33" name="Textbox13"/>
+          <p:cNvSpPr txBox="1">
+            <a:extLst>
+              <a:ext uri="smNativeData">
+                <pr:smNativeData xmlns:pr="smNativeData" xmlns="smNativeData" val="SMDATA_15_/1o6ZxMAAAAlAAAAEgAAAE8BAAAAkAAAAEgAAACQAAAASAAAAAAAAAAAAAAAAAAAAAEAAABQAAAAAAAAAAAA4D8AAAAAAADgPwAAAAAAAOA/AAAAAAAA4D8AAAAAAADgPwAAAAAAAOA/AAAAAAAA4D8AAAAAAADgPwAAAAAAAOA/AAAAAAAA4D8CAAAAjAAAAAAAAAAAAAAARHLEDP///wgAAAAAAAAAAAAAAAAAAAAAAAAAAAAAAAAAAAAAZAAAAAEAAABAAAAAAAAAAAAAAAAAAAAAAAAAAAAAAAAAAAAAAAAAAAAAAAAAAAAAAAAAAAAAAAAAAAAAAAAAAAAAAAAAAAAAAAAAAAAAAAAAAAAAAAAAAAAAAAAAAAAAFAAAADwAAAAAAAAAAAAAAAAAAAkUAAAAAQAAABQAAAAUAAAAFAAAAAEAAAAAAAAAZAAAAGQAAAAAAAAAZAAAAGQAAAAVAAAAYAAAAAAAAAAAAAAADwAAACADAAAAAAAAAAAAAAEAAACgMgAAVgcAAKr4//8BAAAAf39/AAEAAABkAAAAAAAAABQAAABAHwAAAAAAACYAAAAAAAAAwOD//wAAAAAmAAAAZAAAABYAAABMAAAAAAAAAAAAAAAEAAAAAAAAAAEAAADn5uYKAAAAACgAAAAoAAAAZAAAAGQAAAAAAAAAzMzMAAAAAABQAAAAUAAAAGQAAABkAAAAAAAAABcAAAAUAAAAAAAAANwIAAD/fwAA/38AAAAAAAAJAAAABAAAAAAAAAAeAAAAaAAAAAAAAAAAAAAAAAAAAAAAAAAAAAAAECcAABAnAAAAAAAAAAAAAAAAAAAAAAAAAAAAAAAAAAAAAAAAAAAAABQAAAAAAAAAwMD/AAAAAABkAAAAMgAAAAAAAABkAAAAAAAAAH9/fwAKAAAAIgAAABgAAAAAAAAAAAAAAAAAAAAAAAAAAAAAAAAAAAAkAAAAJAAAAAAAAAAHAAAAAAAAAAAAAAAAAAAAAAAAAAAAAAAAAAAAf39/ACUAAABYAAAAAAAAAAAAAAAAAAAAAAAAAAAAAAAAAAAAAAAAAAAAAAAAAAAAAAAAAAAAAAA/AAAAAAAAAKCGAQAAAAAAAAAAAAAAAAAMAAAAAQAAAAAAAAAAAAAAAAAAAB8AAABUAAAARHLEBf///wEAAAAAAAAAAAAAAAAAAAAAAAAAAAAAAAAAAAAAAAAAAAAAAAJ/f38A5+bmA8zMzADAwP8Af39/AAAAAAAAAAAAAAAAAAAAAAAAAAAAIQAAABgAAAAUAAAAHxUAALwVAAD7HQAA/BcAAAAgAAAmAAAACAAAAP//////////"/>
+              </a:ext>
+            </a:extLst>
+          </p:cNvSpPr>
+          <p:nvPr/>
+        </p:nvSpPr>
+        <p:spPr>
+          <a:xfrm>
+            <a:off x="3433445" y="3533140"/>
+            <a:ext cx="1440180" cy="365760"/>
+          </a:xfrm>
+          <a:prstGeom prst="rect">
+            <a:avLst/>
+          </a:prstGeom>
+          <a:noFill/>
+          <a:ln>
+            <a:noFill/>
+          </a:ln>
+          <a:effectLst/>
+        </p:spPr>
+        <p:txBody>
+          <a:bodyPr vert="horz" wrap="square" numCol="1" spcCol="215900" anchor="t"/>
+          <a:lstStyle/>
+          <a:p>
+            <a:pPr>
+              <a:defRPr lang="de-de"/>
+            </a:pPr>
+            <a:r>
+              <a:t>Missions</a:t>
+            </a:r>
+          </a:p>
+        </p:txBody>
+      </p:sp>
+      <p:sp>
+        <p:nvSpPr>
+          <p:cNvPr id="34" name="Textbox14"/>
+          <p:cNvSpPr txBox="1">
+            <a:extLst>
+              <a:ext uri="smNativeData">
+                <pr:smNativeData xmlns:pr="smNativeData" xmlns="smNativeData" val="SMDATA_15_/1o6ZxMAAAAlAAAAEgAAAE8BAAAAkAAAAEgAAACQAAAASAAAAAAAAAAAAAAAAAAAAAEAAABQAAAAAAAAAAAA4D8AAAAAAADgPwAAAAAAAOA/AAAAAAAA4D8AAAAAAADgPwAAAAAAAOA/AAAAAAAA4D8AAAAAAADgPwAAAAAAAOA/AAAAAAAA4D8CAAAAjAAAAAAAAAAAAAAARHLEDP///wgAAAAAAAAAAAAAAAAAAAAAAAAAAAAAAAAAAAAAZAAAAAEAAABAAAAAAAAAAAAAAAAAAAAAAAAAAAAAAAAAAAAAAAAAAAAAAAAAAAAAAAAAAAAAAAAAAAAAAAAAAAAAAAAAAAAAAAAAAAAAAAAAAAAAAAAAAAAAAAAAAAAAFAAAADwAAAAAAAAAAAAAAAAAAAkUAAAAAQAAABQAAAAUAAAAFAAAAAEAAAAAAAAAZAAAAGQAAAAAAAAAZAAAAGQAAAAVAAAAYAAAAAAAAAAAAAAADwAAACADAAAAAAAAAAAAAAEAAACgMgAAVgcAAKr4//8BAAAAf39/AAEAAABkAAAAAAAAABQAAABAHwAAAAAAACYAAAAAAAAAwOD//wAAAAAmAAAAZAAAABYAAABMAAAAAAAAAAAAAAAEAAAAAAAAAAEAAADn5uYKAAAAACgAAAAoAAAAZAAAAGQAAAAAAAAAzMzMAAAAAABQAAAAUAAAAGQAAABkAAAAAAAAABcAAAAUAAAAAAAAANwIAAD/fwAA/38AAAAAAAAJAAAABAAAAAAAAAAeAAAAaAAAAAAAAAAAAAAAAAAAAAAAAAAAAAAAECcAABAnAAAAAAAAAAAAAAAAAAAAAAAAAAAAAAAAAAAAAAAAAAAAABQAAAAAAAAAwMD/AAAAAABkAAAAMgAAAAAAAABkAAAAAAAAAH9/fwAKAAAAIgAAABgAAAAAAAAAAAAAAAAAAAAAAAAAAAAAAAAAAAAkAAAAJAAAAAAAAAAHAAAAAAAAAAAAAAAAAAAAAAAAAAAAAAAAAAAAf39/ACUAAABYAAAAAAAAAAAAAAAAAAAAAAAAAAAAAAAAAAAAAAAAAAAAAAAAAAAAAAAAAAAAAAA/AAAAAAAAAKCGAQAAAAAAAAAAAAAAAAAMAAAAAQAAAAAAAAAAAAAAAAAAAB8AAABUAAAARHLEBf///wEAAAAAAAAAAAAAAAAAAAAAAAAAAAAAAAAAAAAAAAAAAAAAAAJ/f38A5+bmA8zMzADAwP8Af39/AAAAAAAAAAAAAAAAAAAAAAAAAAAAIQAAABgAAAAUAAAADCMAAK4VAADoKwAA7hcAAAAgAAAmAAAACAAAAP//////////"/>
+              </a:ext>
+            </a:extLst>
+          </p:cNvSpPr>
+          <p:nvPr/>
+        </p:nvSpPr>
+        <p:spPr>
+          <a:xfrm>
+            <a:off x="5697220" y="3524250"/>
+            <a:ext cx="1440180" cy="365760"/>
+          </a:xfrm>
+          <a:prstGeom prst="rect">
+            <a:avLst/>
+          </a:prstGeom>
+          <a:noFill/>
+          <a:ln>
+            <a:noFill/>
+          </a:ln>
+          <a:effectLst/>
+        </p:spPr>
+        <p:txBody>
+          <a:bodyPr vert="horz" wrap="square" numCol="1" spcCol="215900" anchor="t"/>
+          <a:lstStyle/>
+          <a:p>
+            <a:pPr algn="r">
+              <a:defRPr lang="de-de"/>
+            </a:pPr>
+            <a:r>
+              <a:t>Sold / min</a:t>
+            </a:r>
+          </a:p>
+        </p:txBody>
+      </p:sp>
+      <p:sp>
+        <p:nvSpPr>
+          <p:cNvPr id="35" name="AutoForm12"/>
+          <p:cNvSpPr>
+            <a:extLst>
+              <a:ext uri="smNativeData">
+                <pr:smNativeData xmlns:pr="smNativeData" xmlns="smNativeData" val="SMDATA_15_/1o6ZxMAAAAlAAAAZQAAAA0AAAAAkAAAAEgAAACQAAAASAAAAAAAAAABAAAAAAAAAAEAAABQAAAAhbacS3FV1T8AAAAAAADwvwAAAAAAAOA/AAAAAAAA4D8AAAAAAADgPwAAAAAAAOA/AAAAAAAA4D8AAAAAAADgPwAAAAAAAOA/AAAAAAAA4D8CAAAAjAAAAAEAAAAAAAAAqdCOAP///wgAAAAAAAAAAAAAAAAAAAAAAAAAAAAAAAAAAAAAZAAAAAEAAABAAAAAAAAAAAAAAAAAAAAAAAAAAAAAAAAAAAAAAAAAAAAAAAAAAAAAAAAAAAAAAAAAAAAAAAAAAAAAAAAAAAAAAAAAAAAAAAAAAAAAAAAAAAAAAAAAAAAAFAAAADwAAAABAAAAAAAAAB4yVwAUAAAAAQAAABQAAAAUAAAAFAAAAAEAAAAAAAAAZAAAAGQAAAAAAAAAZAAAAGQAAAAVAAAAYAAAAAAAAAAAAAAADwAAACADAAAAAAAAAAAAAAEAAACgMgAAVgcAAKr4//8BAAAAf39/AAEAAABkAAAAAAAAABQAAABAHwAAAAAAACYAAAAAAAAAwOD//wAAAAAmAAAAZAAAABYAAABMAAAAAAAAAAAAAAAEAAAAAAAAAAEAAADn5uYKAAAAACgAAAAoAAAAZAAAAGQAAAAAAAAAzMzMAAAAAABQAAAAUAAAAGQAAABkAAAAAAAAABcAAAAUAAAAAAAAAAAAAAD/fwAA/38AAAAAAAAJAAAABAAAAAAAAAAeAAAAaAAAAAAAAAAAAAAAAAAAAAAAAAAAAAAAECcAABAnAAAAAAAAAAAAAAAAAAAAAAAAAAAAAAAAAAAAAAAAAAAAABQAAAAAAAAAwMD/AAAAAABkAAAAMgAAAAAAAABkAAAAAAAAAH9/fwAKAAAAIgAAABgAAAAAAAAAAAAAAAAAAAAAAAAAAAAAAAAAAAAkAAAAJAAAAAAAAAAHAAAAAAAAAAAAAAAAAAAAAAAAAAAAAAAAAAAAf39/ACUAAABYAAAAAAAAAAAAAAAAAAAAAAAAAAAAAAAAAAAAAAAAAAAAAAAAAAAAAAAAAAAAAAA/AAAAAAAAAKCGAQAAAAAAAAAAAAAAAAAMAAAAAQAAAAAAAAAAAAAAAAAAAB8AAABUAAAAqdCOAP///wEAAAAAAAAAAAAAAAAAAAAAAAAAAAAAAAAAAAAAAAAAAB4yVwB/f38A5+bmA8zMzADAwP8Af39/AAAAAAAAAAAAAAAAAAAAAAAAAAAAIQAAABgAAAAUAAAARBUAAK8YAABAGQAA1RsAAAAAAAAmAAAACAAAAP//////////"/>
+              </a:ext>
+            </a:extLst>
+          </p:cNvSpPr>
+          <p:nvPr/>
+        </p:nvSpPr>
+        <p:spPr>
+          <a:xfrm>
+            <a:off x="3456940" y="4012565"/>
+            <a:ext cx="647700" cy="511810"/>
+          </a:xfrm>
+          <a:prstGeom prst="roundRect">
+            <a:avLst>
+              <a:gd name="adj" fmla="val 16667"/>
+            </a:avLst>
+          </a:prstGeom>
+          <a:solidFill>
+            <a:srgbClr val="A9D08E"/>
+          </a:solidFill>
+          <a:ln w="12700" cap="flat" cmpd="sng" algn="ctr">
+            <a:solidFill>
+              <a:srgbClr val="1E3257"/>
+            </a:solidFill>
+            <a:prstDash val="solid"/>
+            <a:headEnd type="none"/>
+            <a:tailEnd type="none"/>
+          </a:ln>
+          <a:effectLst/>
+        </p:spPr>
+        <p:txBody>
+          <a:bodyPr vert="horz" wrap="square" lIns="91440" tIns="45720" rIns="91440" bIns="45720" numCol="1" spcCol="215900" anchor="ctr"/>
+          <a:lstStyle/>
+          <a:p>
+            <a:pPr algn="ctr">
+              <a:defRPr lang="de-de" sz="1100" cap="none">
+                <a:solidFill>
+                  <a:srgbClr val="FFFFFF"/>
+                </a:solidFill>
+                <a:latin typeface="Calibri" pitchFamily="2" charset="0"/>
+                <a:ea typeface="Calibri" pitchFamily="2" charset="0"/>
+                <a:cs typeface="Calibri" pitchFamily="2" charset="0"/>
+              </a:defRPr>
+            </a:pPr>
+          </a:p>
+        </p:txBody>
+      </p:sp>
+      <p:sp>
+        <p:nvSpPr>
+          <p:cNvPr id="36" name="AutoForm21"/>
+          <p:cNvSpPr>
+            <a:extLst>
+              <a:ext uri="smNativeData">
+                <pr:smNativeData xmlns:pr="smNativeData" xmlns="smNativeData" val="SMDATA_15_/1o6ZxMAAAAlAAAAZQAAAA0AAAAAkAAAAEgAAACQAAAASAAAAAAAAAABAAAAAAAAAAEAAABQAAAAhbacS3FV1T8AAAAAAADwvwAAAAAAAOA/AAAAAAAA4D8AAAAAAADgPwAAAAAAAOA/AAAAAAAA4D8AAAAAAADgPwAAAAAAAOA/AAAAAAAA4D8CAAAAjAAAAAEAAAAAAAAAqdCOAP///wgAAAAAAAAAAAAAAAAAAAAAAAAAAAAAAAAAAAAAZAAAAAEAAABAAAAAAAAAAAAAAAAAAAAAAAAAAAAAAAAAAAAAAAAAAAAAAAAAAAAAAAAAAAAAAAAAAAAAAAAAAAAAAAAAAAAAAAAAAAAAAAAAAAAAAAAAAAAAAAAAAAAAFAAAADwAAAABAAAAAAAAAB4yVwAUAAAAAQAAABQAAAAUAAAAFAAAAAEAAAAAAAAAZAAAAGQAAAAAAAAAZAAAAGQAAAAVAAAAYAAAAAAAAAAAAAAADwAAACADAAAAAAAAAAAAAAEAAACgMgAAVgcAAKr4//8BAAAAf39/AAEAAABkAAAAAAAAABQAAABAHwAAAAAAACYAAAAAAAAAwOD//wAAAAAmAAAAZAAAABYAAABMAAAAAAAAAAAAAAAEAAAAAAAAAAEAAADn5uYKAAAAACgAAAAoAAAAZAAAAGQAAAAAAAAAzMzMAAAAAABQAAAAUAAAAGQAAABkAAAAAAAAABcAAAAUAAAAAAAAAAAAAAD/fwAA/38AAAAAAAAJAAAABAAAAAAAAAAeAAAAaAAAAAAAAAAAAAAAAAAAAAAAAAAAAAAAECcAABAnAAAAAAAAAAAAAAAAAAAAAAAAAAAAAAAAAAAAAAAAAAAAABQAAAAAAAAAwMD/AAAAAABkAAAAMgAAAAAAAABkAAAAAAAAAH9/fwAKAAAAIgAAABgAAAAAAAAAAAAAAAAAAAAAAAAAAAAAAAAAAAAkAAAAJAAAAAAAAAAHAAAAAAAAAAAAAAAAAAAAAAAAAAAAAAAAAAAAf39/ACUAAABYAAAAAAAAAAAAAAAAAAAAAAAAAAAAAAAAAAAAAAAAAAAAAAAAAAAAAAAAAAAAAAA/AAAAAAAAAKCGAQAAAAAAAAAAAAAAAAAMAAAAAQAAAAAAAAAAAAAAAAAAAB8AAABUAAAAqdCOAP///wEAAAAAAAAAAAAAAAAAAAAAAAAAAAAAAAAAAAAAAAAAAB4yVwB/f38A5+bmA8zMzADAwP8Af39/AAAAAAAAAAAAAAAAAAAAAAAAAAAAIQAAABgAAAAUAAAAthkAAJgYAACyHQAAvhsAAAAAAAAmAAAACAAAAP//////////"/>
+              </a:ext>
+            </a:extLst>
+          </p:cNvSpPr>
+          <p:nvPr/>
+        </p:nvSpPr>
+        <p:spPr>
+          <a:xfrm>
+            <a:off x="4179570" y="3997960"/>
+            <a:ext cx="647700" cy="511810"/>
+          </a:xfrm>
+          <a:prstGeom prst="roundRect">
+            <a:avLst>
+              <a:gd name="adj" fmla="val 16667"/>
+            </a:avLst>
+          </a:prstGeom>
+          <a:solidFill>
+            <a:srgbClr val="A9D08E"/>
+          </a:solidFill>
+          <a:ln w="12700" cap="flat" cmpd="sng" algn="ctr">
+            <a:solidFill>
+              <a:srgbClr val="1E3257"/>
+            </a:solidFill>
+            <a:prstDash val="solid"/>
+            <a:headEnd type="none"/>
+            <a:tailEnd type="none"/>
+          </a:ln>
+          <a:effectLst/>
+        </p:spPr>
+        <p:txBody>
+          <a:bodyPr vert="horz" wrap="square" lIns="91440" tIns="45720" rIns="91440" bIns="45720" numCol="1" spcCol="215900" anchor="ctr"/>
+          <a:lstStyle/>
+          <a:p>
+            <a:pPr algn="ctr">
+              <a:defRPr lang="de-de" sz="1100" cap="none">
+                <a:solidFill>
+                  <a:srgbClr val="FFFFFF"/>
+                </a:solidFill>
+                <a:latin typeface="Calibri" pitchFamily="2" charset="0"/>
+                <a:ea typeface="Calibri" pitchFamily="2" charset="0"/>
+                <a:cs typeface="Calibri" pitchFamily="2" charset="0"/>
+              </a:defRPr>
+            </a:pPr>
+          </a:p>
+        </p:txBody>
+      </p:sp>
+      <p:sp>
+        <p:nvSpPr>
+          <p:cNvPr id="37" name="AutoForm22"/>
+          <p:cNvSpPr>
+            <a:extLst>
+              <a:ext uri="smNativeData">
+                <pr:smNativeData xmlns:pr="smNativeData" xmlns="smNativeData" val="SMDATA_15_/1o6ZxMAAAAlAAAAZQAAAA0AAAAAkAAAAEgAAACQAAAASAAAAAAAAAABAAAAAAAAAAEAAABQAAAAhbacS3FV1T8AAAAAAADwvwAAAAAAAOA/AAAAAAAA4D8AAAAAAADgPwAAAAAAAOA/AAAAAAAA4D8AAAAAAADgPwAAAAAAAOA/AAAAAAAA4D8CAAAAjAAAAAEAAAAAAAAAqdCOAP///wgAAAAAAAAAAAAAAAAAAAAAAAAAAAAAAAAAAAAAZAAAAAEAAABAAAAAAAAAAAAAAAAAAAAAAAAAAAAAAAAAAAAAAAAAAAAAAAAAAAAAAAAAAAAAAAAAAAAAAAAAAAAAAAAAAAAAAAAAAAAAAAAAAAAAAAAAAAAAAAAAAAAAFAAAADwAAAABAAAAAAAAAB4yVwAUAAAAAQAAABQAAAAUAAAAFAAAAAEAAAAAAAAAZAAAAGQAAAAAAAAAZAAAAGQAAAAVAAAAYAAAAAAAAAAAAAAADwAAACADAAAAAAAAAAAAAAEAAACgMgAAVgcAAKr4//8BAAAAf39/AAEAAABkAAAAAAAAABQAAABAHwAAAAAAACYAAAAAAAAAwOD//wAAAAAmAAAAZAAAABYAAABMAAAAAAAAAAAAAAAEAAAAAAAAAAEAAADn5uYKAAAAACgAAAAoAAAAZAAAAGQAAAAAAAAAzMzMAAAAAABQAAAAUAAAAGQAAABkAAAAAAAAABcAAAAUAAAAAAAAAAAAAAD/fwAA/38AAAAAAAAJAAAABAAAAAAAAAAeAAAAaAAAAAAAAAAAAAAAAAAAAAAAAAAAAAAAECcAABAnAAAAAAAAAAAAAAAAAAAAAAAAAAAAAAAAAAAAAAAAAAAAABQAAAAAAAAAwMD/AAAAAABkAAAAMgAAAAAAAABkAAAAAAAAAH9/fwAKAAAAIgAAABgAAAAAAAAAAAAAAAAAAAAAAAAAAAAAAAAAAAAkAAAAJAAAAAAAAAAHAAAAAAAAAAAAAAAAAAAAAAAAAAAAAAAAAAAAf39/ACUAAABYAAAAAAAAAAAAAAAAAAAAAAAAAAAAAAAAAAAAAAAAAAAAAAAAAAAAAAAAAAAAAAA/AAAAAAAAAKCGAQAAAAAAAAAAAAAAAAAMAAAAAQAAAAAAAAAAAAAAAAAAAB8AAABUAAAAqdCOAP///wEAAAAAAAAAAAAAAAAAAAAAAAAAAAAAAAAAAAAAAAAAAB4yVwB/f38A5+bmA8zMzADAwP8Af39/AAAAAAAAAAAAAAAAAAAAAAAAAAAAIQAAABgAAAAUAAAA+x0AAJwYAAD3IQAAwhsAAAAAAAAmAAAACAAAAP//////////"/>
+              </a:ext>
+            </a:extLst>
+          </p:cNvSpPr>
+          <p:nvPr/>
+        </p:nvSpPr>
+        <p:spPr>
+          <a:xfrm>
+            <a:off x="4873625" y="4000500"/>
+            <a:ext cx="647700" cy="511810"/>
+          </a:xfrm>
+          <a:prstGeom prst="roundRect">
+            <a:avLst>
+              <a:gd name="adj" fmla="val 16667"/>
+            </a:avLst>
+          </a:prstGeom>
+          <a:solidFill>
+            <a:srgbClr val="A9D08E"/>
+          </a:solidFill>
+          <a:ln w="12700" cap="flat" cmpd="sng" algn="ctr">
+            <a:solidFill>
+              <a:srgbClr val="1E3257"/>
+            </a:solidFill>
+            <a:prstDash val="solid"/>
+            <a:headEnd type="none"/>
+            <a:tailEnd type="none"/>
+          </a:ln>
+          <a:effectLst/>
+        </p:spPr>
+        <p:txBody>
+          <a:bodyPr vert="horz" wrap="square" lIns="91440" tIns="45720" rIns="91440" bIns="45720" numCol="1" spcCol="215900" anchor="ctr"/>
+          <a:lstStyle/>
+          <a:p>
+            <a:pPr algn="ctr">
+              <a:defRPr lang="de-de" sz="1100" cap="none">
+                <a:solidFill>
+                  <a:srgbClr val="FFFFFF"/>
+                </a:solidFill>
+                <a:latin typeface="Calibri" pitchFamily="2" charset="0"/>
+                <a:ea typeface="Calibri" pitchFamily="2" charset="0"/>
+                <a:cs typeface="Calibri" pitchFamily="2" charset="0"/>
+              </a:defRPr>
+            </a:pPr>
+          </a:p>
+        </p:txBody>
+      </p:sp>
+      <p:sp>
+        <p:nvSpPr>
+          <p:cNvPr id="38" name="AutoForm23"/>
+          <p:cNvSpPr>
+            <a:extLst>
+              <a:ext uri="smNativeData">
+                <pr:smNativeData xmlns:pr="smNativeData" xmlns="smNativeData" val="SMDATA_15_/1o6ZxMAAAAlAAAAZQAAAA0AAAAAkAAAAEgAAACQAAAASAAAAAAAAAABAAAAAAAAAAEAAABQAAAAhbacS3FV1T8AAAAAAADwvwAAAAAAAOA/AAAAAAAA4D8AAAAAAADgPwAAAAAAAOA/AAAAAAAA4D8AAAAAAADgPwAAAAAAAOA/AAAAAAAA4D8CAAAAjAAAAAEAAAAAAAAAqdCOAP///wgAAAAAAAAAAAAAAAAAAAAAAAAAAAAAAAAAAAAAZAAAAAEAAABAAAAAAAAAAAAAAAAAAAAAAAAAAAAAAAAAAAAAAAAAAAAAAAAAAAAAAAAAAAAAAAAAAAAAAAAAAAAAAAAAAAAAAAAAAAAAAAAAAAAAAAAAAAAAAAAAAAAAFAAAADwAAAABAAAAAAAAAB4yVwAUAAAAAQAAABQAAAAUAAAAFAAAAAEAAAAAAAAAZAAAAGQAAAAAAAAAZAAAAGQAAAAVAAAAYAAAAAAAAAAAAAAADwAAACADAAAAAAAAAAAAAAEAAACgMgAAVgcAAKr4//8BAAAAf39/AAEAAABkAAAAAAAAABQAAABAHwAAAAAAACYAAAAAAAAAwOD//wAAAAAmAAAAZAAAABYAAABMAAAAAAAAAAAAAAAEAAAAAAAAAAEAAADn5uYKAAAAACgAAAAoAAAAZAAAAGQAAAAAAAAAzMzMAAAAAABQAAAAUAAAAGQAAABkAAAAAAAAABcAAAAUAAAAAAAAAAAAAAD/fwAA/38AAAAAAAAJAAAABAAAAAAAAAAeAAAAaAAAAAAAAAAAAAAAAAAAAAAAAAAAAAAAECcAABAnAAAAAAAAAAAAAAAAAAAAAAAAAAAAAAAAAAAAAAAAAAAAABQAAAAAAAAAwMD/AAAAAABkAAAAMgAAAAAAAABkAAAAAAAAAH9/fwAKAAAAIgAAABgAAAAAAAAAAAAAAAAAAAAAAAAAAAAAAAAAAAAkAAAAJAAAAAAAAAAHAAAAAAAAAAAAAAAAAAAAAAAAAAAAAAAAAAAAf39/ACUAAABYAAAAAAAAAAAAAAAAAAAAAAAAAAAAAAAAAAAAAAAAAAAAAAAAAAAAAAAAAAAAAAA/AAAAAAAAAKCGAQAAAAAAAAAAAAAAAAAMAAAAAQAAAAAAAAAAAAAAAAAAAB8AAABUAAAAqdCOAP///wEAAAAAAAAAAAAAAAAAAAAAAAAAAAAAAAAAAAAAAAAAAB4yVwB/f38A5+bmA8zMzADAwP8Af39/AAAAAAAAAAAAAAAAAAAAAAAAAAAAIQAAABgAAAAUAAAAEicAAIQYAAAOKwAAqhsAAAAAAAAmAAAACAAAAP//////////"/>
+              </a:ext>
+            </a:extLst>
+          </p:cNvSpPr>
+          <p:nvPr/>
+        </p:nvSpPr>
+        <p:spPr>
+          <a:xfrm>
+            <a:off x="6351270" y="3985260"/>
+            <a:ext cx="647700" cy="511810"/>
+          </a:xfrm>
+          <a:prstGeom prst="roundRect">
+            <a:avLst>
+              <a:gd name="adj" fmla="val 16667"/>
+            </a:avLst>
+          </a:prstGeom>
+          <a:solidFill>
+            <a:srgbClr val="A9D08E"/>
+          </a:solidFill>
+          <a:ln w="12700" cap="flat" cmpd="sng" algn="ctr">
+            <a:solidFill>
+              <a:srgbClr val="1E3257"/>
+            </a:solidFill>
+            <a:prstDash val="solid"/>
+            <a:headEnd type="none"/>
+            <a:tailEnd type="none"/>
+          </a:ln>
+          <a:effectLst/>
+        </p:spPr>
+        <p:txBody>
+          <a:bodyPr vert="horz" wrap="square" lIns="91440" tIns="45720" rIns="91440" bIns="45720" numCol="1" spcCol="215900" anchor="ctr"/>
+          <a:lstStyle/>
+          <a:p>
+            <a:pPr algn="ctr">
+              <a:defRPr lang="de-de" sz="1100" cap="none">
+                <a:solidFill>
+                  <a:srgbClr val="FFFFFF"/>
+                </a:solidFill>
+                <a:latin typeface="Calibri" pitchFamily="2" charset="0"/>
+                <a:ea typeface="Calibri" pitchFamily="2" charset="0"/>
+                <a:cs typeface="Calibri" pitchFamily="2" charset="0"/>
+              </a:defRPr>
+            </a:pPr>
+            <a:r>
+              <a:t>Tanks</a:t>
+            </a:r>
+          </a:p>
+          <a:p>
+            <a:pPr algn="ctr">
+              <a:defRPr lang="de-de" sz="1100" cap="none">
+                <a:solidFill>
+                  <a:srgbClr val="FFFFFF"/>
+                </a:solidFill>
+                <a:latin typeface="Calibri" pitchFamily="2" charset="0"/>
+                <a:ea typeface="Calibri" pitchFamily="2" charset="0"/>
+                <a:cs typeface="Calibri" pitchFamily="2" charset="0"/>
+              </a:defRPr>
+            </a:pPr>
+            <a:r>
+              <a:t>26,4</a:t>
+            </a:r>
+          </a:p>
+        </p:txBody>
+      </p:sp>
+      <p:sp>
+        <p:nvSpPr>
+          <p:cNvPr id="39" name="Textbox15"/>
+          <p:cNvSpPr txBox="1">
+            <a:extLst>
+              <a:ext uri="smNativeData">
+                <pr:smNativeData xmlns:pr="smNativeData" xmlns="smNativeData" val="SMDATA_15_/1o6ZxMAAAAlAAAAEgAAAE8BAAAAkAAAAEgAAACQAAAASAAAAAAAAAAAAAAAAAAAAAEAAABQAAAAAAAAAAAA4D8AAAAAAADgPwAAAAAAAOA/AAAAAAAA4D8AAAAAAADgPwAAAAAAAOA/AAAAAAAA4D8AAAAAAADgPwAAAAAAAOA/AAAAAAAA4D8CAAAAjAAAAAAAAAAAAAAARHLEDP///wgAAAAAAAAAAAAAAAAAAAAAAAAAAAAAAAAAAAAAZAAAAAEAAABAAAAAAAAAAAAAAAAAAAAAAAAAAAAAAAAAAAAAAAAAAAAAAAAAAAAAAAAAAAAAAAAAAAAAAAAAAAAAAAAAAAAAAAAAAAAAAAAAAAAAAAAAAAAAAAAAAAAAFAAAADwAAAAAAAAAAAAAAAAAAAkUAAAAAQAAABQAAAAUAAAAFAAAAAEAAAAAAAAAZAAAAGQAAAAAAAAAZAAAAGQAAAAVAAAAYAAAAAAAAAAAAAAADwAAACADAAAAAAAAAAAAAAEAAACgMgAAVgcAAKr4//8BAAAAf39/AAEAAABkAAAAAAAAABQAAABAHwAAAAAAACYAAAAAAAAAwOD//wAAAAAmAAAAZAAAABYAAABMAAAAAAAAAAAAAAAEAAAAAAAAAAEAAADn5uYKAAAAACgAAAAoAAAAZAAAAGQAAAAAAAAAzMzMAAAAAABQAAAAUAAAAGQAAABkAAAAAAAAABcAAAAUAAAAAAAAANwIAAD/fwAA/38AAAAAAAAJAAAABAAAAAAAAAAeAAAAaAAAAAAAAAAAAAAAAAAAAAAAAAAAAAAAECcAABAnAAAAAAAAAAAAAAAAAAAAAAAAAAAAAAAAAAAAAAAAAAAAABQAAAAAAAAAwMD/AAAAAABkAAAAMgAAAAAAAABkAAAAAAAAAH9/fwAKAAAAIgAAABgAAAAAAAAAAAAAAAAAAAAAAAAAAAAAAAAAAAAkAAAAJAAAAAAAAAAHAAAAAAAAAAAAAAAAAAAAAAAAAAAAAAAAAAAAf39/ACUAAABYAAAAAAAAAAAAAAAAAAAAAAAAAAAAAAAAAAAAAAAAAAAAAAAAAAAAAAAAAAAAAAA/AAAAAAAAAKCGAQAAAAAAAAAAAAAAAAAMAAAAAQAAAAAAAAAAAAAAAAAAAB8AAABUAAAARHLEBf///wEAAAAAAAAAAAAAAAAAAAAAAAAAAAAAAAAAAAAAAAAAAAAAAAJ/f38A5+bmA8zMzADAwP8Af39/AAAAAAAAAAAAAAAAAAAAAAAAAAAAIQAAABgAAAAUAAAA7yEAAA4ZAAALJwAAThsAAAAgAAAmAAAACAAAAP//////////"/>
+              </a:ext>
+            </a:extLst>
+          </p:cNvSpPr>
+          <p:nvPr/>
+        </p:nvSpPr>
+        <p:spPr>
+          <a:xfrm>
+            <a:off x="5516245" y="4072890"/>
+            <a:ext cx="830580" cy="365760"/>
+          </a:xfrm>
+          <a:prstGeom prst="rect">
+            <a:avLst/>
+          </a:prstGeom>
+          <a:noFill/>
+          <a:ln>
+            <a:noFill/>
+          </a:ln>
+          <a:effectLst/>
+        </p:spPr>
+        <p:txBody>
+          <a:bodyPr vert="horz" wrap="square" numCol="1" spcCol="215900" anchor="t"/>
+          <a:lstStyle/>
+          <a:p>
+            <a:pPr algn="ctr">
+              <a:defRPr lang="de-de"/>
+            </a:pPr>
+            <a:r>
+              <a:t>=</a:t>
+            </a:r>
+          </a:p>
+        </p:txBody>
+      </p:sp>
+      <p:sp>
+        <p:nvSpPr>
+          <p:cNvPr id="40" name="Textbox16"/>
+          <p:cNvSpPr txBox="1">
+            <a:extLst>
+              <a:ext uri="smNativeData">
+                <pr:smNativeData xmlns:pr="smNativeData" xmlns="smNativeData" val="SMDATA_15_/1o6ZxMAAAAlAAAAEgAAAA8BAAAAkAAAAEgAAACQAAAASAAAAAAAAAAAAAAAAAAAAAEAAABQAAAAAAAAAAAA4D8AAAAAAADgPwAAAAAAAOA/AAAAAAAA4D8AAAAAAADgPwAAAAAAAOA/AAAAAAAA4D8AAAAAAADgPwAAAAAAAOA/AAAAAAAA4D8CAAAAjAAAAAAAAAAAAAAARHLEDP///wgAAAAAAAAAAAAAAAAAAAAAAAAAAAAAAAAAAAAAZAAAAAEAAABAAAAAAAAAAAAAAAAAAAAAAAAAAAAAAAAAAAAAAAAAAAAAAAAAAAAAAAAAAAAAAAAAAAAAAAAAAAAAAAAAAAAAAAAAAAAAAAAAAAAAAAAAAAAAAAAAAAAAFAAAADwAAAAAAAAAAAAAAAAAAAkUAAAAAQAAABQAAAAUAAAAFAAAAAEAAAAAAAAAZAAAAGQAAAAAAAAAZAAAAGQAAAAVAAAAYAAAAAAAAAAAAAAADwAAACADAAAAAAAAAAAAAAEAAACgMgAAVgcAAKr4//8BAAAAf39/AAEAAABkAAAAAAAAABQAAABAHwAAAAAAACYAAAAAAAAAwOD//wAAAAAmAAAAZAAAABYAAABMAAAAAAAAAAAAAAAEAAAAAAAAAAEAAADn5uYKAAAAACgAAAAoAAAAZAAAAGQAAAAAAAAAzMzMAAAAAABQAAAAUAAAAGQAAABkAAAAAAAAABcAAAAUAAAAAAAAAAAAAAD/fwAA/38AAAAAAAAJAAAABAAAAAAAAAAeAAAAaAAAAAAAAAAAAAAAAAAAAAAAAAAAAAAAECcAABAnAAAAAAAAAAAAAAAAAAAAAAAAAAAAAAAAAAAAAAAAAAAAABQAAAAAAAAAwMD/AAAAAABkAAAAMgAAAAAAAABkAAAAAAAAAH9/fwAKAAAAIgAAABgAAAAAAAAAAAAAAAAAAAAAAAAAAAAAAAAAAAAkAAAAJAAAAAAAAAAHAAAAAAAAAAAAAAAAAAAAAAAAAAAAAAAAAAAAf39/ACUAAABYAAAAAAAAAAAAAAAAAAAAAAAAAAAAAAAAAAAAAAAAAAAAAAAAAAAAAAAAAAAAAAA/AAAAAAAAAKCGAQAAAAAAAAAAAAAAAAAMAAAAAQAAAAAAAAAAAAAAAAAAAB8AAABUAAAARHLEBf///wEAAAAAAAAAAAAAAAAAAAAAAAAAAAAAAAAAAAAAAAAAAAAAAAJ/f38A5+bmA8zMzADAwP8Af39/AAAAAAAAAAAAAAAAAAAAAAAAAAAAIQAAABgAAAAUAAAAVhUAAF8ZAAB1GQAA/xsAAAAAAAAmAAAACAAAAP//////////"/>
+              </a:ext>
+            </a:extLst>
+          </p:cNvSpPr>
+          <p:nvPr/>
+        </p:nvSpPr>
+        <p:spPr>
+          <a:xfrm>
+            <a:off x="3468370" y="4124325"/>
+            <a:ext cx="669925" cy="426720"/>
+          </a:xfrm>
+          <a:prstGeom prst="rect">
+            <a:avLst/>
+          </a:prstGeom>
+          <a:noFill/>
+          <a:ln>
+            <a:noFill/>
+          </a:ln>
+          <a:effectLst/>
+        </p:spPr>
+        <p:txBody>
+          <a:bodyPr vert="horz" wrap="square" numCol="1" spcCol="215900" anchor="t"/>
+          <a:lstStyle/>
+          <a:p>
+            <a:pPr algn="ctr">
+              <a:defRPr lang="de-de" sz="1100" cap="none">
+                <a:solidFill>
+                  <a:srgbClr val="FFFFFF"/>
+                </a:solidFill>
+                <a:latin typeface="Calibri" pitchFamily="2" charset="0"/>
+                <a:ea typeface="Calibri" pitchFamily="2" charset="0"/>
+                <a:cs typeface="Calibri" pitchFamily="2" charset="0"/>
+              </a:defRPr>
+            </a:pPr>
+            <a:r>
+              <a:t>Tanks</a:t>
+            </a:r>
+          </a:p>
+          <a:p>
+            <a:pPr algn="ctr">
+              <a:defRPr lang="de-de" sz="1100" cap="none">
+                <a:solidFill>
+                  <a:srgbClr val="FFFFFF"/>
+                </a:solidFill>
+                <a:latin typeface="Calibri" pitchFamily="2" charset="0"/>
+                <a:ea typeface="Calibri" pitchFamily="2" charset="0"/>
+                <a:cs typeface="Calibri" pitchFamily="2" charset="0"/>
+              </a:defRPr>
+            </a:pPr>
+            <a:r>
+              <a:t>8,4</a:t>
+            </a:r>
+          </a:p>
+        </p:txBody>
+      </p:sp>
+      <p:sp>
+        <p:nvSpPr>
+          <p:cNvPr id="41" name="AutoForm24"/>
+          <p:cNvSpPr>
+            <a:extLst>
+              <a:ext uri="smNativeData">
+                <pr:smNativeData xmlns:pr="smNativeData" xmlns="smNativeData" val="SMDATA_15_/1o6ZxMAAAAlAAAAZQAAAA0AAAAAkAAAAEgAAACQAAAASAAAAAAAAAABAAAAAAAAAAEAAABQAAAAXFVVVVVV1T8AAAAAAADwvwAAAAAAAOA/AAAAAAAA4D8AAAAAAADgPwAAAAAAAOA/AAAAAAAA4D8AAAAAAADgPwAAAAAAAOA/AAAAAAAA4D8CAAAAjAAAAAEAAAAAAAAA/wAAAP///wgAAAAAAAAAAAAAAAAAAAAAAAAAAAAAAAAAAAAAZAAAAAEAAABAAAAAAAAAAAAAAAAAAAAAAAAAAAAAAAAAAAAAAAAAAAAAAAAAAAAAAAAAAAAAAAAAAAAAAAAAAAAAAAAAAAAAAAAAAAAAAAAAAAAAAAAAAAAAAAAAAAAAFAAAADwAAAABAAAAAAAAAB4yVwAUAAAAAQAAABQAAAAUAAAAFAAAAAEAAAAAAAAAZAAAAGQAAAAAAAAAZAAAAGQAAAAVAAAAYAAAAAAAAAAAAAAADwAAACADAAAAAAAAAAAAAAEAAACgMgAAVgcAAKr4//8BAAAAf39/AAEAAABkAAAAAAAAABQAAABAHwAAAAAAACYAAAAAAAAAwOD//wAAAAAmAAAAZAAAABYAAABMAAAAAAAAAAAAAAAEAAAAAAAAAAEAAADn5uYKAAAAACgAAAAoAAAAZAAAAGQAAAAAAAAAzMzMAAAAAABQAAAAUAAAAGQAAABkAAAAAAAAABcAAAAUAAAAAAAAAAAAAAD/fwAA/38AAAAAAAAJAAAABAAAAAAAAAAeAAAAaAAAAAAAAAAAAAAAAAAAAAAAAAAAAAAAECcAABAnAAAAAAAAAAAAAAAAAAAAAAAAAAAAAAAAAAAAAAAAAAAAABQAAAAAAAAAwMD/AAAAAABkAAAAMgAAAAAAAABkAAAAAAAAAH9/fwAKAAAAIgAAABgAAAAAAAAAAAAAAAAAAAAAAAAAAAAAAAAAAAAkAAAAJAAAAAAAAAAHAAAAAAAAAAAAAAAAAAAAAAAAAAAAAAAAAAAAf39/ACUAAABYAAAAAAAAAAAAAAAAAAAAAAAAAAAAAAAAAAAAAAAAAAAAAAAAAAAAAAAAAAAAAAA/AAAAAAAAAKCGAQAAAAAAAAAAAAAAAAAMAAAAAQAAAAAAAAAAAAAAAAAAAB8AAABUAAAA/wAAAP///wEAAAAAAAAAAAAAAAAAAAAAAAAAAAAAAAAAAAAAAAAAAB4yVwB/f38A5+bmA8zMzADAwP8Af39/AAAAAAAAAAAAAAAAAAAAAAAAAAAAIQAAABgAAAAUAAAAfhUAAPcYAAAIGQAAaRkAAAAAAAAmAAAACAAAAP//////////"/>
+              </a:ext>
+            </a:extLst>
+          </p:cNvSpPr>
+          <p:nvPr/>
+        </p:nvSpPr>
+        <p:spPr>
+          <a:xfrm>
+            <a:off x="3493770" y="4058285"/>
+            <a:ext cx="575310" cy="72390"/>
+          </a:xfrm>
+          <a:prstGeom prst="roundRect">
+            <a:avLst>
+              <a:gd name="adj" fmla="val 16667"/>
+            </a:avLst>
+          </a:prstGeom>
+          <a:solidFill>
+            <a:srgbClr val="FF0000"/>
+          </a:solidFill>
+          <a:ln w="12700" cap="flat" cmpd="sng" algn="ctr">
+            <a:solidFill>
+              <a:srgbClr val="1E3257"/>
+            </a:solidFill>
+            <a:prstDash val="solid"/>
+            <a:headEnd type="none"/>
+            <a:tailEnd type="none"/>
+          </a:ln>
+          <a:effectLst/>
+        </p:spPr>
+        <p:txBody>
+          <a:bodyPr vert="horz" wrap="square" lIns="91440" tIns="45720" rIns="91440" bIns="45720" numCol="1" spcCol="215900" anchor="ctr"/>
+          <a:lstStyle/>
+          <a:p>
+            <a:pPr algn="ctr">
+              <a:defRPr lang="de-de" sz="1100" cap="none">
+                <a:solidFill>
+                  <a:srgbClr val="FFFFFF"/>
+                </a:solidFill>
+                <a:latin typeface="Calibri" pitchFamily="2" charset="0"/>
+                <a:ea typeface="Calibri" pitchFamily="2" charset="0"/>
+                <a:cs typeface="Calibri" pitchFamily="2" charset="0"/>
+              </a:defRPr>
+            </a:pPr>
+          </a:p>
+        </p:txBody>
+      </p:sp>
+      <p:sp>
+        <p:nvSpPr>
+          <p:cNvPr id="42" name="AutoForm25"/>
+          <p:cNvSpPr>
+            <a:extLst>
+              <a:ext uri="smNativeData">
+                <pr:smNativeData xmlns:pr="smNativeData" xmlns="smNativeData" val="SMDATA_15_/1o6ZxMAAAAlAAAAZQAAAA0AAAAAkAAAAEgAAACQAAAASAAAAAAAAAABAAAAAAAAAAEAAABQAAAAXFVVVVVV1T8AAAAAAADwvwAAAAAAAOA/AAAAAAAA4D8AAAAAAADgPwAAAAAAAOA/AAAAAAAA4D8AAAAAAADgPwAAAAAAAOA/AAAAAAAA4D8CAAAAjAAAAAEAAAAAAAAAAP8AAP///wgAAAAAAAAAAAAAAAAAAAAAAAAAAAAAAAAAAAAAZAAAAAEAAABAAAAAAAAAAAAAAAAAAAAAAAAAAAAAAAAAAAAAAAAAAAAAAAAAAAAAAAAAAAAAAAAAAAAAAAAAAAAAAAAAAAAAAAAAAAAAAAAAAAAAAAAAAAAAAAAAAAAAFAAAADwAAAABAAAAAAAAAB4yVwAUAAAAAQAAABQAAAAUAAAAFAAAAAEAAAAAAAAAZAAAAGQAAAAAAAAAZAAAAGQAAAAVAAAAYAAAAAAAAAAAAAAADwAAACADAAAAAAAAAAAAAAEAAACgMgAAVgcAAKr4//8BAAAAf39/AAEAAABkAAAAAAAAABQAAABAHwAAAAAAACYAAAAAAAAAwOD//wAAAAAmAAAAZAAAABYAAABMAAAAAAAAAAAAAAAEAAAAAAAAAAEAAADn5uYKAAAAACgAAAAoAAAAZAAAAGQAAAAAAAAAzMzMAAAAAABQAAAAUAAAAGQAAABkAAAAAAAAABcAAAAUAAAAAAAAAAAAAAD/fwAA/38AAAAAAAAJAAAABAAAAAAAoD4eAAAAaAAAAAAAAAAAAAAAAAAAAAAAAAAAAAAAECcAABAnAAAAAAAAAAAAAAAAAAAAAAAAAAAAAAAAAAAAAAAAAAAAABQAAAAAAAAAwMD/AAAAAABkAAAAMgAAAAAAAABkAAAAAAAAAH9/fwAKAAAAIgAAABgAAAAAAAAAAAAAAAAAAAAAAAAAAAAAAAAAAAAkAAAAJAAAAAAAAAAHAAAAAAAAAAAAAAAAAAAAAAAAAAAAAAAAAAAAf39/ACUAAABYAAAAAAAAAAAAAAAAAAAAAAAAAAAAAAAAAAAAAAAAAAAAAAAAAAAAAAAAAAAAAAA/AAAAAAAAAKCGAQAAAAAAAAAAAAAAAAAMAAAAAQAAAAAAAAAAAAAAAAAAAB8AAABUAAAAAP8AAP///wEAAAAAAAAAAAAAAAAAAAAAAAAAAAAAAAAAAAAAAAAAAB4yVwB/f38A5+bmA8zMzADAwP8Af39/AAAAAAAAAAAAAAAAAAAAAAAAAAAAIQAAABgAAAAUAAAA5RkAANkYAABvHQAASxkAAAAAAAAmAAAACAAAAP//////////"/>
+              </a:ext>
+            </a:extLst>
+          </p:cNvSpPr>
+          <p:nvPr/>
+        </p:nvSpPr>
+        <p:spPr>
+          <a:xfrm>
+            <a:off x="4209415" y="4039235"/>
+            <a:ext cx="575310" cy="72390"/>
+          </a:xfrm>
+          <a:prstGeom prst="roundRect">
+            <a:avLst>
+              <a:gd name="adj" fmla="val 16667"/>
+            </a:avLst>
+          </a:prstGeom>
+          <a:solidFill>
+            <a:srgbClr val="00FF00"/>
+          </a:solidFill>
+          <a:ln w="12700" cap="flat" cmpd="sng" algn="ctr">
+            <a:solidFill>
+              <a:srgbClr val="1E3257"/>
+            </a:solidFill>
+            <a:prstDash val="solid"/>
+            <a:headEnd type="none"/>
+            <a:tailEnd type="none"/>
+          </a:ln>
+          <a:effectLst/>
+        </p:spPr>
+        <p:txBody>
+          <a:bodyPr vert="horz" wrap="square" lIns="91440" tIns="45720" rIns="91440" bIns="45720" numCol="1" spcCol="215900" anchor="ctr"/>
+          <a:lstStyle/>
+          <a:p>
+            <a:pPr algn="ctr">
+              <a:defRPr lang="de-de" sz="1100" cap="none">
+                <a:solidFill>
+                  <a:srgbClr val="FFFFFF"/>
+                </a:solidFill>
+                <a:latin typeface="Calibri" pitchFamily="2" charset="0"/>
+                <a:ea typeface="Calibri" pitchFamily="2" charset="0"/>
+                <a:cs typeface="Calibri" pitchFamily="2" charset="0"/>
+              </a:defRPr>
+            </a:pPr>
+          </a:p>
+        </p:txBody>
+      </p:sp>
+      <p:sp>
+        <p:nvSpPr>
+          <p:cNvPr id="43" name="Textbox17"/>
+          <p:cNvSpPr txBox="1">
+            <a:extLst>
+              <a:ext uri="smNativeData">
+                <pr:smNativeData xmlns:pr="smNativeData" xmlns="smNativeData" val="SMDATA_15_/1o6ZxMAAAAlAAAAEgAAAA8BAAAAkAAAAEgAAACQAAAASAAAAAAAAAAAAAAAAAAAAAEAAABQAAAAAAAAAAAA4D8AAAAAAADgPwAAAAAAAOA/AAAAAAAA4D8AAAAAAADgPwAAAAAAAOA/AAAAAAAA4D8AAAAAAADgPwAAAAAAAOA/AAAAAAAA4D8CAAAAjAAAAAAAAAAAAAAARHLEDP///wgAAAAAAAAAAAAAAAAAAAAAAAAAAAAAAAAAAAAAZAAAAAEAAABAAAAAAAAAAAAAAAAAAAAAAAAAAAAAAAAAAAAAAAAAAAAAAAAAAAAAAAAAAAAAAAAAAAAAAAAAAAAAAAAAAAAAAAAAAAAAAAAAAAAAAAAAAAAAAAAAAAAAFAAAADwAAAAAAAAAAAAAAAAAAAkUAAAAAQAAABQAAAAUAAAAFAAAAAEAAAAAAAAAZAAAAGQAAAAAAAAAZAAAAGQAAAAVAAAAYAAAAAAAAAAAAAAADwAAACADAAAAAAAAAAAAAAEAAACgMgAAVgcAAKr4//8BAAAAf39/AAEAAABkAAAAAAAAABQAAABAHwAAAAAAACYAAAAAAAAAwOD//wAAAAAmAAAAZAAAABYAAABMAAAAAAAAAAAAAAAEAAAAAAAAAAEAAADn5uYKAAAAACgAAAAoAAAAZAAAAGQAAAAAAAAAzMzMAAAAAABQAAAAUAAAAGQAAABkAAAAAAAAABcAAAAUAAAAAAAAAAAAAAD/fwAA/38AAAAAAAAJAAAABAAAAAAAAAAeAAAAaAAAAAAAAAAAAAAAAAAAAAAAAAAAAAAAECcAABAnAAAAAAAAAAAAAAAAAAAAAAAAAAAAAAAAAAAAAAAAAAAAABQAAAAAAAAAwMD/AAAAAABkAAAAMgAAAAAAAABkAAAAAAAAAH9/fwAKAAAAIgAAABgAAAAAAAAAAAAAAAAAAAAAAAAAAAAAAAAAAAAkAAAAJAAAAAAAAAAHAAAAAAAAAAAAAAAAAAAAAAAAAAAAAAAAAAAAf39/ACUAAABYAAAAAAAAAAAAAAAAAAAAAAAAAAAAAAAAAAAAAAAAAAAAAAAAAAAAAAAAAAAAAAA/AAAAAAAAAKCGAQAAAAAAAAAAAAAAAAAMAAAAAQAAAAAAAAAAAAAAAAAAAB8AAABUAAAARHLEBf///wEAAAAAAAAAAAAAAAAAAAAAAAAAAAAAAAAAAAAAAAAAAAAAAAJ/f38A5+bmA8zMzADAwP8Af39/AAAAAAAAAAAAAAAAAAAAAAAAAAAAIQAAABgAAAAUAAAAhhkAAFwZAAClHQAA/BsAAAAAAAAmAAAACAAAAP//////////"/>
+              </a:ext>
+            </a:extLst>
+          </p:cNvSpPr>
+          <p:nvPr/>
+        </p:nvSpPr>
+        <p:spPr>
+          <a:xfrm>
+            <a:off x="4149090" y="4122420"/>
+            <a:ext cx="669925" cy="426720"/>
+          </a:xfrm>
+          <a:prstGeom prst="rect">
+            <a:avLst/>
+          </a:prstGeom>
+          <a:noFill/>
+          <a:ln>
+            <a:noFill/>
+          </a:ln>
+          <a:effectLst/>
+        </p:spPr>
+        <p:txBody>
+          <a:bodyPr vert="horz" wrap="square" numCol="1" spcCol="215900" anchor="t"/>
+          <a:lstStyle/>
+          <a:p>
+            <a:pPr algn="ctr">
+              <a:defRPr lang="de-de" sz="1100" cap="none">
+                <a:solidFill>
+                  <a:srgbClr val="FFFFFF"/>
+                </a:solidFill>
+                <a:latin typeface="Calibri" pitchFamily="2" charset="0"/>
+                <a:ea typeface="Calibri" pitchFamily="2" charset="0"/>
+                <a:cs typeface="Calibri" pitchFamily="2" charset="0"/>
+              </a:defRPr>
+            </a:pPr>
+            <a:r>
+              <a:t>Ship</a:t>
+            </a:r>
+          </a:p>
+          <a:p>
+            <a:pPr algn="ctr">
+              <a:defRPr lang="de-de" sz="1100" cap="none">
+                <a:solidFill>
+                  <a:srgbClr val="FFFFFF"/>
+                </a:solidFill>
+                <a:latin typeface="Calibri" pitchFamily="2" charset="0"/>
+                <a:ea typeface="Calibri" pitchFamily="2" charset="0"/>
+                <a:cs typeface="Calibri" pitchFamily="2" charset="0"/>
+              </a:defRPr>
+            </a:pPr>
+            <a:r>
+              <a:t>8,4</a:t>
+            </a:r>
+          </a:p>
+        </p:txBody>
+      </p:sp>
+      <p:sp>
+        <p:nvSpPr>
+          <p:cNvPr id="44" name="Textbox18"/>
+          <p:cNvSpPr txBox="1">
+            <a:extLst>
+              <a:ext uri="smNativeData">
+                <pr:smNativeData xmlns:pr="smNativeData" xmlns="smNativeData" val="SMDATA_15_/1o6ZxMAAAAlAAAAEgAAAA8BAAAAkAAAAEgAAACQAAAASAAAAAAAAAAAAAAAAAAAAAEAAABQAAAAAAAAAAAA4D8AAAAAAADgPwAAAAAAAOA/AAAAAAAA4D8AAAAAAADgPwAAAAAAAOA/AAAAAAAA4D8AAAAAAADgPwAAAAAAAOA/AAAAAAAA4D8CAAAAjAAAAAAAAAAAAAAARHLEDP///wgAAAAAAAAAAAAAAAAAAAAAAAAAAAAAAAAAAAAAZAAAAAEAAABAAAAAAAAAAAAAAAAAAAAAAAAAAAAAAAAAAAAAAAAAAAAAAAAAAAAAAAAAAAAAAAAAAAAAAAAAAAAAAAAAAAAAAAAAAAAAAAAAAAAAAAAAAAAAAAAAAAAAFAAAADwAAAAAAAAAAAAAAAAAAAkUAAAAAQAAABQAAAAUAAAAFAAAAAEAAAAAAAAAZAAAAGQAAAAAAAAAZAAAAGQAAAAVAAAAYAAAAAAAAAAAAAAADwAAACADAAAAAAAAAAAAAAEAAACgMgAAVgcAAKr4//8BAAAAf39/AAEAAABkAAAAAAAAABQAAABAHwAAAAAAACYAAAAAAAAAwOD//wAAAAAmAAAAZAAAABYAAABMAAAAAAAAAAAAAAAEAAAAAAAAAAEAAADn5uYKAAAAACgAAAAoAAAAZAAAAGQAAAAAAAAAzMzMAAAAAABQAAAAUAAAAGQAAABkAAAAAAAAABcAAAAUAAAAAAAAAAAAAAD/fwAA/38AAAAAAAAJAAAABAAAAAAAAAAeAAAAaAAAAAAAAAAAAAAAAAAAAAAAAAAAAAAAECcAABAnAAAAAAAAAAAAAAAAAAAAAAAAAAAAAAAAAAAAAAAAAAAAABQAAAAAAAAAwMD/AAAAAABkAAAAMgAAAAAAAABkAAAAAAAAAH9/fwAKAAAAIgAAABgAAAAAAAAAAAAAAAAAAAAAAAAAAAAAAAAAAAAkAAAAJAAAAAAAAAAHAAAAAAAAAAAAAAAAAAAAAAAAAAAAAAAAAAAAf39/ACUAAABYAAAAAAAAAAAAAAAAAAAAAAAAAAAAAAAAAAAAAAAAAAAAAAAAAAAAAAAAAAAAAAA/AAAAAAAAAKCGAQAAAAAAAAAAAAAAAAAMAAAAAQAAAAAAAAAAAAAAAAAAAB8AAABUAAAARHLEBf///wEAAAAAAAAAAAAAAAAAAAAAAAAAAAAAAAAAAAAAAAAAAAAAAAJ/f38A5+bmA8zMzADAwP8Af39/AAAAAAAAAAAAAAAAAAAAAAAAAAAAIQAAABgAAAAUAAAA9x0AAFQZAAAWIgAA9BsAAAAAAAAmAAAACAAAAP//////////"/>
+              </a:ext>
+            </a:extLst>
+          </p:cNvSpPr>
+          <p:nvPr/>
+        </p:nvSpPr>
+        <p:spPr>
+          <a:xfrm>
+            <a:off x="4871085" y="4117340"/>
+            <a:ext cx="669925" cy="426720"/>
+          </a:xfrm>
+          <a:prstGeom prst="rect">
+            <a:avLst/>
+          </a:prstGeom>
+          <a:noFill/>
+          <a:ln>
+            <a:noFill/>
+          </a:ln>
+          <a:effectLst/>
+        </p:spPr>
+        <p:txBody>
+          <a:bodyPr vert="horz" wrap="square" numCol="1" spcCol="215900" anchor="t"/>
+          <a:lstStyle/>
+          <a:p>
+            <a:pPr algn="ctr">
+              <a:defRPr lang="de-de" sz="1100" cap="none">
+                <a:solidFill>
+                  <a:srgbClr val="FFFFFF"/>
+                </a:solidFill>
+                <a:latin typeface="Calibri" pitchFamily="2" charset="0"/>
+                <a:ea typeface="Calibri" pitchFamily="2" charset="0"/>
+                <a:cs typeface="Calibri" pitchFamily="2" charset="0"/>
+              </a:defRPr>
+            </a:pPr>
+            <a:r>
+              <a:t>Jets</a:t>
+            </a:r>
+          </a:p>
+          <a:p>
+            <a:pPr algn="ctr">
+              <a:defRPr lang="de-de" sz="1100" cap="none">
+                <a:solidFill>
+                  <a:srgbClr val="FFFFFF"/>
+                </a:solidFill>
+                <a:latin typeface="Calibri" pitchFamily="2" charset="0"/>
+                <a:ea typeface="Calibri" pitchFamily="2" charset="0"/>
+                <a:cs typeface="Calibri" pitchFamily="2" charset="0"/>
+              </a:defRPr>
+            </a:pPr>
+            <a:r>
+              <a:t>8,4</a:t>
+            </a:r>
+          </a:p>
+        </p:txBody>
+      </p:sp>
+      <p:sp>
+        <p:nvSpPr>
+          <p:cNvPr id="45" name="AutoForm26"/>
+          <p:cNvSpPr>
+            <a:extLst>
+              <a:ext uri="smNativeData">
+                <pr:smNativeData xmlns:pr="smNativeData" xmlns="smNativeData" val="SMDATA_15_/1o6ZxMAAAAlAAAAZQAAAA0AAAAAkAAAAEgAAACQAAAASAAAAAAAAAABAAAAAAAAAAEAAABQAAAAXFVVVVVV1T8AAAAAAADwvwAAAAAAAOA/AAAAAAAA4D8AAAAAAADgPwAAAAAAAOA/AAAAAAAA4D8AAAAAAADgPwAAAAAAAOA/AAAAAAAA4D8CAAAAjAAAAAEAAAAAAAAA/wAAAP///wgAAAAAAAAAAAAAAAAAAAAAAAAAAAAAAAAAAAAAZAAAAAEAAABAAAAAAAAAAAAAAAAAAAAAAAAAAAAAAAAAAAAAAAAAAAAAAAAAAAAAAAAAAAAAAAAAAAAAAAAAAAAAAAAAAAAAAAAAAAAAAAAAAAAAAAAAAAAAAAAAAAAAFAAAADwAAAABAAAAAAAAAB4yVwAUAAAAAQAAABQAAAAUAAAAFAAAAAEAAAAAAAAAZAAAAGQAAAAAAAAAZAAAAGQAAAAVAAAAYAAAAAAAAAAAAAAADwAAACADAAAAAAAAAAAAAAEAAACgMgAAVgcAAKr4//8BAAAAf39/AAEAAABkAAAAAAAAABQAAABAHwAAAAAAACYAAAAAAAAAwOD//wAAAAAmAAAAZAAAABYAAABMAAAAAAAAAAAAAAAEAAAAAAAAAAEAAADn5uYKAAAAACgAAAAoAAAAZAAAAGQAAAAAAAAAzMzMAAAAAABQAAAAUAAAAGQAAABkAAAAAAAAABcAAAAUAAAAAAAAAAAAAAD/fwAA/38AAAAAAAAJAAAABAAAAAAAAAAeAAAAaAAAAAAAAAAAAAAAAAAAAAAAAAAAAAAAECcAABAnAAAAAAAAAAAAAAAAAAAAAAAAAAAAAAAAAAAAAAAAAAAAABQAAAAAAAAAwMD/AAAAAABkAAAAMgAAAAAAAABkAAAAAAAAAH9/fwAKAAAAIgAAABgAAAAAAAAAAAAAAAAAAAAAAAAAAAAAAAAAAAAkAAAAJAAAAAAAAAAHAAAAAAAAAAAAAAAAAAAAAAAAAAAAAAAAAAAAf39/ACUAAABYAAAAAAAAAAAAAAAAAAAAAAAAAAAAAAAAAAAAAAAAAAAAAAAAAAAAAAAAAAAAAAA/AAAAAAAAAKCGAQAAAAAAAAAAAAAAAAAMAAAAAQAAAAAAAAAAAAAAAAAAAB8AAABUAAAA/wAAAP///wEAAAAAAAAAAAAAAAAAAAAAAAAAAAAAAAAAAAAAAAAAAB4yVwB/f38A5+bmA8zMzADAwP8Af39/AAAAAAAAAAAAAAAAAAAAAAAAAAAAIQAAABgAAAAUAAAAMh4AANoYAAC8IQAATBkAAAAAAAAmAAAACAAAAP//////////"/>
+              </a:ext>
+            </a:extLst>
+          </p:cNvSpPr>
+          <p:nvPr/>
+        </p:nvSpPr>
+        <p:spPr>
+          <a:xfrm>
+            <a:off x="4908550" y="4039870"/>
+            <a:ext cx="575310" cy="72390"/>
+          </a:xfrm>
+          <a:prstGeom prst="roundRect">
+            <a:avLst>
+              <a:gd name="adj" fmla="val 16667"/>
+            </a:avLst>
+          </a:prstGeom>
+          <a:solidFill>
+            <a:srgbClr val="FF0000"/>
+          </a:solidFill>
+          <a:ln w="12700" cap="flat" cmpd="sng" algn="ctr">
+            <a:solidFill>
+              <a:srgbClr val="1E3257"/>
+            </a:solidFill>
+            <a:prstDash val="solid"/>
+            <a:headEnd type="none"/>
+            <a:tailEnd type="none"/>
+          </a:ln>
+          <a:effectLst/>
+        </p:spPr>
+        <p:txBody>
+          <a:bodyPr vert="horz" wrap="square" lIns="91440" tIns="45720" rIns="91440" bIns="45720" numCol="1" spcCol="215900" anchor="ctr"/>
+          <a:lstStyle/>
+          <a:p>
+            <a:pPr algn="ctr">
+              <a:defRPr lang="de-de" sz="1100" cap="none">
+                <a:solidFill>
+                  <a:srgbClr val="FFFFFF"/>
+                </a:solidFill>
+                <a:latin typeface="Calibri" pitchFamily="2" charset="0"/>
+                <a:ea typeface="Calibri" pitchFamily="2" charset="0"/>
+                <a:cs typeface="Calibri" pitchFamily="2" charset="0"/>
+              </a:defRPr>
+            </a:pPr>
+          </a:p>
+        </p:txBody>
+      </p:sp>
+      <p:sp>
+        <p:nvSpPr>
+          <p:cNvPr id="46" name="AutoForm27"/>
+          <p:cNvSpPr>
+            <a:extLst>
+              <a:ext uri="smNativeData">
+                <pr:smNativeData xmlns:pr="smNativeData" xmlns="smNativeData" val="SMDATA_15_/1o6ZxMAAAAlAAAAZQAAAA0AAAAAkAAAAEgAAACQAAAASAAAAAAAAAABAAAAAAAAAAEAAABQAAAAXFVVVVVV1T8AAAAAAADwvwAAAAAAAOA/AAAAAAAA4D8AAAAAAADgPwAAAAAAAOA/AAAAAAAA4D8AAAAAAADgPwAAAAAAAOA/AAAAAAAA4D8CAAAAjAAAAAEAAAAAAAAAAP8AAP///wgAAAAAAAAAAAAAAAAAAAAAAAAAAAAAAAAAAAAAZAAAAAEAAABAAAAAAAAAAAAAAAAAAAAAAAAAAAAAAAAAAAAAAAAAAAAAAAAAAAAAAAAAAAAAAAAAAAAAAAAAAAAAAAAAAAAAAAAAAAAAAAAAAAAAAAAAAAAAAAAAAAAAFAAAADwAAAABAAAAAAAAAB4yVwAUAAAAAQAAABQAAAAUAAAAFAAAAAEAAAAAAAAAZAAAAGQAAAAAAAAAZAAAAGQAAAAVAAAAYAAAAAAAAAAAAAAADwAAACADAAAAAAAAAAAAAAEAAACgMgAAVgcAAKr4//8BAAAAf39/AAEAAABkAAAAAAAAABQAAABAHwAAAAAAACYAAAAAAAAAwOD//wAAAAAmAAAAZAAAABYAAABMAAAAAAAAAAAAAAAEAAAAAAAAAAEAAADn5uYKAAAAACgAAAAoAAAAZAAAAGQAAAAAAAAAzMzMAAAAAABQAAAAUAAAAGQAAABkAAAAAAAAABcAAAAUAAAAAAAAAAAAAAD/fwAA/38AAAAAAAAJAAAABAAAALwEAAAeAAAAaAAAAAAAAAAAAAAAAAAAAAAAAAAAAAAAECcAABAnAAAAAAAAAAAAAAAAAAAAAAAAAAAAAAAAAAAAAAAAAAAAABQAAAAAAAAAwMD/AAAAAABkAAAAMgAAAAAAAABkAAAAAAAAAH9/fwAKAAAAIgAAABgAAAAAAAAAAAAAAAAAAAAAAAAAAAAAAAAAAAAkAAAAJAAAAAAAAAAHAAAAAAAAAAAAAAAAAAAAAAAAAAAAAAAAAAAAf39/ACUAAABYAAAAAAAAAAAAAAAAAAAAAAAAAAAAAAAAAAAAAAAAAAAAAAAAAAAAAAAAAAAAAAA/AAAAAAAAAKCGAQAAAAAAAAAAAAAAAAAMAAAAAQAAAAAAAAAAAAAAAAAAAB8AAABUAAAAAP8AAP///wEAAAAAAAAAAAAAAAAAAAAAAAAAAAAAAAAAAAAAAAAAAB4yVwB/f38A5+bmA8zMzADAwP8Af39/AAAAAAAAAAAAAAAAAAAAAAAAAAAAIQAAABgAAAAUAAAAMh4AAOAYAAB/IAAAXxkAAAAAAAAmAAAACAAAAP//////////"/>
+              </a:ext>
+            </a:extLst>
+          </p:cNvSpPr>
+          <p:nvPr/>
+        </p:nvSpPr>
+        <p:spPr>
+          <a:xfrm>
+            <a:off x="4908550" y="4043680"/>
+            <a:ext cx="374015" cy="80645"/>
+          </a:xfrm>
+          <a:prstGeom prst="roundRect">
+            <a:avLst>
+              <a:gd name="adj" fmla="val 16667"/>
+            </a:avLst>
+          </a:prstGeom>
+          <a:solidFill>
+            <a:srgbClr val="00FF00"/>
+          </a:solidFill>
+          <a:ln w="12700" cap="flat" cmpd="sng" algn="ctr">
+            <a:solidFill>
+              <a:srgbClr val="1E3257"/>
+            </a:solidFill>
+            <a:prstDash val="solid"/>
+            <a:headEnd type="none"/>
+            <a:tailEnd type="none"/>
+          </a:ln>
+          <a:effectLst/>
+        </p:spPr>
+        <p:txBody>
+          <a:bodyPr vert="horz" wrap="square" lIns="91440" tIns="45720" rIns="91440" bIns="45720" numCol="1" spcCol="215900" anchor="ctr"/>
+          <a:lstStyle/>
+          <a:p>
+            <a:pPr algn="ctr">
+              <a:defRPr lang="de-de" sz="1100" cap="none">
+                <a:solidFill>
+                  <a:srgbClr val="FFFFFF"/>
+                </a:solidFill>
+                <a:latin typeface="Calibri" pitchFamily="2" charset="0"/>
+                <a:ea typeface="Calibri" pitchFamily="2" charset="0"/>
+                <a:cs typeface="Calibri" pitchFamily="2" charset="0"/>
+              </a:defRPr>
+            </a:pPr>
           </a:p>
         </p:txBody>
       </p:sp>
